--- a/docs/Poster/Poster.pptx
+++ b/docs/Poster/Poster.pptx
@@ -104,6 +104,11 @@
       </a:defRPr>
     </a:lvl9pPr>
   </p:defaultTextStyle>
+  <p:extLst>
+    <p:ext uri="{EFAFB233-063F-42B5-8137-9DF3F51BA10A}">
+      <p15:sldGuideLst xmlns:p15="http://schemas.microsoft.com/office/powerpoint/2012/main"/>
+    </p:ext>
+  </p:extLst>
 </p:presentation>
 </file>
 
@@ -238,7 +243,7 @@
           <a:p>
             <a:fld id="{70533FD3-F370-458C-BCE8-160857C0EEE2}" type="datetimeFigureOut">
               <a:rPr lang="fr-FR" smtClean="0"/>
-              <a:t>30/04/2024</a:t>
+              <a:t>02/05/2024</a:t>
             </a:fld>
             <a:endParaRPr lang="fr-FR"/>
           </a:p>
@@ -408,7 +413,7 @@
           <a:p>
             <a:fld id="{70533FD3-F370-458C-BCE8-160857C0EEE2}" type="datetimeFigureOut">
               <a:rPr lang="fr-FR" smtClean="0"/>
-              <a:t>30/04/2024</a:t>
+              <a:t>02/05/2024</a:t>
             </a:fld>
             <a:endParaRPr lang="fr-FR"/>
           </a:p>
@@ -588,7 +593,7 @@
           <a:p>
             <a:fld id="{70533FD3-F370-458C-BCE8-160857C0EEE2}" type="datetimeFigureOut">
               <a:rPr lang="fr-FR" smtClean="0"/>
-              <a:t>30/04/2024</a:t>
+              <a:t>02/05/2024</a:t>
             </a:fld>
             <a:endParaRPr lang="fr-FR"/>
           </a:p>
@@ -758,7 +763,7 @@
           <a:p>
             <a:fld id="{70533FD3-F370-458C-BCE8-160857C0EEE2}" type="datetimeFigureOut">
               <a:rPr lang="fr-FR" smtClean="0"/>
-              <a:t>30/04/2024</a:t>
+              <a:t>02/05/2024</a:t>
             </a:fld>
             <a:endParaRPr lang="fr-FR"/>
           </a:p>
@@ -1004,7 +1009,7 @@
           <a:p>
             <a:fld id="{70533FD3-F370-458C-BCE8-160857C0EEE2}" type="datetimeFigureOut">
               <a:rPr lang="fr-FR" smtClean="0"/>
-              <a:t>30/04/2024</a:t>
+              <a:t>02/05/2024</a:t>
             </a:fld>
             <a:endParaRPr lang="fr-FR"/>
           </a:p>
@@ -1236,7 +1241,7 @@
           <a:p>
             <a:fld id="{70533FD3-F370-458C-BCE8-160857C0EEE2}" type="datetimeFigureOut">
               <a:rPr lang="fr-FR" smtClean="0"/>
-              <a:t>30/04/2024</a:t>
+              <a:t>02/05/2024</a:t>
             </a:fld>
             <a:endParaRPr lang="fr-FR"/>
           </a:p>
@@ -1603,7 +1608,7 @@
           <a:p>
             <a:fld id="{70533FD3-F370-458C-BCE8-160857C0EEE2}" type="datetimeFigureOut">
               <a:rPr lang="fr-FR" smtClean="0"/>
-              <a:t>30/04/2024</a:t>
+              <a:t>02/05/2024</a:t>
             </a:fld>
             <a:endParaRPr lang="fr-FR"/>
           </a:p>
@@ -1721,7 +1726,7 @@
           <a:p>
             <a:fld id="{70533FD3-F370-458C-BCE8-160857C0EEE2}" type="datetimeFigureOut">
               <a:rPr lang="fr-FR" smtClean="0"/>
-              <a:t>30/04/2024</a:t>
+              <a:t>02/05/2024</a:t>
             </a:fld>
             <a:endParaRPr lang="fr-FR"/>
           </a:p>
@@ -1816,7 +1821,7 @@
           <a:p>
             <a:fld id="{70533FD3-F370-458C-BCE8-160857C0EEE2}" type="datetimeFigureOut">
               <a:rPr lang="fr-FR" smtClean="0"/>
-              <a:t>30/04/2024</a:t>
+              <a:t>02/05/2024</a:t>
             </a:fld>
             <a:endParaRPr lang="fr-FR"/>
           </a:p>
@@ -2093,7 +2098,7 @@
           <a:p>
             <a:fld id="{70533FD3-F370-458C-BCE8-160857C0EEE2}" type="datetimeFigureOut">
               <a:rPr lang="fr-FR" smtClean="0"/>
-              <a:t>30/04/2024</a:t>
+              <a:t>02/05/2024</a:t>
             </a:fld>
             <a:endParaRPr lang="fr-FR"/>
           </a:p>
@@ -2350,7 +2355,7 @@
           <a:p>
             <a:fld id="{70533FD3-F370-458C-BCE8-160857C0EEE2}" type="datetimeFigureOut">
               <a:rPr lang="fr-FR" smtClean="0"/>
-              <a:t>30/04/2024</a:t>
+              <a:t>02/05/2024</a:t>
             </a:fld>
             <a:endParaRPr lang="fr-FR"/>
           </a:p>
@@ -2563,7 +2568,7 @@
           <a:p>
             <a:fld id="{70533FD3-F370-458C-BCE8-160857C0EEE2}" type="datetimeFigureOut">
               <a:rPr lang="fr-FR" smtClean="0"/>
-              <a:t>30/04/2024</a:t>
+              <a:t>02/05/2024</a:t>
             </a:fld>
             <a:endParaRPr lang="fr-FR"/>
           </a:p>
@@ -2976,6 +2981,262 @@
           <a:chExt cx="0" cy="0"/>
         </a:xfrm>
       </p:grpSpPr>
+      <p:sp>
+        <p:nvSpPr>
+          <p:cNvPr id="5" name="Rectangle : coins arrondis 4">
+            <a:extLst>
+              <a:ext uri="{FF2B5EF4-FFF2-40B4-BE49-F238E27FC236}">
+                <a16:creationId xmlns:a16="http://schemas.microsoft.com/office/drawing/2014/main" id="{FB511331-6DB4-D732-29C5-1F788BAFE694}"/>
+              </a:ext>
+            </a:extLst>
+          </p:cNvPr>
+          <p:cNvSpPr>
+            <a:spLocks/>
+          </p:cNvSpPr>
+          <p:nvPr/>
+        </p:nvSpPr>
+        <p:spPr>
+          <a:xfrm>
+            <a:off x="623629" y="25682742"/>
+            <a:ext cx="10064094" cy="10202409"/>
+          </a:xfrm>
+          <a:prstGeom prst="roundRect">
+            <a:avLst/>
+          </a:prstGeom>
+          <a:solidFill>
+            <a:srgbClr val="E7E1D5"/>
+          </a:solidFill>
+          <a:ln>
+            <a:noFill/>
+          </a:ln>
+        </p:spPr>
+        <p:style>
+          <a:lnRef idx="2">
+            <a:schemeClr val="accent1">
+              <a:shade val="15000"/>
+            </a:schemeClr>
+          </a:lnRef>
+          <a:fillRef idx="1">
+            <a:schemeClr val="accent1"/>
+          </a:fillRef>
+          <a:effectRef idx="0">
+            <a:schemeClr val="accent1"/>
+          </a:effectRef>
+          <a:fontRef idx="minor">
+            <a:schemeClr val="lt1"/>
+          </a:fontRef>
+        </p:style>
+        <p:txBody>
+          <a:bodyPr rtlCol="0" anchor="t"/>
+          <a:lstStyle/>
+          <a:p>
+            <a:pPr marL="0" marR="0" lvl="0" indent="0" algn="ctr" defTabSz="457200" rtl="0" eaLnBrk="1" fontAlgn="auto" latinLnBrk="0" hangingPunct="1">
+              <a:lnSpc>
+                <a:spcPct val="100000"/>
+              </a:lnSpc>
+              <a:spcBef>
+                <a:spcPts val="0"/>
+              </a:spcBef>
+              <a:spcAft>
+                <a:spcPts val="0"/>
+              </a:spcAft>
+              <a:buClrTx/>
+              <a:buSzTx/>
+              <a:buFontTx/>
+              <a:buNone/>
+              <a:tabLst/>
+              <a:defRPr/>
+            </a:pPr>
+            <a:r>
+              <a:rPr kumimoji="0" lang="fr-FR" sz="5000" b="0" i="0" u="none" strike="noStrike" kern="1200" cap="none" spc="0" normalizeH="0" baseline="0" noProof="0" dirty="0" err="1">
+                <a:ln>
+                  <a:noFill/>
+                </a:ln>
+                <a:solidFill>
+                  <a:srgbClr val="37322F"/>
+                </a:solidFill>
+                <a:effectLst/>
+                <a:uLnTx/>
+                <a:uFillTx/>
+                <a:latin typeface="Gill Sans Nova" panose="020B0602020104020203" pitchFamily="34" charset="0"/>
+                <a:ea typeface="+mn-ea"/>
+                <a:cs typeface="Aharoni" panose="020F0502020204030204" pitchFamily="2" charset="-79"/>
+              </a:rPr>
+              <a:t>Thermo-optic</a:t>
+            </a:r>
+            <a:r>
+              <a:rPr kumimoji="0" lang="fr-FR" sz="5000" b="0" i="0" u="none" strike="noStrike" kern="1200" cap="none" spc="0" normalizeH="0" baseline="0" noProof="0" dirty="0">
+                <a:ln>
+                  <a:noFill/>
+                </a:ln>
+                <a:solidFill>
+                  <a:srgbClr val="37322F"/>
+                </a:solidFill>
+                <a:effectLst/>
+                <a:uLnTx/>
+                <a:uFillTx/>
+                <a:latin typeface="Gill Sans Nova" panose="020B0602020104020203" pitchFamily="34" charset="0"/>
+                <a:ea typeface="+mn-ea"/>
+                <a:cs typeface="Aharoni" panose="020F0502020204030204" pitchFamily="2" charset="-79"/>
+              </a:rPr>
+              <a:t> phase </a:t>
+            </a:r>
+            <a:r>
+              <a:rPr kumimoji="0" lang="fr-FR" sz="5000" b="0" i="0" u="none" strike="noStrike" kern="1200" cap="none" spc="0" normalizeH="0" baseline="0" noProof="0" dirty="0" err="1">
+                <a:ln>
+                  <a:noFill/>
+                </a:ln>
+                <a:solidFill>
+                  <a:srgbClr val="37322F"/>
+                </a:solidFill>
+                <a:effectLst/>
+                <a:uLnTx/>
+                <a:uFillTx/>
+                <a:latin typeface="Gill Sans Nova" panose="020B0602020104020203" pitchFamily="34" charset="0"/>
+                <a:ea typeface="+mn-ea"/>
+                <a:cs typeface="Aharoni" panose="020F0502020204030204" pitchFamily="2" charset="-79"/>
+              </a:rPr>
+              <a:t>shifter</a:t>
+            </a:r>
+            <a:r>
+              <a:rPr kumimoji="0" lang="fr-FR" sz="5000" b="0" i="0" u="none" strike="noStrike" kern="1200" cap="none" spc="0" normalizeH="0" baseline="0" noProof="0" dirty="0">
+                <a:ln>
+                  <a:noFill/>
+                </a:ln>
+                <a:solidFill>
+                  <a:srgbClr val="37322F"/>
+                </a:solidFill>
+                <a:effectLst/>
+                <a:uLnTx/>
+                <a:uFillTx/>
+                <a:latin typeface="Gill Sans Nova" panose="020B0602020104020203" pitchFamily="34" charset="0"/>
+                <a:ea typeface="+mn-ea"/>
+                <a:cs typeface="Aharoni" panose="020F0502020204030204" pitchFamily="2" charset="-79"/>
+              </a:rPr>
+              <a:t> 🌡️</a:t>
+            </a:r>
+            <a:endParaRPr kumimoji="0" lang="en-US" sz="5000" b="0" i="0" u="none" strike="noStrike" kern="1200" cap="none" spc="0" normalizeH="0" baseline="0" noProof="0" dirty="0">
+              <a:ln>
+                <a:noFill/>
+              </a:ln>
+              <a:solidFill>
+                <a:srgbClr val="37322F"/>
+              </a:solidFill>
+              <a:effectLst/>
+              <a:uLnTx/>
+              <a:uFillTx/>
+              <a:latin typeface="Gill Sans Nova" panose="020B0602020104020203" pitchFamily="34" charset="0"/>
+              <a:ea typeface="+mn-ea"/>
+              <a:cs typeface="Aharoni" panose="020F0502020204030204" pitchFamily="2" charset="-79"/>
+            </a:endParaRPr>
+          </a:p>
+          <a:p>
+            <a:pPr marL="0" marR="0" lvl="0" indent="0" algn="ctr" defTabSz="457200" rtl="0" eaLnBrk="1" fontAlgn="auto" latinLnBrk="0" hangingPunct="1">
+              <a:lnSpc>
+                <a:spcPct val="100000"/>
+              </a:lnSpc>
+              <a:spcBef>
+                <a:spcPts val="0"/>
+              </a:spcBef>
+              <a:spcAft>
+                <a:spcPts val="0"/>
+              </a:spcAft>
+              <a:buClrTx/>
+              <a:buSzTx/>
+              <a:buFontTx/>
+              <a:buNone/>
+              <a:tabLst/>
+              <a:defRPr/>
+            </a:pPr>
+            <a:r>
+              <a:rPr kumimoji="0" lang="en-US" sz="2000" b="0" i="0" u="sng" strike="noStrike" kern="1200" cap="none" spc="0" normalizeH="0" baseline="0" noProof="0" dirty="0">
+                <a:ln>
+                  <a:noFill/>
+                </a:ln>
+                <a:solidFill>
+                  <a:srgbClr val="37322F"/>
+                </a:solidFill>
+                <a:effectLst/>
+                <a:uLnTx/>
+                <a:uFillTx/>
+                <a:latin typeface="Gill Sans Nova" panose="020B0602020104020203" pitchFamily="34" charset="0"/>
+                <a:ea typeface="+mn-ea"/>
+                <a:cs typeface="Aharoni" panose="020F0502020204030204" pitchFamily="2" charset="-79"/>
+              </a:rPr>
+              <a:t> </a:t>
+            </a:r>
+          </a:p>
+          <a:p>
+            <a:pPr marL="0" marR="0" lvl="0" indent="0" algn="l" defTabSz="457200" rtl="0" eaLnBrk="1" fontAlgn="auto" latinLnBrk="0" hangingPunct="1">
+              <a:lnSpc>
+                <a:spcPct val="100000"/>
+              </a:lnSpc>
+              <a:spcBef>
+                <a:spcPts val="0"/>
+              </a:spcBef>
+              <a:spcAft>
+                <a:spcPts val="0"/>
+              </a:spcAft>
+              <a:buClrTx/>
+              <a:buSzTx/>
+              <a:buFontTx/>
+              <a:buNone/>
+              <a:tabLst/>
+              <a:defRPr/>
+            </a:pPr>
+            <a:r>
+              <a:rPr kumimoji="0" lang="fr-FR" sz="3200" b="0" i="0" u="none" strike="noStrike" kern="1200" cap="none" spc="0" normalizeH="0" baseline="0" noProof="0" dirty="0">
+                <a:ln>
+                  <a:noFill/>
+                </a:ln>
+                <a:solidFill>
+                  <a:srgbClr val="37322F"/>
+                </a:solidFill>
+                <a:effectLst/>
+                <a:uLnTx/>
+                <a:uFillTx/>
+                <a:latin typeface="Gill Sans Nova" panose="020B0602020104020203" pitchFamily="34" charset="0"/>
+                <a:ea typeface="+mn-ea"/>
+                <a:cs typeface="+mn-cs"/>
+              </a:rPr>
+              <a:t>Blablabla</a:t>
+            </a:r>
+          </a:p>
+          <a:p>
+            <a:pPr marL="0" marR="0" lvl="0" indent="0" algn="ctr" defTabSz="457200" rtl="0" eaLnBrk="1" fontAlgn="auto" latinLnBrk="0" hangingPunct="1">
+              <a:lnSpc>
+                <a:spcPct val="100000"/>
+              </a:lnSpc>
+              <a:spcBef>
+                <a:spcPts val="0"/>
+              </a:spcBef>
+              <a:spcAft>
+                <a:spcPts val="0"/>
+              </a:spcAft>
+              <a:buClrTx/>
+              <a:buSzTx/>
+              <a:buFontTx/>
+              <a:buNone/>
+              <a:tabLst/>
+              <a:defRPr/>
+            </a:pPr>
+            <a:endParaRPr kumimoji="0" lang="fr-FR" sz="1800" b="0" i="0" u="none" strike="noStrike" kern="1200" cap="none" spc="0" normalizeH="0" baseline="0" noProof="0" dirty="0">
+              <a:ln>
+                <a:noFill/>
+              </a:ln>
+              <a:solidFill>
+                <a:srgbClr val="37322F"/>
+              </a:solidFill>
+              <a:effectLst/>
+              <a:uLnTx/>
+              <a:uFillTx/>
+              <a:latin typeface="Aptos" panose="02110004020202020204"/>
+              <a:ea typeface="+mn-ea"/>
+              <a:cs typeface="+mn-cs"/>
+            </a:endParaRPr>
+          </a:p>
+        </p:txBody>
+      </p:sp>
       <p:grpSp>
         <p:nvGrpSpPr>
           <p:cNvPr id="15" name="Groupe 14">
@@ -3064,7 +3325,7 @@
               </a:extLst>
             </p:cNvPr>
             <p:cNvSpPr>
-              <a:spLocks/>
+              <a:spLocks noGrp="1"/>
             </p:cNvSpPr>
             <p:nvPr>
               <p:ph type="ctrTitle"/>
@@ -3563,10 +3824,10 @@
         </p:nvGrpSpPr>
         <p:grpSpPr>
           <a:xfrm>
-            <a:off x="442452" y="9259890"/>
-            <a:ext cx="31355070" cy="26625261"/>
-            <a:chOff x="442452" y="9259890"/>
-            <a:chExt cx="31355070" cy="26625261"/>
+            <a:off x="442451" y="9259890"/>
+            <a:ext cx="31355071" cy="26625261"/>
+            <a:chOff x="442451" y="9259890"/>
+            <a:chExt cx="31355071" cy="26625261"/>
           </a:xfrm>
         </p:grpSpPr>
         <p:grpSp>
@@ -3583,10 +3844,10 @@
           </p:nvGrpSpPr>
           <p:grpSpPr>
             <a:xfrm>
-              <a:off x="442452" y="9259890"/>
-              <a:ext cx="31355070" cy="26625261"/>
-              <a:chOff x="522108" y="7597170"/>
-              <a:chExt cx="31355070" cy="26749973"/>
+              <a:off x="442451" y="9259890"/>
+              <a:ext cx="31355071" cy="15919712"/>
+              <a:chOff x="522107" y="7597170"/>
+              <a:chExt cx="31355071" cy="15994279"/>
             </a:xfrm>
           </p:grpSpPr>
           <p:grpSp>
@@ -3604,9 +3865,9 @@
             <p:grpSpPr>
               <a:xfrm>
                 <a:off x="522108" y="7597170"/>
-                <a:ext cx="31355070" cy="26749973"/>
+                <a:ext cx="31355070" cy="15264866"/>
                 <a:chOff x="244827" y="7313550"/>
-                <a:chExt cx="28424036" cy="6584345"/>
+                <a:chExt cx="28424036" cy="3757355"/>
               </a:xfrm>
             </p:grpSpPr>
             <p:sp>
@@ -3626,7 +3887,7 @@
               <p:spPr>
                 <a:xfrm>
                   <a:off x="244827" y="7313550"/>
-                  <a:ext cx="9123315" cy="2256456"/>
+                  <a:ext cx="18491684" cy="1194463"/>
                 </a:xfrm>
                 <a:prstGeom prst="roundRect">
                   <a:avLst/>
@@ -3660,26 +3921,36 @@
                 <a:p>
                   <a:pPr algn="ctr"/>
                   <a:r>
-                    <a:rPr lang="en-US" sz="6000" dirty="0">
+                    <a:rPr lang="fr-FR" sz="5000" dirty="0">
                       <a:solidFill>
                         <a:srgbClr val="37322F"/>
                       </a:solidFill>
                       <a:latin typeface="Gill Sans Nova" panose="020B0602020104020203" pitchFamily="34" charset="0"/>
                       <a:cs typeface="Aharoni" panose="020F0502020204030204" pitchFamily="2" charset="-79"/>
                     </a:rPr>
-                    <a:t>Abstract </a:t>
+                    <a:t>In a </a:t>
                   </a:r>
                   <a:r>
-                    <a:rPr lang="fr-FR" sz="6000" dirty="0">
+                    <a:rPr lang="fr-FR" sz="5000" dirty="0" err="1">
                       <a:solidFill>
                         <a:srgbClr val="37322F"/>
                       </a:solidFill>
                       <a:latin typeface="Gill Sans Nova" panose="020B0602020104020203" pitchFamily="34" charset="0"/>
                       <a:cs typeface="Aharoni" panose="020F0502020204030204" pitchFamily="2" charset="-79"/>
                     </a:rPr>
-                    <a:t>🔎</a:t>
+                    <a:t>nutshell</a:t>
                   </a:r>
-                  <a:endParaRPr lang="en-US" sz="6000" dirty="0">
+                  <a:r>
+                    <a:rPr lang="fr-FR" sz="5000" dirty="0">
+                      <a:solidFill>
+                        <a:srgbClr val="37322F"/>
+                      </a:solidFill>
+                      <a:latin typeface="Gill Sans Nova" panose="020B0602020104020203" pitchFamily="34" charset="0"/>
+                      <a:cs typeface="Aharoni" panose="020F0502020204030204" pitchFamily="2" charset="-79"/>
+                    </a:rPr>
+                    <a:t> 🥜</a:t>
+                  </a:r>
+                  <a:endParaRPr lang="en-US" sz="5000" dirty="0">
                     <a:solidFill>
                       <a:srgbClr val="37322F"/>
                     </a:solidFill>
@@ -3757,8 +4028,8 @@
               </p:nvSpPr>
               <p:spPr>
                 <a:xfrm>
-                  <a:off x="9895188" y="8591476"/>
-                  <a:ext cx="9123315" cy="5306419"/>
+                  <a:off x="9895188" y="8632438"/>
+                  <a:ext cx="9123315" cy="2438467"/>
                 </a:xfrm>
                 <a:prstGeom prst="roundRect">
                   <a:avLst/>
@@ -3792,24 +4063,16 @@
                 <a:p>
                   <a:pPr algn="ctr"/>
                   <a:r>
-                    <a:rPr lang="fr-FR" sz="6000" dirty="0" err="1">
+                    <a:rPr lang="fr-FR" sz="5000" dirty="0">
                       <a:solidFill>
                         <a:srgbClr val="37322F"/>
                       </a:solidFill>
                       <a:latin typeface="Gill Sans Nova" panose="020B0602020104020203" pitchFamily="34" charset="0"/>
+                      <a:cs typeface="Aharoni" panose="020F0502020204030204" pitchFamily="2" charset="-79"/>
                     </a:rPr>
-                    <a:t>Methodology</a:t>
+                    <a:t>Calibration algorithme 🗜️</a:t>
                   </a:r>
-                  <a:r>
-                    <a:rPr lang="fr-FR" sz="6000" dirty="0">
-                      <a:solidFill>
-                        <a:srgbClr val="37322F"/>
-                      </a:solidFill>
-                      <a:latin typeface="Gill Sans Nova" panose="020B0602020104020203" pitchFamily="34" charset="0"/>
-                    </a:rPr>
-                    <a:t> 🪛</a:t>
-                  </a:r>
-                  <a:endParaRPr lang="en-US" sz="9600" dirty="0">
+                  <a:endParaRPr lang="en-US" sz="5000" dirty="0">
                     <a:solidFill>
                       <a:srgbClr val="37322F"/>
                     </a:solidFill>
@@ -3820,7 +4083,7 @@
                 <a:p>
                   <a:pPr algn="ctr"/>
                   <a:r>
-                    <a:rPr lang="en-US" sz="1000" u="sng" dirty="0">
+                    <a:rPr lang="en-US" sz="2000" u="sng" dirty="0">
                       <a:solidFill>
                         <a:srgbClr val="37322F"/>
                       </a:solidFill>
@@ -3859,8 +4122,8 @@
               </p:nvSpPr>
               <p:spPr>
                 <a:xfrm>
-                  <a:off x="19545548" y="7313550"/>
-                  <a:ext cx="9123315" cy="2760256"/>
+                  <a:off x="19545548" y="8632438"/>
+                  <a:ext cx="9123315" cy="2161824"/>
                 </a:xfrm>
                 <a:prstGeom prst="roundRect">
                   <a:avLst/>
@@ -3910,7 +4173,7 @@
                     <a:defRPr/>
                   </a:pPr>
                   <a:r>
-                    <a:rPr kumimoji="0" lang="en-US" sz="6000" b="0" i="0" u="none" strike="noStrike" kern="1200" cap="none" spc="0" normalizeH="0" baseline="0" noProof="0" dirty="0">
+                    <a:rPr kumimoji="0" lang="fr-FR" sz="5000" b="0" i="0" u="none" strike="noStrike" kern="1200" cap="none" spc="0" normalizeH="0" baseline="0" noProof="0" dirty="0" err="1">
                       <a:ln>
                         <a:noFill/>
                       </a:ln>
@@ -3924,26 +4187,39 @@
                       <a:ea typeface="+mn-ea"/>
                       <a:cs typeface="Aharoni" panose="020F0502020204030204" pitchFamily="2" charset="-79"/>
                     </a:rPr>
-                    <a:t>Results </a:t>
+                    <a:t>Statistical</a:t>
                   </a:r>
                   <a:r>
-                    <a:rPr kumimoji="0" lang="fr-FR" sz="6000" b="0" i="0" u="none" strike="noStrike" kern="1200" cap="none" spc="0" normalizeH="0" baseline="0" noProof="0" dirty="0">
-                      <a:ln>
-                        <a:noFill/>
-                      </a:ln>
+                    <a:rPr lang="fr-FR" sz="5000" dirty="0">
                       <a:solidFill>
                         <a:srgbClr val="37322F"/>
                       </a:solidFill>
-                      <a:effectLst/>
-                      <a:uLnTx/>
-                      <a:uFillTx/>
                       <a:latin typeface="Gill Sans Nova" panose="020B0602020104020203" pitchFamily="34" charset="0"/>
-                      <a:ea typeface="+mn-ea"/>
                       <a:cs typeface="Aharoni" panose="020F0502020204030204" pitchFamily="2" charset="-79"/>
                     </a:rPr>
-                    <a:t>📊</a:t>
+                    <a:t> </a:t>
                   </a:r>
-                  <a:endParaRPr kumimoji="0" lang="en-US" sz="6000" b="0" i="0" u="none" strike="noStrike" kern="1200" cap="none" spc="0" normalizeH="0" baseline="0" noProof="0" dirty="0">
+                  <a:r>
+                    <a:rPr lang="fr-FR" sz="5000" dirty="0" err="1">
+                      <a:solidFill>
+                        <a:srgbClr val="37322F"/>
+                      </a:solidFill>
+                      <a:latin typeface="Gill Sans Nova" panose="020B0602020104020203" pitchFamily="34" charset="0"/>
+                      <a:cs typeface="Aharoni" panose="020F0502020204030204" pitchFamily="2" charset="-79"/>
+                    </a:rPr>
+                    <a:t>analysis</a:t>
+                  </a:r>
+                  <a:r>
+                    <a:rPr lang="fr-FR" sz="5000" dirty="0">
+                      <a:solidFill>
+                        <a:srgbClr val="37322F"/>
+                      </a:solidFill>
+                      <a:latin typeface="Gill Sans Nova" panose="020B0602020104020203" pitchFamily="34" charset="0"/>
+                      <a:cs typeface="Aharoni" panose="020F0502020204030204" pitchFamily="2" charset="-79"/>
+                    </a:rPr>
+                    <a:t> 📊</a:t>
+                  </a:r>
+                  <a:endParaRPr kumimoji="0" lang="en-US" sz="5000" b="0" i="0" u="none" strike="noStrike" kern="1200" cap="none" spc="0" normalizeH="0" baseline="0" noProof="0" dirty="0">
                     <a:ln>
                       <a:noFill/>
                     </a:ln>
@@ -3977,7 +4253,7 @@
                     <a:defRPr/>
                   </a:pPr>
                   <a:r>
-                    <a:rPr kumimoji="0" lang="en-US" sz="1000" b="0" i="0" u="sng" strike="noStrike" kern="1200" cap="none" spc="0" normalizeH="0" baseline="0" noProof="0" dirty="0">
+                    <a:rPr kumimoji="0" lang="en-US" sz="2000" b="0" i="0" u="sng" strike="noStrike" kern="1200" cap="none" spc="0" normalizeH="0" baseline="0" noProof="0" dirty="0">
                       <a:ln>
                         <a:noFill/>
                       </a:ln>
@@ -4057,7 +4333,7 @@
             </p:nvSpPr>
             <p:spPr>
               <a:xfrm>
-                <a:off x="522108" y="17229437"/>
+                <a:off x="522107" y="12955368"/>
                 <a:ext cx="10064094" cy="10636081"/>
               </a:xfrm>
               <a:prstGeom prst="roundRect">
@@ -4108,7 +4384,7 @@
                   <a:defRPr/>
                 </a:pPr>
                 <a:r>
-                  <a:rPr kumimoji="0" lang="en-US" sz="6000" b="0" i="0" u="none" strike="noStrike" kern="1200" cap="none" spc="0" normalizeH="0" baseline="0" noProof="0" dirty="0">
+                  <a:rPr kumimoji="0" lang="en-US" sz="5000" b="0" i="0" u="none" strike="noStrike" kern="1200" cap="none" spc="0" normalizeH="0" baseline="0" noProof="0" dirty="0" err="1">
                     <a:ln>
                       <a:noFill/>
                     </a:ln>
@@ -4122,26 +4398,29 @@
                     <a:ea typeface="+mn-ea"/>
                     <a:cs typeface="Aharoni" panose="020F0502020204030204" pitchFamily="2" charset="-79"/>
                   </a:rPr>
-                  <a:t>Introduction </a:t>
+                  <a:t>Nullin</a:t>
                 </a:r>
                 <a:r>
-                  <a:rPr kumimoji="0" lang="fr-FR" sz="6000" b="0" i="0" u="none" strike="noStrike" kern="1200" cap="none" spc="0" normalizeH="0" baseline="0" noProof="0" dirty="0">
-                    <a:ln>
-                      <a:noFill/>
-                    </a:ln>
+                  <a:rPr lang="en-US" sz="5000" dirty="0">
                     <a:solidFill>
                       <a:srgbClr val="37322F"/>
                     </a:solidFill>
-                    <a:effectLst/>
-                    <a:uLnTx/>
-                    <a:uFillTx/>
                     <a:latin typeface="Gill Sans Nova" panose="020B0602020104020203" pitchFamily="34" charset="0"/>
-                    <a:ea typeface="+mn-ea"/>
                     <a:cs typeface="Aharoni" panose="020F0502020204030204" pitchFamily="2" charset="-79"/>
                   </a:rPr>
-                  <a:t>👋</a:t>
+                  <a:t>g interferometry </a:t>
                 </a:r>
-                <a:endParaRPr kumimoji="0" lang="en-US" sz="6000" b="0" i="0" u="none" strike="noStrike" kern="1200" cap="none" spc="0" normalizeH="0" baseline="0" noProof="0" dirty="0">
+                <a:r>
+                  <a:rPr lang="fr-FR" sz="5000" dirty="0">
+                    <a:solidFill>
+                      <a:srgbClr val="37322F"/>
+                    </a:solidFill>
+                    <a:latin typeface="Gill Sans Nova" panose="020B0602020104020203" pitchFamily="34" charset="0"/>
+                    <a:cs typeface="Aharoni" panose="020F0502020204030204" pitchFamily="2" charset="-79"/>
+                  </a:rPr>
+                  <a:t>〰️</a:t>
+                </a:r>
+                <a:endParaRPr kumimoji="0" lang="en-US" sz="5000" b="0" i="0" u="none" strike="noStrike" kern="1200" cap="none" spc="0" normalizeH="0" baseline="0" noProof="0" dirty="0">
                   <a:ln>
                     <a:noFill/>
                   </a:ln>
@@ -4175,7 +4454,7 @@
                   <a:defRPr/>
                 </a:pPr>
                 <a:r>
-                  <a:rPr kumimoji="0" lang="en-US" sz="1000" b="0" i="0" u="sng" strike="noStrike" kern="1200" cap="none" spc="0" normalizeH="0" baseline="0" noProof="0" dirty="0">
+                  <a:rPr kumimoji="0" lang="en-US" sz="2000" b="0" i="0" u="sng" strike="noStrike" kern="1200" cap="none" spc="0" normalizeH="0" baseline="0" noProof="0" dirty="0">
                     <a:ln>
                       <a:noFill/>
                     </a:ln>
@@ -4280,7 +4559,7 @@
           </p:nvSpPr>
           <p:spPr>
             <a:xfrm>
-              <a:off x="21733428" y="21077791"/>
+              <a:off x="21733428" y="23838065"/>
               <a:ext cx="10064094" cy="12047086"/>
             </a:xfrm>
             <a:prstGeom prst="roundRect">
@@ -4331,7 +4610,7 @@
                 <a:defRPr/>
               </a:pPr>
               <a:r>
-                <a:rPr kumimoji="0" lang="en-US" sz="6000" b="0" i="0" u="none" strike="noStrike" kern="1200" cap="none" spc="0" normalizeH="0" baseline="0" noProof="0" dirty="0">
+                <a:rPr kumimoji="0" lang="en-US" sz="5000" b="0" i="0" u="none" strike="noStrike" kern="1200" cap="none" spc="0" normalizeH="0" baseline="0" noProof="0" dirty="0">
                   <a:ln>
                     <a:noFill/>
                   </a:ln>
@@ -4345,10 +4624,10 @@
                   <a:ea typeface="+mn-ea"/>
                   <a:cs typeface="Aharoni" panose="020F0502020204030204" pitchFamily="2" charset="-79"/>
                 </a:rPr>
-                <a:t>Discussions </a:t>
+                <a:t>Discussions &amp; prospects </a:t>
               </a:r>
               <a:r>
-                <a:rPr kumimoji="0" lang="fr-FR" sz="6000" b="0" i="0" u="none" strike="noStrike" kern="1200" cap="none" spc="0" normalizeH="0" baseline="0" noProof="0" dirty="0">
+                <a:rPr kumimoji="0" lang="fr-FR" sz="5000" b="0" i="0" u="none" strike="noStrike" kern="1200" cap="none" spc="0" normalizeH="0" baseline="0" noProof="0" dirty="0">
                   <a:ln>
                     <a:noFill/>
                   </a:ln>
@@ -4364,7 +4643,7 @@
                 </a:rPr>
                 <a:t>💬</a:t>
               </a:r>
-              <a:endParaRPr kumimoji="0" lang="en-US" sz="6000" b="0" i="0" u="none" strike="noStrike" kern="1200" cap="none" spc="0" normalizeH="0" baseline="0" noProof="0" dirty="0">
+              <a:endParaRPr kumimoji="0" lang="en-US" sz="5000" b="0" i="0" u="none" strike="noStrike" kern="1200" cap="none" spc="0" normalizeH="0" baseline="0" noProof="0" dirty="0">
                 <a:ln>
                   <a:noFill/>
                 </a:ln>
@@ -4398,7 +4677,7 @@
                 <a:defRPr/>
               </a:pPr>
               <a:r>
-                <a:rPr kumimoji="0" lang="en-US" sz="1000" b="0" i="0" u="sng" strike="noStrike" kern="1200" cap="none" spc="0" normalizeH="0" baseline="0" noProof="0" dirty="0">
+                <a:rPr kumimoji="0" lang="en-US" sz="2000" b="0" i="0" u="sng" strike="noStrike" kern="1200" cap="none" spc="0" normalizeH="0" baseline="0" noProof="0" dirty="0">
                   <a:ln>
                     <a:noFill/>
                   </a:ln>
@@ -4574,7 +4853,7 @@
                 <a:defRPr/>
               </a:pPr>
               <a:r>
-                <a:rPr lang="en-US" sz="6000" dirty="0">
+                <a:rPr lang="en-US" sz="5000" dirty="0">
                   <a:solidFill>
                     <a:srgbClr val="37322F"/>
                   </a:solidFill>
@@ -4584,7 +4863,7 @@
                 <a:t>References </a:t>
               </a:r>
               <a:r>
-                <a:rPr lang="fr-FR" sz="6000" dirty="0">
+                <a:rPr lang="fr-FR" sz="5000" dirty="0">
                   <a:solidFill>
                     <a:srgbClr val="37322F"/>
                   </a:solidFill>
@@ -4593,7 +4872,7 @@
                 </a:rPr>
                 <a:t>📜</a:t>
               </a:r>
-              <a:endParaRPr kumimoji="0" lang="en-US" sz="6000" b="0" i="0" u="none" strike="noStrike" kern="1200" cap="none" spc="0" normalizeH="0" baseline="0" noProof="0" dirty="0">
+              <a:endParaRPr kumimoji="0" lang="en-US" sz="5000" b="0" i="0" u="none" strike="noStrike" kern="1200" cap="none" spc="0" normalizeH="0" baseline="0" noProof="0" dirty="0">
                 <a:ln>
                   <a:noFill/>
                 </a:ln>
@@ -4627,7 +4906,7 @@
                 <a:defRPr/>
               </a:pPr>
               <a:r>
-                <a:rPr kumimoji="0" lang="en-US" sz="1000" b="0" i="0" u="sng" strike="noStrike" kern="1200" cap="none" spc="0" normalizeH="0" baseline="0" noProof="0" dirty="0">
+                <a:rPr kumimoji="0" lang="en-US" sz="2000" b="0" i="0" u="sng" strike="noStrike" kern="1200" cap="none" spc="0" normalizeH="0" baseline="0" noProof="0" dirty="0">
                   <a:ln>
                     <a:noFill/>
                   </a:ln>
@@ -4790,7 +5069,7 @@
                 <a:defRPr/>
               </a:pPr>
               <a:r>
-                <a:rPr lang="en-US" sz="6000" dirty="0">
+                <a:rPr lang="en-US" sz="5000" dirty="0">
                   <a:solidFill>
                     <a:srgbClr val="37322F"/>
                   </a:solidFill>
@@ -4800,7 +5079,7 @@
                 <a:t>Acknowledgment </a:t>
               </a:r>
               <a:r>
-                <a:rPr lang="fr-FR" sz="6000" dirty="0">
+                <a:rPr lang="fr-FR" sz="5000" dirty="0">
                   <a:solidFill>
                     <a:srgbClr val="37322F"/>
                   </a:solidFill>
@@ -4809,7 +5088,7 @@
                 </a:rPr>
                 <a:t>🤝</a:t>
               </a:r>
-              <a:endParaRPr kumimoji="0" lang="en-US" sz="6000" b="0" i="0" u="none" strike="noStrike" kern="1200" cap="none" spc="0" normalizeH="0" baseline="0" noProof="0" dirty="0">
+              <a:endParaRPr kumimoji="0" lang="en-US" sz="5000" b="0" i="0" u="none" strike="noStrike" kern="1200" cap="none" spc="0" normalizeH="0" baseline="0" noProof="0" dirty="0">
                 <a:ln>
                   <a:noFill/>
                 </a:ln>
@@ -4843,7 +5122,7 @@
                 <a:defRPr/>
               </a:pPr>
               <a:r>
-                <a:rPr kumimoji="0" lang="en-US" sz="1000" b="0" i="0" u="sng" strike="noStrike" kern="1200" cap="none" spc="0" normalizeH="0" baseline="0" noProof="0" dirty="0">
+                <a:rPr kumimoji="0" lang="en-US" sz="2000" b="0" i="0" u="sng" strike="noStrike" kern="1200" cap="none" spc="0" normalizeH="0" baseline="0" noProof="0" dirty="0">
                   <a:ln>
                     <a:noFill/>
                   </a:ln>
@@ -4940,360 +5219,588 @@
           </p:txBody>
         </p:sp>
       </p:grpSp>
-      <p:pic>
-        <p:nvPicPr>
-          <p:cNvPr id="35" name="Image 34" descr="Une image contenant capture d’écran, texte&#10;&#10;Description générée automatiquement">
+      <p:grpSp>
+        <p:nvGrpSpPr>
+          <p:cNvPr id="4" name="Groupe 3">
             <a:extLst>
               <a:ext uri="{FF2B5EF4-FFF2-40B4-BE49-F238E27FC236}">
-                <a16:creationId xmlns:a16="http://schemas.microsoft.com/office/drawing/2014/main" id="{FB3F1B58-F4C2-8B25-46C5-060328F54D22}"/>
+                <a16:creationId xmlns:a16="http://schemas.microsoft.com/office/drawing/2014/main" id="{515FBFC3-547D-36BA-A66E-E6D179168B40}"/>
               </a:ext>
             </a:extLst>
           </p:cNvPr>
-          <p:cNvPicPr>
-            <a:picLocks noChangeAspect="1"/>
-          </p:cNvPicPr>
+          <p:cNvGrpSpPr/>
           <p:nvPr/>
-        </p:nvPicPr>
-        <p:blipFill>
-          <a:blip r:embed="rId6">
-            <a:extLst>
-              <a:ext uri="{28A0092B-C50C-407E-A947-70E740481C1C}">
-                <a14:useLocalDpi xmlns:a14="http://schemas.microsoft.com/office/drawing/2010/main" val="0"/>
-              </a:ext>
-            </a:extLst>
-          </a:blip>
-          <a:stretch>
-            <a:fillRect/>
-          </a:stretch>
-        </p:blipFill>
-        <p:spPr>
+        </p:nvGrpSpPr>
+        <p:grpSpPr>
           <a:xfrm>
-            <a:off x="10380480" y="9259889"/>
-            <a:ext cx="11479014" cy="4355068"/>
+            <a:off x="1504335" y="18974831"/>
+            <a:ext cx="8302682" cy="5940424"/>
+            <a:chOff x="1323157" y="29845168"/>
+            <a:chExt cx="8302682" cy="5940424"/>
           </a:xfrm>
-          <a:prstGeom prst="rect">
-            <a:avLst/>
-          </a:prstGeom>
-        </p:spPr>
-      </p:pic>
-      <p:pic>
-        <p:nvPicPr>
-          <p:cNvPr id="37" name="Image 36" descr="Une image contenant capture d’écran, art&#10;&#10;Description générée automatiquement">
+        </p:grpSpPr>
+        <p:pic>
+          <p:nvPicPr>
+            <p:cNvPr id="41" name="Image 40" descr="Une image contenant texte, Graphique, dessin, art&#10;&#10;Description générée automatiquement">
+              <a:extLst>
+                <a:ext uri="{FF2B5EF4-FFF2-40B4-BE49-F238E27FC236}">
+                  <a16:creationId xmlns:a16="http://schemas.microsoft.com/office/drawing/2014/main" id="{B88A4D61-990B-CB0F-EE15-6D4211C7D6FA}"/>
+                </a:ext>
+              </a:extLst>
+            </p:cNvPr>
+            <p:cNvPicPr>
+              <a:picLocks noChangeAspect="1"/>
+            </p:cNvPicPr>
+            <p:nvPr/>
+          </p:nvPicPr>
+          <p:blipFill>
+            <a:blip r:embed="rId6">
+              <a:extLst>
+                <a:ext uri="{28A0092B-C50C-407E-A947-70E740481C1C}">
+                  <a14:useLocalDpi xmlns:a14="http://schemas.microsoft.com/office/drawing/2010/main" val="0"/>
+                </a:ext>
+              </a:extLst>
+            </a:blip>
+            <a:stretch>
+              <a:fillRect/>
+            </a:stretch>
+          </p:blipFill>
+          <p:spPr>
+            <a:xfrm>
+              <a:off x="1617616" y="29845168"/>
+              <a:ext cx="7713766" cy="5528081"/>
+            </a:xfrm>
+            <a:prstGeom prst="rect">
+              <a:avLst/>
+            </a:prstGeom>
+            <a:ln>
+              <a:noFill/>
+            </a:ln>
+            <a:effectLst>
+              <a:outerShdw blurRad="292100" dist="139700" dir="2700000" algn="tl" rotWithShape="0">
+                <a:srgbClr val="333333">
+                  <a:alpha val="65000"/>
+                </a:srgbClr>
+              </a:outerShdw>
+            </a:effectLst>
+          </p:spPr>
+        </p:pic>
+        <p:sp>
+          <p:nvSpPr>
+            <p:cNvPr id="43" name="ZoneTexte 42">
+              <a:extLst>
+                <a:ext uri="{FF2B5EF4-FFF2-40B4-BE49-F238E27FC236}">
+                  <a16:creationId xmlns:a16="http://schemas.microsoft.com/office/drawing/2014/main" id="{167AB7C5-AC07-4D8B-418A-5264A530EC28}"/>
+                </a:ext>
+              </a:extLst>
+            </p:cNvPr>
+            <p:cNvSpPr txBox="1"/>
+            <p:nvPr/>
+          </p:nvSpPr>
+          <p:spPr>
+            <a:xfrm>
+              <a:off x="1323157" y="35323927"/>
+              <a:ext cx="8302682" cy="461665"/>
+            </a:xfrm>
+            <a:prstGeom prst="rect">
+              <a:avLst/>
+            </a:prstGeom>
+            <a:noFill/>
+          </p:spPr>
+          <p:txBody>
+            <a:bodyPr wrap="square" rtlCol="0">
+              <a:spAutoFit/>
+            </a:bodyPr>
+            <a:lstStyle/>
+            <a:p>
+              <a:pPr algn="ctr"/>
+              <a:r>
+                <a:rPr lang="fr-FR" sz="2400" dirty="0">
+                  <a:latin typeface="Gill Sans Nova" panose="020B0602020104020203" pitchFamily="34" charset="0"/>
+                </a:rPr>
+                <a:t>Figure 2: Concept of </a:t>
+              </a:r>
+              <a:r>
+                <a:rPr lang="fr-FR" sz="2400" dirty="0" err="1">
+                  <a:latin typeface="Gill Sans Nova" panose="020B0602020104020203" pitchFamily="34" charset="0"/>
+                </a:rPr>
+                <a:t>nulling</a:t>
+              </a:r>
+              <a:r>
+                <a:rPr lang="fr-FR" sz="2400" dirty="0">
+                  <a:latin typeface="Gill Sans Nova" panose="020B0602020104020203" pitchFamily="34" charset="0"/>
+                </a:rPr>
+                <a:t> </a:t>
+              </a:r>
+              <a:r>
+                <a:rPr lang="fr-FR" sz="2400" dirty="0" err="1">
+                  <a:latin typeface="Gill Sans Nova" panose="020B0602020104020203" pitchFamily="34" charset="0"/>
+                </a:rPr>
+                <a:t>interferometry</a:t>
+              </a:r>
+              <a:endParaRPr lang="fr-FR" sz="2400" dirty="0">
+                <a:latin typeface="Gill Sans Nova" panose="020B0602020104020203" pitchFamily="34" charset="0"/>
+              </a:endParaRPr>
+            </a:p>
+          </p:txBody>
+        </p:sp>
+      </p:grpSp>
+      <p:grpSp>
+        <p:nvGrpSpPr>
+          <p:cNvPr id="6" name="Groupe 5">
             <a:extLst>
               <a:ext uri="{FF2B5EF4-FFF2-40B4-BE49-F238E27FC236}">
-                <a16:creationId xmlns:a16="http://schemas.microsoft.com/office/drawing/2014/main" id="{79A08ED4-3B68-6C66-C1F8-6F09E61862BF}"/>
+                <a16:creationId xmlns:a16="http://schemas.microsoft.com/office/drawing/2014/main" id="{D1E58E74-E4F4-58FC-5A0F-94CD4B168B2D}"/>
               </a:ext>
             </a:extLst>
           </p:cNvPr>
-          <p:cNvPicPr>
-            <a:picLocks noChangeAspect="1"/>
-          </p:cNvPicPr>
+          <p:cNvGrpSpPr/>
           <p:nvPr/>
-        </p:nvPicPr>
-        <p:blipFill>
-          <a:blip r:embed="rId7">
-            <a:extLst>
-              <a:ext uri="{28A0092B-C50C-407E-A947-70E740481C1C}">
-                <a14:useLocalDpi xmlns:a14="http://schemas.microsoft.com/office/drawing/2010/main" val="0"/>
-              </a:ext>
-            </a:extLst>
-          </a:blip>
-          <a:stretch>
-            <a:fillRect/>
-          </a:stretch>
-        </p:blipFill>
-        <p:spPr>
+        </p:nvGrpSpPr>
+        <p:grpSpPr>
           <a:xfrm>
-            <a:off x="24109539" y="33403509"/>
-            <a:ext cx="5559660" cy="1969740"/>
+            <a:off x="1504335" y="33158140"/>
+            <a:ext cx="8216820" cy="2431405"/>
+            <a:chOff x="22824491" y="33403509"/>
+            <a:chExt cx="8216820" cy="2431405"/>
           </a:xfrm>
-          <a:prstGeom prst="rect">
-            <a:avLst/>
-          </a:prstGeom>
-        </p:spPr>
-      </p:pic>
-      <p:pic>
-        <p:nvPicPr>
-          <p:cNvPr id="41" name="Image 40" descr="Une image contenant texte, Graphique, dessin, art&#10;&#10;Description générée automatiquement">
+        </p:grpSpPr>
+        <p:pic>
+          <p:nvPicPr>
+            <p:cNvPr id="37" name="Image 36" descr="Une image contenant capture d’écran, art&#10;&#10;Description générée automatiquement">
+              <a:extLst>
+                <a:ext uri="{FF2B5EF4-FFF2-40B4-BE49-F238E27FC236}">
+                  <a16:creationId xmlns:a16="http://schemas.microsoft.com/office/drawing/2014/main" id="{79A08ED4-3B68-6C66-C1F8-6F09E61862BF}"/>
+                </a:ext>
+              </a:extLst>
+            </p:cNvPr>
+            <p:cNvPicPr>
+              <a:picLocks noChangeAspect="1"/>
+            </p:cNvPicPr>
+            <p:nvPr/>
+          </p:nvPicPr>
+          <p:blipFill>
+            <a:blip r:embed="rId7">
+              <a:extLst>
+                <a:ext uri="{28A0092B-C50C-407E-A947-70E740481C1C}">
+                  <a14:useLocalDpi xmlns:a14="http://schemas.microsoft.com/office/drawing/2010/main" val="0"/>
+                </a:ext>
+              </a:extLst>
+            </a:blip>
+            <a:stretch>
+              <a:fillRect/>
+            </a:stretch>
+          </p:blipFill>
+          <p:spPr>
+            <a:xfrm>
+              <a:off x="24588511" y="33403509"/>
+              <a:ext cx="5559660" cy="1969740"/>
+            </a:xfrm>
+            <a:prstGeom prst="rect">
+              <a:avLst/>
+            </a:prstGeom>
+            <a:ln>
+              <a:noFill/>
+            </a:ln>
+            <a:effectLst>
+              <a:outerShdw blurRad="292100" dist="139700" dir="2700000" algn="tl" rotWithShape="0">
+                <a:srgbClr val="333333">
+                  <a:alpha val="65000"/>
+                </a:srgbClr>
+              </a:outerShdw>
+            </a:effectLst>
+          </p:spPr>
+        </p:pic>
+        <p:sp>
+          <p:nvSpPr>
+            <p:cNvPr id="44" name="ZoneTexte 43">
+              <a:extLst>
+                <a:ext uri="{FF2B5EF4-FFF2-40B4-BE49-F238E27FC236}">
+                  <a16:creationId xmlns:a16="http://schemas.microsoft.com/office/drawing/2014/main" id="{70EA650D-34E2-29BE-F243-9ABB0087E0F2}"/>
+                </a:ext>
+              </a:extLst>
+            </p:cNvPr>
+            <p:cNvSpPr txBox="1"/>
+            <p:nvPr/>
+          </p:nvSpPr>
+          <p:spPr>
+            <a:xfrm>
+              <a:off x="22824491" y="35373249"/>
+              <a:ext cx="8216820" cy="461665"/>
+            </a:xfrm>
+            <a:prstGeom prst="rect">
+              <a:avLst/>
+            </a:prstGeom>
+            <a:noFill/>
+          </p:spPr>
+          <p:txBody>
+            <a:bodyPr wrap="square" rtlCol="0">
+              <a:spAutoFit/>
+            </a:bodyPr>
+            <a:lstStyle/>
+            <a:p>
+              <a:pPr algn="ctr"/>
+              <a:r>
+                <a:rPr lang="fr-FR" sz="2400" dirty="0">
+                  <a:latin typeface="Gill Sans Nova" panose="020B0602020104020203" pitchFamily="34" charset="0"/>
+                </a:rPr>
+                <a:t>Figure 3: Scheme of </a:t>
+              </a:r>
+              <a:r>
+                <a:rPr lang="fr-FR" sz="2400" dirty="0" err="1">
+                  <a:latin typeface="Gill Sans Nova" panose="020B0602020104020203" pitchFamily="34" charset="0"/>
+                </a:rPr>
+                <a:t>thermo-optic</a:t>
+              </a:r>
+              <a:r>
+                <a:rPr lang="fr-FR" sz="2400" dirty="0">
+                  <a:latin typeface="Gill Sans Nova" panose="020B0602020104020203" pitchFamily="34" charset="0"/>
+                </a:rPr>
+                <a:t> phase </a:t>
+              </a:r>
+              <a:r>
+                <a:rPr lang="fr-FR" sz="2400" dirty="0" err="1">
+                  <a:latin typeface="Gill Sans Nova" panose="020B0602020104020203" pitchFamily="34" charset="0"/>
+                </a:rPr>
+                <a:t>shifter</a:t>
+              </a:r>
+              <a:endParaRPr lang="fr-FR" sz="2400" dirty="0">
+                <a:latin typeface="Gill Sans Nova" panose="020B0602020104020203" pitchFamily="34" charset="0"/>
+              </a:endParaRPr>
+            </a:p>
+          </p:txBody>
+        </p:sp>
+      </p:grpSp>
+      <p:grpSp>
+        <p:nvGrpSpPr>
+          <p:cNvPr id="3" name="Groupe 2">
             <a:extLst>
               <a:ext uri="{FF2B5EF4-FFF2-40B4-BE49-F238E27FC236}">
-                <a16:creationId xmlns:a16="http://schemas.microsoft.com/office/drawing/2014/main" id="{B88A4D61-990B-CB0F-EE15-6D4211C7D6FA}"/>
+                <a16:creationId xmlns:a16="http://schemas.microsoft.com/office/drawing/2014/main" id="{09F33378-61A4-AD20-FDC4-1DE264916335}"/>
               </a:ext>
             </a:extLst>
           </p:cNvPr>
-          <p:cNvPicPr>
-            <a:picLocks noChangeAspect="1"/>
-          </p:cNvPicPr>
+          <p:cNvGrpSpPr/>
           <p:nvPr/>
-        </p:nvPicPr>
-        <p:blipFill>
-          <a:blip r:embed="rId8">
-            <a:extLst>
-              <a:ext uri="{28A0092B-C50C-407E-A947-70E740481C1C}">
-                <a14:useLocalDpi xmlns:a14="http://schemas.microsoft.com/office/drawing/2010/main" val="0"/>
-              </a:ext>
-            </a:extLst>
-          </a:blip>
-          <a:stretch>
-            <a:fillRect/>
-          </a:stretch>
-        </p:blipFill>
-        <p:spPr>
+        </p:nvGrpSpPr>
+        <p:grpSpPr>
           <a:xfrm>
-            <a:off x="1617616" y="29845168"/>
-            <a:ext cx="7713766" cy="5528081"/>
+            <a:off x="20840964" y="9273233"/>
+            <a:ext cx="11479014" cy="4816733"/>
+            <a:chOff x="10380480" y="9259889"/>
+            <a:chExt cx="11479014" cy="4816733"/>
           </a:xfrm>
-          <a:prstGeom prst="rect">
-            <a:avLst/>
-          </a:prstGeom>
-        </p:spPr>
-      </p:pic>
-      <p:sp>
-        <p:nvSpPr>
-          <p:cNvPr id="43" name="ZoneTexte 42">
+        </p:grpSpPr>
+        <p:pic>
+          <p:nvPicPr>
+            <p:cNvPr id="35" name="Image 34" descr="Une image contenant capture d’écran, texte&#10;&#10;Description générée automatiquement">
+              <a:extLst>
+                <a:ext uri="{FF2B5EF4-FFF2-40B4-BE49-F238E27FC236}">
+                  <a16:creationId xmlns:a16="http://schemas.microsoft.com/office/drawing/2014/main" id="{FB3F1B58-F4C2-8B25-46C5-060328F54D22}"/>
+                </a:ext>
+              </a:extLst>
+            </p:cNvPr>
+            <p:cNvPicPr>
+              <a:picLocks noChangeAspect="1"/>
+            </p:cNvPicPr>
+            <p:nvPr/>
+          </p:nvPicPr>
+          <p:blipFill>
+            <a:blip r:embed="rId8">
+              <a:extLst>
+                <a:ext uri="{28A0092B-C50C-407E-A947-70E740481C1C}">
+                  <a14:useLocalDpi xmlns:a14="http://schemas.microsoft.com/office/drawing/2010/main" val="0"/>
+                </a:ext>
+              </a:extLst>
+            </a:blip>
+            <a:stretch>
+              <a:fillRect/>
+            </a:stretch>
+          </p:blipFill>
+          <p:spPr>
+            <a:xfrm>
+              <a:off x="10380480" y="9259889"/>
+              <a:ext cx="11479014" cy="4355068"/>
+            </a:xfrm>
+            <a:prstGeom prst="rect">
+              <a:avLst/>
+            </a:prstGeom>
+            <a:ln>
+              <a:noFill/>
+            </a:ln>
+            <a:effectLst>
+              <a:outerShdw blurRad="292100" dist="139700" dir="2700000" algn="tl" rotWithShape="0">
+                <a:srgbClr val="333333">
+                  <a:alpha val="65000"/>
+                </a:srgbClr>
+              </a:outerShdw>
+            </a:effectLst>
+          </p:spPr>
+        </p:pic>
+        <p:sp>
+          <p:nvSpPr>
+            <p:cNvPr id="45" name="ZoneTexte 44">
+              <a:extLst>
+                <a:ext uri="{FF2B5EF4-FFF2-40B4-BE49-F238E27FC236}">
+                  <a16:creationId xmlns:a16="http://schemas.microsoft.com/office/drawing/2014/main" id="{A9BF5C81-52A0-868A-24DA-C676DB68262A}"/>
+                </a:ext>
+              </a:extLst>
+            </p:cNvPr>
+            <p:cNvSpPr txBox="1"/>
+            <p:nvPr/>
+          </p:nvSpPr>
+          <p:spPr>
+            <a:xfrm>
+              <a:off x="12011577" y="13614957"/>
+              <a:ext cx="8216820" cy="461665"/>
+            </a:xfrm>
+            <a:prstGeom prst="rect">
+              <a:avLst/>
+            </a:prstGeom>
+            <a:noFill/>
+          </p:spPr>
+          <p:txBody>
+            <a:bodyPr wrap="square" rtlCol="0">
+              <a:spAutoFit/>
+            </a:bodyPr>
+            <a:lstStyle/>
+            <a:p>
+              <a:pPr algn="ctr"/>
+              <a:r>
+                <a:rPr lang="fr-FR" sz="2400" dirty="0">
+                  <a:latin typeface="Gill Sans Nova" panose="020B0602020104020203" pitchFamily="34" charset="0"/>
+                </a:rPr>
+                <a:t>Figure 1: Scheme of </a:t>
+              </a:r>
+              <a:r>
+                <a:rPr lang="fr-FR" sz="2400" dirty="0" err="1">
+                  <a:latin typeface="Gill Sans Nova" panose="020B0602020104020203" pitchFamily="34" charset="0"/>
+                </a:rPr>
+                <a:t>our</a:t>
+              </a:r>
+              <a:r>
+                <a:rPr lang="fr-FR" sz="2400" dirty="0">
+                  <a:latin typeface="Gill Sans Nova" panose="020B0602020104020203" pitchFamily="34" charset="0"/>
+                </a:rPr>
+                <a:t> Kernel-</a:t>
+              </a:r>
+              <a:r>
+                <a:rPr lang="fr-FR" sz="2400" dirty="0" err="1">
+                  <a:latin typeface="Gill Sans Nova" panose="020B0602020104020203" pitchFamily="34" charset="0"/>
+                </a:rPr>
+                <a:t>Nulling</a:t>
+              </a:r>
+              <a:r>
+                <a:rPr lang="fr-FR" sz="2400" dirty="0">
+                  <a:latin typeface="Gill Sans Nova" panose="020B0602020104020203" pitchFamily="34" charset="0"/>
+                </a:rPr>
+                <a:t> architecture</a:t>
+              </a:r>
+            </a:p>
+          </p:txBody>
+        </p:sp>
+      </p:grpSp>
+      <p:sp>
+        <p:nvSpPr>
+          <p:cNvPr id="8" name="Rectangle : coins arrondis 7">
             <a:extLst>
               <a:ext uri="{FF2B5EF4-FFF2-40B4-BE49-F238E27FC236}">
-                <a16:creationId xmlns:a16="http://schemas.microsoft.com/office/drawing/2014/main" id="{167AB7C5-AC07-4D8B-418A-5264A530EC28}"/>
+                <a16:creationId xmlns:a16="http://schemas.microsoft.com/office/drawing/2014/main" id="{0C379A8F-C7A8-CD89-C5B7-B3D7DBC0A70B}"/>
               </a:ext>
             </a:extLst>
           </p:cNvPr>
-          <p:cNvSpPr txBox="1"/>
+          <p:cNvSpPr>
+            <a:spLocks/>
+          </p:cNvSpPr>
           <p:nvPr/>
         </p:nvSpPr>
         <p:spPr>
           <a:xfrm>
-            <a:off x="1028700" y="35423490"/>
-            <a:ext cx="8302682" cy="461665"/>
+            <a:off x="11087939" y="24956730"/>
+            <a:ext cx="10064094" cy="10928421"/>
           </a:xfrm>
-          <a:prstGeom prst="rect">
+          <a:prstGeom prst="roundRect">
             <a:avLst/>
           </a:prstGeom>
-          <a:noFill/>
+          <a:solidFill>
+            <a:srgbClr val="E7E1D5"/>
+          </a:solidFill>
+          <a:ln>
+            <a:noFill/>
+          </a:ln>
         </p:spPr>
-        <p:txBody>
-          <a:bodyPr wrap="square" rtlCol="0">
-            <a:spAutoFit/>
-          </a:bodyPr>
+        <p:style>
+          <a:lnRef idx="2">
+            <a:schemeClr val="accent1">
+              <a:shade val="15000"/>
+            </a:schemeClr>
+          </a:lnRef>
+          <a:fillRef idx="1">
+            <a:schemeClr val="accent1"/>
+          </a:fillRef>
+          <a:effectRef idx="0">
+            <a:schemeClr val="accent1"/>
+          </a:effectRef>
+          <a:fontRef idx="minor">
+            <a:schemeClr val="lt1"/>
+          </a:fontRef>
+        </p:style>
+        <p:txBody>
+          <a:bodyPr rtlCol="0" anchor="t"/>
           <a:lstStyle/>
           <a:p>
             <a:pPr algn="ctr"/>
             <a:r>
-              <a:rPr lang="fr-FR" sz="2400" dirty="0">
+              <a:rPr lang="fr-FR" sz="5000" dirty="0">
+                <a:solidFill>
+                  <a:srgbClr val="37322F"/>
+                </a:solidFill>
+                <a:latin typeface="Gill Sans Nova" panose="020B0602020104020203" pitchFamily="34" charset="0"/>
+                <a:cs typeface="Aharoni" panose="020F0502020204030204" pitchFamily="2" charset="-79"/>
+              </a:rPr>
+              <a:t>Kernels 💠</a:t>
+            </a:r>
+            <a:endParaRPr lang="en-US" sz="5000" dirty="0">
+              <a:solidFill>
+                <a:srgbClr val="37322F"/>
+              </a:solidFill>
+              <a:latin typeface="Gill Sans Nova" panose="020B0602020104020203" pitchFamily="34" charset="0"/>
+              <a:cs typeface="Aharoni" panose="020F0502020204030204" pitchFamily="2" charset="-79"/>
+            </a:endParaRPr>
+          </a:p>
+          <a:p>
+            <a:pPr algn="ctr"/>
+            <a:r>
+              <a:rPr lang="en-US" sz="2000" u="sng" dirty="0">
+                <a:solidFill>
+                  <a:srgbClr val="37322F"/>
+                </a:solidFill>
+                <a:latin typeface="Gill Sans Nova" panose="020B0602020104020203" pitchFamily="34" charset="0"/>
+                <a:cs typeface="Aharoni" panose="020F0502020204030204" pitchFamily="2" charset="-79"/>
+              </a:rPr>
+              <a:t> </a:t>
+            </a:r>
+          </a:p>
+          <a:p>
+            <a:r>
+              <a:rPr lang="fr-FR" sz="3200" dirty="0">
+                <a:solidFill>
+                  <a:srgbClr val="37322F"/>
+                </a:solidFill>
                 <a:latin typeface="Gill Sans Nova" panose="020B0602020104020203" pitchFamily="34" charset="0"/>
               </a:rPr>
-              <a:t>Figure 1: Concept of </a:t>
-            </a:r>
-            <a:r>
-              <a:rPr lang="fr-FR" sz="2400" dirty="0" err="1">
-                <a:latin typeface="Gill Sans Nova" panose="020B0602020104020203" pitchFamily="34" charset="0"/>
-              </a:rPr>
-              <a:t>nulling</a:t>
-            </a:r>
-            <a:r>
-              <a:rPr lang="fr-FR" sz="2400" dirty="0">
-                <a:latin typeface="Gill Sans Nova" panose="020B0602020104020203" pitchFamily="34" charset="0"/>
-              </a:rPr>
-              <a:t> </a:t>
-            </a:r>
-            <a:r>
-              <a:rPr lang="fr-FR" sz="2400" dirty="0" err="1">
-                <a:latin typeface="Gill Sans Nova" panose="020B0602020104020203" pitchFamily="34" charset="0"/>
-              </a:rPr>
-              <a:t>interferometry</a:t>
-            </a:r>
-            <a:endParaRPr lang="fr-FR" sz="2400" dirty="0">
-              <a:latin typeface="Gill Sans Nova" panose="020B0602020104020203" pitchFamily="34" charset="0"/>
-            </a:endParaRPr>
-          </a:p>
-        </p:txBody>
-      </p:sp>
-      <p:sp>
-        <p:nvSpPr>
-          <p:cNvPr id="44" name="ZoneTexte 43">
+              <a:t>Blablabla</a:t>
+            </a:r>
+          </a:p>
+        </p:txBody>
+      </p:sp>
+      <p:grpSp>
+        <p:nvGrpSpPr>
+          <p:cNvPr id="20" name="Groupe 19">
             <a:extLst>
               <a:ext uri="{FF2B5EF4-FFF2-40B4-BE49-F238E27FC236}">
-                <a16:creationId xmlns:a16="http://schemas.microsoft.com/office/drawing/2014/main" id="{70EA650D-34E2-29BE-F243-9ABB0087E0F2}"/>
+                <a16:creationId xmlns:a16="http://schemas.microsoft.com/office/drawing/2014/main" id="{9B8521D6-7E05-CFB1-095C-180A71EC1CA6}"/>
               </a:ext>
             </a:extLst>
           </p:cNvPr>
-          <p:cNvSpPr txBox="1"/>
+          <p:cNvGrpSpPr/>
           <p:nvPr/>
-        </p:nvSpPr>
-        <p:spPr>
+        </p:nvGrpSpPr>
+        <p:grpSpPr>
           <a:xfrm>
-            <a:off x="22472061" y="35423489"/>
-            <a:ext cx="8216820" cy="461665"/>
+            <a:off x="11474271" y="19948554"/>
+            <a:ext cx="9006921" cy="3580634"/>
+            <a:chOff x="11862888" y="18669766"/>
+            <a:chExt cx="14079915" cy="5597365"/>
           </a:xfrm>
-          <a:prstGeom prst="rect">
-            <a:avLst/>
-          </a:prstGeom>
-          <a:noFill/>
-        </p:spPr>
-        <p:txBody>
-          <a:bodyPr wrap="square" rtlCol="0">
-            <a:spAutoFit/>
-          </a:bodyPr>
-          <a:lstStyle/>
-          <a:p>
-            <a:pPr algn="ctr"/>
-            <a:r>
-              <a:rPr lang="fr-FR" sz="2400" dirty="0">
-                <a:latin typeface="Gill Sans Nova" panose="020B0602020104020203" pitchFamily="34" charset="0"/>
-              </a:rPr>
-              <a:t>Figure 3: Scheme of </a:t>
-            </a:r>
-            <a:r>
-              <a:rPr lang="fr-FR" sz="2400" dirty="0" err="1">
-                <a:latin typeface="Gill Sans Nova" panose="020B0602020104020203" pitchFamily="34" charset="0"/>
-              </a:rPr>
-              <a:t>thermo-optic</a:t>
-            </a:r>
-            <a:r>
-              <a:rPr lang="fr-FR" sz="2400" dirty="0">
-                <a:latin typeface="Gill Sans Nova" panose="020B0602020104020203" pitchFamily="34" charset="0"/>
-              </a:rPr>
-              <a:t> phase </a:t>
-            </a:r>
-            <a:r>
-              <a:rPr lang="fr-FR" sz="2400" dirty="0" err="1">
-                <a:latin typeface="Gill Sans Nova" panose="020B0602020104020203" pitchFamily="34" charset="0"/>
-              </a:rPr>
-              <a:t>shifter</a:t>
-            </a:r>
-            <a:endParaRPr lang="fr-FR" sz="2400" dirty="0">
-              <a:latin typeface="Gill Sans Nova" panose="020B0602020104020203" pitchFamily="34" charset="0"/>
-            </a:endParaRPr>
-          </a:p>
-        </p:txBody>
-      </p:sp>
-      <p:sp>
-        <p:nvSpPr>
-          <p:cNvPr id="45" name="ZoneTexte 44">
+        </p:grpSpPr>
+        <p:pic>
+          <p:nvPicPr>
+            <p:cNvPr id="17" name="Image 16">
+              <a:extLst>
+                <a:ext uri="{FF2B5EF4-FFF2-40B4-BE49-F238E27FC236}">
+                  <a16:creationId xmlns:a16="http://schemas.microsoft.com/office/drawing/2014/main" id="{29AB539B-D1D0-15B4-2D8F-B4D1AC56A684}"/>
+                </a:ext>
+              </a:extLst>
+            </p:cNvPr>
+            <p:cNvPicPr>
+              <a:picLocks noChangeAspect="1"/>
+            </p:cNvPicPr>
+            <p:nvPr/>
+          </p:nvPicPr>
+          <p:blipFill>
+            <a:blip r:embed="rId9"/>
+            <a:stretch>
+              <a:fillRect/>
+            </a:stretch>
+          </p:blipFill>
+          <p:spPr>
+            <a:xfrm>
+              <a:off x="11862888" y="18669766"/>
+              <a:ext cx="14079915" cy="2800741"/>
+            </a:xfrm>
+            <a:prstGeom prst="rect">
+              <a:avLst/>
+            </a:prstGeom>
+            <a:ln>
+              <a:noFill/>
+            </a:ln>
+            <a:effectLst>
+              <a:outerShdw blurRad="292100" dist="139700" dir="2700000" algn="tl" rotWithShape="0">
+                <a:srgbClr val="333333">
+                  <a:alpha val="65000"/>
+                </a:srgbClr>
+              </a:outerShdw>
+            </a:effectLst>
+          </p:spPr>
+        </p:pic>
+        <p:pic>
+          <p:nvPicPr>
+            <p:cNvPr id="19" name="Image 18">
+              <a:extLst>
+                <a:ext uri="{FF2B5EF4-FFF2-40B4-BE49-F238E27FC236}">
+                  <a16:creationId xmlns:a16="http://schemas.microsoft.com/office/drawing/2014/main" id="{83B1411B-2709-32D9-4E95-255B62CB4BFC}"/>
+                </a:ext>
+              </a:extLst>
+            </p:cNvPr>
+            <p:cNvPicPr>
+              <a:picLocks noChangeAspect="1"/>
+            </p:cNvPicPr>
+            <p:nvPr/>
+          </p:nvPicPr>
+          <p:blipFill>
+            <a:blip r:embed="rId10"/>
+            <a:stretch>
+              <a:fillRect/>
+            </a:stretch>
+          </p:blipFill>
+          <p:spPr>
+            <a:xfrm>
+              <a:off x="11862888" y="21466390"/>
+              <a:ext cx="14079915" cy="2800741"/>
+            </a:xfrm>
+            <a:prstGeom prst="rect">
+              <a:avLst/>
+            </a:prstGeom>
+            <a:ln>
+              <a:noFill/>
+            </a:ln>
+            <a:effectLst>
+              <a:outerShdw blurRad="292100" dist="139700" dir="2700000" algn="tl" rotWithShape="0">
+                <a:srgbClr val="333333">
+                  <a:alpha val="65000"/>
+                </a:srgbClr>
+              </a:outerShdw>
+            </a:effectLst>
+          </p:spPr>
+        </p:pic>
+      </p:grpSp>
+      <p:pic>
+        <p:nvPicPr>
+          <p:cNvPr id="24" name="Image 23">
             <a:extLst>
               <a:ext uri="{FF2B5EF4-FFF2-40B4-BE49-F238E27FC236}">
-                <a16:creationId xmlns:a16="http://schemas.microsoft.com/office/drawing/2014/main" id="{A9BF5C81-52A0-868A-24DA-C676DB68262A}"/>
-              </a:ext>
-            </a:extLst>
-          </p:cNvPr>
-          <p:cNvSpPr txBox="1"/>
-          <p:nvPr/>
-        </p:nvSpPr>
-        <p:spPr>
-          <a:xfrm>
-            <a:off x="12011577" y="13462664"/>
-            <a:ext cx="8216820" cy="461665"/>
-          </a:xfrm>
-          <a:prstGeom prst="rect">
-            <a:avLst/>
-          </a:prstGeom>
-          <a:noFill/>
-        </p:spPr>
-        <p:txBody>
-          <a:bodyPr wrap="square" rtlCol="0">
-            <a:spAutoFit/>
-          </a:bodyPr>
-          <a:lstStyle/>
-          <a:p>
-            <a:pPr algn="ctr"/>
-            <a:r>
-              <a:rPr lang="fr-FR" sz="2400" dirty="0">
-                <a:latin typeface="Gill Sans Nova" panose="020B0602020104020203" pitchFamily="34" charset="0"/>
-              </a:rPr>
-              <a:t>Figure 2: Scheme of </a:t>
-            </a:r>
-            <a:r>
-              <a:rPr lang="fr-FR" sz="2400" dirty="0" err="1">
-                <a:latin typeface="Gill Sans Nova" panose="020B0602020104020203" pitchFamily="34" charset="0"/>
-              </a:rPr>
-              <a:t>our</a:t>
-            </a:r>
-            <a:r>
-              <a:rPr lang="fr-FR" sz="2400" dirty="0">
-                <a:latin typeface="Gill Sans Nova" panose="020B0602020104020203" pitchFamily="34" charset="0"/>
-              </a:rPr>
-              <a:t> Kernel-</a:t>
-            </a:r>
-            <a:r>
-              <a:rPr lang="fr-FR" sz="2400" dirty="0" err="1">
-                <a:latin typeface="Gill Sans Nova" panose="020B0602020104020203" pitchFamily="34" charset="0"/>
-              </a:rPr>
-              <a:t>Nulling</a:t>
-            </a:r>
-            <a:r>
-              <a:rPr lang="fr-FR" sz="2400" dirty="0">
-                <a:latin typeface="Gill Sans Nova" panose="020B0602020104020203" pitchFamily="34" charset="0"/>
-              </a:rPr>
-              <a:t> architecture</a:t>
-            </a:r>
-          </a:p>
-        </p:txBody>
-      </p:sp>
-      <p:pic>
-        <p:nvPicPr>
-          <p:cNvPr id="49" name="Image 48">
-            <a:extLst>
-              <a:ext uri="{FF2B5EF4-FFF2-40B4-BE49-F238E27FC236}">
-                <a16:creationId xmlns:a16="http://schemas.microsoft.com/office/drawing/2014/main" id="{46303983-A851-0FC7-FFFC-072645FAE819}"/>
-              </a:ext>
-            </a:extLst>
-          </p:cNvPr>
-          <p:cNvPicPr>
-            <a:picLocks noChangeAspect="1"/>
-          </p:cNvPicPr>
-          <p:nvPr/>
-        </p:nvPicPr>
-        <p:blipFill>
-          <a:blip r:embed="rId9"/>
-          <a:stretch>
-            <a:fillRect/>
-          </a:stretch>
-        </p:blipFill>
-        <p:spPr>
-          <a:xfrm>
-            <a:off x="21825948" y="12461710"/>
-            <a:ext cx="9879053" cy="1965116"/>
-          </a:xfrm>
-          <a:prstGeom prst="rect">
-            <a:avLst/>
-          </a:prstGeom>
-        </p:spPr>
-      </p:pic>
-      <p:pic>
-        <p:nvPicPr>
-          <p:cNvPr id="51" name="Image 50">
-            <a:extLst>
-              <a:ext uri="{FF2B5EF4-FFF2-40B4-BE49-F238E27FC236}">
-                <a16:creationId xmlns:a16="http://schemas.microsoft.com/office/drawing/2014/main" id="{B9D74AB2-0AE4-DDA5-8C26-577BEE13336F}"/>
-              </a:ext>
-            </a:extLst>
-          </p:cNvPr>
-          <p:cNvPicPr>
-            <a:picLocks noChangeAspect="1"/>
-          </p:cNvPicPr>
-          <p:nvPr/>
-        </p:nvPicPr>
-        <p:blipFill>
-          <a:blip r:embed="rId10"/>
-          <a:stretch>
-            <a:fillRect/>
-          </a:stretch>
-        </p:blipFill>
-        <p:spPr>
-          <a:xfrm>
-            <a:off x="21859493" y="14422567"/>
-            <a:ext cx="9845507" cy="1958443"/>
-          </a:xfrm>
-          <a:prstGeom prst="rect">
-            <a:avLst/>
-          </a:prstGeom>
-        </p:spPr>
-      </p:pic>
-      <p:pic>
-        <p:nvPicPr>
-          <p:cNvPr id="53" name="Image 52">
-            <a:extLst>
-              <a:ext uri="{FF2B5EF4-FFF2-40B4-BE49-F238E27FC236}">
-                <a16:creationId xmlns:a16="http://schemas.microsoft.com/office/drawing/2014/main" id="{D5B4CBB3-7CED-84A7-BCF0-6F95BB87059A}"/>
+                <a16:creationId xmlns:a16="http://schemas.microsoft.com/office/drawing/2014/main" id="{6536610B-CDCD-C67C-FD1C-2C58E435DDBD}"/>
               </a:ext>
             </a:extLst>
           </p:cNvPr>
@@ -5310,134 +5817,125 @@
         </p:blipFill>
         <p:spPr>
           <a:xfrm>
-            <a:off x="11429006" y="16781282"/>
-            <a:ext cx="4648876" cy="1637340"/>
+            <a:off x="22077010" y="19200076"/>
+            <a:ext cx="9006921" cy="3433295"/>
           </a:xfrm>
           <a:prstGeom prst="rect">
             <a:avLst/>
           </a:prstGeom>
+          <a:ln>
+            <a:noFill/>
+          </a:ln>
+          <a:effectLst>
+            <a:outerShdw blurRad="292100" dist="139700" dir="2700000" algn="tl" rotWithShape="0">
+              <a:srgbClr val="333333">
+                <a:alpha val="65000"/>
+              </a:srgbClr>
+            </a:outerShdw>
+          </a:effectLst>
         </p:spPr>
       </p:pic>
-      <p:pic>
-        <p:nvPicPr>
-          <p:cNvPr id="55" name="Image 54">
+      <p:grpSp>
+        <p:nvGrpSpPr>
+          <p:cNvPr id="38" name="Groupe 37">
             <a:extLst>
               <a:ext uri="{FF2B5EF4-FFF2-40B4-BE49-F238E27FC236}">
-                <a16:creationId xmlns:a16="http://schemas.microsoft.com/office/drawing/2014/main" id="{C5F97FB4-5233-9370-53E3-878F088EC827}"/>
+                <a16:creationId xmlns:a16="http://schemas.microsoft.com/office/drawing/2014/main" id="{45E54D07-A631-1226-DB10-74A250A5923C}"/>
               </a:ext>
             </a:extLst>
           </p:cNvPr>
-          <p:cNvPicPr>
-            <a:picLocks noChangeAspect="1"/>
-          </p:cNvPicPr>
+          <p:cNvGrpSpPr/>
           <p:nvPr/>
-        </p:nvPicPr>
-        <p:blipFill>
-          <a:blip r:embed="rId12"/>
-          <a:stretch>
-            <a:fillRect/>
-          </a:stretch>
-        </p:blipFill>
-        <p:spPr>
+        </p:nvGrpSpPr>
+        <p:grpSpPr>
           <a:xfrm>
-            <a:off x="16157539" y="16781282"/>
-            <a:ext cx="4653428" cy="1661144"/>
+            <a:off x="11185265" y="29682946"/>
+            <a:ext cx="9869444" cy="6142307"/>
+            <a:chOff x="11185265" y="29682946"/>
+            <a:chExt cx="9869444" cy="6142307"/>
           </a:xfrm>
-          <a:prstGeom prst="rect">
-            <a:avLst/>
-          </a:prstGeom>
-        </p:spPr>
-      </p:pic>
-      <p:pic>
-        <p:nvPicPr>
-          <p:cNvPr id="57" name="Image 56">
-            <a:extLst>
-              <a:ext uri="{FF2B5EF4-FFF2-40B4-BE49-F238E27FC236}">
-                <a16:creationId xmlns:a16="http://schemas.microsoft.com/office/drawing/2014/main" id="{66F5DAB8-C08B-EA3D-2290-E00D8047635A}"/>
-              </a:ext>
-            </a:extLst>
-          </p:cNvPr>
-          <p:cNvPicPr>
-            <a:picLocks noChangeAspect="1"/>
-          </p:cNvPicPr>
-          <p:nvPr/>
-        </p:nvPicPr>
-        <p:blipFill>
-          <a:blip r:embed="rId13"/>
-          <a:stretch>
-            <a:fillRect/>
-          </a:stretch>
-        </p:blipFill>
-        <p:spPr>
-          <a:xfrm>
-            <a:off x="11386480" y="18685147"/>
-            <a:ext cx="9182503" cy="3293644"/>
-          </a:xfrm>
-          <a:prstGeom prst="rect">
-            <a:avLst/>
-          </a:prstGeom>
-        </p:spPr>
-      </p:pic>
-      <p:pic>
-        <p:nvPicPr>
-          <p:cNvPr id="63" name="Image 62">
-            <a:extLst>
-              <a:ext uri="{FF2B5EF4-FFF2-40B4-BE49-F238E27FC236}">
-                <a16:creationId xmlns:a16="http://schemas.microsoft.com/office/drawing/2014/main" id="{D66B923E-43AB-92EE-F73D-EEC79B4D8013}"/>
-              </a:ext>
-            </a:extLst>
-          </p:cNvPr>
-          <p:cNvPicPr>
-            <a:picLocks noChangeAspect="1"/>
-          </p:cNvPicPr>
-          <p:nvPr/>
-        </p:nvPicPr>
-        <p:blipFill>
-          <a:blip r:embed="rId14"/>
-          <a:stretch>
-            <a:fillRect/>
-          </a:stretch>
-        </p:blipFill>
-        <p:spPr>
-          <a:xfrm>
-            <a:off x="24896605" y="17230658"/>
-            <a:ext cx="3985528" cy="2897928"/>
-          </a:xfrm>
-          <a:prstGeom prst="rect">
-            <a:avLst/>
-          </a:prstGeom>
-        </p:spPr>
-      </p:pic>
-      <p:pic>
-        <p:nvPicPr>
-          <p:cNvPr id="67" name="Image 66">
-            <a:extLst>
-              <a:ext uri="{FF2B5EF4-FFF2-40B4-BE49-F238E27FC236}">
-                <a16:creationId xmlns:a16="http://schemas.microsoft.com/office/drawing/2014/main" id="{633ADD5A-0847-8AA7-C05E-9E6C5C0BFB28}"/>
-              </a:ext>
-            </a:extLst>
-          </p:cNvPr>
-          <p:cNvPicPr>
-            <a:picLocks noChangeAspect="1"/>
-          </p:cNvPicPr>
-          <p:nvPr/>
-        </p:nvPicPr>
-        <p:blipFill>
-          <a:blip r:embed="rId15"/>
-          <a:stretch>
-            <a:fillRect/>
-          </a:stretch>
-        </p:blipFill>
-        <p:spPr>
-          <a:xfrm>
-            <a:off x="11678186" y="23982453"/>
-            <a:ext cx="8799391" cy="8694220"/>
-          </a:xfrm>
-          <a:prstGeom prst="rect">
-            <a:avLst/>
-          </a:prstGeom>
-        </p:spPr>
-      </p:pic>
+        </p:grpSpPr>
+        <p:pic>
+          <p:nvPicPr>
+            <p:cNvPr id="29" name="Image 28">
+              <a:extLst>
+                <a:ext uri="{FF2B5EF4-FFF2-40B4-BE49-F238E27FC236}">
+                  <a16:creationId xmlns:a16="http://schemas.microsoft.com/office/drawing/2014/main" id="{FE6EF54D-90AB-1281-F909-4132B96AA9AB}"/>
+                </a:ext>
+              </a:extLst>
+            </p:cNvPr>
+            <p:cNvPicPr>
+              <a:picLocks noChangeAspect="1"/>
+            </p:cNvPicPr>
+            <p:nvPr/>
+          </p:nvPicPr>
+          <p:blipFill>
+            <a:blip r:embed="rId12"/>
+            <a:stretch>
+              <a:fillRect/>
+            </a:stretch>
+          </p:blipFill>
+          <p:spPr>
+            <a:xfrm>
+              <a:off x="11185265" y="29682946"/>
+              <a:ext cx="9869444" cy="3284408"/>
+            </a:xfrm>
+            <a:prstGeom prst="rect">
+              <a:avLst/>
+            </a:prstGeom>
+            <a:ln>
+              <a:noFill/>
+            </a:ln>
+            <a:effectLst>
+              <a:outerShdw blurRad="292100" dist="139700" dir="2700000" algn="tl" rotWithShape="0">
+                <a:srgbClr val="333333">
+                  <a:alpha val="65000"/>
+                </a:srgbClr>
+              </a:outerShdw>
+            </a:effectLst>
+          </p:spPr>
+        </p:pic>
+        <p:pic>
+          <p:nvPicPr>
+            <p:cNvPr id="36" name="Image 35">
+              <a:extLst>
+                <a:ext uri="{FF2B5EF4-FFF2-40B4-BE49-F238E27FC236}">
+                  <a16:creationId xmlns:a16="http://schemas.microsoft.com/office/drawing/2014/main" id="{FAB18140-E76F-CB70-4A97-2CE39ED49838}"/>
+                </a:ext>
+              </a:extLst>
+            </p:cNvPr>
+            <p:cNvPicPr>
+              <a:picLocks noChangeAspect="1"/>
+            </p:cNvPicPr>
+            <p:nvPr/>
+          </p:nvPicPr>
+          <p:blipFill>
+            <a:blip r:embed="rId13"/>
+            <a:stretch>
+              <a:fillRect/>
+            </a:stretch>
+          </p:blipFill>
+          <p:spPr>
+            <a:xfrm>
+              <a:off x="11568429" y="32967354"/>
+              <a:ext cx="3286584" cy="2857899"/>
+            </a:xfrm>
+            <a:prstGeom prst="rect">
+              <a:avLst/>
+            </a:prstGeom>
+            <a:ln>
+              <a:noFill/>
+            </a:ln>
+            <a:effectLst>
+              <a:outerShdw blurRad="292100" dist="139700" dir="2700000" algn="tl" rotWithShape="0">
+                <a:srgbClr val="333333">
+                  <a:alpha val="65000"/>
+                </a:srgbClr>
+              </a:outerShdw>
+            </a:effectLst>
+          </p:spPr>
+        </p:pic>
+      </p:grpSp>
     </p:spTree>
     <p:extLst>
       <p:ext uri="{BB962C8B-B14F-4D97-AF65-F5344CB8AC3E}">

--- a/docs/Poster/Poster.pptx
+++ b/docs/Poster/Poster.pptx
@@ -2981,262 +2981,1972 @@
           <a:chExt cx="0" cy="0"/>
         </a:xfrm>
       </p:grpSpPr>
-      <p:sp>
-        <p:nvSpPr>
-          <p:cNvPr id="5" name="Rectangle : coins arrondis 4">
+      <p:grpSp>
+        <p:nvGrpSpPr>
+          <p:cNvPr id="34" name="Groupe 33">
             <a:extLst>
               <a:ext uri="{FF2B5EF4-FFF2-40B4-BE49-F238E27FC236}">
-                <a16:creationId xmlns:a16="http://schemas.microsoft.com/office/drawing/2014/main" id="{FB511331-6DB4-D732-29C5-1F788BAFE694}"/>
+                <a16:creationId xmlns:a16="http://schemas.microsoft.com/office/drawing/2014/main" id="{6FB9E802-F596-346E-1458-B456949B6967}"/>
               </a:ext>
             </a:extLst>
           </p:cNvPr>
-          <p:cNvSpPr>
-            <a:spLocks/>
-          </p:cNvSpPr>
+          <p:cNvGrpSpPr/>
           <p:nvPr/>
-        </p:nvSpPr>
-        <p:spPr>
+        </p:nvGrpSpPr>
+        <p:grpSpPr>
           <a:xfrm>
-            <a:off x="623629" y="25682742"/>
-            <a:ext cx="10064094" cy="10202409"/>
+            <a:off x="389116" y="9259890"/>
+            <a:ext cx="31567722" cy="28698741"/>
+            <a:chOff x="389116" y="9259890"/>
+            <a:chExt cx="31567722" cy="28698741"/>
           </a:xfrm>
-          <a:prstGeom prst="roundRect">
-            <a:avLst/>
-          </a:prstGeom>
-          <a:solidFill>
-            <a:srgbClr val="E7E1D5"/>
-          </a:solidFill>
-          <a:ln>
-            <a:noFill/>
-          </a:ln>
-        </p:spPr>
-        <p:style>
-          <a:lnRef idx="2">
-            <a:schemeClr val="accent1">
-              <a:shade val="15000"/>
-            </a:schemeClr>
-          </a:lnRef>
-          <a:fillRef idx="1">
-            <a:schemeClr val="accent1"/>
-          </a:fillRef>
-          <a:effectRef idx="0">
-            <a:schemeClr val="accent1"/>
-          </a:effectRef>
-          <a:fontRef idx="minor">
-            <a:schemeClr val="lt1"/>
-          </a:fontRef>
-        </p:style>
-        <p:txBody>
-          <a:bodyPr rtlCol="0" anchor="t"/>
-          <a:lstStyle/>
-          <a:p>
-            <a:pPr marL="0" marR="0" lvl="0" indent="0" algn="ctr" defTabSz="457200" rtl="0" eaLnBrk="1" fontAlgn="auto" latinLnBrk="0" hangingPunct="1">
-              <a:lnSpc>
-                <a:spcPct val="100000"/>
-              </a:lnSpc>
-              <a:spcBef>
-                <a:spcPts val="0"/>
-              </a:spcBef>
-              <a:spcAft>
-                <a:spcPts val="0"/>
-              </a:spcAft>
-              <a:buClrTx/>
-              <a:buSzTx/>
-              <a:buFontTx/>
-              <a:buNone/>
-              <a:tabLst/>
-              <a:defRPr/>
-            </a:pPr>
-            <a:r>
-              <a:rPr kumimoji="0" lang="fr-FR" sz="5000" b="0" i="0" u="none" strike="noStrike" kern="1200" cap="none" spc="0" normalizeH="0" baseline="0" noProof="0" dirty="0" err="1">
+        </p:grpSpPr>
+        <mc:AlternateContent xmlns:mc="http://schemas.openxmlformats.org/markup-compatibility/2006">
+          <mc:Choice xmlns:a14="http://schemas.microsoft.com/office/drawing/2010/main" Requires="a14">
+            <p:sp>
+              <p:nvSpPr>
+                <p:cNvPr id="5" name="Rectangle : coins arrondis 4">
+                  <a:extLst>
+                    <a:ext uri="{FF2B5EF4-FFF2-40B4-BE49-F238E27FC236}">
+                      <a16:creationId xmlns:a16="http://schemas.microsoft.com/office/drawing/2014/main" id="{FB511331-6DB4-D732-29C5-1F788BAFE694}"/>
+                    </a:ext>
+                  </a:extLst>
+                </p:cNvPr>
+                <p:cNvSpPr>
+                  <a:spLocks/>
+                </p:cNvSpPr>
+                <p:nvPr/>
+              </p:nvSpPr>
+              <p:spPr>
+                <a:xfrm>
+                  <a:off x="389116" y="30518100"/>
+                  <a:ext cx="10064094" cy="7352385"/>
+                </a:xfrm>
+                <a:prstGeom prst="roundRect">
+                  <a:avLst>
+                    <a:gd name="adj" fmla="val 13558"/>
+                  </a:avLst>
+                </a:prstGeom>
+                <a:solidFill>
+                  <a:srgbClr val="E7E1D5"/>
+                </a:solidFill>
                 <a:ln>
                   <a:noFill/>
                 </a:ln>
-                <a:solidFill>
-                  <a:srgbClr val="37322F"/>
-                </a:solidFill>
-                <a:effectLst/>
-                <a:uLnTx/>
-                <a:uFillTx/>
-                <a:latin typeface="Gill Sans Nova" panose="020B0602020104020203" pitchFamily="34" charset="0"/>
-                <a:ea typeface="+mn-ea"/>
-                <a:cs typeface="Aharoni" panose="020F0502020204030204" pitchFamily="2" charset="-79"/>
-              </a:rPr>
-              <a:t>Thermo-optic</a:t>
-            </a:r>
-            <a:r>
-              <a:rPr kumimoji="0" lang="fr-FR" sz="5000" b="0" i="0" u="none" strike="noStrike" kern="1200" cap="none" spc="0" normalizeH="0" baseline="0" noProof="0" dirty="0">
+              </p:spPr>
+              <p:style>
+                <a:lnRef idx="2">
+                  <a:schemeClr val="accent1">
+                    <a:shade val="15000"/>
+                  </a:schemeClr>
+                </a:lnRef>
+                <a:fillRef idx="1">
+                  <a:schemeClr val="accent1"/>
+                </a:fillRef>
+                <a:effectRef idx="0">
+                  <a:schemeClr val="accent1"/>
+                </a:effectRef>
+                <a:fontRef idx="minor">
+                  <a:schemeClr val="lt1"/>
+                </a:fontRef>
+              </p:style>
+              <p:txBody>
+                <a:bodyPr rtlCol="0" anchor="t"/>
+                <a:lstStyle/>
+                <a:p>
+                  <a:pPr marL="0" marR="0" lvl="0" indent="0" algn="ctr" defTabSz="457200" rtl="0" eaLnBrk="1" fontAlgn="auto" latinLnBrk="0" hangingPunct="1">
+                    <a:lnSpc>
+                      <a:spcPct val="100000"/>
+                    </a:lnSpc>
+                    <a:spcBef>
+                      <a:spcPts val="0"/>
+                    </a:spcBef>
+                    <a:spcAft>
+                      <a:spcPts val="0"/>
+                    </a:spcAft>
+                    <a:buClrTx/>
+                    <a:buSzTx/>
+                    <a:buFontTx/>
+                    <a:buNone/>
+                    <a:tabLst/>
+                    <a:defRPr/>
+                  </a:pPr>
+                  <a:r>
+                    <a:rPr kumimoji="0" lang="fr-FR" sz="4800" b="0" i="0" u="none" strike="noStrike" kern="1200" cap="none" spc="0" normalizeH="0" baseline="0" noProof="0" dirty="0">
+                      <a:ln>
+                        <a:noFill/>
+                      </a:ln>
+                      <a:solidFill>
+                        <a:srgbClr val="37322F"/>
+                      </a:solidFill>
+                      <a:effectLst/>
+                      <a:uLnTx/>
+                      <a:uFillTx/>
+                      <a:latin typeface="Congenial SemiBold" panose="02000503040000020004" pitchFamily="2" charset="0"/>
+                      <a:cs typeface="Aharoni" panose="020F0502020204030204" pitchFamily="2" charset="-79"/>
+                    </a:rPr>
+                    <a:t>Thermo-optic phase </a:t>
+                  </a:r>
+                  <a:r>
+                    <a:rPr kumimoji="0" lang="fr-FR" sz="4800" b="0" i="0" u="none" strike="noStrike" kern="1200" cap="none" spc="0" normalizeH="0" baseline="0" noProof="0" dirty="0" err="1">
+                      <a:ln>
+                        <a:noFill/>
+                      </a:ln>
+                      <a:solidFill>
+                        <a:srgbClr val="37322F"/>
+                      </a:solidFill>
+                      <a:effectLst/>
+                      <a:uLnTx/>
+                      <a:uFillTx/>
+                      <a:latin typeface="Congenial SemiBold" panose="02000503040000020004" pitchFamily="2" charset="0"/>
+                      <a:cs typeface="Aharoni" panose="020F0502020204030204" pitchFamily="2" charset="-79"/>
+                    </a:rPr>
+                    <a:t>shifter</a:t>
+                  </a:r>
+                  <a:r>
+                    <a:rPr kumimoji="0" lang="fr-FR" sz="4800" b="0" i="0" u="none" strike="noStrike" kern="1200" cap="none" spc="0" normalizeH="0" baseline="0" noProof="0" dirty="0">
+                      <a:ln>
+                        <a:noFill/>
+                      </a:ln>
+                      <a:solidFill>
+                        <a:srgbClr val="37322F"/>
+                      </a:solidFill>
+                      <a:effectLst/>
+                      <a:uLnTx/>
+                      <a:uFillTx/>
+                      <a:latin typeface="Congenial SemiBold" panose="02000503040000020004" pitchFamily="2" charset="0"/>
+                      <a:cs typeface="Aharoni" panose="020F0502020204030204" pitchFamily="2" charset="-79"/>
+                    </a:rPr>
+                    <a:t> 🌡️</a:t>
+                  </a:r>
+                  <a:endParaRPr kumimoji="0" lang="en-US" sz="4800" b="0" i="0" u="none" strike="noStrike" kern="1200" cap="none" spc="0" normalizeH="0" baseline="0" noProof="0" dirty="0">
+                    <a:ln>
+                      <a:noFill/>
+                    </a:ln>
+                    <a:solidFill>
+                      <a:srgbClr val="37322F"/>
+                    </a:solidFill>
+                    <a:effectLst/>
+                    <a:uLnTx/>
+                    <a:uFillTx/>
+                    <a:latin typeface="Congenial SemiBold" panose="02000503040000020004" pitchFamily="2" charset="0"/>
+                    <a:cs typeface="Aharoni" panose="020F0502020204030204" pitchFamily="2" charset="-79"/>
+                  </a:endParaRPr>
+                </a:p>
+                <a:p>
+                  <a:pPr marL="0" marR="0" lvl="0" indent="0" algn="ctr" defTabSz="457200" rtl="0" eaLnBrk="1" fontAlgn="auto" latinLnBrk="0" hangingPunct="1">
+                    <a:lnSpc>
+                      <a:spcPct val="100000"/>
+                    </a:lnSpc>
+                    <a:spcBef>
+                      <a:spcPts val="0"/>
+                    </a:spcBef>
+                    <a:spcAft>
+                      <a:spcPts val="0"/>
+                    </a:spcAft>
+                    <a:buClrTx/>
+                    <a:buSzTx/>
+                    <a:buFontTx/>
+                    <a:buNone/>
+                    <a:tabLst/>
+                    <a:defRPr/>
+                  </a:pPr>
+                  <a:r>
+                    <a:rPr kumimoji="0" lang="en-US" sz="2000" b="0" i="0" u="sng" strike="noStrike" kern="1200" cap="none" spc="0" normalizeH="0" baseline="0" noProof="0" dirty="0">
+                      <a:ln>
+                        <a:noFill/>
+                      </a:ln>
+                      <a:solidFill>
+                        <a:srgbClr val="37322F"/>
+                      </a:solidFill>
+                      <a:effectLst/>
+                      <a:uLnTx/>
+                      <a:uFillTx/>
+                      <a:latin typeface="Gill Sans Nova" panose="020B0602020104020203" pitchFamily="34" charset="0"/>
+                      <a:ea typeface="+mn-ea"/>
+                      <a:cs typeface="Aharoni" panose="020F0502020204030204" pitchFamily="2" charset="-79"/>
+                    </a:rPr>
+                    <a:t> </a:t>
+                  </a:r>
+                </a:p>
+                <a:p>
+                  <a:pPr marL="0" marR="0" lvl="0" indent="0" algn="l" defTabSz="457200" rtl="0" eaLnBrk="1" fontAlgn="auto" latinLnBrk="0" hangingPunct="1">
+                    <a:lnSpc>
+                      <a:spcPct val="100000"/>
+                    </a:lnSpc>
+                    <a:spcBef>
+                      <a:spcPts val="0"/>
+                    </a:spcBef>
+                    <a:spcAft>
+                      <a:spcPts val="0"/>
+                    </a:spcAft>
+                    <a:buClrTx/>
+                    <a:buSzTx/>
+                    <a:buFontTx/>
+                    <a:buNone/>
+                    <a:tabLst/>
+                    <a:defRPr/>
+                  </a:pPr>
+                  <a:r>
+                    <a:rPr lang="fr-FR" sz="3200" dirty="0">
+                      <a:solidFill>
+                        <a:srgbClr val="37322F"/>
+                      </a:solidFill>
+                      <a:latin typeface="Gill Sans Nova" panose="020B0602020104020203" pitchFamily="34" charset="0"/>
+                    </a:rPr>
+                    <a:t>- </a:t>
+                  </a:r>
+                  <a:r>
+                    <a:rPr lang="fr-FR" sz="3200" dirty="0" err="1">
+                      <a:solidFill>
+                        <a:srgbClr val="37322F"/>
+                      </a:solidFill>
+                      <a:latin typeface="Gill Sans Nova" panose="020B0602020104020203" pitchFamily="34" charset="0"/>
+                    </a:rPr>
+                    <a:t>Wavelenght</a:t>
+                  </a:r>
+                  <a:r>
+                    <a:rPr lang="fr-FR" sz="3200" dirty="0">
+                      <a:solidFill>
+                        <a:srgbClr val="37322F"/>
+                      </a:solidFill>
+                      <a:latin typeface="Gill Sans Nova" panose="020B0602020104020203" pitchFamily="34" charset="0"/>
+                    </a:rPr>
+                    <a:t> : </a:t>
+                  </a:r>
+                  <a14:m>
+                    <m:oMath xmlns:m="http://schemas.openxmlformats.org/officeDocument/2006/math">
+                      <m:r>
+                        <a:rPr lang="fr-FR" sz="3200" b="0" i="1" smtClean="0">
+                          <a:solidFill>
+                            <a:srgbClr val="37322F"/>
+                          </a:solidFill>
+                          <a:latin typeface="Cambria Math" panose="02040503050406030204" pitchFamily="18" charset="0"/>
+                        </a:rPr>
+                        <m:t>1</m:t>
+                      </m:r>
+                      <m:r>
+                        <a:rPr lang="fr-FR" sz="3200" b="0" i="1" smtClean="0">
+                          <a:solidFill>
+                            <a:srgbClr val="37322F"/>
+                          </a:solidFill>
+                          <a:latin typeface="Cambria Math" panose="02040503050406030204" pitchFamily="18" charset="0"/>
+                        </a:rPr>
+                        <m:t>.</m:t>
+                      </m:r>
+                      <m:r>
+                        <a:rPr lang="fr-FR" sz="3200" b="0" i="1" smtClean="0">
+                          <a:solidFill>
+                            <a:srgbClr val="37322F"/>
+                          </a:solidFill>
+                          <a:latin typeface="Cambria Math" panose="02040503050406030204" pitchFamily="18" charset="0"/>
+                        </a:rPr>
+                        <m:t>65</m:t>
+                      </m:r>
+                      <m:r>
+                        <a:rPr lang="fr-FR" sz="3200" b="0" i="1" smtClean="0">
+                          <a:solidFill>
+                            <a:srgbClr val="37322F"/>
+                          </a:solidFill>
+                          <a:latin typeface="Cambria Math" panose="02040503050406030204" pitchFamily="18" charset="0"/>
+                        </a:rPr>
+                        <m:t>𝜇</m:t>
+                      </m:r>
+                      <m:r>
+                        <a:rPr lang="fr-FR" sz="3200" b="0" i="1" smtClean="0">
+                          <a:solidFill>
+                            <a:srgbClr val="37322F"/>
+                          </a:solidFill>
+                          <a:latin typeface="Cambria Math" panose="02040503050406030204" pitchFamily="18" charset="0"/>
+                        </a:rPr>
+                        <m:t>𝑚</m:t>
+                      </m:r>
+                    </m:oMath>
+                  </a14:m>
+                  <a:endParaRPr lang="fr-FR" sz="3200" dirty="0">
+                    <a:solidFill>
+                      <a:srgbClr val="37322F"/>
+                    </a:solidFill>
+                    <a:latin typeface="Gill Sans Nova" panose="020B0602020104020203" pitchFamily="34" charset="0"/>
+                  </a:endParaRPr>
+                </a:p>
+                <a:p>
+                  <a:pPr marL="0" marR="0" lvl="0" indent="0" algn="l" defTabSz="457200" rtl="0" eaLnBrk="1" fontAlgn="auto" latinLnBrk="0" hangingPunct="1">
+                    <a:lnSpc>
+                      <a:spcPct val="100000"/>
+                    </a:lnSpc>
+                    <a:spcBef>
+                      <a:spcPts val="0"/>
+                    </a:spcBef>
+                    <a:spcAft>
+                      <a:spcPts val="0"/>
+                    </a:spcAft>
+                    <a:buClrTx/>
+                    <a:buSzTx/>
+                    <a:buFontTx/>
+                    <a:buNone/>
+                    <a:tabLst/>
+                    <a:defRPr/>
+                  </a:pPr>
+                  <a:r>
+                    <a:rPr lang="fr-FR" sz="3200" dirty="0">
+                      <a:solidFill>
+                        <a:srgbClr val="37322F"/>
+                      </a:solidFill>
+                      <a:latin typeface="Gill Sans Nova" panose="020B0602020104020203" pitchFamily="34" charset="0"/>
+                    </a:rPr>
+                    <a:t>- </a:t>
+                  </a:r>
+                  <a:r>
+                    <a:rPr lang="fr-FR" sz="3200" dirty="0" err="1">
+                      <a:solidFill>
+                        <a:srgbClr val="37322F"/>
+                      </a:solidFill>
+                      <a:latin typeface="Gill Sans Nova" panose="020B0602020104020203" pitchFamily="34" charset="0"/>
+                    </a:rPr>
+                    <a:t>Response</a:t>
+                  </a:r>
+                  <a:r>
+                    <a:rPr lang="fr-FR" sz="3200" dirty="0">
+                      <a:solidFill>
+                        <a:srgbClr val="37322F"/>
+                      </a:solidFill>
+                      <a:latin typeface="Gill Sans Nova" panose="020B0602020104020203" pitchFamily="34" charset="0"/>
+                    </a:rPr>
+                    <a:t> time: </a:t>
+                  </a:r>
+                  <a14:m>
+                    <m:oMath xmlns:m="http://schemas.openxmlformats.org/officeDocument/2006/math">
+                      <m:r>
+                        <a:rPr lang="fr-FR" sz="3200" b="0" i="1" smtClean="0">
+                          <a:solidFill>
+                            <a:srgbClr val="37322F"/>
+                          </a:solidFill>
+                          <a:latin typeface="Cambria Math" panose="02040503050406030204" pitchFamily="18" charset="0"/>
+                        </a:rPr>
+                        <m:t>&lt;</m:t>
+                      </m:r>
+                      <m:r>
+                        <a:rPr lang="fr-FR" sz="3200" b="0" i="1" smtClean="0">
+                          <a:solidFill>
+                            <a:srgbClr val="37322F"/>
+                          </a:solidFill>
+                          <a:latin typeface="Cambria Math" panose="02040503050406030204" pitchFamily="18" charset="0"/>
+                        </a:rPr>
+                        <m:t>1</m:t>
+                      </m:r>
+                      <m:r>
+                        <a:rPr lang="fr-FR" sz="3200" b="0" i="1" smtClean="0">
+                          <a:solidFill>
+                            <a:srgbClr val="37322F"/>
+                          </a:solidFill>
+                          <a:latin typeface="Cambria Math" panose="02040503050406030204" pitchFamily="18" charset="0"/>
+                        </a:rPr>
+                        <m:t> </m:t>
+                      </m:r>
+                      <m:r>
+                        <a:rPr lang="fr-FR" sz="3200" b="0" i="1" smtClean="0">
+                          <a:solidFill>
+                            <a:srgbClr val="37322F"/>
+                          </a:solidFill>
+                          <a:latin typeface="Cambria Math" panose="02040503050406030204" pitchFamily="18" charset="0"/>
+                        </a:rPr>
+                        <m:t>𝑚𝑠</m:t>
+                      </m:r>
+                    </m:oMath>
+                  </a14:m>
+                  <a:endParaRPr lang="fr-FR" dirty="0">
+                    <a:solidFill>
+                      <a:srgbClr val="37322F"/>
+                    </a:solidFill>
+                    <a:latin typeface="Aptos" panose="02110004020202020204"/>
+                  </a:endParaRPr>
+                </a:p>
+                <a:p>
+                  <a:pPr marL="0" marR="0" lvl="0" indent="0" algn="l" defTabSz="457200" rtl="0" eaLnBrk="1" fontAlgn="auto" latinLnBrk="0" hangingPunct="1">
+                    <a:lnSpc>
+                      <a:spcPct val="100000"/>
+                    </a:lnSpc>
+                    <a:spcBef>
+                      <a:spcPts val="0"/>
+                    </a:spcBef>
+                    <a:spcAft>
+                      <a:spcPts val="0"/>
+                    </a:spcAft>
+                    <a:buClrTx/>
+                    <a:buSzTx/>
+                    <a:buFontTx/>
+                    <a:buNone/>
+                    <a:tabLst/>
+                    <a:defRPr/>
+                  </a:pPr>
+                  <a:endParaRPr lang="fr-FR" dirty="0">
+                    <a:solidFill>
+                      <a:srgbClr val="37322F"/>
+                    </a:solidFill>
+                    <a:latin typeface="Aptos" panose="02110004020202020204"/>
+                  </a:endParaRPr>
+                </a:p>
+              </p:txBody>
+            </p:sp>
+          </mc:Choice>
+          <mc:Fallback>
+            <p:sp>
+              <p:nvSpPr>
+                <p:cNvPr id="5" name="Rectangle : coins arrondis 4">
+                  <a:extLst>
+                    <a:ext uri="{FF2B5EF4-FFF2-40B4-BE49-F238E27FC236}">
+                      <a16:creationId xmlns:a16="http://schemas.microsoft.com/office/drawing/2014/main" id="{FB511331-6DB4-D732-29C5-1F788BAFE694}"/>
+                    </a:ext>
+                  </a:extLst>
+                </p:cNvPr>
+                <p:cNvSpPr>
+                  <a:spLocks noRot="1" noChangeAspect="1" noMove="1" noResize="1" noEditPoints="1" noAdjustHandles="1" noChangeArrowheads="1" noChangeShapeType="1" noTextEdit="1"/>
+                </p:cNvSpPr>
+                <p:nvPr/>
+              </p:nvSpPr>
+              <p:spPr>
+                <a:xfrm>
+                  <a:off x="389116" y="30518100"/>
+                  <a:ext cx="10064094" cy="7352385"/>
+                </a:xfrm>
+                <a:prstGeom prst="roundRect">
+                  <a:avLst>
+                    <a:gd name="adj" fmla="val 13558"/>
+                  </a:avLst>
+                </a:prstGeom>
+                <a:blipFill>
+                  <a:blip r:embed="rId2"/>
+                  <a:stretch>
+                    <a:fillRect/>
+                  </a:stretch>
+                </a:blipFill>
                 <a:ln>
                   <a:noFill/>
                 </a:ln>
+              </p:spPr>
+              <p:txBody>
+                <a:bodyPr/>
+                <a:lstStyle/>
+                <a:p>
+                  <a:r>
+                    <a:rPr lang="fr-FR">
+                      <a:noFill/>
+                    </a:rPr>
+                    <a:t> </a:t>
+                  </a:r>
+                </a:p>
+              </p:txBody>
+            </p:sp>
+          </mc:Fallback>
+        </mc:AlternateContent>
+        <p:grpSp>
+          <p:nvGrpSpPr>
+            <p:cNvPr id="26" name="Groupe 25">
+              <a:extLst>
+                <a:ext uri="{FF2B5EF4-FFF2-40B4-BE49-F238E27FC236}">
+                  <a16:creationId xmlns:a16="http://schemas.microsoft.com/office/drawing/2014/main" id="{5257546A-9D87-D74C-CA19-37FD84365145}"/>
+                </a:ext>
+              </a:extLst>
+            </p:cNvPr>
+            <p:cNvGrpSpPr/>
+            <p:nvPr/>
+          </p:nvGrpSpPr>
+          <p:grpSpPr>
+            <a:xfrm>
+              <a:off x="442451" y="9259890"/>
+              <a:ext cx="31514387" cy="28698741"/>
+              <a:chOff x="442451" y="9259890"/>
+              <a:chExt cx="31514387" cy="28698741"/>
+            </a:xfrm>
+          </p:grpSpPr>
+          <p:grpSp>
+            <p:nvGrpSpPr>
+              <p:cNvPr id="42" name="Groupe 41">
+                <a:extLst>
+                  <a:ext uri="{FF2B5EF4-FFF2-40B4-BE49-F238E27FC236}">
+                    <a16:creationId xmlns:a16="http://schemas.microsoft.com/office/drawing/2014/main" id="{FB7EB6C8-9905-BBF6-F070-5AE71BB84C47}"/>
+                  </a:ext>
+                </a:extLst>
+              </p:cNvPr>
+              <p:cNvGrpSpPr/>
+              <p:nvPr/>
+            </p:nvGrpSpPr>
+            <p:grpSpPr>
+              <a:xfrm>
+                <a:off x="442451" y="9259890"/>
+                <a:ext cx="31514387" cy="28698741"/>
+                <a:chOff x="442451" y="9259890"/>
+                <a:chExt cx="31514387" cy="28698741"/>
+              </a:xfrm>
+            </p:grpSpPr>
+            <p:grpSp>
+              <p:nvGrpSpPr>
+                <p:cNvPr id="14" name="Groupe 13">
+                  <a:extLst>
+                    <a:ext uri="{FF2B5EF4-FFF2-40B4-BE49-F238E27FC236}">
+                      <a16:creationId xmlns:a16="http://schemas.microsoft.com/office/drawing/2014/main" id="{F7DF72B3-F5B3-DD7A-87CE-4EE6B48CB8A8}"/>
+                    </a:ext>
+                  </a:extLst>
+                </p:cNvPr>
+                <p:cNvGrpSpPr/>
+                <p:nvPr/>
+              </p:nvGrpSpPr>
+              <p:grpSpPr>
+                <a:xfrm>
+                  <a:off x="442451" y="9259890"/>
+                  <a:ext cx="31514387" cy="28698741"/>
+                  <a:chOff x="522107" y="7597170"/>
+                  <a:chExt cx="31514387" cy="28833164"/>
+                </a:xfrm>
+              </p:grpSpPr>
+              <p:grpSp>
+                <p:nvGrpSpPr>
+                  <p:cNvPr id="12" name="Groupe 11">
+                    <a:extLst>
+                      <a:ext uri="{FF2B5EF4-FFF2-40B4-BE49-F238E27FC236}">
+                        <a16:creationId xmlns:a16="http://schemas.microsoft.com/office/drawing/2014/main" id="{BD467FC4-ADDD-6315-F099-137D49B00582}"/>
+                      </a:ext>
+                    </a:extLst>
+                  </p:cNvPr>
+                  <p:cNvGrpSpPr/>
+                  <p:nvPr/>
+                </p:nvGrpSpPr>
+                <p:grpSpPr>
+                  <a:xfrm>
+                    <a:off x="522108" y="7597170"/>
+                    <a:ext cx="31514386" cy="28833164"/>
+                    <a:chOff x="244827" y="7313550"/>
+                    <a:chExt cx="28568459" cy="7097110"/>
+                  </a:xfrm>
+                </p:grpSpPr>
+                <p:sp>
+                  <p:nvSpPr>
+                    <p:cNvPr id="9" name="Rectangle : coins arrondis 8">
+                      <a:extLst>
+                        <a:ext uri="{FF2B5EF4-FFF2-40B4-BE49-F238E27FC236}">
+                          <a16:creationId xmlns:a16="http://schemas.microsoft.com/office/drawing/2014/main" id="{BA75F1BC-D910-19B2-11C1-1AEAE3EBDEB9}"/>
+                        </a:ext>
+                      </a:extLst>
+                    </p:cNvPr>
+                    <p:cNvSpPr>
+                      <a:spLocks/>
+                    </p:cNvSpPr>
+                    <p:nvPr/>
+                  </p:nvSpPr>
+                  <p:spPr>
+                    <a:xfrm>
+                      <a:off x="244827" y="7313550"/>
+                      <a:ext cx="15521137" cy="1185906"/>
+                    </a:xfrm>
+                    <a:prstGeom prst="roundRect">
+                      <a:avLst>
+                        <a:gd name="adj" fmla="val 22626"/>
+                      </a:avLst>
+                    </a:prstGeom>
+                    <a:solidFill>
+                      <a:srgbClr val="E7E1D5"/>
+                    </a:solidFill>
+                    <a:ln>
+                      <a:noFill/>
+                    </a:ln>
+                  </p:spPr>
+                  <p:style>
+                    <a:lnRef idx="2">
+                      <a:schemeClr val="accent1">
+                        <a:shade val="15000"/>
+                      </a:schemeClr>
+                    </a:lnRef>
+                    <a:fillRef idx="1">
+                      <a:schemeClr val="accent1"/>
+                    </a:fillRef>
+                    <a:effectRef idx="0">
+                      <a:schemeClr val="accent1"/>
+                    </a:effectRef>
+                    <a:fontRef idx="minor">
+                      <a:schemeClr val="lt1"/>
+                    </a:fontRef>
+                  </p:style>
+                  <p:txBody>
+                    <a:bodyPr rtlCol="0" anchor="t"/>
+                    <a:lstStyle/>
+                    <a:p>
+                      <a:pPr algn="ctr"/>
+                      <a:r>
+                        <a:rPr lang="fr-FR" sz="4800" dirty="0">
+                          <a:solidFill>
+                            <a:srgbClr val="37322F"/>
+                          </a:solidFill>
+                          <a:latin typeface="Congenial SemiBold" panose="02000503040000020004" pitchFamily="2" charset="0"/>
+                          <a:cs typeface="Aharoni" panose="020F0502020204030204" pitchFamily="2" charset="-79"/>
+                        </a:rPr>
+                        <a:t>In a </a:t>
+                      </a:r>
+                      <a:r>
+                        <a:rPr lang="fr-FR" sz="4800" dirty="0" err="1">
+                          <a:solidFill>
+                            <a:srgbClr val="37322F"/>
+                          </a:solidFill>
+                          <a:latin typeface="Congenial SemiBold" panose="02000503040000020004" pitchFamily="2" charset="0"/>
+                          <a:cs typeface="Aharoni" panose="020F0502020204030204" pitchFamily="2" charset="-79"/>
+                        </a:rPr>
+                        <a:t>nutshell</a:t>
+                      </a:r>
+                      <a:r>
+                        <a:rPr lang="fr-FR" sz="4800" dirty="0">
+                          <a:solidFill>
+                            <a:srgbClr val="37322F"/>
+                          </a:solidFill>
+                          <a:latin typeface="Congenial SemiBold" panose="02000503040000020004" pitchFamily="2" charset="0"/>
+                          <a:cs typeface="Aharoni" panose="020F0502020204030204" pitchFamily="2" charset="-79"/>
+                        </a:rPr>
+                        <a:t> 🥜</a:t>
+                      </a:r>
+                      <a:endParaRPr lang="en-US" sz="4800" dirty="0">
+                        <a:solidFill>
+                          <a:srgbClr val="37322F"/>
+                        </a:solidFill>
+                        <a:latin typeface="Congenial SemiBold" panose="02000503040000020004" pitchFamily="2" charset="0"/>
+                        <a:cs typeface="Aharoni" panose="020F0502020204030204" pitchFamily="2" charset="-79"/>
+                      </a:endParaRPr>
+                    </a:p>
+                    <a:p>
+                      <a:pPr algn="ctr"/>
+                      <a:r>
+                        <a:rPr lang="en-US" sz="2000" u="sng" dirty="0">
+                          <a:solidFill>
+                            <a:srgbClr val="37322F"/>
+                          </a:solidFill>
+                          <a:latin typeface="Gill Sans Nova" panose="020B0602020104020203" pitchFamily="34" charset="0"/>
+                          <a:cs typeface="Aharoni" panose="020F0502020204030204" pitchFamily="2" charset="-79"/>
+                        </a:rPr>
+                        <a:t> </a:t>
+                      </a:r>
+                    </a:p>
+                    <a:p>
+                      <a:r>
+                        <a:rPr lang="en-US" sz="3200" dirty="0">
+                          <a:solidFill>
+                            <a:srgbClr val="37322F"/>
+                          </a:solidFill>
+                          <a:latin typeface="Gill Sans Nova" panose="020B0602020104020203" pitchFamily="34" charset="0"/>
+                          <a:cs typeface="Aharoni" panose="020F0502020204030204" pitchFamily="2" charset="-79"/>
+                        </a:rPr>
+                        <a:t>This thesis aim to enhance nulling interferometry for exoplanet detection using a four-telescope architecture named Kernel-</a:t>
+                      </a:r>
+                      <a:r>
+                        <a:rPr lang="en-US" sz="3200" dirty="0" err="1">
+                          <a:solidFill>
+                            <a:srgbClr val="37322F"/>
+                          </a:solidFill>
+                          <a:latin typeface="Gill Sans Nova" panose="020B0602020104020203" pitchFamily="34" charset="0"/>
+                          <a:cs typeface="Aharoni" panose="020F0502020204030204" pitchFamily="2" charset="-79"/>
+                        </a:rPr>
+                        <a:t>Nuller</a:t>
+                      </a:r>
+                      <a:r>
+                        <a:rPr lang="en-US" sz="3200" dirty="0">
+                          <a:solidFill>
+                            <a:srgbClr val="37322F"/>
+                          </a:solidFill>
+                          <a:latin typeface="Gill Sans Nova" panose="020B0602020104020203" pitchFamily="34" charset="0"/>
+                          <a:cs typeface="Aharoni" panose="020F0502020204030204" pitchFamily="2" charset="-79"/>
+                        </a:rPr>
+                        <a:t>. By integrating 14 active phase shifters, it aims to mitigate phase aberrations caused by manufacturing defects. An algorithm is developed to optimize device performance, validated through simulations and lab experiments. A second phase consist in analyzing intensity distributions produced by Kernel-</a:t>
+                      </a:r>
+                      <a:r>
+                        <a:rPr lang="en-US" sz="3200" dirty="0" err="1">
+                          <a:solidFill>
+                            <a:srgbClr val="37322F"/>
+                          </a:solidFill>
+                          <a:latin typeface="Gill Sans Nova" panose="020B0602020104020203" pitchFamily="34" charset="0"/>
+                          <a:cs typeface="Aharoni" panose="020F0502020204030204" pitchFamily="2" charset="-79"/>
+                        </a:rPr>
+                        <a:t>Nuller</a:t>
+                      </a:r>
+                      <a:r>
+                        <a:rPr lang="en-US" sz="3200" dirty="0">
+                          <a:solidFill>
+                            <a:srgbClr val="37322F"/>
+                          </a:solidFill>
+                          <a:latin typeface="Gill Sans Nova" panose="020B0602020104020203" pitchFamily="34" charset="0"/>
+                          <a:cs typeface="Aharoni" panose="020F0502020204030204" pitchFamily="2" charset="-79"/>
+                        </a:rPr>
+                        <a:t> and applying statistical tests and machine learning to extract science information. This poster present the preliminary results.</a:t>
+                      </a:r>
+                      <a:endParaRPr lang="fr-FR" sz="3200" dirty="0">
+                        <a:solidFill>
+                          <a:srgbClr val="37322F"/>
+                        </a:solidFill>
+                        <a:latin typeface="Gill Sans Nova" panose="020B0602020104020203" pitchFamily="34" charset="0"/>
+                        <a:cs typeface="Aharoni" panose="020F0502020204030204" pitchFamily="2" charset="-79"/>
+                      </a:endParaRPr>
+                    </a:p>
+                  </p:txBody>
+                </p:sp>
+                <p:sp>
+                  <p:nvSpPr>
+                    <p:cNvPr id="10" name="Rectangle : coins arrondis 9">
+                      <a:extLst>
+                        <a:ext uri="{FF2B5EF4-FFF2-40B4-BE49-F238E27FC236}">
+                          <a16:creationId xmlns:a16="http://schemas.microsoft.com/office/drawing/2014/main" id="{FD7A54F2-9565-2EC1-1F7D-D3CDECC83C71}"/>
+                        </a:ext>
+                      </a:extLst>
+                    </p:cNvPr>
+                    <p:cNvSpPr>
+                      <a:spLocks/>
+                    </p:cNvSpPr>
+                    <p:nvPr/>
+                  </p:nvSpPr>
+                  <p:spPr>
+                    <a:xfrm>
+                      <a:off x="9885722" y="11481227"/>
+                      <a:ext cx="9363479" cy="2929433"/>
+                    </a:xfrm>
+                    <a:prstGeom prst="roundRect">
+                      <a:avLst>
+                        <a:gd name="adj" fmla="val 11134"/>
+                      </a:avLst>
+                    </a:prstGeom>
+                    <a:solidFill>
+                      <a:srgbClr val="E7E1D5"/>
+                    </a:solidFill>
+                    <a:ln>
+                      <a:noFill/>
+                    </a:ln>
+                  </p:spPr>
+                  <p:style>
+                    <a:lnRef idx="2">
+                      <a:schemeClr val="accent1">
+                        <a:shade val="15000"/>
+                      </a:schemeClr>
+                    </a:lnRef>
+                    <a:fillRef idx="1">
+                      <a:schemeClr val="accent1"/>
+                    </a:fillRef>
+                    <a:effectRef idx="0">
+                      <a:schemeClr val="accent1"/>
+                    </a:effectRef>
+                    <a:fontRef idx="minor">
+                      <a:schemeClr val="lt1"/>
+                    </a:fontRef>
+                  </p:style>
+                  <p:txBody>
+                    <a:bodyPr rtlCol="0" anchor="t"/>
+                    <a:lstStyle/>
+                    <a:p>
+                      <a:pPr algn="ctr"/>
+                      <a:r>
+                        <a:rPr lang="fr-FR" sz="4800" dirty="0">
+                          <a:solidFill>
+                            <a:srgbClr val="37322F"/>
+                          </a:solidFill>
+                          <a:latin typeface="Congenial SemiBold" panose="02000503040000020004" pitchFamily="2" charset="0"/>
+                          <a:cs typeface="Aharoni" panose="020F0502020204030204" pitchFamily="2" charset="-79"/>
+                        </a:rPr>
+                        <a:t>Calibration algorithme </a:t>
+                      </a:r>
+                      <a:r>
+                        <a:rPr lang="fr-FR" sz="4800" dirty="0">
+                          <a:solidFill>
+                            <a:srgbClr val="37322F"/>
+                          </a:solidFill>
+                          <a:latin typeface="Gill Sans Nova" panose="020B0602020104020203" pitchFamily="34" charset="0"/>
+                          <a:cs typeface="Aharoni" panose="020F0502020204030204" pitchFamily="2" charset="-79"/>
+                        </a:rPr>
+                        <a:t>🗜️</a:t>
+                      </a:r>
+                      <a:endParaRPr lang="en-US" sz="4800" dirty="0">
+                        <a:solidFill>
+                          <a:srgbClr val="37322F"/>
+                        </a:solidFill>
+                        <a:latin typeface="Gill Sans Nova" panose="020B0602020104020203" pitchFamily="34" charset="0"/>
+                        <a:cs typeface="Aharoni" panose="020F0502020204030204" pitchFamily="2" charset="-79"/>
+                      </a:endParaRPr>
+                    </a:p>
+                    <a:p>
+                      <a:pPr algn="ctr"/>
+                      <a:r>
+                        <a:rPr lang="en-US" sz="2000" u="sng" dirty="0">
+                          <a:solidFill>
+                            <a:srgbClr val="37322F"/>
+                          </a:solidFill>
+                          <a:latin typeface="Gill Sans Nova" panose="020B0602020104020203" pitchFamily="34" charset="0"/>
+                          <a:cs typeface="Aharoni" panose="020F0502020204030204" pitchFamily="2" charset="-79"/>
+                        </a:rPr>
+                        <a:t> </a:t>
+                      </a:r>
+                    </a:p>
+                    <a:p>
+                      <a:pPr marL="457200" indent="-457200">
+                        <a:buFontTx/>
+                        <a:buChar char="-"/>
+                      </a:pPr>
+                      <a:r>
+                        <a:rPr lang="fr-FR" sz="3200" dirty="0">
+                          <a:solidFill>
+                            <a:srgbClr val="37322F"/>
+                          </a:solidFill>
+                          <a:latin typeface="Gill Sans Nova" panose="020B0602020104020203" pitchFamily="34" charset="0"/>
+                        </a:rPr>
+                        <a:t>Method</a:t>
+                      </a:r>
+                    </a:p>
+                    <a:p>
+                      <a:pPr marL="457200" indent="-457200">
+                        <a:buFontTx/>
+                        <a:buChar char="-"/>
+                      </a:pPr>
+                      <a:r>
+                        <a:rPr lang="fr-FR" sz="3200" dirty="0" err="1">
+                          <a:solidFill>
+                            <a:srgbClr val="37322F"/>
+                          </a:solidFill>
+                          <a:latin typeface="Gill Sans Nova" panose="020B0602020104020203" pitchFamily="34" charset="0"/>
+                        </a:rPr>
+                        <a:t>Metrics</a:t>
+                      </a:r>
+                      <a:endParaRPr lang="fr-FR" sz="3200" dirty="0">
+                        <a:solidFill>
+                          <a:srgbClr val="37322F"/>
+                        </a:solidFill>
+                        <a:latin typeface="Gill Sans Nova" panose="020B0602020104020203" pitchFamily="34" charset="0"/>
+                      </a:endParaRPr>
+                    </a:p>
+                    <a:p>
+                      <a:pPr marL="457200" indent="-457200">
+                        <a:buFontTx/>
+                        <a:buChar char="-"/>
+                      </a:pPr>
+                      <a:r>
+                        <a:rPr lang="fr-FR" sz="3200" dirty="0">
+                          <a:solidFill>
+                            <a:srgbClr val="37322F"/>
+                          </a:solidFill>
+                          <a:latin typeface="Gill Sans Nova" panose="020B0602020104020203" pitchFamily="34" charset="0"/>
+                        </a:rPr>
+                        <a:t>Convergence speed</a:t>
+                      </a:r>
+                    </a:p>
+                    <a:p>
+                      <a:pPr marL="457200" indent="-457200">
+                        <a:buFontTx/>
+                        <a:buChar char="-"/>
+                      </a:pPr>
+                      <a:r>
+                        <a:rPr lang="fr-FR" sz="3200" dirty="0">
+                          <a:solidFill>
+                            <a:srgbClr val="37322F"/>
+                          </a:solidFill>
+                          <a:latin typeface="Gill Sans Nova" panose="020B0602020104020203" pitchFamily="34" charset="0"/>
+                        </a:rPr>
+                        <a:t>Limitations</a:t>
+                      </a:r>
+                    </a:p>
+                    <a:p>
+                      <a:pPr marL="457200" indent="-457200">
+                        <a:buFontTx/>
+                        <a:buChar char="-"/>
+                      </a:pPr>
+                      <a:endParaRPr lang="fr-FR" sz="3200" dirty="0">
+                        <a:solidFill>
+                          <a:srgbClr val="37322F"/>
+                        </a:solidFill>
+                        <a:latin typeface="Gill Sans Nova" panose="020B0602020104020203" pitchFamily="34" charset="0"/>
+                      </a:endParaRPr>
+                    </a:p>
+                  </p:txBody>
+                </p:sp>
+                <p:sp>
+                  <p:nvSpPr>
+                    <p:cNvPr id="11" name="Rectangle : coins arrondis 10">
+                      <a:extLst>
+                        <a:ext uri="{FF2B5EF4-FFF2-40B4-BE49-F238E27FC236}">
+                          <a16:creationId xmlns:a16="http://schemas.microsoft.com/office/drawing/2014/main" id="{395632F7-D70E-F64F-2ABF-901D8A78EC81}"/>
+                        </a:ext>
+                      </a:extLst>
+                    </p:cNvPr>
+                    <p:cNvSpPr>
+                      <a:spLocks/>
+                    </p:cNvSpPr>
+                    <p:nvPr/>
+                  </p:nvSpPr>
+                  <p:spPr>
+                    <a:xfrm>
+                      <a:off x="19689971" y="8632438"/>
+                      <a:ext cx="9123315" cy="3938202"/>
+                    </a:xfrm>
+                    <a:prstGeom prst="roundRect">
+                      <a:avLst>
+                        <a:gd name="adj" fmla="val 10421"/>
+                      </a:avLst>
+                    </a:prstGeom>
+                    <a:solidFill>
+                      <a:srgbClr val="E7E1D5"/>
+                    </a:solidFill>
+                    <a:ln>
+                      <a:noFill/>
+                    </a:ln>
+                  </p:spPr>
+                  <p:style>
+                    <a:lnRef idx="2">
+                      <a:schemeClr val="accent1">
+                        <a:shade val="15000"/>
+                      </a:schemeClr>
+                    </a:lnRef>
+                    <a:fillRef idx="1">
+                      <a:schemeClr val="accent1"/>
+                    </a:fillRef>
+                    <a:effectRef idx="0">
+                      <a:schemeClr val="accent1"/>
+                    </a:effectRef>
+                    <a:fontRef idx="minor">
+                      <a:schemeClr val="lt1"/>
+                    </a:fontRef>
+                  </p:style>
+                  <p:txBody>
+                    <a:bodyPr rtlCol="0" anchor="t"/>
+                    <a:lstStyle/>
+                    <a:p>
+                      <a:pPr marL="0" marR="0" lvl="0" indent="0" algn="ctr" defTabSz="457200" rtl="0" eaLnBrk="1" fontAlgn="auto" latinLnBrk="0" hangingPunct="1">
+                        <a:lnSpc>
+                          <a:spcPct val="100000"/>
+                        </a:lnSpc>
+                        <a:spcBef>
+                          <a:spcPts val="0"/>
+                        </a:spcBef>
+                        <a:spcAft>
+                          <a:spcPts val="0"/>
+                        </a:spcAft>
+                        <a:buClrTx/>
+                        <a:buSzTx/>
+                        <a:buFontTx/>
+                        <a:buNone/>
+                        <a:tabLst/>
+                        <a:defRPr/>
+                      </a:pPr>
+                      <a:r>
+                        <a:rPr kumimoji="0" lang="fr-FR" sz="4800" b="0" i="0" u="none" strike="noStrike" kern="1200" cap="none" spc="0" normalizeH="0" baseline="0" noProof="0" dirty="0" err="1">
+                          <a:ln>
+                            <a:noFill/>
+                          </a:ln>
+                          <a:solidFill>
+                            <a:srgbClr val="37322F"/>
+                          </a:solidFill>
+                          <a:effectLst/>
+                          <a:uLnTx/>
+                          <a:uFillTx/>
+                          <a:latin typeface="Congenial SemiBold" panose="02000503040000020004" pitchFamily="2" charset="0"/>
+                          <a:cs typeface="Aharoni" panose="020F0502020204030204" pitchFamily="2" charset="-79"/>
+                        </a:rPr>
+                        <a:t>Statistical</a:t>
+                      </a:r>
+                      <a:r>
+                        <a:rPr lang="fr-FR" sz="4800" dirty="0">
+                          <a:solidFill>
+                            <a:srgbClr val="37322F"/>
+                          </a:solidFill>
+                          <a:latin typeface="Congenial SemiBold" panose="02000503040000020004" pitchFamily="2" charset="0"/>
+                          <a:cs typeface="Aharoni" panose="020F0502020204030204" pitchFamily="2" charset="-79"/>
+                        </a:rPr>
+                        <a:t> </a:t>
+                      </a:r>
+                      <a:r>
+                        <a:rPr lang="fr-FR" sz="4800" dirty="0" err="1">
+                          <a:solidFill>
+                            <a:srgbClr val="37322F"/>
+                          </a:solidFill>
+                          <a:latin typeface="Congenial SemiBold" panose="02000503040000020004" pitchFamily="2" charset="0"/>
+                          <a:cs typeface="Aharoni" panose="020F0502020204030204" pitchFamily="2" charset="-79"/>
+                        </a:rPr>
+                        <a:t>analysis</a:t>
+                      </a:r>
+                      <a:r>
+                        <a:rPr lang="fr-FR" sz="4800" dirty="0">
+                          <a:solidFill>
+                            <a:srgbClr val="37322F"/>
+                          </a:solidFill>
+                          <a:latin typeface="Congenial SemiBold" panose="02000503040000020004" pitchFamily="2" charset="0"/>
+                          <a:cs typeface="Aharoni" panose="020F0502020204030204" pitchFamily="2" charset="-79"/>
+                        </a:rPr>
+                        <a:t> 📊</a:t>
+                      </a:r>
+                      <a:endParaRPr kumimoji="0" lang="en-US" sz="4800" b="0" i="0" u="none" strike="noStrike" kern="1200" cap="none" spc="0" normalizeH="0" baseline="0" noProof="0" dirty="0">
+                        <a:ln>
+                          <a:noFill/>
+                        </a:ln>
+                        <a:solidFill>
+                          <a:srgbClr val="37322F"/>
+                        </a:solidFill>
+                        <a:effectLst/>
+                        <a:uLnTx/>
+                        <a:uFillTx/>
+                        <a:latin typeface="Congenial SemiBold" panose="02000503040000020004" pitchFamily="2" charset="0"/>
+                        <a:cs typeface="Aharoni" panose="020F0502020204030204" pitchFamily="2" charset="-79"/>
+                      </a:endParaRPr>
+                    </a:p>
+                    <a:p>
+                      <a:pPr marL="0" marR="0" lvl="0" indent="0" algn="ctr" defTabSz="457200" rtl="0" eaLnBrk="1" fontAlgn="auto" latinLnBrk="0" hangingPunct="1">
+                        <a:lnSpc>
+                          <a:spcPct val="100000"/>
+                        </a:lnSpc>
+                        <a:spcBef>
+                          <a:spcPts val="0"/>
+                        </a:spcBef>
+                        <a:spcAft>
+                          <a:spcPts val="0"/>
+                        </a:spcAft>
+                        <a:buClrTx/>
+                        <a:buSzTx/>
+                        <a:buFontTx/>
+                        <a:buNone/>
+                        <a:tabLst/>
+                        <a:defRPr/>
+                      </a:pPr>
+                      <a:r>
+                        <a:rPr kumimoji="0" lang="en-US" sz="2000" b="0" i="0" u="sng" strike="noStrike" kern="1200" cap="none" spc="0" normalizeH="0" baseline="0" noProof="0" dirty="0">
+                          <a:ln>
+                            <a:noFill/>
+                          </a:ln>
+                          <a:solidFill>
+                            <a:srgbClr val="37322F"/>
+                          </a:solidFill>
+                          <a:effectLst/>
+                          <a:uLnTx/>
+                          <a:uFillTx/>
+                          <a:latin typeface="Gill Sans Nova" panose="020B0602020104020203" pitchFamily="34" charset="0"/>
+                          <a:ea typeface="+mn-ea"/>
+                          <a:cs typeface="Aharoni" panose="020F0502020204030204" pitchFamily="2" charset="-79"/>
+                        </a:rPr>
+                        <a:t> </a:t>
+                      </a:r>
+                    </a:p>
+                    <a:p>
+                      <a:pPr marL="457200" marR="0" lvl="0" indent="-457200" algn="l" defTabSz="457200" rtl="0" eaLnBrk="1" fontAlgn="auto" latinLnBrk="0" hangingPunct="1">
+                        <a:lnSpc>
+                          <a:spcPct val="100000"/>
+                        </a:lnSpc>
+                        <a:spcBef>
+                          <a:spcPts val="0"/>
+                        </a:spcBef>
+                        <a:spcAft>
+                          <a:spcPts val="0"/>
+                        </a:spcAft>
+                        <a:buClrTx/>
+                        <a:buSzTx/>
+                        <a:buFontTx/>
+                        <a:buChar char="-"/>
+                        <a:tabLst/>
+                        <a:defRPr/>
+                      </a:pPr>
+                      <a:r>
+                        <a:rPr kumimoji="0" lang="fr-FR" sz="3200" b="0" i="0" u="none" strike="noStrike" kern="1200" cap="none" spc="0" normalizeH="0" baseline="0" noProof="0" dirty="0">
+                          <a:ln>
+                            <a:noFill/>
+                          </a:ln>
+                          <a:solidFill>
+                            <a:srgbClr val="37322F"/>
+                          </a:solidFill>
+                          <a:effectLst/>
+                          <a:uLnTx/>
+                          <a:uFillTx/>
+                          <a:latin typeface="Gill Sans Nova" panose="020B0602020104020203" pitchFamily="34" charset="0"/>
+                          <a:ea typeface="+mn-ea"/>
+                          <a:cs typeface="+mn-cs"/>
+                        </a:rPr>
+                        <a:t>Kernel outputs</a:t>
+                      </a:r>
+                    </a:p>
+                    <a:p>
+                      <a:pPr marL="457200" marR="0" lvl="0" indent="-457200" algn="l" defTabSz="457200" rtl="0" eaLnBrk="1" fontAlgn="auto" latinLnBrk="0" hangingPunct="1">
+                        <a:lnSpc>
+                          <a:spcPct val="100000"/>
+                        </a:lnSpc>
+                        <a:spcBef>
+                          <a:spcPts val="0"/>
+                        </a:spcBef>
+                        <a:spcAft>
+                          <a:spcPts val="0"/>
+                        </a:spcAft>
+                        <a:buClrTx/>
+                        <a:buSzTx/>
+                        <a:buFontTx/>
+                        <a:buChar char="-"/>
+                        <a:tabLst/>
+                        <a:defRPr/>
+                      </a:pPr>
+                      <a:r>
+                        <a:rPr lang="fr-FR" sz="3200" dirty="0">
+                          <a:solidFill>
+                            <a:srgbClr val="37322F"/>
+                          </a:solidFill>
+                          <a:latin typeface="Gill Sans Nova" panose="020B0602020104020203" pitchFamily="34" charset="0"/>
+                        </a:rPr>
+                        <a:t>Distributions</a:t>
+                      </a:r>
+                    </a:p>
+                    <a:p>
+                      <a:pPr marL="457200" marR="0" lvl="0" indent="-457200" algn="l" defTabSz="457200" rtl="0" eaLnBrk="1" fontAlgn="auto" latinLnBrk="0" hangingPunct="1">
+                        <a:lnSpc>
+                          <a:spcPct val="100000"/>
+                        </a:lnSpc>
+                        <a:spcBef>
+                          <a:spcPts val="0"/>
+                        </a:spcBef>
+                        <a:spcAft>
+                          <a:spcPts val="0"/>
+                        </a:spcAft>
+                        <a:buClrTx/>
+                        <a:buSzTx/>
+                        <a:buFontTx/>
+                        <a:buChar char="-"/>
+                        <a:tabLst/>
+                        <a:defRPr/>
+                      </a:pPr>
+                      <a:r>
+                        <a:rPr kumimoji="0" lang="fr-FR" sz="3200" b="0" i="0" u="none" strike="noStrike" kern="1200" cap="none" spc="0" normalizeH="0" baseline="0" noProof="0" dirty="0">
+                          <a:ln>
+                            <a:noFill/>
+                          </a:ln>
+                          <a:solidFill>
+                            <a:srgbClr val="37322F"/>
+                          </a:solidFill>
+                          <a:effectLst/>
+                          <a:uLnTx/>
+                          <a:uFillTx/>
+                          <a:latin typeface="Gill Sans Nova" panose="020B0602020104020203" pitchFamily="34" charset="0"/>
+                          <a:ea typeface="+mn-ea"/>
+                          <a:cs typeface="+mn-cs"/>
+                        </a:rPr>
+                        <a:t>Estimation of the </a:t>
+                      </a:r>
+                      <a:r>
+                        <a:rPr kumimoji="0" lang="fr-FR" sz="3200" b="0" i="0" u="none" strike="noStrike" kern="1200" cap="none" spc="0" normalizeH="0" baseline="0" noProof="0" dirty="0" err="1">
+                          <a:ln>
+                            <a:noFill/>
+                          </a:ln>
+                          <a:solidFill>
+                            <a:srgbClr val="37322F"/>
+                          </a:solidFill>
+                          <a:effectLst/>
+                          <a:uLnTx/>
+                          <a:uFillTx/>
+                          <a:latin typeface="Gill Sans Nova" panose="020B0602020104020203" pitchFamily="34" charset="0"/>
+                          <a:ea typeface="+mn-ea"/>
+                          <a:cs typeface="+mn-cs"/>
+                        </a:rPr>
+                        <a:t>true</a:t>
+                      </a:r>
+                      <a:r>
+                        <a:rPr kumimoji="0" lang="fr-FR" sz="3200" b="0" i="0" u="none" strike="noStrike" kern="1200" cap="none" spc="0" normalizeH="0" baseline="0" noProof="0" dirty="0">
+                          <a:ln>
+                            <a:noFill/>
+                          </a:ln>
+                          <a:solidFill>
+                            <a:srgbClr val="37322F"/>
+                          </a:solidFill>
+                          <a:effectLst/>
+                          <a:uLnTx/>
+                          <a:uFillTx/>
+                          <a:latin typeface="Gill Sans Nova" panose="020B0602020104020203" pitchFamily="34" charset="0"/>
+                          <a:ea typeface="+mn-ea"/>
+                          <a:cs typeface="+mn-cs"/>
+                        </a:rPr>
+                        <a:t> value</a:t>
+                      </a:r>
+                    </a:p>
+                    <a:p>
+                      <a:pPr algn="ctr"/>
+                      <a:endParaRPr lang="fr-FR" dirty="0">
+                        <a:solidFill>
+                          <a:srgbClr val="37322F"/>
+                        </a:solidFill>
+                      </a:endParaRPr>
+                    </a:p>
+                  </p:txBody>
+                </p:sp>
+              </p:grpSp>
+              <p:sp>
+                <p:nvSpPr>
+                  <p:cNvPr id="13" name="Rectangle : coins arrondis 12">
+                    <a:extLst>
+                      <a:ext uri="{FF2B5EF4-FFF2-40B4-BE49-F238E27FC236}">
+                        <a16:creationId xmlns:a16="http://schemas.microsoft.com/office/drawing/2014/main" id="{B059752F-38D7-9C85-94E8-6DE3EEBE5976}"/>
+                      </a:ext>
+                    </a:extLst>
+                  </p:cNvPr>
+                  <p:cNvSpPr>
+                    <a:spLocks/>
+                  </p:cNvSpPr>
+                  <p:nvPr/>
+                </p:nvSpPr>
+                <p:spPr>
+                  <a:xfrm>
+                    <a:off x="522107" y="12955368"/>
+                    <a:ext cx="10064094" cy="15459321"/>
+                  </a:xfrm>
+                  <a:prstGeom prst="roundRect">
+                    <a:avLst>
+                      <a:gd name="adj" fmla="val 10988"/>
+                    </a:avLst>
+                  </a:prstGeom>
+                  <a:solidFill>
+                    <a:srgbClr val="E7E1D5"/>
+                  </a:solidFill>
+                  <a:ln>
+                    <a:noFill/>
+                  </a:ln>
+                </p:spPr>
+                <p:style>
+                  <a:lnRef idx="2">
+                    <a:schemeClr val="accent1">
+                      <a:shade val="15000"/>
+                    </a:schemeClr>
+                  </a:lnRef>
+                  <a:fillRef idx="1">
+                    <a:schemeClr val="accent1"/>
+                  </a:fillRef>
+                  <a:effectRef idx="0">
+                    <a:schemeClr val="accent1"/>
+                  </a:effectRef>
+                  <a:fontRef idx="minor">
+                    <a:schemeClr val="lt1"/>
+                  </a:fontRef>
+                </p:style>
+                <p:txBody>
+                  <a:bodyPr rtlCol="0" anchor="t"/>
+                  <a:lstStyle/>
+                  <a:p>
+                    <a:pPr marL="0" marR="0" lvl="0" indent="0" algn="ctr" defTabSz="457200" rtl="0" eaLnBrk="1" fontAlgn="auto" latinLnBrk="0" hangingPunct="1">
+                      <a:lnSpc>
+                        <a:spcPct val="100000"/>
+                      </a:lnSpc>
+                      <a:spcBef>
+                        <a:spcPts val="0"/>
+                      </a:spcBef>
+                      <a:spcAft>
+                        <a:spcPts val="0"/>
+                      </a:spcAft>
+                      <a:buClrTx/>
+                      <a:buSzTx/>
+                      <a:buFontTx/>
+                      <a:buNone/>
+                      <a:tabLst/>
+                      <a:defRPr/>
+                    </a:pPr>
+                    <a:r>
+                      <a:rPr kumimoji="0" lang="en-US" sz="4800" b="0" i="0" u="none" strike="noStrike" kern="1200" cap="none" spc="0" normalizeH="0" baseline="0" noProof="0" dirty="0" err="1">
+                        <a:ln>
+                          <a:noFill/>
+                        </a:ln>
+                        <a:solidFill>
+                          <a:srgbClr val="37322F"/>
+                        </a:solidFill>
+                        <a:effectLst/>
+                        <a:uLnTx/>
+                        <a:uFillTx/>
+                        <a:latin typeface="Congenial SemiBold" panose="02000503040000020004" pitchFamily="2" charset="0"/>
+                        <a:cs typeface="Aharoni" panose="020F0502020204030204" pitchFamily="2" charset="-79"/>
+                      </a:rPr>
+                      <a:t>Nullin</a:t>
+                    </a:r>
+                    <a:r>
+                      <a:rPr lang="en-US" sz="4800" dirty="0">
+                        <a:solidFill>
+                          <a:srgbClr val="37322F"/>
+                        </a:solidFill>
+                        <a:latin typeface="Congenial SemiBold" panose="02000503040000020004" pitchFamily="2" charset="0"/>
+                        <a:cs typeface="Aharoni" panose="020F0502020204030204" pitchFamily="2" charset="-79"/>
+                      </a:rPr>
+                      <a:t>g interferometry </a:t>
+                    </a:r>
+                    <a:r>
+                      <a:rPr lang="fr-FR" sz="4800" dirty="0">
+                        <a:solidFill>
+                          <a:srgbClr val="37322F"/>
+                        </a:solidFill>
+                        <a:latin typeface="Gill Sans Nova" panose="020B0602020104020203" pitchFamily="34" charset="0"/>
+                        <a:cs typeface="Aharoni" panose="020F0502020204030204" pitchFamily="2" charset="-79"/>
+                      </a:rPr>
+                      <a:t>〰️</a:t>
+                    </a:r>
+                    <a:br>
+                      <a:rPr lang="fr-FR" sz="4800" dirty="0">
+                        <a:solidFill>
+                          <a:srgbClr val="37322F"/>
+                        </a:solidFill>
+                        <a:latin typeface="Gill Sans Nova" panose="020B0602020104020203" pitchFamily="34" charset="0"/>
+                        <a:cs typeface="Aharoni" panose="020F0502020204030204" pitchFamily="2" charset="-79"/>
+                      </a:rPr>
+                    </a:br>
+                    <a:r>
+                      <a:rPr lang="fr-FR" sz="3200" dirty="0">
+                        <a:solidFill>
+                          <a:srgbClr val="37322F"/>
+                        </a:solidFill>
+                        <a:latin typeface="Congenial SemiBold" panose="02000503040000020004" pitchFamily="2" charset="0"/>
+                        <a:cs typeface="Aharoni" panose="020F0502020204030204" pitchFamily="2" charset="-79"/>
+                      </a:rPr>
+                      <a:t>On the VLTI</a:t>
+                    </a:r>
+                    <a:endParaRPr kumimoji="0" lang="en-US" sz="3200" b="0" i="0" u="none" strike="noStrike" kern="1200" cap="none" spc="0" normalizeH="0" baseline="0" noProof="0" dirty="0">
+                      <a:ln>
+                        <a:noFill/>
+                      </a:ln>
+                      <a:solidFill>
+                        <a:srgbClr val="37322F"/>
+                      </a:solidFill>
+                      <a:effectLst/>
+                      <a:uLnTx/>
+                      <a:uFillTx/>
+                      <a:latin typeface="Congenial SemiBold" panose="02000503040000020004" pitchFamily="2" charset="0"/>
+                      <a:cs typeface="Aharoni" panose="020F0502020204030204" pitchFamily="2" charset="-79"/>
+                    </a:endParaRPr>
+                  </a:p>
+                  <a:p>
+                    <a:pPr marL="0" marR="0" lvl="0" indent="0" algn="ctr" defTabSz="457200" rtl="0" eaLnBrk="1" fontAlgn="auto" latinLnBrk="0" hangingPunct="1">
+                      <a:lnSpc>
+                        <a:spcPct val="100000"/>
+                      </a:lnSpc>
+                      <a:spcBef>
+                        <a:spcPts val="0"/>
+                      </a:spcBef>
+                      <a:spcAft>
+                        <a:spcPts val="0"/>
+                      </a:spcAft>
+                      <a:buClrTx/>
+                      <a:buSzTx/>
+                      <a:buFontTx/>
+                      <a:buNone/>
+                      <a:tabLst/>
+                      <a:defRPr/>
+                    </a:pPr>
+                    <a:r>
+                      <a:rPr kumimoji="0" lang="en-US" sz="2000" b="0" i="0" u="sng" strike="noStrike" kern="1200" cap="none" spc="0" normalizeH="0" baseline="0" noProof="0" dirty="0">
+                        <a:ln>
+                          <a:noFill/>
+                        </a:ln>
+                        <a:solidFill>
+                          <a:srgbClr val="37322F"/>
+                        </a:solidFill>
+                        <a:effectLst/>
+                        <a:uLnTx/>
+                        <a:uFillTx/>
+                        <a:latin typeface="Gill Sans Nova" panose="020B0602020104020203" pitchFamily="34" charset="0"/>
+                        <a:ea typeface="+mn-ea"/>
+                        <a:cs typeface="Aharoni" panose="020F0502020204030204" pitchFamily="2" charset="-79"/>
+                      </a:rPr>
+                      <a:t> </a:t>
+                    </a:r>
+                  </a:p>
+                  <a:p>
+                    <a:pPr marL="0" marR="0" lvl="0" indent="0" algn="l" defTabSz="457200" rtl="0" eaLnBrk="1" fontAlgn="auto" latinLnBrk="0" hangingPunct="1">
+                      <a:lnSpc>
+                        <a:spcPct val="100000"/>
+                      </a:lnSpc>
+                      <a:spcBef>
+                        <a:spcPts val="0"/>
+                      </a:spcBef>
+                      <a:spcAft>
+                        <a:spcPts val="0"/>
+                      </a:spcAft>
+                      <a:buClrTx/>
+                      <a:buSzTx/>
+                      <a:buFontTx/>
+                      <a:buNone/>
+                      <a:tabLst/>
+                      <a:defRPr/>
+                    </a:pPr>
+                    <a:r>
+                      <a:rPr kumimoji="0" lang="fr-FR" sz="3200" b="0" i="0" u="none" strike="noStrike" kern="1200" cap="none" spc="0" normalizeH="0" baseline="0" noProof="0" dirty="0">
+                        <a:ln>
+                          <a:noFill/>
+                        </a:ln>
+                        <a:solidFill>
+                          <a:srgbClr val="37322F"/>
+                        </a:solidFill>
+                        <a:effectLst/>
+                        <a:uLnTx/>
+                        <a:uFillTx/>
+                        <a:latin typeface="Gill Sans Nova" panose="020B0602020104020203" pitchFamily="34" charset="0"/>
+                        <a:ea typeface="+mn-ea"/>
+                        <a:cs typeface="+mn-cs"/>
+                      </a:rPr>
+                      <a:t>Blablabla</a:t>
+                    </a:r>
+                  </a:p>
+                  <a:p>
+                    <a:pPr marL="0" marR="0" lvl="0" indent="0" algn="ctr" defTabSz="457200" rtl="0" eaLnBrk="1" fontAlgn="auto" latinLnBrk="0" hangingPunct="1">
+                      <a:lnSpc>
+                        <a:spcPct val="100000"/>
+                      </a:lnSpc>
+                      <a:spcBef>
+                        <a:spcPts val="0"/>
+                      </a:spcBef>
+                      <a:spcAft>
+                        <a:spcPts val="0"/>
+                      </a:spcAft>
+                      <a:buClrTx/>
+                      <a:buSzTx/>
+                      <a:buFontTx/>
+                      <a:buNone/>
+                      <a:tabLst/>
+                      <a:defRPr/>
+                    </a:pPr>
+                    <a:endParaRPr kumimoji="0" lang="fr-FR" sz="1800" b="0" i="0" u="none" strike="noStrike" kern="1200" cap="none" spc="0" normalizeH="0" baseline="0" noProof="0" dirty="0">
+                      <a:ln>
+                        <a:noFill/>
+                      </a:ln>
+                      <a:solidFill>
+                        <a:srgbClr val="37322F"/>
+                      </a:solidFill>
+                      <a:effectLst/>
+                      <a:uLnTx/>
+                      <a:uFillTx/>
+                      <a:latin typeface="Aptos" panose="02110004020202020204"/>
+                      <a:ea typeface="+mn-ea"/>
+                      <a:cs typeface="+mn-cs"/>
+                    </a:endParaRPr>
+                  </a:p>
+                </p:txBody>
+              </p:sp>
+            </p:grpSp>
+            <p:sp>
+              <p:nvSpPr>
+                <p:cNvPr id="31" name="Rectangle : coins arrondis 30">
+                  <a:extLst>
+                    <a:ext uri="{FF2B5EF4-FFF2-40B4-BE49-F238E27FC236}">
+                      <a16:creationId xmlns:a16="http://schemas.microsoft.com/office/drawing/2014/main" id="{171044C3-C700-576A-44E0-693B31CE2359}"/>
+                    </a:ext>
+                  </a:extLst>
+                </p:cNvPr>
+                <p:cNvSpPr>
+                  <a:spLocks/>
+                </p:cNvSpPr>
+                <p:nvPr/>
+              </p:nvSpPr>
+              <p:spPr>
+                <a:xfrm>
+                  <a:off x="21892743" y="31054525"/>
+                  <a:ext cx="10064094" cy="6815959"/>
+                </a:xfrm>
+                <a:prstGeom prst="roundRect">
+                  <a:avLst>
+                    <a:gd name="adj" fmla="val 16667"/>
+                  </a:avLst>
+                </a:prstGeom>
                 <a:solidFill>
-                  <a:srgbClr val="37322F"/>
+                  <a:srgbClr val="E7E1D5"/>
                 </a:solidFill>
-                <a:effectLst/>
-                <a:uLnTx/>
-                <a:uFillTx/>
-                <a:latin typeface="Gill Sans Nova" panose="020B0602020104020203" pitchFamily="34" charset="0"/>
-                <a:ea typeface="+mn-ea"/>
-                <a:cs typeface="Aharoni" panose="020F0502020204030204" pitchFamily="2" charset="-79"/>
-              </a:rPr>
-              <a:t> phase </a:t>
-            </a:r>
-            <a:r>
-              <a:rPr kumimoji="0" lang="fr-FR" sz="5000" b="0" i="0" u="none" strike="noStrike" kern="1200" cap="none" spc="0" normalizeH="0" baseline="0" noProof="0" dirty="0" err="1">
                 <a:ln>
                   <a:noFill/>
                 </a:ln>
-                <a:solidFill>
-                  <a:srgbClr val="37322F"/>
-                </a:solidFill>
-                <a:effectLst/>
-                <a:uLnTx/>
-                <a:uFillTx/>
-                <a:latin typeface="Gill Sans Nova" panose="020B0602020104020203" pitchFamily="34" charset="0"/>
-                <a:ea typeface="+mn-ea"/>
-                <a:cs typeface="Aharoni" panose="020F0502020204030204" pitchFamily="2" charset="-79"/>
-              </a:rPr>
-              <a:t>shifter</a:t>
-            </a:r>
-            <a:r>
-              <a:rPr kumimoji="0" lang="fr-FR" sz="5000" b="0" i="0" u="none" strike="noStrike" kern="1200" cap="none" spc="0" normalizeH="0" baseline="0" noProof="0" dirty="0">
-                <a:ln>
-                  <a:noFill/>
-                </a:ln>
-                <a:solidFill>
-                  <a:srgbClr val="37322F"/>
-                </a:solidFill>
-                <a:effectLst/>
-                <a:uLnTx/>
-                <a:uFillTx/>
-                <a:latin typeface="Gill Sans Nova" panose="020B0602020104020203" pitchFamily="34" charset="0"/>
-                <a:ea typeface="+mn-ea"/>
-                <a:cs typeface="Aharoni" panose="020F0502020204030204" pitchFamily="2" charset="-79"/>
-              </a:rPr>
-              <a:t> 🌡️</a:t>
-            </a:r>
-            <a:endParaRPr kumimoji="0" lang="en-US" sz="5000" b="0" i="0" u="none" strike="noStrike" kern="1200" cap="none" spc="0" normalizeH="0" baseline="0" noProof="0" dirty="0">
+              </p:spPr>
+              <p:style>
+                <a:lnRef idx="2">
+                  <a:schemeClr val="accent1">
+                    <a:shade val="15000"/>
+                  </a:schemeClr>
+                </a:lnRef>
+                <a:fillRef idx="1">
+                  <a:schemeClr val="accent1"/>
+                </a:fillRef>
+                <a:effectRef idx="0">
+                  <a:schemeClr val="accent1"/>
+                </a:effectRef>
+                <a:fontRef idx="minor">
+                  <a:schemeClr val="lt1"/>
+                </a:fontRef>
+              </p:style>
+              <p:txBody>
+                <a:bodyPr rtlCol="0" anchor="t"/>
+                <a:lstStyle/>
+                <a:p>
+                  <a:pPr marL="0" marR="0" lvl="0" indent="0" algn="ctr" defTabSz="457200" rtl="0" eaLnBrk="1" fontAlgn="auto" latinLnBrk="0" hangingPunct="1">
+                    <a:lnSpc>
+                      <a:spcPct val="100000"/>
+                    </a:lnSpc>
+                    <a:spcBef>
+                      <a:spcPts val="0"/>
+                    </a:spcBef>
+                    <a:spcAft>
+                      <a:spcPts val="0"/>
+                    </a:spcAft>
+                    <a:buClrTx/>
+                    <a:buSzTx/>
+                    <a:buFontTx/>
+                    <a:buNone/>
+                    <a:tabLst/>
+                    <a:defRPr/>
+                  </a:pPr>
+                  <a:r>
+                    <a:rPr kumimoji="0" lang="en-US" sz="4800" b="0" i="0" u="none" strike="noStrike" kern="1200" cap="none" spc="0" normalizeH="0" baseline="0" noProof="0" dirty="0">
+                      <a:ln>
+                        <a:noFill/>
+                      </a:ln>
+                      <a:solidFill>
+                        <a:srgbClr val="37322F"/>
+                      </a:solidFill>
+                      <a:effectLst/>
+                      <a:uLnTx/>
+                      <a:uFillTx/>
+                      <a:latin typeface="Congenial SemiBold" panose="02000503040000020004" pitchFamily="2" charset="0"/>
+                      <a:cs typeface="Aharoni" panose="020F0502020204030204" pitchFamily="2" charset="-79"/>
+                    </a:rPr>
+                    <a:t>Discussions &amp; prospects </a:t>
+                  </a:r>
+                  <a:r>
+                    <a:rPr kumimoji="0" lang="fr-FR" sz="4800" b="0" i="0" u="none" strike="noStrike" kern="1200" cap="none" spc="0" normalizeH="0" baseline="0" noProof="0" dirty="0">
+                      <a:ln>
+                        <a:noFill/>
+                      </a:ln>
+                      <a:solidFill>
+                        <a:srgbClr val="37322F"/>
+                      </a:solidFill>
+                      <a:effectLst/>
+                      <a:uLnTx/>
+                      <a:uFillTx/>
+                      <a:latin typeface="Congenial SemiBold" panose="02000503040000020004" pitchFamily="2" charset="0"/>
+                      <a:cs typeface="Aharoni" panose="020F0502020204030204" pitchFamily="2" charset="-79"/>
+                    </a:rPr>
+                    <a:t>💬</a:t>
+                  </a:r>
+                  <a:endParaRPr kumimoji="0" lang="en-US" sz="4800" b="0" i="0" u="none" strike="noStrike" kern="1200" cap="none" spc="0" normalizeH="0" baseline="0" noProof="0" dirty="0">
+                    <a:ln>
+                      <a:noFill/>
+                    </a:ln>
+                    <a:solidFill>
+                      <a:srgbClr val="37322F"/>
+                    </a:solidFill>
+                    <a:effectLst/>
+                    <a:uLnTx/>
+                    <a:uFillTx/>
+                    <a:latin typeface="Congenial SemiBold" panose="02000503040000020004" pitchFamily="2" charset="0"/>
+                    <a:cs typeface="Aharoni" panose="020F0502020204030204" pitchFamily="2" charset="-79"/>
+                  </a:endParaRPr>
+                </a:p>
+                <a:p>
+                  <a:pPr marL="0" marR="0" lvl="0" indent="0" algn="ctr" defTabSz="457200" rtl="0" eaLnBrk="1" fontAlgn="auto" latinLnBrk="0" hangingPunct="1">
+                    <a:lnSpc>
+                      <a:spcPct val="100000"/>
+                    </a:lnSpc>
+                    <a:spcBef>
+                      <a:spcPts val="0"/>
+                    </a:spcBef>
+                    <a:spcAft>
+                      <a:spcPts val="0"/>
+                    </a:spcAft>
+                    <a:buClrTx/>
+                    <a:buSzTx/>
+                    <a:buFontTx/>
+                    <a:buNone/>
+                    <a:tabLst/>
+                    <a:defRPr/>
+                  </a:pPr>
+                  <a:r>
+                    <a:rPr kumimoji="0" lang="en-US" sz="2000" b="0" i="0" u="sng" strike="noStrike" kern="1200" cap="none" spc="0" normalizeH="0" baseline="0" noProof="0" dirty="0">
+                      <a:ln>
+                        <a:noFill/>
+                      </a:ln>
+                      <a:solidFill>
+                        <a:srgbClr val="37322F"/>
+                      </a:solidFill>
+                      <a:effectLst/>
+                      <a:uLnTx/>
+                      <a:uFillTx/>
+                      <a:latin typeface="Gill Sans Nova" panose="020B0602020104020203" pitchFamily="34" charset="0"/>
+                      <a:ea typeface="+mn-ea"/>
+                      <a:cs typeface="Aharoni" panose="020F0502020204030204" pitchFamily="2" charset="-79"/>
+                    </a:rPr>
+                    <a:t> </a:t>
+                  </a:r>
+                </a:p>
+                <a:p>
+                  <a:pPr marL="457200" marR="0" lvl="0" indent="-457200" algn="l" defTabSz="457200" rtl="0" eaLnBrk="1" fontAlgn="auto" latinLnBrk="0" hangingPunct="1">
+                    <a:lnSpc>
+                      <a:spcPct val="100000"/>
+                    </a:lnSpc>
+                    <a:spcBef>
+                      <a:spcPts val="0"/>
+                    </a:spcBef>
+                    <a:spcAft>
+                      <a:spcPts val="0"/>
+                    </a:spcAft>
+                    <a:buClrTx/>
+                    <a:buSzTx/>
+                    <a:buFontTx/>
+                    <a:buChar char="-"/>
+                    <a:tabLst/>
+                    <a:defRPr/>
+                  </a:pPr>
+                  <a:r>
+                    <a:rPr kumimoji="0" lang="fr-FR" sz="3200" b="0" i="0" u="none" strike="noStrike" kern="1200" cap="none" spc="0" normalizeH="0" baseline="0" noProof="0" dirty="0" err="1">
+                      <a:ln>
+                        <a:noFill/>
+                      </a:ln>
+                      <a:solidFill>
+                        <a:srgbClr val="37322F"/>
+                      </a:solidFill>
+                      <a:effectLst/>
+                      <a:uLnTx/>
+                      <a:uFillTx/>
+                      <a:latin typeface="Gill Sans Nova" panose="020B0602020104020203" pitchFamily="34" charset="0"/>
+                      <a:ea typeface="+mn-ea"/>
+                      <a:cs typeface="+mn-cs"/>
+                    </a:rPr>
+                    <a:t>Angular</a:t>
+                  </a:r>
+                  <a:r>
+                    <a:rPr kumimoji="0" lang="fr-FR" sz="3200" b="0" i="0" u="none" strike="noStrike" kern="1200" cap="none" spc="0" normalizeH="0" baseline="0" noProof="0" dirty="0">
+                      <a:ln>
+                        <a:noFill/>
+                      </a:ln>
+                      <a:solidFill>
+                        <a:srgbClr val="37322F"/>
+                      </a:solidFill>
+                      <a:effectLst/>
+                      <a:uLnTx/>
+                      <a:uFillTx/>
+                      <a:latin typeface="Gill Sans Nova" panose="020B0602020104020203" pitchFamily="34" charset="0"/>
+                      <a:ea typeface="+mn-ea"/>
+                      <a:cs typeface="+mn-cs"/>
+                    </a:rPr>
+                    <a:t> </a:t>
+                  </a:r>
+                  <a:r>
+                    <a:rPr kumimoji="0" lang="fr-FR" sz="3200" b="0" i="0" u="none" strike="noStrike" kern="1200" cap="none" spc="0" normalizeH="0" baseline="0" noProof="0" dirty="0" err="1">
+                      <a:ln>
+                        <a:noFill/>
+                      </a:ln>
+                      <a:solidFill>
+                        <a:srgbClr val="37322F"/>
+                      </a:solidFill>
+                      <a:effectLst/>
+                      <a:uLnTx/>
+                      <a:uFillTx/>
+                      <a:latin typeface="Gill Sans Nova" panose="020B0602020104020203" pitchFamily="34" charset="0"/>
+                      <a:ea typeface="+mn-ea"/>
+                      <a:cs typeface="+mn-cs"/>
+                    </a:rPr>
+                    <a:t>diversity</a:t>
+                  </a:r>
+                  <a:endParaRPr kumimoji="0" lang="fr-FR" sz="3200" b="0" i="0" u="none" strike="noStrike" kern="1200" cap="none" spc="0" normalizeH="0" baseline="0" noProof="0" dirty="0">
+                    <a:ln>
+                      <a:noFill/>
+                    </a:ln>
+                    <a:solidFill>
+                      <a:srgbClr val="37322F"/>
+                    </a:solidFill>
+                    <a:effectLst/>
+                    <a:uLnTx/>
+                    <a:uFillTx/>
+                    <a:latin typeface="Gill Sans Nova" panose="020B0602020104020203" pitchFamily="34" charset="0"/>
+                    <a:ea typeface="+mn-ea"/>
+                    <a:cs typeface="+mn-cs"/>
+                  </a:endParaRPr>
+                </a:p>
+                <a:p>
+                  <a:pPr marL="457200" marR="0" lvl="0" indent="-457200" algn="l" defTabSz="457200" rtl="0" eaLnBrk="1" fontAlgn="auto" latinLnBrk="0" hangingPunct="1">
+                    <a:lnSpc>
+                      <a:spcPct val="100000"/>
+                    </a:lnSpc>
+                    <a:spcBef>
+                      <a:spcPts val="0"/>
+                    </a:spcBef>
+                    <a:spcAft>
+                      <a:spcPts val="0"/>
+                    </a:spcAft>
+                    <a:buClrTx/>
+                    <a:buSzTx/>
+                    <a:buFontTx/>
+                    <a:buChar char="-"/>
+                    <a:tabLst/>
+                    <a:defRPr/>
+                  </a:pPr>
+                  <a:r>
+                    <a:rPr kumimoji="0" lang="fr-FR" sz="3200" b="0" i="0" u="none" strike="noStrike" kern="1200" cap="none" spc="0" normalizeH="0" baseline="0" noProof="0" dirty="0">
+                      <a:ln>
+                        <a:noFill/>
+                      </a:ln>
+                      <a:solidFill>
+                        <a:srgbClr val="37322F"/>
+                      </a:solidFill>
+                      <a:effectLst/>
+                      <a:uLnTx/>
+                      <a:uFillTx/>
+                      <a:latin typeface="Gill Sans Nova" panose="020B0602020104020203" pitchFamily="34" charset="0"/>
+                      <a:ea typeface="+mn-ea"/>
+                      <a:cs typeface="+mn-cs"/>
+                    </a:rPr>
+                    <a:t>Test in </a:t>
+                  </a:r>
+                  <a:r>
+                    <a:rPr kumimoji="0" lang="fr-FR" sz="3200" b="0" i="0" u="none" strike="noStrike" kern="1200" cap="none" spc="0" normalizeH="0" baseline="0" noProof="0" dirty="0" err="1">
+                      <a:ln>
+                        <a:noFill/>
+                      </a:ln>
+                      <a:solidFill>
+                        <a:srgbClr val="37322F"/>
+                      </a:solidFill>
+                      <a:effectLst/>
+                      <a:uLnTx/>
+                      <a:uFillTx/>
+                      <a:latin typeface="Gill Sans Nova" panose="020B0602020104020203" pitchFamily="34" charset="0"/>
+                      <a:ea typeface="+mn-ea"/>
+                      <a:cs typeface="+mn-cs"/>
+                    </a:rPr>
+                    <a:t>lab</a:t>
+                  </a:r>
+                  <a:endParaRPr kumimoji="0" lang="fr-FR" sz="3200" b="0" i="0" u="none" strike="noStrike" kern="1200" cap="none" spc="0" normalizeH="0" baseline="0" noProof="0" dirty="0">
+                    <a:ln>
+                      <a:noFill/>
+                    </a:ln>
+                    <a:solidFill>
+                      <a:srgbClr val="37322F"/>
+                    </a:solidFill>
+                    <a:effectLst/>
+                    <a:uLnTx/>
+                    <a:uFillTx/>
+                    <a:latin typeface="Gill Sans Nova" panose="020B0602020104020203" pitchFamily="34" charset="0"/>
+                    <a:ea typeface="+mn-ea"/>
+                    <a:cs typeface="+mn-cs"/>
+                  </a:endParaRPr>
+                </a:p>
+                <a:p>
+                  <a:pPr marL="457200" marR="0" lvl="0" indent="-457200" algn="l" defTabSz="457200" rtl="0" eaLnBrk="1" fontAlgn="auto" latinLnBrk="0" hangingPunct="1">
+                    <a:lnSpc>
+                      <a:spcPct val="100000"/>
+                    </a:lnSpc>
+                    <a:spcBef>
+                      <a:spcPts val="0"/>
+                    </a:spcBef>
+                    <a:spcAft>
+                      <a:spcPts val="0"/>
+                    </a:spcAft>
+                    <a:buClrTx/>
+                    <a:buSzTx/>
+                    <a:buFontTx/>
+                    <a:buChar char="-"/>
+                    <a:tabLst/>
+                    <a:defRPr/>
+                  </a:pPr>
+                  <a:r>
+                    <a:rPr lang="fr-FR" sz="3200" dirty="0">
+                      <a:solidFill>
+                        <a:srgbClr val="37322F"/>
+                      </a:solidFill>
+                      <a:latin typeface="Gill Sans Nova" panose="020B0602020104020203" pitchFamily="34" charset="0"/>
+                    </a:rPr>
+                    <a:t>Usage of physics </a:t>
+                  </a:r>
+                  <a:r>
+                    <a:rPr lang="fr-FR" sz="3200" dirty="0" err="1">
+                      <a:solidFill>
+                        <a:srgbClr val="37322F"/>
+                      </a:solidFill>
+                      <a:latin typeface="Gill Sans Nova" panose="020B0602020104020203" pitchFamily="34" charset="0"/>
+                    </a:rPr>
+                    <a:t>based</a:t>
+                  </a:r>
+                  <a:r>
+                    <a:rPr lang="fr-FR" sz="3200" dirty="0">
+                      <a:solidFill>
+                        <a:srgbClr val="37322F"/>
+                      </a:solidFill>
+                      <a:latin typeface="Gill Sans Nova" panose="020B0602020104020203" pitchFamily="34" charset="0"/>
+                    </a:rPr>
+                    <a:t> MMI </a:t>
+                  </a:r>
+                  <a:r>
+                    <a:rPr lang="fr-FR" sz="3200" dirty="0" err="1">
+                      <a:solidFill>
+                        <a:srgbClr val="37322F"/>
+                      </a:solidFill>
+                      <a:latin typeface="Gill Sans Nova" panose="020B0602020104020203" pitchFamily="34" charset="0"/>
+                    </a:rPr>
+                    <a:t>models</a:t>
+                  </a:r>
+                  <a:endParaRPr lang="fr-FR" sz="3200" dirty="0">
+                    <a:solidFill>
+                      <a:srgbClr val="37322F"/>
+                    </a:solidFill>
+                    <a:latin typeface="Gill Sans Nova" panose="020B0602020104020203" pitchFamily="34" charset="0"/>
+                  </a:endParaRPr>
+                </a:p>
+                <a:p>
+                  <a:pPr marL="457200" marR="0" lvl="0" indent="-457200" algn="l" defTabSz="457200" rtl="0" eaLnBrk="1" fontAlgn="auto" latinLnBrk="0" hangingPunct="1">
+                    <a:lnSpc>
+                      <a:spcPct val="100000"/>
+                    </a:lnSpc>
+                    <a:spcBef>
+                      <a:spcPts val="0"/>
+                    </a:spcBef>
+                    <a:spcAft>
+                      <a:spcPts val="0"/>
+                    </a:spcAft>
+                    <a:buClrTx/>
+                    <a:buSzTx/>
+                    <a:buFontTx/>
+                    <a:buChar char="-"/>
+                    <a:tabLst/>
+                    <a:defRPr/>
+                  </a:pPr>
+                  <a:r>
+                    <a:rPr kumimoji="0" lang="fr-FR" sz="3200" b="0" i="0" u="none" strike="noStrike" kern="1200" cap="none" spc="0" normalizeH="0" baseline="0" noProof="0" dirty="0" err="1">
+                      <a:ln>
+                        <a:noFill/>
+                      </a:ln>
+                      <a:solidFill>
+                        <a:srgbClr val="37322F"/>
+                      </a:solidFill>
+                      <a:effectLst/>
+                      <a:uLnTx/>
+                      <a:uFillTx/>
+                      <a:latin typeface="Gill Sans Nova" panose="020B0602020104020203" pitchFamily="34" charset="0"/>
+                      <a:ea typeface="+mn-ea"/>
+                      <a:cs typeface="+mn-cs"/>
+                    </a:rPr>
+                    <a:t>Implementation</a:t>
+                  </a:r>
+                  <a:r>
+                    <a:rPr kumimoji="0" lang="fr-FR" sz="3200" b="0" i="0" u="none" strike="noStrike" kern="1200" cap="none" spc="0" normalizeH="0" baseline="0" noProof="0" dirty="0">
+                      <a:ln>
+                        <a:noFill/>
+                      </a:ln>
+                      <a:solidFill>
+                        <a:srgbClr val="37322F"/>
+                      </a:solidFill>
+                      <a:effectLst/>
+                      <a:uLnTx/>
+                      <a:uFillTx/>
+                      <a:latin typeface="Gill Sans Nova" panose="020B0602020104020203" pitchFamily="34" charset="0"/>
+                      <a:ea typeface="+mn-ea"/>
+                      <a:cs typeface="+mn-cs"/>
+                    </a:rPr>
+                    <a:t> on the VLTI</a:t>
+                  </a:r>
+                </a:p>
+              </p:txBody>
+            </p:sp>
+          </p:grpSp>
+          <p:sp>
+            <p:nvSpPr>
+              <p:cNvPr id="8" name="Rectangle : coins arrondis 7">
+                <a:extLst>
+                  <a:ext uri="{FF2B5EF4-FFF2-40B4-BE49-F238E27FC236}">
+                    <a16:creationId xmlns:a16="http://schemas.microsoft.com/office/drawing/2014/main" id="{0C379A8F-C7A8-CD89-C5B7-B3D7DBC0A70B}"/>
+                  </a:ext>
+                </a:extLst>
+              </p:cNvPr>
+              <p:cNvSpPr>
+                <a:spLocks/>
+              </p:cNvSpPr>
+              <p:nvPr/>
+            </p:nvSpPr>
+            <p:spPr>
+              <a:xfrm>
+                <a:off x="11077498" y="14637182"/>
+                <a:ext cx="10329024" cy="10928421"/>
+              </a:xfrm>
+              <a:prstGeom prst="roundRect">
+                <a:avLst>
+                  <a:gd name="adj" fmla="val 11688"/>
+                </a:avLst>
+              </a:prstGeom>
+              <a:solidFill>
+                <a:srgbClr val="E7E1D5"/>
+              </a:solidFill>
               <a:ln>
                 <a:noFill/>
               </a:ln>
-              <a:solidFill>
-                <a:srgbClr val="37322F"/>
-              </a:solidFill>
-              <a:effectLst/>
-              <a:uLnTx/>
-              <a:uFillTx/>
-              <a:latin typeface="Gill Sans Nova" panose="020B0602020104020203" pitchFamily="34" charset="0"/>
-              <a:ea typeface="+mn-ea"/>
-              <a:cs typeface="Aharoni" panose="020F0502020204030204" pitchFamily="2" charset="-79"/>
-            </a:endParaRPr>
-          </a:p>
-          <a:p>
-            <a:pPr marL="0" marR="0" lvl="0" indent="0" algn="ctr" defTabSz="457200" rtl="0" eaLnBrk="1" fontAlgn="auto" latinLnBrk="0" hangingPunct="1">
-              <a:lnSpc>
-                <a:spcPct val="100000"/>
-              </a:lnSpc>
-              <a:spcBef>
-                <a:spcPts val="0"/>
-              </a:spcBef>
-              <a:spcAft>
-                <a:spcPts val="0"/>
-              </a:spcAft>
-              <a:buClrTx/>
-              <a:buSzTx/>
-              <a:buFontTx/>
-              <a:buNone/>
-              <a:tabLst/>
-              <a:defRPr/>
-            </a:pPr>
-            <a:r>
-              <a:rPr kumimoji="0" lang="en-US" sz="2000" b="0" i="0" u="sng" strike="noStrike" kern="1200" cap="none" spc="0" normalizeH="0" baseline="0" noProof="0" dirty="0">
-                <a:ln>
-                  <a:noFill/>
-                </a:ln>
-                <a:solidFill>
-                  <a:srgbClr val="37322F"/>
-                </a:solidFill>
-                <a:effectLst/>
-                <a:uLnTx/>
-                <a:uFillTx/>
-                <a:latin typeface="Gill Sans Nova" panose="020B0602020104020203" pitchFamily="34" charset="0"/>
-                <a:ea typeface="+mn-ea"/>
-                <a:cs typeface="Aharoni" panose="020F0502020204030204" pitchFamily="2" charset="-79"/>
-              </a:rPr>
-              <a:t> </a:t>
-            </a:r>
-          </a:p>
-          <a:p>
-            <a:pPr marL="0" marR="0" lvl="0" indent="0" algn="l" defTabSz="457200" rtl="0" eaLnBrk="1" fontAlgn="auto" latinLnBrk="0" hangingPunct="1">
-              <a:lnSpc>
-                <a:spcPct val="100000"/>
-              </a:lnSpc>
-              <a:spcBef>
-                <a:spcPts val="0"/>
-              </a:spcBef>
-              <a:spcAft>
-                <a:spcPts val="0"/>
-              </a:spcAft>
-              <a:buClrTx/>
-              <a:buSzTx/>
-              <a:buFontTx/>
-              <a:buNone/>
-              <a:tabLst/>
-              <a:defRPr/>
-            </a:pPr>
-            <a:r>
-              <a:rPr kumimoji="0" lang="fr-FR" sz="3200" b="0" i="0" u="none" strike="noStrike" kern="1200" cap="none" spc="0" normalizeH="0" baseline="0" noProof="0" dirty="0">
-                <a:ln>
-                  <a:noFill/>
-                </a:ln>
-                <a:solidFill>
-                  <a:srgbClr val="37322F"/>
-                </a:solidFill>
-                <a:effectLst/>
-                <a:uLnTx/>
-                <a:uFillTx/>
-                <a:latin typeface="Gill Sans Nova" panose="020B0602020104020203" pitchFamily="34" charset="0"/>
-                <a:ea typeface="+mn-ea"/>
-                <a:cs typeface="+mn-cs"/>
-              </a:rPr>
-              <a:t>Blablabla</a:t>
-            </a:r>
-          </a:p>
-          <a:p>
-            <a:pPr marL="0" marR="0" lvl="0" indent="0" algn="ctr" defTabSz="457200" rtl="0" eaLnBrk="1" fontAlgn="auto" latinLnBrk="0" hangingPunct="1">
-              <a:lnSpc>
-                <a:spcPct val="100000"/>
-              </a:lnSpc>
-              <a:spcBef>
-                <a:spcPts val="0"/>
-              </a:spcBef>
-              <a:spcAft>
-                <a:spcPts val="0"/>
-              </a:spcAft>
-              <a:buClrTx/>
-              <a:buSzTx/>
-              <a:buFontTx/>
-              <a:buNone/>
-              <a:tabLst/>
-              <a:defRPr/>
-            </a:pPr>
-            <a:endParaRPr kumimoji="0" lang="fr-FR" sz="1800" b="0" i="0" u="none" strike="noStrike" kern="1200" cap="none" spc="0" normalizeH="0" baseline="0" noProof="0" dirty="0">
-              <a:ln>
-                <a:noFill/>
-              </a:ln>
-              <a:solidFill>
-                <a:srgbClr val="37322F"/>
-              </a:solidFill>
-              <a:effectLst/>
-              <a:uLnTx/>
-              <a:uFillTx/>
-              <a:latin typeface="Aptos" panose="02110004020202020204"/>
-              <a:ea typeface="+mn-ea"/>
-              <a:cs typeface="+mn-cs"/>
-            </a:endParaRPr>
-          </a:p>
-        </p:txBody>
-      </p:sp>
+            </p:spPr>
+            <p:style>
+              <a:lnRef idx="2">
+                <a:schemeClr val="accent1">
+                  <a:shade val="15000"/>
+                </a:schemeClr>
+              </a:lnRef>
+              <a:fillRef idx="1">
+                <a:schemeClr val="accent1"/>
+              </a:fillRef>
+              <a:effectRef idx="0">
+                <a:schemeClr val="accent1"/>
+              </a:effectRef>
+              <a:fontRef idx="minor">
+                <a:schemeClr val="lt1"/>
+              </a:fontRef>
+            </p:style>
+            <p:txBody>
+              <a:bodyPr rtlCol="0" anchor="t"/>
+              <a:lstStyle/>
+              <a:p>
+                <a:pPr algn="ctr"/>
+                <a:r>
+                  <a:rPr lang="fr-FR" sz="4800" dirty="0">
+                    <a:solidFill>
+                      <a:srgbClr val="37322F"/>
+                    </a:solidFill>
+                    <a:latin typeface="Congenial SemiBold" panose="02000503040000020004" pitchFamily="2" charset="0"/>
+                    <a:cs typeface="Aharoni" panose="020F0502020204030204" pitchFamily="2" charset="-79"/>
+                  </a:rPr>
+                  <a:t>Active </a:t>
+                </a:r>
+                <a:r>
+                  <a:rPr lang="fr-FR" sz="4800" dirty="0" err="1">
+                    <a:solidFill>
+                      <a:srgbClr val="37322F"/>
+                    </a:solidFill>
+                    <a:latin typeface="Congenial SemiBold" panose="02000503040000020004" pitchFamily="2" charset="0"/>
+                    <a:cs typeface="Aharoni" panose="020F0502020204030204" pitchFamily="2" charset="-79"/>
+                  </a:rPr>
+                  <a:t>optical</a:t>
+                </a:r>
+                <a:r>
+                  <a:rPr lang="fr-FR" sz="4800" dirty="0">
+                    <a:solidFill>
+                      <a:srgbClr val="37322F"/>
+                    </a:solidFill>
+                    <a:latin typeface="Congenial SemiBold" panose="02000503040000020004" pitchFamily="2" charset="0"/>
+                    <a:cs typeface="Aharoni" panose="020F0502020204030204" pitchFamily="2" charset="-79"/>
+                  </a:rPr>
+                  <a:t> components</a:t>
+                </a:r>
+                <a:endParaRPr lang="en-US" sz="4800" dirty="0">
+                  <a:solidFill>
+                    <a:srgbClr val="37322F"/>
+                  </a:solidFill>
+                  <a:latin typeface="Congenial SemiBold" panose="02000503040000020004" pitchFamily="2" charset="0"/>
+                  <a:cs typeface="Aharoni" panose="020F0502020204030204" pitchFamily="2" charset="-79"/>
+                </a:endParaRPr>
+              </a:p>
+              <a:p>
+                <a:pPr algn="ctr"/>
+                <a:r>
+                  <a:rPr lang="en-US" sz="2000" u="sng" dirty="0">
+                    <a:solidFill>
+                      <a:srgbClr val="37322F"/>
+                    </a:solidFill>
+                    <a:latin typeface="Gill Sans Nova" panose="020B0602020104020203" pitchFamily="34" charset="0"/>
+                    <a:cs typeface="Aharoni" panose="020F0502020204030204" pitchFamily="2" charset="-79"/>
+                  </a:rPr>
+                  <a:t> </a:t>
+                </a:r>
+              </a:p>
+              <a:p>
+                <a:r>
+                  <a:rPr lang="fr-FR" sz="3200" dirty="0">
+                    <a:solidFill>
+                      <a:srgbClr val="37322F"/>
+                    </a:solidFill>
+                    <a:latin typeface="Gill Sans Nova" panose="020B0602020104020203" pitchFamily="34" charset="0"/>
+                  </a:rPr>
+                  <a:t>Blablabla</a:t>
+                </a:r>
+              </a:p>
+            </p:txBody>
+          </p:sp>
+        </p:grpSp>
+      </p:grpSp>
       <p:grpSp>
         <p:nvGrpSpPr>
           <p:cNvPr id="15" name="Groupe 14">
@@ -3500,7 +5210,7 @@
                   <a:solidFill>
                     <a:srgbClr val="F9F6F1"/>
                   </a:solidFill>
-                  <a:latin typeface="Congenial SemiBold" panose="020F0502020204030204" pitchFamily="2" charset="0"/>
+                  <a:latin typeface="Gill Sans Nova" panose="020B0602020104020203" pitchFamily="34" charset="0"/>
                 </a:rPr>
                 <a:t>Vincent Foriel</a:t>
               </a:r>
@@ -3509,16 +5219,16 @@
                   <a:solidFill>
                     <a:srgbClr val="F9F6F1"/>
                   </a:solidFill>
-                  <a:latin typeface="Congenial SemiBold" panose="020F0502020204030204" pitchFamily="2" charset="0"/>
+                  <a:latin typeface="Gill Sans Nova" panose="020B0602020104020203" pitchFamily="34" charset="0"/>
                 </a:rPr>
-                <a:t> 1,*</a:t>
+                <a:t>1,*</a:t>
               </a:r>
               <a:r>
                 <a:rPr lang="en-US" sz="5400" dirty="0">
                   <a:solidFill>
                     <a:srgbClr val="F9F6F1"/>
                   </a:solidFill>
-                  <a:latin typeface="Congenial SemiBold" panose="020F0502020204030204" pitchFamily="2" charset="0"/>
+                  <a:latin typeface="Gill Sans Nova" panose="020B0602020104020203" pitchFamily="34" charset="0"/>
                 </a:rPr>
                 <a:t>, Frantz Martinache</a:t>
               </a:r>
@@ -3527,16 +5237,16 @@
                   <a:solidFill>
                     <a:srgbClr val="F9F6F1"/>
                   </a:solidFill>
-                  <a:latin typeface="Congenial SemiBold" panose="020F0502020204030204" pitchFamily="2" charset="0"/>
+                  <a:latin typeface="Gill Sans Nova" panose="020B0602020104020203" pitchFamily="34" charset="0"/>
                 </a:rPr>
-                <a:t> 1</a:t>
+                <a:t>1</a:t>
               </a:r>
               <a:r>
                 <a:rPr lang="en-US" sz="5400" dirty="0">
                   <a:solidFill>
                     <a:srgbClr val="F9F6F1"/>
                   </a:solidFill>
-                  <a:latin typeface="Congenial SemiBold" panose="020F0502020204030204" pitchFamily="2" charset="0"/>
+                  <a:latin typeface="Gill Sans Nova" panose="020B0602020104020203" pitchFamily="34" charset="0"/>
                 </a:rPr>
                 <a:t>, David Mary</a:t>
               </a:r>
@@ -3545,16 +5255,16 @@
                   <a:solidFill>
                     <a:srgbClr val="F9F6F1"/>
                   </a:solidFill>
-                  <a:latin typeface="Congenial SemiBold" panose="020F0502020204030204" pitchFamily="2" charset="0"/>
+                  <a:latin typeface="Gill Sans Nova" panose="020B0602020104020203" pitchFamily="34" charset="0"/>
                 </a:rPr>
-                <a:t> 1</a:t>
+                <a:t>1</a:t>
               </a:r>
               <a:br>
                 <a:rPr lang="en-US" sz="5400" baseline="30000" dirty="0">
                   <a:solidFill>
                     <a:srgbClr val="F9F6F1"/>
                   </a:solidFill>
-                  <a:latin typeface="Congenial SemiBold" panose="020F0502020204030204" pitchFamily="2" charset="0"/>
+                  <a:latin typeface="Gill Sans Nova" panose="020B0602020104020203" pitchFamily="34" charset="0"/>
                 </a:rPr>
               </a:br>
               <a:r>
@@ -3562,7 +5272,7 @@
                   <a:solidFill>
                     <a:srgbClr val="F9F6F1"/>
                   </a:solidFill>
-                  <a:latin typeface="Congenial SemiBold" panose="020F0502020204030204" pitchFamily="2" charset="0"/>
+                  <a:latin typeface="Gill Sans Nova" panose="020B0602020104020203" pitchFamily="34" charset="0"/>
                 </a:rPr>
                 <a:t> </a:t>
               </a:r>
@@ -3571,7 +5281,7 @@
                   <a:solidFill>
                     <a:srgbClr val="F9F6F1"/>
                   </a:solidFill>
-                  <a:latin typeface="Congenial SemiBold" panose="020F0502020204030204" pitchFamily="2" charset="0"/>
+                  <a:latin typeface="Gill Sans Nova" panose="020B0602020104020203" pitchFamily="34" charset="0"/>
                 </a:rPr>
               </a:br>
               <a:r>
@@ -3579,7 +5289,7 @@
                   <a:solidFill>
                     <a:srgbClr val="F9F6F1"/>
                   </a:solidFill>
-                  <a:latin typeface="Congenial SemiBold" panose="020F0502020204030204" pitchFamily="2" charset="0"/>
+                  <a:latin typeface="Gill Sans Nova" panose="020B0602020104020203" pitchFamily="34" charset="0"/>
                 </a:rPr>
                 <a:t>1 </a:t>
               </a:r>
@@ -3588,7 +5298,7 @@
                   <a:solidFill>
                     <a:srgbClr val="F9F6F1"/>
                   </a:solidFill>
-                  <a:latin typeface="Congenial SemiBold" panose="020F0502020204030204" pitchFamily="2" charset="0"/>
+                  <a:latin typeface="Gill Sans Nova" panose="020B0602020104020203" pitchFamily="34" charset="0"/>
                 </a:rPr>
                 <a:t>Université Côte d'Azur, Observatoire de la Côte d'Azur, CNRS, Laboratoire Lagrange, France</a:t>
               </a:r>
@@ -3597,7 +5307,7 @@
                   <a:solidFill>
                     <a:srgbClr val="F9F6F1"/>
                   </a:solidFill>
-                  <a:latin typeface="Congenial SemiBold" panose="020F0502020204030204" pitchFamily="2" charset="0"/>
+                  <a:latin typeface="Gill Sans Nova" panose="020B0602020104020203" pitchFamily="34" charset="0"/>
                 </a:rPr>
               </a:br>
               <a:r>
@@ -3605,7 +5315,7 @@
                   <a:solidFill>
                     <a:srgbClr val="F9F6F1"/>
                   </a:solidFill>
-                  <a:latin typeface="Congenial SemiBold" panose="020F0502020204030204" pitchFamily="2" charset="0"/>
+                  <a:latin typeface="Gill Sans Nova" panose="020B0602020104020203" pitchFamily="34" charset="0"/>
                 </a:rPr>
                 <a:t> </a:t>
               </a:r>
@@ -3614,7 +5324,7 @@
                   <a:solidFill>
                     <a:srgbClr val="F9F6F1"/>
                   </a:solidFill>
-                  <a:latin typeface="Congenial SemiBold" panose="020F0502020204030204" pitchFamily="2" charset="0"/>
+                  <a:latin typeface="Gill Sans Nova" panose="020B0602020104020203" pitchFamily="34" charset="0"/>
                 </a:rPr>
               </a:br>
               <a:r>
@@ -3622,7 +5332,7 @@
                   <a:solidFill>
                     <a:srgbClr val="F9F6F1"/>
                   </a:solidFill>
-                  <a:latin typeface="Congenial SemiBold" panose="020F0502020204030204" pitchFamily="2" charset="0"/>
+                  <a:latin typeface="Gill Sans Nova" panose="020B0602020104020203" pitchFamily="34" charset="0"/>
                 </a:rPr>
                 <a:t>* </a:t>
               </a:r>
@@ -3631,7 +5341,7 @@
                   <a:solidFill>
                     <a:srgbClr val="F9F6F1"/>
                   </a:solidFill>
-                  <a:latin typeface="Congenial SemiBold" panose="020F0502020204030204" pitchFamily="2" charset="0"/>
+                  <a:latin typeface="Gill Sans Nova" panose="020B0602020104020203" pitchFamily="34" charset="0"/>
                 </a:rPr>
                 <a:t>vincent.foriel@gmail.com</a:t>
               </a:r>
@@ -3639,7 +5349,7 @@
                 <a:solidFill>
                   <a:srgbClr val="F9F6F1"/>
                 </a:solidFill>
-                <a:latin typeface="Congenial SemiBold" panose="020F0502020204030204" pitchFamily="2" charset="0"/>
+                <a:latin typeface="Gill Sans Nova" panose="020B0602020104020203" pitchFamily="34" charset="0"/>
               </a:endParaRPr>
             </a:p>
           </p:txBody>
@@ -3680,7 +5390,7 @@
             <p:nvPr/>
           </p:nvPicPr>
           <p:blipFill>
-            <a:blip r:embed="rId2">
+            <a:blip r:embed="rId3">
               <a:extLst>
                 <a:ext uri="{28A0092B-C50C-407E-A947-70E740481C1C}">
                   <a14:useLocalDpi xmlns:a14="http://schemas.microsoft.com/office/drawing/2010/main" val="0"/>
@@ -3716,7 +5426,7 @@
             <p:nvPr/>
           </p:nvPicPr>
           <p:blipFill>
-            <a:blip r:embed="rId3">
+            <a:blip r:embed="rId4">
               <a:extLst>
                 <a:ext uri="{28A0092B-C50C-407E-A947-70E740481C1C}">
                   <a14:useLocalDpi xmlns:a14="http://schemas.microsoft.com/office/drawing/2010/main" val="0"/>
@@ -3752,7 +5462,7 @@
             <p:nvPr/>
           </p:nvPicPr>
           <p:blipFill>
-            <a:blip r:embed="rId4">
+            <a:blip r:embed="rId5">
               <a:extLst>
                 <a:ext uri="{28A0092B-C50C-407E-A947-70E740481C1C}">
                   <a14:useLocalDpi xmlns:a14="http://schemas.microsoft.com/office/drawing/2010/main" val="0"/>
@@ -3788,7 +5498,7 @@
             <p:nvPr/>
           </p:nvPicPr>
           <p:blipFill>
-            <a:blip r:embed="rId5">
+            <a:blip r:embed="rId6">
               <a:extLst>
                 <a:ext uri="{28A0092B-C50C-407E-A947-70E740481C1C}">
                   <a14:useLocalDpi xmlns:a14="http://schemas.microsoft.com/office/drawing/2010/main" val="0"/>
@@ -3812,10 +5522,10 @@
       </p:grpSp>
       <p:grpSp>
         <p:nvGrpSpPr>
-          <p:cNvPr id="42" name="Groupe 41">
+          <p:cNvPr id="33" name="Groupe 32">
             <a:extLst>
               <a:ext uri="{FF2B5EF4-FFF2-40B4-BE49-F238E27FC236}">
-                <a16:creationId xmlns:a16="http://schemas.microsoft.com/office/drawing/2014/main" id="{FB7EB6C8-9905-BBF6-F070-5AE71BB84C47}"/>
+                <a16:creationId xmlns:a16="http://schemas.microsoft.com/office/drawing/2014/main" id="{8F24D38F-CDFC-7E8D-4949-BD64235E6CE8}"/>
               </a:ext>
             </a:extLst>
           </p:cNvPr>
@@ -3824,731 +5534,18 @@
         </p:nvGrpSpPr>
         <p:grpSpPr>
           <a:xfrm>
-            <a:off x="442451" y="9259890"/>
-            <a:ext cx="31355071" cy="26625261"/>
-            <a:chOff x="442451" y="9259890"/>
-            <a:chExt cx="31355071" cy="26625261"/>
+            <a:off x="442451" y="38373624"/>
+            <a:ext cx="31514386" cy="4355068"/>
+            <a:chOff x="442451" y="36388295"/>
+            <a:chExt cx="31355071" cy="6340397"/>
           </a:xfrm>
         </p:grpSpPr>
-        <p:grpSp>
-          <p:nvGrpSpPr>
-            <p:cNvPr id="14" name="Groupe 13">
+        <p:sp>
+          <p:nvSpPr>
+            <p:cNvPr id="30" name="Rectangle : coins arrondis 29">
               <a:extLst>
                 <a:ext uri="{FF2B5EF4-FFF2-40B4-BE49-F238E27FC236}">
-                  <a16:creationId xmlns:a16="http://schemas.microsoft.com/office/drawing/2014/main" id="{F7DF72B3-F5B3-DD7A-87CE-4EE6B48CB8A8}"/>
-                </a:ext>
-              </a:extLst>
-            </p:cNvPr>
-            <p:cNvGrpSpPr/>
-            <p:nvPr/>
-          </p:nvGrpSpPr>
-          <p:grpSpPr>
-            <a:xfrm>
-              <a:off x="442451" y="9259890"/>
-              <a:ext cx="31355071" cy="15919712"/>
-              <a:chOff x="522107" y="7597170"/>
-              <a:chExt cx="31355071" cy="15994279"/>
-            </a:xfrm>
-          </p:grpSpPr>
-          <p:grpSp>
-            <p:nvGrpSpPr>
-              <p:cNvPr id="12" name="Groupe 11">
-                <a:extLst>
-                  <a:ext uri="{FF2B5EF4-FFF2-40B4-BE49-F238E27FC236}">
-                    <a16:creationId xmlns:a16="http://schemas.microsoft.com/office/drawing/2014/main" id="{BD467FC4-ADDD-6315-F099-137D49B00582}"/>
-                  </a:ext>
-                </a:extLst>
-              </p:cNvPr>
-              <p:cNvGrpSpPr/>
-              <p:nvPr/>
-            </p:nvGrpSpPr>
-            <p:grpSpPr>
-              <a:xfrm>
-                <a:off x="522108" y="7597170"/>
-                <a:ext cx="31355070" cy="15264866"/>
-                <a:chOff x="244827" y="7313550"/>
-                <a:chExt cx="28424036" cy="3757355"/>
-              </a:xfrm>
-            </p:grpSpPr>
-            <p:sp>
-              <p:nvSpPr>
-                <p:cNvPr id="9" name="Rectangle : coins arrondis 8">
-                  <a:extLst>
-                    <a:ext uri="{FF2B5EF4-FFF2-40B4-BE49-F238E27FC236}">
-                      <a16:creationId xmlns:a16="http://schemas.microsoft.com/office/drawing/2014/main" id="{BA75F1BC-D910-19B2-11C1-1AEAE3EBDEB9}"/>
-                    </a:ext>
-                  </a:extLst>
-                </p:cNvPr>
-                <p:cNvSpPr>
-                  <a:spLocks/>
-                </p:cNvSpPr>
-                <p:nvPr/>
-              </p:nvSpPr>
-              <p:spPr>
-                <a:xfrm>
-                  <a:off x="244827" y="7313550"/>
-                  <a:ext cx="18491684" cy="1194463"/>
-                </a:xfrm>
-                <a:prstGeom prst="roundRect">
-                  <a:avLst/>
-                </a:prstGeom>
-                <a:solidFill>
-                  <a:srgbClr val="E7E1D5"/>
-                </a:solidFill>
-                <a:ln>
-                  <a:noFill/>
-                </a:ln>
-              </p:spPr>
-              <p:style>
-                <a:lnRef idx="2">
-                  <a:schemeClr val="accent1">
-                    <a:shade val="15000"/>
-                  </a:schemeClr>
-                </a:lnRef>
-                <a:fillRef idx="1">
-                  <a:schemeClr val="accent1"/>
-                </a:fillRef>
-                <a:effectRef idx="0">
-                  <a:schemeClr val="accent1"/>
-                </a:effectRef>
-                <a:fontRef idx="minor">
-                  <a:schemeClr val="lt1"/>
-                </a:fontRef>
-              </p:style>
-              <p:txBody>
-                <a:bodyPr rtlCol="0" anchor="t"/>
-                <a:lstStyle/>
-                <a:p>
-                  <a:pPr algn="ctr"/>
-                  <a:r>
-                    <a:rPr lang="fr-FR" sz="5000" dirty="0">
-                      <a:solidFill>
-                        <a:srgbClr val="37322F"/>
-                      </a:solidFill>
-                      <a:latin typeface="Gill Sans Nova" panose="020B0602020104020203" pitchFamily="34" charset="0"/>
-                      <a:cs typeface="Aharoni" panose="020F0502020204030204" pitchFamily="2" charset="-79"/>
-                    </a:rPr>
-                    <a:t>In a </a:t>
-                  </a:r>
-                  <a:r>
-                    <a:rPr lang="fr-FR" sz="5000" dirty="0" err="1">
-                      <a:solidFill>
-                        <a:srgbClr val="37322F"/>
-                      </a:solidFill>
-                      <a:latin typeface="Gill Sans Nova" panose="020B0602020104020203" pitchFamily="34" charset="0"/>
-                      <a:cs typeface="Aharoni" panose="020F0502020204030204" pitchFamily="2" charset="-79"/>
-                    </a:rPr>
-                    <a:t>nutshell</a:t>
-                  </a:r>
-                  <a:r>
-                    <a:rPr lang="fr-FR" sz="5000" dirty="0">
-                      <a:solidFill>
-                        <a:srgbClr val="37322F"/>
-                      </a:solidFill>
-                      <a:latin typeface="Gill Sans Nova" panose="020B0602020104020203" pitchFamily="34" charset="0"/>
-                      <a:cs typeface="Aharoni" panose="020F0502020204030204" pitchFamily="2" charset="-79"/>
-                    </a:rPr>
-                    <a:t> 🥜</a:t>
-                  </a:r>
-                  <a:endParaRPr lang="en-US" sz="5000" dirty="0">
-                    <a:solidFill>
-                      <a:srgbClr val="37322F"/>
-                    </a:solidFill>
-                    <a:latin typeface="Gill Sans Nova" panose="020B0602020104020203" pitchFamily="34" charset="0"/>
-                    <a:cs typeface="Aharoni" panose="020F0502020204030204" pitchFamily="2" charset="-79"/>
-                  </a:endParaRPr>
-                </a:p>
-                <a:p>
-                  <a:pPr algn="ctr"/>
-                  <a:r>
-                    <a:rPr lang="en-US" sz="2000" u="sng" dirty="0">
-                      <a:solidFill>
-                        <a:srgbClr val="37322F"/>
-                      </a:solidFill>
-                      <a:latin typeface="Gill Sans Nova" panose="020B0602020104020203" pitchFamily="34" charset="0"/>
-                      <a:cs typeface="Aharoni" panose="020F0502020204030204" pitchFamily="2" charset="-79"/>
-                    </a:rPr>
-                    <a:t> </a:t>
-                  </a:r>
-                </a:p>
-                <a:p>
-                  <a:r>
-                    <a:rPr lang="en-US" sz="3200" dirty="0">
-                      <a:solidFill>
-                        <a:srgbClr val="37322F"/>
-                      </a:solidFill>
-                      <a:latin typeface="Gill Sans Nova" panose="020B0602020104020203" pitchFamily="34" charset="0"/>
-                      <a:cs typeface="Aharoni" panose="020F0502020204030204" pitchFamily="2" charset="-79"/>
-                    </a:rPr>
-                    <a:t>This thesis proposes an innovative approach, tunable Kernel-Nulling, for high-contrast imaging of exoplanets. Using integrated optics technology with electronically controlled phase shifters, the method asymmetrically modifies the </a:t>
-                  </a:r>
-                  <a:r>
-                    <a:rPr lang="en-US" sz="3200" dirty="0" err="1">
-                      <a:solidFill>
-                        <a:srgbClr val="37322F"/>
-                      </a:solidFill>
-                      <a:latin typeface="Gill Sans Nova" panose="020B0602020104020203" pitchFamily="34" charset="0"/>
-                      <a:cs typeface="Aharoni" panose="020F0502020204030204" pitchFamily="2" charset="-79"/>
-                    </a:rPr>
-                    <a:t>nuller's</a:t>
-                  </a:r>
-                  <a:r>
-                    <a:rPr lang="en-US" sz="3200" dirty="0">
-                      <a:solidFill>
-                        <a:srgbClr val="37322F"/>
-                      </a:solidFill>
-                      <a:latin typeface="Gill Sans Nova" panose="020B0602020104020203" pitchFamily="34" charset="0"/>
-                      <a:cs typeface="Aharoni" panose="020F0502020204030204" pitchFamily="2" charset="-79"/>
-                    </a:rPr>
-                    <a:t> response, allowing the discrimination of astrophysical signals from diffraction-induced speckles. The device's performance optimization involves machine learning techniques, initially in a controlled setting and later in realistic observing conditions. This approach promises to significantly enhance interferometric high-contrast imaging, providing a powerful solution for achieving deep and robust observations.</a:t>
-                  </a:r>
-                  <a:endParaRPr lang="fr-FR" sz="3200" dirty="0">
-                    <a:solidFill>
-                      <a:srgbClr val="37322F"/>
-                    </a:solidFill>
-                    <a:latin typeface="Gill Sans Nova" panose="020B0602020104020203" pitchFamily="34" charset="0"/>
-                    <a:cs typeface="Aharoni" panose="020F0502020204030204" pitchFamily="2" charset="-79"/>
-                  </a:endParaRPr>
-                </a:p>
-              </p:txBody>
-            </p:sp>
-            <p:sp>
-              <p:nvSpPr>
-                <p:cNvPr id="10" name="Rectangle : coins arrondis 9">
-                  <a:extLst>
-                    <a:ext uri="{FF2B5EF4-FFF2-40B4-BE49-F238E27FC236}">
-                      <a16:creationId xmlns:a16="http://schemas.microsoft.com/office/drawing/2014/main" id="{FD7A54F2-9565-2EC1-1F7D-D3CDECC83C71}"/>
-                    </a:ext>
-                  </a:extLst>
-                </p:cNvPr>
-                <p:cNvSpPr>
-                  <a:spLocks/>
-                </p:cNvSpPr>
-                <p:nvPr/>
-              </p:nvSpPr>
-              <p:spPr>
-                <a:xfrm>
-                  <a:off x="9895188" y="8632438"/>
-                  <a:ext cx="9123315" cy="2438467"/>
-                </a:xfrm>
-                <a:prstGeom prst="roundRect">
-                  <a:avLst/>
-                </a:prstGeom>
-                <a:solidFill>
-                  <a:srgbClr val="E7E1D5"/>
-                </a:solidFill>
-                <a:ln>
-                  <a:noFill/>
-                </a:ln>
-              </p:spPr>
-              <p:style>
-                <a:lnRef idx="2">
-                  <a:schemeClr val="accent1">
-                    <a:shade val="15000"/>
-                  </a:schemeClr>
-                </a:lnRef>
-                <a:fillRef idx="1">
-                  <a:schemeClr val="accent1"/>
-                </a:fillRef>
-                <a:effectRef idx="0">
-                  <a:schemeClr val="accent1"/>
-                </a:effectRef>
-                <a:fontRef idx="minor">
-                  <a:schemeClr val="lt1"/>
-                </a:fontRef>
-              </p:style>
-              <p:txBody>
-                <a:bodyPr rtlCol="0" anchor="t"/>
-                <a:lstStyle/>
-                <a:p>
-                  <a:pPr algn="ctr"/>
-                  <a:r>
-                    <a:rPr lang="fr-FR" sz="5000" dirty="0">
-                      <a:solidFill>
-                        <a:srgbClr val="37322F"/>
-                      </a:solidFill>
-                      <a:latin typeface="Gill Sans Nova" panose="020B0602020104020203" pitchFamily="34" charset="0"/>
-                      <a:cs typeface="Aharoni" panose="020F0502020204030204" pitchFamily="2" charset="-79"/>
-                    </a:rPr>
-                    <a:t>Calibration algorithme 🗜️</a:t>
-                  </a:r>
-                  <a:endParaRPr lang="en-US" sz="5000" dirty="0">
-                    <a:solidFill>
-                      <a:srgbClr val="37322F"/>
-                    </a:solidFill>
-                    <a:latin typeface="Gill Sans Nova" panose="020B0602020104020203" pitchFamily="34" charset="0"/>
-                    <a:cs typeface="Aharoni" panose="020F0502020204030204" pitchFamily="2" charset="-79"/>
-                  </a:endParaRPr>
-                </a:p>
-                <a:p>
-                  <a:pPr algn="ctr"/>
-                  <a:r>
-                    <a:rPr lang="en-US" sz="2000" u="sng" dirty="0">
-                      <a:solidFill>
-                        <a:srgbClr val="37322F"/>
-                      </a:solidFill>
-                      <a:latin typeface="Gill Sans Nova" panose="020B0602020104020203" pitchFamily="34" charset="0"/>
-                      <a:cs typeface="Aharoni" panose="020F0502020204030204" pitchFamily="2" charset="-79"/>
-                    </a:rPr>
-                    <a:t> </a:t>
-                  </a:r>
-                </a:p>
-                <a:p>
-                  <a:r>
-                    <a:rPr lang="fr-FR" sz="3200" dirty="0">
-                      <a:solidFill>
-                        <a:srgbClr val="37322F"/>
-                      </a:solidFill>
-                      <a:latin typeface="Gill Sans Nova" panose="020B0602020104020203" pitchFamily="34" charset="0"/>
-                    </a:rPr>
-                    <a:t>Blablabla</a:t>
-                  </a:r>
-                </a:p>
-              </p:txBody>
-            </p:sp>
-            <p:sp>
-              <p:nvSpPr>
-                <p:cNvPr id="11" name="Rectangle : coins arrondis 10">
-                  <a:extLst>
-                    <a:ext uri="{FF2B5EF4-FFF2-40B4-BE49-F238E27FC236}">
-                      <a16:creationId xmlns:a16="http://schemas.microsoft.com/office/drawing/2014/main" id="{395632F7-D70E-F64F-2ABF-901D8A78EC81}"/>
-                    </a:ext>
-                  </a:extLst>
-                </p:cNvPr>
-                <p:cNvSpPr>
-                  <a:spLocks/>
-                </p:cNvSpPr>
-                <p:nvPr/>
-              </p:nvSpPr>
-              <p:spPr>
-                <a:xfrm>
-                  <a:off x="19545548" y="8632438"/>
-                  <a:ext cx="9123315" cy="2161824"/>
-                </a:xfrm>
-                <a:prstGeom prst="roundRect">
-                  <a:avLst/>
-                </a:prstGeom>
-                <a:solidFill>
-                  <a:srgbClr val="E7E1D5"/>
-                </a:solidFill>
-                <a:ln>
-                  <a:noFill/>
-                </a:ln>
-              </p:spPr>
-              <p:style>
-                <a:lnRef idx="2">
-                  <a:schemeClr val="accent1">
-                    <a:shade val="15000"/>
-                  </a:schemeClr>
-                </a:lnRef>
-                <a:fillRef idx="1">
-                  <a:schemeClr val="accent1"/>
-                </a:fillRef>
-                <a:effectRef idx="0">
-                  <a:schemeClr val="accent1"/>
-                </a:effectRef>
-                <a:fontRef idx="minor">
-                  <a:schemeClr val="lt1"/>
-                </a:fontRef>
-              </p:style>
-              <p:txBody>
-                <a:bodyPr rtlCol="0" anchor="t"/>
-                <a:lstStyle/>
-                <a:p>
-                  <a:pPr marL="0" marR="0" lvl="0" indent="0" algn="ctr" defTabSz="457200" rtl="0" eaLnBrk="1" fontAlgn="auto" latinLnBrk="0" hangingPunct="1">
-                    <a:lnSpc>
-                      <a:spcPct val="100000"/>
-                    </a:lnSpc>
-                    <a:spcBef>
-                      <a:spcPts val="0"/>
-                    </a:spcBef>
-                    <a:spcAft>
-                      <a:spcPts val="0"/>
-                    </a:spcAft>
-                    <a:buClrTx/>
-                    <a:buSzTx/>
-                    <a:buFontTx/>
-                    <a:buNone/>
-                    <a:tabLst/>
-                    <a:defRPr/>
-                  </a:pPr>
-                  <a:r>
-                    <a:rPr kumimoji="0" lang="fr-FR" sz="5000" b="0" i="0" u="none" strike="noStrike" kern="1200" cap="none" spc="0" normalizeH="0" baseline="0" noProof="0" dirty="0" err="1">
-                      <a:ln>
-                        <a:noFill/>
-                      </a:ln>
-                      <a:solidFill>
-                        <a:srgbClr val="37322F"/>
-                      </a:solidFill>
-                      <a:effectLst/>
-                      <a:uLnTx/>
-                      <a:uFillTx/>
-                      <a:latin typeface="Gill Sans Nova" panose="020B0602020104020203" pitchFamily="34" charset="0"/>
-                      <a:ea typeface="+mn-ea"/>
-                      <a:cs typeface="Aharoni" panose="020F0502020204030204" pitchFamily="2" charset="-79"/>
-                    </a:rPr>
-                    <a:t>Statistical</a:t>
-                  </a:r>
-                  <a:r>
-                    <a:rPr lang="fr-FR" sz="5000" dirty="0">
-                      <a:solidFill>
-                        <a:srgbClr val="37322F"/>
-                      </a:solidFill>
-                      <a:latin typeface="Gill Sans Nova" panose="020B0602020104020203" pitchFamily="34" charset="0"/>
-                      <a:cs typeface="Aharoni" panose="020F0502020204030204" pitchFamily="2" charset="-79"/>
-                    </a:rPr>
-                    <a:t> </a:t>
-                  </a:r>
-                  <a:r>
-                    <a:rPr lang="fr-FR" sz="5000" dirty="0" err="1">
-                      <a:solidFill>
-                        <a:srgbClr val="37322F"/>
-                      </a:solidFill>
-                      <a:latin typeface="Gill Sans Nova" panose="020B0602020104020203" pitchFamily="34" charset="0"/>
-                      <a:cs typeface="Aharoni" panose="020F0502020204030204" pitchFamily="2" charset="-79"/>
-                    </a:rPr>
-                    <a:t>analysis</a:t>
-                  </a:r>
-                  <a:r>
-                    <a:rPr lang="fr-FR" sz="5000" dirty="0">
-                      <a:solidFill>
-                        <a:srgbClr val="37322F"/>
-                      </a:solidFill>
-                      <a:latin typeface="Gill Sans Nova" panose="020B0602020104020203" pitchFamily="34" charset="0"/>
-                      <a:cs typeface="Aharoni" panose="020F0502020204030204" pitchFamily="2" charset="-79"/>
-                    </a:rPr>
-                    <a:t> 📊</a:t>
-                  </a:r>
-                  <a:endParaRPr kumimoji="0" lang="en-US" sz="5000" b="0" i="0" u="none" strike="noStrike" kern="1200" cap="none" spc="0" normalizeH="0" baseline="0" noProof="0" dirty="0">
-                    <a:ln>
-                      <a:noFill/>
-                    </a:ln>
-                    <a:solidFill>
-                      <a:srgbClr val="37322F"/>
-                    </a:solidFill>
-                    <a:effectLst/>
-                    <a:uLnTx/>
-                    <a:uFillTx/>
-                    <a:latin typeface="Gill Sans Nova" panose="020B0602020104020203" pitchFamily="34" charset="0"/>
-                    <a:ea typeface="+mn-ea"/>
-                    <a:cs typeface="Aharoni" panose="020F0502020204030204" pitchFamily="2" charset="-79"/>
-                  </a:endParaRPr>
-                </a:p>
-                <a:p>
-                  <a:pPr marL="0" marR="0" lvl="0" indent="0" algn="ctr" defTabSz="457200" rtl="0" eaLnBrk="1" fontAlgn="auto" latinLnBrk="0" hangingPunct="1">
-                    <a:lnSpc>
-                      <a:spcPct val="100000"/>
-                    </a:lnSpc>
-                    <a:spcBef>
-                      <a:spcPts val="0"/>
-                    </a:spcBef>
-                    <a:spcAft>
-                      <a:spcPts val="0"/>
-                    </a:spcAft>
-                    <a:buClrTx/>
-                    <a:buSzTx/>
-                    <a:buFontTx/>
-                    <a:buNone/>
-                    <a:tabLst/>
-                    <a:defRPr/>
-                  </a:pPr>
-                  <a:r>
-                    <a:rPr kumimoji="0" lang="en-US" sz="2000" b="0" i="0" u="sng" strike="noStrike" kern="1200" cap="none" spc="0" normalizeH="0" baseline="0" noProof="0" dirty="0">
-                      <a:ln>
-                        <a:noFill/>
-                      </a:ln>
-                      <a:solidFill>
-                        <a:srgbClr val="37322F"/>
-                      </a:solidFill>
-                      <a:effectLst/>
-                      <a:uLnTx/>
-                      <a:uFillTx/>
-                      <a:latin typeface="Gill Sans Nova" panose="020B0602020104020203" pitchFamily="34" charset="0"/>
-                      <a:ea typeface="+mn-ea"/>
-                      <a:cs typeface="Aharoni" panose="020F0502020204030204" pitchFamily="2" charset="-79"/>
-                    </a:rPr>
-                    <a:t> </a:t>
-                  </a:r>
-                </a:p>
-                <a:p>
-                  <a:pPr marL="0" marR="0" lvl="0" indent="0" algn="l" defTabSz="457200" rtl="0" eaLnBrk="1" fontAlgn="auto" latinLnBrk="0" hangingPunct="1">
-                    <a:lnSpc>
-                      <a:spcPct val="100000"/>
-                    </a:lnSpc>
-                    <a:spcBef>
-                      <a:spcPts val="0"/>
-                    </a:spcBef>
-                    <a:spcAft>
-                      <a:spcPts val="0"/>
-                    </a:spcAft>
-                    <a:buClrTx/>
-                    <a:buSzTx/>
-                    <a:buFontTx/>
-                    <a:buNone/>
-                    <a:tabLst/>
-                    <a:defRPr/>
-                  </a:pPr>
-                  <a:r>
-                    <a:rPr kumimoji="0" lang="fr-FR" sz="3200" b="0" i="0" u="none" strike="noStrike" kern="1200" cap="none" spc="0" normalizeH="0" baseline="0" noProof="0" dirty="0">
-                      <a:ln>
-                        <a:noFill/>
-                      </a:ln>
-                      <a:solidFill>
-                        <a:srgbClr val="37322F"/>
-                      </a:solidFill>
-                      <a:effectLst/>
-                      <a:uLnTx/>
-                      <a:uFillTx/>
-                      <a:latin typeface="Gill Sans Nova" panose="020B0602020104020203" pitchFamily="34" charset="0"/>
-                      <a:ea typeface="+mn-ea"/>
-                      <a:cs typeface="+mn-cs"/>
-                    </a:rPr>
-                    <a:t>Blablabla</a:t>
-                  </a:r>
-                </a:p>
-                <a:p>
-                  <a:pPr algn="ctr"/>
-                  <a:endParaRPr lang="fr-FR" dirty="0">
-                    <a:solidFill>
-                      <a:srgbClr val="37322F"/>
-                    </a:solidFill>
-                  </a:endParaRPr>
-                </a:p>
-              </p:txBody>
-            </p:sp>
-          </p:grpSp>
-          <p:sp>
-            <p:nvSpPr>
-              <p:cNvPr id="13" name="Rectangle : coins arrondis 12">
-                <a:extLst>
-                  <a:ext uri="{FF2B5EF4-FFF2-40B4-BE49-F238E27FC236}">
-                    <a16:creationId xmlns:a16="http://schemas.microsoft.com/office/drawing/2014/main" id="{B059752F-38D7-9C85-94E8-6DE3EEBE5976}"/>
-                  </a:ext>
-                </a:extLst>
-              </p:cNvPr>
-              <p:cNvSpPr>
-                <a:spLocks/>
-              </p:cNvSpPr>
-              <p:nvPr/>
-            </p:nvSpPr>
-            <p:spPr>
-              <a:xfrm>
-                <a:off x="522107" y="12955368"/>
-                <a:ext cx="10064094" cy="10636081"/>
-              </a:xfrm>
-              <a:prstGeom prst="roundRect">
-                <a:avLst/>
-              </a:prstGeom>
-              <a:solidFill>
-                <a:srgbClr val="E7E1D5"/>
-              </a:solidFill>
-              <a:ln>
-                <a:noFill/>
-              </a:ln>
-            </p:spPr>
-            <p:style>
-              <a:lnRef idx="2">
-                <a:schemeClr val="accent1">
-                  <a:shade val="15000"/>
-                </a:schemeClr>
-              </a:lnRef>
-              <a:fillRef idx="1">
-                <a:schemeClr val="accent1"/>
-              </a:fillRef>
-              <a:effectRef idx="0">
-                <a:schemeClr val="accent1"/>
-              </a:effectRef>
-              <a:fontRef idx="minor">
-                <a:schemeClr val="lt1"/>
-              </a:fontRef>
-            </p:style>
-            <p:txBody>
-              <a:bodyPr rtlCol="0" anchor="t"/>
-              <a:lstStyle/>
-              <a:p>
-                <a:pPr marL="0" marR="0" lvl="0" indent="0" algn="ctr" defTabSz="457200" rtl="0" eaLnBrk="1" fontAlgn="auto" latinLnBrk="0" hangingPunct="1">
-                  <a:lnSpc>
-                    <a:spcPct val="100000"/>
-                  </a:lnSpc>
-                  <a:spcBef>
-                    <a:spcPts val="0"/>
-                  </a:spcBef>
-                  <a:spcAft>
-                    <a:spcPts val="0"/>
-                  </a:spcAft>
-                  <a:buClrTx/>
-                  <a:buSzTx/>
-                  <a:buFontTx/>
-                  <a:buNone/>
-                  <a:tabLst/>
-                  <a:defRPr/>
-                </a:pPr>
-                <a:r>
-                  <a:rPr kumimoji="0" lang="en-US" sz="5000" b="0" i="0" u="none" strike="noStrike" kern="1200" cap="none" spc="0" normalizeH="0" baseline="0" noProof="0" dirty="0" err="1">
-                    <a:ln>
-                      <a:noFill/>
-                    </a:ln>
-                    <a:solidFill>
-                      <a:srgbClr val="37322F"/>
-                    </a:solidFill>
-                    <a:effectLst/>
-                    <a:uLnTx/>
-                    <a:uFillTx/>
-                    <a:latin typeface="Gill Sans Nova" panose="020B0602020104020203" pitchFamily="34" charset="0"/>
-                    <a:ea typeface="+mn-ea"/>
-                    <a:cs typeface="Aharoni" panose="020F0502020204030204" pitchFamily="2" charset="-79"/>
-                  </a:rPr>
-                  <a:t>Nullin</a:t>
-                </a:r>
-                <a:r>
-                  <a:rPr lang="en-US" sz="5000" dirty="0">
-                    <a:solidFill>
-                      <a:srgbClr val="37322F"/>
-                    </a:solidFill>
-                    <a:latin typeface="Gill Sans Nova" panose="020B0602020104020203" pitchFamily="34" charset="0"/>
-                    <a:cs typeface="Aharoni" panose="020F0502020204030204" pitchFamily="2" charset="-79"/>
-                  </a:rPr>
-                  <a:t>g interferometry </a:t>
-                </a:r>
-                <a:r>
-                  <a:rPr lang="fr-FR" sz="5000" dirty="0">
-                    <a:solidFill>
-                      <a:srgbClr val="37322F"/>
-                    </a:solidFill>
-                    <a:latin typeface="Gill Sans Nova" panose="020B0602020104020203" pitchFamily="34" charset="0"/>
-                    <a:cs typeface="Aharoni" panose="020F0502020204030204" pitchFamily="2" charset="-79"/>
-                  </a:rPr>
-                  <a:t>〰️</a:t>
-                </a:r>
-                <a:endParaRPr kumimoji="0" lang="en-US" sz="5000" b="0" i="0" u="none" strike="noStrike" kern="1200" cap="none" spc="0" normalizeH="0" baseline="0" noProof="0" dirty="0">
-                  <a:ln>
-                    <a:noFill/>
-                  </a:ln>
-                  <a:solidFill>
-                    <a:srgbClr val="37322F"/>
-                  </a:solidFill>
-                  <a:effectLst/>
-                  <a:uLnTx/>
-                  <a:uFillTx/>
-                  <a:latin typeface="Gill Sans Nova" panose="020B0602020104020203" pitchFamily="34" charset="0"/>
-                  <a:ea typeface="+mn-ea"/>
-                  <a:cs typeface="Aharoni" panose="020F0502020204030204" pitchFamily="2" charset="-79"/>
-                </a:endParaRPr>
-              </a:p>
-              <a:p>
-                <a:pPr marL="0" marR="0" lvl="0" indent="0" algn="ctr" defTabSz="457200" rtl="0" eaLnBrk="1" fontAlgn="auto" latinLnBrk="0" hangingPunct="1">
-                  <a:lnSpc>
-                    <a:spcPct val="100000"/>
-                  </a:lnSpc>
-                  <a:spcBef>
-                    <a:spcPts val="0"/>
-                  </a:spcBef>
-                  <a:spcAft>
-                    <a:spcPts val="0"/>
-                  </a:spcAft>
-                  <a:buClrTx/>
-                  <a:buSzTx/>
-                  <a:buFontTx/>
-                  <a:buNone/>
-                  <a:tabLst/>
-                  <a:defRPr/>
-                </a:pPr>
-                <a:r>
-                  <a:rPr kumimoji="0" lang="en-US" sz="2000" b="0" i="0" u="sng" strike="noStrike" kern="1200" cap="none" spc="0" normalizeH="0" baseline="0" noProof="0" dirty="0">
-                    <a:ln>
-                      <a:noFill/>
-                    </a:ln>
-                    <a:solidFill>
-                      <a:srgbClr val="37322F"/>
-                    </a:solidFill>
-                    <a:effectLst/>
-                    <a:uLnTx/>
-                    <a:uFillTx/>
-                    <a:latin typeface="Gill Sans Nova" panose="020B0602020104020203" pitchFamily="34" charset="0"/>
-                    <a:ea typeface="+mn-ea"/>
-                    <a:cs typeface="Aharoni" panose="020F0502020204030204" pitchFamily="2" charset="-79"/>
-                  </a:rPr>
-                  <a:t> </a:t>
-                </a:r>
-              </a:p>
-              <a:p>
-                <a:pPr marL="0" marR="0" lvl="0" indent="0" algn="l" defTabSz="457200" rtl="0" eaLnBrk="1" fontAlgn="auto" latinLnBrk="0" hangingPunct="1">
-                  <a:lnSpc>
-                    <a:spcPct val="100000"/>
-                  </a:lnSpc>
-                  <a:spcBef>
-                    <a:spcPts val="0"/>
-                  </a:spcBef>
-                  <a:spcAft>
-                    <a:spcPts val="0"/>
-                  </a:spcAft>
-                  <a:buClrTx/>
-                  <a:buSzTx/>
-                  <a:buFontTx/>
-                  <a:buNone/>
-                  <a:tabLst/>
-                  <a:defRPr/>
-                </a:pPr>
-                <a:r>
-                  <a:rPr kumimoji="0" lang="fr-FR" sz="3200" b="0" i="0" u="none" strike="noStrike" kern="1200" cap="none" spc="0" normalizeH="0" baseline="0" noProof="0" dirty="0">
-                    <a:ln>
-                      <a:noFill/>
-                    </a:ln>
-                    <a:solidFill>
-                      <a:srgbClr val="37322F"/>
-                    </a:solidFill>
-                    <a:effectLst/>
-                    <a:uLnTx/>
-                    <a:uFillTx/>
-                    <a:latin typeface="Gill Sans Nova" panose="020B0602020104020203" pitchFamily="34" charset="0"/>
-                    <a:ea typeface="+mn-ea"/>
-                    <a:cs typeface="+mn-cs"/>
-                  </a:rPr>
-                  <a:t>Blablabla</a:t>
-                </a:r>
-              </a:p>
-              <a:p>
-                <a:pPr marL="0" marR="0" lvl="0" indent="0" algn="ctr" defTabSz="457200" rtl="0" eaLnBrk="1" fontAlgn="auto" latinLnBrk="0" hangingPunct="1">
-                  <a:lnSpc>
-                    <a:spcPct val="100000"/>
-                  </a:lnSpc>
-                  <a:spcBef>
-                    <a:spcPts val="0"/>
-                  </a:spcBef>
-                  <a:spcAft>
-                    <a:spcPts val="0"/>
-                  </a:spcAft>
-                  <a:buClrTx/>
-                  <a:buSzTx/>
-                  <a:buFontTx/>
-                  <a:buNone/>
-                  <a:tabLst/>
-                  <a:defRPr/>
-                </a:pPr>
-                <a:endParaRPr kumimoji="0" lang="fr-FR" sz="1800" b="0" i="0" u="none" strike="noStrike" kern="1200" cap="none" spc="0" normalizeH="0" baseline="0" noProof="0" dirty="0">
-                  <a:ln>
-                    <a:noFill/>
-                  </a:ln>
-                  <a:solidFill>
-                    <a:srgbClr val="37322F"/>
-                  </a:solidFill>
-                  <a:effectLst/>
-                  <a:uLnTx/>
-                  <a:uFillTx/>
-                  <a:latin typeface="Aptos" panose="02110004020202020204"/>
-                  <a:ea typeface="+mn-ea"/>
-                  <a:cs typeface="+mn-cs"/>
-                </a:endParaRPr>
-              </a:p>
-            </p:txBody>
-          </p:sp>
-        </p:grpSp>
-        <p:sp>
-          <p:nvSpPr>
-            <p:cNvPr id="31" name="Rectangle : coins arrondis 30">
-              <a:extLst>
-                <a:ext uri="{FF2B5EF4-FFF2-40B4-BE49-F238E27FC236}">
-                  <a16:creationId xmlns:a16="http://schemas.microsoft.com/office/drawing/2014/main" id="{171044C3-C700-576A-44E0-693B31CE2359}"/>
+                  <a16:creationId xmlns:a16="http://schemas.microsoft.com/office/drawing/2014/main" id="{77411863-3506-4DE1-3C72-54B665E02689}"/>
                 </a:ext>
               </a:extLst>
             </p:cNvPr>
@@ -4559,11 +5556,13 @@
           </p:nvSpPr>
           <p:spPr>
             <a:xfrm>
-              <a:off x="21733428" y="23838065"/>
-              <a:ext cx="10064094" cy="12047086"/>
+              <a:off x="442451" y="36388296"/>
+              <a:ext cx="15535281" cy="6340396"/>
             </a:xfrm>
             <a:prstGeom prst="roundRect">
-              <a:avLst/>
+              <a:avLst>
+                <a:gd name="adj" fmla="val 23228"/>
+              </a:avLst>
             </a:prstGeom>
             <a:solidFill>
               <a:srgbClr val="E7E1D5"/>
@@ -4610,7 +5609,59 @@
                 <a:defRPr/>
               </a:pPr>
               <a:r>
-                <a:rPr kumimoji="0" lang="en-US" sz="5000" b="0" i="0" u="none" strike="noStrike" kern="1200" cap="none" spc="0" normalizeH="0" baseline="0" noProof="0" dirty="0">
+                <a:rPr lang="en-US" sz="4800" dirty="0">
+                  <a:solidFill>
+                    <a:srgbClr val="37322F"/>
+                  </a:solidFill>
+                  <a:latin typeface="Congenial SemiBold" panose="02000503040000020004" pitchFamily="2" charset="0"/>
+                  <a:cs typeface="Aharoni" panose="020F0502020204030204" pitchFamily="2" charset="-79"/>
+                </a:rPr>
+                <a:t>References </a:t>
+              </a:r>
+              <a:r>
+                <a:rPr lang="fr-FR" sz="4800" dirty="0">
+                  <a:solidFill>
+                    <a:srgbClr val="37322F"/>
+                  </a:solidFill>
+                  <a:latin typeface="Congenial SemiBold" panose="02000503040000020004" pitchFamily="2" charset="0"/>
+                  <a:cs typeface="Aharoni" panose="020F0502020204030204" pitchFamily="2" charset="-79"/>
+                </a:rPr>
+                <a:t>📜</a:t>
+              </a:r>
+              <a:endParaRPr kumimoji="0" lang="en-US" sz="4800" b="0" i="0" u="none" strike="noStrike" kern="1200" cap="none" spc="0" normalizeH="0" baseline="0" noProof="0" dirty="0">
+                <a:ln>
+                  <a:noFill/>
+                </a:ln>
+                <a:solidFill>
+                  <a:srgbClr val="37322F"/>
+                </a:solidFill>
+                <a:effectLst/>
+                <a:uLnTx/>
+                <a:uFillTx/>
+                <a:latin typeface="Congenial SemiBold" panose="02000503040000020004" pitchFamily="2" charset="0"/>
+                <a:cs typeface="Aharoni" panose="020F0502020204030204" pitchFamily="2" charset="-79"/>
+              </a:endParaRPr>
+            </a:p>
+            <a:p>
+              <a:pPr marL="0" marR="0" lvl="0" indent="0" algn="ctr" defTabSz="457200" rtl="0" eaLnBrk="1" fontAlgn="auto" latinLnBrk="0" hangingPunct="1">
+                <a:lnSpc>
+                  <a:spcPct val="100000"/>
+                </a:lnSpc>
+                <a:spcBef>
+                  <a:spcPts val="0"/>
+                </a:spcBef>
+                <a:spcAft>
+                  <a:spcPts val="0"/>
+                </a:spcAft>
+                <a:buClrTx/>
+                <a:buSzTx/>
+                <a:buFontTx/>
+                <a:buNone/>
+                <a:tabLst/>
+                <a:defRPr/>
+              </a:pPr>
+              <a:r>
+                <a:rPr kumimoji="0" lang="en-US" sz="2000" b="0" i="0" u="sng" strike="noStrike" kern="1200" cap="none" spc="0" normalizeH="0" baseline="0" noProof="0" dirty="0">
                   <a:ln>
                     <a:noFill/>
                   </a:ln>
@@ -4624,10 +5675,29 @@
                   <a:ea typeface="+mn-ea"/>
                   <a:cs typeface="Aharoni" panose="020F0502020204030204" pitchFamily="2" charset="-79"/>
                 </a:rPr>
-                <a:t>Discussions &amp; prospects </a:t>
+                <a:t> </a:t>
               </a:r>
+            </a:p>
+            <a:p>
+              <a:pPr marL="0" marR="0" lvl="0" indent="0" algn="l" defTabSz="457200" rtl="0" eaLnBrk="1" fontAlgn="auto" latinLnBrk="0" hangingPunct="1">
+                <a:lnSpc>
+                  <a:spcPct val="100000"/>
+                </a:lnSpc>
+                <a:spcBef>
+                  <a:spcPts val="0"/>
+                </a:spcBef>
+                <a:spcAft>
+                  <a:spcPts val="0"/>
+                </a:spcAft>
+                <a:buClrTx/>
+                <a:buSzTx/>
+                <a:buFontTx/>
+                <a:buNone/>
+                <a:tabLst/>
+                <a:defRPr/>
+              </a:pPr>
               <a:r>
-                <a:rPr kumimoji="0" lang="fr-FR" sz="5000" b="0" i="0" u="none" strike="noStrike" kern="1200" cap="none" spc="0" normalizeH="0" baseline="0" noProof="0" dirty="0">
+                <a:rPr kumimoji="0" lang="fr-FR" sz="3200" b="0" i="0" u="none" strike="noStrike" kern="1200" cap="none" spc="0" normalizeH="0" baseline="0" noProof="0" dirty="0">
                   <a:ln>
                     <a:noFill/>
                   </a:ln>
@@ -4639,11 +5709,107 @@
                   <a:uFillTx/>
                   <a:latin typeface="Gill Sans Nova" panose="020B0602020104020203" pitchFamily="34" charset="0"/>
                   <a:ea typeface="+mn-ea"/>
+                  <a:cs typeface="+mn-cs"/>
+                </a:rPr>
+                <a:t>Blablabla</a:t>
+              </a:r>
+              <a:endParaRPr lang="fr-FR" dirty="0">
+                <a:solidFill>
+                  <a:srgbClr val="37322F"/>
+                </a:solidFill>
+              </a:endParaRPr>
+            </a:p>
+          </p:txBody>
+        </p:sp>
+        <p:sp>
+          <p:nvSpPr>
+            <p:cNvPr id="32" name="Rectangle : coins arrondis 31">
+              <a:extLst>
+                <a:ext uri="{FF2B5EF4-FFF2-40B4-BE49-F238E27FC236}">
+                  <a16:creationId xmlns:a16="http://schemas.microsoft.com/office/drawing/2014/main" id="{9C405201-1ED0-8A8B-AD7B-C7F7B5940E71}"/>
+                </a:ext>
+              </a:extLst>
+            </p:cNvPr>
+            <p:cNvSpPr>
+              <a:spLocks/>
+            </p:cNvSpPr>
+            <p:nvPr/>
+          </p:nvSpPr>
+          <p:spPr>
+            <a:xfrm>
+              <a:off x="16421557" y="36388295"/>
+              <a:ext cx="15375965" cy="6340395"/>
+            </a:xfrm>
+            <a:prstGeom prst="roundRect">
+              <a:avLst>
+                <a:gd name="adj" fmla="val 21916"/>
+              </a:avLst>
+            </a:prstGeom>
+            <a:solidFill>
+              <a:srgbClr val="E7E1D5"/>
+            </a:solidFill>
+            <a:ln>
+              <a:noFill/>
+            </a:ln>
+          </p:spPr>
+          <p:style>
+            <a:lnRef idx="2">
+              <a:schemeClr val="accent1">
+                <a:shade val="15000"/>
+              </a:schemeClr>
+            </a:lnRef>
+            <a:fillRef idx="1">
+              <a:schemeClr val="accent1"/>
+            </a:fillRef>
+            <a:effectRef idx="0">
+              <a:schemeClr val="accent1"/>
+            </a:effectRef>
+            <a:fontRef idx="minor">
+              <a:schemeClr val="lt1"/>
+            </a:fontRef>
+          </p:style>
+          <p:txBody>
+            <a:bodyPr rtlCol="0" anchor="t"/>
+            <a:lstStyle/>
+            <a:p>
+              <a:pPr marL="0" marR="0" lvl="0" indent="0" algn="ctr" defTabSz="457200" rtl="0" eaLnBrk="1" fontAlgn="auto" latinLnBrk="0" hangingPunct="1">
+                <a:lnSpc>
+                  <a:spcPct val="100000"/>
+                </a:lnSpc>
+                <a:spcBef>
+                  <a:spcPts val="0"/>
+                </a:spcBef>
+                <a:spcAft>
+                  <a:spcPts val="0"/>
+                </a:spcAft>
+                <a:buClrTx/>
+                <a:buSzTx/>
+                <a:buFontTx/>
+                <a:buNone/>
+                <a:tabLst/>
+                <a:defRPr/>
+              </a:pPr>
+              <a:r>
+                <a:rPr lang="en-US" sz="4800" dirty="0">
+                  <a:solidFill>
+                    <a:srgbClr val="37322F"/>
+                  </a:solidFill>
+                  <a:latin typeface="Congenial SemiBold" panose="02000503040000020004" pitchFamily="2" charset="0"/>
                   <a:cs typeface="Aharoni" panose="020F0502020204030204" pitchFamily="2" charset="-79"/>
                 </a:rPr>
-                <a:t>💬</a:t>
+                <a:t>Acknowledgment </a:t>
               </a:r>
-              <a:endParaRPr kumimoji="0" lang="en-US" sz="5000" b="0" i="0" u="none" strike="noStrike" kern="1200" cap="none" spc="0" normalizeH="0" baseline="0" noProof="0" dirty="0">
+              <a:r>
+                <a:rPr lang="fr-FR" sz="4800" dirty="0">
+                  <a:solidFill>
+                    <a:srgbClr val="37322F"/>
+                  </a:solidFill>
+                  <a:latin typeface="Congenial SemiBold" panose="02000503040000020004" pitchFamily="2" charset="0"/>
+                  <a:cs typeface="Aharoni" panose="020F0502020204030204" pitchFamily="2" charset="-79"/>
+                </a:rPr>
+                <a:t>🤝</a:t>
+              </a:r>
+              <a:endParaRPr kumimoji="0" lang="en-US" sz="4800" b="0" i="0" u="none" strike="noStrike" kern="1200" cap="none" spc="0" normalizeH="0" baseline="0" noProof="0" dirty="0">
                 <a:ln>
                   <a:noFill/>
                 </a:ln>
@@ -4653,8 +5819,7 @@
                 <a:effectLst/>
                 <a:uLnTx/>
                 <a:uFillTx/>
-                <a:latin typeface="Gill Sans Nova" panose="020B0602020104020203" pitchFamily="34" charset="0"/>
-                <a:ea typeface="+mn-ea"/>
+                <a:latin typeface="Congenial SemiBold" panose="02000503040000020004" pitchFamily="2" charset="0"/>
                 <a:cs typeface="Aharoni" panose="020F0502020204030204" pitchFamily="2" charset="-79"/>
               </a:endParaRPr>
             </a:p>
@@ -4731,7 +5896,7 @@
               </a:r>
             </a:p>
             <a:p>
-              <a:pPr marL="0" marR="0" lvl="0" indent="0" algn="ctr" defTabSz="457200" rtl="0" eaLnBrk="1" fontAlgn="auto" latinLnBrk="0" hangingPunct="1">
+              <a:pPr marL="0" marR="0" lvl="0" indent="0" algn="l" defTabSz="457200" rtl="0" eaLnBrk="1" fontAlgn="auto" latinLnBrk="0" hangingPunct="1">
                 <a:lnSpc>
                   <a:spcPct val="100000"/>
                 </a:lnSpc>
@@ -4748,180 +5913,12 @@
                 <a:tabLst/>
                 <a:defRPr/>
               </a:pPr>
-              <a:endParaRPr kumimoji="0" lang="fr-FR" sz="1800" b="0" i="0" u="none" strike="noStrike" kern="1200" cap="none" spc="0" normalizeH="0" baseline="0" noProof="0" dirty="0">
-                <a:ln>
-                  <a:noFill/>
-                </a:ln>
+              <a:endParaRPr lang="fr-FR" sz="3200" dirty="0">
                 <a:solidFill>
                   <a:srgbClr val="37322F"/>
                 </a:solidFill>
-                <a:effectLst/>
-                <a:uLnTx/>
-                <a:uFillTx/>
-                <a:latin typeface="Aptos" panose="02110004020202020204"/>
-                <a:ea typeface="+mn-ea"/>
-                <a:cs typeface="+mn-cs"/>
+                <a:latin typeface="Gill Sans Nova" panose="020B0602020104020203" pitchFamily="34" charset="0"/>
               </a:endParaRPr>
-            </a:p>
-          </p:txBody>
-        </p:sp>
-      </p:grpSp>
-      <p:grpSp>
-        <p:nvGrpSpPr>
-          <p:cNvPr id="33" name="Groupe 32">
-            <a:extLst>
-              <a:ext uri="{FF2B5EF4-FFF2-40B4-BE49-F238E27FC236}">
-                <a16:creationId xmlns:a16="http://schemas.microsoft.com/office/drawing/2014/main" id="{8F24D38F-CDFC-7E8D-4949-BD64235E6CE8}"/>
-              </a:ext>
-            </a:extLst>
-          </p:cNvPr>
-          <p:cNvGrpSpPr/>
-          <p:nvPr/>
-        </p:nvGrpSpPr>
-        <p:grpSpPr>
-          <a:xfrm>
-            <a:off x="442451" y="36388295"/>
-            <a:ext cx="31355071" cy="6340397"/>
-            <a:chOff x="442451" y="36388295"/>
-            <a:chExt cx="31355071" cy="6340397"/>
-          </a:xfrm>
-        </p:grpSpPr>
-        <p:sp>
-          <p:nvSpPr>
-            <p:cNvPr id="30" name="Rectangle : coins arrondis 29">
-              <a:extLst>
-                <a:ext uri="{FF2B5EF4-FFF2-40B4-BE49-F238E27FC236}">
-                  <a16:creationId xmlns:a16="http://schemas.microsoft.com/office/drawing/2014/main" id="{77411863-3506-4DE1-3C72-54B665E02689}"/>
-                </a:ext>
-              </a:extLst>
-            </p:cNvPr>
-            <p:cNvSpPr>
-              <a:spLocks/>
-            </p:cNvSpPr>
-            <p:nvPr/>
-          </p:nvSpPr>
-          <p:spPr>
-            <a:xfrm>
-              <a:off x="442451" y="36388296"/>
-              <a:ext cx="15535281" cy="6340396"/>
-            </a:xfrm>
-            <a:prstGeom prst="roundRect">
-              <a:avLst/>
-            </a:prstGeom>
-            <a:solidFill>
-              <a:srgbClr val="E7E1D5"/>
-            </a:solidFill>
-            <a:ln>
-              <a:noFill/>
-            </a:ln>
-          </p:spPr>
-          <p:style>
-            <a:lnRef idx="2">
-              <a:schemeClr val="accent1">
-                <a:shade val="15000"/>
-              </a:schemeClr>
-            </a:lnRef>
-            <a:fillRef idx="1">
-              <a:schemeClr val="accent1"/>
-            </a:fillRef>
-            <a:effectRef idx="0">
-              <a:schemeClr val="accent1"/>
-            </a:effectRef>
-            <a:fontRef idx="minor">
-              <a:schemeClr val="lt1"/>
-            </a:fontRef>
-          </p:style>
-          <p:txBody>
-            <a:bodyPr rtlCol="0" anchor="t"/>
-            <a:lstStyle/>
-            <a:p>
-              <a:pPr marL="0" marR="0" lvl="0" indent="0" algn="ctr" defTabSz="457200" rtl="0" eaLnBrk="1" fontAlgn="auto" latinLnBrk="0" hangingPunct="1">
-                <a:lnSpc>
-                  <a:spcPct val="100000"/>
-                </a:lnSpc>
-                <a:spcBef>
-                  <a:spcPts val="0"/>
-                </a:spcBef>
-                <a:spcAft>
-                  <a:spcPts val="0"/>
-                </a:spcAft>
-                <a:buClrTx/>
-                <a:buSzTx/>
-                <a:buFontTx/>
-                <a:buNone/>
-                <a:tabLst/>
-                <a:defRPr/>
-              </a:pPr>
-              <a:r>
-                <a:rPr lang="en-US" sz="5000" dirty="0">
-                  <a:solidFill>
-                    <a:srgbClr val="37322F"/>
-                  </a:solidFill>
-                  <a:latin typeface="Gill Sans Nova" panose="020B0602020104020203" pitchFamily="34" charset="0"/>
-                  <a:cs typeface="Aharoni" panose="020F0502020204030204" pitchFamily="2" charset="-79"/>
-                </a:rPr>
-                <a:t>References </a:t>
-              </a:r>
-              <a:r>
-                <a:rPr lang="fr-FR" sz="5000" dirty="0">
-                  <a:solidFill>
-                    <a:srgbClr val="37322F"/>
-                  </a:solidFill>
-                  <a:latin typeface="Gill Sans Nova" panose="020B0602020104020203" pitchFamily="34" charset="0"/>
-                  <a:cs typeface="Aharoni" panose="020F0502020204030204" pitchFamily="2" charset="-79"/>
-                </a:rPr>
-                <a:t>📜</a:t>
-              </a:r>
-              <a:endParaRPr kumimoji="0" lang="en-US" sz="5000" b="0" i="0" u="none" strike="noStrike" kern="1200" cap="none" spc="0" normalizeH="0" baseline="0" noProof="0" dirty="0">
-                <a:ln>
-                  <a:noFill/>
-                </a:ln>
-                <a:solidFill>
-                  <a:srgbClr val="37322F"/>
-                </a:solidFill>
-                <a:effectLst/>
-                <a:uLnTx/>
-                <a:uFillTx/>
-                <a:latin typeface="Gill Sans Nova" panose="020B0602020104020203" pitchFamily="34" charset="0"/>
-                <a:ea typeface="+mn-ea"/>
-                <a:cs typeface="Aharoni" panose="020F0502020204030204" pitchFamily="2" charset="-79"/>
-              </a:endParaRPr>
-            </a:p>
-            <a:p>
-              <a:pPr marL="0" marR="0" lvl="0" indent="0" algn="ctr" defTabSz="457200" rtl="0" eaLnBrk="1" fontAlgn="auto" latinLnBrk="0" hangingPunct="1">
-                <a:lnSpc>
-                  <a:spcPct val="100000"/>
-                </a:lnSpc>
-                <a:spcBef>
-                  <a:spcPts val="0"/>
-                </a:spcBef>
-                <a:spcAft>
-                  <a:spcPts val="0"/>
-                </a:spcAft>
-                <a:buClrTx/>
-                <a:buSzTx/>
-                <a:buFontTx/>
-                <a:buNone/>
-                <a:tabLst/>
-                <a:defRPr/>
-              </a:pPr>
-              <a:r>
-                <a:rPr kumimoji="0" lang="en-US" sz="2000" b="0" i="0" u="sng" strike="noStrike" kern="1200" cap="none" spc="0" normalizeH="0" baseline="0" noProof="0" dirty="0">
-                  <a:ln>
-                    <a:noFill/>
-                  </a:ln>
-                  <a:solidFill>
-                    <a:srgbClr val="37322F"/>
-                  </a:solidFill>
-                  <a:effectLst/>
-                  <a:uLnTx/>
-                  <a:uFillTx/>
-                  <a:latin typeface="Gill Sans Nova" panose="020B0602020104020203" pitchFamily="34" charset="0"/>
-                  <a:ea typeface="+mn-ea"/>
-                  <a:cs typeface="Aharoni" panose="020F0502020204030204" pitchFamily="2" charset="-79"/>
-                </a:rPr>
-                <a:t> </a:t>
-              </a:r>
             </a:p>
             <a:p>
               <a:pPr marL="0" marR="0" lvl="0" indent="0" algn="l" defTabSz="457200" rtl="0" eaLnBrk="1" fontAlgn="auto" latinLnBrk="0" hangingPunct="1">
@@ -4956,27 +5953,8 @@
                   <a:ea typeface="+mn-ea"/>
                   <a:cs typeface="+mn-cs"/>
                 </a:rPr>
-                <a:t>Blablabla</a:t>
+                <a:t>Financement projet PHOTONICS</a:t>
               </a:r>
-            </a:p>
-            <a:p>
-              <a:pPr marL="0" marR="0" lvl="0" indent="0" algn="ctr" defTabSz="457200" rtl="0" eaLnBrk="1" fontAlgn="auto" latinLnBrk="0" hangingPunct="1">
-                <a:lnSpc>
-                  <a:spcPct val="100000"/>
-                </a:lnSpc>
-                <a:spcBef>
-                  <a:spcPts val="0"/>
-                </a:spcBef>
-                <a:spcAft>
-                  <a:spcPts val="0"/>
-                </a:spcAft>
-                <a:buClrTx/>
-                <a:buSzTx/>
-                <a:buFontTx/>
-                <a:buNone/>
-                <a:tabLst/>
-                <a:defRPr/>
-              </a:pPr>
               <a:endParaRPr kumimoji="0" lang="fr-FR" sz="1800" b="0" i="0" u="none" strike="noStrike" kern="1200" cap="none" spc="0" normalizeH="0" baseline="0" noProof="0" dirty="0">
                 <a:ln>
                   <a:noFill/>
@@ -4990,230 +5968,6 @@
                 <a:latin typeface="Aptos" panose="02110004020202020204"/>
                 <a:ea typeface="+mn-ea"/>
                 <a:cs typeface="+mn-cs"/>
-              </a:endParaRPr>
-            </a:p>
-            <a:p>
-              <a:pPr algn="ctr"/>
-              <a:endParaRPr lang="fr-FR" dirty="0">
-                <a:solidFill>
-                  <a:srgbClr val="37322F"/>
-                </a:solidFill>
-              </a:endParaRPr>
-            </a:p>
-          </p:txBody>
-        </p:sp>
-        <p:sp>
-          <p:nvSpPr>
-            <p:cNvPr id="32" name="Rectangle : coins arrondis 31">
-              <a:extLst>
-                <a:ext uri="{FF2B5EF4-FFF2-40B4-BE49-F238E27FC236}">
-                  <a16:creationId xmlns:a16="http://schemas.microsoft.com/office/drawing/2014/main" id="{9C405201-1ED0-8A8B-AD7B-C7F7B5940E71}"/>
-                </a:ext>
-              </a:extLst>
-            </p:cNvPr>
-            <p:cNvSpPr>
-              <a:spLocks/>
-            </p:cNvSpPr>
-            <p:nvPr/>
-          </p:nvSpPr>
-          <p:spPr>
-            <a:xfrm>
-              <a:off x="16421557" y="36388295"/>
-              <a:ext cx="15375965" cy="6340395"/>
-            </a:xfrm>
-            <a:prstGeom prst="roundRect">
-              <a:avLst/>
-            </a:prstGeom>
-            <a:solidFill>
-              <a:srgbClr val="E7E1D5"/>
-            </a:solidFill>
-            <a:ln>
-              <a:noFill/>
-            </a:ln>
-          </p:spPr>
-          <p:style>
-            <a:lnRef idx="2">
-              <a:schemeClr val="accent1">
-                <a:shade val="15000"/>
-              </a:schemeClr>
-            </a:lnRef>
-            <a:fillRef idx="1">
-              <a:schemeClr val="accent1"/>
-            </a:fillRef>
-            <a:effectRef idx="0">
-              <a:schemeClr val="accent1"/>
-            </a:effectRef>
-            <a:fontRef idx="minor">
-              <a:schemeClr val="lt1"/>
-            </a:fontRef>
-          </p:style>
-          <p:txBody>
-            <a:bodyPr rtlCol="0" anchor="t"/>
-            <a:lstStyle/>
-            <a:p>
-              <a:pPr marL="0" marR="0" lvl="0" indent="0" algn="ctr" defTabSz="457200" rtl="0" eaLnBrk="1" fontAlgn="auto" latinLnBrk="0" hangingPunct="1">
-                <a:lnSpc>
-                  <a:spcPct val="100000"/>
-                </a:lnSpc>
-                <a:spcBef>
-                  <a:spcPts val="0"/>
-                </a:spcBef>
-                <a:spcAft>
-                  <a:spcPts val="0"/>
-                </a:spcAft>
-                <a:buClrTx/>
-                <a:buSzTx/>
-                <a:buFontTx/>
-                <a:buNone/>
-                <a:tabLst/>
-                <a:defRPr/>
-              </a:pPr>
-              <a:r>
-                <a:rPr lang="en-US" sz="5000" dirty="0">
-                  <a:solidFill>
-                    <a:srgbClr val="37322F"/>
-                  </a:solidFill>
-                  <a:latin typeface="Gill Sans Nova" panose="020B0602020104020203" pitchFamily="34" charset="0"/>
-                  <a:cs typeface="Aharoni" panose="020F0502020204030204" pitchFamily="2" charset="-79"/>
-                </a:rPr>
-                <a:t>Acknowledgment </a:t>
-              </a:r>
-              <a:r>
-                <a:rPr lang="fr-FR" sz="5000" dirty="0">
-                  <a:solidFill>
-                    <a:srgbClr val="37322F"/>
-                  </a:solidFill>
-                  <a:latin typeface="Gill Sans Nova" panose="020B0602020104020203" pitchFamily="34" charset="0"/>
-                  <a:cs typeface="Aharoni" panose="020F0502020204030204" pitchFamily="2" charset="-79"/>
-                </a:rPr>
-                <a:t>🤝</a:t>
-              </a:r>
-              <a:endParaRPr kumimoji="0" lang="en-US" sz="5000" b="0" i="0" u="none" strike="noStrike" kern="1200" cap="none" spc="0" normalizeH="0" baseline="0" noProof="0" dirty="0">
-                <a:ln>
-                  <a:noFill/>
-                </a:ln>
-                <a:solidFill>
-                  <a:srgbClr val="37322F"/>
-                </a:solidFill>
-                <a:effectLst/>
-                <a:uLnTx/>
-                <a:uFillTx/>
-                <a:latin typeface="Gill Sans Nova" panose="020B0602020104020203" pitchFamily="34" charset="0"/>
-                <a:ea typeface="+mn-ea"/>
-                <a:cs typeface="Aharoni" panose="020F0502020204030204" pitchFamily="2" charset="-79"/>
-              </a:endParaRPr>
-            </a:p>
-            <a:p>
-              <a:pPr marL="0" marR="0" lvl="0" indent="0" algn="ctr" defTabSz="457200" rtl="0" eaLnBrk="1" fontAlgn="auto" latinLnBrk="0" hangingPunct="1">
-                <a:lnSpc>
-                  <a:spcPct val="100000"/>
-                </a:lnSpc>
-                <a:spcBef>
-                  <a:spcPts val="0"/>
-                </a:spcBef>
-                <a:spcAft>
-                  <a:spcPts val="0"/>
-                </a:spcAft>
-                <a:buClrTx/>
-                <a:buSzTx/>
-                <a:buFontTx/>
-                <a:buNone/>
-                <a:tabLst/>
-                <a:defRPr/>
-              </a:pPr>
-              <a:r>
-                <a:rPr kumimoji="0" lang="en-US" sz="2000" b="0" i="0" u="sng" strike="noStrike" kern="1200" cap="none" spc="0" normalizeH="0" baseline="0" noProof="0" dirty="0">
-                  <a:ln>
-                    <a:noFill/>
-                  </a:ln>
-                  <a:solidFill>
-                    <a:srgbClr val="37322F"/>
-                  </a:solidFill>
-                  <a:effectLst/>
-                  <a:uLnTx/>
-                  <a:uFillTx/>
-                  <a:latin typeface="Gill Sans Nova" panose="020B0602020104020203" pitchFamily="34" charset="0"/>
-                  <a:ea typeface="+mn-ea"/>
-                  <a:cs typeface="Aharoni" panose="020F0502020204030204" pitchFamily="2" charset="-79"/>
-                </a:rPr>
-                <a:t> </a:t>
-              </a:r>
-            </a:p>
-            <a:p>
-              <a:pPr marL="0" marR="0" lvl="0" indent="0" algn="l" defTabSz="457200" rtl="0" eaLnBrk="1" fontAlgn="auto" latinLnBrk="0" hangingPunct="1">
-                <a:lnSpc>
-                  <a:spcPct val="100000"/>
-                </a:lnSpc>
-                <a:spcBef>
-                  <a:spcPts val="0"/>
-                </a:spcBef>
-                <a:spcAft>
-                  <a:spcPts val="0"/>
-                </a:spcAft>
-                <a:buClrTx/>
-                <a:buSzTx/>
-                <a:buFontTx/>
-                <a:buNone/>
-                <a:tabLst/>
-                <a:defRPr/>
-              </a:pPr>
-              <a:r>
-                <a:rPr kumimoji="0" lang="fr-FR" sz="3200" b="0" i="0" u="none" strike="noStrike" kern="1200" cap="none" spc="0" normalizeH="0" baseline="0" noProof="0" dirty="0">
-                  <a:ln>
-                    <a:noFill/>
-                  </a:ln>
-                  <a:solidFill>
-                    <a:srgbClr val="37322F"/>
-                  </a:solidFill>
-                  <a:effectLst/>
-                  <a:uLnTx/>
-                  <a:uFillTx/>
-                  <a:latin typeface="Gill Sans Nova" panose="020B0602020104020203" pitchFamily="34" charset="0"/>
-                  <a:ea typeface="+mn-ea"/>
-                  <a:cs typeface="+mn-cs"/>
-                </a:rPr>
-                <a:t>Blablabla</a:t>
-              </a:r>
-            </a:p>
-            <a:p>
-              <a:pPr marL="0" marR="0" lvl="0" indent="0" algn="ctr" defTabSz="457200" rtl="0" eaLnBrk="1" fontAlgn="auto" latinLnBrk="0" hangingPunct="1">
-                <a:lnSpc>
-                  <a:spcPct val="100000"/>
-                </a:lnSpc>
-                <a:spcBef>
-                  <a:spcPts val="0"/>
-                </a:spcBef>
-                <a:spcAft>
-                  <a:spcPts val="0"/>
-                </a:spcAft>
-                <a:buClrTx/>
-                <a:buSzTx/>
-                <a:buFontTx/>
-                <a:buNone/>
-                <a:tabLst/>
-                <a:defRPr/>
-              </a:pPr>
-              <a:endParaRPr kumimoji="0" lang="fr-FR" sz="1800" b="0" i="0" u="none" strike="noStrike" kern="1200" cap="none" spc="0" normalizeH="0" baseline="0" noProof="0" dirty="0">
-                <a:ln>
-                  <a:noFill/>
-                </a:ln>
-                <a:solidFill>
-                  <a:srgbClr val="37322F"/>
-                </a:solidFill>
-                <a:effectLst/>
-                <a:uLnTx/>
-                <a:uFillTx/>
-                <a:latin typeface="Aptos" panose="02110004020202020204"/>
-                <a:ea typeface="+mn-ea"/>
-                <a:cs typeface="+mn-cs"/>
-              </a:endParaRPr>
-            </a:p>
-            <a:p>
-              <a:pPr algn="ctr"/>
-              <a:endParaRPr lang="fr-FR" dirty="0">
-                <a:solidFill>
-                  <a:srgbClr val="37322F"/>
-                </a:solidFill>
               </a:endParaRPr>
             </a:p>
           </p:txBody>
@@ -5233,7 +5987,7 @@
         </p:nvGrpSpPr>
         <p:grpSpPr>
           <a:xfrm>
-            <a:off x="1504335" y="18974831"/>
+            <a:off x="1323157" y="18277209"/>
             <a:ext cx="8302682" cy="5940424"/>
             <a:chOff x="1323157" y="29845168"/>
             <a:chExt cx="8302682" cy="5940424"/>
@@ -5254,7 +6008,7 @@
             <p:nvPr/>
           </p:nvPicPr>
           <p:blipFill>
-            <a:blip r:embed="rId6">
+            <a:blip r:embed="rId7">
               <a:extLst>
                 <a:ext uri="{28A0092B-C50C-407E-A947-70E740481C1C}">
                   <a14:useLocalDpi xmlns:a14="http://schemas.microsoft.com/office/drawing/2010/main" val="0"/>
@@ -5359,7 +6113,7 @@
         </p:nvGrpSpPr>
         <p:grpSpPr>
           <a:xfrm>
-            <a:off x="1504335" y="33158140"/>
+            <a:off x="1312753" y="35249541"/>
             <a:ext cx="8216820" cy="2431405"/>
             <a:chOff x="22824491" y="33403509"/>
             <a:chExt cx="8216820" cy="2431405"/>
@@ -5380,7 +6134,7 @@
             <p:nvPr/>
           </p:nvPicPr>
           <p:blipFill>
-            <a:blip r:embed="rId7">
+            <a:blip r:embed="rId8">
               <a:extLst>
                 <a:ext uri="{28A0092B-C50C-407E-A947-70E740481C1C}">
                   <a14:useLocalDpi xmlns:a14="http://schemas.microsoft.com/office/drawing/2010/main" val="0"/>
@@ -5485,10 +6239,10 @@
         </p:nvGrpSpPr>
         <p:grpSpPr>
           <a:xfrm>
-            <a:off x="20840964" y="9273233"/>
-            <a:ext cx="11479014" cy="4816733"/>
-            <a:chOff x="10380480" y="9259889"/>
-            <a:chExt cx="11479014" cy="4816733"/>
+            <a:off x="17637177" y="8879202"/>
+            <a:ext cx="14265938" cy="5223519"/>
+            <a:chOff x="9965380" y="9259889"/>
+            <a:chExt cx="11894114" cy="4355068"/>
           </a:xfrm>
         </p:grpSpPr>
         <p:pic>
@@ -5506,7 +6260,7 @@
             <p:nvPr/>
           </p:nvPicPr>
           <p:blipFill>
-            <a:blip r:embed="rId8">
+            <a:blip r:embed="rId9">
               <a:extLst>
                 <a:ext uri="{28A0092B-C50C-407E-A947-70E740481C1C}">
                   <a14:useLocalDpi xmlns:a14="http://schemas.microsoft.com/office/drawing/2010/main" val="0"/>
@@ -5551,7 +6305,7 @@
           </p:nvSpPr>
           <p:spPr>
             <a:xfrm>
-              <a:off x="12011577" y="13614957"/>
+              <a:off x="9965380" y="13139946"/>
               <a:ext cx="8216820" cy="461665"/>
             </a:xfrm>
             <a:prstGeom prst="rect">
@@ -5600,100 +6354,6 @@
           </p:txBody>
         </p:sp>
       </p:grpSp>
-      <p:sp>
-        <p:nvSpPr>
-          <p:cNvPr id="8" name="Rectangle : coins arrondis 7">
-            <a:extLst>
-              <a:ext uri="{FF2B5EF4-FFF2-40B4-BE49-F238E27FC236}">
-                <a16:creationId xmlns:a16="http://schemas.microsoft.com/office/drawing/2014/main" id="{0C379A8F-C7A8-CD89-C5B7-B3D7DBC0A70B}"/>
-              </a:ext>
-            </a:extLst>
-          </p:cNvPr>
-          <p:cNvSpPr>
-            <a:spLocks/>
-          </p:cNvSpPr>
-          <p:nvPr/>
-        </p:nvSpPr>
-        <p:spPr>
-          <a:xfrm>
-            <a:off x="11087939" y="24956730"/>
-            <a:ext cx="10064094" cy="10928421"/>
-          </a:xfrm>
-          <a:prstGeom prst="roundRect">
-            <a:avLst/>
-          </a:prstGeom>
-          <a:solidFill>
-            <a:srgbClr val="E7E1D5"/>
-          </a:solidFill>
-          <a:ln>
-            <a:noFill/>
-          </a:ln>
-        </p:spPr>
-        <p:style>
-          <a:lnRef idx="2">
-            <a:schemeClr val="accent1">
-              <a:shade val="15000"/>
-            </a:schemeClr>
-          </a:lnRef>
-          <a:fillRef idx="1">
-            <a:schemeClr val="accent1"/>
-          </a:fillRef>
-          <a:effectRef idx="0">
-            <a:schemeClr val="accent1"/>
-          </a:effectRef>
-          <a:fontRef idx="minor">
-            <a:schemeClr val="lt1"/>
-          </a:fontRef>
-        </p:style>
-        <p:txBody>
-          <a:bodyPr rtlCol="0" anchor="t"/>
-          <a:lstStyle/>
-          <a:p>
-            <a:pPr algn="ctr"/>
-            <a:r>
-              <a:rPr lang="fr-FR" sz="5000" dirty="0">
-                <a:solidFill>
-                  <a:srgbClr val="37322F"/>
-                </a:solidFill>
-                <a:latin typeface="Gill Sans Nova" panose="020B0602020104020203" pitchFamily="34" charset="0"/>
-                <a:cs typeface="Aharoni" panose="020F0502020204030204" pitchFamily="2" charset="-79"/>
-              </a:rPr>
-              <a:t>Kernels 💠</a:t>
-            </a:r>
-            <a:endParaRPr lang="en-US" sz="5000" dirty="0">
-              <a:solidFill>
-                <a:srgbClr val="37322F"/>
-              </a:solidFill>
-              <a:latin typeface="Gill Sans Nova" panose="020B0602020104020203" pitchFamily="34" charset="0"/>
-              <a:cs typeface="Aharoni" panose="020F0502020204030204" pitchFamily="2" charset="-79"/>
-            </a:endParaRPr>
-          </a:p>
-          <a:p>
-            <a:pPr algn="ctr"/>
-            <a:r>
-              <a:rPr lang="en-US" sz="2000" u="sng" dirty="0">
-                <a:solidFill>
-                  <a:srgbClr val="37322F"/>
-                </a:solidFill>
-                <a:latin typeface="Gill Sans Nova" panose="020B0602020104020203" pitchFamily="34" charset="0"/>
-                <a:cs typeface="Aharoni" panose="020F0502020204030204" pitchFamily="2" charset="-79"/>
-              </a:rPr>
-              <a:t> </a:t>
-            </a:r>
-          </a:p>
-          <a:p>
-            <a:r>
-              <a:rPr lang="fr-FR" sz="3200" dirty="0">
-                <a:solidFill>
-                  <a:srgbClr val="37322F"/>
-                </a:solidFill>
-                <a:latin typeface="Gill Sans Nova" panose="020B0602020104020203" pitchFamily="34" charset="0"/>
-              </a:rPr>
-              <a:t>Blablabla</a:t>
-            </a:r>
-          </a:p>
-        </p:txBody>
-      </p:sp>
       <p:grpSp>
         <p:nvGrpSpPr>
           <p:cNvPr id="20" name="Groupe 19">
@@ -5708,7 +6368,7 @@
         </p:nvGrpSpPr>
         <p:grpSpPr>
           <a:xfrm>
-            <a:off x="11474271" y="19948554"/>
+            <a:off x="11616526" y="32961097"/>
             <a:ext cx="9006921" cy="3580634"/>
             <a:chOff x="11862888" y="18669766"/>
             <a:chExt cx="14079915" cy="5597365"/>
@@ -5729,7 +6389,7 @@
             <p:nvPr/>
           </p:nvPicPr>
           <p:blipFill>
-            <a:blip r:embed="rId9"/>
+            <a:blip r:embed="rId10"/>
             <a:stretch>
               <a:fillRect/>
             </a:stretch>
@@ -5769,7 +6429,7 @@
             <p:nvPr/>
           </p:nvPicPr>
           <p:blipFill>
-            <a:blip r:embed="rId10"/>
+            <a:blip r:embed="rId11"/>
             <a:stretch>
               <a:fillRect/>
             </a:stretch>
@@ -5810,14 +6470,14 @@
           <p:nvPr/>
         </p:nvPicPr>
         <p:blipFill>
-          <a:blip r:embed="rId11"/>
+          <a:blip r:embed="rId12"/>
           <a:stretch>
             <a:fillRect/>
           </a:stretch>
         </p:blipFill>
         <p:spPr>
           <a:xfrm>
-            <a:off x="22077010" y="19200076"/>
+            <a:off x="22421329" y="26200046"/>
             <a:ext cx="9006921" cy="3433295"/>
           </a:xfrm>
           <a:prstGeom prst="rect">
@@ -5835,107 +6495,86 @@
           </a:effectLst>
         </p:spPr>
       </p:pic>
-      <p:grpSp>
-        <p:nvGrpSpPr>
-          <p:cNvPr id="38" name="Groupe 37">
+      <p:pic>
+        <p:nvPicPr>
+          <p:cNvPr id="29" name="Image 28">
             <a:extLst>
               <a:ext uri="{FF2B5EF4-FFF2-40B4-BE49-F238E27FC236}">
-                <a16:creationId xmlns:a16="http://schemas.microsoft.com/office/drawing/2014/main" id="{45E54D07-A631-1226-DB10-74A250A5923C}"/>
+                <a16:creationId xmlns:a16="http://schemas.microsoft.com/office/drawing/2014/main" id="{FE6EF54D-90AB-1281-F909-4132B96AA9AB}"/>
               </a:ext>
             </a:extLst>
           </p:cNvPr>
-          <p:cNvGrpSpPr/>
+          <p:cNvPicPr>
+            <a:picLocks noChangeAspect="1"/>
+          </p:cNvPicPr>
           <p:nvPr/>
-        </p:nvGrpSpPr>
-        <p:grpSpPr>
+        </p:nvPicPr>
+        <p:blipFill>
+          <a:blip r:embed="rId13"/>
+          <a:stretch>
+            <a:fillRect/>
+          </a:stretch>
+        </p:blipFill>
+        <p:spPr>
           <a:xfrm>
-            <a:off x="11185265" y="29682946"/>
-            <a:ext cx="9869444" cy="6142307"/>
-            <a:chOff x="11185265" y="29682946"/>
-            <a:chExt cx="9869444" cy="6142307"/>
+            <a:off x="22421328" y="18349634"/>
+            <a:ext cx="9006921" cy="2997373"/>
           </a:xfrm>
-        </p:grpSpPr>
-        <p:pic>
-          <p:nvPicPr>
-            <p:cNvPr id="29" name="Image 28">
-              <a:extLst>
-                <a:ext uri="{FF2B5EF4-FFF2-40B4-BE49-F238E27FC236}">
-                  <a16:creationId xmlns:a16="http://schemas.microsoft.com/office/drawing/2014/main" id="{FE6EF54D-90AB-1281-F909-4132B96AA9AB}"/>
-                </a:ext>
-              </a:extLst>
-            </p:cNvPr>
-            <p:cNvPicPr>
-              <a:picLocks noChangeAspect="1"/>
-            </p:cNvPicPr>
-            <p:nvPr/>
-          </p:nvPicPr>
-          <p:blipFill>
-            <a:blip r:embed="rId12"/>
-            <a:stretch>
-              <a:fillRect/>
-            </a:stretch>
-          </p:blipFill>
-          <p:spPr>
-            <a:xfrm>
-              <a:off x="11185265" y="29682946"/>
-              <a:ext cx="9869444" cy="3284408"/>
-            </a:xfrm>
-            <a:prstGeom prst="rect">
-              <a:avLst/>
-            </a:prstGeom>
-            <a:ln>
-              <a:noFill/>
-            </a:ln>
-            <a:effectLst>
-              <a:outerShdw blurRad="292100" dist="139700" dir="2700000" algn="tl" rotWithShape="0">
-                <a:srgbClr val="333333">
-                  <a:alpha val="65000"/>
-                </a:srgbClr>
-              </a:outerShdw>
-            </a:effectLst>
-          </p:spPr>
-        </p:pic>
-        <p:pic>
-          <p:nvPicPr>
-            <p:cNvPr id="36" name="Image 35">
-              <a:extLst>
-                <a:ext uri="{FF2B5EF4-FFF2-40B4-BE49-F238E27FC236}">
-                  <a16:creationId xmlns:a16="http://schemas.microsoft.com/office/drawing/2014/main" id="{FAB18140-E76F-CB70-4A97-2CE39ED49838}"/>
-                </a:ext>
-              </a:extLst>
-            </p:cNvPr>
-            <p:cNvPicPr>
-              <a:picLocks noChangeAspect="1"/>
-            </p:cNvPicPr>
-            <p:nvPr/>
-          </p:nvPicPr>
-          <p:blipFill>
-            <a:blip r:embed="rId13"/>
-            <a:stretch>
-              <a:fillRect/>
-            </a:stretch>
-          </p:blipFill>
-          <p:spPr>
-            <a:xfrm>
-              <a:off x="11568429" y="32967354"/>
-              <a:ext cx="3286584" cy="2857899"/>
-            </a:xfrm>
-            <a:prstGeom prst="rect">
-              <a:avLst/>
-            </a:prstGeom>
-            <a:ln>
-              <a:noFill/>
-            </a:ln>
-            <a:effectLst>
-              <a:outerShdw blurRad="292100" dist="139700" dir="2700000" algn="tl" rotWithShape="0">
-                <a:srgbClr val="333333">
-                  <a:alpha val="65000"/>
-                </a:srgbClr>
-              </a:outerShdw>
-            </a:effectLst>
-          </p:spPr>
-        </p:pic>
-      </p:grpSp>
+          <a:prstGeom prst="rect">
+            <a:avLst/>
+          </a:prstGeom>
+          <a:ln>
+            <a:noFill/>
+          </a:ln>
+          <a:effectLst>
+            <a:outerShdw blurRad="292100" dist="139700" dir="2700000" algn="tl" rotWithShape="0">
+              <a:srgbClr val="333333">
+                <a:alpha val="65000"/>
+              </a:srgbClr>
+            </a:outerShdw>
+          </a:effectLst>
+        </p:spPr>
+      </p:pic>
+      <p:pic>
+        <p:nvPicPr>
+          <p:cNvPr id="36" name="Image 35">
+            <a:extLst>
+              <a:ext uri="{FF2B5EF4-FFF2-40B4-BE49-F238E27FC236}">
+                <a16:creationId xmlns:a16="http://schemas.microsoft.com/office/drawing/2014/main" id="{FAB18140-E76F-CB70-4A97-2CE39ED49838}"/>
+              </a:ext>
+            </a:extLst>
+          </p:cNvPr>
+          <p:cNvPicPr>
+            <a:picLocks noChangeAspect="1"/>
+          </p:cNvPicPr>
+          <p:nvPr/>
+        </p:nvPicPr>
+        <p:blipFill>
+          <a:blip r:embed="rId14"/>
+          <a:stretch>
+            <a:fillRect/>
+          </a:stretch>
+        </p:blipFill>
+        <p:spPr>
+          <a:xfrm>
+            <a:off x="971038" y="25979682"/>
+            <a:ext cx="3286584" cy="2857899"/>
+          </a:xfrm>
+          <a:prstGeom prst="rect">
+            <a:avLst/>
+          </a:prstGeom>
+          <a:ln>
+            <a:noFill/>
+          </a:ln>
+          <a:effectLst>
+            <a:outerShdw blurRad="292100" dist="139700" dir="2700000" algn="tl" rotWithShape="0">
+              <a:srgbClr val="333333">
+                <a:alpha val="65000"/>
+              </a:srgbClr>
+            </a:outerShdw>
+          </a:effectLst>
+        </p:spPr>
+      </p:pic>
     </p:spTree>
     <p:extLst>
       <p:ext uri="{BB962C8B-B14F-4D97-AF65-F5344CB8AC3E}">

--- a/docs/Poster/Poster.pptx
+++ b/docs/Poster/Poster.pptx
@@ -243,7 +243,7 @@
           <a:p>
             <a:fld id="{70533FD3-F370-458C-BCE8-160857C0EEE2}" type="datetimeFigureOut">
               <a:rPr lang="fr-FR" smtClean="0"/>
-              <a:t>02/05/2024</a:t>
+              <a:t>03/05/2024</a:t>
             </a:fld>
             <a:endParaRPr lang="fr-FR"/>
           </a:p>
@@ -413,7 +413,7 @@
           <a:p>
             <a:fld id="{70533FD3-F370-458C-BCE8-160857C0EEE2}" type="datetimeFigureOut">
               <a:rPr lang="fr-FR" smtClean="0"/>
-              <a:t>02/05/2024</a:t>
+              <a:t>03/05/2024</a:t>
             </a:fld>
             <a:endParaRPr lang="fr-FR"/>
           </a:p>
@@ -593,7 +593,7 @@
           <a:p>
             <a:fld id="{70533FD3-F370-458C-BCE8-160857C0EEE2}" type="datetimeFigureOut">
               <a:rPr lang="fr-FR" smtClean="0"/>
-              <a:t>02/05/2024</a:t>
+              <a:t>03/05/2024</a:t>
             </a:fld>
             <a:endParaRPr lang="fr-FR"/>
           </a:p>
@@ -763,7 +763,7 @@
           <a:p>
             <a:fld id="{70533FD3-F370-458C-BCE8-160857C0EEE2}" type="datetimeFigureOut">
               <a:rPr lang="fr-FR" smtClean="0"/>
-              <a:t>02/05/2024</a:t>
+              <a:t>03/05/2024</a:t>
             </a:fld>
             <a:endParaRPr lang="fr-FR"/>
           </a:p>
@@ -1009,7 +1009,7 @@
           <a:p>
             <a:fld id="{70533FD3-F370-458C-BCE8-160857C0EEE2}" type="datetimeFigureOut">
               <a:rPr lang="fr-FR" smtClean="0"/>
-              <a:t>02/05/2024</a:t>
+              <a:t>03/05/2024</a:t>
             </a:fld>
             <a:endParaRPr lang="fr-FR"/>
           </a:p>
@@ -1241,7 +1241,7 @@
           <a:p>
             <a:fld id="{70533FD3-F370-458C-BCE8-160857C0EEE2}" type="datetimeFigureOut">
               <a:rPr lang="fr-FR" smtClean="0"/>
-              <a:t>02/05/2024</a:t>
+              <a:t>03/05/2024</a:t>
             </a:fld>
             <a:endParaRPr lang="fr-FR"/>
           </a:p>
@@ -1608,7 +1608,7 @@
           <a:p>
             <a:fld id="{70533FD3-F370-458C-BCE8-160857C0EEE2}" type="datetimeFigureOut">
               <a:rPr lang="fr-FR" smtClean="0"/>
-              <a:t>02/05/2024</a:t>
+              <a:t>03/05/2024</a:t>
             </a:fld>
             <a:endParaRPr lang="fr-FR"/>
           </a:p>
@@ -1726,7 +1726,7 @@
           <a:p>
             <a:fld id="{70533FD3-F370-458C-BCE8-160857C0EEE2}" type="datetimeFigureOut">
               <a:rPr lang="fr-FR" smtClean="0"/>
-              <a:t>02/05/2024</a:t>
+              <a:t>03/05/2024</a:t>
             </a:fld>
             <a:endParaRPr lang="fr-FR"/>
           </a:p>
@@ -1821,7 +1821,7 @@
           <a:p>
             <a:fld id="{70533FD3-F370-458C-BCE8-160857C0EEE2}" type="datetimeFigureOut">
               <a:rPr lang="fr-FR" smtClean="0"/>
-              <a:t>02/05/2024</a:t>
+              <a:t>03/05/2024</a:t>
             </a:fld>
             <a:endParaRPr lang="fr-FR"/>
           </a:p>
@@ -2098,7 +2098,7 @@
           <a:p>
             <a:fld id="{70533FD3-F370-458C-BCE8-160857C0EEE2}" type="datetimeFigureOut">
               <a:rPr lang="fr-FR" smtClean="0"/>
-              <a:t>02/05/2024</a:t>
+              <a:t>03/05/2024</a:t>
             </a:fld>
             <a:endParaRPr lang="fr-FR"/>
           </a:p>
@@ -2355,7 +2355,7 @@
           <a:p>
             <a:fld id="{70533FD3-F370-458C-BCE8-160857C0EEE2}" type="datetimeFigureOut">
               <a:rPr lang="fr-FR" smtClean="0"/>
-              <a:t>02/05/2024</a:t>
+              <a:t>03/05/2024</a:t>
             </a:fld>
             <a:endParaRPr lang="fr-FR"/>
           </a:p>
@@ -2568,7 +2568,7 @@
           <a:p>
             <a:fld id="{70533FD3-F370-458C-BCE8-160857C0EEE2}" type="datetimeFigureOut">
               <a:rPr lang="fr-FR" smtClean="0"/>
-              <a:t>02/05/2024</a:t>
+              <a:t>03/05/2024</a:t>
             </a:fld>
             <a:endParaRPr lang="fr-FR"/>
           </a:p>
@@ -2996,9 +2996,9 @@
         <p:grpSpPr>
           <a:xfrm>
             <a:off x="389116" y="9259890"/>
-            <a:ext cx="31567722" cy="28698741"/>
+            <a:ext cx="31567722" cy="28698745"/>
             <a:chOff x="389116" y="9259890"/>
-            <a:chExt cx="31567722" cy="28698741"/>
+            <a:chExt cx="31567722" cy="28698745"/>
           </a:xfrm>
         </p:grpSpPr>
         <mc:AlternateContent xmlns:mc="http://schemas.openxmlformats.org/markup-compatibility/2006">
@@ -3024,7 +3024,7 @@
                 </a:xfrm>
                 <a:prstGeom prst="roundRect">
                   <a:avLst>
-                    <a:gd name="adj" fmla="val 13558"/>
+                    <a:gd name="adj" fmla="val 10750"/>
                   </a:avLst>
                 </a:prstGeom>
                 <a:solidFill>
@@ -3170,7 +3170,7 @@
                   </a:r>
                 </a:p>
                 <a:p>
-                  <a:pPr marL="0" marR="0" lvl="0" indent="0" algn="l" defTabSz="457200" rtl="0" eaLnBrk="1" fontAlgn="auto" latinLnBrk="0" hangingPunct="1">
+                  <a:pPr marR="0" lvl="0" algn="l" defTabSz="457200" rtl="0" eaLnBrk="1" fontAlgn="auto" latinLnBrk="0" hangingPunct="1">
                     <a:lnSpc>
                       <a:spcPct val="100000"/>
                     </a:lnSpc>
@@ -3182,19 +3182,26 @@
                     </a:spcAft>
                     <a:buClrTx/>
                     <a:buSzTx/>
-                    <a:buFontTx/>
-                    <a:buNone/>
                     <a:tabLst/>
                     <a:defRPr/>
                   </a:pPr>
                   <a:r>
-                    <a:rPr lang="fr-FR" sz="3200" dirty="0">
+                    <a:rPr lang="fr-FR" sz="3200" dirty="0" err="1">
                       <a:solidFill>
                         <a:srgbClr val="37322F"/>
                       </a:solidFill>
                       <a:latin typeface="Gill Sans Nova" panose="020B0602020104020203" pitchFamily="34" charset="0"/>
                     </a:rPr>
-                    <a:t>- </a:t>
+                    <a:t>Coming</a:t>
+                  </a:r>
+                  <a:r>
+                    <a:rPr lang="fr-FR" sz="3200" dirty="0">
+                      <a:solidFill>
+                        <a:srgbClr val="37322F"/>
+                      </a:solidFill>
+                      <a:latin typeface="Gill Sans Nova" panose="020B0602020104020203" pitchFamily="34" charset="0"/>
+                    </a:rPr>
+                    <a:t> </a:t>
                   </a:r>
                   <a:r>
                     <a:rPr lang="fr-FR" sz="3200" dirty="0" err="1">
@@ -3203,7 +3210,7 @@
                       </a:solidFill>
                       <a:latin typeface="Gill Sans Nova" panose="020B0602020104020203" pitchFamily="34" charset="0"/>
                     </a:rPr>
-                    <a:t>Wavelenght</a:t>
+                    <a:t>from</a:t>
                   </a:r>
                   <a:r>
                     <a:rPr lang="fr-FR" sz="3200" dirty="0">
@@ -3212,120 +3219,424 @@
                       </a:solidFill>
                       <a:latin typeface="Gill Sans Nova" panose="020B0602020104020203" pitchFamily="34" charset="0"/>
                     </a:rPr>
-                    <a:t> : </a:t>
+                    <a:t> </a:t>
+                  </a:r>
+                  <a:r>
+                    <a:rPr lang="fr-FR" sz="3200" dirty="0" err="1">
+                      <a:solidFill>
+                        <a:srgbClr val="37322F"/>
+                      </a:solidFill>
+                      <a:latin typeface="Gill Sans Nova" panose="020B0602020104020203" pitchFamily="34" charset="0"/>
+                    </a:rPr>
+                    <a:t>telecom</a:t>
+                  </a:r>
+                  <a:r>
+                    <a:rPr lang="fr-FR" sz="3200" dirty="0">
+                      <a:solidFill>
+                        <a:srgbClr val="37322F"/>
+                      </a:solidFill>
+                      <a:latin typeface="Gill Sans Nova" panose="020B0602020104020203" pitchFamily="34" charset="0"/>
+                    </a:rPr>
+                    <a:t> technologies, the </a:t>
+                  </a:r>
+                  <a:r>
+                    <a:rPr lang="fr-FR" sz="3200" dirty="0" err="1">
+                      <a:solidFill>
+                        <a:srgbClr val="37322F"/>
+                      </a:solidFill>
+                      <a:latin typeface="Gill Sans Nova" panose="020B0602020104020203" pitchFamily="34" charset="0"/>
+                    </a:rPr>
+                    <a:t>thermo-optic</a:t>
+                  </a:r>
+                  <a:r>
+                    <a:rPr lang="fr-FR" sz="3200" dirty="0">
+                      <a:solidFill>
+                        <a:srgbClr val="37322F"/>
+                      </a:solidFill>
+                      <a:latin typeface="Gill Sans Nova" panose="020B0602020104020203" pitchFamily="34" charset="0"/>
+                    </a:rPr>
+                    <a:t> phase </a:t>
+                  </a:r>
+                  <a:r>
+                    <a:rPr lang="fr-FR" sz="3200" dirty="0" err="1">
+                      <a:solidFill>
+                        <a:srgbClr val="37322F"/>
+                      </a:solidFill>
+                      <a:latin typeface="Gill Sans Nova" panose="020B0602020104020203" pitchFamily="34" charset="0"/>
+                    </a:rPr>
+                    <a:t>shifters</a:t>
+                  </a:r>
+                  <a:r>
+                    <a:rPr lang="fr-FR" sz="3200" dirty="0">
+                      <a:solidFill>
+                        <a:srgbClr val="37322F"/>
+                      </a:solidFill>
+                      <a:latin typeface="Gill Sans Nova" panose="020B0602020104020203" pitchFamily="34" charset="0"/>
+                    </a:rPr>
+                    <a:t> </a:t>
+                  </a:r>
+                  <a:r>
+                    <a:rPr lang="fr-FR" sz="3200" dirty="0" err="1">
+                      <a:solidFill>
+                        <a:srgbClr val="37322F"/>
+                      </a:solidFill>
+                      <a:latin typeface="Gill Sans Nova" panose="020B0602020104020203" pitchFamily="34" charset="0"/>
+                    </a:rPr>
+                    <a:t>consist</a:t>
+                  </a:r>
+                  <a:r>
+                    <a:rPr lang="fr-FR" sz="3200" dirty="0">
+                      <a:solidFill>
+                        <a:srgbClr val="37322F"/>
+                      </a:solidFill>
+                      <a:latin typeface="Gill Sans Nova" panose="020B0602020104020203" pitchFamily="34" charset="0"/>
+                    </a:rPr>
+                    <a:t> in </a:t>
+                  </a:r>
+                  <a:r>
+                    <a:rPr lang="fr-FR" sz="3200" dirty="0" err="1">
+                      <a:solidFill>
+                        <a:srgbClr val="37322F"/>
+                      </a:solidFill>
+                      <a:latin typeface="Gill Sans Nova" panose="020B0602020104020203" pitchFamily="34" charset="0"/>
+                    </a:rPr>
+                    <a:t>heating</a:t>
+                  </a:r>
+                  <a:r>
+                    <a:rPr lang="fr-FR" sz="3200" dirty="0">
+                      <a:solidFill>
+                        <a:srgbClr val="37322F"/>
+                      </a:solidFill>
+                      <a:latin typeface="Gill Sans Nova" panose="020B0602020104020203" pitchFamily="34" charset="0"/>
+                    </a:rPr>
+                    <a:t> a </a:t>
+                  </a:r>
+                  <a:r>
+                    <a:rPr lang="fr-FR" sz="3200" dirty="0" err="1">
+                      <a:solidFill>
+                        <a:srgbClr val="37322F"/>
+                      </a:solidFill>
+                      <a:latin typeface="Gill Sans Nova" panose="020B0602020104020203" pitchFamily="34" charset="0"/>
+                    </a:rPr>
+                    <a:t>fiber</a:t>
+                  </a:r>
+                  <a:r>
+                    <a:rPr lang="fr-FR" sz="3200" dirty="0">
+                      <a:solidFill>
+                        <a:srgbClr val="37322F"/>
+                      </a:solidFill>
+                      <a:latin typeface="Gill Sans Nova" panose="020B0602020104020203" pitchFamily="34" charset="0"/>
+                    </a:rPr>
+                    <a:t> </a:t>
+                  </a:r>
+                  <a:r>
+                    <a:rPr lang="fr-FR" sz="3200" dirty="0" err="1">
+                      <a:solidFill>
+                        <a:srgbClr val="37322F"/>
+                      </a:solidFill>
+                      <a:latin typeface="Gill Sans Nova" panose="020B0602020104020203" pitchFamily="34" charset="0"/>
+                    </a:rPr>
+                    <a:t>core</a:t>
+                  </a:r>
+                  <a:r>
+                    <a:rPr lang="fr-FR" sz="3200" dirty="0">
+                      <a:solidFill>
+                        <a:srgbClr val="37322F"/>
+                      </a:solidFill>
+                      <a:latin typeface="Gill Sans Nova" panose="020B0602020104020203" pitchFamily="34" charset="0"/>
+                    </a:rPr>
+                    <a:t> </a:t>
+                  </a:r>
+                  <a:r>
+                    <a:rPr lang="fr-FR" sz="3200" dirty="0" err="1">
+                      <a:solidFill>
+                        <a:srgbClr val="37322F"/>
+                      </a:solidFill>
+                      <a:latin typeface="Gill Sans Nova" panose="020B0602020104020203" pitchFamily="34" charset="0"/>
+                    </a:rPr>
+                    <a:t>using</a:t>
+                  </a:r>
+                  <a:r>
+                    <a:rPr lang="fr-FR" sz="3200" dirty="0">
+                      <a:solidFill>
+                        <a:srgbClr val="37322F"/>
+                      </a:solidFill>
+                      <a:latin typeface="Gill Sans Nova" panose="020B0602020104020203" pitchFamily="34" charset="0"/>
+                    </a:rPr>
+                    <a:t> an </a:t>
+                  </a:r>
+                  <a:r>
+                    <a:rPr lang="fr-FR" sz="3200" dirty="0" err="1">
+                      <a:solidFill>
+                        <a:srgbClr val="37322F"/>
+                      </a:solidFill>
+                      <a:latin typeface="Gill Sans Nova" panose="020B0602020104020203" pitchFamily="34" charset="0"/>
+                    </a:rPr>
+                    <a:t>electrode</a:t>
+                  </a:r>
+                  <a:r>
+                    <a:rPr lang="fr-FR" sz="3200" dirty="0">
+                      <a:solidFill>
+                        <a:srgbClr val="37322F"/>
+                      </a:solidFill>
+                      <a:latin typeface="Gill Sans Nova" panose="020B0602020104020203" pitchFamily="34" charset="0"/>
+                    </a:rPr>
+                    <a:t> in </a:t>
+                  </a:r>
+                  <a:r>
+                    <a:rPr lang="fr-FR" sz="3200" dirty="0" err="1">
+                      <a:solidFill>
+                        <a:srgbClr val="37322F"/>
+                      </a:solidFill>
+                      <a:latin typeface="Gill Sans Nova" panose="020B0602020104020203" pitchFamily="34" charset="0"/>
+                    </a:rPr>
+                    <a:t>order</a:t>
+                  </a:r>
+                  <a:r>
+                    <a:rPr lang="fr-FR" sz="3200" dirty="0">
+                      <a:solidFill>
+                        <a:srgbClr val="37322F"/>
+                      </a:solidFill>
+                      <a:latin typeface="Gill Sans Nova" panose="020B0602020104020203" pitchFamily="34" charset="0"/>
+                    </a:rPr>
+                    <a:t> to </a:t>
+                  </a:r>
+                  <a:r>
+                    <a:rPr lang="fr-FR" sz="3200" dirty="0" err="1">
+                      <a:solidFill>
+                        <a:srgbClr val="37322F"/>
+                      </a:solidFill>
+                      <a:latin typeface="Gill Sans Nova" panose="020B0602020104020203" pitchFamily="34" charset="0"/>
+                    </a:rPr>
+                    <a:t>increase</a:t>
+                  </a:r>
+                  <a:r>
+                    <a:rPr lang="fr-FR" sz="3200" dirty="0">
+                      <a:solidFill>
+                        <a:srgbClr val="37322F"/>
+                      </a:solidFill>
+                      <a:latin typeface="Gill Sans Nova" panose="020B0602020104020203" pitchFamily="34" charset="0"/>
+                    </a:rPr>
+                    <a:t> the </a:t>
+                  </a:r>
+                  <a:r>
+                    <a:rPr lang="fr-FR" sz="3200" dirty="0" err="1">
+                      <a:solidFill>
+                        <a:srgbClr val="37322F"/>
+                      </a:solidFill>
+                      <a:latin typeface="Gill Sans Nova" panose="020B0602020104020203" pitchFamily="34" charset="0"/>
+                    </a:rPr>
+                    <a:t>optical</a:t>
+                  </a:r>
+                  <a:r>
+                    <a:rPr lang="fr-FR" sz="3200" dirty="0">
+                      <a:solidFill>
+                        <a:srgbClr val="37322F"/>
+                      </a:solidFill>
+                      <a:latin typeface="Gill Sans Nova" panose="020B0602020104020203" pitchFamily="34" charset="0"/>
+                    </a:rPr>
+                    <a:t> index and </a:t>
+                  </a:r>
+                  <a:r>
+                    <a:rPr lang="fr-FR" sz="3200" dirty="0" err="1">
+                      <a:solidFill>
+                        <a:srgbClr val="37322F"/>
+                      </a:solidFill>
+                      <a:latin typeface="Gill Sans Nova" panose="020B0602020104020203" pitchFamily="34" charset="0"/>
+                    </a:rPr>
+                    <a:t>then</a:t>
+                  </a:r>
+                  <a:r>
+                    <a:rPr lang="fr-FR" sz="3200" dirty="0">
+                      <a:solidFill>
+                        <a:srgbClr val="37322F"/>
+                      </a:solidFill>
+                      <a:latin typeface="Gill Sans Nova" panose="020B0602020104020203" pitchFamily="34" charset="0"/>
+                    </a:rPr>
+                    <a:t> </a:t>
+                  </a:r>
+                  <a:r>
+                    <a:rPr lang="fr-FR" sz="3200" dirty="0" err="1">
+                      <a:solidFill>
+                        <a:srgbClr val="37322F"/>
+                      </a:solidFill>
+                      <a:latin typeface="Gill Sans Nova" panose="020B0602020104020203" pitchFamily="34" charset="0"/>
+                    </a:rPr>
+                    <a:t>induce</a:t>
+                  </a:r>
+                  <a:r>
+                    <a:rPr lang="fr-FR" sz="3200" dirty="0">
+                      <a:solidFill>
+                        <a:srgbClr val="37322F"/>
+                      </a:solidFill>
+                      <a:latin typeface="Gill Sans Nova" panose="020B0602020104020203" pitchFamily="34" charset="0"/>
+                    </a:rPr>
+                    <a:t> an </a:t>
+                  </a:r>
+                  <a:r>
+                    <a:rPr lang="fr-FR" sz="3200" dirty="0" err="1">
+                      <a:solidFill>
+                        <a:srgbClr val="37322F"/>
+                      </a:solidFill>
+                      <a:latin typeface="Gill Sans Nova" panose="020B0602020104020203" pitchFamily="34" charset="0"/>
+                    </a:rPr>
+                    <a:t>artificial</a:t>
+                  </a:r>
+                  <a:r>
+                    <a:rPr lang="fr-FR" sz="3200" dirty="0">
+                      <a:solidFill>
+                        <a:srgbClr val="37322F"/>
+                      </a:solidFill>
+                      <a:latin typeface="Gill Sans Nova" panose="020B0602020104020203" pitchFamily="34" charset="0"/>
+                    </a:rPr>
+                    <a:t> OPD. </a:t>
+                  </a:r>
+                  <a:r>
+                    <a:rPr lang="fr-FR" sz="3200" dirty="0" err="1">
+                      <a:solidFill>
+                        <a:srgbClr val="37322F"/>
+                      </a:solidFill>
+                      <a:latin typeface="Gill Sans Nova" panose="020B0602020104020203" pitchFamily="34" charset="0"/>
+                    </a:rPr>
+                    <a:t>Thanks</a:t>
+                  </a:r>
+                  <a:r>
+                    <a:rPr lang="fr-FR" sz="3200" dirty="0">
+                      <a:solidFill>
+                        <a:srgbClr val="37322F"/>
+                      </a:solidFill>
+                      <a:latin typeface="Gill Sans Nova" panose="020B0602020104020203" pitchFamily="34" charset="0"/>
+                    </a:rPr>
+                    <a:t> to the </a:t>
+                  </a:r>
+                  <a:r>
+                    <a:rPr lang="fr-FR" sz="3200" dirty="0" err="1">
+                      <a:solidFill>
+                        <a:srgbClr val="37322F"/>
+                      </a:solidFill>
+                      <a:latin typeface="Gill Sans Nova" panose="020B0602020104020203" pitchFamily="34" charset="0"/>
+                    </a:rPr>
+                    <a:t>compactness</a:t>
+                  </a:r>
+                  <a:r>
+                    <a:rPr lang="fr-FR" sz="3200" dirty="0">
+                      <a:solidFill>
+                        <a:srgbClr val="37322F"/>
+                      </a:solidFill>
+                      <a:latin typeface="Gill Sans Nova" panose="020B0602020104020203" pitchFamily="34" charset="0"/>
+                    </a:rPr>
+                    <a:t> of </a:t>
+                  </a:r>
+                  <a:r>
+                    <a:rPr lang="fr-FR" sz="3200" dirty="0" err="1">
+                      <a:solidFill>
+                        <a:srgbClr val="37322F"/>
+                      </a:solidFill>
+                      <a:latin typeface="Gill Sans Nova" panose="020B0602020104020203" pitchFamily="34" charset="0"/>
+                    </a:rPr>
+                    <a:t>such</a:t>
+                  </a:r>
+                  <a:r>
+                    <a:rPr lang="fr-FR" sz="3200" dirty="0">
+                      <a:solidFill>
+                        <a:srgbClr val="37322F"/>
+                      </a:solidFill>
+                      <a:latin typeface="Gill Sans Nova" panose="020B0602020104020203" pitchFamily="34" charset="0"/>
+                    </a:rPr>
+                    <a:t> </a:t>
+                  </a:r>
+                  <a:r>
+                    <a:rPr lang="fr-FR" sz="3200" dirty="0" err="1">
+                      <a:solidFill>
+                        <a:srgbClr val="37322F"/>
+                      </a:solidFill>
+                      <a:latin typeface="Gill Sans Nova" panose="020B0602020104020203" pitchFamily="34" charset="0"/>
+                    </a:rPr>
+                    <a:t>systems</a:t>
+                  </a:r>
+                  <a:r>
+                    <a:rPr lang="fr-FR" sz="3200" dirty="0">
+                      <a:solidFill>
+                        <a:srgbClr val="37322F"/>
+                      </a:solidFill>
+                      <a:latin typeface="Gill Sans Nova" panose="020B0602020104020203" pitchFamily="34" charset="0"/>
+                    </a:rPr>
+                    <a:t>, the </a:t>
+                  </a:r>
+                  <a:r>
+                    <a:rPr lang="fr-FR" sz="3200" dirty="0" err="1">
+                      <a:solidFill>
+                        <a:srgbClr val="37322F"/>
+                      </a:solidFill>
+                      <a:latin typeface="Gill Sans Nova" panose="020B0602020104020203" pitchFamily="34" charset="0"/>
+                    </a:rPr>
+                    <a:t>heat</a:t>
+                  </a:r>
+                  <a:r>
+                    <a:rPr lang="fr-FR" sz="3200" dirty="0">
+                      <a:solidFill>
+                        <a:srgbClr val="37322F"/>
+                      </a:solidFill>
+                      <a:latin typeface="Gill Sans Nova" panose="020B0602020104020203" pitchFamily="34" charset="0"/>
+                    </a:rPr>
+                    <a:t> transfert </a:t>
+                  </a:r>
+                  <a:r>
+                    <a:rPr lang="fr-FR" sz="3200" dirty="0" err="1">
+                      <a:solidFill>
+                        <a:srgbClr val="37322F"/>
+                      </a:solidFill>
+                      <a:latin typeface="Gill Sans Nova" panose="020B0602020104020203" pitchFamily="34" charset="0"/>
+                    </a:rPr>
+                    <a:t>is</a:t>
+                  </a:r>
+                  <a:r>
+                    <a:rPr lang="fr-FR" sz="3200" dirty="0">
+                      <a:solidFill>
+                        <a:srgbClr val="37322F"/>
+                      </a:solidFill>
+                      <a:latin typeface="Gill Sans Nova" panose="020B0602020104020203" pitchFamily="34" charset="0"/>
+                    </a:rPr>
+                    <a:t> fast </a:t>
+                  </a:r>
+                  <a:r>
+                    <a:rPr lang="fr-FR" sz="3200" dirty="0" err="1">
+                      <a:solidFill>
+                        <a:srgbClr val="37322F"/>
+                      </a:solidFill>
+                      <a:latin typeface="Gill Sans Nova" panose="020B0602020104020203" pitchFamily="34" charset="0"/>
+                    </a:rPr>
+                    <a:t>enough</a:t>
+                  </a:r>
+                  <a:r>
+                    <a:rPr lang="fr-FR" sz="3200" dirty="0">
+                      <a:solidFill>
+                        <a:srgbClr val="37322F"/>
+                      </a:solidFill>
+                      <a:latin typeface="Gill Sans Nova" panose="020B0602020104020203" pitchFamily="34" charset="0"/>
+                    </a:rPr>
+                    <a:t> to have </a:t>
+                  </a:r>
+                  <a:r>
+                    <a:rPr lang="fr-FR" sz="3200" dirty="0" err="1">
+                      <a:solidFill>
+                        <a:srgbClr val="37322F"/>
+                      </a:solidFill>
+                      <a:latin typeface="Gill Sans Nova" panose="020B0602020104020203" pitchFamily="34" charset="0"/>
+                    </a:rPr>
+                    <a:t>response</a:t>
+                  </a:r>
+                  <a:r>
+                    <a:rPr lang="fr-FR" sz="3200" dirty="0">
+                      <a:solidFill>
+                        <a:srgbClr val="37322F"/>
+                      </a:solidFill>
+                      <a:latin typeface="Gill Sans Nova" panose="020B0602020104020203" pitchFamily="34" charset="0"/>
+                    </a:rPr>
+                    <a:t> time of about </a:t>
                   </a:r>
                   <a14:m>
                     <m:oMath xmlns:m="http://schemas.openxmlformats.org/officeDocument/2006/math">
-                      <m:r>
-                        <a:rPr lang="fr-FR" sz="3200" b="0" i="1" smtClean="0">
-                          <a:solidFill>
-                            <a:srgbClr val="37322F"/>
-                          </a:solidFill>
-                          <a:latin typeface="Cambria Math" panose="02040503050406030204" pitchFamily="18" charset="0"/>
-                        </a:rPr>
-                        <m:t>1</m:t>
-                      </m:r>
-                      <m:r>
-                        <a:rPr lang="fr-FR" sz="3200" b="0" i="1" smtClean="0">
-                          <a:solidFill>
-                            <a:srgbClr val="37322F"/>
-                          </a:solidFill>
-                          <a:latin typeface="Cambria Math" panose="02040503050406030204" pitchFamily="18" charset="0"/>
-                        </a:rPr>
-                        <m:t>.</m:t>
-                      </m:r>
-                      <m:r>
-                        <a:rPr lang="fr-FR" sz="3200" b="0" i="1" smtClean="0">
-                          <a:solidFill>
-                            <a:srgbClr val="37322F"/>
-                          </a:solidFill>
-                          <a:latin typeface="Cambria Math" panose="02040503050406030204" pitchFamily="18" charset="0"/>
-                        </a:rPr>
-                        <m:t>65</m:t>
-                      </m:r>
-                      <m:r>
-                        <a:rPr lang="fr-FR" sz="3200" b="0" i="1" smtClean="0">
-                          <a:solidFill>
-                            <a:srgbClr val="37322F"/>
-                          </a:solidFill>
-                          <a:latin typeface="Cambria Math" panose="02040503050406030204" pitchFamily="18" charset="0"/>
-                        </a:rPr>
-                        <m:t>𝜇</m:t>
-                      </m:r>
-                      <m:r>
-                        <a:rPr lang="fr-FR" sz="3200" b="0" i="1" smtClean="0">
-                          <a:solidFill>
-                            <a:srgbClr val="37322F"/>
-                          </a:solidFill>
-                          <a:latin typeface="Cambria Math" panose="02040503050406030204" pitchFamily="18" charset="0"/>
-                        </a:rPr>
-                        <m:t>𝑚</m:t>
-                      </m:r>
-                    </m:oMath>
-                  </a14:m>
-                  <a:endParaRPr lang="fr-FR" sz="3200" dirty="0">
-                    <a:solidFill>
-                      <a:srgbClr val="37322F"/>
-                    </a:solidFill>
-                    <a:latin typeface="Gill Sans Nova" panose="020B0602020104020203" pitchFamily="34" charset="0"/>
-                  </a:endParaRPr>
-                </a:p>
-                <a:p>
-                  <a:pPr marL="0" marR="0" lvl="0" indent="0" algn="l" defTabSz="457200" rtl="0" eaLnBrk="1" fontAlgn="auto" latinLnBrk="0" hangingPunct="1">
-                    <a:lnSpc>
-                      <a:spcPct val="100000"/>
-                    </a:lnSpc>
-                    <a:spcBef>
-                      <a:spcPts val="0"/>
-                    </a:spcBef>
-                    <a:spcAft>
-                      <a:spcPts val="0"/>
-                    </a:spcAft>
-                    <a:buClrTx/>
-                    <a:buSzTx/>
-                    <a:buFontTx/>
-                    <a:buNone/>
-                    <a:tabLst/>
-                    <a:defRPr/>
-                  </a:pPr>
-                  <a:r>
-                    <a:rPr lang="fr-FR" sz="3200" dirty="0">
-                      <a:solidFill>
-                        <a:srgbClr val="37322F"/>
-                      </a:solidFill>
-                      <a:latin typeface="Gill Sans Nova" panose="020B0602020104020203" pitchFamily="34" charset="0"/>
-                    </a:rPr>
-                    <a:t>- </a:t>
-                  </a:r>
-                  <a:r>
-                    <a:rPr lang="fr-FR" sz="3200" dirty="0" err="1">
-                      <a:solidFill>
-                        <a:srgbClr val="37322F"/>
-                      </a:solidFill>
-                      <a:latin typeface="Gill Sans Nova" panose="020B0602020104020203" pitchFamily="34" charset="0"/>
-                    </a:rPr>
-                    <a:t>Response</a:t>
-                  </a:r>
-                  <a:r>
-                    <a:rPr lang="fr-FR" sz="3200" dirty="0">
-                      <a:solidFill>
-                        <a:srgbClr val="37322F"/>
-                      </a:solidFill>
-                      <a:latin typeface="Gill Sans Nova" panose="020B0602020104020203" pitchFamily="34" charset="0"/>
-                    </a:rPr>
-                    <a:t> time: </a:t>
-                  </a:r>
-                  <a14:m>
-                    <m:oMath xmlns:m="http://schemas.openxmlformats.org/officeDocument/2006/math">
-                      <m:r>
-                        <a:rPr lang="fr-FR" sz="3200" b="0" i="1" smtClean="0">
-                          <a:solidFill>
-                            <a:srgbClr val="37322F"/>
-                          </a:solidFill>
-                          <a:latin typeface="Cambria Math" panose="02040503050406030204" pitchFamily="18" charset="0"/>
-                        </a:rPr>
-                        <m:t>&lt;</m:t>
-                      </m:r>
                       <m:r>
                         <a:rPr lang="fr-FR" sz="3200" b="0" i="1" smtClean="0">
                           <a:solidFill>
@@ -3355,11 +3666,199 @@
                       </m:r>
                     </m:oMath>
                   </a14:m>
-                  <a:endParaRPr lang="fr-FR" dirty="0">
+                  <a:r>
+                    <a:rPr lang="fr-FR" sz="3200" dirty="0">
+                      <a:solidFill>
+                        <a:srgbClr val="37322F"/>
+                      </a:solidFill>
+                      <a:latin typeface="Gill Sans Nova" panose="020B0602020104020203" pitchFamily="34" charset="0"/>
+                    </a:rPr>
+                    <a:t>. </a:t>
+                  </a:r>
+                  <a:r>
+                    <a:rPr lang="fr-FR" sz="3200" dirty="0" err="1">
+                      <a:solidFill>
+                        <a:srgbClr val="37322F"/>
+                      </a:solidFill>
+                      <a:latin typeface="Gill Sans Nova" panose="020B0602020104020203" pitchFamily="34" charset="0"/>
+                    </a:rPr>
+                    <a:t>These</a:t>
+                  </a:r>
+                  <a:r>
+                    <a:rPr lang="fr-FR" sz="3200" dirty="0">
+                      <a:solidFill>
+                        <a:srgbClr val="37322F"/>
+                      </a:solidFill>
+                      <a:latin typeface="Gill Sans Nova" panose="020B0602020104020203" pitchFamily="34" charset="0"/>
+                    </a:rPr>
+                    <a:t> </a:t>
+                  </a:r>
+                  <a:r>
+                    <a:rPr lang="fr-FR" sz="3200" dirty="0" err="1">
+                      <a:solidFill>
+                        <a:srgbClr val="37322F"/>
+                      </a:solidFill>
+                      <a:latin typeface="Gill Sans Nova" panose="020B0602020104020203" pitchFamily="34" charset="0"/>
+                    </a:rPr>
+                    <a:t>shifters</a:t>
+                  </a:r>
+                  <a:r>
+                    <a:rPr lang="fr-FR" sz="3200" dirty="0">
+                      <a:solidFill>
+                        <a:srgbClr val="37322F"/>
+                      </a:solidFill>
+                      <a:latin typeface="Gill Sans Nova" panose="020B0602020104020203" pitchFamily="34" charset="0"/>
+                    </a:rPr>
+                    <a:t> have been </a:t>
+                  </a:r>
+                  <a:r>
+                    <a:rPr lang="fr-FR" sz="3200" dirty="0" err="1">
+                      <a:solidFill>
+                        <a:srgbClr val="37322F"/>
+                      </a:solidFill>
+                      <a:latin typeface="Gill Sans Nova" panose="020B0602020104020203" pitchFamily="34" charset="0"/>
+                    </a:rPr>
+                    <a:t>designed</a:t>
+                  </a:r>
+                  <a:r>
+                    <a:rPr lang="fr-FR" sz="3200" dirty="0">
+                      <a:solidFill>
+                        <a:srgbClr val="37322F"/>
+                      </a:solidFill>
+                      <a:latin typeface="Gill Sans Nova" panose="020B0602020104020203" pitchFamily="34" charset="0"/>
+                    </a:rPr>
+                    <a:t> to </a:t>
+                  </a:r>
+                  <a:r>
+                    <a:rPr lang="fr-FR" sz="3200" dirty="0" err="1">
+                      <a:solidFill>
+                        <a:srgbClr val="37322F"/>
+                      </a:solidFill>
+                      <a:latin typeface="Gill Sans Nova" panose="020B0602020104020203" pitchFamily="34" charset="0"/>
+                    </a:rPr>
+                    <a:t>work</a:t>
+                  </a:r>
+                  <a:r>
+                    <a:rPr lang="fr-FR" sz="3200" dirty="0">
+                      <a:solidFill>
+                        <a:srgbClr val="37322F"/>
+                      </a:solidFill>
+                      <a:latin typeface="Gill Sans Nova" panose="020B0602020104020203" pitchFamily="34" charset="0"/>
+                    </a:rPr>
+                    <a:t> </a:t>
+                  </a:r>
+                  <a:r>
+                    <a:rPr lang="fr-FR" sz="3200" dirty="0" err="1">
+                      <a:solidFill>
+                        <a:srgbClr val="37322F"/>
+                      </a:solidFill>
+                      <a:latin typeface="Gill Sans Nova" panose="020B0602020104020203" pitchFamily="34" charset="0"/>
+                    </a:rPr>
+                    <a:t>optimally</a:t>
+                  </a:r>
+                  <a:r>
+                    <a:rPr lang="fr-FR" sz="3200" dirty="0">
+                      <a:solidFill>
+                        <a:srgbClr val="37322F"/>
+                      </a:solidFill>
+                      <a:latin typeface="Gill Sans Nova" panose="020B0602020104020203" pitchFamily="34" charset="0"/>
+                    </a:rPr>
+                    <a:t> at</a:t>
+                  </a:r>
+                  <a:br>
+                    <a:rPr lang="fr-FR" sz="3200" dirty="0">
+                      <a:solidFill>
+                        <a:srgbClr val="37322F"/>
+                      </a:solidFill>
+                      <a:latin typeface="Gill Sans Nova" panose="020B0602020104020203" pitchFamily="34" charset="0"/>
+                    </a:rPr>
+                  </a:br>
+                  <a14:m>
+                    <m:oMathPara xmlns:m="http://schemas.openxmlformats.org/officeDocument/2006/math">
+                      <m:oMathParaPr>
+                        <m:jc m:val="left"/>
+                      </m:oMathParaPr>
+                      <m:oMath xmlns:m="http://schemas.openxmlformats.org/officeDocument/2006/math">
+                        <m:r>
+                          <a:rPr lang="fr-FR" sz="3200" b="0" i="1" smtClean="0">
+                            <a:solidFill>
+                              <a:srgbClr val="37322F"/>
+                            </a:solidFill>
+                            <a:latin typeface="Cambria Math" panose="02040503050406030204" pitchFamily="18" charset="0"/>
+                          </a:rPr>
+                          <m:t>𝜆</m:t>
+                        </m:r>
+                        <m:r>
+                          <a:rPr lang="fr-FR" sz="3200" b="0" i="1" smtClean="0">
+                            <a:solidFill>
+                              <a:srgbClr val="37322F"/>
+                            </a:solidFill>
+                            <a:latin typeface="Cambria Math" panose="02040503050406030204" pitchFamily="18" charset="0"/>
+                          </a:rPr>
+                          <m:t>=</m:t>
+                        </m:r>
+                        <m:r>
+                          <a:rPr lang="fr-FR" sz="3200" b="0" i="1" smtClean="0">
+                            <a:solidFill>
+                              <a:srgbClr val="37322F"/>
+                            </a:solidFill>
+                            <a:latin typeface="Cambria Math" panose="02040503050406030204" pitchFamily="18" charset="0"/>
+                          </a:rPr>
+                          <m:t>1</m:t>
+                        </m:r>
+                        <m:r>
+                          <a:rPr lang="fr-FR" sz="3200" b="0" i="1" smtClean="0">
+                            <a:solidFill>
+                              <a:srgbClr val="37322F"/>
+                            </a:solidFill>
+                            <a:latin typeface="Cambria Math" panose="02040503050406030204" pitchFamily="18" charset="0"/>
+                          </a:rPr>
+                          <m:t>.</m:t>
+                        </m:r>
+                        <m:r>
+                          <a:rPr lang="fr-FR" sz="3200" b="0" i="1" smtClean="0">
+                            <a:solidFill>
+                              <a:srgbClr val="37322F"/>
+                            </a:solidFill>
+                            <a:latin typeface="Cambria Math" panose="02040503050406030204" pitchFamily="18" charset="0"/>
+                          </a:rPr>
+                          <m:t>65</m:t>
+                        </m:r>
+                        <m:r>
+                          <a:rPr lang="fr-FR" sz="3200" b="0" i="1" smtClean="0">
+                            <a:solidFill>
+                              <a:srgbClr val="37322F"/>
+                            </a:solidFill>
+                            <a:latin typeface="Cambria Math" panose="02040503050406030204" pitchFamily="18" charset="0"/>
+                          </a:rPr>
+                          <m:t> </m:t>
+                        </m:r>
+                        <m:r>
+                          <a:rPr lang="fr-FR" sz="3200" b="0" i="1" smtClean="0">
+                            <a:solidFill>
+                              <a:srgbClr val="37322F"/>
+                            </a:solidFill>
+                            <a:latin typeface="Cambria Math" panose="02040503050406030204" pitchFamily="18" charset="0"/>
+                          </a:rPr>
+                          <m:t>𝜇</m:t>
+                        </m:r>
+                        <m:r>
+                          <a:rPr lang="fr-FR" sz="3200" b="0" i="1" smtClean="0">
+                            <a:solidFill>
+                              <a:srgbClr val="37322F"/>
+                            </a:solidFill>
+                            <a:latin typeface="Cambria Math" panose="02040503050406030204" pitchFamily="18" charset="0"/>
+                          </a:rPr>
+                          <m:t>𝑚</m:t>
+                        </m:r>
+                      </m:oMath>
+                    </m:oMathPara>
+                  </a14:m>
+                  <a:endParaRPr lang="fr-FR" sz="3200" dirty="0">
                     <a:solidFill>
                       <a:srgbClr val="37322F"/>
                     </a:solidFill>
-                    <a:latin typeface="Aptos" panose="02110004020202020204"/>
+                    <a:latin typeface="Gill Sans Nova" panose="020B0602020104020203" pitchFamily="34" charset="0"/>
                   </a:endParaRPr>
                 </a:p>
                 <a:p>
@@ -3412,13 +3911,13 @@
                 </a:xfrm>
                 <a:prstGeom prst="roundRect">
                   <a:avLst>
-                    <a:gd name="adj" fmla="val 13558"/>
+                    <a:gd name="adj" fmla="val 10750"/>
                   </a:avLst>
                 </a:prstGeom>
                 <a:blipFill>
                   <a:blip r:embed="rId2"/>
                   <a:stretch>
-                    <a:fillRect/>
+                    <a:fillRect r="-242"/>
                   </a:stretch>
                 </a:blipFill>
                 <a:ln>
@@ -3455,9 +3954,9 @@
           <p:grpSpPr>
             <a:xfrm>
               <a:off x="442451" y="9259890"/>
-              <a:ext cx="31514387" cy="28698741"/>
+              <a:ext cx="31514387" cy="28698745"/>
               <a:chOff x="442451" y="9259890"/>
-              <a:chExt cx="31514387" cy="28698741"/>
+              <a:chExt cx="31514387" cy="28698745"/>
             </a:xfrm>
           </p:grpSpPr>
           <p:grpSp>
@@ -3475,9 +3974,9 @@
             <p:grpSpPr>
               <a:xfrm>
                 <a:off x="442451" y="9259890"/>
-                <a:ext cx="31514387" cy="28698741"/>
+                <a:ext cx="31514387" cy="28698745"/>
                 <a:chOff x="442451" y="9259890"/>
-                <a:chExt cx="31514387" cy="28698741"/>
+                <a:chExt cx="31514387" cy="28698745"/>
               </a:xfrm>
             </p:grpSpPr>
             <p:grpSp>
@@ -3495,9 +3994,9 @@
               <p:grpSpPr>
                 <a:xfrm>
                   <a:off x="442451" y="9259890"/>
-                  <a:ext cx="31514387" cy="28698741"/>
+                  <a:ext cx="31514387" cy="28698745"/>
                   <a:chOff x="522107" y="7597170"/>
-                  <a:chExt cx="31514387" cy="28833164"/>
+                  <a:chExt cx="31514387" cy="28833168"/>
                 </a:xfrm>
               </p:grpSpPr>
               <p:grpSp>
@@ -3515,9 +4014,9 @@
                 <p:grpSpPr>
                   <a:xfrm>
                     <a:off x="522108" y="7597170"/>
-                    <a:ext cx="31514386" cy="28833164"/>
+                    <a:ext cx="31514386" cy="28833168"/>
                     <a:chOff x="244827" y="7313550"/>
-                    <a:chExt cx="28568459" cy="7097110"/>
+                    <a:chExt cx="28568459" cy="7097111"/>
                   </a:xfrm>
                 </p:grpSpPr>
                 <p:sp>
@@ -3541,7 +4040,7 @@
                     </a:xfrm>
                     <a:prstGeom prst="roundRect">
                       <a:avLst>
-                        <a:gd name="adj" fmla="val 22626"/>
+                        <a:gd name="adj" fmla="val 17706"/>
                       </a:avLst>
                     </a:prstGeom>
                     <a:solidFill>
@@ -3652,7 +4151,7 @@
                           <a:latin typeface="Gill Sans Nova" panose="020B0602020104020203" pitchFamily="34" charset="0"/>
                           <a:cs typeface="Aharoni" panose="020F0502020204030204" pitchFamily="2" charset="-79"/>
                         </a:rPr>
-                        <a:t>. By integrating 14 active phase shifters, it aims to mitigate phase aberrations caused by manufacturing defects. An algorithm is developed to optimize device performance, validated through simulations and lab experiments. A second phase consist in analyzing intensity distributions produced by Kernel-</a:t>
+                        <a:t>. By integrating 14 active phase shifters, we aim to mitigate phase aberrations caused by manufacturing defects. An algorithm is developed to optimize device performance, validated through simulations and lab experiments. A second phase consist in analyzing intensity distributions produced by Kernel-</a:t>
                       </a:r>
                       <a:r>
                         <a:rPr lang="en-US" sz="3200" dirty="0" err="1">
@@ -3700,12 +4199,12 @@
                   </p:nvSpPr>
                   <p:spPr>
                     <a:xfrm>
-                      <a:off x="9885722" y="11481227"/>
-                      <a:ext cx="9363479" cy="2929433"/>
+                      <a:off x="9885722" y="10434827"/>
+                      <a:ext cx="9363479" cy="3975834"/>
                     </a:xfrm>
                     <a:prstGeom prst="roundRect">
                       <a:avLst>
-                        <a:gd name="adj" fmla="val 11134"/>
+                        <a:gd name="adj" fmla="val 8279"/>
                       </a:avLst>
                     </a:prstGeom>
                     <a:solidFill>
@@ -3779,8 +4278,8 @@
                     </a:p>
                     <a:p>
                       <a:pPr marL="457200" indent="-457200">
-                        <a:buFontTx/>
-                        <a:buChar char="-"/>
+                        <a:buFont typeface="Arial" panose="020B0604020202020204" pitchFamily="34" charset="0"/>
+                        <a:buChar char="•"/>
                       </a:pPr>
                       <a:r>
                         <a:rPr lang="fr-FR" sz="3200" dirty="0">
@@ -3794,8 +4293,8 @@
                     </a:p>
                     <a:p>
                       <a:pPr marL="457200" indent="-457200">
-                        <a:buFontTx/>
-                        <a:buChar char="-"/>
+                        <a:buFont typeface="Arial" panose="020B0604020202020204" pitchFamily="34" charset="0"/>
+                        <a:buChar char="•"/>
                       </a:pPr>
                       <a:r>
                         <a:rPr lang="fr-FR" sz="3200" dirty="0" err="1">
@@ -3815,8 +4314,8 @@
                     </a:p>
                     <a:p>
                       <a:pPr marL="457200" indent="-457200">
-                        <a:buFontTx/>
-                        <a:buChar char="-"/>
+                        <a:buFont typeface="Arial" panose="020B0604020202020204" pitchFamily="34" charset="0"/>
+                        <a:buChar char="•"/>
                       </a:pPr>
                       <a:r>
                         <a:rPr lang="fr-FR" sz="3200" dirty="0">
@@ -3830,8 +4329,8 @@
                     </a:p>
                     <a:p>
                       <a:pPr marL="457200" indent="-457200">
-                        <a:buFontTx/>
-                        <a:buChar char="-"/>
+                        <a:buFont typeface="Arial" panose="020B0604020202020204" pitchFamily="34" charset="0"/>
+                        <a:buChar char="•"/>
                       </a:pPr>
                       <a:r>
                         <a:rPr lang="fr-FR" sz="3200" dirty="0">
@@ -3878,7 +4377,7 @@
                     </a:xfrm>
                     <a:prstGeom prst="roundRect">
                       <a:avLst>
-                        <a:gd name="adj" fmla="val 10421"/>
+                        <a:gd name="adj" fmla="val 8076"/>
                       </a:avLst>
                     </a:prstGeom>
                     <a:solidFill>
@@ -4034,8 +4533,8 @@
                         </a:spcAft>
                         <a:buClrTx/>
                         <a:buSzTx/>
-                        <a:buFontTx/>
-                        <a:buChar char="-"/>
+                        <a:buFont typeface="Arial" panose="020B0604020202020204" pitchFamily="34" charset="0"/>
+                        <a:buChar char="•"/>
                         <a:tabLst/>
                         <a:defRPr/>
                       </a:pPr>
@@ -4070,8 +4569,8 @@
                         </a:spcAft>
                         <a:buClrTx/>
                         <a:buSzTx/>
-                        <a:buFontTx/>
-                        <a:buChar char="-"/>
+                        <a:buFont typeface="Arial" panose="020B0604020202020204" pitchFamily="34" charset="0"/>
+                        <a:buChar char="•"/>
                         <a:tabLst/>
                         <a:defRPr/>
                       </a:pPr>
@@ -4098,8 +4597,8 @@
                         </a:spcAft>
                         <a:buClrTx/>
                         <a:buSzTx/>
-                        <a:buFontTx/>
-                        <a:buChar char="-"/>
+                        <a:buFont typeface="Arial" panose="020B0604020202020204" pitchFamily="34" charset="0"/>
+                        <a:buChar char="•"/>
                         <a:tabLst/>
                         <a:defRPr/>
                       </a:pPr>
@@ -4187,7 +4686,7 @@
                   </a:xfrm>
                   <a:prstGeom prst="roundRect">
                     <a:avLst>
-                      <a:gd name="adj" fmla="val 10988"/>
+                      <a:gd name="adj" fmla="val 8643"/>
                     </a:avLst>
                   </a:prstGeom>
                   <a:solidFill>
@@ -4235,7 +4734,7 @@
                       <a:defRPr/>
                     </a:pPr>
                     <a:r>
-                      <a:rPr kumimoji="0" lang="en-US" sz="4800" b="0" i="0" u="none" strike="noStrike" kern="1200" cap="none" spc="0" normalizeH="0" baseline="0" noProof="0" dirty="0" err="1">
+                      <a:rPr kumimoji="0" lang="en-US" sz="4800" b="0" i="0" u="none" strike="noStrike" kern="1200" cap="none" spc="0" normalizeH="0" baseline="0" noProof="0" dirty="0">
                         <a:ln>
                           <a:noFill/>
                         </a:ln>
@@ -4340,7 +4839,7 @@
                     </a:r>
                   </a:p>
                   <a:p>
-                    <a:pPr marL="0" marR="0" lvl="0" indent="0" algn="l" defTabSz="457200" rtl="0" eaLnBrk="1" fontAlgn="auto" latinLnBrk="0" hangingPunct="1">
+                    <a:pPr marR="0" lvl="0" defTabSz="457200" rtl="0" eaLnBrk="1" fontAlgn="auto" latinLnBrk="0" hangingPunct="1">
                       <a:lnSpc>
                         <a:spcPct val="100000"/>
                       </a:lnSpc>
@@ -4352,31 +4851,183 @@
                       </a:spcAft>
                       <a:buClrTx/>
                       <a:buSzTx/>
-                      <a:buFontTx/>
-                      <a:buNone/>
                       <a:tabLst/>
                       <a:defRPr/>
                     </a:pPr>
                     <a:r>
-                      <a:rPr kumimoji="0" lang="fr-FR" sz="3200" b="0" i="0" u="none" strike="noStrike" kern="1200" cap="none" spc="0" normalizeH="0" baseline="0" noProof="0" dirty="0">
-                        <a:ln>
-                          <a:noFill/>
-                        </a:ln>
+                      <a:rPr lang="fr-FR" sz="3200" dirty="0">
                         <a:solidFill>
                           <a:srgbClr val="37322F"/>
                         </a:solidFill>
-                        <a:effectLst/>
-                        <a:uLnTx/>
-                        <a:uFillTx/>
                         <a:latin typeface="Gill Sans Nova" panose="020B0602020104020203" pitchFamily="34" charset="0"/>
-                        <a:ea typeface="+mn-ea"/>
-                        <a:cs typeface="+mn-cs"/>
                       </a:rPr>
-                      <a:t>Blablabla</a:t>
+                      <a:t>This technique </a:t>
+                    </a:r>
+                    <a:r>
+                      <a:rPr lang="fr-FR" sz="3200" dirty="0" err="1">
+                        <a:solidFill>
+                          <a:srgbClr val="37322F"/>
+                        </a:solidFill>
+                        <a:latin typeface="Gill Sans Nova" panose="020B0602020104020203" pitchFamily="34" charset="0"/>
+                      </a:rPr>
+                      <a:t>consist</a:t>
+                    </a:r>
+                    <a:r>
+                      <a:rPr lang="fr-FR" sz="3200" dirty="0">
+                        <a:solidFill>
+                          <a:srgbClr val="37322F"/>
+                        </a:solidFill>
+                        <a:latin typeface="Gill Sans Nova" panose="020B0602020104020203" pitchFamily="34" charset="0"/>
+                      </a:rPr>
+                      <a:t> in </a:t>
+                    </a:r>
+                    <a:r>
+                      <a:rPr lang="fr-FR" sz="3200" dirty="0" err="1">
+                        <a:solidFill>
+                          <a:srgbClr val="37322F"/>
+                        </a:solidFill>
+                        <a:latin typeface="Gill Sans Nova" panose="020B0602020104020203" pitchFamily="34" charset="0"/>
+                      </a:rPr>
+                      <a:t>taking</a:t>
+                    </a:r>
+                    <a:r>
+                      <a:rPr lang="fr-FR" sz="3200" dirty="0">
+                        <a:solidFill>
+                          <a:srgbClr val="37322F"/>
+                        </a:solidFill>
+                        <a:latin typeface="Gill Sans Nova" panose="020B0602020104020203" pitchFamily="34" charset="0"/>
+                      </a:rPr>
+                      <a:t> </a:t>
+                    </a:r>
+                    <a:r>
+                      <a:rPr lang="fr-FR" sz="3200" dirty="0" err="1">
+                        <a:solidFill>
+                          <a:srgbClr val="37322F"/>
+                        </a:solidFill>
+                        <a:latin typeface="Gill Sans Nova" panose="020B0602020104020203" pitchFamily="34" charset="0"/>
+                      </a:rPr>
+                      <a:t>advantage</a:t>
+                    </a:r>
+                    <a:r>
+                      <a:rPr lang="fr-FR" sz="3200" dirty="0">
+                        <a:solidFill>
+                          <a:srgbClr val="37322F"/>
+                        </a:solidFill>
+                        <a:latin typeface="Gill Sans Nova" panose="020B0602020104020203" pitchFamily="34" charset="0"/>
+                      </a:rPr>
+                      <a:t> of the </a:t>
+                    </a:r>
+                    <a:r>
+                      <a:rPr lang="fr-FR" sz="3200" dirty="0" err="1">
+                        <a:solidFill>
+                          <a:srgbClr val="37322F"/>
+                        </a:solidFill>
+                        <a:latin typeface="Gill Sans Nova" panose="020B0602020104020203" pitchFamily="34" charset="0"/>
+                      </a:rPr>
+                      <a:t>angular</a:t>
+                    </a:r>
+                    <a:r>
+                      <a:rPr lang="fr-FR" sz="3200" dirty="0">
+                        <a:solidFill>
+                          <a:srgbClr val="37322F"/>
+                        </a:solidFill>
+                        <a:latin typeface="Gill Sans Nova" panose="020B0602020104020203" pitchFamily="34" charset="0"/>
+                      </a:rPr>
+                      <a:t> </a:t>
+                    </a:r>
+                    <a:r>
+                      <a:rPr lang="fr-FR" sz="3200" dirty="0" err="1">
+                        <a:solidFill>
+                          <a:srgbClr val="37322F"/>
+                        </a:solidFill>
+                        <a:latin typeface="Gill Sans Nova" panose="020B0602020104020203" pitchFamily="34" charset="0"/>
+                      </a:rPr>
+                      <a:t>separation</a:t>
+                    </a:r>
+                    <a:r>
+                      <a:rPr lang="fr-FR" sz="3200" dirty="0">
+                        <a:solidFill>
+                          <a:srgbClr val="37322F"/>
+                        </a:solidFill>
+                        <a:latin typeface="Gill Sans Nova" panose="020B0602020104020203" pitchFamily="34" charset="0"/>
+                      </a:rPr>
+                      <a:t> and the </a:t>
+                    </a:r>
+                    <a:r>
+                      <a:rPr lang="fr-FR" sz="3200" dirty="0" err="1">
+                        <a:solidFill>
+                          <a:srgbClr val="37322F"/>
+                        </a:solidFill>
+                        <a:latin typeface="Gill Sans Nova" panose="020B0602020104020203" pitchFamily="34" charset="0"/>
+                      </a:rPr>
+                      <a:t>coherence</a:t>
+                    </a:r>
+                    <a:r>
+                      <a:rPr lang="fr-FR" sz="3200" dirty="0">
+                        <a:solidFill>
+                          <a:srgbClr val="37322F"/>
+                        </a:solidFill>
+                        <a:latin typeface="Gill Sans Nova" panose="020B0602020104020203" pitchFamily="34" charset="0"/>
+                      </a:rPr>
+                      <a:t> </a:t>
+                    </a:r>
+                    <a:r>
+                      <a:rPr lang="fr-FR" sz="3200" dirty="0" err="1">
+                        <a:solidFill>
+                          <a:srgbClr val="37322F"/>
+                        </a:solidFill>
+                        <a:latin typeface="Gill Sans Nova" panose="020B0602020104020203" pitchFamily="34" charset="0"/>
+                      </a:rPr>
+                      <a:t>properties</a:t>
+                    </a:r>
+                    <a:r>
+                      <a:rPr lang="fr-FR" sz="3200" dirty="0">
+                        <a:solidFill>
+                          <a:srgbClr val="37322F"/>
+                        </a:solidFill>
+                        <a:latin typeface="Gill Sans Nova" panose="020B0602020104020203" pitchFamily="34" charset="0"/>
+                      </a:rPr>
+                      <a:t> of the light to destroy the star light and combine the </a:t>
+                    </a:r>
+                    <a:r>
+                      <a:rPr lang="fr-FR" sz="3200" dirty="0" err="1">
+                        <a:solidFill>
+                          <a:srgbClr val="37322F"/>
+                        </a:solidFill>
+                        <a:latin typeface="Gill Sans Nova" panose="020B0602020104020203" pitchFamily="34" charset="0"/>
+                      </a:rPr>
+                      <a:t>planet</a:t>
+                    </a:r>
+                    <a:r>
+                      <a:rPr lang="fr-FR" sz="3200" dirty="0">
+                        <a:solidFill>
+                          <a:srgbClr val="37322F"/>
+                        </a:solidFill>
+                        <a:latin typeface="Gill Sans Nova" panose="020B0602020104020203" pitchFamily="34" charset="0"/>
+                      </a:rPr>
+                      <a:t> light in the </a:t>
+                    </a:r>
+                    <a:r>
+                      <a:rPr lang="fr-FR" sz="3200" dirty="0" err="1">
+                        <a:solidFill>
+                          <a:srgbClr val="37322F"/>
+                        </a:solidFill>
+                        <a:latin typeface="Gill Sans Nova" panose="020B0602020104020203" pitchFamily="34" charset="0"/>
+                      </a:rPr>
+                      <a:t>same</a:t>
+                    </a:r>
+                    <a:r>
+                      <a:rPr lang="fr-FR" sz="3200" dirty="0">
+                        <a:solidFill>
+                          <a:srgbClr val="37322F"/>
+                        </a:solidFill>
+                        <a:latin typeface="Gill Sans Nova" panose="020B0602020104020203" pitchFamily="34" charset="0"/>
+                      </a:rPr>
+                      <a:t> process.</a:t>
                     </a:r>
                   </a:p>
                   <a:p>
-                    <a:pPr marL="0" marR="0" lvl="0" indent="0" algn="ctr" defTabSz="457200" rtl="0" eaLnBrk="1" fontAlgn="auto" latinLnBrk="0" hangingPunct="1">
+                    <a:pPr marR="0" lvl="0" defTabSz="457200" rtl="0" eaLnBrk="1" fontAlgn="auto" latinLnBrk="0" hangingPunct="1">
                       <a:lnSpc>
                         <a:spcPct val="100000"/>
                       </a:lnSpc>
@@ -4388,12 +5039,10 @@
                       </a:spcAft>
                       <a:buClrTx/>
                       <a:buSzTx/>
-                      <a:buFontTx/>
-                      <a:buNone/>
                       <a:tabLst/>
                       <a:defRPr/>
                     </a:pPr>
-                    <a:endParaRPr kumimoji="0" lang="fr-FR" sz="1800" b="0" i="0" u="none" strike="noStrike" kern="1200" cap="none" spc="0" normalizeH="0" baseline="0" noProof="0" dirty="0">
+                    <a:endParaRPr kumimoji="0" lang="fr-FR" sz="3200" b="0" i="0" u="none" strike="noStrike" kern="1200" cap="none" spc="0" normalizeH="0" baseline="0" noProof="0" dirty="0">
                       <a:ln>
                         <a:noFill/>
                       </a:ln>
@@ -4403,9 +5052,658 @@
                       <a:effectLst/>
                       <a:uLnTx/>
                       <a:uFillTx/>
-                      <a:latin typeface="Aptos" panose="02110004020202020204"/>
-                      <a:ea typeface="+mn-ea"/>
-                      <a:cs typeface="+mn-cs"/>
+                      <a:latin typeface="Gill Sans Nova" panose="020B0602020104020203" pitchFamily="34" charset="0"/>
+                    </a:endParaRPr>
+                  </a:p>
+                  <a:p>
+                    <a:pPr marR="0" lvl="0" defTabSz="457200" rtl="0" eaLnBrk="1" fontAlgn="auto" latinLnBrk="0" hangingPunct="1">
+                      <a:lnSpc>
+                        <a:spcPct val="100000"/>
+                      </a:lnSpc>
+                      <a:spcBef>
+                        <a:spcPts val="0"/>
+                      </a:spcBef>
+                      <a:spcAft>
+                        <a:spcPts val="0"/>
+                      </a:spcAft>
+                      <a:buClrTx/>
+                      <a:buSzTx/>
+                      <a:tabLst/>
+                      <a:defRPr/>
+                    </a:pPr>
+                    <a:endParaRPr lang="fr-FR" sz="3200" dirty="0">
+                      <a:solidFill>
+                        <a:srgbClr val="37322F"/>
+                      </a:solidFill>
+                      <a:latin typeface="Gill Sans Nova" panose="020B0602020104020203" pitchFamily="34" charset="0"/>
+                    </a:endParaRPr>
+                  </a:p>
+                  <a:p>
+                    <a:pPr marR="0" lvl="0" defTabSz="457200" rtl="0" eaLnBrk="1" fontAlgn="auto" latinLnBrk="0" hangingPunct="1">
+                      <a:lnSpc>
+                        <a:spcPct val="100000"/>
+                      </a:lnSpc>
+                      <a:spcBef>
+                        <a:spcPts val="0"/>
+                      </a:spcBef>
+                      <a:spcAft>
+                        <a:spcPts val="0"/>
+                      </a:spcAft>
+                      <a:buClrTx/>
+                      <a:buSzTx/>
+                      <a:tabLst/>
+                      <a:defRPr/>
+                    </a:pPr>
+                    <a:endParaRPr kumimoji="0" lang="fr-FR" sz="3200" b="0" i="0" u="none" strike="noStrike" kern="1200" cap="none" spc="0" normalizeH="0" baseline="0" noProof="0" dirty="0">
+                      <a:ln>
+                        <a:noFill/>
+                      </a:ln>
+                      <a:solidFill>
+                        <a:srgbClr val="37322F"/>
+                      </a:solidFill>
+                      <a:effectLst/>
+                      <a:uLnTx/>
+                      <a:uFillTx/>
+                      <a:latin typeface="Gill Sans Nova" panose="020B0602020104020203" pitchFamily="34" charset="0"/>
+                    </a:endParaRPr>
+                  </a:p>
+                  <a:p>
+                    <a:pPr marR="0" lvl="0" defTabSz="457200" rtl="0" eaLnBrk="1" fontAlgn="auto" latinLnBrk="0" hangingPunct="1">
+                      <a:lnSpc>
+                        <a:spcPct val="100000"/>
+                      </a:lnSpc>
+                      <a:spcBef>
+                        <a:spcPts val="0"/>
+                      </a:spcBef>
+                      <a:spcAft>
+                        <a:spcPts val="0"/>
+                      </a:spcAft>
+                      <a:buClrTx/>
+                      <a:buSzTx/>
+                      <a:tabLst/>
+                      <a:defRPr/>
+                    </a:pPr>
+                    <a:endParaRPr lang="fr-FR" sz="3200" dirty="0">
+                      <a:solidFill>
+                        <a:srgbClr val="37322F"/>
+                      </a:solidFill>
+                      <a:latin typeface="Gill Sans Nova" panose="020B0602020104020203" pitchFamily="34" charset="0"/>
+                    </a:endParaRPr>
+                  </a:p>
+                  <a:p>
+                    <a:pPr marR="0" lvl="0" defTabSz="457200" rtl="0" eaLnBrk="1" fontAlgn="auto" latinLnBrk="0" hangingPunct="1">
+                      <a:lnSpc>
+                        <a:spcPct val="100000"/>
+                      </a:lnSpc>
+                      <a:spcBef>
+                        <a:spcPts val="0"/>
+                      </a:spcBef>
+                      <a:spcAft>
+                        <a:spcPts val="0"/>
+                      </a:spcAft>
+                      <a:buClrTx/>
+                      <a:buSzTx/>
+                      <a:tabLst/>
+                      <a:defRPr/>
+                    </a:pPr>
+                    <a:endParaRPr kumimoji="0" lang="fr-FR" sz="3200" b="0" i="0" u="none" strike="noStrike" kern="1200" cap="none" spc="0" normalizeH="0" baseline="0" noProof="0" dirty="0">
+                      <a:ln>
+                        <a:noFill/>
+                      </a:ln>
+                      <a:solidFill>
+                        <a:srgbClr val="37322F"/>
+                      </a:solidFill>
+                      <a:effectLst/>
+                      <a:uLnTx/>
+                      <a:uFillTx/>
+                      <a:latin typeface="Gill Sans Nova" panose="020B0602020104020203" pitchFamily="34" charset="0"/>
+                    </a:endParaRPr>
+                  </a:p>
+                  <a:p>
+                    <a:pPr marR="0" lvl="0" defTabSz="457200" rtl="0" eaLnBrk="1" fontAlgn="auto" latinLnBrk="0" hangingPunct="1">
+                      <a:lnSpc>
+                        <a:spcPct val="100000"/>
+                      </a:lnSpc>
+                      <a:spcBef>
+                        <a:spcPts val="0"/>
+                      </a:spcBef>
+                      <a:spcAft>
+                        <a:spcPts val="0"/>
+                      </a:spcAft>
+                      <a:buClrTx/>
+                      <a:buSzTx/>
+                      <a:tabLst/>
+                      <a:defRPr/>
+                    </a:pPr>
+                    <a:endParaRPr lang="fr-FR" sz="3200" dirty="0">
+                      <a:solidFill>
+                        <a:srgbClr val="37322F"/>
+                      </a:solidFill>
+                      <a:latin typeface="Gill Sans Nova" panose="020B0602020104020203" pitchFamily="34" charset="0"/>
+                    </a:endParaRPr>
+                  </a:p>
+                  <a:p>
+                    <a:pPr marR="0" lvl="0" defTabSz="457200" rtl="0" eaLnBrk="1" fontAlgn="auto" latinLnBrk="0" hangingPunct="1">
+                      <a:lnSpc>
+                        <a:spcPct val="100000"/>
+                      </a:lnSpc>
+                      <a:spcBef>
+                        <a:spcPts val="0"/>
+                      </a:spcBef>
+                      <a:spcAft>
+                        <a:spcPts val="0"/>
+                      </a:spcAft>
+                      <a:buClrTx/>
+                      <a:buSzTx/>
+                      <a:tabLst/>
+                      <a:defRPr/>
+                    </a:pPr>
+                    <a:endParaRPr kumimoji="0" lang="fr-FR" sz="3200" b="0" i="0" u="none" strike="noStrike" kern="1200" cap="none" spc="0" normalizeH="0" baseline="0" noProof="0" dirty="0">
+                      <a:ln>
+                        <a:noFill/>
+                      </a:ln>
+                      <a:solidFill>
+                        <a:srgbClr val="37322F"/>
+                      </a:solidFill>
+                      <a:effectLst/>
+                      <a:uLnTx/>
+                      <a:uFillTx/>
+                      <a:latin typeface="Gill Sans Nova" panose="020B0602020104020203" pitchFamily="34" charset="0"/>
+                    </a:endParaRPr>
+                  </a:p>
+                  <a:p>
+                    <a:pPr marR="0" lvl="0" defTabSz="457200" rtl="0" eaLnBrk="1" fontAlgn="auto" latinLnBrk="0" hangingPunct="1">
+                      <a:lnSpc>
+                        <a:spcPct val="100000"/>
+                      </a:lnSpc>
+                      <a:spcBef>
+                        <a:spcPts val="0"/>
+                      </a:spcBef>
+                      <a:spcAft>
+                        <a:spcPts val="0"/>
+                      </a:spcAft>
+                      <a:buClrTx/>
+                      <a:buSzTx/>
+                      <a:tabLst/>
+                      <a:defRPr/>
+                    </a:pPr>
+                    <a:endParaRPr lang="fr-FR" sz="3200" dirty="0">
+                      <a:solidFill>
+                        <a:srgbClr val="37322F"/>
+                      </a:solidFill>
+                      <a:latin typeface="Gill Sans Nova" panose="020B0602020104020203" pitchFamily="34" charset="0"/>
+                    </a:endParaRPr>
+                  </a:p>
+                  <a:p>
+                    <a:pPr marR="0" lvl="0" defTabSz="457200" rtl="0" eaLnBrk="1" fontAlgn="auto" latinLnBrk="0" hangingPunct="1">
+                      <a:lnSpc>
+                        <a:spcPct val="100000"/>
+                      </a:lnSpc>
+                      <a:spcBef>
+                        <a:spcPts val="0"/>
+                      </a:spcBef>
+                      <a:spcAft>
+                        <a:spcPts val="0"/>
+                      </a:spcAft>
+                      <a:buClrTx/>
+                      <a:buSzTx/>
+                      <a:tabLst/>
+                      <a:defRPr/>
+                    </a:pPr>
+                    <a:endParaRPr kumimoji="0" lang="fr-FR" sz="3200" b="0" i="0" u="none" strike="noStrike" kern="1200" cap="none" spc="0" normalizeH="0" baseline="0" noProof="0" dirty="0">
+                      <a:ln>
+                        <a:noFill/>
+                      </a:ln>
+                      <a:solidFill>
+                        <a:srgbClr val="37322F"/>
+                      </a:solidFill>
+                      <a:effectLst/>
+                      <a:uLnTx/>
+                      <a:uFillTx/>
+                      <a:latin typeface="Gill Sans Nova" panose="020B0602020104020203" pitchFamily="34" charset="0"/>
+                    </a:endParaRPr>
+                  </a:p>
+                  <a:p>
+                    <a:pPr marR="0" lvl="0" defTabSz="457200" rtl="0" eaLnBrk="1" fontAlgn="auto" latinLnBrk="0" hangingPunct="1">
+                      <a:lnSpc>
+                        <a:spcPct val="100000"/>
+                      </a:lnSpc>
+                      <a:spcBef>
+                        <a:spcPts val="0"/>
+                      </a:spcBef>
+                      <a:spcAft>
+                        <a:spcPts val="0"/>
+                      </a:spcAft>
+                      <a:buClrTx/>
+                      <a:buSzTx/>
+                      <a:tabLst/>
+                      <a:defRPr/>
+                    </a:pPr>
+                    <a:endParaRPr lang="fr-FR" sz="3200" dirty="0">
+                      <a:solidFill>
+                        <a:srgbClr val="37322F"/>
+                      </a:solidFill>
+                      <a:latin typeface="Gill Sans Nova" panose="020B0602020104020203" pitchFamily="34" charset="0"/>
+                    </a:endParaRPr>
+                  </a:p>
+                  <a:p>
+                    <a:pPr marR="0" lvl="0" defTabSz="457200" rtl="0" eaLnBrk="1" fontAlgn="auto" latinLnBrk="0" hangingPunct="1">
+                      <a:lnSpc>
+                        <a:spcPct val="100000"/>
+                      </a:lnSpc>
+                      <a:spcBef>
+                        <a:spcPts val="0"/>
+                      </a:spcBef>
+                      <a:spcAft>
+                        <a:spcPts val="0"/>
+                      </a:spcAft>
+                      <a:buClrTx/>
+                      <a:buSzTx/>
+                      <a:tabLst/>
+                      <a:defRPr/>
+                    </a:pPr>
+                    <a:endParaRPr kumimoji="0" lang="fr-FR" sz="3200" b="0" i="0" u="none" strike="noStrike" kern="1200" cap="none" spc="0" normalizeH="0" baseline="0" noProof="0" dirty="0">
+                      <a:ln>
+                        <a:noFill/>
+                      </a:ln>
+                      <a:solidFill>
+                        <a:srgbClr val="37322F"/>
+                      </a:solidFill>
+                      <a:effectLst/>
+                      <a:uLnTx/>
+                      <a:uFillTx/>
+                      <a:latin typeface="Gill Sans Nova" panose="020B0602020104020203" pitchFamily="34" charset="0"/>
+                    </a:endParaRPr>
+                  </a:p>
+                  <a:p>
+                    <a:pPr marR="0" lvl="0" defTabSz="457200" rtl="0" eaLnBrk="1" fontAlgn="auto" latinLnBrk="0" hangingPunct="1">
+                      <a:lnSpc>
+                        <a:spcPct val="100000"/>
+                      </a:lnSpc>
+                      <a:spcBef>
+                        <a:spcPts val="0"/>
+                      </a:spcBef>
+                      <a:spcAft>
+                        <a:spcPts val="0"/>
+                      </a:spcAft>
+                      <a:buClrTx/>
+                      <a:buSzTx/>
+                      <a:tabLst/>
+                      <a:defRPr/>
+                    </a:pPr>
+                    <a:endParaRPr kumimoji="0" lang="fr-FR" sz="3200" b="0" i="0" u="none" strike="noStrike" kern="1200" cap="none" spc="0" normalizeH="0" baseline="0" noProof="0" dirty="0">
+                      <a:ln>
+                        <a:noFill/>
+                      </a:ln>
+                      <a:solidFill>
+                        <a:srgbClr val="37322F"/>
+                      </a:solidFill>
+                      <a:effectLst/>
+                      <a:uLnTx/>
+                      <a:uFillTx/>
+                      <a:latin typeface="Gill Sans Nova" panose="020B0602020104020203" pitchFamily="34" charset="0"/>
+                    </a:endParaRPr>
+                  </a:p>
+                  <a:p>
+                    <a:pPr marR="0" lvl="0" defTabSz="457200" rtl="0" eaLnBrk="1" fontAlgn="auto" latinLnBrk="0" hangingPunct="1">
+                      <a:lnSpc>
+                        <a:spcPct val="100000"/>
+                      </a:lnSpc>
+                      <a:spcBef>
+                        <a:spcPts val="0"/>
+                      </a:spcBef>
+                      <a:spcAft>
+                        <a:spcPts val="0"/>
+                      </a:spcAft>
+                      <a:buClrTx/>
+                      <a:buSzTx/>
+                      <a:tabLst/>
+                      <a:defRPr/>
+                    </a:pPr>
+                    <a:r>
+                      <a:rPr lang="fr-FR" sz="3200" dirty="0">
+                        <a:solidFill>
+                          <a:srgbClr val="37322F"/>
+                        </a:solidFill>
+                        <a:latin typeface="Gill Sans Nova" panose="020B0602020104020203" pitchFamily="34" charset="0"/>
+                      </a:rPr>
+                      <a:t>Our </a:t>
+                    </a:r>
+                    <a:r>
+                      <a:rPr lang="fr-FR" sz="3200" dirty="0" err="1">
+                        <a:solidFill>
+                          <a:srgbClr val="37322F"/>
+                        </a:solidFill>
+                        <a:latin typeface="Gill Sans Nova" panose="020B0602020104020203" pitchFamily="34" charset="0"/>
+                      </a:rPr>
+                      <a:t>approach</a:t>
+                    </a:r>
+                    <a:r>
+                      <a:rPr lang="fr-FR" sz="3200" dirty="0">
+                        <a:solidFill>
+                          <a:srgbClr val="37322F"/>
+                        </a:solidFill>
+                        <a:latin typeface="Gill Sans Nova" panose="020B0602020104020203" pitchFamily="34" charset="0"/>
+                      </a:rPr>
+                      <a:t> </a:t>
+                    </a:r>
+                    <a:r>
+                      <a:rPr lang="fr-FR" sz="3200" dirty="0" err="1">
+                        <a:solidFill>
+                          <a:srgbClr val="37322F"/>
+                        </a:solidFill>
+                        <a:latin typeface="Gill Sans Nova" panose="020B0602020104020203" pitchFamily="34" charset="0"/>
+                      </a:rPr>
+                      <a:t>enhance</a:t>
+                    </a:r>
+                    <a:r>
+                      <a:rPr lang="fr-FR" sz="3200" dirty="0">
+                        <a:solidFill>
+                          <a:srgbClr val="37322F"/>
+                        </a:solidFill>
+                        <a:latin typeface="Gill Sans Nova" panose="020B0602020104020203" pitchFamily="34" charset="0"/>
+                      </a:rPr>
+                      <a:t> </a:t>
+                    </a:r>
+                    <a:r>
+                      <a:rPr lang="fr-FR" sz="3200" dirty="0" err="1">
+                        <a:solidFill>
+                          <a:srgbClr val="37322F"/>
+                        </a:solidFill>
+                        <a:latin typeface="Gill Sans Nova" panose="020B0602020104020203" pitchFamily="34" charset="0"/>
+                      </a:rPr>
+                      <a:t>this</a:t>
+                    </a:r>
+                    <a:r>
+                      <a:rPr lang="fr-FR" sz="3200" dirty="0">
+                        <a:solidFill>
+                          <a:srgbClr val="37322F"/>
+                        </a:solidFill>
+                        <a:latin typeface="Gill Sans Nova" panose="020B0602020104020203" pitchFamily="34" charset="0"/>
+                      </a:rPr>
+                      <a:t> </a:t>
+                    </a:r>
+                    <a:r>
+                      <a:rPr lang="fr-FR" sz="3200" dirty="0" err="1">
+                        <a:solidFill>
+                          <a:srgbClr val="37322F"/>
+                        </a:solidFill>
+                        <a:latin typeface="Gill Sans Nova" panose="020B0602020104020203" pitchFamily="34" charset="0"/>
+                      </a:rPr>
+                      <a:t>principle</a:t>
+                    </a:r>
+                    <a:r>
+                      <a:rPr lang="fr-FR" sz="3200" dirty="0">
+                        <a:solidFill>
+                          <a:srgbClr val="37322F"/>
+                        </a:solidFill>
+                        <a:latin typeface="Gill Sans Nova" panose="020B0602020104020203" pitchFamily="34" charset="0"/>
+                      </a:rPr>
+                      <a:t> by </a:t>
+                    </a:r>
+                    <a:r>
+                      <a:rPr lang="fr-FR" sz="3200" dirty="0" err="1">
+                        <a:solidFill>
+                          <a:srgbClr val="37322F"/>
+                        </a:solidFill>
+                        <a:latin typeface="Gill Sans Nova" panose="020B0602020104020203" pitchFamily="34" charset="0"/>
+                      </a:rPr>
+                      <a:t>introducing</a:t>
+                    </a:r>
+                    <a:r>
+                      <a:rPr lang="fr-FR" sz="3200" dirty="0">
+                        <a:solidFill>
+                          <a:srgbClr val="37322F"/>
+                        </a:solidFill>
+                        <a:latin typeface="Gill Sans Nova" panose="020B0602020104020203" pitchFamily="34" charset="0"/>
+                      </a:rPr>
+                      <a:t> « Kernels » </a:t>
+                    </a:r>
+                    <a:r>
+                      <a:rPr lang="fr-FR" sz="3200" dirty="0" err="1">
+                        <a:solidFill>
+                          <a:srgbClr val="37322F"/>
+                        </a:solidFill>
+                        <a:latin typeface="Gill Sans Nova" panose="020B0602020104020203" pitchFamily="34" charset="0"/>
+                      </a:rPr>
+                      <a:t>which</a:t>
+                    </a:r>
+                    <a:r>
+                      <a:rPr lang="fr-FR" sz="3200" dirty="0">
+                        <a:solidFill>
+                          <a:srgbClr val="37322F"/>
+                        </a:solidFill>
+                        <a:latin typeface="Gill Sans Nova" panose="020B0602020104020203" pitchFamily="34" charset="0"/>
+                      </a:rPr>
+                      <a:t> combine the light </a:t>
+                    </a:r>
+                    <a:r>
+                      <a:rPr lang="fr-FR" sz="3200" dirty="0" err="1">
+                        <a:solidFill>
+                          <a:srgbClr val="37322F"/>
+                        </a:solidFill>
+                        <a:latin typeface="Gill Sans Nova" panose="020B0602020104020203" pitchFamily="34" charset="0"/>
+                      </a:rPr>
+                      <a:t>from</a:t>
+                    </a:r>
+                    <a:r>
+                      <a:rPr lang="fr-FR" sz="3200" dirty="0">
+                        <a:solidFill>
+                          <a:srgbClr val="37322F"/>
+                        </a:solidFill>
+                        <a:latin typeface="Gill Sans Nova" panose="020B0602020104020203" pitchFamily="34" charset="0"/>
+                      </a:rPr>
+                      <a:t> 3 </a:t>
+                    </a:r>
+                    <a:r>
+                      <a:rPr lang="fr-FR" sz="3200" dirty="0" err="1">
+                        <a:solidFill>
+                          <a:srgbClr val="37322F"/>
+                        </a:solidFill>
+                        <a:latin typeface="Gill Sans Nova" panose="020B0602020104020203" pitchFamily="34" charset="0"/>
+                      </a:rPr>
+                      <a:t>telescopes</a:t>
+                    </a:r>
+                    <a:r>
+                      <a:rPr lang="fr-FR" sz="3200" dirty="0">
+                        <a:solidFill>
+                          <a:srgbClr val="37322F"/>
+                        </a:solidFill>
+                        <a:latin typeface="Gill Sans Nova" panose="020B0602020104020203" pitchFamily="34" charset="0"/>
+                      </a:rPr>
+                      <a:t> or more in </a:t>
+                    </a:r>
+                    <a:r>
+                      <a:rPr lang="fr-FR" sz="3200" dirty="0" err="1">
+                        <a:solidFill>
+                          <a:srgbClr val="37322F"/>
+                        </a:solidFill>
+                        <a:latin typeface="Gill Sans Nova" panose="020B0602020104020203" pitchFamily="34" charset="0"/>
+                      </a:rPr>
+                      <a:t>order</a:t>
+                    </a:r>
+                    <a:r>
+                      <a:rPr lang="fr-FR" sz="3200" dirty="0">
+                        <a:solidFill>
+                          <a:srgbClr val="37322F"/>
+                        </a:solidFill>
+                        <a:latin typeface="Gill Sans Nova" panose="020B0602020104020203" pitchFamily="34" charset="0"/>
+                      </a:rPr>
+                      <a:t> to </a:t>
+                    </a:r>
+                    <a:r>
+                      <a:rPr lang="fr-FR" sz="3200" dirty="0" err="1">
+                        <a:solidFill>
+                          <a:srgbClr val="37322F"/>
+                        </a:solidFill>
+                        <a:latin typeface="Gill Sans Nova" panose="020B0602020104020203" pitchFamily="34" charset="0"/>
+                      </a:rPr>
+                      <a:t>be</a:t>
+                    </a:r>
+                    <a:r>
+                      <a:rPr lang="fr-FR" sz="3200" dirty="0">
+                        <a:solidFill>
+                          <a:srgbClr val="37322F"/>
+                        </a:solidFill>
+                        <a:latin typeface="Gill Sans Nova" panose="020B0602020104020203" pitchFamily="34" charset="0"/>
+                      </a:rPr>
+                      <a:t> </a:t>
+                    </a:r>
+                    <a:r>
+                      <a:rPr lang="fr-FR" sz="3200" dirty="0" err="1">
+                        <a:solidFill>
+                          <a:srgbClr val="37322F"/>
+                        </a:solidFill>
+                        <a:latin typeface="Gill Sans Nova" panose="020B0602020104020203" pitchFamily="34" charset="0"/>
+                      </a:rPr>
+                      <a:t>less</a:t>
+                    </a:r>
+                    <a:r>
+                      <a:rPr lang="fr-FR" sz="3200" dirty="0">
+                        <a:solidFill>
+                          <a:srgbClr val="37322F"/>
+                        </a:solidFill>
+                        <a:latin typeface="Gill Sans Nova" panose="020B0602020104020203" pitchFamily="34" charset="0"/>
+                      </a:rPr>
+                      <a:t> sensitive to </a:t>
+                    </a:r>
+                    <a:r>
+                      <a:rPr lang="fr-FR" sz="3200" dirty="0" err="1">
+                        <a:solidFill>
+                          <a:srgbClr val="37322F"/>
+                        </a:solidFill>
+                        <a:latin typeface="Gill Sans Nova" panose="020B0602020104020203" pitchFamily="34" charset="0"/>
+                      </a:rPr>
+                      <a:t>low</a:t>
+                    </a:r>
+                    <a:r>
+                      <a:rPr lang="fr-FR" sz="3200" dirty="0">
+                        <a:solidFill>
+                          <a:srgbClr val="37322F"/>
+                        </a:solidFill>
+                        <a:latin typeface="Gill Sans Nova" panose="020B0602020104020203" pitchFamily="34" charset="0"/>
+                      </a:rPr>
+                      <a:t> </a:t>
+                    </a:r>
+                    <a:r>
+                      <a:rPr lang="fr-FR" sz="3200" dirty="0" err="1">
+                        <a:solidFill>
+                          <a:srgbClr val="37322F"/>
+                        </a:solidFill>
+                        <a:latin typeface="Gill Sans Nova" panose="020B0602020104020203" pitchFamily="34" charset="0"/>
+                      </a:rPr>
+                      <a:t>order</a:t>
+                    </a:r>
+                    <a:r>
+                      <a:rPr lang="fr-FR" sz="3200" dirty="0">
+                        <a:solidFill>
+                          <a:srgbClr val="37322F"/>
+                        </a:solidFill>
+                        <a:latin typeface="Gill Sans Nova" panose="020B0602020104020203" pitchFamily="34" charset="0"/>
+                      </a:rPr>
+                      <a:t> phase </a:t>
+                    </a:r>
+                    <a:r>
+                      <a:rPr lang="fr-FR" sz="3200" dirty="0" err="1">
+                        <a:solidFill>
+                          <a:srgbClr val="37322F"/>
+                        </a:solidFill>
+                        <a:latin typeface="Gill Sans Nova" panose="020B0602020104020203" pitchFamily="34" charset="0"/>
+                      </a:rPr>
+                      <a:t>aberations</a:t>
+                    </a:r>
+                    <a:r>
+                      <a:rPr lang="fr-FR" sz="3200" dirty="0">
+                        <a:solidFill>
+                          <a:srgbClr val="37322F"/>
+                        </a:solidFill>
+                        <a:latin typeface="Gill Sans Nova" panose="020B0602020104020203" pitchFamily="34" charset="0"/>
+                      </a:rPr>
+                      <a:t> and </a:t>
+                    </a:r>
+                    <a:r>
+                      <a:rPr lang="fr-FR" sz="3200" dirty="0" err="1">
+                        <a:solidFill>
+                          <a:srgbClr val="37322F"/>
+                        </a:solidFill>
+                        <a:latin typeface="Gill Sans Nova" panose="020B0602020104020203" pitchFamily="34" charset="0"/>
+                      </a:rPr>
+                      <a:t>asymetrize</a:t>
+                    </a:r>
+                    <a:r>
+                      <a:rPr lang="fr-FR" sz="3200" dirty="0">
+                        <a:solidFill>
+                          <a:srgbClr val="37322F"/>
+                        </a:solidFill>
+                        <a:latin typeface="Gill Sans Nova" panose="020B0602020104020203" pitchFamily="34" charset="0"/>
+                      </a:rPr>
+                      <a:t> the output to </a:t>
+                    </a:r>
+                    <a:r>
+                      <a:rPr lang="fr-FR" sz="3200" dirty="0" err="1">
+                        <a:solidFill>
+                          <a:srgbClr val="37322F"/>
+                        </a:solidFill>
+                        <a:latin typeface="Gill Sans Nova" panose="020B0602020104020203" pitchFamily="34" charset="0"/>
+                      </a:rPr>
+                      <a:t>better</a:t>
+                    </a:r>
+                    <a:r>
+                      <a:rPr lang="fr-FR" sz="3200" dirty="0">
+                        <a:solidFill>
+                          <a:srgbClr val="37322F"/>
+                        </a:solidFill>
+                        <a:latin typeface="Gill Sans Nova" panose="020B0602020104020203" pitchFamily="34" charset="0"/>
+                      </a:rPr>
+                      <a:t> </a:t>
+                    </a:r>
+                    <a:r>
+                      <a:rPr lang="fr-FR" sz="3200" dirty="0" err="1">
+                        <a:solidFill>
+                          <a:srgbClr val="37322F"/>
+                        </a:solidFill>
+                        <a:latin typeface="Gill Sans Nova" panose="020B0602020104020203" pitchFamily="34" charset="0"/>
+                      </a:rPr>
+                      <a:t>constrain</a:t>
+                    </a:r>
+                    <a:r>
+                      <a:rPr lang="fr-FR" sz="3200" dirty="0">
+                        <a:solidFill>
+                          <a:srgbClr val="37322F"/>
+                        </a:solidFill>
+                        <a:latin typeface="Gill Sans Nova" panose="020B0602020104020203" pitchFamily="34" charset="0"/>
+                      </a:rPr>
+                      <a:t> the </a:t>
+                    </a:r>
+                    <a:r>
+                      <a:rPr lang="fr-FR" sz="3200" dirty="0" err="1">
+                        <a:solidFill>
+                          <a:srgbClr val="37322F"/>
+                        </a:solidFill>
+                        <a:latin typeface="Gill Sans Nova" panose="020B0602020104020203" pitchFamily="34" charset="0"/>
+                      </a:rPr>
+                      <a:t>planet</a:t>
+                    </a:r>
+                    <a:r>
+                      <a:rPr lang="fr-FR" sz="3200" dirty="0">
+                        <a:solidFill>
+                          <a:srgbClr val="37322F"/>
+                        </a:solidFill>
+                        <a:latin typeface="Gill Sans Nova" panose="020B0602020104020203" pitchFamily="34" charset="0"/>
+                      </a:rPr>
+                      <a:t> position.</a:t>
+                    </a:r>
+                    <a:endParaRPr kumimoji="0" lang="fr-FR" sz="3200" b="0" i="0" u="none" strike="noStrike" kern="1200" cap="none" spc="0" normalizeH="0" baseline="0" noProof="0" dirty="0">
+                      <a:ln>
+                        <a:noFill/>
+                      </a:ln>
+                      <a:solidFill>
+                        <a:srgbClr val="37322F"/>
+                      </a:solidFill>
+                      <a:effectLst/>
+                      <a:uLnTx/>
+                      <a:uFillTx/>
+                      <a:latin typeface="Gill Sans Nova" panose="020B0602020104020203" pitchFamily="34" charset="0"/>
                     </a:endParaRPr>
                   </a:p>
                 </p:txBody>
@@ -4432,7 +5730,7 @@
                 </a:xfrm>
                 <a:prstGeom prst="roundRect">
                   <a:avLst>
-                    <a:gd name="adj" fmla="val 16667"/>
+                    <a:gd name="adj" fmla="val 11474"/>
                   </a:avLst>
                 </a:prstGeom>
                 <a:solidFill>
@@ -4560,9 +5858,16 @@
                     </a:rPr>
                     <a:t> </a:t>
                   </a:r>
+                  <a:endParaRPr lang="en-US" sz="2000" u="sng" noProof="0" dirty="0">
+                    <a:solidFill>
+                      <a:srgbClr val="37322F"/>
+                    </a:solidFill>
+                    <a:latin typeface="Gill Sans Nova" panose="020B0602020104020203" pitchFamily="34" charset="0"/>
+                    <a:cs typeface="Aharoni" panose="020F0502020204030204" pitchFamily="2" charset="-79"/>
+                  </a:endParaRPr>
                 </a:p>
                 <a:p>
-                  <a:pPr marL="457200" marR="0" lvl="0" indent="-457200" algn="l" defTabSz="457200" rtl="0" eaLnBrk="1" fontAlgn="auto" latinLnBrk="0" hangingPunct="1">
+                  <a:pPr marL="457200" marR="0" lvl="0" indent="-457200" defTabSz="457200" rtl="0" eaLnBrk="1" fontAlgn="auto" latinLnBrk="0" hangingPunct="1">
                     <a:lnSpc>
                       <a:spcPct val="100000"/>
                     </a:lnSpc>
@@ -4574,8 +5879,8 @@
                     </a:spcAft>
                     <a:buClrTx/>
                     <a:buSzTx/>
-                    <a:buFontTx/>
-                    <a:buChar char="-"/>
+                    <a:buFont typeface="Arial" panose="020B0604020202020204" pitchFamily="34" charset="0"/>
+                    <a:buChar char="•"/>
                     <a:tabLst/>
                     <a:defRPr/>
                   </a:pPr>
@@ -4630,23 +5935,15 @@
                     </a:rPr>
                     <a:t>diversity</a:t>
                   </a:r>
-                  <a:endParaRPr kumimoji="0" lang="fr-FR" sz="3200" b="0" i="0" u="none" strike="noStrike" kern="1200" cap="none" spc="0" normalizeH="0" baseline="0" noProof="0" dirty="0">
-                    <a:ln>
-                      <a:noFill/>
-                    </a:ln>
+                  <a:endParaRPr lang="fr-FR" sz="3200" dirty="0">
                     <a:solidFill>
                       <a:srgbClr val="37322F"/>
                     </a:solidFill>
-                    <a:effectLst/>
-                    <a:uLnTx/>
-                    <a:uFillTx/>
                     <a:latin typeface="Gill Sans Nova" panose="020B0602020104020203" pitchFamily="34" charset="0"/>
-                    <a:ea typeface="+mn-ea"/>
-                    <a:cs typeface="+mn-cs"/>
                   </a:endParaRPr>
                 </a:p>
                 <a:p>
-                  <a:pPr marL="457200" marR="0" lvl="0" indent="-457200" algn="l" defTabSz="457200" rtl="0" eaLnBrk="1" fontAlgn="auto" latinLnBrk="0" hangingPunct="1">
+                  <a:pPr marL="457200" marR="0" lvl="0" indent="-457200" defTabSz="457200" rtl="0" eaLnBrk="1" fontAlgn="auto" latinLnBrk="0" hangingPunct="1">
                     <a:lnSpc>
                       <a:spcPct val="100000"/>
                     </a:lnSpc>
@@ -4658,8 +5955,8 @@
                     </a:spcAft>
                     <a:buClrTx/>
                     <a:buSzTx/>
-                    <a:buFontTx/>
-                    <a:buChar char="-"/>
+                    <a:buFont typeface="Arial" panose="020B0604020202020204" pitchFamily="34" charset="0"/>
+                    <a:buChar char="•"/>
                     <a:tabLst/>
                     <a:defRPr/>
                   </a:pPr>
@@ -4697,23 +5994,15 @@
                     </a:rPr>
                     <a:t>lab</a:t>
                   </a:r>
-                  <a:endParaRPr kumimoji="0" lang="fr-FR" sz="3200" b="0" i="0" u="none" strike="noStrike" kern="1200" cap="none" spc="0" normalizeH="0" baseline="0" noProof="0" dirty="0">
-                    <a:ln>
-                      <a:noFill/>
-                    </a:ln>
+                  <a:endParaRPr lang="fr-FR" sz="3200" dirty="0">
                     <a:solidFill>
                       <a:srgbClr val="37322F"/>
                     </a:solidFill>
-                    <a:effectLst/>
-                    <a:uLnTx/>
-                    <a:uFillTx/>
                     <a:latin typeface="Gill Sans Nova" panose="020B0602020104020203" pitchFamily="34" charset="0"/>
-                    <a:ea typeface="+mn-ea"/>
-                    <a:cs typeface="+mn-cs"/>
                   </a:endParaRPr>
                 </a:p>
                 <a:p>
-                  <a:pPr marL="457200" marR="0" lvl="0" indent="-457200" algn="l" defTabSz="457200" rtl="0" eaLnBrk="1" fontAlgn="auto" latinLnBrk="0" hangingPunct="1">
+                  <a:pPr marL="457200" marR="0" lvl="0" indent="-457200" defTabSz="457200" rtl="0" eaLnBrk="1" fontAlgn="auto" latinLnBrk="0" hangingPunct="1">
                     <a:lnSpc>
                       <a:spcPct val="100000"/>
                     </a:lnSpc>
@@ -4725,8 +6014,8 @@
                     </a:spcAft>
                     <a:buClrTx/>
                     <a:buSzTx/>
-                    <a:buFontTx/>
-                    <a:buChar char="-"/>
+                    <a:buFont typeface="Arial" panose="020B0604020202020204" pitchFamily="34" charset="0"/>
+                    <a:buChar char="•"/>
                     <a:tabLst/>
                     <a:defRPr/>
                   </a:pPr>
@@ -4774,7 +6063,7 @@
                   </a:endParaRPr>
                 </a:p>
                 <a:p>
-                  <a:pPr marL="457200" marR="0" lvl="0" indent="-457200" algn="l" defTabSz="457200" rtl="0" eaLnBrk="1" fontAlgn="auto" latinLnBrk="0" hangingPunct="1">
+                  <a:pPr marL="457200" marR="0" lvl="0" indent="-457200" defTabSz="457200" rtl="0" eaLnBrk="1" fontAlgn="auto" latinLnBrk="0" hangingPunct="1">
                     <a:lnSpc>
                       <a:spcPct val="100000"/>
                     </a:lnSpc>
@@ -4786,8 +6075,8 @@
                     </a:spcAft>
                     <a:buClrTx/>
                     <a:buSzTx/>
-                    <a:buFontTx/>
-                    <a:buChar char="-"/>
+                    <a:buFont typeface="Arial" panose="020B0604020202020204" pitchFamily="34" charset="0"/>
+                    <a:buChar char="•"/>
                     <a:tabLst/>
                     <a:defRPr/>
                   </a:pPr>
@@ -4846,11 +6135,11 @@
             <p:spPr>
               <a:xfrm>
                 <a:off x="11077498" y="14637182"/>
-                <a:ext cx="10329024" cy="10928421"/>
+                <a:ext cx="10329024" cy="6709825"/>
               </a:xfrm>
               <a:prstGeom prst="roundRect">
                 <a:avLst>
-                  <a:gd name="adj" fmla="val 11688"/>
+                  <a:gd name="adj" fmla="val 12273"/>
                 </a:avLst>
               </a:prstGeom>
               <a:solidFill>
@@ -4909,7 +6198,7 @@
                     <a:latin typeface="Congenial SemiBold" panose="02000503040000020004" pitchFamily="2" charset="0"/>
                     <a:cs typeface="Aharoni" panose="020F0502020204030204" pitchFamily="2" charset="-79"/>
                   </a:rPr>
-                  <a:t> components</a:t>
+                  <a:t> components 💡</a:t>
                 </a:r>
                 <a:endParaRPr lang="en-US" sz="4800" dirty="0">
                   <a:solidFill>
@@ -4940,7 +6229,295 @@
                     </a:solidFill>
                     <a:latin typeface="Gill Sans Nova" panose="020B0602020104020203" pitchFamily="34" charset="0"/>
                   </a:rPr>
-                  <a:t>Blablabla</a:t>
+                  <a:t>The </a:t>
+                </a:r>
+                <a:r>
+                  <a:rPr lang="fr-FR" sz="3200" dirty="0" err="1">
+                    <a:solidFill>
+                      <a:srgbClr val="37322F"/>
+                    </a:solidFill>
+                    <a:latin typeface="Gill Sans Nova" panose="020B0602020104020203" pitchFamily="34" charset="0"/>
+                  </a:rPr>
+                  <a:t>idea</a:t>
+                </a:r>
+                <a:r>
+                  <a:rPr lang="fr-FR" sz="3200" dirty="0">
+                    <a:solidFill>
+                      <a:srgbClr val="37322F"/>
+                    </a:solidFill>
+                    <a:latin typeface="Gill Sans Nova" panose="020B0602020104020203" pitchFamily="34" charset="0"/>
+                  </a:rPr>
+                  <a:t> of </a:t>
+                </a:r>
+                <a:r>
+                  <a:rPr lang="fr-FR" sz="3200" dirty="0" err="1">
+                    <a:solidFill>
+                      <a:srgbClr val="37322F"/>
+                    </a:solidFill>
+                    <a:latin typeface="Gill Sans Nova" panose="020B0602020104020203" pitchFamily="34" charset="0"/>
+                  </a:rPr>
+                  <a:t>our</a:t>
+                </a:r>
+                <a:r>
+                  <a:rPr lang="fr-FR" sz="3200" dirty="0">
+                    <a:solidFill>
+                      <a:srgbClr val="37322F"/>
+                    </a:solidFill>
+                    <a:latin typeface="Gill Sans Nova" panose="020B0602020104020203" pitchFamily="34" charset="0"/>
+                  </a:rPr>
+                  <a:t> architecture </a:t>
+                </a:r>
+                <a:r>
+                  <a:rPr lang="fr-FR" sz="3200" dirty="0" err="1">
+                    <a:solidFill>
+                      <a:srgbClr val="37322F"/>
+                    </a:solidFill>
+                    <a:latin typeface="Gill Sans Nova" panose="020B0602020104020203" pitchFamily="34" charset="0"/>
+                  </a:rPr>
+                  <a:t>is</a:t>
+                </a:r>
+                <a:r>
+                  <a:rPr lang="fr-FR" sz="3200" dirty="0">
+                    <a:solidFill>
+                      <a:srgbClr val="37322F"/>
+                    </a:solidFill>
+                    <a:latin typeface="Gill Sans Nova" panose="020B0602020104020203" pitchFamily="34" charset="0"/>
+                  </a:rPr>
+                  <a:t> to combine the </a:t>
+                </a:r>
+                <a:r>
+                  <a:rPr lang="fr-FR" sz="3200" dirty="0" err="1">
+                    <a:solidFill>
+                      <a:srgbClr val="37322F"/>
+                    </a:solidFill>
+                    <a:latin typeface="Gill Sans Nova" panose="020B0602020104020203" pitchFamily="34" charset="0"/>
+                  </a:rPr>
+                  <a:t>nulling</a:t>
+                </a:r>
+                <a:r>
+                  <a:rPr lang="fr-FR" sz="3200" dirty="0">
+                    <a:solidFill>
+                      <a:srgbClr val="37322F"/>
+                    </a:solidFill>
+                    <a:latin typeface="Gill Sans Nova" panose="020B0602020104020203" pitchFamily="34" charset="0"/>
+                  </a:rPr>
+                  <a:t> </a:t>
+                </a:r>
+                <a:r>
+                  <a:rPr lang="fr-FR" sz="3200" dirty="0" err="1">
+                    <a:solidFill>
+                      <a:srgbClr val="37322F"/>
+                    </a:solidFill>
+                    <a:latin typeface="Gill Sans Nova" panose="020B0602020104020203" pitchFamily="34" charset="0"/>
+                  </a:rPr>
+                  <a:t>interferometry</a:t>
+                </a:r>
+                <a:r>
+                  <a:rPr lang="fr-FR" sz="3200" dirty="0">
+                    <a:solidFill>
+                      <a:srgbClr val="37322F"/>
+                    </a:solidFill>
+                    <a:latin typeface="Gill Sans Nova" panose="020B0602020104020203" pitchFamily="34" charset="0"/>
+                  </a:rPr>
+                  <a:t> </a:t>
+                </a:r>
+                <a:r>
+                  <a:rPr lang="fr-FR" sz="3200" dirty="0" err="1">
+                    <a:solidFill>
+                      <a:srgbClr val="37322F"/>
+                    </a:solidFill>
+                    <a:latin typeface="Gill Sans Nova" panose="020B0602020104020203" pitchFamily="34" charset="0"/>
+                  </a:rPr>
+                  <a:t>with</a:t>
+                </a:r>
+                <a:r>
+                  <a:rPr lang="fr-FR" sz="3200" dirty="0">
+                    <a:solidFill>
+                      <a:srgbClr val="37322F"/>
+                    </a:solidFill>
+                    <a:latin typeface="Gill Sans Nova" panose="020B0602020104020203" pitchFamily="34" charset="0"/>
+                  </a:rPr>
+                  <a:t> the phase </a:t>
+                </a:r>
+                <a:r>
+                  <a:rPr lang="fr-FR" sz="3200" dirty="0" err="1">
+                    <a:solidFill>
+                      <a:srgbClr val="37322F"/>
+                    </a:solidFill>
+                    <a:latin typeface="Gill Sans Nova" panose="020B0602020104020203" pitchFamily="34" charset="0"/>
+                  </a:rPr>
+                  <a:t>shifter</a:t>
+                </a:r>
+                <a:r>
+                  <a:rPr lang="fr-FR" sz="3200" dirty="0">
+                    <a:solidFill>
+                      <a:srgbClr val="37322F"/>
+                    </a:solidFill>
+                    <a:latin typeface="Gill Sans Nova" panose="020B0602020104020203" pitchFamily="34" charset="0"/>
+                  </a:rPr>
+                  <a:t> technologies to </a:t>
+                </a:r>
+                <a:r>
+                  <a:rPr lang="fr-FR" sz="3200" dirty="0" err="1">
+                    <a:solidFill>
+                      <a:srgbClr val="37322F"/>
+                    </a:solidFill>
+                    <a:latin typeface="Gill Sans Nova" panose="020B0602020104020203" pitchFamily="34" charset="0"/>
+                  </a:rPr>
+                  <a:t>make</a:t>
+                </a:r>
+                <a:r>
+                  <a:rPr lang="fr-FR" sz="3200" dirty="0">
+                    <a:solidFill>
+                      <a:srgbClr val="37322F"/>
+                    </a:solidFill>
+                    <a:latin typeface="Gill Sans Nova" panose="020B0602020104020203" pitchFamily="34" charset="0"/>
+                  </a:rPr>
+                  <a:t> an active </a:t>
+                </a:r>
+                <a:r>
+                  <a:rPr lang="fr-FR" sz="3200" dirty="0" err="1">
+                    <a:solidFill>
+                      <a:srgbClr val="37322F"/>
+                    </a:solidFill>
+                    <a:latin typeface="Gill Sans Nova" panose="020B0602020104020203" pitchFamily="34" charset="0"/>
+                  </a:rPr>
+                  <a:t>optical</a:t>
+                </a:r>
+                <a:r>
+                  <a:rPr lang="fr-FR" sz="3200" dirty="0">
+                    <a:solidFill>
+                      <a:srgbClr val="37322F"/>
+                    </a:solidFill>
+                    <a:latin typeface="Gill Sans Nova" panose="020B0602020104020203" pitchFamily="34" charset="0"/>
+                  </a:rPr>
+                  <a:t> component </a:t>
+                </a:r>
+                <a:r>
+                  <a:rPr lang="fr-FR" sz="3200" dirty="0" err="1">
+                    <a:solidFill>
+                      <a:srgbClr val="37322F"/>
+                    </a:solidFill>
+                    <a:latin typeface="Gill Sans Nova" panose="020B0602020104020203" pitchFamily="34" charset="0"/>
+                  </a:rPr>
+                  <a:t>that</a:t>
+                </a:r>
+                <a:r>
+                  <a:rPr lang="fr-FR" sz="3200" dirty="0">
+                    <a:solidFill>
+                      <a:srgbClr val="37322F"/>
+                    </a:solidFill>
+                    <a:latin typeface="Gill Sans Nova" panose="020B0602020104020203" pitchFamily="34" charset="0"/>
+                  </a:rPr>
+                  <a:t> can </a:t>
+                </a:r>
+                <a:r>
+                  <a:rPr lang="fr-FR" sz="3200" dirty="0" err="1">
+                    <a:solidFill>
+                      <a:srgbClr val="37322F"/>
+                    </a:solidFill>
+                    <a:latin typeface="Gill Sans Nova" panose="020B0602020104020203" pitchFamily="34" charset="0"/>
+                  </a:rPr>
+                  <a:t>be</a:t>
+                </a:r>
+                <a:r>
+                  <a:rPr lang="fr-FR" sz="3200" dirty="0">
+                    <a:solidFill>
+                      <a:srgbClr val="37322F"/>
+                    </a:solidFill>
+                    <a:latin typeface="Gill Sans Nova" panose="020B0602020104020203" pitchFamily="34" charset="0"/>
+                  </a:rPr>
+                  <a:t> </a:t>
+                </a:r>
+                <a:r>
+                  <a:rPr lang="fr-FR" sz="3200" dirty="0" err="1">
+                    <a:solidFill>
+                      <a:srgbClr val="37322F"/>
+                    </a:solidFill>
+                    <a:latin typeface="Gill Sans Nova" panose="020B0602020104020203" pitchFamily="34" charset="0"/>
+                  </a:rPr>
+                  <a:t>calibrated</a:t>
+                </a:r>
+                <a:r>
+                  <a:rPr lang="fr-FR" sz="3200" dirty="0">
+                    <a:solidFill>
+                      <a:srgbClr val="37322F"/>
+                    </a:solidFill>
+                    <a:latin typeface="Gill Sans Nova" panose="020B0602020104020203" pitchFamily="34" charset="0"/>
+                  </a:rPr>
+                  <a:t> to </a:t>
+                </a:r>
+                <a:r>
+                  <a:rPr lang="fr-FR" sz="3200" dirty="0" err="1">
+                    <a:solidFill>
+                      <a:srgbClr val="37322F"/>
+                    </a:solidFill>
+                    <a:latin typeface="Gill Sans Nova" panose="020B0602020104020203" pitchFamily="34" charset="0"/>
+                  </a:rPr>
+                  <a:t>compensate</a:t>
+                </a:r>
+                <a:r>
+                  <a:rPr lang="fr-FR" sz="3200" dirty="0">
+                    <a:solidFill>
+                      <a:srgbClr val="37322F"/>
+                    </a:solidFill>
+                    <a:latin typeface="Gill Sans Nova" panose="020B0602020104020203" pitchFamily="34" charset="0"/>
+                  </a:rPr>
+                  <a:t> the phase aberration </a:t>
+                </a:r>
+                <a:r>
+                  <a:rPr lang="fr-FR" sz="3200" dirty="0" err="1">
+                    <a:solidFill>
+                      <a:srgbClr val="37322F"/>
+                    </a:solidFill>
+                    <a:latin typeface="Gill Sans Nova" panose="020B0602020104020203" pitchFamily="34" charset="0"/>
+                  </a:rPr>
+                  <a:t>induced</a:t>
+                </a:r>
+                <a:r>
+                  <a:rPr lang="fr-FR" sz="3200" dirty="0">
+                    <a:solidFill>
+                      <a:srgbClr val="37322F"/>
+                    </a:solidFill>
+                    <a:latin typeface="Gill Sans Nova" panose="020B0602020104020203" pitchFamily="34" charset="0"/>
+                  </a:rPr>
+                  <a:t> by the </a:t>
+                </a:r>
+                <a:r>
+                  <a:rPr lang="fr-FR" sz="3200" dirty="0" err="1">
+                    <a:solidFill>
+                      <a:srgbClr val="37322F"/>
+                    </a:solidFill>
+                    <a:latin typeface="Gill Sans Nova" panose="020B0602020104020203" pitchFamily="34" charset="0"/>
+                  </a:rPr>
+                  <a:t>manufacturing</a:t>
+                </a:r>
+                <a:r>
+                  <a:rPr lang="fr-FR" sz="3200" dirty="0">
+                    <a:solidFill>
+                      <a:srgbClr val="37322F"/>
+                    </a:solidFill>
+                    <a:latin typeface="Gill Sans Nova" panose="020B0602020104020203" pitchFamily="34" charset="0"/>
+                  </a:rPr>
+                  <a:t> </a:t>
+                </a:r>
+                <a:r>
+                  <a:rPr lang="fr-FR" sz="3200" dirty="0" err="1">
+                    <a:solidFill>
+                      <a:srgbClr val="37322F"/>
+                    </a:solidFill>
+                    <a:latin typeface="Gill Sans Nova" panose="020B0602020104020203" pitchFamily="34" charset="0"/>
+                  </a:rPr>
+                  <a:t>defects</a:t>
+                </a:r>
+                <a:r>
+                  <a:rPr lang="fr-FR" sz="3200" dirty="0">
+                    <a:solidFill>
+                      <a:srgbClr val="37322F"/>
+                    </a:solidFill>
+                    <a:latin typeface="Gill Sans Nova" panose="020B0602020104020203" pitchFamily="34" charset="0"/>
+                  </a:rPr>
+                  <a:t>.</a:t>
                 </a:r>
               </a:p>
             </p:txBody>
@@ -4987,7 +6564,9 @@
               <a:ext cx="31355071" cy="6341807"/>
             </a:xfrm>
             <a:prstGeom prst="roundRect">
-              <a:avLst/>
+              <a:avLst>
+                <a:gd name="adj" fmla="val 15657"/>
+              </a:avLst>
             </a:prstGeom>
             <a:solidFill>
               <a:srgbClr val="37322F"/>
@@ -5043,8 +6622,8 @@
           </p:nvSpPr>
           <p:spPr>
             <a:xfrm>
-              <a:off x="1504335" y="471947"/>
-              <a:ext cx="29231304" cy="6341808"/>
+              <a:off x="10506545" y="471947"/>
+              <a:ext cx="20229094" cy="6341808"/>
             </a:xfrm>
             <a:noFill/>
             <a:ln cap="rnd">
@@ -5154,6 +6733,7 @@
             </a:bodyPr>
             <a:lstStyle/>
             <a:p>
+              <a:pPr algn="l"/>
               <a:r>
                 <a:rPr lang="en-US" sz="8000" dirty="0">
                   <a:solidFill>
@@ -5206,7 +6786,7 @@
                 </a:rPr>
               </a:br>
               <a:r>
-                <a:rPr lang="en-US" sz="5400" dirty="0">
+                <a:rPr lang="en-US" sz="4800" dirty="0">
                   <a:solidFill>
                     <a:srgbClr val="F9F6F1"/>
                   </a:solidFill>
@@ -5215,7 +6795,7 @@
                 <a:t>Vincent Foriel</a:t>
               </a:r>
               <a:r>
-                <a:rPr lang="en-US" sz="5400" baseline="30000" dirty="0">
+                <a:rPr lang="en-US" sz="4800" baseline="30000" dirty="0">
                   <a:solidFill>
                     <a:srgbClr val="F9F6F1"/>
                   </a:solidFill>
@@ -5224,7 +6804,7 @@
                 <a:t>1,*</a:t>
               </a:r>
               <a:r>
-                <a:rPr lang="en-US" sz="5400" dirty="0">
+                <a:rPr lang="en-US" sz="4800" dirty="0">
                   <a:solidFill>
                     <a:srgbClr val="F9F6F1"/>
                   </a:solidFill>
@@ -5233,7 +6813,7 @@
                 <a:t>, Frantz Martinache</a:t>
               </a:r>
               <a:r>
-                <a:rPr lang="en-US" sz="5400" baseline="30000" dirty="0">
+                <a:rPr lang="en-US" sz="4800" baseline="30000" dirty="0">
                   <a:solidFill>
                     <a:srgbClr val="F9F6F1"/>
                   </a:solidFill>
@@ -5242,7 +6822,7 @@
                 <a:t>1</a:t>
               </a:r>
               <a:r>
-                <a:rPr lang="en-US" sz="5400" dirty="0">
+                <a:rPr lang="en-US" sz="4800" dirty="0">
                   <a:solidFill>
                     <a:srgbClr val="F9F6F1"/>
                   </a:solidFill>
@@ -5251,7 +6831,7 @@
                 <a:t>, David Mary</a:t>
               </a:r>
               <a:r>
-                <a:rPr lang="en-US" sz="5400" baseline="30000" dirty="0">
+                <a:rPr lang="en-US" sz="4800" baseline="30000" dirty="0">
                   <a:solidFill>
                     <a:srgbClr val="F9F6F1"/>
                   </a:solidFill>
@@ -5260,7 +6840,7 @@
                 <a:t>1</a:t>
               </a:r>
               <a:br>
-                <a:rPr lang="en-US" sz="5400" baseline="30000" dirty="0">
+                <a:rPr lang="en-US" sz="4800" baseline="30000" dirty="0">
                   <a:solidFill>
                     <a:srgbClr val="F9F6F1"/>
                   </a:solidFill>
@@ -5268,7 +6848,7 @@
                 </a:rPr>
               </a:br>
               <a:r>
-                <a:rPr lang="en-US" sz="1000" baseline="30000" dirty="0">
+                <a:rPr lang="en-US" sz="900" baseline="30000" dirty="0">
                   <a:solidFill>
                     <a:srgbClr val="F9F6F1"/>
                   </a:solidFill>
@@ -5277,7 +6857,7 @@
                 <a:t> </a:t>
               </a:r>
               <a:br>
-                <a:rPr lang="en-US" sz="5400" dirty="0">
+                <a:rPr lang="en-US" sz="4800" dirty="0">
                   <a:solidFill>
                     <a:srgbClr val="F9F6F1"/>
                   </a:solidFill>
@@ -5285,7 +6865,7 @@
                 </a:rPr>
               </a:br>
               <a:r>
-                <a:rPr lang="en-US" sz="5400" baseline="30000" dirty="0">
+                <a:rPr lang="en-US" sz="4800" baseline="30000" dirty="0">
                   <a:solidFill>
                     <a:srgbClr val="F9F6F1"/>
                   </a:solidFill>
@@ -5294,7 +6874,7 @@
                 <a:t>1 </a:t>
               </a:r>
               <a:r>
-                <a:rPr lang="fr-FR" sz="4400" dirty="0">
+                <a:rPr lang="fr-FR" sz="4000" dirty="0">
                   <a:solidFill>
                     <a:srgbClr val="F9F6F1"/>
                   </a:solidFill>
@@ -5303,7 +6883,7 @@
                 <a:t>Université Côte d'Azur, Observatoire de la Côte d'Azur, CNRS, Laboratoire Lagrange, France</a:t>
               </a:r>
               <a:br>
-                <a:rPr lang="fr-FR" sz="4400" dirty="0">
+                <a:rPr lang="fr-FR" sz="4000" dirty="0">
                   <a:solidFill>
                     <a:srgbClr val="F9F6F1"/>
                   </a:solidFill>
@@ -5311,7 +6891,7 @@
                 </a:rPr>
               </a:br>
               <a:r>
-                <a:rPr lang="fr-FR" sz="1000" dirty="0">
+                <a:rPr lang="fr-FR" sz="900" dirty="0">
                   <a:solidFill>
                     <a:srgbClr val="F9F6F1"/>
                   </a:solidFill>
@@ -5320,7 +6900,7 @@
                 <a:t> </a:t>
               </a:r>
               <a:br>
-                <a:rPr lang="fr-FR" sz="4400" dirty="0">
+                <a:rPr lang="fr-FR" sz="4000" dirty="0">
                   <a:solidFill>
                     <a:srgbClr val="F9F6F1"/>
                   </a:solidFill>
@@ -5328,7 +6908,7 @@
                 </a:rPr>
               </a:br>
               <a:r>
-                <a:rPr lang="fr-FR" sz="4400" baseline="30000" dirty="0">
+                <a:rPr lang="fr-FR" sz="4000" baseline="30000" dirty="0">
                   <a:solidFill>
                     <a:srgbClr val="F9F6F1"/>
                   </a:solidFill>
@@ -5337,7 +6917,7 @@
                 <a:t>* </a:t>
               </a:r>
               <a:r>
-                <a:rPr lang="fr-FR" sz="4400" dirty="0">
+                <a:rPr lang="fr-FR" sz="4000" dirty="0">
                   <a:solidFill>
                     <a:srgbClr val="F9F6F1"/>
                   </a:solidFill>
@@ -5534,8 +7114,8 @@
         </p:nvGrpSpPr>
         <p:grpSpPr>
           <a:xfrm>
-            <a:off x="442451" y="38373624"/>
-            <a:ext cx="31514386" cy="4355068"/>
+            <a:off x="442451" y="38406906"/>
+            <a:ext cx="31514386" cy="4321785"/>
             <a:chOff x="442451" y="36388295"/>
             <a:chExt cx="31355071" cy="6340397"/>
           </a:xfrm>
@@ -5561,7 +7141,7 @@
             </a:xfrm>
             <a:prstGeom prst="roundRect">
               <a:avLst>
-                <a:gd name="adj" fmla="val 23228"/>
+                <a:gd name="adj" fmla="val 17810"/>
               </a:avLst>
             </a:prstGeom>
             <a:solidFill>
@@ -5742,7 +7322,7 @@
             </a:xfrm>
             <a:prstGeom prst="roundRect">
               <a:avLst>
-                <a:gd name="adj" fmla="val 21916"/>
+                <a:gd name="adj" fmla="val 17852"/>
               </a:avLst>
             </a:prstGeom>
             <a:solidFill>
@@ -5987,7 +7567,7 @@
         </p:nvGrpSpPr>
         <p:grpSpPr>
           <a:xfrm>
-            <a:off x="1323157" y="18277209"/>
+            <a:off x="1226891" y="18349634"/>
             <a:ext cx="8302682" cy="5940424"/>
             <a:chOff x="1323157" y="29845168"/>
             <a:chExt cx="8302682" cy="5940424"/>
@@ -6113,10 +7693,10 @@
         </p:nvGrpSpPr>
         <p:grpSpPr>
           <a:xfrm>
-            <a:off x="1312753" y="35249541"/>
-            <a:ext cx="8216820" cy="2431405"/>
-            <a:chOff x="22824491" y="33403509"/>
-            <a:chExt cx="8216820" cy="2431405"/>
+            <a:off x="1312753" y="35420675"/>
+            <a:ext cx="8216820" cy="2260271"/>
+            <a:chOff x="22824491" y="33574643"/>
+            <a:chExt cx="8216820" cy="2260271"/>
           </a:xfrm>
         </p:grpSpPr>
         <p:pic>
@@ -6147,8 +7727,8 @@
           </p:blipFill>
           <p:spPr>
             <a:xfrm>
-              <a:off x="24588511" y="33403509"/>
-              <a:ext cx="5559660" cy="1969740"/>
+              <a:off x="24593118" y="33574643"/>
+              <a:ext cx="5076627" cy="1798606"/>
             </a:xfrm>
             <a:prstGeom prst="rect">
               <a:avLst/>
@@ -6239,10 +7819,10 @@
         </p:nvGrpSpPr>
         <p:grpSpPr>
           <a:xfrm>
-            <a:off x="17637177" y="8879202"/>
-            <a:ext cx="14265938" cy="5223519"/>
-            <a:chOff x="9965380" y="9259889"/>
-            <a:chExt cx="11894114" cy="4355068"/>
+            <a:off x="18135053" y="8879202"/>
+            <a:ext cx="13768062" cy="5223519"/>
+            <a:chOff x="10380480" y="9259889"/>
+            <a:chExt cx="11479014" cy="4355068"/>
           </a:xfrm>
         </p:grpSpPr>
         <p:pic>
@@ -6305,8 +7885,8 @@
           </p:nvSpPr>
           <p:spPr>
             <a:xfrm>
-              <a:off x="9965380" y="13139946"/>
-              <a:ext cx="8216820" cy="461665"/>
+              <a:off x="10380480" y="13005804"/>
+              <a:ext cx="6705351" cy="384910"/>
             </a:xfrm>
             <a:prstGeom prst="rect">
               <a:avLst/>
@@ -6535,12 +8115,314 @@
           </a:effectLst>
         </p:spPr>
       </p:pic>
+      <p:grpSp>
+        <p:nvGrpSpPr>
+          <p:cNvPr id="18" name="Groupe 17">
+            <a:extLst>
+              <a:ext uri="{FF2B5EF4-FFF2-40B4-BE49-F238E27FC236}">
+                <a16:creationId xmlns:a16="http://schemas.microsoft.com/office/drawing/2014/main" id="{3A1629CC-D1E4-C4EE-8B0D-89779034CBA3}"/>
+              </a:ext>
+            </a:extLst>
+          </p:cNvPr>
+          <p:cNvGrpSpPr/>
+          <p:nvPr/>
+        </p:nvGrpSpPr>
+        <p:grpSpPr>
+          <a:xfrm>
+            <a:off x="803046" y="26863386"/>
+            <a:ext cx="9342903" cy="2865528"/>
+            <a:chOff x="802281" y="26767813"/>
+            <a:chExt cx="9342903" cy="2865528"/>
+          </a:xfrm>
+        </p:grpSpPr>
+        <p:pic>
+          <p:nvPicPr>
+            <p:cNvPr id="36" name="Image 35">
+              <a:extLst>
+                <a:ext uri="{FF2B5EF4-FFF2-40B4-BE49-F238E27FC236}">
+                  <a16:creationId xmlns:a16="http://schemas.microsoft.com/office/drawing/2014/main" id="{FAB18140-E76F-CB70-4A97-2CE39ED49838}"/>
+                </a:ext>
+              </a:extLst>
+            </p:cNvPr>
+            <p:cNvPicPr>
+              <a:picLocks noChangeAspect="1"/>
+            </p:cNvPicPr>
+            <p:nvPr/>
+          </p:nvPicPr>
+          <p:blipFill>
+            <a:blip r:embed="rId14"/>
+            <a:stretch>
+              <a:fillRect/>
+            </a:stretch>
+          </p:blipFill>
+          <p:spPr>
+            <a:xfrm>
+              <a:off x="802281" y="26775442"/>
+              <a:ext cx="3286584" cy="2857899"/>
+            </a:xfrm>
+            <a:prstGeom prst="rect">
+              <a:avLst/>
+            </a:prstGeom>
+            <a:ln>
+              <a:noFill/>
+            </a:ln>
+            <a:effectLst>
+              <a:outerShdw blurRad="292100" dist="139700" dir="2700000" algn="tl" rotWithShape="0">
+                <a:srgbClr val="333333">
+                  <a:alpha val="65000"/>
+                </a:srgbClr>
+              </a:outerShdw>
+            </a:effectLst>
+          </p:spPr>
+        </p:pic>
+        <p:sp>
+          <p:nvSpPr>
+            <p:cNvPr id="16" name="ZoneTexte 15">
+              <a:extLst>
+                <a:ext uri="{FF2B5EF4-FFF2-40B4-BE49-F238E27FC236}">
+                  <a16:creationId xmlns:a16="http://schemas.microsoft.com/office/drawing/2014/main" id="{177D92A3-40EA-A14A-B88C-91068631BB28}"/>
+                </a:ext>
+              </a:extLst>
+            </p:cNvPr>
+            <p:cNvSpPr txBox="1"/>
+            <p:nvPr/>
+          </p:nvSpPr>
+          <p:spPr>
+            <a:xfrm>
+              <a:off x="4293636" y="26767813"/>
+              <a:ext cx="5851548" cy="2677656"/>
+            </a:xfrm>
+            <a:prstGeom prst="rect">
+              <a:avLst/>
+            </a:prstGeom>
+            <a:noFill/>
+          </p:spPr>
+          <p:txBody>
+            <a:bodyPr wrap="square" rtlCol="0">
+              <a:spAutoFit/>
+            </a:bodyPr>
+            <a:lstStyle/>
+            <a:p>
+              <a:r>
+                <a:rPr lang="fr-FR" sz="2400" dirty="0">
+                  <a:latin typeface="Gill Sans Nova" panose="020B0602020104020203" pitchFamily="34" charset="0"/>
+                </a:rPr>
+                <a:t>Figure 3: Transmission map of one of the Kernels </a:t>
+              </a:r>
+              <a:r>
+                <a:rPr lang="fr-FR" sz="2400" dirty="0" err="1">
+                  <a:latin typeface="Gill Sans Nova" panose="020B0602020104020203" pitchFamily="34" charset="0"/>
+                </a:rPr>
+                <a:t>obtained</a:t>
+              </a:r>
+              <a:r>
+                <a:rPr lang="fr-FR" sz="2400" dirty="0">
+                  <a:latin typeface="Gill Sans Nova" panose="020B0602020104020203" pitchFamily="34" charset="0"/>
+                </a:rPr>
+                <a:t> </a:t>
+              </a:r>
+              <a:r>
+                <a:rPr lang="fr-FR" sz="2400" dirty="0" err="1">
+                  <a:latin typeface="Gill Sans Nova" panose="020B0602020104020203" pitchFamily="34" charset="0"/>
+                </a:rPr>
+                <a:t>using</a:t>
+              </a:r>
+              <a:r>
+                <a:rPr lang="fr-FR" sz="2400" dirty="0">
+                  <a:latin typeface="Gill Sans Nova" panose="020B0602020104020203" pitchFamily="34" charset="0"/>
+                </a:rPr>
+                <a:t> the 4 </a:t>
+              </a:r>
+              <a:r>
+                <a:rPr lang="fr-FR" sz="2400" dirty="0" err="1">
+                  <a:latin typeface="Gill Sans Nova" panose="020B0602020104020203" pitchFamily="34" charset="0"/>
+                </a:rPr>
+                <a:t>telescopes</a:t>
+              </a:r>
+              <a:r>
+                <a:rPr lang="fr-FR" sz="2400" dirty="0">
+                  <a:latin typeface="Gill Sans Nova" panose="020B0602020104020203" pitchFamily="34" charset="0"/>
+                </a:rPr>
+                <a:t> of the VLTI. The transmission zones and blind bands are </a:t>
+              </a:r>
+              <a:r>
+                <a:rPr lang="fr-FR" sz="2400" dirty="0" err="1">
+                  <a:latin typeface="Gill Sans Nova" panose="020B0602020104020203" pitchFamily="34" charset="0"/>
+                </a:rPr>
+                <a:t>directly</a:t>
+              </a:r>
+              <a:r>
+                <a:rPr lang="fr-FR" sz="2400" dirty="0">
+                  <a:latin typeface="Gill Sans Nova" panose="020B0602020104020203" pitchFamily="34" charset="0"/>
+                </a:rPr>
+                <a:t> </a:t>
+              </a:r>
+              <a:r>
+                <a:rPr lang="fr-FR" sz="2400" dirty="0" err="1">
+                  <a:latin typeface="Gill Sans Nova" panose="020B0602020104020203" pitchFamily="34" charset="0"/>
+                </a:rPr>
+                <a:t>derived</a:t>
+              </a:r>
+              <a:r>
+                <a:rPr lang="fr-FR" sz="2400" dirty="0">
+                  <a:latin typeface="Gill Sans Nova" panose="020B0602020104020203" pitchFamily="34" charset="0"/>
+                </a:rPr>
+                <a:t> </a:t>
+              </a:r>
+              <a:r>
+                <a:rPr lang="fr-FR" sz="2400" dirty="0" err="1">
+                  <a:latin typeface="Gill Sans Nova" panose="020B0602020104020203" pitchFamily="34" charset="0"/>
+                </a:rPr>
+                <a:t>from</a:t>
+              </a:r>
+              <a:r>
+                <a:rPr lang="fr-FR" sz="2400" dirty="0">
+                  <a:latin typeface="Gill Sans Nova" panose="020B0602020104020203" pitchFamily="34" charset="0"/>
+                </a:rPr>
+                <a:t> the UT position. By </a:t>
+              </a:r>
+              <a:r>
+                <a:rPr lang="fr-FR" sz="2400" dirty="0" err="1">
+                  <a:latin typeface="Gill Sans Nova" panose="020B0602020104020203" pitchFamily="34" charset="0"/>
+                </a:rPr>
+                <a:t>rotating</a:t>
+              </a:r>
+              <a:r>
+                <a:rPr lang="fr-FR" sz="2400" dirty="0">
+                  <a:latin typeface="Gill Sans Nova" panose="020B0602020104020203" pitchFamily="34" charset="0"/>
+                </a:rPr>
+                <a:t> the </a:t>
+              </a:r>
+              <a:r>
+                <a:rPr lang="fr-FR" sz="2400" dirty="0" err="1">
+                  <a:latin typeface="Gill Sans Nova" panose="020B0602020104020203" pitchFamily="34" charset="0"/>
+                </a:rPr>
+                <a:t>baseline</a:t>
+              </a:r>
+              <a:r>
+                <a:rPr lang="fr-FR" sz="2400" dirty="0">
+                  <a:latin typeface="Gill Sans Nova" panose="020B0602020104020203" pitchFamily="34" charset="0"/>
+                </a:rPr>
+                <a:t>, </a:t>
+              </a:r>
+              <a:r>
+                <a:rPr lang="fr-FR" sz="2400" dirty="0" err="1">
+                  <a:latin typeface="Gill Sans Nova" panose="020B0602020104020203" pitchFamily="34" charset="0"/>
+                </a:rPr>
+                <a:t>we</a:t>
+              </a:r>
+              <a:r>
+                <a:rPr lang="fr-FR" sz="2400" dirty="0">
+                  <a:latin typeface="Gill Sans Nova" panose="020B0602020104020203" pitchFamily="34" charset="0"/>
+                </a:rPr>
+                <a:t> can </a:t>
+              </a:r>
+              <a:r>
+                <a:rPr lang="fr-FR" sz="2400" dirty="0" err="1">
+                  <a:latin typeface="Gill Sans Nova" panose="020B0602020104020203" pitchFamily="34" charset="0"/>
+                </a:rPr>
+                <a:t>get</a:t>
+              </a:r>
+              <a:r>
+                <a:rPr lang="fr-FR" sz="2400" dirty="0">
+                  <a:latin typeface="Gill Sans Nova" panose="020B0602020104020203" pitchFamily="34" charset="0"/>
+                </a:rPr>
+                <a:t> a </a:t>
+              </a:r>
+              <a:r>
+                <a:rPr lang="fr-FR" sz="2400" dirty="0" err="1">
+                  <a:latin typeface="Gill Sans Nova" panose="020B0602020104020203" pitchFamily="34" charset="0"/>
+                </a:rPr>
+                <a:t>modulated</a:t>
+              </a:r>
+              <a:r>
+                <a:rPr lang="fr-FR" sz="2400" dirty="0">
+                  <a:latin typeface="Gill Sans Nova" panose="020B0602020104020203" pitchFamily="34" charset="0"/>
+                </a:rPr>
+                <a:t> signal </a:t>
+              </a:r>
+              <a:r>
+                <a:rPr lang="fr-FR" sz="2400" dirty="0" err="1">
+                  <a:latin typeface="Gill Sans Nova" panose="020B0602020104020203" pitchFamily="34" charset="0"/>
+                </a:rPr>
+                <a:t>from</a:t>
+              </a:r>
+              <a:r>
+                <a:rPr lang="fr-FR" sz="2400" dirty="0">
+                  <a:latin typeface="Gill Sans Nova" panose="020B0602020104020203" pitchFamily="34" charset="0"/>
+                </a:rPr>
+                <a:t> </a:t>
+              </a:r>
+              <a:r>
+                <a:rPr lang="fr-FR" sz="2400" dirty="0" err="1">
+                  <a:latin typeface="Gill Sans Nova" panose="020B0602020104020203" pitchFamily="34" charset="0"/>
+                </a:rPr>
+                <a:t>which</a:t>
+              </a:r>
+              <a:r>
+                <a:rPr lang="fr-FR" sz="2400" dirty="0">
+                  <a:latin typeface="Gill Sans Nova" panose="020B0602020104020203" pitchFamily="34" charset="0"/>
+                </a:rPr>
+                <a:t> </a:t>
+              </a:r>
+              <a:r>
+                <a:rPr lang="fr-FR" sz="2400" dirty="0" err="1">
+                  <a:latin typeface="Gill Sans Nova" panose="020B0602020104020203" pitchFamily="34" charset="0"/>
+                </a:rPr>
+                <a:t>we</a:t>
+              </a:r>
+              <a:r>
+                <a:rPr lang="fr-FR" sz="2400" dirty="0">
+                  <a:latin typeface="Gill Sans Nova" panose="020B0602020104020203" pitchFamily="34" charset="0"/>
+                </a:rPr>
+                <a:t> can </a:t>
+              </a:r>
+              <a:r>
+                <a:rPr lang="fr-FR" sz="2400" dirty="0" err="1">
+                  <a:latin typeface="Gill Sans Nova" panose="020B0602020104020203" pitchFamily="34" charset="0"/>
+                </a:rPr>
+                <a:t>precisely</a:t>
+              </a:r>
+              <a:r>
+                <a:rPr lang="fr-FR" sz="2400" dirty="0">
+                  <a:latin typeface="Gill Sans Nova" panose="020B0602020104020203" pitchFamily="34" charset="0"/>
+                </a:rPr>
+                <a:t> </a:t>
+              </a:r>
+              <a:r>
+                <a:rPr lang="fr-FR" sz="2400" dirty="0" err="1">
+                  <a:latin typeface="Gill Sans Nova" panose="020B0602020104020203" pitchFamily="34" charset="0"/>
+                </a:rPr>
+                <a:t>constrain</a:t>
+              </a:r>
+              <a:r>
+                <a:rPr lang="fr-FR" sz="2400" dirty="0">
+                  <a:latin typeface="Gill Sans Nova" panose="020B0602020104020203" pitchFamily="34" charset="0"/>
+                </a:rPr>
+                <a:t> the </a:t>
+              </a:r>
+              <a:r>
+                <a:rPr lang="fr-FR" sz="2400" dirty="0" err="1">
+                  <a:latin typeface="Gill Sans Nova" panose="020B0602020104020203" pitchFamily="34" charset="0"/>
+                </a:rPr>
+                <a:t>planet</a:t>
+              </a:r>
+              <a:r>
+                <a:rPr lang="fr-FR" sz="2400" dirty="0">
+                  <a:latin typeface="Gill Sans Nova" panose="020B0602020104020203" pitchFamily="34" charset="0"/>
+                </a:rPr>
+                <a:t> position.</a:t>
+              </a:r>
+            </a:p>
+          </p:txBody>
+        </p:sp>
+      </p:grpSp>
       <p:pic>
         <p:nvPicPr>
-          <p:cNvPr id="36" name="Image 35">
+          <p:cNvPr id="38" name="Image 37" descr="Une image contenant plein air, ciel, étoile, nuit&#10;&#10;Description générée automatiquement">
             <a:extLst>
               <a:ext uri="{FF2B5EF4-FFF2-40B4-BE49-F238E27FC236}">
-                <a16:creationId xmlns:a16="http://schemas.microsoft.com/office/drawing/2014/main" id="{FAB18140-E76F-CB70-4A97-2CE39ED49838}"/>
+                <a16:creationId xmlns:a16="http://schemas.microsoft.com/office/drawing/2014/main" id="{A42569CA-D4FD-5D2B-4929-6CA6CF69109C}"/>
               </a:ext>
             </a:extLst>
           </p:cNvPr>
@@ -6550,26 +8432,36 @@
           <p:nvPr/>
         </p:nvPicPr>
         <p:blipFill>
-          <a:blip r:embed="rId14"/>
+          <a:blip r:embed="rId15">
+            <a:extLst>
+              <a:ext uri="{28A0092B-C50C-407E-A947-70E740481C1C}">
+                <a14:useLocalDpi xmlns:a14="http://schemas.microsoft.com/office/drawing/2010/main" val="0"/>
+              </a:ext>
+            </a:extLst>
+          </a:blip>
           <a:stretch>
             <a:fillRect/>
           </a:stretch>
         </p:blipFill>
         <p:spPr>
           <a:xfrm>
-            <a:off x="971038" y="25979682"/>
-            <a:ext cx="3286584" cy="2857899"/>
+            <a:off x="1504335" y="718076"/>
+            <a:ext cx="8482300" cy="5301437"/>
           </a:xfrm>
           <a:prstGeom prst="rect">
             <a:avLst/>
           </a:prstGeom>
-          <a:ln>
-            <a:noFill/>
+          <a:ln w="38100" cap="sq">
+            <a:solidFill>
+              <a:srgbClr val="000000"/>
+            </a:solidFill>
+            <a:prstDash val="solid"/>
+            <a:miter lim="800000"/>
           </a:ln>
           <a:effectLst>
-            <a:outerShdw blurRad="292100" dist="139700" dir="2700000" algn="tl" rotWithShape="0">
-              <a:srgbClr val="333333">
-                <a:alpha val="65000"/>
+            <a:outerShdw blurRad="50800" dist="38100" dir="2700000" algn="tl" rotWithShape="0">
+              <a:srgbClr val="000000">
+                <a:alpha val="43000"/>
               </a:srgbClr>
             </a:outerShdw>
           </a:effectLst>

--- a/docs/Poster/Poster.pptx
+++ b/docs/Poster/Poster.pptx
@@ -243,7 +243,7 @@
           <a:p>
             <a:fld id="{70533FD3-F370-458C-BCE8-160857C0EEE2}" type="datetimeFigureOut">
               <a:rPr lang="fr-FR" smtClean="0"/>
-              <a:t>03/05/2024</a:t>
+              <a:t>10/05/2024</a:t>
             </a:fld>
             <a:endParaRPr lang="fr-FR"/>
           </a:p>
@@ -285,7 +285,7 @@
           <a:p>
             <a:fld id="{30D7D844-E7F4-4E2F-A407-23458DD25894}" type="slidenum">
               <a:rPr lang="fr-FR" smtClean="0"/>
-              <a:t>‹N°›</a:t>
+              <a:t>‹#›</a:t>
             </a:fld>
             <a:endParaRPr lang="fr-FR"/>
           </a:p>
@@ -413,7 +413,7 @@
           <a:p>
             <a:fld id="{70533FD3-F370-458C-BCE8-160857C0EEE2}" type="datetimeFigureOut">
               <a:rPr lang="fr-FR" smtClean="0"/>
-              <a:t>03/05/2024</a:t>
+              <a:t>10/05/2024</a:t>
             </a:fld>
             <a:endParaRPr lang="fr-FR"/>
           </a:p>
@@ -455,7 +455,7 @@
           <a:p>
             <a:fld id="{30D7D844-E7F4-4E2F-A407-23458DD25894}" type="slidenum">
               <a:rPr lang="fr-FR" smtClean="0"/>
-              <a:t>‹N°›</a:t>
+              <a:t>‹#›</a:t>
             </a:fld>
             <a:endParaRPr lang="fr-FR"/>
           </a:p>
@@ -593,7 +593,7 @@
           <a:p>
             <a:fld id="{70533FD3-F370-458C-BCE8-160857C0EEE2}" type="datetimeFigureOut">
               <a:rPr lang="fr-FR" smtClean="0"/>
-              <a:t>03/05/2024</a:t>
+              <a:t>10/05/2024</a:t>
             </a:fld>
             <a:endParaRPr lang="fr-FR"/>
           </a:p>
@@ -635,7 +635,7 @@
           <a:p>
             <a:fld id="{30D7D844-E7F4-4E2F-A407-23458DD25894}" type="slidenum">
               <a:rPr lang="fr-FR" smtClean="0"/>
-              <a:t>‹N°›</a:t>
+              <a:t>‹#›</a:t>
             </a:fld>
             <a:endParaRPr lang="fr-FR"/>
           </a:p>
@@ -763,7 +763,7 @@
           <a:p>
             <a:fld id="{70533FD3-F370-458C-BCE8-160857C0EEE2}" type="datetimeFigureOut">
               <a:rPr lang="fr-FR" smtClean="0"/>
-              <a:t>03/05/2024</a:t>
+              <a:t>10/05/2024</a:t>
             </a:fld>
             <a:endParaRPr lang="fr-FR"/>
           </a:p>
@@ -805,7 +805,7 @@
           <a:p>
             <a:fld id="{30D7D844-E7F4-4E2F-A407-23458DD25894}" type="slidenum">
               <a:rPr lang="fr-FR" smtClean="0"/>
-              <a:t>‹N°›</a:t>
+              <a:t>‹#›</a:t>
             </a:fld>
             <a:endParaRPr lang="fr-FR"/>
           </a:p>
@@ -1009,7 +1009,7 @@
           <a:p>
             <a:fld id="{70533FD3-F370-458C-BCE8-160857C0EEE2}" type="datetimeFigureOut">
               <a:rPr lang="fr-FR" smtClean="0"/>
-              <a:t>03/05/2024</a:t>
+              <a:t>10/05/2024</a:t>
             </a:fld>
             <a:endParaRPr lang="fr-FR"/>
           </a:p>
@@ -1051,7 +1051,7 @@
           <a:p>
             <a:fld id="{30D7D844-E7F4-4E2F-A407-23458DD25894}" type="slidenum">
               <a:rPr lang="fr-FR" smtClean="0"/>
-              <a:t>‹N°›</a:t>
+              <a:t>‹#›</a:t>
             </a:fld>
             <a:endParaRPr lang="fr-FR"/>
           </a:p>
@@ -1241,7 +1241,7 @@
           <a:p>
             <a:fld id="{70533FD3-F370-458C-BCE8-160857C0EEE2}" type="datetimeFigureOut">
               <a:rPr lang="fr-FR" smtClean="0"/>
-              <a:t>03/05/2024</a:t>
+              <a:t>10/05/2024</a:t>
             </a:fld>
             <a:endParaRPr lang="fr-FR"/>
           </a:p>
@@ -1283,7 +1283,7 @@
           <a:p>
             <a:fld id="{30D7D844-E7F4-4E2F-A407-23458DD25894}" type="slidenum">
               <a:rPr lang="fr-FR" smtClean="0"/>
-              <a:t>‹N°›</a:t>
+              <a:t>‹#›</a:t>
             </a:fld>
             <a:endParaRPr lang="fr-FR"/>
           </a:p>
@@ -1608,7 +1608,7 @@
           <a:p>
             <a:fld id="{70533FD3-F370-458C-BCE8-160857C0EEE2}" type="datetimeFigureOut">
               <a:rPr lang="fr-FR" smtClean="0"/>
-              <a:t>03/05/2024</a:t>
+              <a:t>10/05/2024</a:t>
             </a:fld>
             <a:endParaRPr lang="fr-FR"/>
           </a:p>
@@ -1650,7 +1650,7 @@
           <a:p>
             <a:fld id="{30D7D844-E7F4-4E2F-A407-23458DD25894}" type="slidenum">
               <a:rPr lang="fr-FR" smtClean="0"/>
-              <a:t>‹N°›</a:t>
+              <a:t>‹#›</a:t>
             </a:fld>
             <a:endParaRPr lang="fr-FR"/>
           </a:p>
@@ -1726,7 +1726,7 @@
           <a:p>
             <a:fld id="{70533FD3-F370-458C-BCE8-160857C0EEE2}" type="datetimeFigureOut">
               <a:rPr lang="fr-FR" smtClean="0"/>
-              <a:t>03/05/2024</a:t>
+              <a:t>10/05/2024</a:t>
             </a:fld>
             <a:endParaRPr lang="fr-FR"/>
           </a:p>
@@ -1768,7 +1768,7 @@
           <a:p>
             <a:fld id="{30D7D844-E7F4-4E2F-A407-23458DD25894}" type="slidenum">
               <a:rPr lang="fr-FR" smtClean="0"/>
-              <a:t>‹N°›</a:t>
+              <a:t>‹#›</a:t>
             </a:fld>
             <a:endParaRPr lang="fr-FR"/>
           </a:p>
@@ -1821,7 +1821,7 @@
           <a:p>
             <a:fld id="{70533FD3-F370-458C-BCE8-160857C0EEE2}" type="datetimeFigureOut">
               <a:rPr lang="fr-FR" smtClean="0"/>
-              <a:t>03/05/2024</a:t>
+              <a:t>10/05/2024</a:t>
             </a:fld>
             <a:endParaRPr lang="fr-FR"/>
           </a:p>
@@ -1863,7 +1863,7 @@
           <a:p>
             <a:fld id="{30D7D844-E7F4-4E2F-A407-23458DD25894}" type="slidenum">
               <a:rPr lang="fr-FR" smtClean="0"/>
-              <a:t>‹N°›</a:t>
+              <a:t>‹#›</a:t>
             </a:fld>
             <a:endParaRPr lang="fr-FR"/>
           </a:p>
@@ -2098,7 +2098,7 @@
           <a:p>
             <a:fld id="{70533FD3-F370-458C-BCE8-160857C0EEE2}" type="datetimeFigureOut">
               <a:rPr lang="fr-FR" smtClean="0"/>
-              <a:t>03/05/2024</a:t>
+              <a:t>10/05/2024</a:t>
             </a:fld>
             <a:endParaRPr lang="fr-FR"/>
           </a:p>
@@ -2140,7 +2140,7 @@
           <a:p>
             <a:fld id="{30D7D844-E7F4-4E2F-A407-23458DD25894}" type="slidenum">
               <a:rPr lang="fr-FR" smtClean="0"/>
-              <a:t>‹N°›</a:t>
+              <a:t>‹#›</a:t>
             </a:fld>
             <a:endParaRPr lang="fr-FR"/>
           </a:p>
@@ -2355,7 +2355,7 @@
           <a:p>
             <a:fld id="{70533FD3-F370-458C-BCE8-160857C0EEE2}" type="datetimeFigureOut">
               <a:rPr lang="fr-FR" smtClean="0"/>
-              <a:t>03/05/2024</a:t>
+              <a:t>10/05/2024</a:t>
             </a:fld>
             <a:endParaRPr lang="fr-FR"/>
           </a:p>
@@ -2397,7 +2397,7 @@
           <a:p>
             <a:fld id="{30D7D844-E7F4-4E2F-A407-23458DD25894}" type="slidenum">
               <a:rPr lang="fr-FR" smtClean="0"/>
-              <a:t>‹N°›</a:t>
+              <a:t>‹#›</a:t>
             </a:fld>
             <a:endParaRPr lang="fr-FR"/>
           </a:p>
@@ -2568,7 +2568,7 @@
           <a:p>
             <a:fld id="{70533FD3-F370-458C-BCE8-160857C0EEE2}" type="datetimeFigureOut">
               <a:rPr lang="fr-FR" smtClean="0"/>
-              <a:t>03/05/2024</a:t>
+              <a:t>10/05/2024</a:t>
             </a:fld>
             <a:endParaRPr lang="fr-FR"/>
           </a:p>
@@ -2646,7 +2646,7 @@
           <a:p>
             <a:fld id="{30D7D844-E7F4-4E2F-A407-23458DD25894}" type="slidenum">
               <a:rPr lang="fr-FR" smtClean="0"/>
-              <a:t>‹N°›</a:t>
+              <a:t>‹#›</a:t>
             </a:fld>
             <a:endParaRPr lang="fr-FR"/>
           </a:p>
@@ -2981,6 +2981,368 @@
           <a:chExt cx="0" cy="0"/>
         </a:xfrm>
       </p:grpSpPr>
+      <p:sp>
+        <p:nvSpPr>
+          <p:cNvPr id="50" name="Rectangle : coins arrondis 49">
+            <a:extLst>
+              <a:ext uri="{FF2B5EF4-FFF2-40B4-BE49-F238E27FC236}">
+                <a16:creationId xmlns:a16="http://schemas.microsoft.com/office/drawing/2014/main" id="{02819D62-C7BD-9B92-33F8-E8E75BD2AAEE}"/>
+              </a:ext>
+            </a:extLst>
+          </p:cNvPr>
+          <p:cNvSpPr>
+            <a:spLocks/>
+          </p:cNvSpPr>
+          <p:nvPr/>
+        </p:nvSpPr>
+        <p:spPr>
+          <a:xfrm>
+            <a:off x="10901392" y="23676362"/>
+            <a:ext cx="10425140" cy="15009336"/>
+          </a:xfrm>
+          <a:prstGeom prst="roundRect">
+            <a:avLst>
+              <a:gd name="adj" fmla="val 8076"/>
+            </a:avLst>
+          </a:prstGeom>
+          <a:solidFill>
+            <a:srgbClr val="E7E1D5"/>
+          </a:solidFill>
+          <a:ln>
+            <a:noFill/>
+          </a:ln>
+        </p:spPr>
+        <p:style>
+          <a:lnRef idx="2">
+            <a:schemeClr val="accent1">
+              <a:shade val="15000"/>
+            </a:schemeClr>
+          </a:lnRef>
+          <a:fillRef idx="1">
+            <a:schemeClr val="accent1"/>
+          </a:fillRef>
+          <a:effectRef idx="0">
+            <a:schemeClr val="accent1"/>
+          </a:effectRef>
+          <a:fontRef idx="minor">
+            <a:schemeClr val="lt1"/>
+          </a:fontRef>
+        </p:style>
+        <p:txBody>
+          <a:bodyPr rtlCol="0" anchor="t"/>
+          <a:lstStyle/>
+          <a:p>
+            <a:pPr marL="0" marR="0" lvl="0" indent="0" algn="ctr" defTabSz="457200" rtl="0" eaLnBrk="1" fontAlgn="auto" latinLnBrk="0" hangingPunct="1">
+              <a:lnSpc>
+                <a:spcPct val="100000"/>
+              </a:lnSpc>
+              <a:spcBef>
+                <a:spcPts val="0"/>
+              </a:spcBef>
+              <a:spcAft>
+                <a:spcPts val="0"/>
+              </a:spcAft>
+              <a:buClrTx/>
+              <a:buSzTx/>
+              <a:buFontTx/>
+              <a:buNone/>
+              <a:tabLst/>
+              <a:defRPr/>
+            </a:pPr>
+            <a:r>
+              <a:rPr lang="en-US" sz="4800" dirty="0">
+                <a:solidFill>
+                  <a:srgbClr val="37322F"/>
+                </a:solidFill>
+                <a:latin typeface="Congenial SemiBold" panose="02000503040000020004" pitchFamily="2" charset="0"/>
+                <a:cs typeface="Aharoni" panose="020F0502020204030204" pitchFamily="2" charset="-79"/>
+              </a:rPr>
+              <a:t>Distribution analysis 📊</a:t>
+            </a:r>
+            <a:r>
+              <a:rPr kumimoji="0" lang="en-US" sz="2000" b="0" i="0" u="sng" strike="noStrike" kern="1200" cap="none" spc="0" normalizeH="0" baseline="0" noProof="0" dirty="0">
+                <a:ln>
+                  <a:noFill/>
+                </a:ln>
+                <a:solidFill>
+                  <a:srgbClr val="37322F"/>
+                </a:solidFill>
+                <a:effectLst/>
+                <a:uLnTx/>
+                <a:uFillTx/>
+                <a:latin typeface="Gill Sans Nova" panose="020B0602020104020203" pitchFamily="34" charset="0"/>
+                <a:ea typeface="+mn-ea"/>
+                <a:cs typeface="Aharoni" panose="020F0502020204030204" pitchFamily="2" charset="-79"/>
+              </a:rPr>
+              <a:t> </a:t>
+            </a:r>
+          </a:p>
+          <a:p>
+            <a:pPr marR="0" lvl="0" algn="l" defTabSz="457200" rtl="0" eaLnBrk="1" fontAlgn="auto" latinLnBrk="0" hangingPunct="1">
+              <a:lnSpc>
+                <a:spcPct val="100000"/>
+              </a:lnSpc>
+              <a:spcBef>
+                <a:spcPts val="0"/>
+              </a:spcBef>
+              <a:spcAft>
+                <a:spcPts val="0"/>
+              </a:spcAft>
+              <a:buClrTx/>
+              <a:buSzTx/>
+              <a:tabLst/>
+              <a:defRPr/>
+            </a:pPr>
+            <a:r>
+              <a:rPr lang="en-US" sz="3200" dirty="0">
+                <a:solidFill>
+                  <a:srgbClr val="37322F"/>
+                </a:solidFill>
+                <a:latin typeface="Gill Sans Nova" panose="020B0602020104020203" pitchFamily="34" charset="0"/>
+              </a:rPr>
+              <a:t>By introducing input phase aberrations, the system is not able to perfectly cancel the star light. By multiplying the observation, we obtain such distribution:</a:t>
+            </a:r>
+          </a:p>
+          <a:p>
+            <a:pPr marR="0" lvl="0" algn="l" defTabSz="457200" rtl="0" eaLnBrk="1" fontAlgn="auto" latinLnBrk="0" hangingPunct="1">
+              <a:lnSpc>
+                <a:spcPct val="100000"/>
+              </a:lnSpc>
+              <a:spcBef>
+                <a:spcPts val="0"/>
+              </a:spcBef>
+              <a:spcAft>
+                <a:spcPts val="0"/>
+              </a:spcAft>
+              <a:buClrTx/>
+              <a:buSzTx/>
+              <a:tabLst/>
+              <a:defRPr/>
+            </a:pPr>
+            <a:endParaRPr lang="en-US" sz="3200" dirty="0">
+              <a:solidFill>
+                <a:srgbClr val="37322F"/>
+              </a:solidFill>
+              <a:latin typeface="Gill Sans Nova" panose="020B0602020104020203" pitchFamily="34" charset="0"/>
+            </a:endParaRPr>
+          </a:p>
+          <a:p>
+            <a:pPr marR="0" lvl="0" algn="l" defTabSz="457200" rtl="0" eaLnBrk="1" fontAlgn="auto" latinLnBrk="0" hangingPunct="1">
+              <a:lnSpc>
+                <a:spcPct val="100000"/>
+              </a:lnSpc>
+              <a:spcBef>
+                <a:spcPts val="0"/>
+              </a:spcBef>
+              <a:spcAft>
+                <a:spcPts val="0"/>
+              </a:spcAft>
+              <a:buClrTx/>
+              <a:buSzTx/>
+              <a:tabLst/>
+              <a:defRPr/>
+            </a:pPr>
+            <a:endParaRPr lang="en-US" sz="3200" dirty="0">
+              <a:solidFill>
+                <a:srgbClr val="37322F"/>
+              </a:solidFill>
+              <a:latin typeface="Gill Sans Nova" panose="020B0602020104020203" pitchFamily="34" charset="0"/>
+            </a:endParaRPr>
+          </a:p>
+          <a:p>
+            <a:pPr marR="0" lvl="0" algn="l" defTabSz="457200" rtl="0" eaLnBrk="1" fontAlgn="auto" latinLnBrk="0" hangingPunct="1">
+              <a:lnSpc>
+                <a:spcPct val="100000"/>
+              </a:lnSpc>
+              <a:spcBef>
+                <a:spcPts val="0"/>
+              </a:spcBef>
+              <a:spcAft>
+                <a:spcPts val="0"/>
+              </a:spcAft>
+              <a:buClrTx/>
+              <a:buSzTx/>
+              <a:tabLst/>
+              <a:defRPr/>
+            </a:pPr>
+            <a:endParaRPr lang="en-US" sz="3200" dirty="0">
+              <a:solidFill>
+                <a:srgbClr val="37322F"/>
+              </a:solidFill>
+              <a:latin typeface="Gill Sans Nova" panose="020B0602020104020203" pitchFamily="34" charset="0"/>
+            </a:endParaRPr>
+          </a:p>
+          <a:p>
+            <a:pPr marR="0" lvl="0" algn="l" defTabSz="457200" rtl="0" eaLnBrk="1" fontAlgn="auto" latinLnBrk="0" hangingPunct="1">
+              <a:lnSpc>
+                <a:spcPct val="100000"/>
+              </a:lnSpc>
+              <a:spcBef>
+                <a:spcPts val="0"/>
+              </a:spcBef>
+              <a:spcAft>
+                <a:spcPts val="0"/>
+              </a:spcAft>
+              <a:buClrTx/>
+              <a:buSzTx/>
+              <a:tabLst/>
+              <a:defRPr/>
+            </a:pPr>
+            <a:endParaRPr lang="en-US" sz="3200" dirty="0">
+              <a:solidFill>
+                <a:srgbClr val="37322F"/>
+              </a:solidFill>
+              <a:latin typeface="Gill Sans Nova" panose="020B0602020104020203" pitchFamily="34" charset="0"/>
+            </a:endParaRPr>
+          </a:p>
+          <a:p>
+            <a:pPr marR="0" lvl="0" algn="l" defTabSz="457200" rtl="0" eaLnBrk="1" fontAlgn="auto" latinLnBrk="0" hangingPunct="1">
+              <a:lnSpc>
+                <a:spcPct val="100000"/>
+              </a:lnSpc>
+              <a:spcBef>
+                <a:spcPts val="0"/>
+              </a:spcBef>
+              <a:spcAft>
+                <a:spcPts val="0"/>
+              </a:spcAft>
+              <a:buClrTx/>
+              <a:buSzTx/>
+              <a:tabLst/>
+              <a:defRPr/>
+            </a:pPr>
+            <a:endParaRPr lang="en-US" sz="3200" dirty="0">
+              <a:solidFill>
+                <a:srgbClr val="37322F"/>
+              </a:solidFill>
+              <a:latin typeface="Gill Sans Nova" panose="020B0602020104020203" pitchFamily="34" charset="0"/>
+            </a:endParaRPr>
+          </a:p>
+          <a:p>
+            <a:pPr marR="0" lvl="0" algn="l" defTabSz="457200" rtl="0" eaLnBrk="1" fontAlgn="auto" latinLnBrk="0" hangingPunct="1">
+              <a:lnSpc>
+                <a:spcPct val="100000"/>
+              </a:lnSpc>
+              <a:spcBef>
+                <a:spcPts val="0"/>
+              </a:spcBef>
+              <a:spcAft>
+                <a:spcPts val="0"/>
+              </a:spcAft>
+              <a:buClrTx/>
+              <a:buSzTx/>
+              <a:tabLst/>
+              <a:defRPr/>
+            </a:pPr>
+            <a:endParaRPr lang="en-US" sz="3200" dirty="0">
+              <a:solidFill>
+                <a:srgbClr val="37322F"/>
+              </a:solidFill>
+              <a:latin typeface="Gill Sans Nova" panose="020B0602020104020203" pitchFamily="34" charset="0"/>
+            </a:endParaRPr>
+          </a:p>
+          <a:p>
+            <a:pPr marR="0" lvl="0" algn="l" defTabSz="457200" rtl="0" eaLnBrk="1" fontAlgn="auto" latinLnBrk="0" hangingPunct="1">
+              <a:lnSpc>
+                <a:spcPct val="100000"/>
+              </a:lnSpc>
+              <a:spcBef>
+                <a:spcPts val="0"/>
+              </a:spcBef>
+              <a:spcAft>
+                <a:spcPts val="0"/>
+              </a:spcAft>
+              <a:buClrTx/>
+              <a:buSzTx/>
+              <a:tabLst/>
+              <a:defRPr/>
+            </a:pPr>
+            <a:endParaRPr lang="en-US" sz="3200" dirty="0">
+              <a:solidFill>
+                <a:srgbClr val="37322F"/>
+              </a:solidFill>
+              <a:latin typeface="Gill Sans Nova" panose="020B0602020104020203" pitchFamily="34" charset="0"/>
+            </a:endParaRPr>
+          </a:p>
+          <a:p>
+            <a:pPr marR="0" lvl="0" algn="l" defTabSz="457200" rtl="0" eaLnBrk="1" fontAlgn="auto" latinLnBrk="0" hangingPunct="1">
+              <a:lnSpc>
+                <a:spcPct val="100000"/>
+              </a:lnSpc>
+              <a:spcBef>
+                <a:spcPts val="0"/>
+              </a:spcBef>
+              <a:spcAft>
+                <a:spcPts val="0"/>
+              </a:spcAft>
+              <a:buClrTx/>
+              <a:buSzTx/>
+              <a:tabLst/>
+              <a:defRPr/>
+            </a:pPr>
+            <a:endParaRPr lang="en-US" sz="3200" dirty="0">
+              <a:solidFill>
+                <a:srgbClr val="37322F"/>
+              </a:solidFill>
+              <a:latin typeface="Gill Sans Nova" panose="020B0602020104020203" pitchFamily="34" charset="0"/>
+            </a:endParaRPr>
+          </a:p>
+          <a:p>
+            <a:pPr marR="0" lvl="0" algn="l" defTabSz="457200" rtl="0" eaLnBrk="1" fontAlgn="auto" latinLnBrk="0" hangingPunct="1">
+              <a:lnSpc>
+                <a:spcPct val="100000"/>
+              </a:lnSpc>
+              <a:spcBef>
+                <a:spcPts val="0"/>
+              </a:spcBef>
+              <a:spcAft>
+                <a:spcPts val="0"/>
+              </a:spcAft>
+              <a:buClrTx/>
+              <a:buSzTx/>
+              <a:tabLst/>
+              <a:defRPr/>
+            </a:pPr>
+            <a:endParaRPr lang="en-US" sz="3200" dirty="0">
+              <a:solidFill>
+                <a:srgbClr val="37322F"/>
+              </a:solidFill>
+              <a:latin typeface="Gill Sans Nova" panose="020B0602020104020203" pitchFamily="34" charset="0"/>
+            </a:endParaRPr>
+          </a:p>
+          <a:p>
+            <a:pPr marR="0" lvl="0" algn="l" defTabSz="457200" rtl="0" eaLnBrk="1" fontAlgn="auto" latinLnBrk="0" hangingPunct="1">
+              <a:lnSpc>
+                <a:spcPct val="100000"/>
+              </a:lnSpc>
+              <a:spcBef>
+                <a:spcPts val="0"/>
+              </a:spcBef>
+              <a:spcAft>
+                <a:spcPts val="0"/>
+              </a:spcAft>
+              <a:buClrTx/>
+              <a:buSzTx/>
+              <a:tabLst/>
+              <a:defRPr/>
+            </a:pPr>
+            <a:r>
+              <a:rPr lang="en-US" sz="3200" dirty="0">
+                <a:solidFill>
+                  <a:srgbClr val="37322F"/>
+                </a:solidFill>
+                <a:latin typeface="Gill Sans Nova" panose="020B0602020104020203" pitchFamily="34" charset="0"/>
+              </a:rPr>
+              <a:t>The presence of an exoplanet in the field of view result in a shift of the distribution. The more the planet will be bright, the more the shift will be pronounced. In practice, both distribution are almost indistinguishable. We then test several estimators to retrieve the true value of the signal and then estimate the probability of detection.</a:t>
+            </a:r>
+            <a:endParaRPr lang="en-US" dirty="0">
+              <a:solidFill>
+                <a:srgbClr val="37322F"/>
+              </a:solidFill>
+            </a:endParaRPr>
+          </a:p>
+        </p:txBody>
+      </p:sp>
       <p:grpSp>
         <p:nvGrpSpPr>
           <p:cNvPr id="34" name="Groupe 33">
@@ -2995,10 +3357,10 @@
         </p:nvGrpSpPr>
         <p:grpSpPr>
           <a:xfrm>
-            <a:off x="389116" y="9259890"/>
-            <a:ext cx="31567722" cy="28698745"/>
-            <a:chOff x="389116" y="9259890"/>
-            <a:chExt cx="31567722" cy="28698745"/>
+            <a:off x="400085" y="9259890"/>
+            <a:ext cx="31514388" cy="29425808"/>
+            <a:chOff x="400085" y="9259890"/>
+            <a:chExt cx="31514388" cy="29425808"/>
           </a:xfrm>
         </p:grpSpPr>
         <mc:AlternateContent xmlns:mc="http://schemas.openxmlformats.org/markup-compatibility/2006">
@@ -3019,8 +3381,8 @@
               </p:nvSpPr>
               <p:spPr>
                 <a:xfrm>
-                  <a:off x="389116" y="30518100"/>
-                  <a:ext cx="10064094" cy="7352385"/>
+                  <a:off x="442451" y="25439655"/>
+                  <a:ext cx="10064094" cy="7047091"/>
                 </a:xfrm>
                 <a:prstGeom prst="roundRect">
                   <a:avLst>
@@ -3072,7 +3434,7 @@
                     <a:defRPr/>
                   </a:pPr>
                   <a:r>
-                    <a:rPr kumimoji="0" lang="fr-FR" sz="4800" b="0" i="0" u="none" strike="noStrike" kern="1200" cap="none" spc="0" normalizeH="0" baseline="0" noProof="0" dirty="0">
+                    <a:rPr kumimoji="0" lang="en-US" sz="4800" b="0" i="0" u="none" strike="noStrike" kern="1200" cap="none" spc="0" normalizeH="0" baseline="0" noProof="0" dirty="0">
                       <a:ln>
                         <a:noFill/>
                       </a:ln>
@@ -3085,41 +3447,9 @@
                       <a:latin typeface="Congenial SemiBold" panose="02000503040000020004" pitchFamily="2" charset="0"/>
                       <a:cs typeface="Aharoni" panose="020F0502020204030204" pitchFamily="2" charset="-79"/>
                     </a:rPr>
-                    <a:t>Thermo-optic phase </a:t>
+                    <a:t>Thermo-optic phase shifter 🌡️</a:t>
                   </a:r>
-                  <a:r>
-                    <a:rPr kumimoji="0" lang="fr-FR" sz="4800" b="0" i="0" u="none" strike="noStrike" kern="1200" cap="none" spc="0" normalizeH="0" baseline="0" noProof="0" dirty="0" err="1">
-                      <a:ln>
-                        <a:noFill/>
-                      </a:ln>
-                      <a:solidFill>
-                        <a:srgbClr val="37322F"/>
-                      </a:solidFill>
-                      <a:effectLst/>
-                      <a:uLnTx/>
-                      <a:uFillTx/>
-                      <a:latin typeface="Congenial SemiBold" panose="02000503040000020004" pitchFamily="2" charset="0"/>
-                      <a:cs typeface="Aharoni" panose="020F0502020204030204" pitchFamily="2" charset="-79"/>
-                    </a:rPr>
-                    <a:t>shifter</a:t>
-                  </a:r>
-                  <a:r>
-                    <a:rPr kumimoji="0" lang="fr-FR" sz="4800" b="0" i="0" u="none" strike="noStrike" kern="1200" cap="none" spc="0" normalizeH="0" baseline="0" noProof="0" dirty="0">
-                      <a:ln>
-                        <a:noFill/>
-                      </a:ln>
-                      <a:solidFill>
-                        <a:srgbClr val="37322F"/>
-                      </a:solidFill>
-                      <a:effectLst/>
-                      <a:uLnTx/>
-                      <a:uFillTx/>
-                      <a:latin typeface="Congenial SemiBold" panose="02000503040000020004" pitchFamily="2" charset="0"/>
-                      <a:cs typeface="Aharoni" panose="020F0502020204030204" pitchFamily="2" charset="-79"/>
-                    </a:rPr>
-                    <a:t> 🌡️</a:t>
-                  </a:r>
-                  <a:endParaRPr kumimoji="0" lang="en-US" sz="4800" b="0" i="0" u="none" strike="noStrike" kern="1200" cap="none" spc="0" normalizeH="0" baseline="0" noProof="0" dirty="0">
+                  <a:endParaRPr kumimoji="0" lang="en-US" sz="2000" b="0" i="0" u="sng" strike="noStrike" kern="1200" cap="none" spc="0" normalizeH="0" baseline="0" noProof="0" dirty="0">
                     <a:ln>
                       <a:noFill/>
                     </a:ln>
@@ -3129,45 +3459,10 @@
                     <a:effectLst/>
                     <a:uLnTx/>
                     <a:uFillTx/>
-                    <a:latin typeface="Congenial SemiBold" panose="02000503040000020004" pitchFamily="2" charset="0"/>
+                    <a:latin typeface="Gill Sans Nova" panose="020B0602020104020203" pitchFamily="34" charset="0"/>
+                    <a:ea typeface="+mn-ea"/>
                     <a:cs typeface="Aharoni" panose="020F0502020204030204" pitchFamily="2" charset="-79"/>
                   </a:endParaRPr>
-                </a:p>
-                <a:p>
-                  <a:pPr marL="0" marR="0" lvl="0" indent="0" algn="ctr" defTabSz="457200" rtl="0" eaLnBrk="1" fontAlgn="auto" latinLnBrk="0" hangingPunct="1">
-                    <a:lnSpc>
-                      <a:spcPct val="100000"/>
-                    </a:lnSpc>
-                    <a:spcBef>
-                      <a:spcPts val="0"/>
-                    </a:spcBef>
-                    <a:spcAft>
-                      <a:spcPts val="0"/>
-                    </a:spcAft>
-                    <a:buClrTx/>
-                    <a:buSzTx/>
-                    <a:buFontTx/>
-                    <a:buNone/>
-                    <a:tabLst/>
-                    <a:defRPr/>
-                  </a:pPr>
-                  <a:r>
-                    <a:rPr kumimoji="0" lang="en-US" sz="2000" b="0" i="0" u="sng" strike="noStrike" kern="1200" cap="none" spc="0" normalizeH="0" baseline="0" noProof="0" dirty="0">
-                      <a:ln>
-                        <a:noFill/>
-                      </a:ln>
-                      <a:solidFill>
-                        <a:srgbClr val="37322F"/>
-                      </a:solidFill>
-                      <a:effectLst/>
-                      <a:uLnTx/>
-                      <a:uFillTx/>
-                      <a:latin typeface="Gill Sans Nova" panose="020B0602020104020203" pitchFamily="34" charset="0"/>
-                      <a:ea typeface="+mn-ea"/>
-                      <a:cs typeface="Aharoni" panose="020F0502020204030204" pitchFamily="2" charset="-79"/>
-                    </a:rPr>
-                    <a:t> </a:t>
-                  </a:r>
                 </a:p>
                 <a:p>
                   <a:pPr marR="0" lvl="0" algn="l" defTabSz="457200" rtl="0" eaLnBrk="1" fontAlgn="auto" latinLnBrk="0" hangingPunct="1">
@@ -3186,459 +3481,36 @@
                     <a:defRPr/>
                   </a:pPr>
                   <a:r>
-                    <a:rPr lang="fr-FR" sz="3200" dirty="0" err="1">
+                    <a:rPr lang="en-US" sz="3200" dirty="0">
                       <a:solidFill>
                         <a:srgbClr val="37322F"/>
                       </a:solidFill>
                       <a:latin typeface="Gill Sans Nova" panose="020B0602020104020203" pitchFamily="34" charset="0"/>
                     </a:rPr>
-                    <a:t>Coming</a:t>
+                    <a:t>Coming from telecom technologies, the thermo-optic phase shifters consist in heating a fiber core using an electrode in order to increase the optical index and then induce an artificial OPD. Thanks to the compactness of such systems, the heat </a:t>
                   </a:r>
                   <a:r>
-                    <a:rPr lang="fr-FR" sz="3200" dirty="0">
+                    <a:rPr lang="en-US" sz="3200" dirty="0" err="1">
                       <a:solidFill>
                         <a:srgbClr val="37322F"/>
                       </a:solidFill>
                       <a:latin typeface="Gill Sans Nova" panose="020B0602020104020203" pitchFamily="34" charset="0"/>
                     </a:rPr>
-                    <a:t> </a:t>
+                    <a:t>transfert</a:t>
                   </a:r>
                   <a:r>
-                    <a:rPr lang="fr-FR" sz="3200" dirty="0" err="1">
+                    <a:rPr lang="en-US" sz="3200" dirty="0">
                       <a:solidFill>
                         <a:srgbClr val="37322F"/>
                       </a:solidFill>
                       <a:latin typeface="Gill Sans Nova" panose="020B0602020104020203" pitchFamily="34" charset="0"/>
                     </a:rPr>
-                    <a:t>from</a:t>
-                  </a:r>
-                  <a:r>
-                    <a:rPr lang="fr-FR" sz="3200" dirty="0">
-                      <a:solidFill>
-                        <a:srgbClr val="37322F"/>
-                      </a:solidFill>
-                      <a:latin typeface="Gill Sans Nova" panose="020B0602020104020203" pitchFamily="34" charset="0"/>
-                    </a:rPr>
-                    <a:t> </a:t>
-                  </a:r>
-                  <a:r>
-                    <a:rPr lang="fr-FR" sz="3200" dirty="0" err="1">
-                      <a:solidFill>
-                        <a:srgbClr val="37322F"/>
-                      </a:solidFill>
-                      <a:latin typeface="Gill Sans Nova" panose="020B0602020104020203" pitchFamily="34" charset="0"/>
-                    </a:rPr>
-                    <a:t>telecom</a:t>
-                  </a:r>
-                  <a:r>
-                    <a:rPr lang="fr-FR" sz="3200" dirty="0">
-                      <a:solidFill>
-                        <a:srgbClr val="37322F"/>
-                      </a:solidFill>
-                      <a:latin typeface="Gill Sans Nova" panose="020B0602020104020203" pitchFamily="34" charset="0"/>
-                    </a:rPr>
-                    <a:t> technologies, the </a:t>
-                  </a:r>
-                  <a:r>
-                    <a:rPr lang="fr-FR" sz="3200" dirty="0" err="1">
-                      <a:solidFill>
-                        <a:srgbClr val="37322F"/>
-                      </a:solidFill>
-                      <a:latin typeface="Gill Sans Nova" panose="020B0602020104020203" pitchFamily="34" charset="0"/>
-                    </a:rPr>
-                    <a:t>thermo-optic</a:t>
-                  </a:r>
-                  <a:r>
-                    <a:rPr lang="fr-FR" sz="3200" dirty="0">
-                      <a:solidFill>
-                        <a:srgbClr val="37322F"/>
-                      </a:solidFill>
-                      <a:latin typeface="Gill Sans Nova" panose="020B0602020104020203" pitchFamily="34" charset="0"/>
-                    </a:rPr>
-                    <a:t> phase </a:t>
-                  </a:r>
-                  <a:r>
-                    <a:rPr lang="fr-FR" sz="3200" dirty="0" err="1">
-                      <a:solidFill>
-                        <a:srgbClr val="37322F"/>
-                      </a:solidFill>
-                      <a:latin typeface="Gill Sans Nova" panose="020B0602020104020203" pitchFamily="34" charset="0"/>
-                    </a:rPr>
-                    <a:t>shifters</a:t>
-                  </a:r>
-                  <a:r>
-                    <a:rPr lang="fr-FR" sz="3200" dirty="0">
-                      <a:solidFill>
-                        <a:srgbClr val="37322F"/>
-                      </a:solidFill>
-                      <a:latin typeface="Gill Sans Nova" panose="020B0602020104020203" pitchFamily="34" charset="0"/>
-                    </a:rPr>
-                    <a:t> </a:t>
-                  </a:r>
-                  <a:r>
-                    <a:rPr lang="fr-FR" sz="3200" dirty="0" err="1">
-                      <a:solidFill>
-                        <a:srgbClr val="37322F"/>
-                      </a:solidFill>
-                      <a:latin typeface="Gill Sans Nova" panose="020B0602020104020203" pitchFamily="34" charset="0"/>
-                    </a:rPr>
-                    <a:t>consist</a:t>
-                  </a:r>
-                  <a:r>
-                    <a:rPr lang="fr-FR" sz="3200" dirty="0">
-                      <a:solidFill>
-                        <a:srgbClr val="37322F"/>
-                      </a:solidFill>
-                      <a:latin typeface="Gill Sans Nova" panose="020B0602020104020203" pitchFamily="34" charset="0"/>
-                    </a:rPr>
-                    <a:t> in </a:t>
-                  </a:r>
-                  <a:r>
-                    <a:rPr lang="fr-FR" sz="3200" dirty="0" err="1">
-                      <a:solidFill>
-                        <a:srgbClr val="37322F"/>
-                      </a:solidFill>
-                      <a:latin typeface="Gill Sans Nova" panose="020B0602020104020203" pitchFamily="34" charset="0"/>
-                    </a:rPr>
-                    <a:t>heating</a:t>
-                  </a:r>
-                  <a:r>
-                    <a:rPr lang="fr-FR" sz="3200" dirty="0">
-                      <a:solidFill>
-                        <a:srgbClr val="37322F"/>
-                      </a:solidFill>
-                      <a:latin typeface="Gill Sans Nova" panose="020B0602020104020203" pitchFamily="34" charset="0"/>
-                    </a:rPr>
-                    <a:t> a </a:t>
-                  </a:r>
-                  <a:r>
-                    <a:rPr lang="fr-FR" sz="3200" dirty="0" err="1">
-                      <a:solidFill>
-                        <a:srgbClr val="37322F"/>
-                      </a:solidFill>
-                      <a:latin typeface="Gill Sans Nova" panose="020B0602020104020203" pitchFamily="34" charset="0"/>
-                    </a:rPr>
-                    <a:t>fiber</a:t>
-                  </a:r>
-                  <a:r>
-                    <a:rPr lang="fr-FR" sz="3200" dirty="0">
-                      <a:solidFill>
-                        <a:srgbClr val="37322F"/>
-                      </a:solidFill>
-                      <a:latin typeface="Gill Sans Nova" panose="020B0602020104020203" pitchFamily="34" charset="0"/>
-                    </a:rPr>
-                    <a:t> </a:t>
-                  </a:r>
-                  <a:r>
-                    <a:rPr lang="fr-FR" sz="3200" dirty="0" err="1">
-                      <a:solidFill>
-                        <a:srgbClr val="37322F"/>
-                      </a:solidFill>
-                      <a:latin typeface="Gill Sans Nova" panose="020B0602020104020203" pitchFamily="34" charset="0"/>
-                    </a:rPr>
-                    <a:t>core</a:t>
-                  </a:r>
-                  <a:r>
-                    <a:rPr lang="fr-FR" sz="3200" dirty="0">
-                      <a:solidFill>
-                        <a:srgbClr val="37322F"/>
-                      </a:solidFill>
-                      <a:latin typeface="Gill Sans Nova" panose="020B0602020104020203" pitchFamily="34" charset="0"/>
-                    </a:rPr>
-                    <a:t> </a:t>
-                  </a:r>
-                  <a:r>
-                    <a:rPr lang="fr-FR" sz="3200" dirty="0" err="1">
-                      <a:solidFill>
-                        <a:srgbClr val="37322F"/>
-                      </a:solidFill>
-                      <a:latin typeface="Gill Sans Nova" panose="020B0602020104020203" pitchFamily="34" charset="0"/>
-                    </a:rPr>
-                    <a:t>using</a:t>
-                  </a:r>
-                  <a:r>
-                    <a:rPr lang="fr-FR" sz="3200" dirty="0">
-                      <a:solidFill>
-                        <a:srgbClr val="37322F"/>
-                      </a:solidFill>
-                      <a:latin typeface="Gill Sans Nova" panose="020B0602020104020203" pitchFamily="34" charset="0"/>
-                    </a:rPr>
-                    <a:t> an </a:t>
-                  </a:r>
-                  <a:r>
-                    <a:rPr lang="fr-FR" sz="3200" dirty="0" err="1">
-                      <a:solidFill>
-                        <a:srgbClr val="37322F"/>
-                      </a:solidFill>
-                      <a:latin typeface="Gill Sans Nova" panose="020B0602020104020203" pitchFamily="34" charset="0"/>
-                    </a:rPr>
-                    <a:t>electrode</a:t>
-                  </a:r>
-                  <a:r>
-                    <a:rPr lang="fr-FR" sz="3200" dirty="0">
-                      <a:solidFill>
-                        <a:srgbClr val="37322F"/>
-                      </a:solidFill>
-                      <a:latin typeface="Gill Sans Nova" panose="020B0602020104020203" pitchFamily="34" charset="0"/>
-                    </a:rPr>
-                    <a:t> in </a:t>
-                  </a:r>
-                  <a:r>
-                    <a:rPr lang="fr-FR" sz="3200" dirty="0" err="1">
-                      <a:solidFill>
-                        <a:srgbClr val="37322F"/>
-                      </a:solidFill>
-                      <a:latin typeface="Gill Sans Nova" panose="020B0602020104020203" pitchFamily="34" charset="0"/>
-                    </a:rPr>
-                    <a:t>order</a:t>
-                  </a:r>
-                  <a:r>
-                    <a:rPr lang="fr-FR" sz="3200" dirty="0">
-                      <a:solidFill>
-                        <a:srgbClr val="37322F"/>
-                      </a:solidFill>
-                      <a:latin typeface="Gill Sans Nova" panose="020B0602020104020203" pitchFamily="34" charset="0"/>
-                    </a:rPr>
-                    <a:t> to </a:t>
-                  </a:r>
-                  <a:r>
-                    <a:rPr lang="fr-FR" sz="3200" dirty="0" err="1">
-                      <a:solidFill>
-                        <a:srgbClr val="37322F"/>
-                      </a:solidFill>
-                      <a:latin typeface="Gill Sans Nova" panose="020B0602020104020203" pitchFamily="34" charset="0"/>
-                    </a:rPr>
-                    <a:t>increase</a:t>
-                  </a:r>
-                  <a:r>
-                    <a:rPr lang="fr-FR" sz="3200" dirty="0">
-                      <a:solidFill>
-                        <a:srgbClr val="37322F"/>
-                      </a:solidFill>
-                      <a:latin typeface="Gill Sans Nova" panose="020B0602020104020203" pitchFamily="34" charset="0"/>
-                    </a:rPr>
-                    <a:t> the </a:t>
-                  </a:r>
-                  <a:r>
-                    <a:rPr lang="fr-FR" sz="3200" dirty="0" err="1">
-                      <a:solidFill>
-                        <a:srgbClr val="37322F"/>
-                      </a:solidFill>
-                      <a:latin typeface="Gill Sans Nova" panose="020B0602020104020203" pitchFamily="34" charset="0"/>
-                    </a:rPr>
-                    <a:t>optical</a:t>
-                  </a:r>
-                  <a:r>
-                    <a:rPr lang="fr-FR" sz="3200" dirty="0">
-                      <a:solidFill>
-                        <a:srgbClr val="37322F"/>
-                      </a:solidFill>
-                      <a:latin typeface="Gill Sans Nova" panose="020B0602020104020203" pitchFamily="34" charset="0"/>
-                    </a:rPr>
-                    <a:t> index and </a:t>
-                  </a:r>
-                  <a:r>
-                    <a:rPr lang="fr-FR" sz="3200" dirty="0" err="1">
-                      <a:solidFill>
-                        <a:srgbClr val="37322F"/>
-                      </a:solidFill>
-                      <a:latin typeface="Gill Sans Nova" panose="020B0602020104020203" pitchFamily="34" charset="0"/>
-                    </a:rPr>
-                    <a:t>then</a:t>
-                  </a:r>
-                  <a:r>
-                    <a:rPr lang="fr-FR" sz="3200" dirty="0">
-                      <a:solidFill>
-                        <a:srgbClr val="37322F"/>
-                      </a:solidFill>
-                      <a:latin typeface="Gill Sans Nova" panose="020B0602020104020203" pitchFamily="34" charset="0"/>
-                    </a:rPr>
-                    <a:t> </a:t>
-                  </a:r>
-                  <a:r>
-                    <a:rPr lang="fr-FR" sz="3200" dirty="0" err="1">
-                      <a:solidFill>
-                        <a:srgbClr val="37322F"/>
-                      </a:solidFill>
-                      <a:latin typeface="Gill Sans Nova" panose="020B0602020104020203" pitchFamily="34" charset="0"/>
-                    </a:rPr>
-                    <a:t>induce</a:t>
-                  </a:r>
-                  <a:r>
-                    <a:rPr lang="fr-FR" sz="3200" dirty="0">
-                      <a:solidFill>
-                        <a:srgbClr val="37322F"/>
-                      </a:solidFill>
-                      <a:latin typeface="Gill Sans Nova" panose="020B0602020104020203" pitchFamily="34" charset="0"/>
-                    </a:rPr>
-                    <a:t> an </a:t>
-                  </a:r>
-                  <a:r>
-                    <a:rPr lang="fr-FR" sz="3200" dirty="0" err="1">
-                      <a:solidFill>
-                        <a:srgbClr val="37322F"/>
-                      </a:solidFill>
-                      <a:latin typeface="Gill Sans Nova" panose="020B0602020104020203" pitchFamily="34" charset="0"/>
-                    </a:rPr>
-                    <a:t>artificial</a:t>
-                  </a:r>
-                  <a:r>
-                    <a:rPr lang="fr-FR" sz="3200" dirty="0">
-                      <a:solidFill>
-                        <a:srgbClr val="37322F"/>
-                      </a:solidFill>
-                      <a:latin typeface="Gill Sans Nova" panose="020B0602020104020203" pitchFamily="34" charset="0"/>
-                    </a:rPr>
-                    <a:t> OPD. </a:t>
-                  </a:r>
-                  <a:r>
-                    <a:rPr lang="fr-FR" sz="3200" dirty="0" err="1">
-                      <a:solidFill>
-                        <a:srgbClr val="37322F"/>
-                      </a:solidFill>
-                      <a:latin typeface="Gill Sans Nova" panose="020B0602020104020203" pitchFamily="34" charset="0"/>
-                    </a:rPr>
-                    <a:t>Thanks</a:t>
-                  </a:r>
-                  <a:r>
-                    <a:rPr lang="fr-FR" sz="3200" dirty="0">
-                      <a:solidFill>
-                        <a:srgbClr val="37322F"/>
-                      </a:solidFill>
-                      <a:latin typeface="Gill Sans Nova" panose="020B0602020104020203" pitchFamily="34" charset="0"/>
-                    </a:rPr>
-                    <a:t> to the </a:t>
-                  </a:r>
-                  <a:r>
-                    <a:rPr lang="fr-FR" sz="3200" dirty="0" err="1">
-                      <a:solidFill>
-                        <a:srgbClr val="37322F"/>
-                      </a:solidFill>
-                      <a:latin typeface="Gill Sans Nova" panose="020B0602020104020203" pitchFamily="34" charset="0"/>
-                    </a:rPr>
-                    <a:t>compactness</a:t>
-                  </a:r>
-                  <a:r>
-                    <a:rPr lang="fr-FR" sz="3200" dirty="0">
-                      <a:solidFill>
-                        <a:srgbClr val="37322F"/>
-                      </a:solidFill>
-                      <a:latin typeface="Gill Sans Nova" panose="020B0602020104020203" pitchFamily="34" charset="0"/>
-                    </a:rPr>
-                    <a:t> of </a:t>
-                  </a:r>
-                  <a:r>
-                    <a:rPr lang="fr-FR" sz="3200" dirty="0" err="1">
-                      <a:solidFill>
-                        <a:srgbClr val="37322F"/>
-                      </a:solidFill>
-                      <a:latin typeface="Gill Sans Nova" panose="020B0602020104020203" pitchFamily="34" charset="0"/>
-                    </a:rPr>
-                    <a:t>such</a:t>
-                  </a:r>
-                  <a:r>
-                    <a:rPr lang="fr-FR" sz="3200" dirty="0">
-                      <a:solidFill>
-                        <a:srgbClr val="37322F"/>
-                      </a:solidFill>
-                      <a:latin typeface="Gill Sans Nova" panose="020B0602020104020203" pitchFamily="34" charset="0"/>
-                    </a:rPr>
-                    <a:t> </a:t>
-                  </a:r>
-                  <a:r>
-                    <a:rPr lang="fr-FR" sz="3200" dirty="0" err="1">
-                      <a:solidFill>
-                        <a:srgbClr val="37322F"/>
-                      </a:solidFill>
-                      <a:latin typeface="Gill Sans Nova" panose="020B0602020104020203" pitchFamily="34" charset="0"/>
-                    </a:rPr>
-                    <a:t>systems</a:t>
-                  </a:r>
-                  <a:r>
-                    <a:rPr lang="fr-FR" sz="3200" dirty="0">
-                      <a:solidFill>
-                        <a:srgbClr val="37322F"/>
-                      </a:solidFill>
-                      <a:latin typeface="Gill Sans Nova" panose="020B0602020104020203" pitchFamily="34" charset="0"/>
-                    </a:rPr>
-                    <a:t>, the </a:t>
-                  </a:r>
-                  <a:r>
-                    <a:rPr lang="fr-FR" sz="3200" dirty="0" err="1">
-                      <a:solidFill>
-                        <a:srgbClr val="37322F"/>
-                      </a:solidFill>
-                      <a:latin typeface="Gill Sans Nova" panose="020B0602020104020203" pitchFamily="34" charset="0"/>
-                    </a:rPr>
-                    <a:t>heat</a:t>
-                  </a:r>
-                  <a:r>
-                    <a:rPr lang="fr-FR" sz="3200" dirty="0">
-                      <a:solidFill>
-                        <a:srgbClr val="37322F"/>
-                      </a:solidFill>
-                      <a:latin typeface="Gill Sans Nova" panose="020B0602020104020203" pitchFamily="34" charset="0"/>
-                    </a:rPr>
-                    <a:t> transfert </a:t>
-                  </a:r>
-                  <a:r>
-                    <a:rPr lang="fr-FR" sz="3200" dirty="0" err="1">
-                      <a:solidFill>
-                        <a:srgbClr val="37322F"/>
-                      </a:solidFill>
-                      <a:latin typeface="Gill Sans Nova" panose="020B0602020104020203" pitchFamily="34" charset="0"/>
-                    </a:rPr>
-                    <a:t>is</a:t>
-                  </a:r>
-                  <a:r>
-                    <a:rPr lang="fr-FR" sz="3200" dirty="0">
-                      <a:solidFill>
-                        <a:srgbClr val="37322F"/>
-                      </a:solidFill>
-                      <a:latin typeface="Gill Sans Nova" panose="020B0602020104020203" pitchFamily="34" charset="0"/>
-                    </a:rPr>
-                    <a:t> fast </a:t>
-                  </a:r>
-                  <a:r>
-                    <a:rPr lang="fr-FR" sz="3200" dirty="0" err="1">
-                      <a:solidFill>
-                        <a:srgbClr val="37322F"/>
-                      </a:solidFill>
-                      <a:latin typeface="Gill Sans Nova" panose="020B0602020104020203" pitchFamily="34" charset="0"/>
-                    </a:rPr>
-                    <a:t>enough</a:t>
-                  </a:r>
-                  <a:r>
-                    <a:rPr lang="fr-FR" sz="3200" dirty="0">
-                      <a:solidFill>
-                        <a:srgbClr val="37322F"/>
-                      </a:solidFill>
-                      <a:latin typeface="Gill Sans Nova" panose="020B0602020104020203" pitchFamily="34" charset="0"/>
-                    </a:rPr>
-                    <a:t> to have </a:t>
-                  </a:r>
-                  <a:r>
-                    <a:rPr lang="fr-FR" sz="3200" dirty="0" err="1">
-                      <a:solidFill>
-                        <a:srgbClr val="37322F"/>
-                      </a:solidFill>
-                      <a:latin typeface="Gill Sans Nova" panose="020B0602020104020203" pitchFamily="34" charset="0"/>
-                    </a:rPr>
-                    <a:t>response</a:t>
-                  </a:r>
-                  <a:r>
-                    <a:rPr lang="fr-FR" sz="3200" dirty="0">
-                      <a:solidFill>
-                        <a:srgbClr val="37322F"/>
-                      </a:solidFill>
-                      <a:latin typeface="Gill Sans Nova" panose="020B0602020104020203" pitchFamily="34" charset="0"/>
-                    </a:rPr>
-                    <a:t> time of about </a:t>
+                    <a:t> is fast enough to have response time of about </a:t>
                   </a:r>
                   <a14:m>
                     <m:oMath xmlns:m="http://schemas.openxmlformats.org/officeDocument/2006/math">
                       <m:r>
-                        <a:rPr lang="fr-FR" sz="3200" b="0" i="1" smtClean="0">
+                        <a:rPr lang="en-US" sz="3200" b="0" i="1" smtClean="0">
                           <a:solidFill>
                             <a:srgbClr val="37322F"/>
                           </a:solidFill>
@@ -3647,7 +3519,7 @@
                         <m:t>1</m:t>
                       </m:r>
                       <m:r>
-                        <a:rPr lang="fr-FR" sz="3200" b="0" i="1" smtClean="0">
+                        <a:rPr lang="en-US" sz="3200" b="0" i="1" smtClean="0">
                           <a:solidFill>
                             <a:srgbClr val="37322F"/>
                           </a:solidFill>
@@ -3656,7 +3528,7 @@
                         <m:t> </m:t>
                       </m:r>
                       <m:r>
-                        <a:rPr lang="fr-FR" sz="3200" b="0" i="1" smtClean="0">
+                        <a:rPr lang="en-US" sz="3200" b="0" i="1" smtClean="0">
                           <a:solidFill>
                             <a:srgbClr val="37322F"/>
                           </a:solidFill>
@@ -3667,194 +3539,91 @@
                     </m:oMath>
                   </a14:m>
                   <a:r>
-                    <a:rPr lang="fr-FR" sz="3200" dirty="0">
+                    <a:rPr lang="en-US" sz="3200" dirty="0">
                       <a:solidFill>
                         <a:srgbClr val="37322F"/>
                       </a:solidFill>
                       <a:latin typeface="Gill Sans Nova" panose="020B0602020104020203" pitchFamily="34" charset="0"/>
                     </a:rPr>
-                    <a:t>. </a:t>
+                    <a:t>. These shifters have been designed to work optimally at </a:t>
                   </a:r>
-                  <a:r>
-                    <a:rPr lang="fr-FR" sz="3200" dirty="0" err="1">
-                      <a:solidFill>
-                        <a:srgbClr val="37322F"/>
-                      </a:solidFill>
-                      <a:latin typeface="Gill Sans Nova" panose="020B0602020104020203" pitchFamily="34" charset="0"/>
-                    </a:rPr>
-                    <a:t>These</a:t>
-                  </a:r>
-                  <a:r>
-                    <a:rPr lang="fr-FR" sz="3200" dirty="0">
-                      <a:solidFill>
-                        <a:srgbClr val="37322F"/>
-                      </a:solidFill>
-                      <a:latin typeface="Gill Sans Nova" panose="020B0602020104020203" pitchFamily="34" charset="0"/>
-                    </a:rPr>
-                    <a:t> </a:t>
-                  </a:r>
-                  <a:r>
-                    <a:rPr lang="fr-FR" sz="3200" dirty="0" err="1">
-                      <a:solidFill>
-                        <a:srgbClr val="37322F"/>
-                      </a:solidFill>
-                      <a:latin typeface="Gill Sans Nova" panose="020B0602020104020203" pitchFamily="34" charset="0"/>
-                    </a:rPr>
-                    <a:t>shifters</a:t>
-                  </a:r>
-                  <a:r>
-                    <a:rPr lang="fr-FR" sz="3200" dirty="0">
-                      <a:solidFill>
-                        <a:srgbClr val="37322F"/>
-                      </a:solidFill>
-                      <a:latin typeface="Gill Sans Nova" panose="020B0602020104020203" pitchFamily="34" charset="0"/>
-                    </a:rPr>
-                    <a:t> have been </a:t>
-                  </a:r>
-                  <a:r>
-                    <a:rPr lang="fr-FR" sz="3200" dirty="0" err="1">
-                      <a:solidFill>
-                        <a:srgbClr val="37322F"/>
-                      </a:solidFill>
-                      <a:latin typeface="Gill Sans Nova" panose="020B0602020104020203" pitchFamily="34" charset="0"/>
-                    </a:rPr>
-                    <a:t>designed</a:t>
-                  </a:r>
-                  <a:r>
-                    <a:rPr lang="fr-FR" sz="3200" dirty="0">
-                      <a:solidFill>
-                        <a:srgbClr val="37322F"/>
-                      </a:solidFill>
-                      <a:latin typeface="Gill Sans Nova" panose="020B0602020104020203" pitchFamily="34" charset="0"/>
-                    </a:rPr>
-                    <a:t> to </a:t>
-                  </a:r>
-                  <a:r>
-                    <a:rPr lang="fr-FR" sz="3200" dirty="0" err="1">
-                      <a:solidFill>
-                        <a:srgbClr val="37322F"/>
-                      </a:solidFill>
-                      <a:latin typeface="Gill Sans Nova" panose="020B0602020104020203" pitchFamily="34" charset="0"/>
-                    </a:rPr>
-                    <a:t>work</a:t>
-                  </a:r>
-                  <a:r>
-                    <a:rPr lang="fr-FR" sz="3200" dirty="0">
-                      <a:solidFill>
-                        <a:srgbClr val="37322F"/>
-                      </a:solidFill>
-                      <a:latin typeface="Gill Sans Nova" panose="020B0602020104020203" pitchFamily="34" charset="0"/>
-                    </a:rPr>
-                    <a:t> </a:t>
-                  </a:r>
-                  <a:r>
-                    <a:rPr lang="fr-FR" sz="3200" dirty="0" err="1">
-                      <a:solidFill>
-                        <a:srgbClr val="37322F"/>
-                      </a:solidFill>
-                      <a:latin typeface="Gill Sans Nova" panose="020B0602020104020203" pitchFamily="34" charset="0"/>
-                    </a:rPr>
-                    <a:t>optimally</a:t>
-                  </a:r>
-                  <a:r>
-                    <a:rPr lang="fr-FR" sz="3200" dirty="0">
-                      <a:solidFill>
-                        <a:srgbClr val="37322F"/>
-                      </a:solidFill>
-                      <a:latin typeface="Gill Sans Nova" panose="020B0602020104020203" pitchFamily="34" charset="0"/>
-                    </a:rPr>
-                    <a:t> at</a:t>
-                  </a:r>
-                  <a:br>
-                    <a:rPr lang="fr-FR" sz="3200" dirty="0">
-                      <a:solidFill>
-                        <a:srgbClr val="37322F"/>
-                      </a:solidFill>
-                      <a:latin typeface="Gill Sans Nova" panose="020B0602020104020203" pitchFamily="34" charset="0"/>
-                    </a:rPr>
-                  </a:br>
                   <a14:m>
-                    <m:oMathPara xmlns:m="http://schemas.openxmlformats.org/officeDocument/2006/math">
-                      <m:oMathParaPr>
-                        <m:jc m:val="left"/>
-                      </m:oMathParaPr>
-                      <m:oMath xmlns:m="http://schemas.openxmlformats.org/officeDocument/2006/math">
-                        <m:r>
-                          <a:rPr lang="fr-FR" sz="3200" b="0" i="1" smtClean="0">
-                            <a:solidFill>
-                              <a:srgbClr val="37322F"/>
-                            </a:solidFill>
-                            <a:latin typeface="Cambria Math" panose="02040503050406030204" pitchFamily="18" charset="0"/>
-                          </a:rPr>
-                          <m:t>𝜆</m:t>
-                        </m:r>
-                        <m:r>
-                          <a:rPr lang="fr-FR" sz="3200" b="0" i="1" smtClean="0">
-                            <a:solidFill>
-                              <a:srgbClr val="37322F"/>
-                            </a:solidFill>
-                            <a:latin typeface="Cambria Math" panose="02040503050406030204" pitchFamily="18" charset="0"/>
-                          </a:rPr>
-                          <m:t>=</m:t>
-                        </m:r>
-                        <m:r>
-                          <a:rPr lang="fr-FR" sz="3200" b="0" i="1" smtClean="0">
-                            <a:solidFill>
-                              <a:srgbClr val="37322F"/>
-                            </a:solidFill>
-                            <a:latin typeface="Cambria Math" panose="02040503050406030204" pitchFamily="18" charset="0"/>
-                          </a:rPr>
-                          <m:t>1</m:t>
-                        </m:r>
-                        <m:r>
-                          <a:rPr lang="fr-FR" sz="3200" b="0" i="1" smtClean="0">
-                            <a:solidFill>
-                              <a:srgbClr val="37322F"/>
-                            </a:solidFill>
-                            <a:latin typeface="Cambria Math" panose="02040503050406030204" pitchFamily="18" charset="0"/>
-                          </a:rPr>
-                          <m:t>.</m:t>
-                        </m:r>
-                        <m:r>
-                          <a:rPr lang="fr-FR" sz="3200" b="0" i="1" smtClean="0">
-                            <a:solidFill>
-                              <a:srgbClr val="37322F"/>
-                            </a:solidFill>
-                            <a:latin typeface="Cambria Math" panose="02040503050406030204" pitchFamily="18" charset="0"/>
-                          </a:rPr>
-                          <m:t>65</m:t>
-                        </m:r>
-                        <m:r>
-                          <a:rPr lang="fr-FR" sz="3200" b="0" i="1" smtClean="0">
-                            <a:solidFill>
-                              <a:srgbClr val="37322F"/>
-                            </a:solidFill>
-                            <a:latin typeface="Cambria Math" panose="02040503050406030204" pitchFamily="18" charset="0"/>
-                          </a:rPr>
-                          <m:t> </m:t>
-                        </m:r>
-                        <m:r>
-                          <a:rPr lang="fr-FR" sz="3200" b="0" i="1" smtClean="0">
-                            <a:solidFill>
-                              <a:srgbClr val="37322F"/>
-                            </a:solidFill>
-                            <a:latin typeface="Cambria Math" panose="02040503050406030204" pitchFamily="18" charset="0"/>
-                          </a:rPr>
-                          <m:t>𝜇</m:t>
-                        </m:r>
-                        <m:r>
-                          <a:rPr lang="fr-FR" sz="3200" b="0" i="1" smtClean="0">
-                            <a:solidFill>
-                              <a:srgbClr val="37322F"/>
-                            </a:solidFill>
-                            <a:latin typeface="Cambria Math" panose="02040503050406030204" pitchFamily="18" charset="0"/>
-                          </a:rPr>
-                          <m:t>𝑚</m:t>
-                        </m:r>
-                      </m:oMath>
-                    </m:oMathPara>
+                    <m:oMath xmlns:m="http://schemas.openxmlformats.org/officeDocument/2006/math">
+                      <m:r>
+                        <a:rPr lang="en-US" sz="3200" b="0" i="1" smtClean="0">
+                          <a:solidFill>
+                            <a:srgbClr val="37322F"/>
+                          </a:solidFill>
+                          <a:latin typeface="Cambria Math" panose="02040503050406030204" pitchFamily="18" charset="0"/>
+                        </a:rPr>
+                        <m:t>𝜆</m:t>
+                      </m:r>
+                      <m:r>
+                        <a:rPr lang="en-US" sz="3200" b="0" i="1" smtClean="0">
+                          <a:solidFill>
+                            <a:srgbClr val="37322F"/>
+                          </a:solidFill>
+                          <a:latin typeface="Cambria Math" panose="02040503050406030204" pitchFamily="18" charset="0"/>
+                        </a:rPr>
+                        <m:t>=</m:t>
+                      </m:r>
+                      <m:r>
+                        <a:rPr lang="en-US" sz="3200" b="0" i="1" smtClean="0">
+                          <a:solidFill>
+                            <a:srgbClr val="37322F"/>
+                          </a:solidFill>
+                          <a:latin typeface="Cambria Math" panose="02040503050406030204" pitchFamily="18" charset="0"/>
+                        </a:rPr>
+                        <m:t>1</m:t>
+                      </m:r>
+                      <m:r>
+                        <a:rPr lang="en-US" sz="3200" b="0" i="1" smtClean="0">
+                          <a:solidFill>
+                            <a:srgbClr val="37322F"/>
+                          </a:solidFill>
+                          <a:latin typeface="Cambria Math" panose="02040503050406030204" pitchFamily="18" charset="0"/>
+                        </a:rPr>
+                        <m:t>.</m:t>
+                      </m:r>
+                      <m:r>
+                        <a:rPr lang="en-US" sz="3200" b="0" i="1" smtClean="0">
+                          <a:solidFill>
+                            <a:srgbClr val="37322F"/>
+                          </a:solidFill>
+                          <a:latin typeface="Cambria Math" panose="02040503050406030204" pitchFamily="18" charset="0"/>
+                        </a:rPr>
+                        <m:t>65</m:t>
+                      </m:r>
+                      <m:r>
+                        <a:rPr lang="en-US" sz="3200" b="0" i="1" smtClean="0">
+                          <a:solidFill>
+                            <a:srgbClr val="37322F"/>
+                          </a:solidFill>
+                          <a:latin typeface="Cambria Math" panose="02040503050406030204" pitchFamily="18" charset="0"/>
+                        </a:rPr>
+                        <m:t> </m:t>
+                      </m:r>
+                      <m:r>
+                        <a:rPr lang="en-US" sz="3200" b="0" i="1" smtClean="0">
+                          <a:solidFill>
+                            <a:srgbClr val="37322F"/>
+                          </a:solidFill>
+                          <a:latin typeface="Cambria Math" panose="02040503050406030204" pitchFamily="18" charset="0"/>
+                        </a:rPr>
+                        <m:t>𝜇</m:t>
+                      </m:r>
+                      <m:r>
+                        <a:rPr lang="en-US" sz="3200" b="0" i="1" smtClean="0">
+                          <a:solidFill>
+                            <a:srgbClr val="37322F"/>
+                          </a:solidFill>
+                          <a:latin typeface="Cambria Math" panose="02040503050406030204" pitchFamily="18" charset="0"/>
+                        </a:rPr>
+                        <m:t>𝑚</m:t>
+                      </m:r>
+                    </m:oMath>
                   </a14:m>
-                  <a:endParaRPr lang="fr-FR" sz="3200" dirty="0">
+                  <a:endParaRPr lang="en-US" sz="3200" dirty="0">
                     <a:solidFill>
                       <a:srgbClr val="37322F"/>
                     </a:solidFill>
@@ -3879,7 +3648,7 @@
                     <a:tabLst/>
                     <a:defRPr/>
                   </a:pPr>
-                  <a:endParaRPr lang="fr-FR" dirty="0">
+                  <a:endParaRPr lang="en-US" dirty="0">
                     <a:solidFill>
                       <a:srgbClr val="37322F"/>
                     </a:solidFill>
@@ -3906,8 +3675,8 @@
               </p:nvSpPr>
               <p:spPr>
                 <a:xfrm>
-                  <a:off x="389116" y="30518100"/>
-                  <a:ext cx="10064094" cy="7352385"/>
+                  <a:off x="442451" y="25439655"/>
+                  <a:ext cx="10064094" cy="7047091"/>
                 </a:xfrm>
                 <a:prstGeom prst="roundRect">
                   <a:avLst>
@@ -3917,7 +3686,7 @@
                 <a:blipFill>
                   <a:blip r:embed="rId2"/>
                   <a:stretch>
-                    <a:fillRect r="-242"/>
+                    <a:fillRect r="-121"/>
                   </a:stretch>
                 </a:blipFill>
                 <a:ln>
@@ -3929,7 +3698,7 @@
                 <a:lstStyle/>
                 <a:p>
                   <a:r>
-                    <a:rPr lang="fr-FR">
+                    <a:rPr lang="en-US">
                       <a:noFill/>
                     </a:rPr>
                     <a:t> </a:t>
@@ -3953,10 +3722,10 @@
           </p:nvGrpSpPr>
           <p:grpSpPr>
             <a:xfrm>
-              <a:off x="442451" y="9259890"/>
-              <a:ext cx="31514387" cy="28698745"/>
-              <a:chOff x="442451" y="9259890"/>
-              <a:chExt cx="31514387" cy="28698745"/>
+              <a:off x="400085" y="9259890"/>
+              <a:ext cx="31514388" cy="29425808"/>
+              <a:chOff x="400085" y="9259890"/>
+              <a:chExt cx="31514388" cy="29425808"/>
             </a:xfrm>
           </p:grpSpPr>
           <p:grpSp>
@@ -3973,10 +3742,10 @@
             </p:nvGrpSpPr>
             <p:grpSpPr>
               <a:xfrm>
-                <a:off x="442451" y="9259890"/>
-                <a:ext cx="31514387" cy="28698745"/>
-                <a:chOff x="442451" y="9259890"/>
-                <a:chExt cx="31514387" cy="28698745"/>
+                <a:off x="400085" y="9259890"/>
+                <a:ext cx="31514388" cy="29425808"/>
+                <a:chOff x="400085" y="9259890"/>
+                <a:chExt cx="31514388" cy="29425808"/>
               </a:xfrm>
             </p:grpSpPr>
             <p:grpSp>
@@ -3993,10 +3762,10 @@
               </p:nvGrpSpPr>
               <p:grpSpPr>
                 <a:xfrm>
-                  <a:off x="442451" y="9259890"/>
-                  <a:ext cx="31514387" cy="28698745"/>
-                  <a:chOff x="522107" y="7597170"/>
-                  <a:chExt cx="31514387" cy="28833168"/>
+                  <a:off x="400085" y="9259890"/>
+                  <a:ext cx="31514388" cy="15733711"/>
+                  <a:chOff x="479741" y="7597170"/>
+                  <a:chExt cx="31514388" cy="15807407"/>
                 </a:xfrm>
               </p:grpSpPr>
               <p:grpSp>
@@ -4014,9 +3783,9 @@
                 <p:grpSpPr>
                   <a:xfrm>
                     <a:off x="522108" y="7597170"/>
-                    <a:ext cx="31514386" cy="28833168"/>
+                    <a:ext cx="31472021" cy="14035858"/>
                     <a:chOff x="244827" y="7313550"/>
-                    <a:chExt cx="28568459" cy="7097111"/>
+                    <a:chExt cx="28530054" cy="3454842"/>
                   </a:xfrm>
                 </p:grpSpPr>
                 <p:sp>
@@ -4036,7 +3805,7 @@
                   <p:spPr>
                     <a:xfrm>
                       <a:off x="244827" y="7313550"/>
-                      <a:ext cx="15521137" cy="1185906"/>
+                      <a:ext cx="15521137" cy="1068764"/>
                     </a:xfrm>
                     <a:prstGeom prst="roundRect">
                       <a:avLst>
@@ -4072,55 +3841,22 @@
                     <a:p>
                       <a:pPr algn="ctr"/>
                       <a:r>
-                        <a:rPr lang="fr-FR" sz="4800" dirty="0">
+                        <a:rPr lang="en-US" sz="4800" dirty="0">
                           <a:solidFill>
                             <a:srgbClr val="37322F"/>
                           </a:solidFill>
                           <a:latin typeface="Congenial SemiBold" panose="02000503040000020004" pitchFamily="2" charset="0"/>
                           <a:cs typeface="Aharoni" panose="020F0502020204030204" pitchFamily="2" charset="-79"/>
                         </a:rPr>
-                        <a:t>In a </a:t>
+                        <a:t>In a nutshell 🥜</a:t>
                       </a:r>
-                      <a:r>
-                        <a:rPr lang="fr-FR" sz="4800" dirty="0" err="1">
-                          <a:solidFill>
-                            <a:srgbClr val="37322F"/>
-                          </a:solidFill>
-                          <a:latin typeface="Congenial SemiBold" panose="02000503040000020004" pitchFamily="2" charset="0"/>
-                          <a:cs typeface="Aharoni" panose="020F0502020204030204" pitchFamily="2" charset="-79"/>
-                        </a:rPr>
-                        <a:t>nutshell</a:t>
-                      </a:r>
-                      <a:r>
-                        <a:rPr lang="fr-FR" sz="4800" dirty="0">
-                          <a:solidFill>
-                            <a:srgbClr val="37322F"/>
-                          </a:solidFill>
-                          <a:latin typeface="Congenial SemiBold" panose="02000503040000020004" pitchFamily="2" charset="0"/>
-                          <a:cs typeface="Aharoni" panose="020F0502020204030204" pitchFamily="2" charset="-79"/>
-                        </a:rPr>
-                        <a:t> 🥜</a:t>
-                      </a:r>
-                      <a:endParaRPr lang="en-US" sz="4800" dirty="0">
+                      <a:endParaRPr lang="en-US" sz="2000" u="sng" dirty="0">
                         <a:solidFill>
                           <a:srgbClr val="37322F"/>
                         </a:solidFill>
-                        <a:latin typeface="Congenial SemiBold" panose="02000503040000020004" pitchFamily="2" charset="0"/>
+                        <a:latin typeface="Gill Sans Nova" panose="020B0602020104020203" pitchFamily="34" charset="0"/>
                         <a:cs typeface="Aharoni" panose="020F0502020204030204" pitchFamily="2" charset="-79"/>
                       </a:endParaRPr>
-                    </a:p>
-                    <a:p>
-                      <a:pPr algn="ctr"/>
-                      <a:r>
-                        <a:rPr lang="en-US" sz="2000" u="sng" dirty="0">
-                          <a:solidFill>
-                            <a:srgbClr val="37322F"/>
-                          </a:solidFill>
-                          <a:latin typeface="Gill Sans Nova" panose="020B0602020104020203" pitchFamily="34" charset="0"/>
-                          <a:cs typeface="Aharoni" panose="020F0502020204030204" pitchFamily="2" charset="-79"/>
-                        </a:rPr>
-                        <a:t> </a:t>
-                      </a:r>
                     </a:p>
                     <a:p>
                       <a:r>
@@ -4173,189 +3909,629 @@
                         </a:rPr>
                         <a:t> and applying statistical tests and machine learning to extract science information. This poster present the preliminary results.</a:t>
                       </a:r>
-                      <a:endParaRPr lang="fr-FR" sz="3200" dirty="0">
-                        <a:solidFill>
-                          <a:srgbClr val="37322F"/>
-                        </a:solidFill>
-                        <a:latin typeface="Gill Sans Nova" panose="020B0602020104020203" pitchFamily="34" charset="0"/>
-                        <a:cs typeface="Aharoni" panose="020F0502020204030204" pitchFamily="2" charset="-79"/>
-                      </a:endParaRPr>
                     </a:p>
                   </p:txBody>
                 </p:sp>
-                <p:sp>
-                  <p:nvSpPr>
-                    <p:cNvPr id="10" name="Rectangle : coins arrondis 9">
-                      <a:extLst>
-                        <a:ext uri="{FF2B5EF4-FFF2-40B4-BE49-F238E27FC236}">
-                          <a16:creationId xmlns:a16="http://schemas.microsoft.com/office/drawing/2014/main" id="{FD7A54F2-9565-2EC1-1F7D-D3CDECC83C71}"/>
-                        </a:ext>
-                      </a:extLst>
-                    </p:cNvPr>
-                    <p:cNvSpPr>
-                      <a:spLocks/>
-                    </p:cNvSpPr>
-                    <p:nvPr/>
-                  </p:nvSpPr>
-                  <p:spPr>
-                    <a:xfrm>
-                      <a:off x="9885722" y="10434827"/>
-                      <a:ext cx="9363479" cy="3975834"/>
-                    </a:xfrm>
-                    <a:prstGeom prst="roundRect">
-                      <a:avLst>
-                        <a:gd name="adj" fmla="val 8279"/>
-                      </a:avLst>
-                    </a:prstGeom>
-                    <a:solidFill>
-                      <a:srgbClr val="E7E1D5"/>
-                    </a:solidFill>
-                    <a:ln>
-                      <a:noFill/>
-                    </a:ln>
-                  </p:spPr>
-                  <p:style>
-                    <a:lnRef idx="2">
-                      <a:schemeClr val="accent1">
-                        <a:shade val="15000"/>
-                      </a:schemeClr>
-                    </a:lnRef>
-                    <a:fillRef idx="1">
-                      <a:schemeClr val="accent1"/>
-                    </a:fillRef>
-                    <a:effectRef idx="0">
-                      <a:schemeClr val="accent1"/>
-                    </a:effectRef>
-                    <a:fontRef idx="minor">
-                      <a:schemeClr val="lt1"/>
-                    </a:fontRef>
-                  </p:style>
-                  <p:txBody>
-                    <a:bodyPr rtlCol="0" anchor="t"/>
-                    <a:lstStyle/>
-                    <a:p>
-                      <a:pPr algn="ctr"/>
-                      <a:r>
-                        <a:rPr lang="fr-FR" sz="4800" dirty="0">
-                          <a:solidFill>
-                            <a:srgbClr val="37322F"/>
-                          </a:solidFill>
-                          <a:latin typeface="Congenial SemiBold" panose="02000503040000020004" pitchFamily="2" charset="0"/>
-                          <a:cs typeface="Aharoni" panose="020F0502020204030204" pitchFamily="2" charset="-79"/>
-                        </a:rPr>
-                        <a:t>Calibration algorithme </a:t>
-                      </a:r>
-                      <a:r>
-                        <a:rPr lang="fr-FR" sz="4800" dirty="0">
-                          <a:solidFill>
-                            <a:srgbClr val="37322F"/>
-                          </a:solidFill>
-                          <a:latin typeface="Gill Sans Nova" panose="020B0602020104020203" pitchFamily="34" charset="0"/>
-                          <a:cs typeface="Aharoni" panose="020F0502020204030204" pitchFamily="2" charset="-79"/>
-                        </a:rPr>
-                        <a:t>🗜️</a:t>
-                      </a:r>
-                      <a:endParaRPr lang="en-US" sz="4800" dirty="0">
+                <mc:AlternateContent xmlns:mc="http://schemas.openxmlformats.org/markup-compatibility/2006">
+                  <mc:Choice xmlns:a14="http://schemas.microsoft.com/office/drawing/2010/main" Requires="a14">
+                    <p:sp>
+                      <p:nvSpPr>
+                        <p:cNvPr id="10" name="Rectangle : coins arrondis 9">
+                          <a:extLst>
+                            <a:ext uri="{FF2B5EF4-FFF2-40B4-BE49-F238E27FC236}">
+                              <a16:creationId xmlns:a16="http://schemas.microsoft.com/office/drawing/2014/main" id="{FD7A54F2-9565-2EC1-1F7D-D3CDECC83C71}"/>
+                            </a:ext>
+                          </a:extLst>
+                        </p:cNvPr>
+                        <p:cNvSpPr>
+                          <a:spLocks/>
+                        </p:cNvSpPr>
+                        <p:nvPr/>
+                      </p:nvSpPr>
+                      <p:spPr>
+                        <a:xfrm>
+                          <a:off x="9811596" y="8492621"/>
+                          <a:ext cx="9363479" cy="2275771"/>
+                        </a:xfrm>
+                        <a:prstGeom prst="roundRect">
+                          <a:avLst>
+                            <a:gd name="adj" fmla="val 8279"/>
+                          </a:avLst>
+                        </a:prstGeom>
                         <a:solidFill>
-                          <a:srgbClr val="37322F"/>
+                          <a:srgbClr val="E7E1D5"/>
                         </a:solidFill>
-                        <a:latin typeface="Gill Sans Nova" panose="020B0602020104020203" pitchFamily="34" charset="0"/>
-                        <a:cs typeface="Aharoni" panose="020F0502020204030204" pitchFamily="2" charset="-79"/>
-                      </a:endParaRPr>
-                    </a:p>
-                    <a:p>
-                      <a:pPr algn="ctr"/>
-                      <a:r>
-                        <a:rPr lang="en-US" sz="2000" u="sng" dirty="0">
-                          <a:solidFill>
-                            <a:srgbClr val="37322F"/>
-                          </a:solidFill>
-                          <a:latin typeface="Gill Sans Nova" panose="020B0602020104020203" pitchFamily="34" charset="0"/>
-                          <a:cs typeface="Aharoni" panose="020F0502020204030204" pitchFamily="2" charset="-79"/>
-                        </a:rPr>
-                        <a:t> </a:t>
-                      </a:r>
-                    </a:p>
-                    <a:p>
-                      <a:pPr marL="457200" indent="-457200">
-                        <a:buFont typeface="Arial" panose="020B0604020202020204" pitchFamily="34" charset="0"/>
-                        <a:buChar char="•"/>
-                      </a:pPr>
-                      <a:r>
-                        <a:rPr lang="fr-FR" sz="3200" dirty="0">
-                          <a:solidFill>
-                            <a:srgbClr val="37322F"/>
-                          </a:solidFill>
-                          <a:latin typeface="Gill Sans Nova" panose="020B0602020104020203" pitchFamily="34" charset="0"/>
-                        </a:rPr>
-                        <a:t>Method</a:t>
-                      </a:r>
-                    </a:p>
-                    <a:p>
-                      <a:pPr marL="457200" indent="-457200">
-                        <a:buFont typeface="Arial" panose="020B0604020202020204" pitchFamily="34" charset="0"/>
-                        <a:buChar char="•"/>
-                      </a:pPr>
-                      <a:r>
-                        <a:rPr lang="fr-FR" sz="3200" dirty="0" err="1">
-                          <a:solidFill>
-                            <a:srgbClr val="37322F"/>
-                          </a:solidFill>
-                          <a:latin typeface="Gill Sans Nova" panose="020B0602020104020203" pitchFamily="34" charset="0"/>
-                        </a:rPr>
-                        <a:t>Metrics</a:t>
-                      </a:r>
-                      <a:endParaRPr lang="fr-FR" sz="3200" dirty="0">
-                        <a:solidFill>
-                          <a:srgbClr val="37322F"/>
-                        </a:solidFill>
-                        <a:latin typeface="Gill Sans Nova" panose="020B0602020104020203" pitchFamily="34" charset="0"/>
-                      </a:endParaRPr>
-                    </a:p>
-                    <a:p>
-                      <a:pPr marL="457200" indent="-457200">
-                        <a:buFont typeface="Arial" panose="020B0604020202020204" pitchFamily="34" charset="0"/>
-                        <a:buChar char="•"/>
-                      </a:pPr>
-                      <a:r>
-                        <a:rPr lang="fr-FR" sz="3200" dirty="0">
-                          <a:solidFill>
-                            <a:srgbClr val="37322F"/>
-                          </a:solidFill>
-                          <a:latin typeface="Gill Sans Nova" panose="020B0602020104020203" pitchFamily="34" charset="0"/>
-                        </a:rPr>
-                        <a:t>Convergence speed</a:t>
-                      </a:r>
-                    </a:p>
-                    <a:p>
-                      <a:pPr marL="457200" indent="-457200">
-                        <a:buFont typeface="Arial" panose="020B0604020202020204" pitchFamily="34" charset="0"/>
-                        <a:buChar char="•"/>
-                      </a:pPr>
-                      <a:r>
-                        <a:rPr lang="fr-FR" sz="3200" dirty="0">
-                          <a:solidFill>
-                            <a:srgbClr val="37322F"/>
-                          </a:solidFill>
-                          <a:latin typeface="Gill Sans Nova" panose="020B0602020104020203" pitchFamily="34" charset="0"/>
-                        </a:rPr>
-                        <a:t>Limitations</a:t>
-                      </a:r>
-                    </a:p>
-                    <a:p>
-                      <a:pPr marL="457200" indent="-457200">
-                        <a:buFontTx/>
-                        <a:buChar char="-"/>
-                      </a:pPr>
-                      <a:endParaRPr lang="fr-FR" sz="3200" dirty="0">
-                        <a:solidFill>
-                          <a:srgbClr val="37322F"/>
-                        </a:solidFill>
-                        <a:latin typeface="Gill Sans Nova" panose="020B0602020104020203" pitchFamily="34" charset="0"/>
-                      </a:endParaRPr>
-                    </a:p>
-                  </p:txBody>
-                </p:sp>
+                        <a:ln>
+                          <a:noFill/>
+                        </a:ln>
+                      </p:spPr>
+                      <p:style>
+                        <a:lnRef idx="2">
+                          <a:schemeClr val="accent1">
+                            <a:shade val="15000"/>
+                          </a:schemeClr>
+                        </a:lnRef>
+                        <a:fillRef idx="1">
+                          <a:schemeClr val="accent1"/>
+                        </a:fillRef>
+                        <a:effectRef idx="0">
+                          <a:schemeClr val="accent1"/>
+                        </a:effectRef>
+                        <a:fontRef idx="minor">
+                          <a:schemeClr val="lt1"/>
+                        </a:fontRef>
+                      </p:style>
+                      <p:txBody>
+                        <a:bodyPr rtlCol="0" anchor="t"/>
+                        <a:lstStyle/>
+                        <a:p>
+                          <a:pPr algn="ctr"/>
+                          <a:r>
+                            <a:rPr lang="en-US" sz="4800" dirty="0">
+                              <a:solidFill>
+                                <a:srgbClr val="37322F"/>
+                              </a:solidFill>
+                              <a:latin typeface="Congenial SemiBold" panose="02000503040000020004" pitchFamily="2" charset="0"/>
+                              <a:cs typeface="Aharoni" panose="020F0502020204030204" pitchFamily="2" charset="-79"/>
+                            </a:rPr>
+                            <a:t>Calibration algorithm </a:t>
+                          </a:r>
+                          <a:r>
+                            <a:rPr lang="en-US" sz="4800" dirty="0">
+                              <a:solidFill>
+                                <a:srgbClr val="37322F"/>
+                              </a:solidFill>
+                              <a:latin typeface="Gill Sans Nova" panose="020B0602020104020203" pitchFamily="34" charset="0"/>
+                              <a:cs typeface="Aharoni" panose="020F0502020204030204" pitchFamily="2" charset="-79"/>
+                            </a:rPr>
+                            <a:t>🗜️</a:t>
+                          </a:r>
+                          <a:r>
+                            <a:rPr lang="en-US" sz="2000" u="sng" dirty="0">
+                              <a:solidFill>
+                                <a:srgbClr val="37322F"/>
+                              </a:solidFill>
+                              <a:latin typeface="Gill Sans Nova" panose="020B0602020104020203" pitchFamily="34" charset="0"/>
+                              <a:cs typeface="Aharoni" panose="020F0502020204030204" pitchFamily="2" charset="-79"/>
+                            </a:rPr>
+                            <a:t> </a:t>
+                          </a:r>
+                        </a:p>
+                        <a:p>
+                          <a:r>
+                            <a:rPr lang="en-US" sz="3200" dirty="0">
+                              <a:solidFill>
+                                <a:srgbClr val="37322F"/>
+                              </a:solidFill>
+                              <a:latin typeface="Gill Sans Nova" panose="020B0602020104020203" pitchFamily="34" charset="0"/>
+                            </a:rPr>
+                            <a:t>To find the best phase shifts to introduce, I proposed an algorithm inspired from dichotomy and gradient descent that accept or reject steps in the parameter space according to the bright </a:t>
+                          </a:r>
+                          <a14:m>
+                            <m:oMath xmlns:m="http://schemas.openxmlformats.org/officeDocument/2006/math">
+                              <m:sSub>
+                                <m:sSubPr>
+                                  <m:ctrlPr>
+                                    <a:rPr lang="en-US" sz="3200" i="1">
+                                      <a:solidFill>
+                                        <a:srgbClr val="37322F"/>
+                                      </a:solidFill>
+                                      <a:latin typeface="Cambria Math" panose="02040503050406030204" pitchFamily="18" charset="0"/>
+                                    </a:rPr>
+                                  </m:ctrlPr>
+                                </m:sSubPr>
+                                <m:e>
+                                  <m:r>
+                                    <a:rPr lang="en-US" sz="3200" i="1">
+                                      <a:solidFill>
+                                        <a:srgbClr val="37322F"/>
+                                      </a:solidFill>
+                                      <a:latin typeface="Cambria Math" panose="02040503050406030204" pitchFamily="18" charset="0"/>
+                                    </a:rPr>
+                                    <m:t>𝑀</m:t>
+                                  </m:r>
+                                </m:e>
+                                <m:sub>
+                                  <m:r>
+                                    <a:rPr lang="en-US" sz="3200" i="1">
+                                      <a:solidFill>
+                                        <a:srgbClr val="37322F"/>
+                                      </a:solidFill>
+                                      <a:latin typeface="Cambria Math" panose="02040503050406030204" pitchFamily="18" charset="0"/>
+                                    </a:rPr>
+                                    <m:t>1</m:t>
+                                  </m:r>
+                                </m:sub>
+                              </m:sSub>
+                              <m:r>
+                                <a:rPr lang="en-US" sz="3200" i="1">
+                                  <a:solidFill>
+                                    <a:srgbClr val="37322F"/>
+                                  </a:solidFill>
+                                  <a:latin typeface="Cambria Math" panose="02040503050406030204" pitchFamily="18" charset="0"/>
+                                </a:rPr>
+                                <m:t>=</m:t>
+                              </m:r>
+                              <m:r>
+                                <a:rPr lang="en-US" sz="3200" i="1">
+                                  <a:solidFill>
+                                    <a:srgbClr val="37322F"/>
+                                  </a:solidFill>
+                                  <a:latin typeface="Cambria Math" panose="02040503050406030204" pitchFamily="18" charset="0"/>
+                                </a:rPr>
+                                <m:t>𝐵</m:t>
+                              </m:r>
+                            </m:oMath>
+                          </a14:m>
+                          <a:r>
+                            <a:rPr lang="en-US" sz="3200" dirty="0">
+                              <a:solidFill>
+                                <a:srgbClr val="37322F"/>
+                              </a:solidFill>
+                              <a:latin typeface="Gill Sans Nova" panose="020B0602020104020203" pitchFamily="34" charset="0"/>
+                            </a:rPr>
+                            <a:t> and dark asymmetry </a:t>
+                          </a:r>
+                          <a14:m>
+                            <m:oMath xmlns:m="http://schemas.openxmlformats.org/officeDocument/2006/math">
+                              <m:sSub>
+                                <m:sSubPr>
+                                  <m:ctrlPr>
+                                    <a:rPr lang="en-US" sz="3200" b="0" i="1" smtClean="0">
+                                      <a:solidFill>
+                                        <a:srgbClr val="37322F"/>
+                                      </a:solidFill>
+                                      <a:latin typeface="Cambria Math" panose="02040503050406030204" pitchFamily="18" charset="0"/>
+                                    </a:rPr>
+                                  </m:ctrlPr>
+                                </m:sSubPr>
+                                <m:e>
+                                  <m:r>
+                                    <a:rPr lang="en-US" sz="3200" b="0" i="1" smtClean="0">
+                                      <a:solidFill>
+                                        <a:srgbClr val="37322F"/>
+                                      </a:solidFill>
+                                      <a:latin typeface="Cambria Math" panose="02040503050406030204" pitchFamily="18" charset="0"/>
+                                    </a:rPr>
+                                    <m:t>𝑀</m:t>
+                                  </m:r>
+                                </m:e>
+                                <m:sub>
+                                  <m:r>
+                                    <a:rPr lang="en-US" sz="3200" b="0" i="1" smtClean="0">
+                                      <a:solidFill>
+                                        <a:srgbClr val="37322F"/>
+                                      </a:solidFill>
+                                      <a:latin typeface="Cambria Math" panose="02040503050406030204" pitchFamily="18" charset="0"/>
+                                    </a:rPr>
+                                    <m:t>2</m:t>
+                                  </m:r>
+                                </m:sub>
+                              </m:sSub>
+                              <m:r>
+                                <a:rPr lang="en-US" sz="3200" b="0" i="1" smtClean="0">
+                                  <a:solidFill>
+                                    <a:srgbClr val="37322F"/>
+                                  </a:solidFill>
+                                  <a:latin typeface="Cambria Math" panose="02040503050406030204" pitchFamily="18" charset="0"/>
+                                </a:rPr>
+                                <m:t>=</m:t>
+                              </m:r>
+                              <m:d>
+                                <m:dPr>
+                                  <m:begChr m:val="|"/>
+                                  <m:endChr m:val="|"/>
+                                  <m:ctrlPr>
+                                    <a:rPr lang="en-US" sz="3200" b="0" i="1" smtClean="0">
+                                      <a:solidFill>
+                                        <a:srgbClr val="37322F"/>
+                                      </a:solidFill>
+                                      <a:latin typeface="Cambria Math" panose="02040503050406030204" pitchFamily="18" charset="0"/>
+                                    </a:rPr>
+                                  </m:ctrlPr>
+                                </m:dPr>
+                                <m:e>
+                                  <m:sSub>
+                                    <m:sSubPr>
+                                      <m:ctrlPr>
+                                        <a:rPr lang="en-US" sz="3200" b="0" i="1" smtClean="0">
+                                          <a:solidFill>
+                                            <a:srgbClr val="37322F"/>
+                                          </a:solidFill>
+                                          <a:latin typeface="Cambria Math" panose="02040503050406030204" pitchFamily="18" charset="0"/>
+                                        </a:rPr>
+                                      </m:ctrlPr>
+                                    </m:sSubPr>
+                                    <m:e>
+                                      <m:r>
+                                        <a:rPr lang="en-US" sz="3200" b="0" i="1" smtClean="0">
+                                          <a:solidFill>
+                                            <a:srgbClr val="37322F"/>
+                                          </a:solidFill>
+                                          <a:latin typeface="Cambria Math" panose="02040503050406030204" pitchFamily="18" charset="0"/>
+                                        </a:rPr>
+                                        <m:t>𝐷</m:t>
+                                      </m:r>
+                                    </m:e>
+                                    <m:sub>
+                                      <m:r>
+                                        <a:rPr lang="en-US" sz="3200" b="0" i="1" smtClean="0">
+                                          <a:solidFill>
+                                            <a:srgbClr val="37322F"/>
+                                          </a:solidFill>
+                                          <a:latin typeface="Cambria Math" panose="02040503050406030204" pitchFamily="18" charset="0"/>
+                                        </a:rPr>
+                                        <m:t>1</m:t>
+                                      </m:r>
+                                    </m:sub>
+                                  </m:sSub>
+                                  <m:r>
+                                    <a:rPr lang="en-US" sz="3200" b="0" i="1" smtClean="0">
+                                      <a:solidFill>
+                                        <a:srgbClr val="37322F"/>
+                                      </a:solidFill>
+                                      <a:latin typeface="Cambria Math" panose="02040503050406030204" pitchFamily="18" charset="0"/>
+                                    </a:rPr>
+                                    <m:t>−</m:t>
+                                  </m:r>
+                                  <m:sSub>
+                                    <m:sSubPr>
+                                      <m:ctrlPr>
+                                        <a:rPr lang="en-US" sz="3200" b="0" i="1" smtClean="0">
+                                          <a:solidFill>
+                                            <a:srgbClr val="37322F"/>
+                                          </a:solidFill>
+                                          <a:latin typeface="Cambria Math" panose="02040503050406030204" pitchFamily="18" charset="0"/>
+                                        </a:rPr>
+                                      </m:ctrlPr>
+                                    </m:sSubPr>
+                                    <m:e>
+                                      <m:r>
+                                        <a:rPr lang="en-US" sz="3200" b="0" i="1" smtClean="0">
+                                          <a:solidFill>
+                                            <a:srgbClr val="37322F"/>
+                                          </a:solidFill>
+                                          <a:latin typeface="Cambria Math" panose="02040503050406030204" pitchFamily="18" charset="0"/>
+                                        </a:rPr>
+                                        <m:t>𝐷</m:t>
+                                      </m:r>
+                                    </m:e>
+                                    <m:sub>
+                                      <m:r>
+                                        <a:rPr lang="en-US" sz="3200" b="0" i="1" smtClean="0">
+                                          <a:solidFill>
+                                            <a:srgbClr val="37322F"/>
+                                          </a:solidFill>
+                                          <a:latin typeface="Cambria Math" panose="02040503050406030204" pitchFamily="18" charset="0"/>
+                                        </a:rPr>
+                                        <m:t>2</m:t>
+                                      </m:r>
+                                    </m:sub>
+                                  </m:sSub>
+                                </m:e>
+                              </m:d>
+                              <m:r>
+                                <a:rPr lang="en-US" sz="3200" b="0" i="1" smtClean="0">
+                                  <a:solidFill>
+                                    <a:srgbClr val="37322F"/>
+                                  </a:solidFill>
+                                  <a:latin typeface="Cambria Math" panose="02040503050406030204" pitchFamily="18" charset="0"/>
+                                </a:rPr>
+                                <m:t>+</m:t>
+                              </m:r>
+                              <m:d>
+                                <m:dPr>
+                                  <m:begChr m:val="|"/>
+                                  <m:endChr m:val="|"/>
+                                  <m:ctrlPr>
+                                    <a:rPr lang="en-US" sz="3200" b="0" i="1" smtClean="0">
+                                      <a:solidFill>
+                                        <a:srgbClr val="37322F"/>
+                                      </a:solidFill>
+                                      <a:latin typeface="Cambria Math" panose="02040503050406030204" pitchFamily="18" charset="0"/>
+                                    </a:rPr>
+                                  </m:ctrlPr>
+                                </m:dPr>
+                                <m:e>
+                                  <m:sSub>
+                                    <m:sSubPr>
+                                      <m:ctrlPr>
+                                        <a:rPr lang="en-US" sz="3200" b="0" i="1" smtClean="0">
+                                          <a:solidFill>
+                                            <a:srgbClr val="37322F"/>
+                                          </a:solidFill>
+                                          <a:latin typeface="Cambria Math" panose="02040503050406030204" pitchFamily="18" charset="0"/>
+                                        </a:rPr>
+                                      </m:ctrlPr>
+                                    </m:sSubPr>
+                                    <m:e>
+                                      <m:r>
+                                        <a:rPr lang="en-US" sz="3200" b="0" i="1" smtClean="0">
+                                          <a:solidFill>
+                                            <a:srgbClr val="37322F"/>
+                                          </a:solidFill>
+                                          <a:latin typeface="Cambria Math" panose="02040503050406030204" pitchFamily="18" charset="0"/>
+                                        </a:rPr>
+                                        <m:t>𝐷</m:t>
+                                      </m:r>
+                                    </m:e>
+                                    <m:sub>
+                                      <m:r>
+                                        <a:rPr lang="en-US" sz="3200" b="0" i="1" smtClean="0">
+                                          <a:solidFill>
+                                            <a:srgbClr val="37322F"/>
+                                          </a:solidFill>
+                                          <a:latin typeface="Cambria Math" panose="02040503050406030204" pitchFamily="18" charset="0"/>
+                                        </a:rPr>
+                                        <m:t>3</m:t>
+                                      </m:r>
+                                    </m:sub>
+                                  </m:sSub>
+                                  <m:r>
+                                    <a:rPr lang="en-US" sz="3200" b="0" i="1" smtClean="0">
+                                      <a:solidFill>
+                                        <a:srgbClr val="37322F"/>
+                                      </a:solidFill>
+                                      <a:latin typeface="Cambria Math" panose="02040503050406030204" pitchFamily="18" charset="0"/>
+                                    </a:rPr>
+                                    <m:t>−</m:t>
+                                  </m:r>
+                                  <m:sSub>
+                                    <m:sSubPr>
+                                      <m:ctrlPr>
+                                        <a:rPr lang="en-US" sz="3200" b="0" i="1" smtClean="0">
+                                          <a:solidFill>
+                                            <a:srgbClr val="37322F"/>
+                                          </a:solidFill>
+                                          <a:latin typeface="Cambria Math" panose="02040503050406030204" pitchFamily="18" charset="0"/>
+                                        </a:rPr>
+                                      </m:ctrlPr>
+                                    </m:sSubPr>
+                                    <m:e>
+                                      <m:r>
+                                        <a:rPr lang="en-US" sz="3200" b="0" i="1" smtClean="0">
+                                          <a:solidFill>
+                                            <a:srgbClr val="37322F"/>
+                                          </a:solidFill>
+                                          <a:latin typeface="Cambria Math" panose="02040503050406030204" pitchFamily="18" charset="0"/>
+                                        </a:rPr>
+                                        <m:t>𝐷</m:t>
+                                      </m:r>
+                                    </m:e>
+                                    <m:sub>
+                                      <m:r>
+                                        <a:rPr lang="en-US" sz="3200" b="0" i="1" smtClean="0">
+                                          <a:solidFill>
+                                            <a:srgbClr val="37322F"/>
+                                          </a:solidFill>
+                                          <a:latin typeface="Cambria Math" panose="02040503050406030204" pitchFamily="18" charset="0"/>
+                                        </a:rPr>
+                                        <m:t>4</m:t>
+                                      </m:r>
+                                    </m:sub>
+                                  </m:sSub>
+                                </m:e>
+                              </m:d>
+                              <m:r>
+                                <a:rPr lang="en-US" sz="3200" b="0" i="1" smtClean="0">
+                                  <a:solidFill>
+                                    <a:srgbClr val="37322F"/>
+                                  </a:solidFill>
+                                  <a:latin typeface="Cambria Math" panose="02040503050406030204" pitchFamily="18" charset="0"/>
+                                </a:rPr>
+                                <m:t>+</m:t>
+                              </m:r>
+                              <m:d>
+                                <m:dPr>
+                                  <m:begChr m:val="|"/>
+                                  <m:endChr m:val="|"/>
+                                  <m:ctrlPr>
+                                    <a:rPr lang="en-US" sz="3200" b="0" i="1" smtClean="0">
+                                      <a:solidFill>
+                                        <a:srgbClr val="37322F"/>
+                                      </a:solidFill>
+                                      <a:latin typeface="Cambria Math" panose="02040503050406030204" pitchFamily="18" charset="0"/>
+                                    </a:rPr>
+                                  </m:ctrlPr>
+                                </m:dPr>
+                                <m:e>
+                                  <m:sSub>
+                                    <m:sSubPr>
+                                      <m:ctrlPr>
+                                        <a:rPr lang="en-US" sz="3200" b="0" i="1" smtClean="0">
+                                          <a:solidFill>
+                                            <a:srgbClr val="37322F"/>
+                                          </a:solidFill>
+                                          <a:latin typeface="Cambria Math" panose="02040503050406030204" pitchFamily="18" charset="0"/>
+                                        </a:rPr>
+                                      </m:ctrlPr>
+                                    </m:sSubPr>
+                                    <m:e>
+                                      <m:r>
+                                        <a:rPr lang="en-US" sz="3200" b="0" i="1" smtClean="0">
+                                          <a:solidFill>
+                                            <a:srgbClr val="37322F"/>
+                                          </a:solidFill>
+                                          <a:latin typeface="Cambria Math" panose="02040503050406030204" pitchFamily="18" charset="0"/>
+                                        </a:rPr>
+                                        <m:t>𝐷</m:t>
+                                      </m:r>
+                                    </m:e>
+                                    <m:sub>
+                                      <m:r>
+                                        <a:rPr lang="en-US" sz="3200" b="0" i="1" smtClean="0">
+                                          <a:solidFill>
+                                            <a:srgbClr val="37322F"/>
+                                          </a:solidFill>
+                                          <a:latin typeface="Cambria Math" panose="02040503050406030204" pitchFamily="18" charset="0"/>
+                                        </a:rPr>
+                                        <m:t>5</m:t>
+                                      </m:r>
+                                    </m:sub>
+                                  </m:sSub>
+                                  <m:r>
+                                    <a:rPr lang="en-US" sz="3200" b="0" i="1" smtClean="0">
+                                      <a:solidFill>
+                                        <a:srgbClr val="37322F"/>
+                                      </a:solidFill>
+                                      <a:latin typeface="Cambria Math" panose="02040503050406030204" pitchFamily="18" charset="0"/>
+                                    </a:rPr>
+                                    <m:t>−</m:t>
+                                  </m:r>
+                                  <m:sSub>
+                                    <m:sSubPr>
+                                      <m:ctrlPr>
+                                        <a:rPr lang="en-US" sz="3200" b="0" i="1" smtClean="0">
+                                          <a:solidFill>
+                                            <a:srgbClr val="37322F"/>
+                                          </a:solidFill>
+                                          <a:latin typeface="Cambria Math" panose="02040503050406030204" pitchFamily="18" charset="0"/>
+                                        </a:rPr>
+                                      </m:ctrlPr>
+                                    </m:sSubPr>
+                                    <m:e>
+                                      <m:r>
+                                        <a:rPr lang="en-US" sz="3200" b="0" i="1" smtClean="0">
+                                          <a:solidFill>
+                                            <a:srgbClr val="37322F"/>
+                                          </a:solidFill>
+                                          <a:latin typeface="Cambria Math" panose="02040503050406030204" pitchFamily="18" charset="0"/>
+                                        </a:rPr>
+                                        <m:t>𝐷</m:t>
+                                      </m:r>
+                                    </m:e>
+                                    <m:sub>
+                                      <m:r>
+                                        <a:rPr lang="en-US" sz="3200" b="0" i="1" smtClean="0">
+                                          <a:solidFill>
+                                            <a:srgbClr val="37322F"/>
+                                          </a:solidFill>
+                                          <a:latin typeface="Cambria Math" panose="02040503050406030204" pitchFamily="18" charset="0"/>
+                                        </a:rPr>
+                                        <m:t>6</m:t>
+                                      </m:r>
+                                    </m:sub>
+                                  </m:sSub>
+                                </m:e>
+                              </m:d>
+                              <m:r>
+                                <a:rPr lang="en-US" sz="3200" b="0" i="1" smtClean="0">
+                                  <a:solidFill>
+                                    <a:srgbClr val="37322F"/>
+                                  </a:solidFill>
+                                  <a:latin typeface="Cambria Math" panose="02040503050406030204" pitchFamily="18" charset="0"/>
+                                </a:rPr>
+                                <m:t> </m:t>
+                              </m:r>
+                            </m:oMath>
+                          </a14:m>
+                          <a:r>
+                            <a:rPr lang="en-US" sz="3200" dirty="0">
+                              <a:solidFill>
+                                <a:srgbClr val="37322F"/>
+                              </a:solidFill>
+                              <a:latin typeface="Gill Sans Nova" panose="020B0602020104020203" pitchFamily="34" charset="0"/>
+                            </a:rPr>
+                            <a:t>metrics. </a:t>
+                          </a:r>
+                          <a14:m>
+                            <m:oMath xmlns:m="http://schemas.openxmlformats.org/officeDocument/2006/math">
+                              <m:r>
+                                <a:rPr lang="en-US" sz="3200" b="0" i="1" smtClean="0">
+                                  <a:solidFill>
+                                    <a:srgbClr val="37322F"/>
+                                  </a:solidFill>
+                                  <a:latin typeface="Cambria Math" panose="02040503050406030204" pitchFamily="18" charset="0"/>
+                                </a:rPr>
+                                <m:t>𝐵</m:t>
+                              </m:r>
+                            </m:oMath>
+                          </a14:m>
+                          <a:r>
+                            <a:rPr lang="en-US" sz="3200" dirty="0">
+                              <a:solidFill>
+                                <a:srgbClr val="37322F"/>
+                              </a:solidFill>
+                              <a:latin typeface="Gill Sans Nova" panose="020B0602020104020203" pitchFamily="34" charset="0"/>
+                            </a:rPr>
+                            <a:t> and </a:t>
+                          </a:r>
+                          <a14:m>
+                            <m:oMath xmlns:m="http://schemas.openxmlformats.org/officeDocument/2006/math">
+                              <m:r>
+                                <a:rPr lang="en-US" sz="3200" b="0" i="1" smtClean="0">
+                                  <a:solidFill>
+                                    <a:srgbClr val="37322F"/>
+                                  </a:solidFill>
+                                  <a:latin typeface="Cambria Math" panose="02040503050406030204" pitchFamily="18" charset="0"/>
+                                </a:rPr>
+                                <m:t>𝐷</m:t>
+                              </m:r>
+                            </m:oMath>
+                          </a14:m>
+                          <a:r>
+                            <a:rPr lang="en-US" sz="3200" dirty="0">
+                              <a:solidFill>
+                                <a:srgbClr val="37322F"/>
+                              </a:solidFill>
+                              <a:latin typeface="Gill Sans Nova" panose="020B0602020104020203" pitchFamily="34" charset="0"/>
+                            </a:rPr>
+                            <a:t> are respectively the bright and darks output intensities.</a:t>
+                          </a:r>
+                        </a:p>
+                      </p:txBody>
+                    </p:sp>
+                  </mc:Choice>
+                  <mc:Fallback>
+                    <p:sp>
+                      <p:nvSpPr>
+                        <p:cNvPr id="10" name="Rectangle : coins arrondis 9">
+                          <a:extLst>
+                            <a:ext uri="{FF2B5EF4-FFF2-40B4-BE49-F238E27FC236}">
+                              <a16:creationId xmlns:a16="http://schemas.microsoft.com/office/drawing/2014/main" id="{FD7A54F2-9565-2EC1-1F7D-D3CDECC83C71}"/>
+                            </a:ext>
+                          </a:extLst>
+                        </p:cNvPr>
+                        <p:cNvSpPr>
+                          <a:spLocks noRot="1" noChangeAspect="1" noMove="1" noResize="1" noEditPoints="1" noAdjustHandles="1" noChangeArrowheads="1" noChangeShapeType="1" noTextEdit="1"/>
+                        </p:cNvSpPr>
+                        <p:nvPr/>
+                      </p:nvSpPr>
+                      <p:spPr>
+                        <a:xfrm>
+                          <a:off x="9811596" y="8492621"/>
+                          <a:ext cx="9363479" cy="2275771"/>
+                        </a:xfrm>
+                        <a:prstGeom prst="roundRect">
+                          <a:avLst>
+                            <a:gd name="adj" fmla="val 8279"/>
+                          </a:avLst>
+                        </a:prstGeom>
+                        <a:blipFill>
+                          <a:blip r:embed="rId3"/>
+                          <a:stretch>
+                            <a:fillRect/>
+                          </a:stretch>
+                        </a:blipFill>
+                        <a:ln>
+                          <a:noFill/>
+                        </a:ln>
+                      </p:spPr>
+                      <p:txBody>
+                        <a:bodyPr/>
+                        <a:lstStyle/>
+                        <a:p>
+                          <a:r>
+                            <a:rPr lang="en-US">
+                              <a:noFill/>
+                            </a:rPr>
+                            <a:t> </a:t>
+                          </a:r>
+                        </a:p>
+                      </p:txBody>
+                    </p:sp>
+                  </mc:Fallback>
+                </mc:AlternateContent>
                 <p:sp>
                   <p:nvSpPr>
                     <p:cNvPr id="11" name="Rectangle : coins arrondis 10">
@@ -4372,8 +4548,8 @@
                   </p:nvSpPr>
                   <p:spPr>
                     <a:xfrm>
-                      <a:off x="19689971" y="8632438"/>
-                      <a:ext cx="9123315" cy="3938202"/>
+                      <a:off x="19651566" y="8492621"/>
+                      <a:ext cx="9123315" cy="2039487"/>
                     </a:xfrm>
                     <a:prstGeom prst="roundRect">
                       <a:avLst>
@@ -4425,83 +4601,15 @@
                         <a:defRPr/>
                       </a:pPr>
                       <a:r>
-                        <a:rPr kumimoji="0" lang="fr-FR" sz="4800" b="0" i="0" u="none" strike="noStrike" kern="1200" cap="none" spc="0" normalizeH="0" baseline="0" noProof="0" dirty="0" err="1">
-                          <a:ln>
-                            <a:noFill/>
-                          </a:ln>
-                          <a:solidFill>
-                            <a:srgbClr val="37322F"/>
-                          </a:solidFill>
-                          <a:effectLst/>
-                          <a:uLnTx/>
-                          <a:uFillTx/>
-                          <a:latin typeface="Congenial SemiBold" panose="02000503040000020004" pitchFamily="2" charset="0"/>
-                          <a:cs typeface="Aharoni" panose="020F0502020204030204" pitchFamily="2" charset="-79"/>
-                        </a:rPr>
-                        <a:t>Statistical</a:t>
-                      </a:r>
-                      <a:r>
-                        <a:rPr lang="fr-FR" sz="4800" dirty="0">
+                        <a:rPr lang="en-US" sz="4800" dirty="0">
                           <a:solidFill>
                             <a:srgbClr val="37322F"/>
                           </a:solidFill>
                           <a:latin typeface="Congenial SemiBold" panose="02000503040000020004" pitchFamily="2" charset="0"/>
                           <a:cs typeface="Aharoni" panose="020F0502020204030204" pitchFamily="2" charset="-79"/>
                         </a:rPr>
-                        <a:t> </a:t>
+                        <a:t>Parallactic diversity 🔄️</a:t>
                       </a:r>
-                      <a:r>
-                        <a:rPr lang="fr-FR" sz="4800" dirty="0" err="1">
-                          <a:solidFill>
-                            <a:srgbClr val="37322F"/>
-                          </a:solidFill>
-                          <a:latin typeface="Congenial SemiBold" panose="02000503040000020004" pitchFamily="2" charset="0"/>
-                          <a:cs typeface="Aharoni" panose="020F0502020204030204" pitchFamily="2" charset="-79"/>
-                        </a:rPr>
-                        <a:t>analysis</a:t>
-                      </a:r>
-                      <a:r>
-                        <a:rPr lang="fr-FR" sz="4800" dirty="0">
-                          <a:solidFill>
-                            <a:srgbClr val="37322F"/>
-                          </a:solidFill>
-                          <a:latin typeface="Congenial SemiBold" panose="02000503040000020004" pitchFamily="2" charset="0"/>
-                          <a:cs typeface="Aharoni" panose="020F0502020204030204" pitchFamily="2" charset="-79"/>
-                        </a:rPr>
-                        <a:t> 📊</a:t>
-                      </a:r>
-                      <a:endParaRPr kumimoji="0" lang="en-US" sz="4800" b="0" i="0" u="none" strike="noStrike" kern="1200" cap="none" spc="0" normalizeH="0" baseline="0" noProof="0" dirty="0">
-                        <a:ln>
-                          <a:noFill/>
-                        </a:ln>
-                        <a:solidFill>
-                          <a:srgbClr val="37322F"/>
-                        </a:solidFill>
-                        <a:effectLst/>
-                        <a:uLnTx/>
-                        <a:uFillTx/>
-                        <a:latin typeface="Congenial SemiBold" panose="02000503040000020004" pitchFamily="2" charset="0"/>
-                        <a:cs typeface="Aharoni" panose="020F0502020204030204" pitchFamily="2" charset="-79"/>
-                      </a:endParaRPr>
-                    </a:p>
-                    <a:p>
-                      <a:pPr marL="0" marR="0" lvl="0" indent="0" algn="ctr" defTabSz="457200" rtl="0" eaLnBrk="1" fontAlgn="auto" latinLnBrk="0" hangingPunct="1">
-                        <a:lnSpc>
-                          <a:spcPct val="100000"/>
-                        </a:lnSpc>
-                        <a:spcBef>
-                          <a:spcPts val="0"/>
-                        </a:spcBef>
-                        <a:spcAft>
-                          <a:spcPts val="0"/>
-                        </a:spcAft>
-                        <a:buClrTx/>
-                        <a:buSzTx/>
-                        <a:buFontTx/>
-                        <a:buNone/>
-                        <a:tabLst/>
-                        <a:defRPr/>
-                      </a:pPr>
                       <a:r>
                         <a:rPr kumimoji="0" lang="en-US" sz="2000" b="0" i="0" u="sng" strike="noStrike" kern="1200" cap="none" spc="0" normalizeH="0" baseline="0" noProof="0" dirty="0">
                           <a:ln>
@@ -4521,7 +4629,7 @@
                       </a:r>
                     </a:p>
                     <a:p>
-                      <a:pPr marL="457200" marR="0" lvl="0" indent="-457200" algn="l" defTabSz="457200" rtl="0" eaLnBrk="1" fontAlgn="auto" latinLnBrk="0" hangingPunct="1">
+                      <a:pPr marR="0" lvl="0" algn="l" defTabSz="457200" rtl="0" eaLnBrk="1" fontAlgn="auto" latinLnBrk="0" hangingPunct="1">
                         <a:lnSpc>
                           <a:spcPct val="100000"/>
                         </a:lnSpc>
@@ -4533,13 +4641,11 @@
                         </a:spcAft>
                         <a:buClrTx/>
                         <a:buSzTx/>
-                        <a:buFont typeface="Arial" panose="020B0604020202020204" pitchFamily="34" charset="0"/>
-                        <a:buChar char="•"/>
                         <a:tabLst/>
                         <a:defRPr/>
                       </a:pPr>
                       <a:r>
-                        <a:rPr kumimoji="0" lang="fr-FR" sz="3200" b="0" i="0" u="none" strike="noStrike" kern="1200" cap="none" spc="0" normalizeH="0" baseline="0" noProof="0" dirty="0">
+                        <a:rPr kumimoji="0" lang="en-US" sz="3200" b="0" i="0" u="none" strike="noStrike" kern="1200" cap="none" spc="0" normalizeH="0" baseline="0" noProof="0" dirty="0">
                           <a:ln>
                             <a:noFill/>
                           </a:ln>
@@ -4553,110 +4659,18 @@
                           <a:ea typeface="+mn-ea"/>
                           <a:cs typeface="+mn-cs"/>
                         </a:rPr>
-                        <a:t>Kernel outputs</a:t>
+                        <a:t>Taking advantage of the earth rotation</a:t>
                       </a:r>
-                    </a:p>
-                    <a:p>
-                      <a:pPr marL="457200" marR="0" lvl="0" indent="-457200" algn="l" defTabSz="457200" rtl="0" eaLnBrk="1" fontAlgn="auto" latinLnBrk="0" hangingPunct="1">
-                        <a:lnSpc>
-                          <a:spcPct val="100000"/>
-                        </a:lnSpc>
-                        <a:spcBef>
-                          <a:spcPts val="0"/>
-                        </a:spcBef>
-                        <a:spcAft>
-                          <a:spcPts val="0"/>
-                        </a:spcAft>
-                        <a:buClrTx/>
-                        <a:buSzTx/>
-                        <a:buFont typeface="Arial" panose="020B0604020202020204" pitchFamily="34" charset="0"/>
-                        <a:buChar char="•"/>
-                        <a:tabLst/>
-                        <a:defRPr/>
-                      </a:pPr>
                       <a:r>
-                        <a:rPr lang="fr-FR" sz="3200" dirty="0">
+                        <a:rPr lang="en-US" sz="3200" dirty="0">
                           <a:solidFill>
                             <a:srgbClr val="37322F"/>
                           </a:solidFill>
                           <a:latin typeface="Gill Sans Nova" panose="020B0602020104020203" pitchFamily="34" charset="0"/>
                         </a:rPr>
-                        <a:t>Distributions</a:t>
+                        <a:t>, the kernel distribution will shift according to a known modulation. For each kernel output, one fit this modulation to the data points, giving the position and contrast of the potential object. By averaging all these parameter and computing a global fit, we can compare if this last one is well correlated to each kernel modulation.</a:t>
                       </a:r>
-                    </a:p>
-                    <a:p>
-                      <a:pPr marL="457200" marR="0" lvl="0" indent="-457200" algn="l" defTabSz="457200" rtl="0" eaLnBrk="1" fontAlgn="auto" latinLnBrk="0" hangingPunct="1">
-                        <a:lnSpc>
-                          <a:spcPct val="100000"/>
-                        </a:lnSpc>
-                        <a:spcBef>
-                          <a:spcPts val="0"/>
-                        </a:spcBef>
-                        <a:spcAft>
-                          <a:spcPts val="0"/>
-                        </a:spcAft>
-                        <a:buClrTx/>
-                        <a:buSzTx/>
-                        <a:buFont typeface="Arial" panose="020B0604020202020204" pitchFamily="34" charset="0"/>
-                        <a:buChar char="•"/>
-                        <a:tabLst/>
-                        <a:defRPr/>
-                      </a:pPr>
-                      <a:r>
-                        <a:rPr kumimoji="0" lang="fr-FR" sz="3200" b="0" i="0" u="none" strike="noStrike" kern="1200" cap="none" spc="0" normalizeH="0" baseline="0" noProof="0" dirty="0">
-                          <a:ln>
-                            <a:noFill/>
-                          </a:ln>
-                          <a:solidFill>
-                            <a:srgbClr val="37322F"/>
-                          </a:solidFill>
-                          <a:effectLst/>
-                          <a:uLnTx/>
-                          <a:uFillTx/>
-                          <a:latin typeface="Gill Sans Nova" panose="020B0602020104020203" pitchFamily="34" charset="0"/>
-                          <a:ea typeface="+mn-ea"/>
-                          <a:cs typeface="+mn-cs"/>
-                        </a:rPr>
-                        <a:t>Estimation of the </a:t>
-                      </a:r>
-                      <a:r>
-                        <a:rPr kumimoji="0" lang="fr-FR" sz="3200" b="0" i="0" u="none" strike="noStrike" kern="1200" cap="none" spc="0" normalizeH="0" baseline="0" noProof="0" dirty="0" err="1">
-                          <a:ln>
-                            <a:noFill/>
-                          </a:ln>
-                          <a:solidFill>
-                            <a:srgbClr val="37322F"/>
-                          </a:solidFill>
-                          <a:effectLst/>
-                          <a:uLnTx/>
-                          <a:uFillTx/>
-                          <a:latin typeface="Gill Sans Nova" panose="020B0602020104020203" pitchFamily="34" charset="0"/>
-                          <a:ea typeface="+mn-ea"/>
-                          <a:cs typeface="+mn-cs"/>
-                        </a:rPr>
-                        <a:t>true</a:t>
-                      </a:r>
-                      <a:r>
-                        <a:rPr kumimoji="0" lang="fr-FR" sz="3200" b="0" i="0" u="none" strike="noStrike" kern="1200" cap="none" spc="0" normalizeH="0" baseline="0" noProof="0" dirty="0">
-                          <a:ln>
-                            <a:noFill/>
-                          </a:ln>
-                          <a:solidFill>
-                            <a:srgbClr val="37322F"/>
-                          </a:solidFill>
-                          <a:effectLst/>
-                          <a:uLnTx/>
-                          <a:uFillTx/>
-                          <a:latin typeface="Gill Sans Nova" panose="020B0602020104020203" pitchFamily="34" charset="0"/>
-                          <a:ea typeface="+mn-ea"/>
-                          <a:cs typeface="+mn-cs"/>
-                        </a:rPr>
-                        <a:t> value</a:t>
-                      </a:r>
-                    </a:p>
-                    <a:p>
-                      <a:pPr algn="ctr"/>
-                      <a:endParaRPr lang="fr-FR" dirty="0">
+                      <a:endParaRPr lang="en-US" dirty="0">
                         <a:solidFill>
                           <a:srgbClr val="37322F"/>
                         </a:solidFill>
@@ -4681,12 +4695,12 @@
                 </p:nvSpPr>
                 <p:spPr>
                   <a:xfrm>
-                    <a:off x="522107" y="12955368"/>
-                    <a:ext cx="10064094" cy="15459321"/>
+                    <a:off x="479741" y="12387341"/>
+                    <a:ext cx="10064094" cy="11017236"/>
                   </a:xfrm>
                   <a:prstGeom prst="roundRect">
                     <a:avLst>
-                      <a:gd name="adj" fmla="val 8643"/>
+                      <a:gd name="adj" fmla="val 8936"/>
                     </a:avLst>
                   </a:prstGeom>
                   <a:solidFill>
@@ -4760,7 +4774,7 @@
                       <a:t>g interferometry </a:t>
                     </a:r>
                     <a:r>
-                      <a:rPr lang="fr-FR" sz="4800" dirty="0">
+                      <a:rPr lang="en-US" sz="4800" dirty="0">
                         <a:solidFill>
                           <a:srgbClr val="37322F"/>
                         </a:solidFill>
@@ -4770,7 +4784,7 @@
                       <a:t>〰️</a:t>
                     </a:r>
                     <a:br>
-                      <a:rPr lang="fr-FR" sz="4800" dirty="0">
+                      <a:rPr lang="en-US" sz="4800" dirty="0">
                         <a:solidFill>
                           <a:srgbClr val="37322F"/>
                         </a:solidFill>
@@ -4779,7 +4793,7 @@
                       </a:rPr>
                     </a:br>
                     <a:r>
-                      <a:rPr lang="fr-FR" sz="3200" dirty="0">
+                      <a:rPr lang="en-US" sz="3200" dirty="0">
                         <a:solidFill>
                           <a:srgbClr val="37322F"/>
                         </a:solidFill>
@@ -4788,7 +4802,7 @@
                       </a:rPr>
                       <a:t>On the VLTI</a:t>
                     </a:r>
-                    <a:endParaRPr kumimoji="0" lang="en-US" sz="3200" b="0" i="0" u="none" strike="noStrike" kern="1200" cap="none" spc="0" normalizeH="0" baseline="0" noProof="0" dirty="0">
+                    <a:endParaRPr kumimoji="0" lang="en-US" sz="2000" b="0" i="0" u="sng" strike="noStrike" kern="1200" cap="none" spc="0" normalizeH="0" baseline="0" noProof="0" dirty="0">
                       <a:ln>
                         <a:noFill/>
                       </a:ln>
@@ -4798,12 +4812,13 @@
                       <a:effectLst/>
                       <a:uLnTx/>
                       <a:uFillTx/>
-                      <a:latin typeface="Congenial SemiBold" panose="02000503040000020004" pitchFamily="2" charset="0"/>
+                      <a:latin typeface="Gill Sans Nova" panose="020B0602020104020203" pitchFamily="34" charset="0"/>
+                      <a:ea typeface="+mn-ea"/>
                       <a:cs typeface="Aharoni" panose="020F0502020204030204" pitchFamily="2" charset="-79"/>
                     </a:endParaRPr>
                   </a:p>
                   <a:p>
-                    <a:pPr marL="0" marR="0" lvl="0" indent="0" algn="ctr" defTabSz="457200" rtl="0" eaLnBrk="1" fontAlgn="auto" latinLnBrk="0" hangingPunct="1">
+                    <a:pPr marR="0" lvl="0" defTabSz="457200" rtl="0" eaLnBrk="1" fontAlgn="auto" latinLnBrk="0" hangingPunct="1">
                       <a:lnSpc>
                         <a:spcPct val="100000"/>
                       </a:lnSpc>
@@ -4815,27 +4830,17 @@
                       </a:spcAft>
                       <a:buClrTx/>
                       <a:buSzTx/>
-                      <a:buFontTx/>
-                      <a:buNone/>
                       <a:tabLst/>
                       <a:defRPr/>
                     </a:pPr>
                     <a:r>
-                      <a:rPr kumimoji="0" lang="en-US" sz="2000" b="0" i="0" u="sng" strike="noStrike" kern="1200" cap="none" spc="0" normalizeH="0" baseline="0" noProof="0" dirty="0">
-                        <a:ln>
-                          <a:noFill/>
-                        </a:ln>
+                      <a:rPr lang="en-US" sz="3200" dirty="0">
                         <a:solidFill>
                           <a:srgbClr val="37322F"/>
                         </a:solidFill>
-                        <a:effectLst/>
-                        <a:uLnTx/>
-                        <a:uFillTx/>
                         <a:latin typeface="Gill Sans Nova" panose="020B0602020104020203" pitchFamily="34" charset="0"/>
-                        <a:ea typeface="+mn-ea"/>
-                        <a:cs typeface="Aharoni" panose="020F0502020204030204" pitchFamily="2" charset="-79"/>
                       </a:rPr>
-                      <a:t> </a:t>
+                      <a:t>This technique consist in taking advantage of the angular separation and the coherence properties of the light to destroy the star light and combine the planet light in the same process. Our approach</a:t>
                     </a:r>
                   </a:p>
                   <a:p>
@@ -4855,175 +4860,13 @@
                       <a:defRPr/>
                     </a:pPr>
                     <a:r>
-                      <a:rPr lang="fr-FR" sz="3200" dirty="0">
+                      <a:rPr lang="en-US" sz="3200" dirty="0">
                         <a:solidFill>
                           <a:srgbClr val="37322F"/>
                         </a:solidFill>
                         <a:latin typeface="Gill Sans Nova" panose="020B0602020104020203" pitchFamily="34" charset="0"/>
                       </a:rPr>
-                      <a:t>This technique </a:t>
-                    </a:r>
-                    <a:r>
-                      <a:rPr lang="fr-FR" sz="3200" dirty="0" err="1">
-                        <a:solidFill>
-                          <a:srgbClr val="37322F"/>
-                        </a:solidFill>
-                        <a:latin typeface="Gill Sans Nova" panose="020B0602020104020203" pitchFamily="34" charset="0"/>
-                      </a:rPr>
-                      <a:t>consist</a:t>
-                    </a:r>
-                    <a:r>
-                      <a:rPr lang="fr-FR" sz="3200" dirty="0">
-                        <a:solidFill>
-                          <a:srgbClr val="37322F"/>
-                        </a:solidFill>
-                        <a:latin typeface="Gill Sans Nova" panose="020B0602020104020203" pitchFamily="34" charset="0"/>
-                      </a:rPr>
-                      <a:t> in </a:t>
-                    </a:r>
-                    <a:r>
-                      <a:rPr lang="fr-FR" sz="3200" dirty="0" err="1">
-                        <a:solidFill>
-                          <a:srgbClr val="37322F"/>
-                        </a:solidFill>
-                        <a:latin typeface="Gill Sans Nova" panose="020B0602020104020203" pitchFamily="34" charset="0"/>
-                      </a:rPr>
-                      <a:t>taking</a:t>
-                    </a:r>
-                    <a:r>
-                      <a:rPr lang="fr-FR" sz="3200" dirty="0">
-                        <a:solidFill>
-                          <a:srgbClr val="37322F"/>
-                        </a:solidFill>
-                        <a:latin typeface="Gill Sans Nova" panose="020B0602020104020203" pitchFamily="34" charset="0"/>
-                      </a:rPr>
-                      <a:t> </a:t>
-                    </a:r>
-                    <a:r>
-                      <a:rPr lang="fr-FR" sz="3200" dirty="0" err="1">
-                        <a:solidFill>
-                          <a:srgbClr val="37322F"/>
-                        </a:solidFill>
-                        <a:latin typeface="Gill Sans Nova" panose="020B0602020104020203" pitchFamily="34" charset="0"/>
-                      </a:rPr>
-                      <a:t>advantage</a:t>
-                    </a:r>
-                    <a:r>
-                      <a:rPr lang="fr-FR" sz="3200" dirty="0">
-                        <a:solidFill>
-                          <a:srgbClr val="37322F"/>
-                        </a:solidFill>
-                        <a:latin typeface="Gill Sans Nova" panose="020B0602020104020203" pitchFamily="34" charset="0"/>
-                      </a:rPr>
-                      <a:t> of the </a:t>
-                    </a:r>
-                    <a:r>
-                      <a:rPr lang="fr-FR" sz="3200" dirty="0" err="1">
-                        <a:solidFill>
-                          <a:srgbClr val="37322F"/>
-                        </a:solidFill>
-                        <a:latin typeface="Gill Sans Nova" panose="020B0602020104020203" pitchFamily="34" charset="0"/>
-                      </a:rPr>
-                      <a:t>angular</a:t>
-                    </a:r>
-                    <a:r>
-                      <a:rPr lang="fr-FR" sz="3200" dirty="0">
-                        <a:solidFill>
-                          <a:srgbClr val="37322F"/>
-                        </a:solidFill>
-                        <a:latin typeface="Gill Sans Nova" panose="020B0602020104020203" pitchFamily="34" charset="0"/>
-                      </a:rPr>
-                      <a:t> </a:t>
-                    </a:r>
-                    <a:r>
-                      <a:rPr lang="fr-FR" sz="3200" dirty="0" err="1">
-                        <a:solidFill>
-                          <a:srgbClr val="37322F"/>
-                        </a:solidFill>
-                        <a:latin typeface="Gill Sans Nova" panose="020B0602020104020203" pitchFamily="34" charset="0"/>
-                      </a:rPr>
-                      <a:t>separation</a:t>
-                    </a:r>
-                    <a:r>
-                      <a:rPr lang="fr-FR" sz="3200" dirty="0">
-                        <a:solidFill>
-                          <a:srgbClr val="37322F"/>
-                        </a:solidFill>
-                        <a:latin typeface="Gill Sans Nova" panose="020B0602020104020203" pitchFamily="34" charset="0"/>
-                      </a:rPr>
-                      <a:t> and the </a:t>
-                    </a:r>
-                    <a:r>
-                      <a:rPr lang="fr-FR" sz="3200" dirty="0" err="1">
-                        <a:solidFill>
-                          <a:srgbClr val="37322F"/>
-                        </a:solidFill>
-                        <a:latin typeface="Gill Sans Nova" panose="020B0602020104020203" pitchFamily="34" charset="0"/>
-                      </a:rPr>
-                      <a:t>coherence</a:t>
-                    </a:r>
-                    <a:r>
-                      <a:rPr lang="fr-FR" sz="3200" dirty="0">
-                        <a:solidFill>
-                          <a:srgbClr val="37322F"/>
-                        </a:solidFill>
-                        <a:latin typeface="Gill Sans Nova" panose="020B0602020104020203" pitchFamily="34" charset="0"/>
-                      </a:rPr>
-                      <a:t> </a:t>
-                    </a:r>
-                    <a:r>
-                      <a:rPr lang="fr-FR" sz="3200" dirty="0" err="1">
-                        <a:solidFill>
-                          <a:srgbClr val="37322F"/>
-                        </a:solidFill>
-                        <a:latin typeface="Gill Sans Nova" panose="020B0602020104020203" pitchFamily="34" charset="0"/>
-                      </a:rPr>
-                      <a:t>properties</a:t>
-                    </a:r>
-                    <a:r>
-                      <a:rPr lang="fr-FR" sz="3200" dirty="0">
-                        <a:solidFill>
-                          <a:srgbClr val="37322F"/>
-                        </a:solidFill>
-                        <a:latin typeface="Gill Sans Nova" panose="020B0602020104020203" pitchFamily="34" charset="0"/>
-                      </a:rPr>
-                      <a:t> of the light to destroy the star light and combine the </a:t>
-                    </a:r>
-                    <a:r>
-                      <a:rPr lang="fr-FR" sz="3200" dirty="0" err="1">
-                        <a:solidFill>
-                          <a:srgbClr val="37322F"/>
-                        </a:solidFill>
-                        <a:latin typeface="Gill Sans Nova" panose="020B0602020104020203" pitchFamily="34" charset="0"/>
-                      </a:rPr>
-                      <a:t>planet</a:t>
-                    </a:r>
-                    <a:r>
-                      <a:rPr lang="fr-FR" sz="3200" dirty="0">
-                        <a:solidFill>
-                          <a:srgbClr val="37322F"/>
-                        </a:solidFill>
-                        <a:latin typeface="Gill Sans Nova" panose="020B0602020104020203" pitchFamily="34" charset="0"/>
-                      </a:rPr>
-                      <a:t> light in the </a:t>
-                    </a:r>
-                    <a:r>
-                      <a:rPr lang="fr-FR" sz="3200" dirty="0" err="1">
-                        <a:solidFill>
-                          <a:srgbClr val="37322F"/>
-                        </a:solidFill>
-                        <a:latin typeface="Gill Sans Nova" panose="020B0602020104020203" pitchFamily="34" charset="0"/>
-                      </a:rPr>
-                      <a:t>same</a:t>
-                    </a:r>
-                    <a:r>
-                      <a:rPr lang="fr-FR" sz="3200" dirty="0">
-                        <a:solidFill>
-                          <a:srgbClr val="37322F"/>
-                        </a:solidFill>
-                        <a:latin typeface="Gill Sans Nova" panose="020B0602020104020203" pitchFamily="34" charset="0"/>
-                      </a:rPr>
-                      <a:t> process.</a:t>
+                      <a:t>Enhance this principle by</a:t>
                     </a:r>
                   </a:p>
                   <a:p>
@@ -5042,307 +4885,15 @@
                       <a:tabLst/>
                       <a:defRPr/>
                     </a:pPr>
-                    <a:endParaRPr kumimoji="0" lang="fr-FR" sz="3200" b="0" i="0" u="none" strike="noStrike" kern="1200" cap="none" spc="0" normalizeH="0" baseline="0" noProof="0" dirty="0">
-                      <a:ln>
-                        <a:noFill/>
-                      </a:ln>
-                      <a:solidFill>
-                        <a:srgbClr val="37322F"/>
-                      </a:solidFill>
-                      <a:effectLst/>
-                      <a:uLnTx/>
-                      <a:uFillTx/>
-                      <a:latin typeface="Gill Sans Nova" panose="020B0602020104020203" pitchFamily="34" charset="0"/>
-                    </a:endParaRPr>
-                  </a:p>
-                  <a:p>
-                    <a:pPr marR="0" lvl="0" defTabSz="457200" rtl="0" eaLnBrk="1" fontAlgn="auto" latinLnBrk="0" hangingPunct="1">
-                      <a:lnSpc>
-                        <a:spcPct val="100000"/>
-                      </a:lnSpc>
-                      <a:spcBef>
-                        <a:spcPts val="0"/>
-                      </a:spcBef>
-                      <a:spcAft>
-                        <a:spcPts val="0"/>
-                      </a:spcAft>
-                      <a:buClrTx/>
-                      <a:buSzTx/>
-                      <a:tabLst/>
-                      <a:defRPr/>
-                    </a:pPr>
-                    <a:endParaRPr lang="fr-FR" sz="3200" dirty="0">
-                      <a:solidFill>
-                        <a:srgbClr val="37322F"/>
-                      </a:solidFill>
-                      <a:latin typeface="Gill Sans Nova" panose="020B0602020104020203" pitchFamily="34" charset="0"/>
-                    </a:endParaRPr>
-                  </a:p>
-                  <a:p>
-                    <a:pPr marR="0" lvl="0" defTabSz="457200" rtl="0" eaLnBrk="1" fontAlgn="auto" latinLnBrk="0" hangingPunct="1">
-                      <a:lnSpc>
-                        <a:spcPct val="100000"/>
-                      </a:lnSpc>
-                      <a:spcBef>
-                        <a:spcPts val="0"/>
-                      </a:spcBef>
-                      <a:spcAft>
-                        <a:spcPts val="0"/>
-                      </a:spcAft>
-                      <a:buClrTx/>
-                      <a:buSzTx/>
-                      <a:tabLst/>
-                      <a:defRPr/>
-                    </a:pPr>
-                    <a:endParaRPr kumimoji="0" lang="fr-FR" sz="3200" b="0" i="0" u="none" strike="noStrike" kern="1200" cap="none" spc="0" normalizeH="0" baseline="0" noProof="0" dirty="0">
-                      <a:ln>
-                        <a:noFill/>
-                      </a:ln>
-                      <a:solidFill>
-                        <a:srgbClr val="37322F"/>
-                      </a:solidFill>
-                      <a:effectLst/>
-                      <a:uLnTx/>
-                      <a:uFillTx/>
-                      <a:latin typeface="Gill Sans Nova" panose="020B0602020104020203" pitchFamily="34" charset="0"/>
-                    </a:endParaRPr>
-                  </a:p>
-                  <a:p>
-                    <a:pPr marR="0" lvl="0" defTabSz="457200" rtl="0" eaLnBrk="1" fontAlgn="auto" latinLnBrk="0" hangingPunct="1">
-                      <a:lnSpc>
-                        <a:spcPct val="100000"/>
-                      </a:lnSpc>
-                      <a:spcBef>
-                        <a:spcPts val="0"/>
-                      </a:spcBef>
-                      <a:spcAft>
-                        <a:spcPts val="0"/>
-                      </a:spcAft>
-                      <a:buClrTx/>
-                      <a:buSzTx/>
-                      <a:tabLst/>
-                      <a:defRPr/>
-                    </a:pPr>
-                    <a:endParaRPr lang="fr-FR" sz="3200" dirty="0">
-                      <a:solidFill>
-                        <a:srgbClr val="37322F"/>
-                      </a:solidFill>
-                      <a:latin typeface="Gill Sans Nova" panose="020B0602020104020203" pitchFamily="34" charset="0"/>
-                    </a:endParaRPr>
-                  </a:p>
-                  <a:p>
-                    <a:pPr marR="0" lvl="0" defTabSz="457200" rtl="0" eaLnBrk="1" fontAlgn="auto" latinLnBrk="0" hangingPunct="1">
-                      <a:lnSpc>
-                        <a:spcPct val="100000"/>
-                      </a:lnSpc>
-                      <a:spcBef>
-                        <a:spcPts val="0"/>
-                      </a:spcBef>
-                      <a:spcAft>
-                        <a:spcPts val="0"/>
-                      </a:spcAft>
-                      <a:buClrTx/>
-                      <a:buSzTx/>
-                      <a:tabLst/>
-                      <a:defRPr/>
-                    </a:pPr>
-                    <a:endParaRPr kumimoji="0" lang="fr-FR" sz="3200" b="0" i="0" u="none" strike="noStrike" kern="1200" cap="none" spc="0" normalizeH="0" baseline="0" noProof="0" dirty="0">
-                      <a:ln>
-                        <a:noFill/>
-                      </a:ln>
-                      <a:solidFill>
-                        <a:srgbClr val="37322F"/>
-                      </a:solidFill>
-                      <a:effectLst/>
-                      <a:uLnTx/>
-                      <a:uFillTx/>
-                      <a:latin typeface="Gill Sans Nova" panose="020B0602020104020203" pitchFamily="34" charset="0"/>
-                    </a:endParaRPr>
-                  </a:p>
-                  <a:p>
-                    <a:pPr marR="0" lvl="0" defTabSz="457200" rtl="0" eaLnBrk="1" fontAlgn="auto" latinLnBrk="0" hangingPunct="1">
-                      <a:lnSpc>
-                        <a:spcPct val="100000"/>
-                      </a:lnSpc>
-                      <a:spcBef>
-                        <a:spcPts val="0"/>
-                      </a:spcBef>
-                      <a:spcAft>
-                        <a:spcPts val="0"/>
-                      </a:spcAft>
-                      <a:buClrTx/>
-                      <a:buSzTx/>
-                      <a:tabLst/>
-                      <a:defRPr/>
-                    </a:pPr>
-                    <a:endParaRPr lang="fr-FR" sz="3200" dirty="0">
-                      <a:solidFill>
-                        <a:srgbClr val="37322F"/>
-                      </a:solidFill>
-                      <a:latin typeface="Gill Sans Nova" panose="020B0602020104020203" pitchFamily="34" charset="0"/>
-                    </a:endParaRPr>
-                  </a:p>
-                  <a:p>
-                    <a:pPr marR="0" lvl="0" defTabSz="457200" rtl="0" eaLnBrk="1" fontAlgn="auto" latinLnBrk="0" hangingPunct="1">
-                      <a:lnSpc>
-                        <a:spcPct val="100000"/>
-                      </a:lnSpc>
-                      <a:spcBef>
-                        <a:spcPts val="0"/>
-                      </a:spcBef>
-                      <a:spcAft>
-                        <a:spcPts val="0"/>
-                      </a:spcAft>
-                      <a:buClrTx/>
-                      <a:buSzTx/>
-                      <a:tabLst/>
-                      <a:defRPr/>
-                    </a:pPr>
-                    <a:endParaRPr kumimoji="0" lang="fr-FR" sz="3200" b="0" i="0" u="none" strike="noStrike" kern="1200" cap="none" spc="0" normalizeH="0" baseline="0" noProof="0" dirty="0">
-                      <a:ln>
-                        <a:noFill/>
-                      </a:ln>
-                      <a:solidFill>
-                        <a:srgbClr val="37322F"/>
-                      </a:solidFill>
-                      <a:effectLst/>
-                      <a:uLnTx/>
-                      <a:uFillTx/>
-                      <a:latin typeface="Gill Sans Nova" panose="020B0602020104020203" pitchFamily="34" charset="0"/>
-                    </a:endParaRPr>
-                  </a:p>
-                  <a:p>
-                    <a:pPr marR="0" lvl="0" defTabSz="457200" rtl="0" eaLnBrk="1" fontAlgn="auto" latinLnBrk="0" hangingPunct="1">
-                      <a:lnSpc>
-                        <a:spcPct val="100000"/>
-                      </a:lnSpc>
-                      <a:spcBef>
-                        <a:spcPts val="0"/>
-                      </a:spcBef>
-                      <a:spcAft>
-                        <a:spcPts val="0"/>
-                      </a:spcAft>
-                      <a:buClrTx/>
-                      <a:buSzTx/>
-                      <a:tabLst/>
-                      <a:defRPr/>
-                    </a:pPr>
-                    <a:endParaRPr lang="fr-FR" sz="3200" dirty="0">
-                      <a:solidFill>
-                        <a:srgbClr val="37322F"/>
-                      </a:solidFill>
-                      <a:latin typeface="Gill Sans Nova" panose="020B0602020104020203" pitchFamily="34" charset="0"/>
-                    </a:endParaRPr>
-                  </a:p>
-                  <a:p>
-                    <a:pPr marR="0" lvl="0" defTabSz="457200" rtl="0" eaLnBrk="1" fontAlgn="auto" latinLnBrk="0" hangingPunct="1">
-                      <a:lnSpc>
-                        <a:spcPct val="100000"/>
-                      </a:lnSpc>
-                      <a:spcBef>
-                        <a:spcPts val="0"/>
-                      </a:spcBef>
-                      <a:spcAft>
-                        <a:spcPts val="0"/>
-                      </a:spcAft>
-                      <a:buClrTx/>
-                      <a:buSzTx/>
-                      <a:tabLst/>
-                      <a:defRPr/>
-                    </a:pPr>
-                    <a:endParaRPr kumimoji="0" lang="fr-FR" sz="3200" b="0" i="0" u="none" strike="noStrike" kern="1200" cap="none" spc="0" normalizeH="0" baseline="0" noProof="0" dirty="0">
-                      <a:ln>
-                        <a:noFill/>
-                      </a:ln>
-                      <a:solidFill>
-                        <a:srgbClr val="37322F"/>
-                      </a:solidFill>
-                      <a:effectLst/>
-                      <a:uLnTx/>
-                      <a:uFillTx/>
-                      <a:latin typeface="Gill Sans Nova" panose="020B0602020104020203" pitchFamily="34" charset="0"/>
-                    </a:endParaRPr>
-                  </a:p>
-                  <a:p>
-                    <a:pPr marR="0" lvl="0" defTabSz="457200" rtl="0" eaLnBrk="1" fontAlgn="auto" latinLnBrk="0" hangingPunct="1">
-                      <a:lnSpc>
-                        <a:spcPct val="100000"/>
-                      </a:lnSpc>
-                      <a:spcBef>
-                        <a:spcPts val="0"/>
-                      </a:spcBef>
-                      <a:spcAft>
-                        <a:spcPts val="0"/>
-                      </a:spcAft>
-                      <a:buClrTx/>
-                      <a:buSzTx/>
-                      <a:tabLst/>
-                      <a:defRPr/>
-                    </a:pPr>
-                    <a:endParaRPr lang="fr-FR" sz="3200" dirty="0">
-                      <a:solidFill>
-                        <a:srgbClr val="37322F"/>
-                      </a:solidFill>
-                      <a:latin typeface="Gill Sans Nova" panose="020B0602020104020203" pitchFamily="34" charset="0"/>
-                    </a:endParaRPr>
-                  </a:p>
-                  <a:p>
-                    <a:pPr marR="0" lvl="0" defTabSz="457200" rtl="0" eaLnBrk="1" fontAlgn="auto" latinLnBrk="0" hangingPunct="1">
-                      <a:lnSpc>
-                        <a:spcPct val="100000"/>
-                      </a:lnSpc>
-                      <a:spcBef>
-                        <a:spcPts val="0"/>
-                      </a:spcBef>
-                      <a:spcAft>
-                        <a:spcPts val="0"/>
-                      </a:spcAft>
-                      <a:buClrTx/>
-                      <a:buSzTx/>
-                      <a:tabLst/>
-                      <a:defRPr/>
-                    </a:pPr>
-                    <a:endParaRPr kumimoji="0" lang="fr-FR" sz="3200" b="0" i="0" u="none" strike="noStrike" kern="1200" cap="none" spc="0" normalizeH="0" baseline="0" noProof="0" dirty="0">
-                      <a:ln>
-                        <a:noFill/>
-                      </a:ln>
-                      <a:solidFill>
-                        <a:srgbClr val="37322F"/>
-                      </a:solidFill>
-                      <a:effectLst/>
-                      <a:uLnTx/>
-                      <a:uFillTx/>
-                      <a:latin typeface="Gill Sans Nova" panose="020B0602020104020203" pitchFamily="34" charset="0"/>
-                    </a:endParaRPr>
-                  </a:p>
-                  <a:p>
-                    <a:pPr marR="0" lvl="0" defTabSz="457200" rtl="0" eaLnBrk="1" fontAlgn="auto" latinLnBrk="0" hangingPunct="1">
-                      <a:lnSpc>
-                        <a:spcPct val="100000"/>
-                      </a:lnSpc>
-                      <a:spcBef>
-                        <a:spcPts val="0"/>
-                      </a:spcBef>
-                      <a:spcAft>
-                        <a:spcPts val="0"/>
-                      </a:spcAft>
-                      <a:buClrTx/>
-                      <a:buSzTx/>
-                      <a:tabLst/>
-                      <a:defRPr/>
-                    </a:pPr>
-                    <a:endParaRPr kumimoji="0" lang="fr-FR" sz="3200" b="0" i="0" u="none" strike="noStrike" kern="1200" cap="none" spc="0" normalizeH="0" baseline="0" noProof="0" dirty="0">
-                      <a:ln>
-                        <a:noFill/>
-                      </a:ln>
-                      <a:solidFill>
-                        <a:srgbClr val="37322F"/>
-                      </a:solidFill>
-                      <a:effectLst/>
-                      <a:uLnTx/>
-                      <a:uFillTx/>
-                      <a:latin typeface="Gill Sans Nova" panose="020B0602020104020203" pitchFamily="34" charset="0"/>
-                    </a:endParaRPr>
+                    <a:r>
+                      <a:rPr lang="en-US" sz="3200" dirty="0">
+                        <a:solidFill>
+                          <a:srgbClr val="37322F"/>
+                        </a:solidFill>
+                        <a:latin typeface="Gill Sans Nova" panose="020B0602020104020203" pitchFamily="34" charset="0"/>
+                      </a:rPr>
+                      <a:t>Introducing « Kernels »</a:t>
+                    </a:r>
                   </a:p>
                   <a:p>
                     <a:pPr marR="0" lvl="0" defTabSz="457200" rtl="0" eaLnBrk="1" fontAlgn="auto" latinLnBrk="0" hangingPunct="1">
@@ -5361,339 +4912,171 @@
                       <a:defRPr/>
                     </a:pPr>
                     <a:r>
-                      <a:rPr lang="fr-FR" sz="3200" dirty="0">
+                      <a:rPr lang="en-US" sz="3200" dirty="0">
                         <a:solidFill>
                           <a:srgbClr val="37322F"/>
                         </a:solidFill>
                         <a:latin typeface="Gill Sans Nova" panose="020B0602020104020203" pitchFamily="34" charset="0"/>
                       </a:rPr>
-                      <a:t>Our </a:t>
+                      <a:t>which combine the light</a:t>
                     </a:r>
+                  </a:p>
+                  <a:p>
+                    <a:pPr marR="0" lvl="0" defTabSz="457200" rtl="0" eaLnBrk="1" fontAlgn="auto" latinLnBrk="0" hangingPunct="1">
+                      <a:lnSpc>
+                        <a:spcPct val="100000"/>
+                      </a:lnSpc>
+                      <a:spcBef>
+                        <a:spcPts val="0"/>
+                      </a:spcBef>
+                      <a:spcAft>
+                        <a:spcPts val="0"/>
+                      </a:spcAft>
+                      <a:buClrTx/>
+                      <a:buSzTx/>
+                      <a:tabLst/>
+                      <a:defRPr/>
+                    </a:pPr>
                     <a:r>
-                      <a:rPr lang="fr-FR" sz="3200" dirty="0" err="1">
+                      <a:rPr lang="en-US" sz="3200" dirty="0">
                         <a:solidFill>
                           <a:srgbClr val="37322F"/>
                         </a:solidFill>
                         <a:latin typeface="Gill Sans Nova" panose="020B0602020104020203" pitchFamily="34" charset="0"/>
                       </a:rPr>
-                      <a:t>approach</a:t>
+                      <a:t>from 3 telescopes or more</a:t>
                     </a:r>
+                  </a:p>
+                  <a:p>
+                    <a:pPr marR="0" lvl="0" defTabSz="457200" rtl="0" eaLnBrk="1" fontAlgn="auto" latinLnBrk="0" hangingPunct="1">
+                      <a:lnSpc>
+                        <a:spcPct val="100000"/>
+                      </a:lnSpc>
+                      <a:spcBef>
+                        <a:spcPts val="0"/>
+                      </a:spcBef>
+                      <a:spcAft>
+                        <a:spcPts val="0"/>
+                      </a:spcAft>
+                      <a:buClrTx/>
+                      <a:buSzTx/>
+                      <a:tabLst/>
+                      <a:defRPr/>
+                    </a:pPr>
                     <a:r>
-                      <a:rPr lang="fr-FR" sz="3200" dirty="0">
+                      <a:rPr lang="en-US" sz="3200" dirty="0">
                         <a:solidFill>
                           <a:srgbClr val="37322F"/>
                         </a:solidFill>
                         <a:latin typeface="Gill Sans Nova" panose="020B0602020104020203" pitchFamily="34" charset="0"/>
                       </a:rPr>
-                      <a:t> </a:t>
+                      <a:t>to be less sensitive to low</a:t>
                     </a:r>
+                  </a:p>
+                  <a:p>
+                    <a:pPr marR="0" lvl="0" defTabSz="457200" rtl="0" eaLnBrk="1" fontAlgn="auto" latinLnBrk="0" hangingPunct="1">
+                      <a:lnSpc>
+                        <a:spcPct val="100000"/>
+                      </a:lnSpc>
+                      <a:spcBef>
+                        <a:spcPts val="0"/>
+                      </a:spcBef>
+                      <a:spcAft>
+                        <a:spcPts val="0"/>
+                      </a:spcAft>
+                      <a:buClrTx/>
+                      <a:buSzTx/>
+                      <a:tabLst/>
+                      <a:defRPr/>
+                    </a:pPr>
                     <a:r>
-                      <a:rPr lang="fr-FR" sz="3200" dirty="0" err="1">
+                      <a:rPr lang="en-US" sz="3200" dirty="0">
                         <a:solidFill>
                           <a:srgbClr val="37322F"/>
                         </a:solidFill>
                         <a:latin typeface="Gill Sans Nova" panose="020B0602020104020203" pitchFamily="34" charset="0"/>
                       </a:rPr>
-                      <a:t>enhance</a:t>
+                      <a:t>order phase aberrations and</a:t>
                     </a:r>
+                  </a:p>
+                  <a:p>
+                    <a:pPr marR="0" lvl="0" defTabSz="457200" rtl="0" eaLnBrk="1" fontAlgn="auto" latinLnBrk="0" hangingPunct="1">
+                      <a:lnSpc>
+                        <a:spcPct val="100000"/>
+                      </a:lnSpc>
+                      <a:spcBef>
+                        <a:spcPts val="0"/>
+                      </a:spcBef>
+                      <a:spcAft>
+                        <a:spcPts val="0"/>
+                      </a:spcAft>
+                      <a:buClrTx/>
+                      <a:buSzTx/>
+                      <a:tabLst/>
+                      <a:defRPr/>
+                    </a:pPr>
                     <a:r>
-                      <a:rPr lang="fr-FR" sz="3200" dirty="0">
+                      <a:rPr lang="en-US" sz="3200" dirty="0">
                         <a:solidFill>
                           <a:srgbClr val="37322F"/>
                         </a:solidFill>
                         <a:latin typeface="Gill Sans Nova" panose="020B0602020104020203" pitchFamily="34" charset="0"/>
                       </a:rPr>
-                      <a:t> </a:t>
+                      <a:t>Asymmetries the output to </a:t>
                     </a:r>
+                  </a:p>
+                  <a:p>
+                    <a:pPr marR="0" lvl="0" defTabSz="457200" rtl="0" eaLnBrk="1" fontAlgn="auto" latinLnBrk="0" hangingPunct="1">
+                      <a:lnSpc>
+                        <a:spcPct val="100000"/>
+                      </a:lnSpc>
+                      <a:spcBef>
+                        <a:spcPts val="0"/>
+                      </a:spcBef>
+                      <a:spcAft>
+                        <a:spcPts val="0"/>
+                      </a:spcAft>
+                      <a:buClrTx/>
+                      <a:buSzTx/>
+                      <a:tabLst/>
+                      <a:defRPr/>
+                    </a:pPr>
                     <a:r>
-                      <a:rPr lang="fr-FR" sz="3200" dirty="0" err="1">
+                      <a:rPr lang="en-US" sz="3200" dirty="0">
                         <a:solidFill>
                           <a:srgbClr val="37322F"/>
                         </a:solidFill>
                         <a:latin typeface="Gill Sans Nova" panose="020B0602020104020203" pitchFamily="34" charset="0"/>
                       </a:rPr>
-                      <a:t>this</a:t>
+                      <a:t>better constrain the planet</a:t>
                     </a:r>
+                  </a:p>
+                  <a:p>
+                    <a:pPr marR="0" lvl="0" defTabSz="457200" rtl="0" eaLnBrk="1" fontAlgn="auto" latinLnBrk="0" hangingPunct="1">
+                      <a:lnSpc>
+                        <a:spcPct val="100000"/>
+                      </a:lnSpc>
+                      <a:spcBef>
+                        <a:spcPts val="0"/>
+                      </a:spcBef>
+                      <a:spcAft>
+                        <a:spcPts val="0"/>
+                      </a:spcAft>
+                      <a:buClrTx/>
+                      <a:buSzTx/>
+                      <a:tabLst/>
+                      <a:defRPr/>
+                    </a:pPr>
                     <a:r>
-                      <a:rPr lang="fr-FR" sz="3200" dirty="0">
+                      <a:rPr lang="en-US" sz="3200" dirty="0">
                         <a:solidFill>
                           <a:srgbClr val="37322F"/>
                         </a:solidFill>
                         <a:latin typeface="Gill Sans Nova" panose="020B0602020104020203" pitchFamily="34" charset="0"/>
                       </a:rPr>
-                      <a:t> </a:t>
+                      <a:t>position.</a:t>
                     </a:r>
-                    <a:r>
-                      <a:rPr lang="fr-FR" sz="3200" dirty="0" err="1">
-                        <a:solidFill>
-                          <a:srgbClr val="37322F"/>
-                        </a:solidFill>
-                        <a:latin typeface="Gill Sans Nova" panose="020B0602020104020203" pitchFamily="34" charset="0"/>
-                      </a:rPr>
-                      <a:t>principle</a:t>
-                    </a:r>
-                    <a:r>
-                      <a:rPr lang="fr-FR" sz="3200" dirty="0">
-                        <a:solidFill>
-                          <a:srgbClr val="37322F"/>
-                        </a:solidFill>
-                        <a:latin typeface="Gill Sans Nova" panose="020B0602020104020203" pitchFamily="34" charset="0"/>
-                      </a:rPr>
-                      <a:t> by </a:t>
-                    </a:r>
-                    <a:r>
-                      <a:rPr lang="fr-FR" sz="3200" dirty="0" err="1">
-                        <a:solidFill>
-                          <a:srgbClr val="37322F"/>
-                        </a:solidFill>
-                        <a:latin typeface="Gill Sans Nova" panose="020B0602020104020203" pitchFamily="34" charset="0"/>
-                      </a:rPr>
-                      <a:t>introducing</a:t>
-                    </a:r>
-                    <a:r>
-                      <a:rPr lang="fr-FR" sz="3200" dirty="0">
-                        <a:solidFill>
-                          <a:srgbClr val="37322F"/>
-                        </a:solidFill>
-                        <a:latin typeface="Gill Sans Nova" panose="020B0602020104020203" pitchFamily="34" charset="0"/>
-                      </a:rPr>
-                      <a:t> « Kernels » </a:t>
-                    </a:r>
-                    <a:r>
-                      <a:rPr lang="fr-FR" sz="3200" dirty="0" err="1">
-                        <a:solidFill>
-                          <a:srgbClr val="37322F"/>
-                        </a:solidFill>
-                        <a:latin typeface="Gill Sans Nova" panose="020B0602020104020203" pitchFamily="34" charset="0"/>
-                      </a:rPr>
-                      <a:t>which</a:t>
-                    </a:r>
-                    <a:r>
-                      <a:rPr lang="fr-FR" sz="3200" dirty="0">
-                        <a:solidFill>
-                          <a:srgbClr val="37322F"/>
-                        </a:solidFill>
-                        <a:latin typeface="Gill Sans Nova" panose="020B0602020104020203" pitchFamily="34" charset="0"/>
-                      </a:rPr>
-                      <a:t> combine the light </a:t>
-                    </a:r>
-                    <a:r>
-                      <a:rPr lang="fr-FR" sz="3200" dirty="0" err="1">
-                        <a:solidFill>
-                          <a:srgbClr val="37322F"/>
-                        </a:solidFill>
-                        <a:latin typeface="Gill Sans Nova" panose="020B0602020104020203" pitchFamily="34" charset="0"/>
-                      </a:rPr>
-                      <a:t>from</a:t>
-                    </a:r>
-                    <a:r>
-                      <a:rPr lang="fr-FR" sz="3200" dirty="0">
-                        <a:solidFill>
-                          <a:srgbClr val="37322F"/>
-                        </a:solidFill>
-                        <a:latin typeface="Gill Sans Nova" panose="020B0602020104020203" pitchFamily="34" charset="0"/>
-                      </a:rPr>
-                      <a:t> 3 </a:t>
-                    </a:r>
-                    <a:r>
-                      <a:rPr lang="fr-FR" sz="3200" dirty="0" err="1">
-                        <a:solidFill>
-                          <a:srgbClr val="37322F"/>
-                        </a:solidFill>
-                        <a:latin typeface="Gill Sans Nova" panose="020B0602020104020203" pitchFamily="34" charset="0"/>
-                      </a:rPr>
-                      <a:t>telescopes</a:t>
-                    </a:r>
-                    <a:r>
-                      <a:rPr lang="fr-FR" sz="3200" dirty="0">
-                        <a:solidFill>
-                          <a:srgbClr val="37322F"/>
-                        </a:solidFill>
-                        <a:latin typeface="Gill Sans Nova" panose="020B0602020104020203" pitchFamily="34" charset="0"/>
-                      </a:rPr>
-                      <a:t> or more in </a:t>
-                    </a:r>
-                    <a:r>
-                      <a:rPr lang="fr-FR" sz="3200" dirty="0" err="1">
-                        <a:solidFill>
-                          <a:srgbClr val="37322F"/>
-                        </a:solidFill>
-                        <a:latin typeface="Gill Sans Nova" panose="020B0602020104020203" pitchFamily="34" charset="0"/>
-                      </a:rPr>
-                      <a:t>order</a:t>
-                    </a:r>
-                    <a:r>
-                      <a:rPr lang="fr-FR" sz="3200" dirty="0">
-                        <a:solidFill>
-                          <a:srgbClr val="37322F"/>
-                        </a:solidFill>
-                        <a:latin typeface="Gill Sans Nova" panose="020B0602020104020203" pitchFamily="34" charset="0"/>
-                      </a:rPr>
-                      <a:t> to </a:t>
-                    </a:r>
-                    <a:r>
-                      <a:rPr lang="fr-FR" sz="3200" dirty="0" err="1">
-                        <a:solidFill>
-                          <a:srgbClr val="37322F"/>
-                        </a:solidFill>
-                        <a:latin typeface="Gill Sans Nova" panose="020B0602020104020203" pitchFamily="34" charset="0"/>
-                      </a:rPr>
-                      <a:t>be</a:t>
-                    </a:r>
-                    <a:r>
-                      <a:rPr lang="fr-FR" sz="3200" dirty="0">
-                        <a:solidFill>
-                          <a:srgbClr val="37322F"/>
-                        </a:solidFill>
-                        <a:latin typeface="Gill Sans Nova" panose="020B0602020104020203" pitchFamily="34" charset="0"/>
-                      </a:rPr>
-                      <a:t> </a:t>
-                    </a:r>
-                    <a:r>
-                      <a:rPr lang="fr-FR" sz="3200" dirty="0" err="1">
-                        <a:solidFill>
-                          <a:srgbClr val="37322F"/>
-                        </a:solidFill>
-                        <a:latin typeface="Gill Sans Nova" panose="020B0602020104020203" pitchFamily="34" charset="0"/>
-                      </a:rPr>
-                      <a:t>less</a:t>
-                    </a:r>
-                    <a:r>
-                      <a:rPr lang="fr-FR" sz="3200" dirty="0">
-                        <a:solidFill>
-                          <a:srgbClr val="37322F"/>
-                        </a:solidFill>
-                        <a:latin typeface="Gill Sans Nova" panose="020B0602020104020203" pitchFamily="34" charset="0"/>
-                      </a:rPr>
-                      <a:t> sensitive to </a:t>
-                    </a:r>
-                    <a:r>
-                      <a:rPr lang="fr-FR" sz="3200" dirty="0" err="1">
-                        <a:solidFill>
-                          <a:srgbClr val="37322F"/>
-                        </a:solidFill>
-                        <a:latin typeface="Gill Sans Nova" panose="020B0602020104020203" pitchFamily="34" charset="0"/>
-                      </a:rPr>
-                      <a:t>low</a:t>
-                    </a:r>
-                    <a:r>
-                      <a:rPr lang="fr-FR" sz="3200" dirty="0">
-                        <a:solidFill>
-                          <a:srgbClr val="37322F"/>
-                        </a:solidFill>
-                        <a:latin typeface="Gill Sans Nova" panose="020B0602020104020203" pitchFamily="34" charset="0"/>
-                      </a:rPr>
-                      <a:t> </a:t>
-                    </a:r>
-                    <a:r>
-                      <a:rPr lang="fr-FR" sz="3200" dirty="0" err="1">
-                        <a:solidFill>
-                          <a:srgbClr val="37322F"/>
-                        </a:solidFill>
-                        <a:latin typeface="Gill Sans Nova" panose="020B0602020104020203" pitchFamily="34" charset="0"/>
-                      </a:rPr>
-                      <a:t>order</a:t>
-                    </a:r>
-                    <a:r>
-                      <a:rPr lang="fr-FR" sz="3200" dirty="0">
-                        <a:solidFill>
-                          <a:srgbClr val="37322F"/>
-                        </a:solidFill>
-                        <a:latin typeface="Gill Sans Nova" panose="020B0602020104020203" pitchFamily="34" charset="0"/>
-                      </a:rPr>
-                      <a:t> phase </a:t>
-                    </a:r>
-                    <a:r>
-                      <a:rPr lang="fr-FR" sz="3200" dirty="0" err="1">
-                        <a:solidFill>
-                          <a:srgbClr val="37322F"/>
-                        </a:solidFill>
-                        <a:latin typeface="Gill Sans Nova" panose="020B0602020104020203" pitchFamily="34" charset="0"/>
-                      </a:rPr>
-                      <a:t>aberations</a:t>
-                    </a:r>
-                    <a:r>
-                      <a:rPr lang="fr-FR" sz="3200" dirty="0">
-                        <a:solidFill>
-                          <a:srgbClr val="37322F"/>
-                        </a:solidFill>
-                        <a:latin typeface="Gill Sans Nova" panose="020B0602020104020203" pitchFamily="34" charset="0"/>
-                      </a:rPr>
-                      <a:t> and </a:t>
-                    </a:r>
-                    <a:r>
-                      <a:rPr lang="fr-FR" sz="3200" dirty="0" err="1">
-                        <a:solidFill>
-                          <a:srgbClr val="37322F"/>
-                        </a:solidFill>
-                        <a:latin typeface="Gill Sans Nova" panose="020B0602020104020203" pitchFamily="34" charset="0"/>
-                      </a:rPr>
-                      <a:t>asymetrize</a:t>
-                    </a:r>
-                    <a:r>
-                      <a:rPr lang="fr-FR" sz="3200" dirty="0">
-                        <a:solidFill>
-                          <a:srgbClr val="37322F"/>
-                        </a:solidFill>
-                        <a:latin typeface="Gill Sans Nova" panose="020B0602020104020203" pitchFamily="34" charset="0"/>
-                      </a:rPr>
-                      <a:t> the output to </a:t>
-                    </a:r>
-                    <a:r>
-                      <a:rPr lang="fr-FR" sz="3200" dirty="0" err="1">
-                        <a:solidFill>
-                          <a:srgbClr val="37322F"/>
-                        </a:solidFill>
-                        <a:latin typeface="Gill Sans Nova" panose="020B0602020104020203" pitchFamily="34" charset="0"/>
-                      </a:rPr>
-                      <a:t>better</a:t>
-                    </a:r>
-                    <a:r>
-                      <a:rPr lang="fr-FR" sz="3200" dirty="0">
-                        <a:solidFill>
-                          <a:srgbClr val="37322F"/>
-                        </a:solidFill>
-                        <a:latin typeface="Gill Sans Nova" panose="020B0602020104020203" pitchFamily="34" charset="0"/>
-                      </a:rPr>
-                      <a:t> </a:t>
-                    </a:r>
-                    <a:r>
-                      <a:rPr lang="fr-FR" sz="3200" dirty="0" err="1">
-                        <a:solidFill>
-                          <a:srgbClr val="37322F"/>
-                        </a:solidFill>
-                        <a:latin typeface="Gill Sans Nova" panose="020B0602020104020203" pitchFamily="34" charset="0"/>
-                      </a:rPr>
-                      <a:t>constrain</a:t>
-                    </a:r>
-                    <a:r>
-                      <a:rPr lang="fr-FR" sz="3200" dirty="0">
-                        <a:solidFill>
-                          <a:srgbClr val="37322F"/>
-                        </a:solidFill>
-                        <a:latin typeface="Gill Sans Nova" panose="020B0602020104020203" pitchFamily="34" charset="0"/>
-                      </a:rPr>
-                      <a:t> the </a:t>
-                    </a:r>
-                    <a:r>
-                      <a:rPr lang="fr-FR" sz="3200" dirty="0" err="1">
-                        <a:solidFill>
-                          <a:srgbClr val="37322F"/>
-                        </a:solidFill>
-                        <a:latin typeface="Gill Sans Nova" panose="020B0602020104020203" pitchFamily="34" charset="0"/>
-                      </a:rPr>
-                      <a:t>planet</a:t>
-                    </a:r>
-                    <a:r>
-                      <a:rPr lang="fr-FR" sz="3200" dirty="0">
-                        <a:solidFill>
-                          <a:srgbClr val="37322F"/>
-                        </a:solidFill>
-                        <a:latin typeface="Gill Sans Nova" panose="020B0602020104020203" pitchFamily="34" charset="0"/>
-                      </a:rPr>
-                      <a:t> position.</a:t>
-                    </a:r>
-                    <a:endParaRPr kumimoji="0" lang="fr-FR" sz="3200" b="0" i="0" u="none" strike="noStrike" kern="1200" cap="none" spc="0" normalizeH="0" baseline="0" noProof="0" dirty="0">
+                    <a:endParaRPr kumimoji="0" lang="en-US" sz="3200" b="0" i="0" u="none" strike="noStrike" kern="1200" cap="none" spc="0" normalizeH="0" baseline="0" noProof="0" dirty="0">
                       <a:ln>
                         <a:noFill/>
                       </a:ln>
@@ -5709,414 +5092,415 @@
                 </p:txBody>
               </p:sp>
             </p:grpSp>
-            <p:sp>
-              <p:nvSpPr>
-                <p:cNvPr id="31" name="Rectangle : coins arrondis 30">
-                  <a:extLst>
-                    <a:ext uri="{FF2B5EF4-FFF2-40B4-BE49-F238E27FC236}">
-                      <a16:creationId xmlns:a16="http://schemas.microsoft.com/office/drawing/2014/main" id="{171044C3-C700-576A-44E0-693B31CE2359}"/>
-                    </a:ext>
-                  </a:extLst>
-                </p:cNvPr>
-                <p:cNvSpPr>
-                  <a:spLocks/>
-                </p:cNvSpPr>
-                <p:nvPr/>
-              </p:nvSpPr>
-              <p:spPr>
-                <a:xfrm>
-                  <a:off x="21892743" y="31054525"/>
-                  <a:ext cx="10064094" cy="6815959"/>
-                </a:xfrm>
-                <a:prstGeom prst="roundRect">
-                  <a:avLst>
-                    <a:gd name="adj" fmla="val 11474"/>
-                  </a:avLst>
-                </a:prstGeom>
-                <a:solidFill>
-                  <a:srgbClr val="E7E1D5"/>
-                </a:solidFill>
-                <a:ln>
-                  <a:noFill/>
-                </a:ln>
-              </p:spPr>
-              <p:style>
-                <a:lnRef idx="2">
-                  <a:schemeClr val="accent1">
-                    <a:shade val="15000"/>
-                  </a:schemeClr>
-                </a:lnRef>
-                <a:fillRef idx="1">
-                  <a:schemeClr val="accent1"/>
-                </a:fillRef>
-                <a:effectRef idx="0">
-                  <a:schemeClr val="accent1"/>
-                </a:effectRef>
-                <a:fontRef idx="minor">
-                  <a:schemeClr val="lt1"/>
-                </a:fontRef>
-              </p:style>
-              <p:txBody>
-                <a:bodyPr rtlCol="0" anchor="t"/>
-                <a:lstStyle/>
-                <a:p>
-                  <a:pPr marL="0" marR="0" lvl="0" indent="0" algn="ctr" defTabSz="457200" rtl="0" eaLnBrk="1" fontAlgn="auto" latinLnBrk="0" hangingPunct="1">
-                    <a:lnSpc>
-                      <a:spcPct val="100000"/>
-                    </a:lnSpc>
-                    <a:spcBef>
-                      <a:spcPts val="0"/>
-                    </a:spcBef>
-                    <a:spcAft>
-                      <a:spcPts val="0"/>
-                    </a:spcAft>
-                    <a:buClrTx/>
-                    <a:buSzTx/>
-                    <a:buFontTx/>
-                    <a:buNone/>
-                    <a:tabLst/>
-                    <a:defRPr/>
-                  </a:pPr>
-                  <a:r>
-                    <a:rPr kumimoji="0" lang="en-US" sz="4800" b="0" i="0" u="none" strike="noStrike" kern="1200" cap="none" spc="0" normalizeH="0" baseline="0" noProof="0" dirty="0">
-                      <a:ln>
-                        <a:noFill/>
-                      </a:ln>
-                      <a:solidFill>
-                        <a:srgbClr val="37322F"/>
-                      </a:solidFill>
-                      <a:effectLst/>
-                      <a:uLnTx/>
-                      <a:uFillTx/>
-                      <a:latin typeface="Congenial SemiBold" panose="02000503040000020004" pitchFamily="2" charset="0"/>
-                      <a:cs typeface="Aharoni" panose="020F0502020204030204" pitchFamily="2" charset="-79"/>
-                    </a:rPr>
-                    <a:t>Discussions &amp; prospects </a:t>
-                  </a:r>
-                  <a:r>
-                    <a:rPr kumimoji="0" lang="fr-FR" sz="4800" b="0" i="0" u="none" strike="noStrike" kern="1200" cap="none" spc="0" normalizeH="0" baseline="0" noProof="0" dirty="0">
-                      <a:ln>
-                        <a:noFill/>
-                      </a:ln>
-                      <a:solidFill>
-                        <a:srgbClr val="37322F"/>
-                      </a:solidFill>
-                      <a:effectLst/>
-                      <a:uLnTx/>
-                      <a:uFillTx/>
-                      <a:latin typeface="Congenial SemiBold" panose="02000503040000020004" pitchFamily="2" charset="0"/>
-                      <a:cs typeface="Aharoni" panose="020F0502020204030204" pitchFamily="2" charset="-79"/>
-                    </a:rPr>
-                    <a:t>💬</a:t>
-                  </a:r>
-                  <a:endParaRPr kumimoji="0" lang="en-US" sz="4800" b="0" i="0" u="none" strike="noStrike" kern="1200" cap="none" spc="0" normalizeH="0" baseline="0" noProof="0" dirty="0">
+            <mc:AlternateContent xmlns:mc="http://schemas.openxmlformats.org/markup-compatibility/2006">
+              <mc:Choice xmlns:a14="http://schemas.microsoft.com/office/drawing/2010/main" Requires="a14">
+                <p:sp>
+                  <p:nvSpPr>
+                    <p:cNvPr id="31" name="Rectangle : coins arrondis 30">
+                      <a:extLst>
+                        <a:ext uri="{FF2B5EF4-FFF2-40B4-BE49-F238E27FC236}">
+                          <a16:creationId xmlns:a16="http://schemas.microsoft.com/office/drawing/2014/main" id="{171044C3-C700-576A-44E0-693B31CE2359}"/>
+                        </a:ext>
+                      </a:extLst>
+                    </p:cNvPr>
+                    <p:cNvSpPr>
+                      <a:spLocks/>
+                    </p:cNvSpPr>
+                    <p:nvPr/>
+                  </p:nvSpPr>
+                  <p:spPr>
+                    <a:xfrm>
+                      <a:off x="21850377" y="30489145"/>
+                      <a:ext cx="10064094" cy="8196553"/>
+                    </a:xfrm>
+                    <a:prstGeom prst="roundRect">
+                      <a:avLst>
+                        <a:gd name="adj" fmla="val 11474"/>
+                      </a:avLst>
+                    </a:prstGeom>
+                    <a:solidFill>
+                      <a:srgbClr val="E7E1D5"/>
+                    </a:solidFill>
                     <a:ln>
                       <a:noFill/>
                     </a:ln>
-                    <a:solidFill>
-                      <a:srgbClr val="37322F"/>
-                    </a:solidFill>
-                    <a:effectLst/>
-                    <a:uLnTx/>
-                    <a:uFillTx/>
-                    <a:latin typeface="Congenial SemiBold" panose="02000503040000020004" pitchFamily="2" charset="0"/>
-                    <a:cs typeface="Aharoni" panose="020F0502020204030204" pitchFamily="2" charset="-79"/>
-                  </a:endParaRPr>
-                </a:p>
-                <a:p>
-                  <a:pPr marL="0" marR="0" lvl="0" indent="0" algn="ctr" defTabSz="457200" rtl="0" eaLnBrk="1" fontAlgn="auto" latinLnBrk="0" hangingPunct="1">
-                    <a:lnSpc>
-                      <a:spcPct val="100000"/>
-                    </a:lnSpc>
-                    <a:spcBef>
-                      <a:spcPts val="0"/>
-                    </a:spcBef>
-                    <a:spcAft>
-                      <a:spcPts val="0"/>
-                    </a:spcAft>
-                    <a:buClrTx/>
-                    <a:buSzTx/>
-                    <a:buFontTx/>
-                    <a:buNone/>
-                    <a:tabLst/>
-                    <a:defRPr/>
-                  </a:pPr>
-                  <a:r>
-                    <a:rPr kumimoji="0" lang="en-US" sz="2000" b="0" i="0" u="sng" strike="noStrike" kern="1200" cap="none" spc="0" normalizeH="0" baseline="0" noProof="0" dirty="0">
-                      <a:ln>
-                        <a:noFill/>
-                      </a:ln>
-                      <a:solidFill>
-                        <a:srgbClr val="37322F"/>
-                      </a:solidFill>
-                      <a:effectLst/>
-                      <a:uLnTx/>
-                      <a:uFillTx/>
-                      <a:latin typeface="Gill Sans Nova" panose="020B0602020104020203" pitchFamily="34" charset="0"/>
-                      <a:ea typeface="+mn-ea"/>
-                      <a:cs typeface="Aharoni" panose="020F0502020204030204" pitchFamily="2" charset="-79"/>
-                    </a:rPr>
-                    <a:t> </a:t>
-                  </a:r>
-                  <a:endParaRPr lang="en-US" sz="2000" u="sng" noProof="0" dirty="0">
-                    <a:solidFill>
-                      <a:srgbClr val="37322F"/>
-                    </a:solidFill>
-                    <a:latin typeface="Gill Sans Nova" panose="020B0602020104020203" pitchFamily="34" charset="0"/>
-                    <a:cs typeface="Aharoni" panose="020F0502020204030204" pitchFamily="2" charset="-79"/>
-                  </a:endParaRPr>
-                </a:p>
-                <a:p>
-                  <a:pPr marL="457200" marR="0" lvl="0" indent="-457200" defTabSz="457200" rtl="0" eaLnBrk="1" fontAlgn="auto" latinLnBrk="0" hangingPunct="1">
-                    <a:lnSpc>
-                      <a:spcPct val="100000"/>
-                    </a:lnSpc>
-                    <a:spcBef>
-                      <a:spcPts val="0"/>
-                    </a:spcBef>
-                    <a:spcAft>
-                      <a:spcPts val="0"/>
-                    </a:spcAft>
-                    <a:buClrTx/>
-                    <a:buSzTx/>
-                    <a:buFont typeface="Arial" panose="020B0604020202020204" pitchFamily="34" charset="0"/>
-                    <a:buChar char="•"/>
-                    <a:tabLst/>
-                    <a:defRPr/>
-                  </a:pPr>
-                  <a:r>
-                    <a:rPr kumimoji="0" lang="fr-FR" sz="3200" b="0" i="0" u="none" strike="noStrike" kern="1200" cap="none" spc="0" normalizeH="0" baseline="0" noProof="0" dirty="0" err="1">
-                      <a:ln>
-                        <a:noFill/>
-                      </a:ln>
-                      <a:solidFill>
-                        <a:srgbClr val="37322F"/>
-                      </a:solidFill>
-                      <a:effectLst/>
-                      <a:uLnTx/>
-                      <a:uFillTx/>
-                      <a:latin typeface="Gill Sans Nova" panose="020B0602020104020203" pitchFamily="34" charset="0"/>
-                      <a:ea typeface="+mn-ea"/>
-                      <a:cs typeface="+mn-cs"/>
-                    </a:rPr>
-                    <a:t>Angular</a:t>
-                  </a:r>
-                  <a:r>
-                    <a:rPr kumimoji="0" lang="fr-FR" sz="3200" b="0" i="0" u="none" strike="noStrike" kern="1200" cap="none" spc="0" normalizeH="0" baseline="0" noProof="0" dirty="0">
-                      <a:ln>
-                        <a:noFill/>
-                      </a:ln>
-                      <a:solidFill>
-                        <a:srgbClr val="37322F"/>
-                      </a:solidFill>
-                      <a:effectLst/>
-                      <a:uLnTx/>
-                      <a:uFillTx/>
-                      <a:latin typeface="Gill Sans Nova" panose="020B0602020104020203" pitchFamily="34" charset="0"/>
-                      <a:ea typeface="+mn-ea"/>
-                      <a:cs typeface="+mn-cs"/>
-                    </a:rPr>
-                    <a:t> </a:t>
-                  </a:r>
-                  <a:r>
-                    <a:rPr kumimoji="0" lang="fr-FR" sz="3200" b="0" i="0" u="none" strike="noStrike" kern="1200" cap="none" spc="0" normalizeH="0" baseline="0" noProof="0" dirty="0" err="1">
-                      <a:ln>
-                        <a:noFill/>
-                      </a:ln>
-                      <a:solidFill>
-                        <a:srgbClr val="37322F"/>
-                      </a:solidFill>
-                      <a:effectLst/>
-                      <a:uLnTx/>
-                      <a:uFillTx/>
-                      <a:latin typeface="Gill Sans Nova" panose="020B0602020104020203" pitchFamily="34" charset="0"/>
-                      <a:ea typeface="+mn-ea"/>
-                      <a:cs typeface="+mn-cs"/>
-                    </a:rPr>
-                    <a:t>diversity</a:t>
-                  </a:r>
-                  <a:endParaRPr lang="fr-FR" sz="3200" dirty="0">
-                    <a:solidFill>
-                      <a:srgbClr val="37322F"/>
-                    </a:solidFill>
-                    <a:latin typeface="Gill Sans Nova" panose="020B0602020104020203" pitchFamily="34" charset="0"/>
-                  </a:endParaRPr>
-                </a:p>
-                <a:p>
-                  <a:pPr marL="457200" marR="0" lvl="0" indent="-457200" defTabSz="457200" rtl="0" eaLnBrk="1" fontAlgn="auto" latinLnBrk="0" hangingPunct="1">
-                    <a:lnSpc>
-                      <a:spcPct val="100000"/>
-                    </a:lnSpc>
-                    <a:spcBef>
-                      <a:spcPts val="0"/>
-                    </a:spcBef>
-                    <a:spcAft>
-                      <a:spcPts val="0"/>
-                    </a:spcAft>
-                    <a:buClrTx/>
-                    <a:buSzTx/>
-                    <a:buFont typeface="Arial" panose="020B0604020202020204" pitchFamily="34" charset="0"/>
-                    <a:buChar char="•"/>
-                    <a:tabLst/>
-                    <a:defRPr/>
-                  </a:pPr>
-                  <a:r>
-                    <a:rPr kumimoji="0" lang="fr-FR" sz="3200" b="0" i="0" u="none" strike="noStrike" kern="1200" cap="none" spc="0" normalizeH="0" baseline="0" noProof="0" dirty="0">
-                      <a:ln>
-                        <a:noFill/>
-                      </a:ln>
-                      <a:solidFill>
-                        <a:srgbClr val="37322F"/>
-                      </a:solidFill>
-                      <a:effectLst/>
-                      <a:uLnTx/>
-                      <a:uFillTx/>
-                      <a:latin typeface="Gill Sans Nova" panose="020B0602020104020203" pitchFamily="34" charset="0"/>
-                      <a:ea typeface="+mn-ea"/>
-                      <a:cs typeface="+mn-cs"/>
-                    </a:rPr>
-                    <a:t>Test in </a:t>
-                  </a:r>
-                  <a:r>
-                    <a:rPr kumimoji="0" lang="fr-FR" sz="3200" b="0" i="0" u="none" strike="noStrike" kern="1200" cap="none" spc="0" normalizeH="0" baseline="0" noProof="0" dirty="0" err="1">
-                      <a:ln>
-                        <a:noFill/>
-                      </a:ln>
-                      <a:solidFill>
-                        <a:srgbClr val="37322F"/>
-                      </a:solidFill>
-                      <a:effectLst/>
-                      <a:uLnTx/>
-                      <a:uFillTx/>
-                      <a:latin typeface="Gill Sans Nova" panose="020B0602020104020203" pitchFamily="34" charset="0"/>
-                      <a:ea typeface="+mn-ea"/>
-                      <a:cs typeface="+mn-cs"/>
-                    </a:rPr>
-                    <a:t>lab</a:t>
-                  </a:r>
-                  <a:endParaRPr lang="fr-FR" sz="3200" dirty="0">
-                    <a:solidFill>
-                      <a:srgbClr val="37322F"/>
-                    </a:solidFill>
-                    <a:latin typeface="Gill Sans Nova" panose="020B0602020104020203" pitchFamily="34" charset="0"/>
-                  </a:endParaRPr>
-                </a:p>
-                <a:p>
-                  <a:pPr marL="457200" marR="0" lvl="0" indent="-457200" defTabSz="457200" rtl="0" eaLnBrk="1" fontAlgn="auto" latinLnBrk="0" hangingPunct="1">
-                    <a:lnSpc>
-                      <a:spcPct val="100000"/>
-                    </a:lnSpc>
-                    <a:spcBef>
-                      <a:spcPts val="0"/>
-                    </a:spcBef>
-                    <a:spcAft>
-                      <a:spcPts val="0"/>
-                    </a:spcAft>
-                    <a:buClrTx/>
-                    <a:buSzTx/>
-                    <a:buFont typeface="Arial" panose="020B0604020202020204" pitchFamily="34" charset="0"/>
-                    <a:buChar char="•"/>
-                    <a:tabLst/>
-                    <a:defRPr/>
-                  </a:pPr>
-                  <a:r>
-                    <a:rPr lang="fr-FR" sz="3200" dirty="0">
-                      <a:solidFill>
-                        <a:srgbClr val="37322F"/>
-                      </a:solidFill>
-                      <a:latin typeface="Gill Sans Nova" panose="020B0602020104020203" pitchFamily="34" charset="0"/>
-                    </a:rPr>
-                    <a:t>Usage of physics </a:t>
-                  </a:r>
-                  <a:r>
-                    <a:rPr lang="fr-FR" sz="3200" dirty="0" err="1">
-                      <a:solidFill>
-                        <a:srgbClr val="37322F"/>
-                      </a:solidFill>
-                      <a:latin typeface="Gill Sans Nova" panose="020B0602020104020203" pitchFamily="34" charset="0"/>
-                    </a:rPr>
-                    <a:t>based</a:t>
-                  </a:r>
-                  <a:r>
-                    <a:rPr lang="fr-FR" sz="3200" dirty="0">
-                      <a:solidFill>
-                        <a:srgbClr val="37322F"/>
-                      </a:solidFill>
-                      <a:latin typeface="Gill Sans Nova" panose="020B0602020104020203" pitchFamily="34" charset="0"/>
-                    </a:rPr>
-                    <a:t> MMI </a:t>
-                  </a:r>
-                  <a:r>
-                    <a:rPr lang="fr-FR" sz="3200" dirty="0" err="1">
-                      <a:solidFill>
-                        <a:srgbClr val="37322F"/>
-                      </a:solidFill>
-                      <a:latin typeface="Gill Sans Nova" panose="020B0602020104020203" pitchFamily="34" charset="0"/>
-                    </a:rPr>
-                    <a:t>models</a:t>
-                  </a:r>
-                  <a:endParaRPr lang="fr-FR" sz="3200" dirty="0">
-                    <a:solidFill>
-                      <a:srgbClr val="37322F"/>
-                    </a:solidFill>
-                    <a:latin typeface="Gill Sans Nova" panose="020B0602020104020203" pitchFamily="34" charset="0"/>
-                  </a:endParaRPr>
-                </a:p>
-                <a:p>
-                  <a:pPr marL="457200" marR="0" lvl="0" indent="-457200" defTabSz="457200" rtl="0" eaLnBrk="1" fontAlgn="auto" latinLnBrk="0" hangingPunct="1">
-                    <a:lnSpc>
-                      <a:spcPct val="100000"/>
-                    </a:lnSpc>
-                    <a:spcBef>
-                      <a:spcPts val="0"/>
-                    </a:spcBef>
-                    <a:spcAft>
-                      <a:spcPts val="0"/>
-                    </a:spcAft>
-                    <a:buClrTx/>
-                    <a:buSzTx/>
-                    <a:buFont typeface="Arial" panose="020B0604020202020204" pitchFamily="34" charset="0"/>
-                    <a:buChar char="•"/>
-                    <a:tabLst/>
-                    <a:defRPr/>
-                  </a:pPr>
-                  <a:r>
-                    <a:rPr kumimoji="0" lang="fr-FR" sz="3200" b="0" i="0" u="none" strike="noStrike" kern="1200" cap="none" spc="0" normalizeH="0" baseline="0" noProof="0" dirty="0" err="1">
-                      <a:ln>
-                        <a:noFill/>
-                      </a:ln>
-                      <a:solidFill>
-                        <a:srgbClr val="37322F"/>
-                      </a:solidFill>
-                      <a:effectLst/>
-                      <a:uLnTx/>
-                      <a:uFillTx/>
-                      <a:latin typeface="Gill Sans Nova" panose="020B0602020104020203" pitchFamily="34" charset="0"/>
-                      <a:ea typeface="+mn-ea"/>
-                      <a:cs typeface="+mn-cs"/>
-                    </a:rPr>
-                    <a:t>Implementation</a:t>
-                  </a:r>
-                  <a:r>
-                    <a:rPr kumimoji="0" lang="fr-FR" sz="3200" b="0" i="0" u="none" strike="noStrike" kern="1200" cap="none" spc="0" normalizeH="0" baseline="0" noProof="0" dirty="0">
-                      <a:ln>
-                        <a:noFill/>
-                      </a:ln>
-                      <a:solidFill>
-                        <a:srgbClr val="37322F"/>
-                      </a:solidFill>
-                      <a:effectLst/>
-                      <a:uLnTx/>
-                      <a:uFillTx/>
-                      <a:latin typeface="Gill Sans Nova" panose="020B0602020104020203" pitchFamily="34" charset="0"/>
-                      <a:ea typeface="+mn-ea"/>
-                      <a:cs typeface="+mn-cs"/>
-                    </a:rPr>
-                    <a:t> on the VLTI</a:t>
-                  </a:r>
-                </a:p>
-              </p:txBody>
-            </p:sp>
+                  </p:spPr>
+                  <p:style>
+                    <a:lnRef idx="2">
+                      <a:schemeClr val="accent1">
+                        <a:shade val="15000"/>
+                      </a:schemeClr>
+                    </a:lnRef>
+                    <a:fillRef idx="1">
+                      <a:schemeClr val="accent1"/>
+                    </a:fillRef>
+                    <a:effectRef idx="0">
+                      <a:schemeClr val="accent1"/>
+                    </a:effectRef>
+                    <a:fontRef idx="minor">
+                      <a:schemeClr val="lt1"/>
+                    </a:fontRef>
+                  </p:style>
+                  <p:txBody>
+                    <a:bodyPr rtlCol="0" anchor="t"/>
+                    <a:lstStyle/>
+                    <a:p>
+                      <a:pPr marL="0" marR="0" lvl="0" indent="0" algn="ctr" defTabSz="457200" rtl="0" eaLnBrk="1" fontAlgn="auto" latinLnBrk="0" hangingPunct="1">
+                        <a:lnSpc>
+                          <a:spcPct val="100000"/>
+                        </a:lnSpc>
+                        <a:spcBef>
+                          <a:spcPts val="0"/>
+                        </a:spcBef>
+                        <a:spcAft>
+                          <a:spcPts val="0"/>
+                        </a:spcAft>
+                        <a:buClrTx/>
+                        <a:buSzTx/>
+                        <a:buFontTx/>
+                        <a:buNone/>
+                        <a:tabLst/>
+                        <a:defRPr/>
+                      </a:pPr>
+                      <a:r>
+                        <a:rPr kumimoji="0" lang="en-US" sz="4800" b="0" i="0" u="none" strike="noStrike" kern="1200" cap="none" spc="0" normalizeH="0" baseline="0" noProof="0" dirty="0">
+                          <a:ln>
+                            <a:noFill/>
+                          </a:ln>
+                          <a:solidFill>
+                            <a:srgbClr val="37322F"/>
+                          </a:solidFill>
+                          <a:effectLst/>
+                          <a:uLnTx/>
+                          <a:uFillTx/>
+                          <a:latin typeface="Congenial SemiBold" panose="02000503040000020004" pitchFamily="2" charset="0"/>
+                          <a:cs typeface="Aharoni" panose="020F0502020204030204" pitchFamily="2" charset="-79"/>
+                        </a:rPr>
+                        <a:t>Discussions &amp; prospects 💬</a:t>
+                      </a:r>
+                      <a:r>
+                        <a:rPr kumimoji="0" lang="en-US" sz="2000" b="0" i="0" u="sng" strike="noStrike" kern="1200" cap="none" spc="0" normalizeH="0" baseline="0" noProof="0" dirty="0">
+                          <a:ln>
+                            <a:noFill/>
+                          </a:ln>
+                          <a:solidFill>
+                            <a:srgbClr val="37322F"/>
+                          </a:solidFill>
+                          <a:effectLst/>
+                          <a:uLnTx/>
+                          <a:uFillTx/>
+                          <a:latin typeface="Gill Sans Nova" panose="020B0602020104020203" pitchFamily="34" charset="0"/>
+                          <a:ea typeface="+mn-ea"/>
+                          <a:cs typeface="Aharoni" panose="020F0502020204030204" pitchFamily="2" charset="-79"/>
+                        </a:rPr>
+                        <a:t> </a:t>
+                      </a:r>
+                      <a:endParaRPr lang="en-US" sz="2000" u="sng" noProof="0" dirty="0">
+                        <a:solidFill>
+                          <a:srgbClr val="37322F"/>
+                        </a:solidFill>
+                        <a:latin typeface="Gill Sans Nova" panose="020B0602020104020203" pitchFamily="34" charset="0"/>
+                        <a:cs typeface="Aharoni" panose="020F0502020204030204" pitchFamily="2" charset="-79"/>
+                      </a:endParaRPr>
+                    </a:p>
+                    <a:p>
+                      <a:pPr marR="0" lvl="0" defTabSz="457200" rtl="0" eaLnBrk="1" fontAlgn="auto" latinLnBrk="0" hangingPunct="1">
+                        <a:lnSpc>
+                          <a:spcPct val="100000"/>
+                        </a:lnSpc>
+                        <a:spcBef>
+                          <a:spcPts val="0"/>
+                        </a:spcBef>
+                        <a:spcAft>
+                          <a:spcPts val="0"/>
+                        </a:spcAft>
+                        <a:buClrTx/>
+                        <a:buSzTx/>
+                        <a:tabLst/>
+                        <a:defRPr/>
+                      </a:pPr>
+                      <a:r>
+                        <a:rPr kumimoji="0" lang="en-US" sz="3200" b="0" i="0" u="none" strike="noStrike" kern="1200" cap="none" spc="0" normalizeH="0" baseline="0" noProof="0" dirty="0">
+                          <a:ln>
+                            <a:noFill/>
+                          </a:ln>
+                          <a:solidFill>
+                            <a:srgbClr val="37322F"/>
+                          </a:solidFill>
+                          <a:effectLst/>
+                          <a:uLnTx/>
+                          <a:uFillTx/>
+                          <a:latin typeface="Gill Sans Nova" panose="020B0602020104020203" pitchFamily="34" charset="0"/>
+                          <a:ea typeface="+mn-ea"/>
+                          <a:cs typeface="+mn-cs"/>
+                        </a:rPr>
+                        <a:t>These pro</a:t>
+                      </a:r>
+                      <a:r>
+                        <a:rPr lang="en-US" sz="3200" noProof="0" dirty="0">
+                          <a:solidFill>
+                            <a:srgbClr val="37322F"/>
+                          </a:solidFill>
+                          <a:latin typeface="Gill Sans Nova" panose="020B0602020104020203" pitchFamily="34" charset="0"/>
+                        </a:rPr>
+                        <a:t>mising</a:t>
+                      </a:r>
+                      <a:r>
+                        <a:rPr lang="en-US" sz="3200" dirty="0">
+                          <a:solidFill>
+                            <a:srgbClr val="37322F"/>
+                          </a:solidFill>
+                          <a:latin typeface="Gill Sans Nova" panose="020B0602020104020203" pitchFamily="34" charset="0"/>
+                        </a:rPr>
+                        <a:t> results are mitigated by the persistent sensibility to high order phase aberration. A contrast of </a:t>
+                      </a:r>
+                      <a14:m>
+                        <m:oMath xmlns:m="http://schemas.openxmlformats.org/officeDocument/2006/math">
+                          <m:sSup>
+                            <m:sSupPr>
+                              <m:ctrlPr>
+                                <a:rPr lang="en-US" sz="3200" b="0" i="1" smtClean="0">
+                                  <a:solidFill>
+                                    <a:srgbClr val="37322F"/>
+                                  </a:solidFill>
+                                  <a:latin typeface="Cambria Math" panose="02040503050406030204" pitchFamily="18" charset="0"/>
+                                </a:rPr>
+                              </m:ctrlPr>
+                            </m:sSupPr>
+                            <m:e>
+                              <m:r>
+                                <a:rPr lang="en-US" sz="3200" b="0" i="1" smtClean="0">
+                                  <a:solidFill>
+                                    <a:srgbClr val="37322F"/>
+                                  </a:solidFill>
+                                  <a:latin typeface="Cambria Math" panose="02040503050406030204" pitchFamily="18" charset="0"/>
+                                </a:rPr>
+                                <m:t>10</m:t>
+                              </m:r>
+                            </m:e>
+                            <m:sup>
+                              <m:r>
+                                <a:rPr lang="en-US" sz="3200" b="0" i="1" smtClean="0">
+                                  <a:solidFill>
+                                    <a:srgbClr val="37322F"/>
+                                  </a:solidFill>
+                                  <a:latin typeface="Cambria Math" panose="02040503050406030204" pitchFamily="18" charset="0"/>
+                                </a:rPr>
+                                <m:t>−</m:t>
+                              </m:r>
+                              <m:r>
+                                <a:rPr lang="en-US" sz="3200" b="0" i="1" smtClean="0">
+                                  <a:solidFill>
+                                    <a:srgbClr val="37322F"/>
+                                  </a:solidFill>
+                                  <a:latin typeface="Cambria Math" panose="02040503050406030204" pitchFamily="18" charset="0"/>
+                                </a:rPr>
+                                <m:t>6</m:t>
+                              </m:r>
+                            </m:sup>
+                          </m:sSup>
+                        </m:oMath>
+                      </a14:m>
+                      <a:r>
+                        <a:rPr kumimoji="0" lang="en-US" sz="3200" b="0" i="0" u="none" strike="noStrike" kern="1200" cap="none" spc="0" normalizeH="0" baseline="0" noProof="0" dirty="0">
+                          <a:ln>
+                            <a:noFill/>
+                          </a:ln>
+                          <a:solidFill>
+                            <a:srgbClr val="37322F"/>
+                          </a:solidFill>
+                          <a:effectLst/>
+                          <a:uLnTx/>
+                          <a:uFillTx/>
+                          <a:latin typeface="Gill Sans Nova" panose="020B0602020104020203" pitchFamily="34" charset="0"/>
+                          <a:ea typeface="+mn-ea"/>
+                          <a:cs typeface="+mn-cs"/>
+                        </a:rPr>
+                        <a:t> require an AO</a:t>
+                      </a:r>
+                      <a:r>
+                        <a:rPr kumimoji="0" lang="en-US" sz="3200" b="0" i="0" u="none" strike="noStrike" kern="1200" cap="none" spc="0" normalizeH="0" noProof="0" dirty="0">
+                          <a:ln>
+                            <a:noFill/>
+                          </a:ln>
+                          <a:solidFill>
+                            <a:srgbClr val="37322F"/>
+                          </a:solidFill>
+                          <a:effectLst/>
+                          <a:uLnTx/>
+                          <a:uFillTx/>
+                          <a:latin typeface="Gill Sans Nova" panose="020B0602020104020203" pitchFamily="34" charset="0"/>
+                          <a:ea typeface="+mn-ea"/>
+                          <a:cs typeface="+mn-cs"/>
+                        </a:rPr>
+                        <a:t> correction that bring phase aberration below </a:t>
+                      </a:r>
+                      <a14:m>
+                        <m:oMath xmlns:m="http://schemas.openxmlformats.org/officeDocument/2006/math">
+                          <m:r>
+                            <a:rPr kumimoji="0" lang="en-US" sz="3200" b="0" i="1" u="none" strike="noStrike" kern="1200" cap="none" spc="0" normalizeH="0" noProof="0" smtClean="0">
+                              <a:ln>
+                                <a:noFill/>
+                              </a:ln>
+                              <a:solidFill>
+                                <a:srgbClr val="37322F"/>
+                              </a:solidFill>
+                              <a:effectLst/>
+                              <a:uLnTx/>
+                              <a:uFillTx/>
+                              <a:latin typeface="Cambria Math" panose="02040503050406030204" pitchFamily="18" charset="0"/>
+                              <a:ea typeface="+mn-ea"/>
+                              <a:cs typeface="+mn-cs"/>
+                            </a:rPr>
+                            <m:t>𝜆</m:t>
+                          </m:r>
+                          <m:r>
+                            <a:rPr kumimoji="0" lang="en-US" sz="3200" b="0" i="1" u="none" strike="noStrike" kern="1200" cap="none" spc="0" normalizeH="0" noProof="0" smtClean="0">
+                              <a:ln>
+                                <a:noFill/>
+                              </a:ln>
+                              <a:solidFill>
+                                <a:srgbClr val="37322F"/>
+                              </a:solidFill>
+                              <a:effectLst/>
+                              <a:uLnTx/>
+                              <a:uFillTx/>
+                              <a:latin typeface="Cambria Math" panose="02040503050406030204" pitchFamily="18" charset="0"/>
+                              <a:ea typeface="+mn-ea"/>
+                              <a:cs typeface="+mn-cs"/>
+                            </a:rPr>
+                            <m:t>/</m:t>
+                          </m:r>
+                          <m:r>
+                            <a:rPr kumimoji="0" lang="en-US" sz="3200" b="0" i="1" u="none" strike="noStrike" kern="1200" cap="none" spc="0" normalizeH="0" noProof="0" smtClean="0">
+                              <a:ln>
+                                <a:noFill/>
+                              </a:ln>
+                              <a:solidFill>
+                                <a:srgbClr val="37322F"/>
+                              </a:solidFill>
+                              <a:effectLst/>
+                              <a:uLnTx/>
+                              <a:uFillTx/>
+                              <a:latin typeface="Cambria Math" panose="02040503050406030204" pitchFamily="18" charset="0"/>
+                              <a:ea typeface="+mn-ea"/>
+                              <a:cs typeface="+mn-cs"/>
+                            </a:rPr>
+                            <m:t>100</m:t>
+                          </m:r>
+                        </m:oMath>
+                      </a14:m>
+                      <a:r>
+                        <a:rPr kumimoji="0" lang="en-US" sz="3200" b="0" i="0" u="none" strike="noStrike" kern="1200" cap="none" spc="0" normalizeH="0" baseline="0" noProof="0" dirty="0">
+                          <a:ln>
+                            <a:noFill/>
+                          </a:ln>
+                          <a:solidFill>
+                            <a:srgbClr val="37322F"/>
+                          </a:solidFill>
+                          <a:effectLst/>
+                          <a:uLnTx/>
+                          <a:uFillTx/>
+                          <a:latin typeface="Gill Sans Nova" panose="020B0602020104020203" pitchFamily="34" charset="0"/>
+                          <a:ea typeface="+mn-ea"/>
+                          <a:cs typeface="+mn-cs"/>
+                        </a:rPr>
+                        <a:t>. </a:t>
+                      </a:r>
+                      <a:r>
+                        <a:rPr lang="en-US" sz="3200" dirty="0">
+                          <a:solidFill>
+                            <a:srgbClr val="37322F"/>
+                          </a:solidFill>
+                          <a:latin typeface="Gill Sans Nova" panose="020B0602020104020203" pitchFamily="34" charset="0"/>
+                        </a:rPr>
+                        <a:t>Also, t</a:t>
+                      </a:r>
+                      <a:r>
+                        <a:rPr kumimoji="0" lang="en-US" sz="3200" b="0" i="0" u="none" strike="noStrike" kern="1200" cap="none" spc="0" normalizeH="0" noProof="0" dirty="0">
+                          <a:ln>
+                            <a:noFill/>
+                          </a:ln>
+                          <a:solidFill>
+                            <a:srgbClr val="37322F"/>
+                          </a:solidFill>
+                          <a:effectLst/>
+                          <a:uLnTx/>
+                          <a:uFillTx/>
+                          <a:latin typeface="Gill Sans Nova" panose="020B0602020104020203" pitchFamily="34" charset="0"/>
+                          <a:ea typeface="+mn-ea"/>
+                          <a:cs typeface="+mn-cs"/>
+                        </a:rPr>
+                        <a:t>wo of the main prospects will consist to make these simulations chromatic and confirm these results in a lab.</a:t>
+                      </a:r>
+                      <a:endParaRPr kumimoji="0" lang="en-US" sz="3200" b="0" i="0" u="none" strike="noStrike" kern="1200" cap="none" spc="0" normalizeH="0" baseline="0" noProof="0" dirty="0">
+                        <a:ln>
+                          <a:noFill/>
+                        </a:ln>
+                        <a:solidFill>
+                          <a:srgbClr val="37322F"/>
+                        </a:solidFill>
+                        <a:effectLst/>
+                        <a:uLnTx/>
+                        <a:uFillTx/>
+                        <a:latin typeface="Gill Sans Nova" panose="020B0602020104020203" pitchFamily="34" charset="0"/>
+                        <a:ea typeface="+mn-ea"/>
+                        <a:cs typeface="+mn-cs"/>
+                      </a:endParaRPr>
+                    </a:p>
+                  </p:txBody>
+                </p:sp>
+              </mc:Choice>
+              <mc:Fallback>
+                <p:sp>
+                  <p:nvSpPr>
+                    <p:cNvPr id="31" name="Rectangle : coins arrondis 30">
+                      <a:extLst>
+                        <a:ext uri="{FF2B5EF4-FFF2-40B4-BE49-F238E27FC236}">
+                          <a16:creationId xmlns:a16="http://schemas.microsoft.com/office/drawing/2014/main" id="{171044C3-C700-576A-44E0-693B31CE2359}"/>
+                        </a:ext>
+                      </a:extLst>
+                    </p:cNvPr>
+                    <p:cNvSpPr>
+                      <a:spLocks noRot="1" noChangeAspect="1" noMove="1" noResize="1" noEditPoints="1" noAdjustHandles="1" noChangeArrowheads="1" noChangeShapeType="1" noTextEdit="1"/>
+                    </p:cNvSpPr>
+                    <p:nvPr/>
+                  </p:nvSpPr>
+                  <p:spPr>
+                    <a:xfrm>
+                      <a:off x="21850377" y="30489145"/>
+                      <a:ext cx="10064094" cy="8196553"/>
+                    </a:xfrm>
+                    <a:prstGeom prst="roundRect">
+                      <a:avLst>
+                        <a:gd name="adj" fmla="val 11474"/>
+                      </a:avLst>
+                    </a:prstGeom>
+                    <a:blipFill>
+                      <a:blip r:embed="rId4"/>
+                      <a:stretch>
+                        <a:fillRect/>
+                      </a:stretch>
+                    </a:blipFill>
+                    <a:ln>
+                      <a:noFill/>
+                    </a:ln>
+                  </p:spPr>
+                  <p:txBody>
+                    <a:bodyPr/>
+                    <a:lstStyle/>
+                    <a:p>
+                      <a:r>
+                        <a:rPr lang="en-US">
+                          <a:noFill/>
+                        </a:rPr>
+                        <a:t> </a:t>
+                      </a:r>
+                    </a:p>
+                  </p:txBody>
+                </p:sp>
+              </mc:Fallback>
+            </mc:AlternateContent>
           </p:grpSp>
           <p:sp>
             <p:nvSpPr>
@@ -6134,12 +5518,12 @@
             </p:nvSpPr>
             <p:spPr>
               <a:xfrm>
-                <a:off x="11077498" y="14637182"/>
-                <a:ext cx="10329024" cy="6709825"/>
+                <a:off x="400085" y="32932800"/>
+                <a:ext cx="10064094" cy="5752898"/>
               </a:xfrm>
               <a:prstGeom prst="roundRect">
                 <a:avLst>
-                  <a:gd name="adj" fmla="val 12273"/>
+                  <a:gd name="adj" fmla="val 15862"/>
                 </a:avLst>
               </a:prstGeom>
               <a:solidFill>
@@ -6171,353 +5555,32 @@
               <a:p>
                 <a:pPr algn="ctr"/>
                 <a:r>
-                  <a:rPr lang="fr-FR" sz="4800" dirty="0">
+                  <a:rPr lang="en-US" sz="4800" dirty="0">
                     <a:solidFill>
                       <a:srgbClr val="37322F"/>
                     </a:solidFill>
                     <a:latin typeface="Congenial SemiBold" panose="02000503040000020004" pitchFamily="2" charset="0"/>
                     <a:cs typeface="Aharoni" panose="020F0502020204030204" pitchFamily="2" charset="-79"/>
                   </a:rPr>
-                  <a:t>Active </a:t>
+                  <a:t>Active optical components 💡</a:t>
                 </a:r>
-                <a:r>
-                  <a:rPr lang="fr-FR" sz="4800" dirty="0" err="1">
-                    <a:solidFill>
-                      <a:srgbClr val="37322F"/>
-                    </a:solidFill>
-                    <a:latin typeface="Congenial SemiBold" panose="02000503040000020004" pitchFamily="2" charset="0"/>
-                    <a:cs typeface="Aharoni" panose="020F0502020204030204" pitchFamily="2" charset="-79"/>
-                  </a:rPr>
-                  <a:t>optical</a:t>
-                </a:r>
-                <a:r>
-                  <a:rPr lang="fr-FR" sz="4800" dirty="0">
-                    <a:solidFill>
-                      <a:srgbClr val="37322F"/>
-                    </a:solidFill>
-                    <a:latin typeface="Congenial SemiBold" panose="02000503040000020004" pitchFamily="2" charset="0"/>
-                    <a:cs typeface="Aharoni" panose="020F0502020204030204" pitchFamily="2" charset="-79"/>
-                  </a:rPr>
-                  <a:t> components 💡</a:t>
-                </a:r>
-                <a:endParaRPr lang="en-US" sz="4800" dirty="0">
+                <a:endParaRPr lang="en-US" sz="2000" u="sng" dirty="0">
                   <a:solidFill>
                     <a:srgbClr val="37322F"/>
                   </a:solidFill>
-                  <a:latin typeface="Congenial SemiBold" panose="02000503040000020004" pitchFamily="2" charset="0"/>
+                  <a:latin typeface="Gill Sans Nova" panose="020B0602020104020203" pitchFamily="34" charset="0"/>
                   <a:cs typeface="Aharoni" panose="020F0502020204030204" pitchFamily="2" charset="-79"/>
                 </a:endParaRPr>
               </a:p>
               <a:p>
-                <a:pPr algn="ctr"/>
                 <a:r>
-                  <a:rPr lang="en-US" sz="2000" u="sng" dirty="0">
-                    <a:solidFill>
-                      <a:srgbClr val="37322F"/>
-                    </a:solidFill>
-                    <a:latin typeface="Gill Sans Nova" panose="020B0602020104020203" pitchFamily="34" charset="0"/>
-                    <a:cs typeface="Aharoni" panose="020F0502020204030204" pitchFamily="2" charset="-79"/>
-                  </a:rPr>
-                  <a:t> </a:t>
-                </a:r>
-              </a:p>
-              <a:p>
-                <a:r>
-                  <a:rPr lang="fr-FR" sz="3200" dirty="0">
+                  <a:rPr lang="en-US" sz="3200" dirty="0">
                     <a:solidFill>
                       <a:srgbClr val="37322F"/>
                     </a:solidFill>
                     <a:latin typeface="Gill Sans Nova" panose="020B0602020104020203" pitchFamily="34" charset="0"/>
                   </a:rPr>
-                  <a:t>The </a:t>
-                </a:r>
-                <a:r>
-                  <a:rPr lang="fr-FR" sz="3200" dirty="0" err="1">
-                    <a:solidFill>
-                      <a:srgbClr val="37322F"/>
-                    </a:solidFill>
-                    <a:latin typeface="Gill Sans Nova" panose="020B0602020104020203" pitchFamily="34" charset="0"/>
-                  </a:rPr>
-                  <a:t>idea</a:t>
-                </a:r>
-                <a:r>
-                  <a:rPr lang="fr-FR" sz="3200" dirty="0">
-                    <a:solidFill>
-                      <a:srgbClr val="37322F"/>
-                    </a:solidFill>
-                    <a:latin typeface="Gill Sans Nova" panose="020B0602020104020203" pitchFamily="34" charset="0"/>
-                  </a:rPr>
-                  <a:t> of </a:t>
-                </a:r>
-                <a:r>
-                  <a:rPr lang="fr-FR" sz="3200" dirty="0" err="1">
-                    <a:solidFill>
-                      <a:srgbClr val="37322F"/>
-                    </a:solidFill>
-                    <a:latin typeface="Gill Sans Nova" panose="020B0602020104020203" pitchFamily="34" charset="0"/>
-                  </a:rPr>
-                  <a:t>our</a:t>
-                </a:r>
-                <a:r>
-                  <a:rPr lang="fr-FR" sz="3200" dirty="0">
-                    <a:solidFill>
-                      <a:srgbClr val="37322F"/>
-                    </a:solidFill>
-                    <a:latin typeface="Gill Sans Nova" panose="020B0602020104020203" pitchFamily="34" charset="0"/>
-                  </a:rPr>
-                  <a:t> architecture </a:t>
-                </a:r>
-                <a:r>
-                  <a:rPr lang="fr-FR" sz="3200" dirty="0" err="1">
-                    <a:solidFill>
-                      <a:srgbClr val="37322F"/>
-                    </a:solidFill>
-                    <a:latin typeface="Gill Sans Nova" panose="020B0602020104020203" pitchFamily="34" charset="0"/>
-                  </a:rPr>
-                  <a:t>is</a:t>
-                </a:r>
-                <a:r>
-                  <a:rPr lang="fr-FR" sz="3200" dirty="0">
-                    <a:solidFill>
-                      <a:srgbClr val="37322F"/>
-                    </a:solidFill>
-                    <a:latin typeface="Gill Sans Nova" panose="020B0602020104020203" pitchFamily="34" charset="0"/>
-                  </a:rPr>
-                  <a:t> to combine the </a:t>
-                </a:r>
-                <a:r>
-                  <a:rPr lang="fr-FR" sz="3200" dirty="0" err="1">
-                    <a:solidFill>
-                      <a:srgbClr val="37322F"/>
-                    </a:solidFill>
-                    <a:latin typeface="Gill Sans Nova" panose="020B0602020104020203" pitchFamily="34" charset="0"/>
-                  </a:rPr>
-                  <a:t>nulling</a:t>
-                </a:r>
-                <a:r>
-                  <a:rPr lang="fr-FR" sz="3200" dirty="0">
-                    <a:solidFill>
-                      <a:srgbClr val="37322F"/>
-                    </a:solidFill>
-                    <a:latin typeface="Gill Sans Nova" panose="020B0602020104020203" pitchFamily="34" charset="0"/>
-                  </a:rPr>
-                  <a:t> </a:t>
-                </a:r>
-                <a:r>
-                  <a:rPr lang="fr-FR" sz="3200" dirty="0" err="1">
-                    <a:solidFill>
-                      <a:srgbClr val="37322F"/>
-                    </a:solidFill>
-                    <a:latin typeface="Gill Sans Nova" panose="020B0602020104020203" pitchFamily="34" charset="0"/>
-                  </a:rPr>
-                  <a:t>interferometry</a:t>
-                </a:r>
-                <a:r>
-                  <a:rPr lang="fr-FR" sz="3200" dirty="0">
-                    <a:solidFill>
-                      <a:srgbClr val="37322F"/>
-                    </a:solidFill>
-                    <a:latin typeface="Gill Sans Nova" panose="020B0602020104020203" pitchFamily="34" charset="0"/>
-                  </a:rPr>
-                  <a:t> </a:t>
-                </a:r>
-                <a:r>
-                  <a:rPr lang="fr-FR" sz="3200" dirty="0" err="1">
-                    <a:solidFill>
-                      <a:srgbClr val="37322F"/>
-                    </a:solidFill>
-                    <a:latin typeface="Gill Sans Nova" panose="020B0602020104020203" pitchFamily="34" charset="0"/>
-                  </a:rPr>
-                  <a:t>with</a:t>
-                </a:r>
-                <a:r>
-                  <a:rPr lang="fr-FR" sz="3200" dirty="0">
-                    <a:solidFill>
-                      <a:srgbClr val="37322F"/>
-                    </a:solidFill>
-                    <a:latin typeface="Gill Sans Nova" panose="020B0602020104020203" pitchFamily="34" charset="0"/>
-                  </a:rPr>
-                  <a:t> the phase </a:t>
-                </a:r>
-                <a:r>
-                  <a:rPr lang="fr-FR" sz="3200" dirty="0" err="1">
-                    <a:solidFill>
-                      <a:srgbClr val="37322F"/>
-                    </a:solidFill>
-                    <a:latin typeface="Gill Sans Nova" panose="020B0602020104020203" pitchFamily="34" charset="0"/>
-                  </a:rPr>
-                  <a:t>shifter</a:t>
-                </a:r>
-                <a:r>
-                  <a:rPr lang="fr-FR" sz="3200" dirty="0">
-                    <a:solidFill>
-                      <a:srgbClr val="37322F"/>
-                    </a:solidFill>
-                    <a:latin typeface="Gill Sans Nova" panose="020B0602020104020203" pitchFamily="34" charset="0"/>
-                  </a:rPr>
-                  <a:t> technologies to </a:t>
-                </a:r>
-                <a:r>
-                  <a:rPr lang="fr-FR" sz="3200" dirty="0" err="1">
-                    <a:solidFill>
-                      <a:srgbClr val="37322F"/>
-                    </a:solidFill>
-                    <a:latin typeface="Gill Sans Nova" panose="020B0602020104020203" pitchFamily="34" charset="0"/>
-                  </a:rPr>
-                  <a:t>make</a:t>
-                </a:r>
-                <a:r>
-                  <a:rPr lang="fr-FR" sz="3200" dirty="0">
-                    <a:solidFill>
-                      <a:srgbClr val="37322F"/>
-                    </a:solidFill>
-                    <a:latin typeface="Gill Sans Nova" panose="020B0602020104020203" pitchFamily="34" charset="0"/>
-                  </a:rPr>
-                  <a:t> an active </a:t>
-                </a:r>
-                <a:r>
-                  <a:rPr lang="fr-FR" sz="3200" dirty="0" err="1">
-                    <a:solidFill>
-                      <a:srgbClr val="37322F"/>
-                    </a:solidFill>
-                    <a:latin typeface="Gill Sans Nova" panose="020B0602020104020203" pitchFamily="34" charset="0"/>
-                  </a:rPr>
-                  <a:t>optical</a:t>
-                </a:r>
-                <a:r>
-                  <a:rPr lang="fr-FR" sz="3200" dirty="0">
-                    <a:solidFill>
-                      <a:srgbClr val="37322F"/>
-                    </a:solidFill>
-                    <a:latin typeface="Gill Sans Nova" panose="020B0602020104020203" pitchFamily="34" charset="0"/>
-                  </a:rPr>
-                  <a:t> component </a:t>
-                </a:r>
-                <a:r>
-                  <a:rPr lang="fr-FR" sz="3200" dirty="0" err="1">
-                    <a:solidFill>
-                      <a:srgbClr val="37322F"/>
-                    </a:solidFill>
-                    <a:latin typeface="Gill Sans Nova" panose="020B0602020104020203" pitchFamily="34" charset="0"/>
-                  </a:rPr>
-                  <a:t>that</a:t>
-                </a:r>
-                <a:r>
-                  <a:rPr lang="fr-FR" sz="3200" dirty="0">
-                    <a:solidFill>
-                      <a:srgbClr val="37322F"/>
-                    </a:solidFill>
-                    <a:latin typeface="Gill Sans Nova" panose="020B0602020104020203" pitchFamily="34" charset="0"/>
-                  </a:rPr>
-                  <a:t> can </a:t>
-                </a:r>
-                <a:r>
-                  <a:rPr lang="fr-FR" sz="3200" dirty="0" err="1">
-                    <a:solidFill>
-                      <a:srgbClr val="37322F"/>
-                    </a:solidFill>
-                    <a:latin typeface="Gill Sans Nova" panose="020B0602020104020203" pitchFamily="34" charset="0"/>
-                  </a:rPr>
-                  <a:t>be</a:t>
-                </a:r>
-                <a:r>
-                  <a:rPr lang="fr-FR" sz="3200" dirty="0">
-                    <a:solidFill>
-                      <a:srgbClr val="37322F"/>
-                    </a:solidFill>
-                    <a:latin typeface="Gill Sans Nova" panose="020B0602020104020203" pitchFamily="34" charset="0"/>
-                  </a:rPr>
-                  <a:t> </a:t>
-                </a:r>
-                <a:r>
-                  <a:rPr lang="fr-FR" sz="3200" dirty="0" err="1">
-                    <a:solidFill>
-                      <a:srgbClr val="37322F"/>
-                    </a:solidFill>
-                    <a:latin typeface="Gill Sans Nova" panose="020B0602020104020203" pitchFamily="34" charset="0"/>
-                  </a:rPr>
-                  <a:t>calibrated</a:t>
-                </a:r>
-                <a:r>
-                  <a:rPr lang="fr-FR" sz="3200" dirty="0">
-                    <a:solidFill>
-                      <a:srgbClr val="37322F"/>
-                    </a:solidFill>
-                    <a:latin typeface="Gill Sans Nova" panose="020B0602020104020203" pitchFamily="34" charset="0"/>
-                  </a:rPr>
-                  <a:t> to </a:t>
-                </a:r>
-                <a:r>
-                  <a:rPr lang="fr-FR" sz="3200" dirty="0" err="1">
-                    <a:solidFill>
-                      <a:srgbClr val="37322F"/>
-                    </a:solidFill>
-                    <a:latin typeface="Gill Sans Nova" panose="020B0602020104020203" pitchFamily="34" charset="0"/>
-                  </a:rPr>
-                  <a:t>compensate</a:t>
-                </a:r>
-                <a:r>
-                  <a:rPr lang="fr-FR" sz="3200" dirty="0">
-                    <a:solidFill>
-                      <a:srgbClr val="37322F"/>
-                    </a:solidFill>
-                    <a:latin typeface="Gill Sans Nova" panose="020B0602020104020203" pitchFamily="34" charset="0"/>
-                  </a:rPr>
-                  <a:t> the phase aberration </a:t>
-                </a:r>
-                <a:r>
-                  <a:rPr lang="fr-FR" sz="3200" dirty="0" err="1">
-                    <a:solidFill>
-                      <a:srgbClr val="37322F"/>
-                    </a:solidFill>
-                    <a:latin typeface="Gill Sans Nova" panose="020B0602020104020203" pitchFamily="34" charset="0"/>
-                  </a:rPr>
-                  <a:t>induced</a:t>
-                </a:r>
-                <a:r>
-                  <a:rPr lang="fr-FR" sz="3200" dirty="0">
-                    <a:solidFill>
-                      <a:srgbClr val="37322F"/>
-                    </a:solidFill>
-                    <a:latin typeface="Gill Sans Nova" panose="020B0602020104020203" pitchFamily="34" charset="0"/>
-                  </a:rPr>
-                  <a:t> by the </a:t>
-                </a:r>
-                <a:r>
-                  <a:rPr lang="fr-FR" sz="3200" dirty="0" err="1">
-                    <a:solidFill>
-                      <a:srgbClr val="37322F"/>
-                    </a:solidFill>
-                    <a:latin typeface="Gill Sans Nova" panose="020B0602020104020203" pitchFamily="34" charset="0"/>
-                  </a:rPr>
-                  <a:t>manufacturing</a:t>
-                </a:r>
-                <a:r>
-                  <a:rPr lang="fr-FR" sz="3200" dirty="0">
-                    <a:solidFill>
-                      <a:srgbClr val="37322F"/>
-                    </a:solidFill>
-                    <a:latin typeface="Gill Sans Nova" panose="020B0602020104020203" pitchFamily="34" charset="0"/>
-                  </a:rPr>
-                  <a:t> </a:t>
-                </a:r>
-                <a:r>
-                  <a:rPr lang="fr-FR" sz="3200" dirty="0" err="1">
-                    <a:solidFill>
-                      <a:srgbClr val="37322F"/>
-                    </a:solidFill>
-                    <a:latin typeface="Gill Sans Nova" panose="020B0602020104020203" pitchFamily="34" charset="0"/>
-                  </a:rPr>
-                  <a:t>defects</a:t>
-                </a:r>
-                <a:r>
-                  <a:rPr lang="fr-FR" sz="3200" dirty="0">
-                    <a:solidFill>
-                      <a:srgbClr val="37322F"/>
-                    </a:solidFill>
-                    <a:latin typeface="Gill Sans Nova" panose="020B0602020104020203" pitchFamily="34" charset="0"/>
-                  </a:rPr>
-                  <a:t>.</a:t>
+                  <a:t>The idea of our architecture is to combine the nulling interferometry with the phase shifter technologies to make an active optical component that can be calibrated to compensate the phase aberration induced by the manufacturing defects.</a:t>
                 </a:r>
               </a:p>
             </p:txBody>
@@ -6923,7 +5986,7 @@
                   </a:solidFill>
                   <a:latin typeface="Gill Sans Nova" panose="020B0602020104020203" pitchFamily="34" charset="0"/>
                 </a:rPr>
-                <a:t>vincent.foriel@gmail.com</a:t>
+                <a:t>vincent.foriel@oca.eu</a:t>
               </a:r>
               <a:endParaRPr lang="fr-FR" sz="8000" dirty="0">
                 <a:solidFill>
@@ -6970,7 +6033,7 @@
             <p:nvPr/>
           </p:nvPicPr>
           <p:blipFill>
-            <a:blip r:embed="rId3">
+            <a:blip r:embed="rId5">
               <a:extLst>
                 <a:ext uri="{28A0092B-C50C-407E-A947-70E740481C1C}">
                   <a14:useLocalDpi xmlns:a14="http://schemas.microsoft.com/office/drawing/2010/main" val="0"/>
@@ -7006,7 +6069,7 @@
             <p:nvPr/>
           </p:nvPicPr>
           <p:blipFill>
-            <a:blip r:embed="rId4">
+            <a:blip r:embed="rId6">
               <a:extLst>
                 <a:ext uri="{28A0092B-C50C-407E-A947-70E740481C1C}">
                   <a14:useLocalDpi xmlns:a14="http://schemas.microsoft.com/office/drawing/2010/main" val="0"/>
@@ -7042,7 +6105,7 @@
             <p:nvPr/>
           </p:nvPicPr>
           <p:blipFill>
-            <a:blip r:embed="rId5">
+            <a:blip r:embed="rId7">
               <a:extLst>
                 <a:ext uri="{28A0092B-C50C-407E-A947-70E740481C1C}">
                   <a14:useLocalDpi xmlns:a14="http://schemas.microsoft.com/office/drawing/2010/main" val="0"/>
@@ -7078,7 +6141,7 @@
             <p:nvPr/>
           </p:nvPicPr>
           <p:blipFill>
-            <a:blip r:embed="rId6">
+            <a:blip r:embed="rId8">
               <a:extLst>
                 <a:ext uri="{28A0092B-C50C-407E-A947-70E740481C1C}">
                   <a14:useLocalDpi xmlns:a14="http://schemas.microsoft.com/office/drawing/2010/main" val="0"/>
@@ -7114,8 +6177,8 @@
         </p:nvGrpSpPr>
         <p:grpSpPr>
           <a:xfrm>
-            <a:off x="442451" y="38406906"/>
-            <a:ext cx="31514386" cy="4321785"/>
+            <a:off x="442451" y="39131752"/>
+            <a:ext cx="31514386" cy="3596939"/>
             <a:chOff x="442451" y="36388295"/>
             <a:chExt cx="31355071" cy="6340397"/>
           </a:xfrm>
@@ -7196,19 +6259,9 @@
                   <a:latin typeface="Congenial SemiBold" panose="02000503040000020004" pitchFamily="2" charset="0"/>
                   <a:cs typeface="Aharoni" panose="020F0502020204030204" pitchFamily="2" charset="-79"/>
                 </a:rPr>
-                <a:t>References </a:t>
+                <a:t>References 📜</a:t>
               </a:r>
-              <a:r>
-                <a:rPr lang="fr-FR" sz="4800" dirty="0">
-                  <a:solidFill>
-                    <a:srgbClr val="37322F"/>
-                  </a:solidFill>
-                  <a:latin typeface="Congenial SemiBold" panose="02000503040000020004" pitchFamily="2" charset="0"/>
-                  <a:cs typeface="Aharoni" panose="020F0502020204030204" pitchFamily="2" charset="-79"/>
-                </a:rPr>
-                <a:t>📜</a:t>
-              </a:r>
-              <a:endParaRPr kumimoji="0" lang="en-US" sz="4800" b="0" i="0" u="none" strike="noStrike" kern="1200" cap="none" spc="0" normalizeH="0" baseline="0" noProof="0" dirty="0">
+              <a:endParaRPr kumimoji="0" lang="en-US" sz="2000" b="0" i="0" u="sng" strike="noStrike" kern="1200" cap="none" spc="0" normalizeH="0" baseline="0" noProof="0" dirty="0">
                 <a:ln>
                   <a:noFill/>
                 </a:ln>
@@ -7218,12 +6271,13 @@
                 <a:effectLst/>
                 <a:uLnTx/>
                 <a:uFillTx/>
-                <a:latin typeface="Congenial SemiBold" panose="02000503040000020004" pitchFamily="2" charset="0"/>
+                <a:latin typeface="Gill Sans Nova" panose="020B0602020104020203" pitchFamily="34" charset="0"/>
+                <a:ea typeface="+mn-ea"/>
                 <a:cs typeface="Aharoni" panose="020F0502020204030204" pitchFamily="2" charset="-79"/>
               </a:endParaRPr>
             </a:p>
             <a:p>
-              <a:pPr marL="0" marR="0" lvl="0" indent="0" algn="ctr" defTabSz="457200" rtl="0" eaLnBrk="1" fontAlgn="auto" latinLnBrk="0" hangingPunct="1">
+              <a:pPr marL="0" marR="0" lvl="0" indent="0" algn="l" defTabSz="457200" rtl="0" eaLnBrk="1" fontAlgn="auto" latinLnBrk="0" hangingPunct="1">
                 <a:lnSpc>
                   <a:spcPct val="100000"/>
                 </a:lnSpc>
@@ -7241,7 +6295,7 @@
                 <a:defRPr/>
               </a:pPr>
               <a:r>
-                <a:rPr kumimoji="0" lang="en-US" sz="2000" b="0" i="0" u="sng" strike="noStrike" kern="1200" cap="none" spc="0" normalizeH="0" baseline="0" noProof="0" dirty="0">
+                <a:rPr kumimoji="0" lang="en-US" sz="3200" b="0" i="0" u="none" strike="noStrike" kern="1200" cap="none" spc="0" normalizeH="0" baseline="0" noProof="0" dirty="0">
                   <a:ln>
                     <a:noFill/>
                   </a:ln>
@@ -7253,9 +6307,9 @@
                   <a:uFillTx/>
                   <a:latin typeface="Gill Sans Nova" panose="020B0602020104020203" pitchFamily="34" charset="0"/>
                   <a:ea typeface="+mn-ea"/>
-                  <a:cs typeface="Aharoni" panose="020F0502020204030204" pitchFamily="2" charset="-79"/>
+                  <a:cs typeface="+mn-cs"/>
                 </a:rPr>
-                <a:t> </a:t>
+                <a:t>Ref1</a:t>
               </a:r>
             </a:p>
             <a:p>
@@ -7277,23 +6331,99 @@
                 <a:defRPr/>
               </a:pPr>
               <a:r>
-                <a:rPr kumimoji="0" lang="fr-FR" sz="3200" b="0" i="0" u="none" strike="noStrike" kern="1200" cap="none" spc="0" normalizeH="0" baseline="0" noProof="0" dirty="0">
-                  <a:ln>
-                    <a:noFill/>
-                  </a:ln>
+                <a:rPr lang="en-US" sz="3200" dirty="0">
                   <a:solidFill>
                     <a:srgbClr val="37322F"/>
                   </a:solidFill>
-                  <a:effectLst/>
-                  <a:uLnTx/>
-                  <a:uFillTx/>
                   <a:latin typeface="Gill Sans Nova" panose="020B0602020104020203" pitchFamily="34" charset="0"/>
-                  <a:ea typeface="+mn-ea"/>
-                  <a:cs typeface="+mn-cs"/>
                 </a:rPr>
-                <a:t>Blablabla</a:t>
+                <a:t>Ref2</a:t>
               </a:r>
-              <a:endParaRPr lang="fr-FR" dirty="0">
+            </a:p>
+            <a:p>
+              <a:pPr marL="0" marR="0" lvl="0" indent="0" algn="l" defTabSz="457200" rtl="0" eaLnBrk="1" fontAlgn="auto" latinLnBrk="0" hangingPunct="1">
+                <a:lnSpc>
+                  <a:spcPct val="100000"/>
+                </a:lnSpc>
+                <a:spcBef>
+                  <a:spcPts val="0"/>
+                </a:spcBef>
+                <a:spcAft>
+                  <a:spcPts val="0"/>
+                </a:spcAft>
+                <a:buClrTx/>
+                <a:buSzTx/>
+                <a:buFontTx/>
+                <a:buNone/>
+                <a:tabLst/>
+                <a:defRPr/>
+              </a:pPr>
+              <a:r>
+                <a:rPr lang="en-US" sz="3200" dirty="0">
+                  <a:solidFill>
+                    <a:srgbClr val="37322F"/>
+                  </a:solidFill>
+                  <a:latin typeface="Gill Sans Nova" panose="020B0602020104020203" pitchFamily="34" charset="0"/>
+                </a:rPr>
+                <a:t>Ref3</a:t>
+              </a:r>
+            </a:p>
+            <a:p>
+              <a:pPr marL="0" marR="0" lvl="0" indent="0" algn="l" defTabSz="457200" rtl="0" eaLnBrk="1" fontAlgn="auto" latinLnBrk="0" hangingPunct="1">
+                <a:lnSpc>
+                  <a:spcPct val="100000"/>
+                </a:lnSpc>
+                <a:spcBef>
+                  <a:spcPts val="0"/>
+                </a:spcBef>
+                <a:spcAft>
+                  <a:spcPts val="0"/>
+                </a:spcAft>
+                <a:buClrTx/>
+                <a:buSzTx/>
+                <a:buFontTx/>
+                <a:buNone/>
+                <a:tabLst/>
+                <a:defRPr/>
+              </a:pPr>
+              <a:r>
+                <a:rPr lang="en-US" sz="3200" dirty="0">
+                  <a:solidFill>
+                    <a:srgbClr val="37322F"/>
+                  </a:solidFill>
+                  <a:latin typeface="Gill Sans Nova" panose="020B0602020104020203" pitchFamily="34" charset="0"/>
+                </a:rPr>
+                <a:t>Ref4</a:t>
+              </a:r>
+            </a:p>
+            <a:p>
+              <a:pPr marL="0" marR="0" lvl="0" indent="0" algn="l" defTabSz="457200" rtl="0" eaLnBrk="1" fontAlgn="auto" latinLnBrk="0" hangingPunct="1">
+                <a:lnSpc>
+                  <a:spcPct val="100000"/>
+                </a:lnSpc>
+                <a:spcBef>
+                  <a:spcPts val="0"/>
+                </a:spcBef>
+                <a:spcAft>
+                  <a:spcPts val="0"/>
+                </a:spcAft>
+                <a:buClrTx/>
+                <a:buSzTx/>
+                <a:buFontTx/>
+                <a:buNone/>
+                <a:tabLst/>
+                <a:defRPr/>
+              </a:pPr>
+              <a:r>
+                <a:rPr lang="en-US" sz="3200" dirty="0">
+                  <a:solidFill>
+                    <a:srgbClr val="37322F"/>
+                  </a:solidFill>
+                  <a:latin typeface="Gill Sans Nova" panose="020B0602020104020203" pitchFamily="34" charset="0"/>
+                </a:rPr>
+                <a:t>Ref5</a:t>
+              </a:r>
+              <a:endParaRPr lang="en-US" dirty="0">
                 <a:solidFill>
                   <a:srgbClr val="37322F"/>
                 </a:solidFill>
@@ -7377,50 +6507,8 @@
                   <a:latin typeface="Congenial SemiBold" panose="02000503040000020004" pitchFamily="2" charset="0"/>
                   <a:cs typeface="Aharoni" panose="020F0502020204030204" pitchFamily="2" charset="-79"/>
                 </a:rPr>
-                <a:t>Acknowledgment </a:t>
+                <a:t>Acknowledgment 🤝</a:t>
               </a:r>
-              <a:r>
-                <a:rPr lang="fr-FR" sz="4800" dirty="0">
-                  <a:solidFill>
-                    <a:srgbClr val="37322F"/>
-                  </a:solidFill>
-                  <a:latin typeface="Congenial SemiBold" panose="02000503040000020004" pitchFamily="2" charset="0"/>
-                  <a:cs typeface="Aharoni" panose="020F0502020204030204" pitchFamily="2" charset="-79"/>
-                </a:rPr>
-                <a:t>🤝</a:t>
-              </a:r>
-              <a:endParaRPr kumimoji="0" lang="en-US" sz="4800" b="0" i="0" u="none" strike="noStrike" kern="1200" cap="none" spc="0" normalizeH="0" baseline="0" noProof="0" dirty="0">
-                <a:ln>
-                  <a:noFill/>
-                </a:ln>
-                <a:solidFill>
-                  <a:srgbClr val="37322F"/>
-                </a:solidFill>
-                <a:effectLst/>
-                <a:uLnTx/>
-                <a:uFillTx/>
-                <a:latin typeface="Congenial SemiBold" panose="02000503040000020004" pitchFamily="2" charset="0"/>
-                <a:cs typeface="Aharoni" panose="020F0502020204030204" pitchFamily="2" charset="-79"/>
-              </a:endParaRPr>
-            </a:p>
-            <a:p>
-              <a:pPr marL="0" marR="0" lvl="0" indent="0" algn="ctr" defTabSz="457200" rtl="0" eaLnBrk="1" fontAlgn="auto" latinLnBrk="0" hangingPunct="1">
-                <a:lnSpc>
-                  <a:spcPct val="100000"/>
-                </a:lnSpc>
-                <a:spcBef>
-                  <a:spcPts val="0"/>
-                </a:spcBef>
-                <a:spcAft>
-                  <a:spcPts val="0"/>
-                </a:spcAft>
-                <a:buClrTx/>
-                <a:buSzTx/>
-                <a:buFontTx/>
-                <a:buNone/>
-                <a:tabLst/>
-                <a:defRPr/>
-              </a:pPr>
               <a:r>
                 <a:rPr kumimoji="0" lang="en-US" sz="2000" b="0" i="0" u="sng" strike="noStrike" kern="1200" cap="none" spc="0" normalizeH="0" baseline="0" noProof="0" dirty="0">
                   <a:ln>
@@ -7440,7 +6528,7 @@
               </a:r>
             </a:p>
             <a:p>
-              <a:pPr marL="0" marR="0" lvl="0" indent="0" algn="l" defTabSz="457200" rtl="0" eaLnBrk="1" fontAlgn="auto" latinLnBrk="0" hangingPunct="1">
+              <a:pPr marR="0" lvl="0" algn="l" defTabSz="457200" rtl="0" eaLnBrk="1" fontAlgn="auto" latinLnBrk="0" hangingPunct="1">
                 <a:lnSpc>
                   <a:spcPct val="100000"/>
                 </a:lnSpc>
@@ -7452,13 +6540,11 @@
                 </a:spcAft>
                 <a:buClrTx/>
                 <a:buSzTx/>
-                <a:buFontTx/>
-                <a:buNone/>
                 <a:tabLst/>
                 <a:defRPr/>
               </a:pPr>
               <a:r>
-                <a:rPr kumimoji="0" lang="fr-FR" sz="3200" b="0" i="0" u="none" strike="noStrike" kern="1200" cap="none" spc="0" normalizeH="0" baseline="0" noProof="0" dirty="0">
+                <a:rPr kumimoji="0" lang="en-US" sz="3200" b="0" i="0" u="none" strike="noStrike" kern="1200" cap="none" spc="0" normalizeH="0" baseline="0" noProof="0" dirty="0">
                   <a:ln>
                     <a:noFill/>
                   </a:ln>
@@ -7472,11 +6558,11 @@
                   <a:ea typeface="+mn-ea"/>
                   <a:cs typeface="+mn-cs"/>
                 </a:rPr>
-                <a:t>Blablabla</a:t>
+                <a:t>To acknowledge:</a:t>
               </a:r>
             </a:p>
             <a:p>
-              <a:pPr marL="0" marR="0" lvl="0" indent="0" algn="l" defTabSz="457200" rtl="0" eaLnBrk="1" fontAlgn="auto" latinLnBrk="0" hangingPunct="1">
+              <a:pPr marL="457200" marR="0" lvl="0" indent="-457200" algn="l" defTabSz="457200" rtl="0" eaLnBrk="1" fontAlgn="auto" latinLnBrk="0" hangingPunct="1">
                 <a:lnSpc>
                   <a:spcPct val="100000"/>
                 </a:lnSpc>
@@ -7488,38 +6574,13 @@
                 </a:spcAft>
                 <a:buClrTx/>
                 <a:buSzTx/>
-                <a:buFontTx/>
-                <a:buNone/>
-                <a:tabLst/>
-                <a:defRPr/>
-              </a:pPr>
-              <a:endParaRPr lang="fr-FR" sz="3200" dirty="0">
-                <a:solidFill>
-                  <a:srgbClr val="37322F"/>
-                </a:solidFill>
-                <a:latin typeface="Gill Sans Nova" panose="020B0602020104020203" pitchFamily="34" charset="0"/>
-              </a:endParaRPr>
-            </a:p>
-            <a:p>
-              <a:pPr marL="0" marR="0" lvl="0" indent="0" algn="l" defTabSz="457200" rtl="0" eaLnBrk="1" fontAlgn="auto" latinLnBrk="0" hangingPunct="1">
-                <a:lnSpc>
-                  <a:spcPct val="100000"/>
-                </a:lnSpc>
-                <a:spcBef>
-                  <a:spcPts val="0"/>
-                </a:spcBef>
-                <a:spcAft>
-                  <a:spcPts val="0"/>
-                </a:spcAft>
-                <a:buClrTx/>
-                <a:buSzTx/>
-                <a:buFontTx/>
-                <a:buNone/>
+                <a:buFont typeface="Arial" panose="020B0604020202020204" pitchFamily="34" charset="0"/>
+                <a:buChar char="•"/>
                 <a:tabLst/>
                 <a:defRPr/>
               </a:pPr>
               <a:r>
-                <a:rPr kumimoji="0" lang="fr-FR" sz="3200" b="0" i="0" u="none" strike="noStrike" kern="1200" cap="none" spc="0" normalizeH="0" baseline="0" noProof="0" dirty="0">
+                <a:rPr kumimoji="0" lang="en-US" sz="3200" b="0" i="0" u="none" strike="noStrike" kern="1200" cap="none" spc="0" normalizeH="0" baseline="0" noProof="0" dirty="0">
                   <a:ln>
                     <a:noFill/>
                   </a:ln>
@@ -7533,9 +6594,171 @@
                   <a:ea typeface="+mn-ea"/>
                   <a:cs typeface="+mn-cs"/>
                 </a:rPr>
-                <a:t>Financement projet PHOTONICS</a:t>
+                <a:t>Project PHOTONICS</a:t>
               </a:r>
-              <a:endParaRPr kumimoji="0" lang="fr-FR" sz="1800" b="0" i="0" u="none" strike="noStrike" kern="1200" cap="none" spc="0" normalizeH="0" baseline="0" noProof="0" dirty="0">
+            </a:p>
+            <a:p>
+              <a:pPr marL="457200" marR="0" lvl="0" indent="-457200" algn="l" defTabSz="457200" rtl="0" eaLnBrk="1" fontAlgn="auto" latinLnBrk="0" hangingPunct="1">
+                <a:lnSpc>
+                  <a:spcPct val="100000"/>
+                </a:lnSpc>
+                <a:spcBef>
+                  <a:spcPts val="0"/>
+                </a:spcBef>
+                <a:spcAft>
+                  <a:spcPts val="0"/>
+                </a:spcAft>
+                <a:buClrTx/>
+                <a:buSzTx/>
+                <a:buFont typeface="Arial" panose="020B0604020202020204" pitchFamily="34" charset="0"/>
+                <a:buChar char="•"/>
+                <a:tabLst/>
+                <a:defRPr/>
+              </a:pPr>
+              <a:r>
+                <a:rPr lang="en-US" sz="3200" dirty="0">
+                  <a:solidFill>
+                    <a:srgbClr val="37322F"/>
+                  </a:solidFill>
+                  <a:latin typeface="Gill Sans Nova" panose="020B0602020104020203" pitchFamily="34" charset="0"/>
+                </a:rPr>
+                <a:t>Romain </a:t>
+              </a:r>
+              <a:r>
+                <a:rPr lang="en-US" sz="3200" dirty="0" err="1">
+                  <a:solidFill>
+                    <a:srgbClr val="37322F"/>
+                  </a:solidFill>
+                  <a:latin typeface="Gill Sans Nova" panose="020B0602020104020203" pitchFamily="34" charset="0"/>
+                </a:rPr>
+                <a:t>Laugier</a:t>
+              </a:r>
+              <a:r>
+                <a:rPr lang="en-US" sz="3200" dirty="0">
+                  <a:solidFill>
+                    <a:srgbClr val="37322F"/>
+                  </a:solidFill>
+                  <a:latin typeface="Gill Sans Nova" panose="020B0602020104020203" pitchFamily="34" charset="0"/>
+                </a:rPr>
+                <a:t> – Wise advices &amp; good intuitions to solve issues</a:t>
+              </a:r>
+            </a:p>
+            <a:p>
+              <a:pPr marL="457200" marR="0" lvl="0" indent="-457200" algn="l" defTabSz="457200" rtl="0" eaLnBrk="1" fontAlgn="auto" latinLnBrk="0" hangingPunct="1">
+                <a:lnSpc>
+                  <a:spcPct val="100000"/>
+                </a:lnSpc>
+                <a:spcBef>
+                  <a:spcPts val="0"/>
+                </a:spcBef>
+                <a:spcAft>
+                  <a:spcPts val="0"/>
+                </a:spcAft>
+                <a:buClrTx/>
+                <a:buSzTx/>
+                <a:buFont typeface="Arial" panose="020B0604020202020204" pitchFamily="34" charset="0"/>
+                <a:buChar char="•"/>
+                <a:tabLst/>
+                <a:defRPr/>
+              </a:pPr>
+              <a:r>
+                <a:rPr kumimoji="0" lang="en-US" sz="3200" b="0" i="0" u="none" strike="noStrike" kern="1200" cap="none" spc="0" normalizeH="0" baseline="0" noProof="0" dirty="0">
+                  <a:ln>
+                    <a:noFill/>
+                  </a:ln>
+                  <a:solidFill>
+                    <a:srgbClr val="37322F"/>
+                  </a:solidFill>
+                  <a:effectLst/>
+                  <a:uLnTx/>
+                  <a:uFillTx/>
+                  <a:latin typeface="Gill Sans Nova" panose="020B0602020104020203" pitchFamily="34" charset="0"/>
+                  <a:ea typeface="+mn-ea"/>
+                  <a:cs typeface="+mn-cs"/>
+                </a:rPr>
+                <a:t>Nick </a:t>
+              </a:r>
+              <a:r>
+                <a:rPr kumimoji="0" lang="en-US" sz="3200" b="0" i="0" u="none" strike="noStrike" kern="1200" cap="none" spc="0" normalizeH="0" baseline="0" noProof="0" dirty="0" err="1">
+                  <a:ln>
+                    <a:noFill/>
+                  </a:ln>
+                  <a:solidFill>
+                    <a:srgbClr val="37322F"/>
+                  </a:solidFill>
+                  <a:effectLst/>
+                  <a:uLnTx/>
+                  <a:uFillTx/>
+                  <a:latin typeface="Gill Sans Nova" panose="020B0602020104020203" pitchFamily="34" charset="0"/>
+                  <a:ea typeface="+mn-ea"/>
+                  <a:cs typeface="+mn-cs"/>
+                </a:rPr>
+                <a:t>Cvetojevic</a:t>
+              </a:r>
+              <a:r>
+                <a:rPr kumimoji="0" lang="en-US" sz="3200" b="0" i="0" u="none" strike="noStrike" kern="1200" cap="none" spc="0" normalizeH="0" baseline="0" noProof="0" dirty="0">
+                  <a:ln>
+                    <a:noFill/>
+                  </a:ln>
+                  <a:solidFill>
+                    <a:srgbClr val="37322F"/>
+                  </a:solidFill>
+                  <a:effectLst/>
+                  <a:uLnTx/>
+                  <a:uFillTx/>
+                  <a:latin typeface="Gill Sans Nova" panose="020B0602020104020203" pitchFamily="34" charset="0"/>
+                  <a:ea typeface="+mn-ea"/>
+                  <a:cs typeface="+mn-cs"/>
+                </a:rPr>
+                <a:t> – Explanations about kernel-nulling</a:t>
+              </a:r>
+            </a:p>
+            <a:p>
+              <a:pPr marL="457200" marR="0" lvl="0" indent="-457200" algn="l" defTabSz="457200" rtl="0" eaLnBrk="1" fontAlgn="auto" latinLnBrk="0" hangingPunct="1">
+                <a:lnSpc>
+                  <a:spcPct val="100000"/>
+                </a:lnSpc>
+                <a:spcBef>
+                  <a:spcPts val="0"/>
+                </a:spcBef>
+                <a:spcAft>
+                  <a:spcPts val="0"/>
+                </a:spcAft>
+                <a:buClrTx/>
+                <a:buSzTx/>
+                <a:buFont typeface="Arial" panose="020B0604020202020204" pitchFamily="34" charset="0"/>
+                <a:buChar char="•"/>
+                <a:tabLst/>
+                <a:defRPr/>
+              </a:pPr>
+              <a:r>
+                <a:rPr lang="en-US" sz="3200" dirty="0">
+                  <a:solidFill>
+                    <a:srgbClr val="37322F"/>
+                  </a:solidFill>
+                  <a:latin typeface="Gill Sans Nova" panose="020B0602020104020203" pitchFamily="34" charset="0"/>
+                </a:rPr>
+                <a:t>Margaux </a:t>
+              </a:r>
+              <a:r>
+                <a:rPr lang="en-US" sz="3200" dirty="0" err="1">
+                  <a:solidFill>
+                    <a:srgbClr val="37322F"/>
+                  </a:solidFill>
+                  <a:latin typeface="Gill Sans Nova" panose="020B0602020104020203" pitchFamily="34" charset="0"/>
+                </a:rPr>
+                <a:t>Abello</a:t>
+              </a:r>
+              <a:r>
+                <a:rPr lang="en-US" sz="3200" dirty="0">
+                  <a:solidFill>
+                    <a:srgbClr val="37322F"/>
+                  </a:solidFill>
+                  <a:latin typeface="Gill Sans Nova" panose="020B0602020104020203" pitchFamily="34" charset="0"/>
+                </a:rPr>
+                <a:t> – Help on presentation &amp; inspiration</a:t>
+              </a:r>
+              <a:endParaRPr kumimoji="0" lang="en-US" sz="1800" b="0" i="0" u="none" strike="noStrike" kern="1200" cap="none" spc="0" normalizeH="0" baseline="0" noProof="0" dirty="0">
                 <a:ln>
                   <a:noFill/>
                 </a:ln>
@@ -7567,10 +6790,10 @@
         </p:nvGrpSpPr>
         <p:grpSpPr>
           <a:xfrm>
-            <a:off x="1226891" y="18349634"/>
-            <a:ext cx="8302682" cy="5940424"/>
-            <a:chOff x="1323157" y="29845168"/>
-            <a:chExt cx="8302682" cy="5940424"/>
+            <a:off x="5287918" y="17058109"/>
+            <a:ext cx="5176261" cy="4291283"/>
+            <a:chOff x="1732708" y="29659842"/>
+            <a:chExt cx="8245803" cy="6836029"/>
           </a:xfrm>
         </p:grpSpPr>
         <p:pic>
@@ -7588,7 +6811,7 @@
             <p:nvPr/>
           </p:nvPicPr>
           <p:blipFill>
-            <a:blip r:embed="rId7">
+            <a:blip r:embed="rId9">
               <a:extLst>
                 <a:ext uri="{28A0092B-C50C-407E-A947-70E740481C1C}">
                   <a14:useLocalDpi xmlns:a14="http://schemas.microsoft.com/office/drawing/2010/main" val="0"/>
@@ -7601,8 +6824,8 @@
           </p:blipFill>
           <p:spPr>
             <a:xfrm>
-              <a:off x="1617616" y="29845168"/>
-              <a:ext cx="7713766" cy="5528081"/>
+              <a:off x="2095023" y="29659842"/>
+              <a:ext cx="7713766" cy="5528080"/>
             </a:xfrm>
             <a:prstGeom prst="rect">
               <a:avLst/>
@@ -7633,8 +6856,8 @@
           </p:nvSpPr>
           <p:spPr>
             <a:xfrm>
-              <a:off x="1323157" y="35323927"/>
-              <a:ext cx="8302682" cy="461665"/>
+              <a:off x="1732708" y="35172090"/>
+              <a:ext cx="8245803" cy="1323781"/>
             </a:xfrm>
             <a:prstGeom prst="rect">
               <a:avLst/>
@@ -7650,29 +6873,59 @@
               <a:pPr algn="ctr"/>
               <a:r>
                 <a:rPr lang="fr-FR" sz="2400" dirty="0">
+                  <a:solidFill>
+                    <a:schemeClr val="tx1">
+                      <a:lumMod val="50000"/>
+                      <a:lumOff val="50000"/>
+                    </a:schemeClr>
+                  </a:solidFill>
                   <a:latin typeface="Gill Sans Nova" panose="020B0602020104020203" pitchFamily="34" charset="0"/>
                 </a:rPr>
                 <a:t>Figure 2: Concept of </a:t>
               </a:r>
               <a:r>
                 <a:rPr lang="fr-FR" sz="2400" dirty="0" err="1">
+                  <a:solidFill>
+                    <a:schemeClr val="tx1">
+                      <a:lumMod val="50000"/>
+                      <a:lumOff val="50000"/>
+                    </a:schemeClr>
+                  </a:solidFill>
                   <a:latin typeface="Gill Sans Nova" panose="020B0602020104020203" pitchFamily="34" charset="0"/>
                 </a:rPr>
                 <a:t>nulling</a:t>
               </a:r>
               <a:r>
                 <a:rPr lang="fr-FR" sz="2400" dirty="0">
+                  <a:solidFill>
+                    <a:schemeClr val="tx1">
+                      <a:lumMod val="50000"/>
+                      <a:lumOff val="50000"/>
+                    </a:schemeClr>
+                  </a:solidFill>
                   <a:latin typeface="Gill Sans Nova" panose="020B0602020104020203" pitchFamily="34" charset="0"/>
                 </a:rPr>
                 <a:t> </a:t>
               </a:r>
               <a:r>
                 <a:rPr lang="fr-FR" sz="2400" dirty="0" err="1">
+                  <a:solidFill>
+                    <a:schemeClr val="tx1">
+                      <a:lumMod val="50000"/>
+                      <a:lumOff val="50000"/>
+                    </a:schemeClr>
+                  </a:solidFill>
                   <a:latin typeface="Gill Sans Nova" panose="020B0602020104020203" pitchFamily="34" charset="0"/>
                 </a:rPr>
                 <a:t>interferometry</a:t>
               </a:r>
               <a:endParaRPr lang="fr-FR" sz="2400" dirty="0">
+                <a:solidFill>
+                  <a:schemeClr val="tx1">
+                    <a:lumMod val="50000"/>
+                    <a:lumOff val="50000"/>
+                  </a:schemeClr>
+                </a:solidFill>
                 <a:latin typeface="Gill Sans Nova" panose="020B0602020104020203" pitchFamily="34" charset="0"/>
               </a:endParaRPr>
             </a:p>
@@ -7693,7 +6946,7 @@
         </p:nvGrpSpPr>
         <p:grpSpPr>
           <a:xfrm>
-            <a:off x="1312753" y="35420675"/>
+            <a:off x="1323722" y="30004298"/>
             <a:ext cx="8216820" cy="2260271"/>
             <a:chOff x="22824491" y="33574643"/>
             <a:chExt cx="8216820" cy="2260271"/>
@@ -7714,7 +6967,7 @@
             <p:nvPr/>
           </p:nvPicPr>
           <p:blipFill>
-            <a:blip r:embed="rId8">
+            <a:blip r:embed="rId10">
               <a:extLst>
                 <a:ext uri="{28A0092B-C50C-407E-A947-70E740481C1C}">
                   <a14:useLocalDpi xmlns:a14="http://schemas.microsoft.com/office/drawing/2010/main" val="0"/>
@@ -7775,32 +7028,17 @@
             <a:p>
               <a:pPr algn="ctr"/>
               <a:r>
-                <a:rPr lang="fr-FR" sz="2400" dirty="0">
+                <a:rPr lang="en-US" sz="2400" dirty="0">
+                  <a:solidFill>
+                    <a:schemeClr val="tx1">
+                      <a:lumMod val="50000"/>
+                      <a:lumOff val="50000"/>
+                    </a:schemeClr>
+                  </a:solidFill>
                   <a:latin typeface="Gill Sans Nova" panose="020B0602020104020203" pitchFamily="34" charset="0"/>
                 </a:rPr>
-                <a:t>Figure 3: Scheme of </a:t>
+                <a:t>Figure 4: Scheme of thermo-optic phase shifter</a:t>
               </a:r>
-              <a:r>
-                <a:rPr lang="fr-FR" sz="2400" dirty="0" err="1">
-                  <a:latin typeface="Gill Sans Nova" panose="020B0602020104020203" pitchFamily="34" charset="0"/>
-                </a:rPr>
-                <a:t>thermo-optic</a:t>
-              </a:r>
-              <a:r>
-                <a:rPr lang="fr-FR" sz="2400" dirty="0">
-                  <a:latin typeface="Gill Sans Nova" panose="020B0602020104020203" pitchFamily="34" charset="0"/>
-                </a:rPr>
-                <a:t> phase </a:t>
-              </a:r>
-              <a:r>
-                <a:rPr lang="fr-FR" sz="2400" dirty="0" err="1">
-                  <a:latin typeface="Gill Sans Nova" panose="020B0602020104020203" pitchFamily="34" charset="0"/>
-                </a:rPr>
-                <a:t>shifter</a:t>
-              </a:r>
-              <a:endParaRPr lang="fr-FR" sz="2400" dirty="0">
-                <a:latin typeface="Gill Sans Nova" panose="020B0602020104020203" pitchFamily="34" charset="0"/>
-              </a:endParaRPr>
             </a:p>
           </p:txBody>
         </p:sp>
@@ -7819,8 +7057,8 @@
         </p:nvGrpSpPr>
         <p:grpSpPr>
           <a:xfrm>
-            <a:off x="18135053" y="8879202"/>
-            <a:ext cx="13768062" cy="5223519"/>
+            <a:off x="18189701" y="8879202"/>
+            <a:ext cx="13293196" cy="4873219"/>
             <a:chOff x="10380480" y="9259889"/>
             <a:chExt cx="11479014" cy="4355068"/>
           </a:xfrm>
@@ -7840,7 +7078,7 @@
             <p:nvPr/>
           </p:nvPicPr>
           <p:blipFill>
-            <a:blip r:embed="rId9">
+            <a:blip r:embed="rId11">
               <a:extLst>
                 <a:ext uri="{28A0092B-C50C-407E-A947-70E740481C1C}">
                   <a14:useLocalDpi xmlns:a14="http://schemas.microsoft.com/office/drawing/2010/main" val="0"/>
@@ -7886,7 +7124,7 @@
           <p:spPr>
             <a:xfrm>
               <a:off x="10380480" y="13005804"/>
-              <a:ext cx="6705351" cy="384910"/>
+              <a:ext cx="6705351" cy="412578"/>
             </a:xfrm>
             <a:prstGeom prst="rect">
               <a:avLst/>
@@ -7901,517 +7139,16 @@
             <a:p>
               <a:pPr algn="ctr"/>
               <a:r>
-                <a:rPr lang="fr-FR" sz="2400" dirty="0">
+                <a:rPr lang="en-US" sz="2400" dirty="0">
+                  <a:solidFill>
+                    <a:schemeClr val="tx1">
+                      <a:lumMod val="50000"/>
+                      <a:lumOff val="50000"/>
+                    </a:schemeClr>
+                  </a:solidFill>
                   <a:latin typeface="Gill Sans Nova" panose="020B0602020104020203" pitchFamily="34" charset="0"/>
                 </a:rPr>
-                <a:t>Figure 1: Scheme of </a:t>
-              </a:r>
-              <a:r>
-                <a:rPr lang="fr-FR" sz="2400" dirty="0" err="1">
-                  <a:latin typeface="Gill Sans Nova" panose="020B0602020104020203" pitchFamily="34" charset="0"/>
-                </a:rPr>
-                <a:t>our</a:t>
-              </a:r>
-              <a:r>
-                <a:rPr lang="fr-FR" sz="2400" dirty="0">
-                  <a:latin typeface="Gill Sans Nova" panose="020B0602020104020203" pitchFamily="34" charset="0"/>
-                </a:rPr>
-                <a:t> Kernel-</a:t>
-              </a:r>
-              <a:r>
-                <a:rPr lang="fr-FR" sz="2400" dirty="0" err="1">
-                  <a:latin typeface="Gill Sans Nova" panose="020B0602020104020203" pitchFamily="34" charset="0"/>
-                </a:rPr>
-                <a:t>Nulling</a:t>
-              </a:r>
-              <a:r>
-                <a:rPr lang="fr-FR" sz="2400" dirty="0">
-                  <a:latin typeface="Gill Sans Nova" panose="020B0602020104020203" pitchFamily="34" charset="0"/>
-                </a:rPr>
-                <a:t> architecture</a:t>
-              </a:r>
-            </a:p>
-          </p:txBody>
-        </p:sp>
-      </p:grpSp>
-      <p:grpSp>
-        <p:nvGrpSpPr>
-          <p:cNvPr id="20" name="Groupe 19">
-            <a:extLst>
-              <a:ext uri="{FF2B5EF4-FFF2-40B4-BE49-F238E27FC236}">
-                <a16:creationId xmlns:a16="http://schemas.microsoft.com/office/drawing/2014/main" id="{9B8521D6-7E05-CFB1-095C-180A71EC1CA6}"/>
-              </a:ext>
-            </a:extLst>
-          </p:cNvPr>
-          <p:cNvGrpSpPr/>
-          <p:nvPr/>
-        </p:nvGrpSpPr>
-        <p:grpSpPr>
-          <a:xfrm>
-            <a:off x="11616526" y="32961097"/>
-            <a:ext cx="9006921" cy="3580634"/>
-            <a:chOff x="11862888" y="18669766"/>
-            <a:chExt cx="14079915" cy="5597365"/>
-          </a:xfrm>
-        </p:grpSpPr>
-        <p:pic>
-          <p:nvPicPr>
-            <p:cNvPr id="17" name="Image 16">
-              <a:extLst>
-                <a:ext uri="{FF2B5EF4-FFF2-40B4-BE49-F238E27FC236}">
-                  <a16:creationId xmlns:a16="http://schemas.microsoft.com/office/drawing/2014/main" id="{29AB539B-D1D0-15B4-2D8F-B4D1AC56A684}"/>
-                </a:ext>
-              </a:extLst>
-            </p:cNvPr>
-            <p:cNvPicPr>
-              <a:picLocks noChangeAspect="1"/>
-            </p:cNvPicPr>
-            <p:nvPr/>
-          </p:nvPicPr>
-          <p:blipFill>
-            <a:blip r:embed="rId10"/>
-            <a:stretch>
-              <a:fillRect/>
-            </a:stretch>
-          </p:blipFill>
-          <p:spPr>
-            <a:xfrm>
-              <a:off x="11862888" y="18669766"/>
-              <a:ext cx="14079915" cy="2800741"/>
-            </a:xfrm>
-            <a:prstGeom prst="rect">
-              <a:avLst/>
-            </a:prstGeom>
-            <a:ln>
-              <a:noFill/>
-            </a:ln>
-            <a:effectLst>
-              <a:outerShdw blurRad="292100" dist="139700" dir="2700000" algn="tl" rotWithShape="0">
-                <a:srgbClr val="333333">
-                  <a:alpha val="65000"/>
-                </a:srgbClr>
-              </a:outerShdw>
-            </a:effectLst>
-          </p:spPr>
-        </p:pic>
-        <p:pic>
-          <p:nvPicPr>
-            <p:cNvPr id="19" name="Image 18">
-              <a:extLst>
-                <a:ext uri="{FF2B5EF4-FFF2-40B4-BE49-F238E27FC236}">
-                  <a16:creationId xmlns:a16="http://schemas.microsoft.com/office/drawing/2014/main" id="{83B1411B-2709-32D9-4E95-255B62CB4BFC}"/>
-                </a:ext>
-              </a:extLst>
-            </p:cNvPr>
-            <p:cNvPicPr>
-              <a:picLocks noChangeAspect="1"/>
-            </p:cNvPicPr>
-            <p:nvPr/>
-          </p:nvPicPr>
-          <p:blipFill>
-            <a:blip r:embed="rId11"/>
-            <a:stretch>
-              <a:fillRect/>
-            </a:stretch>
-          </p:blipFill>
-          <p:spPr>
-            <a:xfrm>
-              <a:off x="11862888" y="21466390"/>
-              <a:ext cx="14079915" cy="2800741"/>
-            </a:xfrm>
-            <a:prstGeom prst="rect">
-              <a:avLst/>
-            </a:prstGeom>
-            <a:ln>
-              <a:noFill/>
-            </a:ln>
-            <a:effectLst>
-              <a:outerShdw blurRad="292100" dist="139700" dir="2700000" algn="tl" rotWithShape="0">
-                <a:srgbClr val="333333">
-                  <a:alpha val="65000"/>
-                </a:srgbClr>
-              </a:outerShdw>
-            </a:effectLst>
-          </p:spPr>
-        </p:pic>
-      </p:grpSp>
-      <p:pic>
-        <p:nvPicPr>
-          <p:cNvPr id="24" name="Image 23">
-            <a:extLst>
-              <a:ext uri="{FF2B5EF4-FFF2-40B4-BE49-F238E27FC236}">
-                <a16:creationId xmlns:a16="http://schemas.microsoft.com/office/drawing/2014/main" id="{6536610B-CDCD-C67C-FD1C-2C58E435DDBD}"/>
-              </a:ext>
-            </a:extLst>
-          </p:cNvPr>
-          <p:cNvPicPr>
-            <a:picLocks noChangeAspect="1"/>
-          </p:cNvPicPr>
-          <p:nvPr/>
-        </p:nvPicPr>
-        <p:blipFill>
-          <a:blip r:embed="rId12"/>
-          <a:stretch>
-            <a:fillRect/>
-          </a:stretch>
-        </p:blipFill>
-        <p:spPr>
-          <a:xfrm>
-            <a:off x="22421329" y="26200046"/>
-            <a:ext cx="9006921" cy="3433295"/>
-          </a:xfrm>
-          <a:prstGeom prst="rect">
-            <a:avLst/>
-          </a:prstGeom>
-          <a:ln>
-            <a:noFill/>
-          </a:ln>
-          <a:effectLst>
-            <a:outerShdw blurRad="292100" dist="139700" dir="2700000" algn="tl" rotWithShape="0">
-              <a:srgbClr val="333333">
-                <a:alpha val="65000"/>
-              </a:srgbClr>
-            </a:outerShdw>
-          </a:effectLst>
-        </p:spPr>
-      </p:pic>
-      <p:pic>
-        <p:nvPicPr>
-          <p:cNvPr id="29" name="Image 28">
-            <a:extLst>
-              <a:ext uri="{FF2B5EF4-FFF2-40B4-BE49-F238E27FC236}">
-                <a16:creationId xmlns:a16="http://schemas.microsoft.com/office/drawing/2014/main" id="{FE6EF54D-90AB-1281-F909-4132B96AA9AB}"/>
-              </a:ext>
-            </a:extLst>
-          </p:cNvPr>
-          <p:cNvPicPr>
-            <a:picLocks noChangeAspect="1"/>
-          </p:cNvPicPr>
-          <p:nvPr/>
-        </p:nvPicPr>
-        <p:blipFill>
-          <a:blip r:embed="rId13"/>
-          <a:stretch>
-            <a:fillRect/>
-          </a:stretch>
-        </p:blipFill>
-        <p:spPr>
-          <a:xfrm>
-            <a:off x="22421328" y="18349634"/>
-            <a:ext cx="9006921" cy="2997373"/>
-          </a:xfrm>
-          <a:prstGeom prst="rect">
-            <a:avLst/>
-          </a:prstGeom>
-          <a:ln>
-            <a:noFill/>
-          </a:ln>
-          <a:effectLst>
-            <a:outerShdw blurRad="292100" dist="139700" dir="2700000" algn="tl" rotWithShape="0">
-              <a:srgbClr val="333333">
-                <a:alpha val="65000"/>
-              </a:srgbClr>
-            </a:outerShdw>
-          </a:effectLst>
-        </p:spPr>
-      </p:pic>
-      <p:grpSp>
-        <p:nvGrpSpPr>
-          <p:cNvPr id="18" name="Groupe 17">
-            <a:extLst>
-              <a:ext uri="{FF2B5EF4-FFF2-40B4-BE49-F238E27FC236}">
-                <a16:creationId xmlns:a16="http://schemas.microsoft.com/office/drawing/2014/main" id="{3A1629CC-D1E4-C4EE-8B0D-89779034CBA3}"/>
-              </a:ext>
-            </a:extLst>
-          </p:cNvPr>
-          <p:cNvGrpSpPr/>
-          <p:nvPr/>
-        </p:nvGrpSpPr>
-        <p:grpSpPr>
-          <a:xfrm>
-            <a:off x="803046" y="26863386"/>
-            <a:ext cx="9342903" cy="2865528"/>
-            <a:chOff x="802281" y="26767813"/>
-            <a:chExt cx="9342903" cy="2865528"/>
-          </a:xfrm>
-        </p:grpSpPr>
-        <p:pic>
-          <p:nvPicPr>
-            <p:cNvPr id="36" name="Image 35">
-              <a:extLst>
-                <a:ext uri="{FF2B5EF4-FFF2-40B4-BE49-F238E27FC236}">
-                  <a16:creationId xmlns:a16="http://schemas.microsoft.com/office/drawing/2014/main" id="{FAB18140-E76F-CB70-4A97-2CE39ED49838}"/>
-                </a:ext>
-              </a:extLst>
-            </p:cNvPr>
-            <p:cNvPicPr>
-              <a:picLocks noChangeAspect="1"/>
-            </p:cNvPicPr>
-            <p:nvPr/>
-          </p:nvPicPr>
-          <p:blipFill>
-            <a:blip r:embed="rId14"/>
-            <a:stretch>
-              <a:fillRect/>
-            </a:stretch>
-          </p:blipFill>
-          <p:spPr>
-            <a:xfrm>
-              <a:off x="802281" y="26775442"/>
-              <a:ext cx="3286584" cy="2857899"/>
-            </a:xfrm>
-            <a:prstGeom prst="rect">
-              <a:avLst/>
-            </a:prstGeom>
-            <a:ln>
-              <a:noFill/>
-            </a:ln>
-            <a:effectLst>
-              <a:outerShdw blurRad="292100" dist="139700" dir="2700000" algn="tl" rotWithShape="0">
-                <a:srgbClr val="333333">
-                  <a:alpha val="65000"/>
-                </a:srgbClr>
-              </a:outerShdw>
-            </a:effectLst>
-          </p:spPr>
-        </p:pic>
-        <p:sp>
-          <p:nvSpPr>
-            <p:cNvPr id="16" name="ZoneTexte 15">
-              <a:extLst>
-                <a:ext uri="{FF2B5EF4-FFF2-40B4-BE49-F238E27FC236}">
-                  <a16:creationId xmlns:a16="http://schemas.microsoft.com/office/drawing/2014/main" id="{177D92A3-40EA-A14A-B88C-91068631BB28}"/>
-                </a:ext>
-              </a:extLst>
-            </p:cNvPr>
-            <p:cNvSpPr txBox="1"/>
-            <p:nvPr/>
-          </p:nvSpPr>
-          <p:spPr>
-            <a:xfrm>
-              <a:off x="4293636" y="26767813"/>
-              <a:ext cx="5851548" cy="2677656"/>
-            </a:xfrm>
-            <a:prstGeom prst="rect">
-              <a:avLst/>
-            </a:prstGeom>
-            <a:noFill/>
-          </p:spPr>
-          <p:txBody>
-            <a:bodyPr wrap="square" rtlCol="0">
-              <a:spAutoFit/>
-            </a:bodyPr>
-            <a:lstStyle/>
-            <a:p>
-              <a:r>
-                <a:rPr lang="fr-FR" sz="2400" dirty="0">
-                  <a:latin typeface="Gill Sans Nova" panose="020B0602020104020203" pitchFamily="34" charset="0"/>
-                </a:rPr>
-                <a:t>Figure 3: Transmission map of one of the Kernels </a:t>
-              </a:r>
-              <a:r>
-                <a:rPr lang="fr-FR" sz="2400" dirty="0" err="1">
-                  <a:latin typeface="Gill Sans Nova" panose="020B0602020104020203" pitchFamily="34" charset="0"/>
-                </a:rPr>
-                <a:t>obtained</a:t>
-              </a:r>
-              <a:r>
-                <a:rPr lang="fr-FR" sz="2400" dirty="0">
-                  <a:latin typeface="Gill Sans Nova" panose="020B0602020104020203" pitchFamily="34" charset="0"/>
-                </a:rPr>
-                <a:t> </a:t>
-              </a:r>
-              <a:r>
-                <a:rPr lang="fr-FR" sz="2400" dirty="0" err="1">
-                  <a:latin typeface="Gill Sans Nova" panose="020B0602020104020203" pitchFamily="34" charset="0"/>
-                </a:rPr>
-                <a:t>using</a:t>
-              </a:r>
-              <a:r>
-                <a:rPr lang="fr-FR" sz="2400" dirty="0">
-                  <a:latin typeface="Gill Sans Nova" panose="020B0602020104020203" pitchFamily="34" charset="0"/>
-                </a:rPr>
-                <a:t> the 4 </a:t>
-              </a:r>
-              <a:r>
-                <a:rPr lang="fr-FR" sz="2400" dirty="0" err="1">
-                  <a:latin typeface="Gill Sans Nova" panose="020B0602020104020203" pitchFamily="34" charset="0"/>
-                </a:rPr>
-                <a:t>telescopes</a:t>
-              </a:r>
-              <a:r>
-                <a:rPr lang="fr-FR" sz="2400" dirty="0">
-                  <a:latin typeface="Gill Sans Nova" panose="020B0602020104020203" pitchFamily="34" charset="0"/>
-                </a:rPr>
-                <a:t> of the VLTI. The transmission zones and blind bands are </a:t>
-              </a:r>
-              <a:r>
-                <a:rPr lang="fr-FR" sz="2400" dirty="0" err="1">
-                  <a:latin typeface="Gill Sans Nova" panose="020B0602020104020203" pitchFamily="34" charset="0"/>
-                </a:rPr>
-                <a:t>directly</a:t>
-              </a:r>
-              <a:r>
-                <a:rPr lang="fr-FR" sz="2400" dirty="0">
-                  <a:latin typeface="Gill Sans Nova" panose="020B0602020104020203" pitchFamily="34" charset="0"/>
-                </a:rPr>
-                <a:t> </a:t>
-              </a:r>
-              <a:r>
-                <a:rPr lang="fr-FR" sz="2400" dirty="0" err="1">
-                  <a:latin typeface="Gill Sans Nova" panose="020B0602020104020203" pitchFamily="34" charset="0"/>
-                </a:rPr>
-                <a:t>derived</a:t>
-              </a:r>
-              <a:r>
-                <a:rPr lang="fr-FR" sz="2400" dirty="0">
-                  <a:latin typeface="Gill Sans Nova" panose="020B0602020104020203" pitchFamily="34" charset="0"/>
-                </a:rPr>
-                <a:t> </a:t>
-              </a:r>
-              <a:r>
-                <a:rPr lang="fr-FR" sz="2400" dirty="0" err="1">
-                  <a:latin typeface="Gill Sans Nova" panose="020B0602020104020203" pitchFamily="34" charset="0"/>
-                </a:rPr>
-                <a:t>from</a:t>
-              </a:r>
-              <a:r>
-                <a:rPr lang="fr-FR" sz="2400" dirty="0">
-                  <a:latin typeface="Gill Sans Nova" panose="020B0602020104020203" pitchFamily="34" charset="0"/>
-                </a:rPr>
-                <a:t> the UT position. By </a:t>
-              </a:r>
-              <a:r>
-                <a:rPr lang="fr-FR" sz="2400" dirty="0" err="1">
-                  <a:latin typeface="Gill Sans Nova" panose="020B0602020104020203" pitchFamily="34" charset="0"/>
-                </a:rPr>
-                <a:t>rotating</a:t>
-              </a:r>
-              <a:r>
-                <a:rPr lang="fr-FR" sz="2400" dirty="0">
-                  <a:latin typeface="Gill Sans Nova" panose="020B0602020104020203" pitchFamily="34" charset="0"/>
-                </a:rPr>
-                <a:t> the </a:t>
-              </a:r>
-              <a:r>
-                <a:rPr lang="fr-FR" sz="2400" dirty="0" err="1">
-                  <a:latin typeface="Gill Sans Nova" panose="020B0602020104020203" pitchFamily="34" charset="0"/>
-                </a:rPr>
-                <a:t>baseline</a:t>
-              </a:r>
-              <a:r>
-                <a:rPr lang="fr-FR" sz="2400" dirty="0">
-                  <a:latin typeface="Gill Sans Nova" panose="020B0602020104020203" pitchFamily="34" charset="0"/>
-                </a:rPr>
-                <a:t>, </a:t>
-              </a:r>
-              <a:r>
-                <a:rPr lang="fr-FR" sz="2400" dirty="0" err="1">
-                  <a:latin typeface="Gill Sans Nova" panose="020B0602020104020203" pitchFamily="34" charset="0"/>
-                </a:rPr>
-                <a:t>we</a:t>
-              </a:r>
-              <a:r>
-                <a:rPr lang="fr-FR" sz="2400" dirty="0">
-                  <a:latin typeface="Gill Sans Nova" panose="020B0602020104020203" pitchFamily="34" charset="0"/>
-                </a:rPr>
-                <a:t> can </a:t>
-              </a:r>
-              <a:r>
-                <a:rPr lang="fr-FR" sz="2400" dirty="0" err="1">
-                  <a:latin typeface="Gill Sans Nova" panose="020B0602020104020203" pitchFamily="34" charset="0"/>
-                </a:rPr>
-                <a:t>get</a:t>
-              </a:r>
-              <a:r>
-                <a:rPr lang="fr-FR" sz="2400" dirty="0">
-                  <a:latin typeface="Gill Sans Nova" panose="020B0602020104020203" pitchFamily="34" charset="0"/>
-                </a:rPr>
-                <a:t> a </a:t>
-              </a:r>
-              <a:r>
-                <a:rPr lang="fr-FR" sz="2400" dirty="0" err="1">
-                  <a:latin typeface="Gill Sans Nova" panose="020B0602020104020203" pitchFamily="34" charset="0"/>
-                </a:rPr>
-                <a:t>modulated</a:t>
-              </a:r>
-              <a:r>
-                <a:rPr lang="fr-FR" sz="2400" dirty="0">
-                  <a:latin typeface="Gill Sans Nova" panose="020B0602020104020203" pitchFamily="34" charset="0"/>
-                </a:rPr>
-                <a:t> signal </a:t>
-              </a:r>
-              <a:r>
-                <a:rPr lang="fr-FR" sz="2400" dirty="0" err="1">
-                  <a:latin typeface="Gill Sans Nova" panose="020B0602020104020203" pitchFamily="34" charset="0"/>
-                </a:rPr>
-                <a:t>from</a:t>
-              </a:r>
-              <a:r>
-                <a:rPr lang="fr-FR" sz="2400" dirty="0">
-                  <a:latin typeface="Gill Sans Nova" panose="020B0602020104020203" pitchFamily="34" charset="0"/>
-                </a:rPr>
-                <a:t> </a:t>
-              </a:r>
-              <a:r>
-                <a:rPr lang="fr-FR" sz="2400" dirty="0" err="1">
-                  <a:latin typeface="Gill Sans Nova" panose="020B0602020104020203" pitchFamily="34" charset="0"/>
-                </a:rPr>
-                <a:t>which</a:t>
-              </a:r>
-              <a:r>
-                <a:rPr lang="fr-FR" sz="2400" dirty="0">
-                  <a:latin typeface="Gill Sans Nova" panose="020B0602020104020203" pitchFamily="34" charset="0"/>
-                </a:rPr>
-                <a:t> </a:t>
-              </a:r>
-              <a:r>
-                <a:rPr lang="fr-FR" sz="2400" dirty="0" err="1">
-                  <a:latin typeface="Gill Sans Nova" panose="020B0602020104020203" pitchFamily="34" charset="0"/>
-                </a:rPr>
-                <a:t>we</a:t>
-              </a:r>
-              <a:r>
-                <a:rPr lang="fr-FR" sz="2400" dirty="0">
-                  <a:latin typeface="Gill Sans Nova" panose="020B0602020104020203" pitchFamily="34" charset="0"/>
-                </a:rPr>
-                <a:t> can </a:t>
-              </a:r>
-              <a:r>
-                <a:rPr lang="fr-FR" sz="2400" dirty="0" err="1">
-                  <a:latin typeface="Gill Sans Nova" panose="020B0602020104020203" pitchFamily="34" charset="0"/>
-                </a:rPr>
-                <a:t>precisely</a:t>
-              </a:r>
-              <a:r>
-                <a:rPr lang="fr-FR" sz="2400" dirty="0">
-                  <a:latin typeface="Gill Sans Nova" panose="020B0602020104020203" pitchFamily="34" charset="0"/>
-                </a:rPr>
-                <a:t> </a:t>
-              </a:r>
-              <a:r>
-                <a:rPr lang="fr-FR" sz="2400" dirty="0" err="1">
-                  <a:latin typeface="Gill Sans Nova" panose="020B0602020104020203" pitchFamily="34" charset="0"/>
-                </a:rPr>
-                <a:t>constrain</a:t>
-              </a:r>
-              <a:r>
-                <a:rPr lang="fr-FR" sz="2400" dirty="0">
-                  <a:latin typeface="Gill Sans Nova" panose="020B0602020104020203" pitchFamily="34" charset="0"/>
-                </a:rPr>
-                <a:t> the </a:t>
-              </a:r>
-              <a:r>
-                <a:rPr lang="fr-FR" sz="2400" dirty="0" err="1">
-                  <a:latin typeface="Gill Sans Nova" panose="020B0602020104020203" pitchFamily="34" charset="0"/>
-                </a:rPr>
-                <a:t>planet</a:t>
-              </a:r>
-              <a:r>
-                <a:rPr lang="fr-FR" sz="2400" dirty="0">
-                  <a:latin typeface="Gill Sans Nova" panose="020B0602020104020203" pitchFamily="34" charset="0"/>
-                </a:rPr>
-                <a:t> position.</a:t>
+                <a:t>Figure 1: Scheme of our Kernel-Nulling architecture</a:t>
               </a:r>
             </a:p>
           </p:txBody>
@@ -8432,7 +7169,7 @@
           <p:nvPr/>
         </p:nvPicPr>
         <p:blipFill>
-          <a:blip r:embed="rId15">
+          <a:blip r:embed="rId12">
             <a:extLst>
               <a:ext uri="{28A0092B-C50C-407E-A947-70E740481C1C}">
                 <a14:useLocalDpi xmlns:a14="http://schemas.microsoft.com/office/drawing/2010/main" val="0"/>
@@ -8467,6 +7204,1268 @@
           </a:effectLst>
         </p:spPr>
       </p:pic>
+      <p:grpSp>
+        <p:nvGrpSpPr>
+          <p:cNvPr id="46" name="Groupe 45">
+            <a:extLst>
+              <a:ext uri="{FF2B5EF4-FFF2-40B4-BE49-F238E27FC236}">
+                <a16:creationId xmlns:a16="http://schemas.microsoft.com/office/drawing/2014/main" id="{3A37F3EA-8B10-085D-B6EE-BB691AF04EEC}"/>
+              </a:ext>
+            </a:extLst>
+          </p:cNvPr>
+          <p:cNvGrpSpPr/>
+          <p:nvPr/>
+        </p:nvGrpSpPr>
+        <p:grpSpPr>
+          <a:xfrm>
+            <a:off x="760681" y="36042873"/>
+            <a:ext cx="8799820" cy="2347261"/>
+            <a:chOff x="11409070" y="17790873"/>
+            <a:chExt cx="8799820" cy="2347261"/>
+          </a:xfrm>
+        </p:grpSpPr>
+        <p:pic>
+          <p:nvPicPr>
+            <p:cNvPr id="39" name="Image 38">
+              <a:extLst>
+                <a:ext uri="{FF2B5EF4-FFF2-40B4-BE49-F238E27FC236}">
+                  <a16:creationId xmlns:a16="http://schemas.microsoft.com/office/drawing/2014/main" id="{C4F5F4E3-2E55-52CA-CF6B-65339E6ACCEE}"/>
+                </a:ext>
+              </a:extLst>
+            </p:cNvPr>
+            <p:cNvPicPr>
+              <a:picLocks noChangeAspect="1"/>
+            </p:cNvPicPr>
+            <p:nvPr/>
+          </p:nvPicPr>
+          <p:blipFill>
+            <a:blip r:embed="rId13"/>
+            <a:stretch>
+              <a:fillRect/>
+            </a:stretch>
+          </p:blipFill>
+          <p:spPr>
+            <a:xfrm>
+              <a:off x="17147059" y="17790873"/>
+              <a:ext cx="3061831" cy="2347261"/>
+            </a:xfrm>
+            <a:prstGeom prst="rect">
+              <a:avLst/>
+            </a:prstGeom>
+            <a:ln>
+              <a:noFill/>
+            </a:ln>
+            <a:effectLst>
+              <a:outerShdw blurRad="292100" dist="139700" dir="2700000" algn="tl" rotWithShape="0">
+                <a:srgbClr val="333333">
+                  <a:alpha val="65000"/>
+                </a:srgbClr>
+              </a:outerShdw>
+            </a:effectLst>
+          </p:spPr>
+        </p:pic>
+        <p:sp>
+          <p:nvSpPr>
+            <p:cNvPr id="40" name="ZoneTexte 39">
+              <a:extLst>
+                <a:ext uri="{FF2B5EF4-FFF2-40B4-BE49-F238E27FC236}">
+                  <a16:creationId xmlns:a16="http://schemas.microsoft.com/office/drawing/2014/main" id="{5253756E-A62C-972D-7D09-7B8C831A4EA0}"/>
+                </a:ext>
+              </a:extLst>
+            </p:cNvPr>
+            <p:cNvSpPr txBox="1"/>
+            <p:nvPr/>
+          </p:nvSpPr>
+          <p:spPr>
+            <a:xfrm>
+              <a:off x="11409070" y="18415891"/>
+              <a:ext cx="5640120" cy="1569660"/>
+            </a:xfrm>
+            <a:prstGeom prst="rect">
+              <a:avLst/>
+            </a:prstGeom>
+            <a:noFill/>
+          </p:spPr>
+          <p:txBody>
+            <a:bodyPr wrap="square" rtlCol="0">
+              <a:spAutoFit/>
+            </a:bodyPr>
+            <a:lstStyle/>
+            <a:p>
+              <a:r>
+                <a:rPr lang="en-US" sz="2400" dirty="0">
+                  <a:solidFill>
+                    <a:schemeClr val="tx1">
+                      <a:lumMod val="50000"/>
+                      <a:lumOff val="50000"/>
+                    </a:schemeClr>
+                  </a:solidFill>
+                  <a:latin typeface="Gill Sans Nova" panose="020B0602020104020203" pitchFamily="34" charset="0"/>
+                </a:rPr>
+                <a:t>Figure 5: Picture of the waffle that contain several prototype architectures of Kernel-</a:t>
+              </a:r>
+              <a:r>
+                <a:rPr lang="en-US" sz="2400" dirty="0" err="1">
+                  <a:solidFill>
+                    <a:schemeClr val="tx1">
+                      <a:lumMod val="50000"/>
+                      <a:lumOff val="50000"/>
+                    </a:schemeClr>
+                  </a:solidFill>
+                  <a:latin typeface="Gill Sans Nova" panose="020B0602020104020203" pitchFamily="34" charset="0"/>
+                </a:rPr>
+                <a:t>Nuller</a:t>
+              </a:r>
+              <a:r>
+                <a:rPr lang="en-US" sz="2400" dirty="0">
+                  <a:solidFill>
+                    <a:schemeClr val="tx1">
+                      <a:lumMod val="50000"/>
+                      <a:lumOff val="50000"/>
+                    </a:schemeClr>
+                  </a:solidFill>
+                  <a:latin typeface="Gill Sans Nova" panose="020B0602020104020203" pitchFamily="34" charset="0"/>
+                </a:rPr>
+                <a:t>. The overall component size is comparable to a 1 cent coin.</a:t>
+              </a:r>
+            </a:p>
+          </p:txBody>
+        </p:sp>
+      </p:grpSp>
+      <p:grpSp>
+        <p:nvGrpSpPr>
+          <p:cNvPr id="48" name="Groupe 47">
+            <a:extLst>
+              <a:ext uri="{FF2B5EF4-FFF2-40B4-BE49-F238E27FC236}">
+                <a16:creationId xmlns:a16="http://schemas.microsoft.com/office/drawing/2014/main" id="{559F1BEC-C987-002B-E77A-2DEE56BE4C83}"/>
+              </a:ext>
+            </a:extLst>
+          </p:cNvPr>
+          <p:cNvGrpSpPr/>
+          <p:nvPr/>
+        </p:nvGrpSpPr>
+        <p:grpSpPr>
+          <a:xfrm>
+            <a:off x="10953361" y="18007439"/>
+            <a:ext cx="10371392" cy="5114553"/>
+            <a:chOff x="11020445" y="24520076"/>
+            <a:chExt cx="10371392" cy="5114553"/>
+          </a:xfrm>
+        </p:grpSpPr>
+        <p:grpSp>
+          <p:nvGrpSpPr>
+            <p:cNvPr id="20" name="Groupe 19">
+              <a:extLst>
+                <a:ext uri="{FF2B5EF4-FFF2-40B4-BE49-F238E27FC236}">
+                  <a16:creationId xmlns:a16="http://schemas.microsoft.com/office/drawing/2014/main" id="{9B8521D6-7E05-CFB1-095C-180A71EC1CA6}"/>
+                </a:ext>
+              </a:extLst>
+            </p:cNvPr>
+            <p:cNvGrpSpPr/>
+            <p:nvPr/>
+          </p:nvGrpSpPr>
+          <p:grpSpPr>
+            <a:xfrm>
+              <a:off x="11020445" y="24520076"/>
+              <a:ext cx="10371392" cy="4123068"/>
+              <a:chOff x="11862888" y="18669767"/>
+              <a:chExt cx="14079915" cy="5597364"/>
+            </a:xfrm>
+          </p:grpSpPr>
+          <p:pic>
+            <p:nvPicPr>
+              <p:cNvPr id="17" name="Image 16">
+                <a:extLst>
+                  <a:ext uri="{FF2B5EF4-FFF2-40B4-BE49-F238E27FC236}">
+                    <a16:creationId xmlns:a16="http://schemas.microsoft.com/office/drawing/2014/main" id="{29AB539B-D1D0-15B4-2D8F-B4D1AC56A684}"/>
+                  </a:ext>
+                </a:extLst>
+              </p:cNvPr>
+              <p:cNvPicPr>
+                <a:picLocks noChangeAspect="1"/>
+              </p:cNvPicPr>
+              <p:nvPr/>
+            </p:nvPicPr>
+            <p:blipFill>
+              <a:blip r:embed="rId14"/>
+              <a:stretch>
+                <a:fillRect/>
+              </a:stretch>
+            </p:blipFill>
+            <p:spPr>
+              <a:xfrm>
+                <a:off x="11862888" y="18669767"/>
+                <a:ext cx="14079915" cy="2800741"/>
+              </a:xfrm>
+              <a:prstGeom prst="rect">
+                <a:avLst/>
+              </a:prstGeom>
+              <a:ln>
+                <a:noFill/>
+              </a:ln>
+              <a:effectLst>
+                <a:outerShdw blurRad="292100" dist="139700" dir="2700000" algn="tl" rotWithShape="0">
+                  <a:srgbClr val="333333">
+                    <a:alpha val="65000"/>
+                  </a:srgbClr>
+                </a:outerShdw>
+              </a:effectLst>
+            </p:spPr>
+          </p:pic>
+          <p:pic>
+            <p:nvPicPr>
+              <p:cNvPr id="19" name="Image 18">
+                <a:extLst>
+                  <a:ext uri="{FF2B5EF4-FFF2-40B4-BE49-F238E27FC236}">
+                    <a16:creationId xmlns:a16="http://schemas.microsoft.com/office/drawing/2014/main" id="{83B1411B-2709-32D9-4E95-255B62CB4BFC}"/>
+                  </a:ext>
+                </a:extLst>
+              </p:cNvPr>
+              <p:cNvPicPr>
+                <a:picLocks noChangeAspect="1"/>
+              </p:cNvPicPr>
+              <p:nvPr/>
+            </p:nvPicPr>
+            <p:blipFill>
+              <a:blip r:embed="rId15"/>
+              <a:stretch>
+                <a:fillRect/>
+              </a:stretch>
+            </p:blipFill>
+            <p:spPr>
+              <a:xfrm>
+                <a:off x="11862888" y="21466390"/>
+                <a:ext cx="14079915" cy="2800741"/>
+              </a:xfrm>
+              <a:prstGeom prst="rect">
+                <a:avLst/>
+              </a:prstGeom>
+              <a:ln>
+                <a:noFill/>
+              </a:ln>
+              <a:effectLst>
+                <a:outerShdw blurRad="292100" dist="139700" dir="2700000" algn="tl" rotWithShape="0">
+                  <a:srgbClr val="333333">
+                    <a:alpha val="65000"/>
+                  </a:srgbClr>
+                </a:outerShdw>
+              </a:effectLst>
+            </p:spPr>
+          </p:pic>
+        </p:grpSp>
+        <p:sp>
+          <p:nvSpPr>
+            <p:cNvPr id="47" name="ZoneTexte 46">
+              <a:extLst>
+                <a:ext uri="{FF2B5EF4-FFF2-40B4-BE49-F238E27FC236}">
+                  <a16:creationId xmlns:a16="http://schemas.microsoft.com/office/drawing/2014/main" id="{AEA17F11-2256-3A98-55DD-683B7732506A}"/>
+                </a:ext>
+              </a:extLst>
+            </p:cNvPr>
+            <p:cNvSpPr txBox="1"/>
+            <p:nvPr/>
+          </p:nvSpPr>
+          <p:spPr>
+            <a:xfrm>
+              <a:off x="11414206" y="28803632"/>
+              <a:ext cx="9656224" cy="830997"/>
+            </a:xfrm>
+            <a:prstGeom prst="rect">
+              <a:avLst/>
+            </a:prstGeom>
+            <a:noFill/>
+          </p:spPr>
+          <p:txBody>
+            <a:bodyPr wrap="square" rtlCol="0">
+              <a:spAutoFit/>
+            </a:bodyPr>
+            <a:lstStyle/>
+            <a:p>
+              <a:pPr algn="ctr"/>
+              <a:r>
+                <a:rPr lang="fr-FR" sz="2400" dirty="0">
+                  <a:solidFill>
+                    <a:schemeClr val="tx1">
+                      <a:lumMod val="50000"/>
+                      <a:lumOff val="50000"/>
+                    </a:schemeClr>
+                  </a:solidFill>
+                  <a:latin typeface="Gill Sans Nova" panose="020B0602020104020203" pitchFamily="34" charset="0"/>
+                </a:rPr>
+                <a:t>Figure 6: phase and amplitude of the 4 input </a:t>
+              </a:r>
+              <a:r>
+                <a:rPr lang="fr-FR" sz="2400" dirty="0" err="1">
+                  <a:solidFill>
+                    <a:schemeClr val="tx1">
+                      <a:lumMod val="50000"/>
+                      <a:lumOff val="50000"/>
+                    </a:schemeClr>
+                  </a:solidFill>
+                  <a:latin typeface="Gill Sans Nova" panose="020B0602020104020203" pitchFamily="34" charset="0"/>
+                </a:rPr>
+                <a:t>signals</a:t>
+              </a:r>
+              <a:r>
+                <a:rPr lang="fr-FR" sz="2400" dirty="0">
+                  <a:solidFill>
+                    <a:schemeClr val="tx1">
+                      <a:lumMod val="50000"/>
+                      <a:lumOff val="50000"/>
+                    </a:schemeClr>
+                  </a:solidFill>
+                  <a:latin typeface="Gill Sans Nova" panose="020B0602020104020203" pitchFamily="34" charset="0"/>
+                </a:rPr>
+                <a:t> </a:t>
+              </a:r>
+              <a:r>
+                <a:rPr lang="fr-FR" sz="2400" dirty="0" err="1">
+                  <a:solidFill>
+                    <a:schemeClr val="tx1">
+                      <a:lumMod val="50000"/>
+                      <a:lumOff val="50000"/>
+                    </a:schemeClr>
+                  </a:solidFill>
+                  <a:latin typeface="Gill Sans Nova" panose="020B0602020104020203" pitchFamily="34" charset="0"/>
+                </a:rPr>
+                <a:t>oon</a:t>
+              </a:r>
+              <a:r>
+                <a:rPr lang="fr-FR" sz="2400" dirty="0">
+                  <a:solidFill>
+                    <a:schemeClr val="tx1">
+                      <a:lumMod val="50000"/>
+                      <a:lumOff val="50000"/>
+                    </a:schemeClr>
+                  </a:solidFill>
+                  <a:latin typeface="Gill Sans Nova" panose="020B0602020104020203" pitchFamily="34" charset="0"/>
+                </a:rPr>
+                <a:t> the 6 </a:t>
+              </a:r>
+              <a:r>
+                <a:rPr lang="fr-FR" sz="2400" dirty="0" err="1">
+                  <a:solidFill>
+                    <a:schemeClr val="tx1">
+                      <a:lumMod val="50000"/>
+                      <a:lumOff val="50000"/>
+                    </a:schemeClr>
+                  </a:solidFill>
+                  <a:latin typeface="Gill Sans Nova" panose="020B0602020104020203" pitchFamily="34" charset="0"/>
+                </a:rPr>
+                <a:t>dark</a:t>
+              </a:r>
+              <a:r>
+                <a:rPr lang="fr-FR" sz="2400" dirty="0">
+                  <a:solidFill>
+                    <a:schemeClr val="tx1">
+                      <a:lumMod val="50000"/>
+                      <a:lumOff val="50000"/>
+                    </a:schemeClr>
+                  </a:solidFill>
+                  <a:latin typeface="Gill Sans Nova" panose="020B0602020104020203" pitchFamily="34" charset="0"/>
+                </a:rPr>
+                <a:t> outputs </a:t>
+              </a:r>
+              <a:r>
+                <a:rPr lang="fr-FR" sz="2400" dirty="0" err="1">
+                  <a:solidFill>
+                    <a:schemeClr val="tx1">
+                      <a:lumMod val="50000"/>
+                      <a:lumOff val="50000"/>
+                    </a:schemeClr>
+                  </a:solidFill>
+                  <a:latin typeface="Gill Sans Nova" panose="020B0602020104020203" pitchFamily="34" charset="0"/>
+                </a:rPr>
+                <a:t>before</a:t>
+              </a:r>
+              <a:r>
+                <a:rPr lang="fr-FR" sz="2400" dirty="0">
+                  <a:solidFill>
+                    <a:schemeClr val="tx1">
+                      <a:lumMod val="50000"/>
+                      <a:lumOff val="50000"/>
+                    </a:schemeClr>
+                  </a:solidFill>
+                  <a:latin typeface="Gill Sans Nova" panose="020B0602020104020203" pitchFamily="34" charset="0"/>
+                </a:rPr>
+                <a:t> and </a:t>
+              </a:r>
+              <a:r>
+                <a:rPr lang="fr-FR" sz="2400" dirty="0" err="1">
+                  <a:solidFill>
+                    <a:schemeClr val="tx1">
+                      <a:lumMod val="50000"/>
+                      <a:lumOff val="50000"/>
+                    </a:schemeClr>
+                  </a:solidFill>
+                  <a:latin typeface="Gill Sans Nova" panose="020B0602020104020203" pitchFamily="34" charset="0"/>
+                </a:rPr>
+                <a:t>after</a:t>
+              </a:r>
+              <a:r>
+                <a:rPr lang="fr-FR" sz="2400" dirty="0">
+                  <a:solidFill>
+                    <a:schemeClr val="tx1">
+                      <a:lumMod val="50000"/>
+                      <a:lumOff val="50000"/>
+                    </a:schemeClr>
+                  </a:solidFill>
+                  <a:latin typeface="Gill Sans Nova" panose="020B0602020104020203" pitchFamily="34" charset="0"/>
+                </a:rPr>
+                <a:t> the calibration process</a:t>
+              </a:r>
+            </a:p>
+          </p:txBody>
+        </p:sp>
+      </p:grpSp>
+      <p:sp>
+        <p:nvSpPr>
+          <p:cNvPr id="51" name="Rectangle : coins arrondis 50">
+            <a:extLst>
+              <a:ext uri="{FF2B5EF4-FFF2-40B4-BE49-F238E27FC236}">
+                <a16:creationId xmlns:a16="http://schemas.microsoft.com/office/drawing/2014/main" id="{DBD8EBAD-49AA-04E4-BAAC-F3A04C93B6F9}"/>
+              </a:ext>
+            </a:extLst>
+          </p:cNvPr>
+          <p:cNvSpPr>
+            <a:spLocks/>
+          </p:cNvSpPr>
+          <p:nvPr/>
+        </p:nvSpPr>
+        <p:spPr>
+          <a:xfrm>
+            <a:off x="21850377" y="22672306"/>
+            <a:ext cx="10064095" cy="7331992"/>
+          </a:xfrm>
+          <a:prstGeom prst="roundRect">
+            <a:avLst>
+              <a:gd name="adj" fmla="val 8076"/>
+            </a:avLst>
+          </a:prstGeom>
+          <a:solidFill>
+            <a:srgbClr val="E7E1D5"/>
+          </a:solidFill>
+          <a:ln>
+            <a:noFill/>
+          </a:ln>
+        </p:spPr>
+        <p:style>
+          <a:lnRef idx="2">
+            <a:schemeClr val="accent1">
+              <a:shade val="15000"/>
+            </a:schemeClr>
+          </a:lnRef>
+          <a:fillRef idx="1">
+            <a:schemeClr val="accent1"/>
+          </a:fillRef>
+          <a:effectRef idx="0">
+            <a:schemeClr val="accent1"/>
+          </a:effectRef>
+          <a:fontRef idx="minor">
+            <a:schemeClr val="lt1"/>
+          </a:fontRef>
+        </p:style>
+        <p:txBody>
+          <a:bodyPr rtlCol="0" anchor="t"/>
+          <a:lstStyle/>
+          <a:p>
+            <a:pPr marL="0" marR="0" lvl="0" indent="0" algn="ctr" defTabSz="457200" rtl="0" eaLnBrk="1" fontAlgn="auto" latinLnBrk="0" hangingPunct="1">
+              <a:lnSpc>
+                <a:spcPct val="100000"/>
+              </a:lnSpc>
+              <a:spcBef>
+                <a:spcPts val="0"/>
+              </a:spcBef>
+              <a:spcAft>
+                <a:spcPts val="0"/>
+              </a:spcAft>
+              <a:buClrTx/>
+              <a:buSzTx/>
+              <a:buFontTx/>
+              <a:buNone/>
+              <a:tabLst/>
+              <a:defRPr/>
+            </a:pPr>
+            <a:r>
+              <a:rPr kumimoji="0" lang="en-US" sz="4800" b="0" i="0" u="none" strike="noStrike" kern="1200" cap="none" spc="0" normalizeH="0" baseline="0" noProof="0" dirty="0">
+                <a:ln>
+                  <a:noFill/>
+                </a:ln>
+                <a:solidFill>
+                  <a:srgbClr val="37322F"/>
+                </a:solidFill>
+                <a:effectLst/>
+                <a:uLnTx/>
+                <a:uFillTx/>
+                <a:latin typeface="Congenial SemiBold" panose="02000503040000020004" pitchFamily="2" charset="0"/>
+                <a:cs typeface="Aharoni" panose="020F0502020204030204" pitchFamily="2" charset="-79"/>
+              </a:rPr>
+              <a:t>Image reconstruction 🖼️</a:t>
+            </a:r>
+          </a:p>
+          <a:p>
+            <a:pPr marR="0" lvl="0" algn="l" defTabSz="457200" rtl="0" eaLnBrk="1" fontAlgn="auto" latinLnBrk="0" hangingPunct="1">
+              <a:lnSpc>
+                <a:spcPct val="100000"/>
+              </a:lnSpc>
+              <a:spcBef>
+                <a:spcPts val="0"/>
+              </a:spcBef>
+              <a:spcAft>
+                <a:spcPts val="0"/>
+              </a:spcAft>
+              <a:buClrTx/>
+              <a:buSzTx/>
+              <a:tabLst/>
+              <a:defRPr/>
+            </a:pPr>
+            <a:r>
+              <a:rPr lang="en-US" sz="3200" dirty="0">
+                <a:solidFill>
+                  <a:srgbClr val="37322F"/>
+                </a:solidFill>
+                <a:latin typeface="Gill Sans Nova" panose="020B0602020104020203" pitchFamily="34" charset="0"/>
+              </a:rPr>
+              <a:t>By weighting the kernel map by the output intensity and integrating it over the parallactic angle, we can retrieve which part of the sky has potentially contributed to this output. By cumulating the 3 probable intensity distribution, it is then possible to constrain precisely which part of the sky contributed the most, and then reveal the object!</a:t>
+            </a:r>
+            <a:endParaRPr kumimoji="0" lang="en-US" sz="3200" b="0" i="0" u="none" strike="noStrike" kern="1200" cap="none" spc="0" normalizeH="0" baseline="0" noProof="0" dirty="0">
+              <a:ln>
+                <a:noFill/>
+              </a:ln>
+              <a:solidFill>
+                <a:srgbClr val="37322F"/>
+              </a:solidFill>
+              <a:effectLst/>
+              <a:uLnTx/>
+              <a:uFillTx/>
+              <a:latin typeface="Gill Sans Nova" panose="020B0602020104020203" pitchFamily="34" charset="0"/>
+              <a:ea typeface="+mn-ea"/>
+              <a:cs typeface="+mn-cs"/>
+            </a:endParaRPr>
+          </a:p>
+          <a:p>
+            <a:pPr algn="ctr"/>
+            <a:endParaRPr lang="en-US" dirty="0">
+              <a:solidFill>
+                <a:srgbClr val="37322F"/>
+              </a:solidFill>
+            </a:endParaRPr>
+          </a:p>
+        </p:txBody>
+      </p:sp>
+      <p:grpSp>
+        <p:nvGrpSpPr>
+          <p:cNvPr id="64" name="Groupe 63">
+            <a:extLst>
+              <a:ext uri="{FF2B5EF4-FFF2-40B4-BE49-F238E27FC236}">
+                <a16:creationId xmlns:a16="http://schemas.microsoft.com/office/drawing/2014/main" id="{0692569B-1883-3389-B803-9AE95A03EADA}"/>
+              </a:ext>
+            </a:extLst>
+          </p:cNvPr>
+          <p:cNvGrpSpPr/>
+          <p:nvPr/>
+        </p:nvGrpSpPr>
+        <p:grpSpPr>
+          <a:xfrm>
+            <a:off x="742157" y="21975104"/>
+            <a:ext cx="9361426" cy="2861558"/>
+            <a:chOff x="742157" y="21975104"/>
+            <a:chExt cx="9361426" cy="2861558"/>
+          </a:xfrm>
+        </p:grpSpPr>
+        <p:sp>
+          <p:nvSpPr>
+            <p:cNvPr id="16" name="ZoneTexte 15">
+              <a:extLst>
+                <a:ext uri="{FF2B5EF4-FFF2-40B4-BE49-F238E27FC236}">
+                  <a16:creationId xmlns:a16="http://schemas.microsoft.com/office/drawing/2014/main" id="{177D92A3-40EA-A14A-B88C-91068631BB28}"/>
+                </a:ext>
+              </a:extLst>
+            </p:cNvPr>
+            <p:cNvSpPr txBox="1"/>
+            <p:nvPr/>
+          </p:nvSpPr>
+          <p:spPr>
+            <a:xfrm>
+              <a:off x="4252035" y="21990222"/>
+              <a:ext cx="5851548" cy="2677656"/>
+            </a:xfrm>
+            <a:prstGeom prst="rect">
+              <a:avLst/>
+            </a:prstGeom>
+            <a:noFill/>
+          </p:spPr>
+          <p:txBody>
+            <a:bodyPr wrap="square" rtlCol="0">
+              <a:spAutoFit/>
+            </a:bodyPr>
+            <a:lstStyle/>
+            <a:p>
+              <a:r>
+                <a:rPr lang="en-US" sz="2400" dirty="0">
+                  <a:solidFill>
+                    <a:schemeClr val="tx1">
+                      <a:lumMod val="50000"/>
+                      <a:lumOff val="50000"/>
+                    </a:schemeClr>
+                  </a:solidFill>
+                  <a:latin typeface="Gill Sans Nova" panose="020B0602020104020203" pitchFamily="34" charset="0"/>
+                </a:rPr>
+                <a:t>Figure 3: Transmission map of one of the Kernels obtained using the 4 telescopes of the VLTI. The transmission zones and blind bands are directly derived from the UT position. By rotating the baseline, we can get a modulated signal from which we can precisely constrain the planet position.</a:t>
+              </a:r>
+            </a:p>
+          </p:txBody>
+        </p:sp>
+        <p:pic>
+          <p:nvPicPr>
+            <p:cNvPr id="63" name="Image 62">
+              <a:extLst>
+                <a:ext uri="{FF2B5EF4-FFF2-40B4-BE49-F238E27FC236}">
+                  <a16:creationId xmlns:a16="http://schemas.microsoft.com/office/drawing/2014/main" id="{2FBBFA93-784C-8AEB-A417-867B167A7873}"/>
+                </a:ext>
+              </a:extLst>
+            </p:cNvPr>
+            <p:cNvPicPr>
+              <a:picLocks noChangeAspect="1"/>
+            </p:cNvPicPr>
+            <p:nvPr/>
+          </p:nvPicPr>
+          <p:blipFill>
+            <a:blip r:embed="rId16"/>
+            <a:stretch>
+              <a:fillRect/>
+            </a:stretch>
+          </p:blipFill>
+          <p:spPr>
+            <a:xfrm>
+              <a:off x="742157" y="21975104"/>
+              <a:ext cx="3334543" cy="2861558"/>
+            </a:xfrm>
+            <a:prstGeom prst="rect">
+              <a:avLst/>
+            </a:prstGeom>
+            <a:ln>
+              <a:noFill/>
+            </a:ln>
+            <a:effectLst>
+              <a:outerShdw blurRad="292100" dist="139700" dir="2700000" algn="tl" rotWithShape="0">
+                <a:srgbClr val="333333">
+                  <a:alpha val="65000"/>
+                </a:srgbClr>
+              </a:outerShdw>
+            </a:effectLst>
+          </p:spPr>
+        </p:pic>
+      </p:grpSp>
+      <p:grpSp>
+        <p:nvGrpSpPr>
+          <p:cNvPr id="18" name="Group 17">
+            <a:extLst>
+              <a:ext uri="{FF2B5EF4-FFF2-40B4-BE49-F238E27FC236}">
+                <a16:creationId xmlns:a16="http://schemas.microsoft.com/office/drawing/2014/main" id="{4B40CB9F-60FC-8F79-E698-CEB50B9F6160}"/>
+              </a:ext>
+            </a:extLst>
+          </p:cNvPr>
+          <p:cNvGrpSpPr/>
+          <p:nvPr/>
+        </p:nvGrpSpPr>
+        <p:grpSpPr>
+          <a:xfrm>
+            <a:off x="10883149" y="26099322"/>
+            <a:ext cx="10320510" cy="4339261"/>
+            <a:chOff x="10971665" y="27299794"/>
+            <a:chExt cx="10320510" cy="4339261"/>
+          </a:xfrm>
+        </p:grpSpPr>
+        <p:pic>
+          <p:nvPicPr>
+            <p:cNvPr id="29" name="Image 28">
+              <a:extLst>
+                <a:ext uri="{FF2B5EF4-FFF2-40B4-BE49-F238E27FC236}">
+                  <a16:creationId xmlns:a16="http://schemas.microsoft.com/office/drawing/2014/main" id="{FE6EF54D-90AB-1281-F909-4132B96AA9AB}"/>
+                </a:ext>
+              </a:extLst>
+            </p:cNvPr>
+            <p:cNvPicPr>
+              <a:picLocks noChangeAspect="1"/>
+            </p:cNvPicPr>
+            <p:nvPr/>
+          </p:nvPicPr>
+          <p:blipFill>
+            <a:blip r:embed="rId17"/>
+            <a:stretch>
+              <a:fillRect/>
+            </a:stretch>
+          </p:blipFill>
+          <p:spPr>
+            <a:xfrm>
+              <a:off x="10971665" y="27299794"/>
+              <a:ext cx="10320510" cy="3434516"/>
+            </a:xfrm>
+            <a:prstGeom prst="rect">
+              <a:avLst/>
+            </a:prstGeom>
+            <a:ln>
+              <a:noFill/>
+            </a:ln>
+            <a:effectLst>
+              <a:outerShdw blurRad="292100" dist="139700" dir="2700000" algn="tl" rotWithShape="0">
+                <a:srgbClr val="333333">
+                  <a:alpha val="65000"/>
+                </a:srgbClr>
+              </a:outerShdw>
+            </a:effectLst>
+          </p:spPr>
+        </p:pic>
+        <p:sp>
+          <p:nvSpPr>
+            <p:cNvPr id="71" name="ZoneTexte 70">
+              <a:extLst>
+                <a:ext uri="{FF2B5EF4-FFF2-40B4-BE49-F238E27FC236}">
+                  <a16:creationId xmlns:a16="http://schemas.microsoft.com/office/drawing/2014/main" id="{C3A503C0-CB22-25C3-21F6-0D113AF458E0}"/>
+                </a:ext>
+              </a:extLst>
+            </p:cNvPr>
+            <p:cNvSpPr txBox="1"/>
+            <p:nvPr/>
+          </p:nvSpPr>
+          <p:spPr>
+            <a:xfrm>
+              <a:off x="11657932" y="30808058"/>
+              <a:ext cx="9089091" cy="830997"/>
+            </a:xfrm>
+            <a:prstGeom prst="rect">
+              <a:avLst/>
+            </a:prstGeom>
+            <a:noFill/>
+          </p:spPr>
+          <p:txBody>
+            <a:bodyPr wrap="square" rtlCol="0">
+              <a:spAutoFit/>
+            </a:bodyPr>
+            <a:lstStyle/>
+            <a:p>
+              <a:pPr algn="ctr"/>
+              <a:r>
+                <a:rPr lang="en-US" sz="2400" dirty="0">
+                  <a:solidFill>
+                    <a:schemeClr val="tx1">
+                      <a:lumMod val="50000"/>
+                      <a:lumOff val="50000"/>
+                    </a:schemeClr>
+                  </a:solidFill>
+                  <a:latin typeface="Gill Sans Nova" panose="020B0602020104020203" pitchFamily="34" charset="0"/>
+                </a:rPr>
+                <a:t>Figure 7: Intensity distribution obtained on a kernel output</a:t>
+              </a:r>
+            </a:p>
+            <a:p>
+              <a:pPr algn="ctr"/>
+              <a:r>
+                <a:rPr lang="en-US" sz="2400" dirty="0">
+                  <a:solidFill>
+                    <a:schemeClr val="tx1">
+                      <a:lumMod val="50000"/>
+                      <a:lumOff val="50000"/>
+                    </a:schemeClr>
+                  </a:solidFill>
+                  <a:latin typeface="Gill Sans Nova" panose="020B0602020104020203" pitchFamily="34" charset="0"/>
+                </a:rPr>
+                <a:t>(with an extremely bright planet to clearly show the distribution shift)</a:t>
+              </a:r>
+            </a:p>
+          </p:txBody>
+        </p:sp>
+      </p:grpSp>
+      <p:grpSp>
+        <p:nvGrpSpPr>
+          <p:cNvPr id="22" name="Group 21">
+            <a:extLst>
+              <a:ext uri="{FF2B5EF4-FFF2-40B4-BE49-F238E27FC236}">
+                <a16:creationId xmlns:a16="http://schemas.microsoft.com/office/drawing/2014/main" id="{5A391002-CD63-695B-B224-5A726FDD4CEB}"/>
+              </a:ext>
+            </a:extLst>
+          </p:cNvPr>
+          <p:cNvGrpSpPr/>
+          <p:nvPr/>
+        </p:nvGrpSpPr>
+        <p:grpSpPr>
+          <a:xfrm>
+            <a:off x="10849848" y="33583032"/>
+            <a:ext cx="10387112" cy="4825537"/>
+            <a:chOff x="10931760" y="33685290"/>
+            <a:chExt cx="10273697" cy="4772848"/>
+          </a:xfrm>
+        </p:grpSpPr>
+        <p:pic>
+          <p:nvPicPr>
+            <p:cNvPr id="24" name="Image 23">
+              <a:extLst>
+                <a:ext uri="{FF2B5EF4-FFF2-40B4-BE49-F238E27FC236}">
+                  <a16:creationId xmlns:a16="http://schemas.microsoft.com/office/drawing/2014/main" id="{6536610B-CDCD-C67C-FD1C-2C58E435DDBD}"/>
+                </a:ext>
+              </a:extLst>
+            </p:cNvPr>
+            <p:cNvPicPr>
+              <a:picLocks noChangeAspect="1"/>
+            </p:cNvPicPr>
+            <p:nvPr/>
+          </p:nvPicPr>
+          <p:blipFill>
+            <a:blip r:embed="rId18"/>
+            <a:stretch>
+              <a:fillRect/>
+            </a:stretch>
+          </p:blipFill>
+          <p:spPr>
+            <a:xfrm>
+              <a:off x="10931760" y="33685290"/>
+              <a:ext cx="10273697" cy="3916170"/>
+            </a:xfrm>
+            <a:prstGeom prst="rect">
+              <a:avLst/>
+            </a:prstGeom>
+            <a:ln>
+              <a:noFill/>
+            </a:ln>
+            <a:effectLst>
+              <a:outerShdw blurRad="292100" dist="139700" dir="2700000" algn="tl" rotWithShape="0">
+                <a:srgbClr val="333333">
+                  <a:alpha val="65000"/>
+                </a:srgbClr>
+              </a:outerShdw>
+            </a:effectLst>
+          </p:spPr>
+        </p:pic>
+        <p:sp>
+          <p:nvSpPr>
+            <p:cNvPr id="72" name="ZoneTexte 71">
+              <a:extLst>
+                <a:ext uri="{FF2B5EF4-FFF2-40B4-BE49-F238E27FC236}">
+                  <a16:creationId xmlns:a16="http://schemas.microsoft.com/office/drawing/2014/main" id="{4A088080-F367-9FE1-955D-8789B80EE539}"/>
+                </a:ext>
+              </a:extLst>
+            </p:cNvPr>
+            <p:cNvSpPr txBox="1"/>
+            <p:nvPr/>
+          </p:nvSpPr>
+          <p:spPr>
+            <a:xfrm>
+              <a:off x="12585175" y="37627141"/>
+              <a:ext cx="7227646" cy="830997"/>
+            </a:xfrm>
+            <a:prstGeom prst="rect">
+              <a:avLst/>
+            </a:prstGeom>
+            <a:noFill/>
+          </p:spPr>
+          <p:txBody>
+            <a:bodyPr wrap="square" rtlCol="0">
+              <a:spAutoFit/>
+            </a:bodyPr>
+            <a:lstStyle/>
+            <a:p>
+              <a:pPr algn="ctr"/>
+              <a:r>
+                <a:rPr lang="en-US" sz="2400" dirty="0">
+                  <a:solidFill>
+                    <a:schemeClr val="tx1">
+                      <a:lumMod val="50000"/>
+                      <a:lumOff val="50000"/>
+                    </a:schemeClr>
+                  </a:solidFill>
+                  <a:latin typeface="Gill Sans Nova" panose="020B0602020104020203" pitchFamily="34" charset="0"/>
+                </a:rPr>
+                <a:t>Figure 8: ROC test to estimate the confidence of detection regarding to the probability of false alarm.</a:t>
+              </a:r>
+            </a:p>
+          </p:txBody>
+        </p:sp>
+      </p:grpSp>
+      <p:grpSp>
+        <p:nvGrpSpPr>
+          <p:cNvPr id="53" name="Group 52">
+            <a:extLst>
+              <a:ext uri="{FF2B5EF4-FFF2-40B4-BE49-F238E27FC236}">
+                <a16:creationId xmlns:a16="http://schemas.microsoft.com/office/drawing/2014/main" id="{66536B18-E951-450D-D45E-9793A69916B6}"/>
+              </a:ext>
+            </a:extLst>
+          </p:cNvPr>
+          <p:cNvGrpSpPr/>
+          <p:nvPr/>
+        </p:nvGrpSpPr>
+        <p:grpSpPr>
+          <a:xfrm>
+            <a:off x="21861024" y="18414025"/>
+            <a:ext cx="9939301" cy="3782749"/>
+            <a:chOff x="21861024" y="18414025"/>
+            <a:chExt cx="9939301" cy="3782749"/>
+          </a:xfrm>
+        </p:grpSpPr>
+        <p:pic>
+          <p:nvPicPr>
+            <p:cNvPr id="61" name="Image 60">
+              <a:extLst>
+                <a:ext uri="{FF2B5EF4-FFF2-40B4-BE49-F238E27FC236}">
+                  <a16:creationId xmlns:a16="http://schemas.microsoft.com/office/drawing/2014/main" id="{AB7A9C85-5443-B7F0-FC73-233AC405CADB}"/>
+                </a:ext>
+              </a:extLst>
+            </p:cNvPr>
+            <p:cNvPicPr>
+              <a:picLocks noChangeAspect="1"/>
+            </p:cNvPicPr>
+            <p:nvPr/>
+          </p:nvPicPr>
+          <p:blipFill>
+            <a:blip r:embed="rId19"/>
+            <a:stretch>
+              <a:fillRect/>
+            </a:stretch>
+          </p:blipFill>
+          <p:spPr>
+            <a:xfrm>
+              <a:off x="21861024" y="18414025"/>
+              <a:ext cx="9939301" cy="3321084"/>
+            </a:xfrm>
+            <a:prstGeom prst="rect">
+              <a:avLst/>
+            </a:prstGeom>
+            <a:ln>
+              <a:noFill/>
+            </a:ln>
+            <a:effectLst>
+              <a:outerShdw blurRad="292100" dist="139700" dir="2700000" algn="tl" rotWithShape="0">
+                <a:srgbClr val="333333">
+                  <a:alpha val="65000"/>
+                </a:srgbClr>
+              </a:outerShdw>
+            </a:effectLst>
+          </p:spPr>
+        </p:pic>
+        <p:sp>
+          <p:nvSpPr>
+            <p:cNvPr id="73" name="ZoneTexte 72">
+              <a:extLst>
+                <a:ext uri="{FF2B5EF4-FFF2-40B4-BE49-F238E27FC236}">
+                  <a16:creationId xmlns:a16="http://schemas.microsoft.com/office/drawing/2014/main" id="{CA050D2A-B27E-1390-66EF-CF41E05A995E}"/>
+                </a:ext>
+              </a:extLst>
+            </p:cNvPr>
+            <p:cNvSpPr txBox="1"/>
+            <p:nvPr/>
+          </p:nvSpPr>
+          <p:spPr>
+            <a:xfrm>
+              <a:off x="22066456" y="21735109"/>
+              <a:ext cx="9656224" cy="461665"/>
+            </a:xfrm>
+            <a:prstGeom prst="rect">
+              <a:avLst/>
+            </a:prstGeom>
+            <a:noFill/>
+          </p:spPr>
+          <p:txBody>
+            <a:bodyPr wrap="square" rtlCol="0">
+              <a:spAutoFit/>
+            </a:bodyPr>
+            <a:lstStyle/>
+            <a:p>
+              <a:pPr algn="ctr"/>
+              <a:r>
+                <a:rPr lang="fr-FR" sz="2400" dirty="0">
+                  <a:solidFill>
+                    <a:schemeClr val="tx1">
+                      <a:lumMod val="50000"/>
+                      <a:lumOff val="50000"/>
+                    </a:schemeClr>
+                  </a:solidFill>
+                  <a:latin typeface="Gill Sans Nova" panose="020B0602020104020203" pitchFamily="34" charset="0"/>
+                </a:rPr>
+                <a:t>Figure 9: Kernel modulation &amp; </a:t>
+              </a:r>
+              <a:r>
+                <a:rPr lang="fr-FR" sz="2400" dirty="0" err="1">
+                  <a:solidFill>
+                    <a:schemeClr val="tx1">
+                      <a:lumMod val="50000"/>
+                      <a:lumOff val="50000"/>
+                    </a:schemeClr>
+                  </a:solidFill>
+                  <a:latin typeface="Gill Sans Nova" panose="020B0602020104020203" pitchFamily="34" charset="0"/>
+                </a:rPr>
+                <a:t>fiting</a:t>
+              </a:r>
+              <a:endParaRPr lang="fr-FR" sz="2400" dirty="0">
+                <a:solidFill>
+                  <a:schemeClr val="tx1">
+                    <a:lumMod val="50000"/>
+                    <a:lumOff val="50000"/>
+                  </a:schemeClr>
+                </a:solidFill>
+                <a:latin typeface="Gill Sans Nova" panose="020B0602020104020203" pitchFamily="34" charset="0"/>
+              </a:endParaRPr>
+            </a:p>
+          </p:txBody>
+        </p:sp>
+      </p:grpSp>
+      <p:grpSp>
+        <p:nvGrpSpPr>
+          <p:cNvPr id="52" name="Group 51">
+            <a:extLst>
+              <a:ext uri="{FF2B5EF4-FFF2-40B4-BE49-F238E27FC236}">
+                <a16:creationId xmlns:a16="http://schemas.microsoft.com/office/drawing/2014/main" id="{6717B82A-198B-BEDB-DD42-C21275A6E702}"/>
+              </a:ext>
+            </a:extLst>
+          </p:cNvPr>
+          <p:cNvGrpSpPr/>
+          <p:nvPr/>
+        </p:nvGrpSpPr>
+        <p:grpSpPr>
+          <a:xfrm>
+            <a:off x="21989602" y="26985729"/>
+            <a:ext cx="9810723" cy="2927869"/>
+            <a:chOff x="21989602" y="26985729"/>
+            <a:chExt cx="9810723" cy="2927869"/>
+          </a:xfrm>
+        </p:grpSpPr>
+        <p:pic>
+          <p:nvPicPr>
+            <p:cNvPr id="57" name="Image 56">
+              <a:extLst>
+                <a:ext uri="{FF2B5EF4-FFF2-40B4-BE49-F238E27FC236}">
+                  <a16:creationId xmlns:a16="http://schemas.microsoft.com/office/drawing/2014/main" id="{75D8666C-96AD-BDE1-7869-A360895D18C4}"/>
+                </a:ext>
+              </a:extLst>
+            </p:cNvPr>
+            <p:cNvPicPr>
+              <a:picLocks noChangeAspect="1"/>
+            </p:cNvPicPr>
+            <p:nvPr/>
+          </p:nvPicPr>
+          <p:blipFill>
+            <a:blip r:embed="rId20"/>
+            <a:stretch>
+              <a:fillRect/>
+            </a:stretch>
+          </p:blipFill>
+          <p:spPr>
+            <a:xfrm>
+              <a:off x="21989602" y="26985729"/>
+              <a:ext cx="9810723" cy="2102649"/>
+            </a:xfrm>
+            <a:prstGeom prst="rect">
+              <a:avLst/>
+            </a:prstGeom>
+            <a:ln>
+              <a:noFill/>
+            </a:ln>
+            <a:effectLst>
+              <a:outerShdw blurRad="292100" dist="139700" dir="2700000" algn="tl" rotWithShape="0">
+                <a:srgbClr val="333333">
+                  <a:alpha val="65000"/>
+                </a:srgbClr>
+              </a:outerShdw>
+            </a:effectLst>
+          </p:spPr>
+        </p:pic>
+        <p:sp>
+          <p:nvSpPr>
+            <p:cNvPr id="74" name="ZoneTexte 73">
+              <a:extLst>
+                <a:ext uri="{FF2B5EF4-FFF2-40B4-BE49-F238E27FC236}">
+                  <a16:creationId xmlns:a16="http://schemas.microsoft.com/office/drawing/2014/main" id="{F5AADA99-38A3-EF3C-D7BD-92492A6D7AE0}"/>
+                </a:ext>
+              </a:extLst>
+            </p:cNvPr>
+            <p:cNvSpPr txBox="1"/>
+            <p:nvPr/>
+          </p:nvSpPr>
+          <p:spPr>
+            <a:xfrm>
+              <a:off x="22825045" y="29082601"/>
+              <a:ext cx="8139045" cy="830997"/>
+            </a:xfrm>
+            <a:prstGeom prst="rect">
+              <a:avLst/>
+            </a:prstGeom>
+            <a:noFill/>
+          </p:spPr>
+          <p:txBody>
+            <a:bodyPr wrap="square" rtlCol="0">
+              <a:spAutoFit/>
+            </a:bodyPr>
+            <a:lstStyle/>
+            <a:p>
+              <a:pPr algn="ctr"/>
+              <a:r>
+                <a:rPr lang="en-US" sz="2400" dirty="0">
+                  <a:solidFill>
+                    <a:schemeClr val="tx1">
+                      <a:lumMod val="50000"/>
+                      <a:lumOff val="50000"/>
+                    </a:schemeClr>
+                  </a:solidFill>
+                  <a:latin typeface="Gill Sans Nova" panose="020B0602020104020203" pitchFamily="34" charset="0"/>
+                </a:rPr>
+                <a:t>Figure 10: Repartition of probable contributions and cumulation of these maps to get a sort of reconstructed image.</a:t>
+              </a:r>
+            </a:p>
+          </p:txBody>
+        </p:sp>
+      </p:grpSp>
+      <p:grpSp>
+        <p:nvGrpSpPr>
+          <p:cNvPr id="49" name="Group 48">
+            <a:extLst>
+              <a:ext uri="{FF2B5EF4-FFF2-40B4-BE49-F238E27FC236}">
+                <a16:creationId xmlns:a16="http://schemas.microsoft.com/office/drawing/2014/main" id="{4923B882-F5C7-7CEF-7605-6BCE6CCD04A7}"/>
+              </a:ext>
+            </a:extLst>
+          </p:cNvPr>
+          <p:cNvGrpSpPr/>
+          <p:nvPr/>
+        </p:nvGrpSpPr>
+        <p:grpSpPr>
+          <a:xfrm>
+            <a:off x="22280506" y="34420520"/>
+            <a:ext cx="9213643" cy="4210810"/>
+            <a:chOff x="22280506" y="34420520"/>
+            <a:chExt cx="9213643" cy="4210810"/>
+          </a:xfrm>
+        </p:grpSpPr>
+        <p:pic>
+          <p:nvPicPr>
+            <p:cNvPr id="70" name="Image 69">
+              <a:extLst>
+                <a:ext uri="{FF2B5EF4-FFF2-40B4-BE49-F238E27FC236}">
+                  <a16:creationId xmlns:a16="http://schemas.microsoft.com/office/drawing/2014/main" id="{AC866381-B4AF-15C8-AB88-0E6C81EC497E}"/>
+                </a:ext>
+              </a:extLst>
+            </p:cNvPr>
+            <p:cNvPicPr>
+              <a:picLocks noChangeAspect="1"/>
+            </p:cNvPicPr>
+            <p:nvPr/>
+          </p:nvPicPr>
+          <p:blipFill>
+            <a:blip r:embed="rId21"/>
+            <a:stretch>
+              <a:fillRect/>
+            </a:stretch>
+          </p:blipFill>
+          <p:spPr>
+            <a:xfrm>
+              <a:off x="22280506" y="34420520"/>
+              <a:ext cx="9213643" cy="3453280"/>
+            </a:xfrm>
+            <a:prstGeom prst="rect">
+              <a:avLst/>
+            </a:prstGeom>
+            <a:ln>
+              <a:noFill/>
+            </a:ln>
+            <a:effectLst>
+              <a:outerShdw blurRad="292100" dist="139700" dir="2700000" algn="tl" rotWithShape="0">
+                <a:srgbClr val="333333">
+                  <a:alpha val="65000"/>
+                </a:srgbClr>
+              </a:outerShdw>
+            </a:effectLst>
+          </p:spPr>
+        </p:pic>
+        <p:sp>
+          <p:nvSpPr>
+            <p:cNvPr id="75" name="ZoneTexte 74">
+              <a:extLst>
+                <a:ext uri="{FF2B5EF4-FFF2-40B4-BE49-F238E27FC236}">
+                  <a16:creationId xmlns:a16="http://schemas.microsoft.com/office/drawing/2014/main" id="{83662DF0-1056-3C82-26F6-C9783BF2522B}"/>
+                </a:ext>
+              </a:extLst>
+            </p:cNvPr>
+            <p:cNvSpPr txBox="1"/>
+            <p:nvPr/>
+          </p:nvSpPr>
+          <p:spPr>
+            <a:xfrm>
+              <a:off x="22812901" y="37800333"/>
+              <a:ext cx="8139045" cy="830997"/>
+            </a:xfrm>
+            <a:prstGeom prst="rect">
+              <a:avLst/>
+            </a:prstGeom>
+            <a:noFill/>
+          </p:spPr>
+          <p:txBody>
+            <a:bodyPr wrap="square" rtlCol="0">
+              <a:spAutoFit/>
+            </a:bodyPr>
+            <a:lstStyle/>
+            <a:p>
+              <a:pPr algn="ctr"/>
+              <a:r>
+                <a:rPr lang="fr-FR" sz="2400" dirty="0">
+                  <a:solidFill>
+                    <a:schemeClr val="tx1">
+                      <a:lumMod val="50000"/>
+                      <a:lumOff val="50000"/>
+                    </a:schemeClr>
+                  </a:solidFill>
+                  <a:latin typeface="Gill Sans Nova" panose="020B0602020104020203" pitchFamily="34" charset="0"/>
+                </a:rPr>
+                <a:t>Figure 11: Evolution of kernel distribution spread </a:t>
+              </a:r>
+              <a:r>
+                <a:rPr lang="fr-FR" sz="2400" dirty="0" err="1">
+                  <a:solidFill>
+                    <a:schemeClr val="tx1">
+                      <a:lumMod val="50000"/>
+                      <a:lumOff val="50000"/>
+                    </a:schemeClr>
+                  </a:solidFill>
+                  <a:latin typeface="Gill Sans Nova" panose="020B0602020104020203" pitchFamily="34" charset="0"/>
+                </a:rPr>
+                <a:t>according</a:t>
+              </a:r>
+              <a:r>
+                <a:rPr lang="fr-FR" sz="2400" dirty="0">
+                  <a:solidFill>
+                    <a:schemeClr val="tx1">
+                      <a:lumMod val="50000"/>
+                      <a:lumOff val="50000"/>
+                    </a:schemeClr>
+                  </a:solidFill>
+                  <a:latin typeface="Gill Sans Nova" panose="020B0602020104020203" pitchFamily="34" charset="0"/>
+                </a:rPr>
+                <a:t> to the input phase </a:t>
+              </a:r>
+              <a:r>
+                <a:rPr lang="fr-FR" sz="2400" dirty="0" err="1">
+                  <a:solidFill>
+                    <a:schemeClr val="tx1">
+                      <a:lumMod val="50000"/>
+                      <a:lumOff val="50000"/>
+                    </a:schemeClr>
+                  </a:solidFill>
+                  <a:latin typeface="Gill Sans Nova" panose="020B0602020104020203" pitchFamily="34" charset="0"/>
+                </a:rPr>
+                <a:t>aberations</a:t>
+              </a:r>
+              <a:r>
+                <a:rPr lang="fr-FR" sz="2400" dirty="0">
+                  <a:solidFill>
+                    <a:schemeClr val="tx1">
+                      <a:lumMod val="50000"/>
+                      <a:lumOff val="50000"/>
+                    </a:schemeClr>
+                  </a:solidFill>
+                  <a:latin typeface="Gill Sans Nova" panose="020B0602020104020203" pitchFamily="34" charset="0"/>
+                </a:rPr>
+                <a:t>.</a:t>
+              </a:r>
+            </a:p>
+          </p:txBody>
+        </p:sp>
+      </p:grpSp>
     </p:spTree>
     <p:extLst>
       <p:ext uri="{BB962C8B-B14F-4D97-AF65-F5344CB8AC3E}">

--- a/docs/Poster/Poster.pptx
+++ b/docs/Poster/Poster.pptx
@@ -243,7 +243,7 @@
           <a:p>
             <a:fld id="{70533FD3-F370-458C-BCE8-160857C0EEE2}" type="datetimeFigureOut">
               <a:rPr lang="fr-FR" smtClean="0"/>
-              <a:t>10/05/2024</a:t>
+              <a:t>13/05/2024</a:t>
             </a:fld>
             <a:endParaRPr lang="fr-FR"/>
           </a:p>
@@ -285,7 +285,7 @@
           <a:p>
             <a:fld id="{30D7D844-E7F4-4E2F-A407-23458DD25894}" type="slidenum">
               <a:rPr lang="fr-FR" smtClean="0"/>
-              <a:t>‹#›</a:t>
+              <a:t>‹N°›</a:t>
             </a:fld>
             <a:endParaRPr lang="fr-FR"/>
           </a:p>
@@ -413,7 +413,7 @@
           <a:p>
             <a:fld id="{70533FD3-F370-458C-BCE8-160857C0EEE2}" type="datetimeFigureOut">
               <a:rPr lang="fr-FR" smtClean="0"/>
-              <a:t>10/05/2024</a:t>
+              <a:t>13/05/2024</a:t>
             </a:fld>
             <a:endParaRPr lang="fr-FR"/>
           </a:p>
@@ -455,7 +455,7 @@
           <a:p>
             <a:fld id="{30D7D844-E7F4-4E2F-A407-23458DD25894}" type="slidenum">
               <a:rPr lang="fr-FR" smtClean="0"/>
-              <a:t>‹#›</a:t>
+              <a:t>‹N°›</a:t>
             </a:fld>
             <a:endParaRPr lang="fr-FR"/>
           </a:p>
@@ -593,7 +593,7 @@
           <a:p>
             <a:fld id="{70533FD3-F370-458C-BCE8-160857C0EEE2}" type="datetimeFigureOut">
               <a:rPr lang="fr-FR" smtClean="0"/>
-              <a:t>10/05/2024</a:t>
+              <a:t>13/05/2024</a:t>
             </a:fld>
             <a:endParaRPr lang="fr-FR"/>
           </a:p>
@@ -635,7 +635,7 @@
           <a:p>
             <a:fld id="{30D7D844-E7F4-4E2F-A407-23458DD25894}" type="slidenum">
               <a:rPr lang="fr-FR" smtClean="0"/>
-              <a:t>‹#›</a:t>
+              <a:t>‹N°›</a:t>
             </a:fld>
             <a:endParaRPr lang="fr-FR"/>
           </a:p>
@@ -763,7 +763,7 @@
           <a:p>
             <a:fld id="{70533FD3-F370-458C-BCE8-160857C0EEE2}" type="datetimeFigureOut">
               <a:rPr lang="fr-FR" smtClean="0"/>
-              <a:t>10/05/2024</a:t>
+              <a:t>13/05/2024</a:t>
             </a:fld>
             <a:endParaRPr lang="fr-FR"/>
           </a:p>
@@ -805,7 +805,7 @@
           <a:p>
             <a:fld id="{30D7D844-E7F4-4E2F-A407-23458DD25894}" type="slidenum">
               <a:rPr lang="fr-FR" smtClean="0"/>
-              <a:t>‹#›</a:t>
+              <a:t>‹N°›</a:t>
             </a:fld>
             <a:endParaRPr lang="fr-FR"/>
           </a:p>
@@ -1009,7 +1009,7 @@
           <a:p>
             <a:fld id="{70533FD3-F370-458C-BCE8-160857C0EEE2}" type="datetimeFigureOut">
               <a:rPr lang="fr-FR" smtClean="0"/>
-              <a:t>10/05/2024</a:t>
+              <a:t>13/05/2024</a:t>
             </a:fld>
             <a:endParaRPr lang="fr-FR"/>
           </a:p>
@@ -1051,7 +1051,7 @@
           <a:p>
             <a:fld id="{30D7D844-E7F4-4E2F-A407-23458DD25894}" type="slidenum">
               <a:rPr lang="fr-FR" smtClean="0"/>
-              <a:t>‹#›</a:t>
+              <a:t>‹N°›</a:t>
             </a:fld>
             <a:endParaRPr lang="fr-FR"/>
           </a:p>
@@ -1241,7 +1241,7 @@
           <a:p>
             <a:fld id="{70533FD3-F370-458C-BCE8-160857C0EEE2}" type="datetimeFigureOut">
               <a:rPr lang="fr-FR" smtClean="0"/>
-              <a:t>10/05/2024</a:t>
+              <a:t>13/05/2024</a:t>
             </a:fld>
             <a:endParaRPr lang="fr-FR"/>
           </a:p>
@@ -1283,7 +1283,7 @@
           <a:p>
             <a:fld id="{30D7D844-E7F4-4E2F-A407-23458DD25894}" type="slidenum">
               <a:rPr lang="fr-FR" smtClean="0"/>
-              <a:t>‹#›</a:t>
+              <a:t>‹N°›</a:t>
             </a:fld>
             <a:endParaRPr lang="fr-FR"/>
           </a:p>
@@ -1608,7 +1608,7 @@
           <a:p>
             <a:fld id="{70533FD3-F370-458C-BCE8-160857C0EEE2}" type="datetimeFigureOut">
               <a:rPr lang="fr-FR" smtClean="0"/>
-              <a:t>10/05/2024</a:t>
+              <a:t>13/05/2024</a:t>
             </a:fld>
             <a:endParaRPr lang="fr-FR"/>
           </a:p>
@@ -1650,7 +1650,7 @@
           <a:p>
             <a:fld id="{30D7D844-E7F4-4E2F-A407-23458DD25894}" type="slidenum">
               <a:rPr lang="fr-FR" smtClean="0"/>
-              <a:t>‹#›</a:t>
+              <a:t>‹N°›</a:t>
             </a:fld>
             <a:endParaRPr lang="fr-FR"/>
           </a:p>
@@ -1726,7 +1726,7 @@
           <a:p>
             <a:fld id="{70533FD3-F370-458C-BCE8-160857C0EEE2}" type="datetimeFigureOut">
               <a:rPr lang="fr-FR" smtClean="0"/>
-              <a:t>10/05/2024</a:t>
+              <a:t>13/05/2024</a:t>
             </a:fld>
             <a:endParaRPr lang="fr-FR"/>
           </a:p>
@@ -1768,7 +1768,7 @@
           <a:p>
             <a:fld id="{30D7D844-E7F4-4E2F-A407-23458DD25894}" type="slidenum">
               <a:rPr lang="fr-FR" smtClean="0"/>
-              <a:t>‹#›</a:t>
+              <a:t>‹N°›</a:t>
             </a:fld>
             <a:endParaRPr lang="fr-FR"/>
           </a:p>
@@ -1821,7 +1821,7 @@
           <a:p>
             <a:fld id="{70533FD3-F370-458C-BCE8-160857C0EEE2}" type="datetimeFigureOut">
               <a:rPr lang="fr-FR" smtClean="0"/>
-              <a:t>10/05/2024</a:t>
+              <a:t>13/05/2024</a:t>
             </a:fld>
             <a:endParaRPr lang="fr-FR"/>
           </a:p>
@@ -1863,7 +1863,7 @@
           <a:p>
             <a:fld id="{30D7D844-E7F4-4E2F-A407-23458DD25894}" type="slidenum">
               <a:rPr lang="fr-FR" smtClean="0"/>
-              <a:t>‹#›</a:t>
+              <a:t>‹N°›</a:t>
             </a:fld>
             <a:endParaRPr lang="fr-FR"/>
           </a:p>
@@ -2098,7 +2098,7 @@
           <a:p>
             <a:fld id="{70533FD3-F370-458C-BCE8-160857C0EEE2}" type="datetimeFigureOut">
               <a:rPr lang="fr-FR" smtClean="0"/>
-              <a:t>10/05/2024</a:t>
+              <a:t>13/05/2024</a:t>
             </a:fld>
             <a:endParaRPr lang="fr-FR"/>
           </a:p>
@@ -2140,7 +2140,7 @@
           <a:p>
             <a:fld id="{30D7D844-E7F4-4E2F-A407-23458DD25894}" type="slidenum">
               <a:rPr lang="fr-FR" smtClean="0"/>
-              <a:t>‹#›</a:t>
+              <a:t>‹N°›</a:t>
             </a:fld>
             <a:endParaRPr lang="fr-FR"/>
           </a:p>
@@ -2355,7 +2355,7 @@
           <a:p>
             <a:fld id="{70533FD3-F370-458C-BCE8-160857C0EEE2}" type="datetimeFigureOut">
               <a:rPr lang="fr-FR" smtClean="0"/>
-              <a:t>10/05/2024</a:t>
+              <a:t>13/05/2024</a:t>
             </a:fld>
             <a:endParaRPr lang="fr-FR"/>
           </a:p>
@@ -2397,7 +2397,7 @@
           <a:p>
             <a:fld id="{30D7D844-E7F4-4E2F-A407-23458DD25894}" type="slidenum">
               <a:rPr lang="fr-FR" smtClean="0"/>
-              <a:t>‹#›</a:t>
+              <a:t>‹N°›</a:t>
             </a:fld>
             <a:endParaRPr lang="fr-FR"/>
           </a:p>
@@ -2568,7 +2568,7 @@
           <a:p>
             <a:fld id="{70533FD3-F370-458C-BCE8-160857C0EEE2}" type="datetimeFigureOut">
               <a:rPr lang="fr-FR" smtClean="0"/>
-              <a:t>10/05/2024</a:t>
+              <a:t>13/05/2024</a:t>
             </a:fld>
             <a:endParaRPr lang="fr-FR"/>
           </a:p>
@@ -2646,7 +2646,7 @@
           <a:p>
             <a:fld id="{30D7D844-E7F4-4E2F-A407-23458DD25894}" type="slidenum">
               <a:rPr lang="fr-FR" smtClean="0"/>
-              <a:t>‹#›</a:t>
+              <a:t>‹N°›</a:t>
             </a:fld>
             <a:endParaRPr lang="fr-FR"/>
           </a:p>
@@ -3363,8 +3363,8 @@
             <a:chExt cx="31514388" cy="29425808"/>
           </a:xfrm>
         </p:grpSpPr>
-        <mc:AlternateContent xmlns:mc="http://schemas.openxmlformats.org/markup-compatibility/2006">
-          <mc:Choice xmlns:a14="http://schemas.microsoft.com/office/drawing/2010/main" Requires="a14">
+        <mc:AlternateContent xmlns:mc="http://schemas.openxmlformats.org/markup-compatibility/2006" xmlns:a14="http://schemas.microsoft.com/office/drawing/2010/main">
+          <mc:Choice Requires="a14">
             <p:sp>
               <p:nvSpPr>
                 <p:cNvPr id="5" name="Rectangle : coins arrondis 4">
@@ -3658,7 +3658,7 @@
               </p:txBody>
             </p:sp>
           </mc:Choice>
-          <mc:Fallback>
+          <mc:Fallback xmlns="">
             <p:sp>
               <p:nvSpPr>
                 <p:cNvPr id="5" name="Rectangle : coins arrondis 4">
@@ -3912,8 +3912,8 @@
                     </a:p>
                   </p:txBody>
                 </p:sp>
-                <mc:AlternateContent xmlns:mc="http://schemas.openxmlformats.org/markup-compatibility/2006">
-                  <mc:Choice xmlns:a14="http://schemas.microsoft.com/office/drawing/2010/main" Requires="a14">
+                <mc:AlternateContent xmlns:mc="http://schemas.openxmlformats.org/markup-compatibility/2006" xmlns:a14="http://schemas.microsoft.com/office/drawing/2010/main">
+                  <mc:Choice Requires="a14">
                     <p:sp>
                       <p:nvSpPr>
                         <p:cNvPr id="10" name="Rectangle : coins arrondis 9">
@@ -4482,7 +4482,7 @@
                       </p:txBody>
                     </p:sp>
                   </mc:Choice>
-                  <mc:Fallback>
+                  <mc:Fallback xmlns="">
                     <p:sp>
                       <p:nvSpPr>
                         <p:cNvPr id="10" name="Rectangle : coins arrondis 9">
@@ -5092,8 +5092,8 @@
                 </p:txBody>
               </p:sp>
             </p:grpSp>
-            <mc:AlternateContent xmlns:mc="http://schemas.openxmlformats.org/markup-compatibility/2006">
-              <mc:Choice xmlns:a14="http://schemas.microsoft.com/office/drawing/2010/main" Requires="a14">
+            <mc:AlternateContent xmlns:mc="http://schemas.openxmlformats.org/markup-compatibility/2006" xmlns:a14="http://schemas.microsoft.com/office/drawing/2010/main">
+              <mc:Choice Requires="a14">
                 <p:sp>
                   <p:nvSpPr>
                     <p:cNvPr id="31" name="Rectangle : coins arrondis 30">
@@ -5451,7 +5451,7 @@
                   </p:txBody>
                 </p:sp>
               </mc:Choice>
-              <mc:Fallback>
+              <mc:Fallback xmlns="">
                 <p:sp>
                   <p:nvSpPr>
                     <p:cNvPr id="31" name="Rectangle : coins arrondis 30">
@@ -5685,8 +5685,8 @@
           </p:nvSpPr>
           <p:spPr>
             <a:xfrm>
-              <a:off x="10506545" y="471947"/>
-              <a:ext cx="20229094" cy="6341808"/>
+              <a:off x="10901391" y="471947"/>
+              <a:ext cx="20581506" cy="6341808"/>
             </a:xfrm>
             <a:noFill/>
             <a:ln cap="rnd">
@@ -6830,16 +6830,6 @@
             <a:prstGeom prst="rect">
               <a:avLst/>
             </a:prstGeom>
-            <a:ln>
-              <a:noFill/>
-            </a:ln>
-            <a:effectLst>
-              <a:outerShdw blurRad="292100" dist="139700" dir="2700000" algn="tl" rotWithShape="0">
-                <a:srgbClr val="333333">
-                  <a:alpha val="65000"/>
-                </a:srgbClr>
-              </a:outerShdw>
-            </a:effectLst>
           </p:spPr>
         </p:pic>
         <p:sp>
@@ -6872,7 +6862,7 @@
             <a:p>
               <a:pPr algn="ctr"/>
               <a:r>
-                <a:rPr lang="fr-FR" sz="2400" dirty="0">
+                <a:rPr lang="en-US" sz="2400" dirty="0">
                   <a:solidFill>
                     <a:schemeClr val="tx1">
                       <a:lumMod val="50000"/>
@@ -6881,53 +6871,8 @@
                   </a:solidFill>
                   <a:latin typeface="Gill Sans Nova" panose="020B0602020104020203" pitchFamily="34" charset="0"/>
                 </a:rPr>
-                <a:t>Figure 2: Concept of </a:t>
+                <a:t>Figure 2: Concept of nulling interferometry</a:t>
               </a:r>
-              <a:r>
-                <a:rPr lang="fr-FR" sz="2400" dirty="0" err="1">
-                  <a:solidFill>
-                    <a:schemeClr val="tx1">
-                      <a:lumMod val="50000"/>
-                      <a:lumOff val="50000"/>
-                    </a:schemeClr>
-                  </a:solidFill>
-                  <a:latin typeface="Gill Sans Nova" panose="020B0602020104020203" pitchFamily="34" charset="0"/>
-                </a:rPr>
-                <a:t>nulling</a:t>
-              </a:r>
-              <a:r>
-                <a:rPr lang="fr-FR" sz="2400" dirty="0">
-                  <a:solidFill>
-                    <a:schemeClr val="tx1">
-                      <a:lumMod val="50000"/>
-                      <a:lumOff val="50000"/>
-                    </a:schemeClr>
-                  </a:solidFill>
-                  <a:latin typeface="Gill Sans Nova" panose="020B0602020104020203" pitchFamily="34" charset="0"/>
-                </a:rPr>
-                <a:t> </a:t>
-              </a:r>
-              <a:r>
-                <a:rPr lang="fr-FR" sz="2400" dirty="0" err="1">
-                  <a:solidFill>
-                    <a:schemeClr val="tx1">
-                      <a:lumMod val="50000"/>
-                      <a:lumOff val="50000"/>
-                    </a:schemeClr>
-                  </a:solidFill>
-                  <a:latin typeface="Gill Sans Nova" panose="020B0602020104020203" pitchFamily="34" charset="0"/>
-                </a:rPr>
-                <a:t>interferometry</a:t>
-              </a:r>
-              <a:endParaRPr lang="fr-FR" sz="2400" dirty="0">
-                <a:solidFill>
-                  <a:schemeClr val="tx1">
-                    <a:lumMod val="50000"/>
-                    <a:lumOff val="50000"/>
-                  </a:schemeClr>
-                </a:solidFill>
-                <a:latin typeface="Gill Sans Nova" panose="020B0602020104020203" pitchFamily="34" charset="0"/>
-              </a:endParaRPr>
             </a:p>
           </p:txBody>
         </p:sp>
@@ -6986,16 +6931,6 @@
             <a:prstGeom prst="rect">
               <a:avLst/>
             </a:prstGeom>
-            <a:ln>
-              <a:noFill/>
-            </a:ln>
-            <a:effectLst>
-              <a:outerShdw blurRad="292100" dist="139700" dir="2700000" algn="tl" rotWithShape="0">
-                <a:srgbClr val="333333">
-                  <a:alpha val="65000"/>
-                </a:srgbClr>
-              </a:outerShdw>
-            </a:effectLst>
           </p:spPr>
         </p:pic>
         <p:sp>
@@ -7097,16 +7032,6 @@
             <a:prstGeom prst="rect">
               <a:avLst/>
             </a:prstGeom>
-            <a:ln>
-              <a:noFill/>
-            </a:ln>
-            <a:effectLst>
-              <a:outerShdw blurRad="292100" dist="139700" dir="2700000" algn="tl" rotWithShape="0">
-                <a:srgbClr val="333333">
-                  <a:alpha val="65000"/>
-                </a:srgbClr>
-              </a:outerShdw>
-            </a:effectLst>
           </p:spPr>
         </p:pic>
         <p:sp>
@@ -7182,26 +7107,12 @@
         </p:blipFill>
         <p:spPr>
           <a:xfrm>
-            <a:off x="1504335" y="718076"/>
-            <a:ext cx="8482300" cy="5301437"/>
+            <a:off x="1323722" y="479073"/>
+            <a:ext cx="9316803" cy="5823002"/>
           </a:xfrm>
           <a:prstGeom prst="rect">
             <a:avLst/>
           </a:prstGeom>
-          <a:ln w="38100" cap="sq">
-            <a:solidFill>
-              <a:srgbClr val="000000"/>
-            </a:solidFill>
-            <a:prstDash val="solid"/>
-            <a:miter lim="800000"/>
-          </a:ln>
-          <a:effectLst>
-            <a:outerShdw blurRad="50800" dist="38100" dir="2700000" algn="tl" rotWithShape="0">
-              <a:srgbClr val="000000">
-                <a:alpha val="43000"/>
-              </a:srgbClr>
-            </a:outerShdw>
-          </a:effectLst>
         </p:spPr>
       </p:pic>
       <p:grpSp>
@@ -7252,16 +7163,6 @@
             <a:prstGeom prst="rect">
               <a:avLst/>
             </a:prstGeom>
-            <a:ln>
-              <a:noFill/>
-            </a:ln>
-            <a:effectLst>
-              <a:outerShdw blurRad="292100" dist="139700" dir="2700000" algn="tl" rotWithShape="0">
-                <a:srgbClr val="333333">
-                  <a:alpha val="65000"/>
-                </a:srgbClr>
-              </a:outerShdw>
-            </a:effectLst>
           </p:spPr>
         </p:pic>
         <p:sp>
@@ -7400,16 +7301,6 @@
               <a:prstGeom prst="rect">
                 <a:avLst/>
               </a:prstGeom>
-              <a:ln>
-                <a:noFill/>
-              </a:ln>
-              <a:effectLst>
-                <a:outerShdw blurRad="292100" dist="139700" dir="2700000" algn="tl" rotWithShape="0">
-                  <a:srgbClr val="333333">
-                    <a:alpha val="65000"/>
-                  </a:srgbClr>
-                </a:outerShdw>
-              </a:effectLst>
             </p:spPr>
           </p:pic>
           <p:pic>
@@ -7440,16 +7331,6 @@
               <a:prstGeom prst="rect">
                 <a:avLst/>
               </a:prstGeom>
-              <a:ln>
-                <a:noFill/>
-              </a:ln>
-              <a:effectLst>
-                <a:outerShdw blurRad="292100" dist="139700" dir="2700000" algn="tl" rotWithShape="0">
-                  <a:srgbClr val="333333">
-                    <a:alpha val="65000"/>
-                  </a:srgbClr>
-                </a:outerShdw>
-              </a:effectLst>
             </p:spPr>
           </p:pic>
         </p:grpSp>
@@ -7844,16 +7725,6 @@
             <a:prstGeom prst="rect">
               <a:avLst/>
             </a:prstGeom>
-            <a:ln>
-              <a:noFill/>
-            </a:ln>
-            <a:effectLst>
-              <a:outerShdw blurRad="292100" dist="139700" dir="2700000" algn="tl" rotWithShape="0">
-                <a:srgbClr val="333333">
-                  <a:alpha val="65000"/>
-                </a:srgbClr>
-              </a:outerShdw>
-            </a:effectLst>
           </p:spPr>
         </p:pic>
       </p:grpSp>
@@ -7905,16 +7776,6 @@
             <a:prstGeom prst="rect">
               <a:avLst/>
             </a:prstGeom>
-            <a:ln>
-              <a:noFill/>
-            </a:ln>
-            <a:effectLst>
-              <a:outerShdw blurRad="292100" dist="139700" dir="2700000" algn="tl" rotWithShape="0">
-                <a:srgbClr val="333333">
-                  <a:alpha val="65000"/>
-                </a:srgbClr>
-              </a:outerShdw>
-            </a:effectLst>
           </p:spPr>
         </p:pic>
         <p:sp>
@@ -8025,16 +7886,6 @@
             <a:prstGeom prst="rect">
               <a:avLst/>
             </a:prstGeom>
-            <a:ln>
-              <a:noFill/>
-            </a:ln>
-            <a:effectLst>
-              <a:outerShdw blurRad="292100" dist="139700" dir="2700000" algn="tl" rotWithShape="0">
-                <a:srgbClr val="333333">
-                  <a:alpha val="65000"/>
-                </a:srgbClr>
-              </a:outerShdw>
-            </a:effectLst>
           </p:spPr>
         </p:pic>
         <p:sp>
@@ -8130,16 +7981,6 @@
             <a:prstGeom prst="rect">
               <a:avLst/>
             </a:prstGeom>
-            <a:ln>
-              <a:noFill/>
-            </a:ln>
-            <a:effectLst>
-              <a:outerShdw blurRad="292100" dist="139700" dir="2700000" algn="tl" rotWithShape="0">
-                <a:srgbClr val="333333">
-                  <a:alpha val="65000"/>
-                </a:srgbClr>
-              </a:outerShdw>
-            </a:effectLst>
           </p:spPr>
         </p:pic>
         <p:sp>
@@ -8256,16 +8097,6 @@
             <a:prstGeom prst="rect">
               <a:avLst/>
             </a:prstGeom>
-            <a:ln>
-              <a:noFill/>
-            </a:ln>
-            <a:effectLst>
-              <a:outerShdw blurRad="292100" dist="139700" dir="2700000" algn="tl" rotWithShape="0">
-                <a:srgbClr val="333333">
-                  <a:alpha val="65000"/>
-                </a:srgbClr>
-              </a:outerShdw>
-            </a:effectLst>
           </p:spPr>
         </p:pic>
         <p:sp>
@@ -8361,16 +8192,6 @@
             <a:prstGeom prst="rect">
               <a:avLst/>
             </a:prstGeom>
-            <a:ln>
-              <a:noFill/>
-            </a:ln>
-            <a:effectLst>
-              <a:outerShdw blurRad="292100" dist="139700" dir="2700000" algn="tl" rotWithShape="0">
-                <a:srgbClr val="333333">
-                  <a:alpha val="65000"/>
-                </a:srgbClr>
-              </a:outerShdw>
-            </a:effectLst>
           </p:spPr>
         </p:pic>
         <p:sp>

--- a/docs/Poster/Poster.pptx
+++ b/docs/Poster/Poster.pptx
@@ -243,7 +243,7 @@
           <a:p>
             <a:fld id="{70533FD3-F370-458C-BCE8-160857C0EEE2}" type="datetimeFigureOut">
               <a:rPr lang="fr-FR" smtClean="0"/>
-              <a:t>13/05/2024</a:t>
+              <a:t>15/05/2024</a:t>
             </a:fld>
             <a:endParaRPr lang="fr-FR"/>
           </a:p>
@@ -285,7 +285,7 @@
           <a:p>
             <a:fld id="{30D7D844-E7F4-4E2F-A407-23458DD25894}" type="slidenum">
               <a:rPr lang="fr-FR" smtClean="0"/>
-              <a:t>‹N°›</a:t>
+              <a:t>‹#›</a:t>
             </a:fld>
             <a:endParaRPr lang="fr-FR"/>
           </a:p>
@@ -413,7 +413,7 @@
           <a:p>
             <a:fld id="{70533FD3-F370-458C-BCE8-160857C0EEE2}" type="datetimeFigureOut">
               <a:rPr lang="fr-FR" smtClean="0"/>
-              <a:t>13/05/2024</a:t>
+              <a:t>15/05/2024</a:t>
             </a:fld>
             <a:endParaRPr lang="fr-FR"/>
           </a:p>
@@ -455,7 +455,7 @@
           <a:p>
             <a:fld id="{30D7D844-E7F4-4E2F-A407-23458DD25894}" type="slidenum">
               <a:rPr lang="fr-FR" smtClean="0"/>
-              <a:t>‹N°›</a:t>
+              <a:t>‹#›</a:t>
             </a:fld>
             <a:endParaRPr lang="fr-FR"/>
           </a:p>
@@ -593,7 +593,7 @@
           <a:p>
             <a:fld id="{70533FD3-F370-458C-BCE8-160857C0EEE2}" type="datetimeFigureOut">
               <a:rPr lang="fr-FR" smtClean="0"/>
-              <a:t>13/05/2024</a:t>
+              <a:t>15/05/2024</a:t>
             </a:fld>
             <a:endParaRPr lang="fr-FR"/>
           </a:p>
@@ -635,7 +635,7 @@
           <a:p>
             <a:fld id="{30D7D844-E7F4-4E2F-A407-23458DD25894}" type="slidenum">
               <a:rPr lang="fr-FR" smtClean="0"/>
-              <a:t>‹N°›</a:t>
+              <a:t>‹#›</a:t>
             </a:fld>
             <a:endParaRPr lang="fr-FR"/>
           </a:p>
@@ -763,7 +763,7 @@
           <a:p>
             <a:fld id="{70533FD3-F370-458C-BCE8-160857C0EEE2}" type="datetimeFigureOut">
               <a:rPr lang="fr-FR" smtClean="0"/>
-              <a:t>13/05/2024</a:t>
+              <a:t>15/05/2024</a:t>
             </a:fld>
             <a:endParaRPr lang="fr-FR"/>
           </a:p>
@@ -805,7 +805,7 @@
           <a:p>
             <a:fld id="{30D7D844-E7F4-4E2F-A407-23458DD25894}" type="slidenum">
               <a:rPr lang="fr-FR" smtClean="0"/>
-              <a:t>‹N°›</a:t>
+              <a:t>‹#›</a:t>
             </a:fld>
             <a:endParaRPr lang="fr-FR"/>
           </a:p>
@@ -1009,7 +1009,7 @@
           <a:p>
             <a:fld id="{70533FD3-F370-458C-BCE8-160857C0EEE2}" type="datetimeFigureOut">
               <a:rPr lang="fr-FR" smtClean="0"/>
-              <a:t>13/05/2024</a:t>
+              <a:t>15/05/2024</a:t>
             </a:fld>
             <a:endParaRPr lang="fr-FR"/>
           </a:p>
@@ -1051,7 +1051,7 @@
           <a:p>
             <a:fld id="{30D7D844-E7F4-4E2F-A407-23458DD25894}" type="slidenum">
               <a:rPr lang="fr-FR" smtClean="0"/>
-              <a:t>‹N°›</a:t>
+              <a:t>‹#›</a:t>
             </a:fld>
             <a:endParaRPr lang="fr-FR"/>
           </a:p>
@@ -1241,7 +1241,7 @@
           <a:p>
             <a:fld id="{70533FD3-F370-458C-BCE8-160857C0EEE2}" type="datetimeFigureOut">
               <a:rPr lang="fr-FR" smtClean="0"/>
-              <a:t>13/05/2024</a:t>
+              <a:t>15/05/2024</a:t>
             </a:fld>
             <a:endParaRPr lang="fr-FR"/>
           </a:p>
@@ -1283,7 +1283,7 @@
           <a:p>
             <a:fld id="{30D7D844-E7F4-4E2F-A407-23458DD25894}" type="slidenum">
               <a:rPr lang="fr-FR" smtClean="0"/>
-              <a:t>‹N°›</a:t>
+              <a:t>‹#›</a:t>
             </a:fld>
             <a:endParaRPr lang="fr-FR"/>
           </a:p>
@@ -1608,7 +1608,7 @@
           <a:p>
             <a:fld id="{70533FD3-F370-458C-BCE8-160857C0EEE2}" type="datetimeFigureOut">
               <a:rPr lang="fr-FR" smtClean="0"/>
-              <a:t>13/05/2024</a:t>
+              <a:t>15/05/2024</a:t>
             </a:fld>
             <a:endParaRPr lang="fr-FR"/>
           </a:p>
@@ -1650,7 +1650,7 @@
           <a:p>
             <a:fld id="{30D7D844-E7F4-4E2F-A407-23458DD25894}" type="slidenum">
               <a:rPr lang="fr-FR" smtClean="0"/>
-              <a:t>‹N°›</a:t>
+              <a:t>‹#›</a:t>
             </a:fld>
             <a:endParaRPr lang="fr-FR"/>
           </a:p>
@@ -1726,7 +1726,7 @@
           <a:p>
             <a:fld id="{70533FD3-F370-458C-BCE8-160857C0EEE2}" type="datetimeFigureOut">
               <a:rPr lang="fr-FR" smtClean="0"/>
-              <a:t>13/05/2024</a:t>
+              <a:t>15/05/2024</a:t>
             </a:fld>
             <a:endParaRPr lang="fr-FR"/>
           </a:p>
@@ -1768,7 +1768,7 @@
           <a:p>
             <a:fld id="{30D7D844-E7F4-4E2F-A407-23458DD25894}" type="slidenum">
               <a:rPr lang="fr-FR" smtClean="0"/>
-              <a:t>‹N°›</a:t>
+              <a:t>‹#›</a:t>
             </a:fld>
             <a:endParaRPr lang="fr-FR"/>
           </a:p>
@@ -1821,7 +1821,7 @@
           <a:p>
             <a:fld id="{70533FD3-F370-458C-BCE8-160857C0EEE2}" type="datetimeFigureOut">
               <a:rPr lang="fr-FR" smtClean="0"/>
-              <a:t>13/05/2024</a:t>
+              <a:t>15/05/2024</a:t>
             </a:fld>
             <a:endParaRPr lang="fr-FR"/>
           </a:p>
@@ -1863,7 +1863,7 @@
           <a:p>
             <a:fld id="{30D7D844-E7F4-4E2F-A407-23458DD25894}" type="slidenum">
               <a:rPr lang="fr-FR" smtClean="0"/>
-              <a:t>‹N°›</a:t>
+              <a:t>‹#›</a:t>
             </a:fld>
             <a:endParaRPr lang="fr-FR"/>
           </a:p>
@@ -2098,7 +2098,7 @@
           <a:p>
             <a:fld id="{70533FD3-F370-458C-BCE8-160857C0EEE2}" type="datetimeFigureOut">
               <a:rPr lang="fr-FR" smtClean="0"/>
-              <a:t>13/05/2024</a:t>
+              <a:t>15/05/2024</a:t>
             </a:fld>
             <a:endParaRPr lang="fr-FR"/>
           </a:p>
@@ -2140,7 +2140,7 @@
           <a:p>
             <a:fld id="{30D7D844-E7F4-4E2F-A407-23458DD25894}" type="slidenum">
               <a:rPr lang="fr-FR" smtClean="0"/>
-              <a:t>‹N°›</a:t>
+              <a:t>‹#›</a:t>
             </a:fld>
             <a:endParaRPr lang="fr-FR"/>
           </a:p>
@@ -2355,7 +2355,7 @@
           <a:p>
             <a:fld id="{70533FD3-F370-458C-BCE8-160857C0EEE2}" type="datetimeFigureOut">
               <a:rPr lang="fr-FR" smtClean="0"/>
-              <a:t>13/05/2024</a:t>
+              <a:t>15/05/2024</a:t>
             </a:fld>
             <a:endParaRPr lang="fr-FR"/>
           </a:p>
@@ -2397,7 +2397,7 @@
           <a:p>
             <a:fld id="{30D7D844-E7F4-4E2F-A407-23458DD25894}" type="slidenum">
               <a:rPr lang="fr-FR" smtClean="0"/>
-              <a:t>‹N°›</a:t>
+              <a:t>‹#›</a:t>
             </a:fld>
             <a:endParaRPr lang="fr-FR"/>
           </a:p>
@@ -2568,7 +2568,7 @@
           <a:p>
             <a:fld id="{70533FD3-F370-458C-BCE8-160857C0EEE2}" type="datetimeFigureOut">
               <a:rPr lang="fr-FR" smtClean="0"/>
-              <a:t>13/05/2024</a:t>
+              <a:t>15/05/2024</a:t>
             </a:fld>
             <a:endParaRPr lang="fr-FR"/>
           </a:p>
@@ -2646,7 +2646,7 @@
           <a:p>
             <a:fld id="{30D7D844-E7F4-4E2F-A407-23458DD25894}" type="slidenum">
               <a:rPr lang="fr-FR" smtClean="0"/>
-              <a:t>‹N°›</a:t>
+              <a:t>‹#›</a:t>
             </a:fld>
             <a:endParaRPr lang="fr-FR"/>
           </a:p>
@@ -3363,8 +3363,8 @@
             <a:chExt cx="31514388" cy="29425808"/>
           </a:xfrm>
         </p:grpSpPr>
-        <mc:AlternateContent xmlns:mc="http://schemas.openxmlformats.org/markup-compatibility/2006" xmlns:a14="http://schemas.microsoft.com/office/drawing/2010/main">
-          <mc:Choice Requires="a14">
+        <mc:AlternateContent xmlns:mc="http://schemas.openxmlformats.org/markup-compatibility/2006">
+          <mc:Choice xmlns:a14="http://schemas.microsoft.com/office/drawing/2010/main" Requires="a14">
             <p:sp>
               <p:nvSpPr>
                 <p:cNvPr id="5" name="Rectangle : coins arrondis 4">
@@ -3487,16 +3487,16 @@
                       </a:solidFill>
                       <a:latin typeface="Gill Sans Nova" panose="020B0602020104020203" pitchFamily="34" charset="0"/>
                     </a:rPr>
-                    <a:t>Coming from telecom technologies, the thermo-optic phase shifters consist in heating a fiber core using an electrode in order to increase the optical index and then induce an artificial OPD. Thanks to the compactness of such systems, the heat </a:t>
+                    <a:t>Coming from telecom technologies, the thermo-optic phase shifters consist in heating a fiber core using an electrode to increase the optical index and then induce an artificial </a:t>
                   </a:r>
                   <a:r>
-                    <a:rPr lang="en-US" sz="3200" dirty="0" err="1">
+                    <a:rPr lang="en-US" sz="3200" b="1" dirty="0">
                       <a:solidFill>
                         <a:srgbClr val="37322F"/>
                       </a:solidFill>
                       <a:latin typeface="Gill Sans Nova" panose="020B0602020104020203" pitchFamily="34" charset="0"/>
                     </a:rPr>
-                    <a:t>transfert</a:t>
+                    <a:t>OPD</a:t>
                   </a:r>
                   <a:r>
                     <a:rPr lang="en-US" sz="3200" dirty="0">
@@ -3505,7 +3505,7 @@
                       </a:solidFill>
                       <a:latin typeface="Gill Sans Nova" panose="020B0602020104020203" pitchFamily="34" charset="0"/>
                     </a:rPr>
-                    <a:t> is fast enough to have response time of about </a:t>
+                    <a:t>. Thanks to the compactness of such systems, the heat transfer is fast enough to have response time of about </a:t>
                   </a:r>
                   <a14:m>
                     <m:oMath xmlns:m="http://schemas.openxmlformats.org/officeDocument/2006/math">
@@ -3658,7 +3658,7 @@
               </p:txBody>
             </p:sp>
           </mc:Choice>
-          <mc:Fallback xmlns="">
+          <mc:Fallback>
             <p:sp>
               <p:nvSpPr>
                 <p:cNvPr id="5" name="Rectangle : coins arrondis 4">
@@ -3686,7 +3686,7 @@
                 <a:blipFill>
                   <a:blip r:embed="rId2"/>
                   <a:stretch>
-                    <a:fillRect r="-121"/>
+                    <a:fillRect/>
                   </a:stretch>
                 </a:blipFill>
                 <a:ln>
@@ -3912,8 +3912,8 @@
                     </a:p>
                   </p:txBody>
                 </p:sp>
-                <mc:AlternateContent xmlns:mc="http://schemas.openxmlformats.org/markup-compatibility/2006" xmlns:a14="http://schemas.microsoft.com/office/drawing/2010/main">
-                  <mc:Choice Requires="a14">
+                <mc:AlternateContent xmlns:mc="http://schemas.openxmlformats.org/markup-compatibility/2006">
+                  <mc:Choice xmlns:a14="http://schemas.microsoft.com/office/drawing/2010/main" Requires="a14">
                     <p:sp>
                       <p:nvSpPr>
                         <p:cNvPr id="10" name="Rectangle : coins arrondis 9">
@@ -4482,7 +4482,7 @@
                       </p:txBody>
                     </p:sp>
                   </mc:Choice>
-                  <mc:Fallback xmlns="">
+                  <mc:Fallback>
                     <p:sp>
                       <p:nvSpPr>
                         <p:cNvPr id="10" name="Rectangle : coins arrondis 9">
@@ -4668,7 +4668,7 @@
                           </a:solidFill>
                           <a:latin typeface="Gill Sans Nova" panose="020B0602020104020203" pitchFamily="34" charset="0"/>
                         </a:rPr>
-                        <a:t>, the kernel distribution will shift according to a known modulation. For each kernel output, one fit this modulation to the data points, giving the position and contrast of the potential object. By averaging all these parameter and computing a global fit, we can compare if this last one is well correlated to each kernel modulation.</a:t>
+                        <a:t>, the kernel distribution will shift according to a known modulation. For each kernel output, one fit this modulation to the data points, giving the position and contrast of the potential object. By averaging all these parameter and computing a global fit, we can then see if this last one is well correlated to each kernel modulation.</a:t>
                       </a:r>
                       <a:endParaRPr lang="en-US" dirty="0">
                         <a:solidFill>
@@ -4800,9 +4800,19 @@
                         <a:latin typeface="Congenial SemiBold" panose="02000503040000020004" pitchFamily="2" charset="0"/>
                         <a:cs typeface="Aharoni" panose="020F0502020204030204" pitchFamily="2" charset="-79"/>
                       </a:rPr>
-                      <a:t>On the VLTI</a:t>
+                      <a:t>On the </a:t>
                     </a:r>
-                    <a:endParaRPr kumimoji="0" lang="en-US" sz="2000" b="0" i="0" u="sng" strike="noStrike" kern="1200" cap="none" spc="0" normalizeH="0" baseline="0" noProof="0" dirty="0">
+                    <a:r>
+                      <a:rPr lang="en-US" sz="3200" b="1" dirty="0">
+                        <a:solidFill>
+                          <a:srgbClr val="37322F"/>
+                        </a:solidFill>
+                        <a:latin typeface="Congenial SemiBold" panose="02000503040000020004" pitchFamily="2" charset="0"/>
+                        <a:cs typeface="Aharoni" panose="020F0502020204030204" pitchFamily="2" charset="-79"/>
+                      </a:rPr>
+                      <a:t>VLTI</a:t>
+                    </a:r>
+                    <a:endParaRPr kumimoji="0" lang="en-US" sz="2000" b="1" i="0" u="sng" strike="noStrike" kern="1200" cap="none" spc="0" normalizeH="0" baseline="0" noProof="0" dirty="0">
                       <a:ln>
                         <a:noFill/>
                       </a:ln>
@@ -4866,7 +4876,7 @@
                         </a:solidFill>
                         <a:latin typeface="Gill Sans Nova" panose="020B0602020104020203" pitchFamily="34" charset="0"/>
                       </a:rPr>
-                      <a:t>Enhance this principle by</a:t>
+                      <a:t>enhance this principle by</a:t>
                     </a:r>
                   </a:p>
                   <a:p>
@@ -4892,7 +4902,7 @@
                         </a:solidFill>
                         <a:latin typeface="Gill Sans Nova" panose="020B0602020104020203" pitchFamily="34" charset="0"/>
                       </a:rPr>
-                      <a:t>Introducing « Kernels »</a:t>
+                      <a:t>introducing « Kernels »</a:t>
                     </a:r>
                   </a:p>
                   <a:p>
@@ -4944,7 +4954,34 @@
                         </a:solidFill>
                         <a:latin typeface="Gill Sans Nova" panose="020B0602020104020203" pitchFamily="34" charset="0"/>
                       </a:rPr>
-                      <a:t>from 3 telescopes or more</a:t>
+                      <a:t>from 3 telescopes</a:t>
+                    </a:r>
+                    <a:r>
+                      <a:rPr lang="en-US" sz="3200" baseline="30000" dirty="0">
+                        <a:solidFill>
+                          <a:srgbClr val="37322F"/>
+                        </a:solidFill>
+                        <a:latin typeface="Gill Sans Nova" panose="020B0602020104020203" pitchFamily="34" charset="0"/>
+                      </a:rPr>
+                      <a:t> </a:t>
+                    </a:r>
+                    <a:r>
+                      <a:rPr lang="en-US" sz="3200" b="1" baseline="30000" dirty="0">
+                        <a:solidFill>
+                          <a:srgbClr val="37322F"/>
+                        </a:solidFill>
+                        <a:latin typeface="Gill Sans Nova" panose="020B0602020104020203" pitchFamily="34" charset="0"/>
+                      </a:rPr>
+                      <a:t>[1]</a:t>
+                    </a:r>
+                    <a:r>
+                      <a:rPr lang="en-US" sz="3200" dirty="0">
+                        <a:solidFill>
+                          <a:srgbClr val="37322F"/>
+                        </a:solidFill>
+                        <a:latin typeface="Gill Sans Nova" panose="020B0602020104020203" pitchFamily="34" charset="0"/>
+                      </a:rPr>
+                      <a:t> or</a:t>
                     </a:r>
                   </a:p>
                   <a:p>
@@ -4970,7 +5007,7 @@
                         </a:solidFill>
                         <a:latin typeface="Gill Sans Nova" panose="020B0602020104020203" pitchFamily="34" charset="0"/>
                       </a:rPr>
-                      <a:t>to be less sensitive to low</a:t>
+                      <a:t>more to be less sensitive to</a:t>
                     </a:r>
                   </a:p>
                   <a:p>
@@ -4996,7 +5033,7 @@
                         </a:solidFill>
                         <a:latin typeface="Gill Sans Nova" panose="020B0602020104020203" pitchFamily="34" charset="0"/>
                       </a:rPr>
-                      <a:t>order phase aberrations and</a:t>
+                      <a:t>low order phase aberrations</a:t>
                     </a:r>
                   </a:p>
                   <a:p>
@@ -5022,25 +5059,26 @@
                         </a:solidFill>
                         <a:latin typeface="Gill Sans Nova" panose="020B0602020104020203" pitchFamily="34" charset="0"/>
                       </a:rPr>
-                      <a:t>Asymmetries the output to </a:t>
+                      <a:t>and asymmetries</a:t>
                     </a:r>
-                  </a:p>
-                  <a:p>
-                    <a:pPr marR="0" lvl="0" defTabSz="457200" rtl="0" eaLnBrk="1" fontAlgn="auto" latinLnBrk="0" hangingPunct="1">
-                      <a:lnSpc>
-                        <a:spcPct val="100000"/>
-                      </a:lnSpc>
-                      <a:spcBef>
-                        <a:spcPts val="0"/>
-                      </a:spcBef>
-                      <a:spcAft>
-                        <a:spcPts val="0"/>
-                      </a:spcAft>
-                      <a:buClrTx/>
-                      <a:buSzTx/>
-                      <a:tabLst/>
-                      <a:defRPr/>
-                    </a:pPr>
+                    <a:r>
+                      <a:rPr lang="en-US" sz="3200" baseline="30000" dirty="0">
+                        <a:solidFill>
+                          <a:srgbClr val="37322F"/>
+                        </a:solidFill>
+                        <a:latin typeface="Gill Sans Nova" panose="020B0602020104020203" pitchFamily="34" charset="0"/>
+                      </a:rPr>
+                      <a:t> </a:t>
+                    </a:r>
+                    <a:r>
+                      <a:rPr lang="en-US" sz="3200" b="1" baseline="30000" dirty="0">
+                        <a:solidFill>
+                          <a:srgbClr val="37322F"/>
+                        </a:solidFill>
+                        <a:latin typeface="Gill Sans Nova" panose="020B0602020104020203" pitchFamily="34" charset="0"/>
+                      </a:rPr>
+                      <a:t>[2]</a:t>
+                    </a:r>
                     <a:r>
                       <a:rPr lang="en-US" sz="3200" dirty="0">
                         <a:solidFill>
@@ -5048,25 +5086,16 @@
                         </a:solidFill>
                         <a:latin typeface="Gill Sans Nova" panose="020B0602020104020203" pitchFamily="34" charset="0"/>
                       </a:rPr>
-                      <a:t>better constrain the planet</a:t>
+                      <a:t> the</a:t>
                     </a:r>
-                  </a:p>
-                  <a:p>
-                    <a:pPr marR="0" lvl="0" defTabSz="457200" rtl="0" eaLnBrk="1" fontAlgn="auto" latinLnBrk="0" hangingPunct="1">
-                      <a:lnSpc>
-                        <a:spcPct val="100000"/>
-                      </a:lnSpc>
-                      <a:spcBef>
-                        <a:spcPts val="0"/>
-                      </a:spcBef>
-                      <a:spcAft>
-                        <a:spcPts val="0"/>
-                      </a:spcAft>
-                      <a:buClrTx/>
-                      <a:buSzTx/>
-                      <a:tabLst/>
-                      <a:defRPr/>
-                    </a:pPr>
+                    <a:br>
+                      <a:rPr lang="en-US" sz="3200" dirty="0">
+                        <a:solidFill>
+                          <a:srgbClr val="37322F"/>
+                        </a:solidFill>
+                        <a:latin typeface="Gill Sans Nova" panose="020B0602020104020203" pitchFamily="34" charset="0"/>
+                      </a:rPr>
+                    </a:br>
                     <a:r>
                       <a:rPr lang="en-US" sz="3200" dirty="0">
                         <a:solidFill>
@@ -5074,7 +5103,24 @@
                         </a:solidFill>
                         <a:latin typeface="Gill Sans Nova" panose="020B0602020104020203" pitchFamily="34" charset="0"/>
                       </a:rPr>
-                      <a:t>position.</a:t>
+                      <a:t>output to better constrain</a:t>
+                    </a:r>
+                    <a:br>
+                      <a:rPr lang="en-US" sz="3200" dirty="0">
+                        <a:solidFill>
+                          <a:srgbClr val="37322F"/>
+                        </a:solidFill>
+                        <a:latin typeface="Gill Sans Nova" panose="020B0602020104020203" pitchFamily="34" charset="0"/>
+                      </a:rPr>
+                    </a:br>
+                    <a:r>
+                      <a:rPr lang="en-US" sz="3200" dirty="0">
+                        <a:solidFill>
+                          <a:srgbClr val="37322F"/>
+                        </a:solidFill>
+                        <a:latin typeface="Gill Sans Nova" panose="020B0602020104020203" pitchFamily="34" charset="0"/>
+                      </a:rPr>
+                      <a:t>the planet position.</a:t>
                     </a:r>
                     <a:endParaRPr kumimoji="0" lang="en-US" sz="3200" b="0" i="0" u="none" strike="noStrike" kern="1200" cap="none" spc="0" normalizeH="0" baseline="0" noProof="0" dirty="0">
                       <a:ln>
@@ -5092,8 +5138,8 @@
                 </p:txBody>
               </p:sp>
             </p:grpSp>
-            <mc:AlternateContent xmlns:mc="http://schemas.openxmlformats.org/markup-compatibility/2006" xmlns:a14="http://schemas.microsoft.com/office/drawing/2010/main">
-              <mc:Choice Requires="a14">
+            <mc:AlternateContent xmlns:mc="http://schemas.openxmlformats.org/markup-compatibility/2006">
+              <mc:Choice xmlns:a14="http://schemas.microsoft.com/office/drawing/2010/main" Requires="a14">
                 <p:sp>
                   <p:nvSpPr>
                     <p:cNvPr id="31" name="Rectangle : coins arrondis 30">
@@ -5316,7 +5362,24 @@
                           <a:ea typeface="+mn-ea"/>
                           <a:cs typeface="+mn-cs"/>
                         </a:rPr>
-                        <a:t> require an AO</a:t>
+                        <a:t> require an </a:t>
+                      </a:r>
+                      <a:r>
+                        <a:rPr kumimoji="0" lang="en-US" sz="3200" b="1" i="0" u="none" strike="noStrike" kern="1200" cap="none" spc="0" normalizeH="0" baseline="0" noProof="0" dirty="0">
+                          <a:ln>
+                            <a:noFill/>
+                          </a:ln>
+                          <a:solidFill>
+                            <a:srgbClr val="37322F"/>
+                          </a:solidFill>
+                          <a:effectLst/>
+                          <a:uLnTx/>
+                          <a:uFillTx/>
+                          <a:latin typeface="Gill Sans Nova" panose="020B0602020104020203" pitchFamily="34" charset="0"/>
+                          <a:ea typeface="+mn-ea"/>
+                          <a:cs typeface="+mn-cs"/>
+                        </a:rPr>
+                        <a:t>AO</a:t>
                       </a:r>
                       <a:r>
                         <a:rPr kumimoji="0" lang="en-US" sz="3200" b="0" i="0" u="none" strike="noStrike" kern="1200" cap="none" spc="0" normalizeH="0" noProof="0" dirty="0">
@@ -5333,7 +5396,7 @@
                           <a:ea typeface="+mn-ea"/>
                           <a:cs typeface="+mn-cs"/>
                         </a:rPr>
-                        <a:t> correction that bring phase aberration below </a:t>
+                        <a:t> correction that bring phase aberrations below </a:t>
                       </a:r>
                       <a14:m>
                         <m:oMath xmlns:m="http://schemas.openxmlformats.org/officeDocument/2006/math">
@@ -5405,6 +5468,40 @@
                           <a:ea typeface="+mn-ea"/>
                           <a:cs typeface="+mn-cs"/>
                         </a:rPr>
+                        <a:t> </a:t>
+                      </a:r>
+                      <a:r>
+                        <a:rPr kumimoji="0" lang="en-US" sz="3200" b="1" i="0" u="none" strike="noStrike" kern="1200" cap="none" spc="0" normalizeH="0" baseline="0" noProof="0" dirty="0">
+                          <a:ln>
+                            <a:noFill/>
+                          </a:ln>
+                          <a:solidFill>
+                            <a:srgbClr val="37322F"/>
+                          </a:solidFill>
+                          <a:effectLst/>
+                          <a:uLnTx/>
+                          <a:uFillTx/>
+                          <a:latin typeface="Gill Sans Nova" panose="020B0602020104020203" pitchFamily="34" charset="0"/>
+                          <a:ea typeface="+mn-ea"/>
+                          <a:cs typeface="+mn-cs"/>
+                        </a:rPr>
+                        <a:t>RMS</a:t>
+                      </a:r>
+                      <a:r>
+                        <a:rPr kumimoji="0" lang="en-US" sz="3200" b="0" i="0" u="none" strike="noStrike" kern="1200" cap="none" spc="0" normalizeH="0" baseline="0" noProof="0" dirty="0">
+                          <a:ln>
+                            <a:noFill/>
+                          </a:ln>
+                          <a:solidFill>
+                            <a:srgbClr val="37322F"/>
+                          </a:solidFill>
+                          <a:effectLst/>
+                          <a:uLnTx/>
+                          <a:uFillTx/>
+                          <a:latin typeface="Gill Sans Nova" panose="020B0602020104020203" pitchFamily="34" charset="0"/>
+                          <a:ea typeface="+mn-ea"/>
+                          <a:cs typeface="+mn-cs"/>
+                        </a:rPr>
                         <a:t>. </a:t>
                       </a:r>
                       <a:r>
@@ -5431,7 +5528,24 @@
                           <a:ea typeface="+mn-ea"/>
                           <a:cs typeface="+mn-cs"/>
                         </a:rPr>
-                        <a:t>wo of the main prospects will consist to make these simulations chromatic and confirm these results in a lab.</a:t>
+                        <a:t>wo of the main prospects will consist to make these simulations chromatic and confirm these results on </a:t>
+                      </a:r>
+                      <a:r>
+                        <a:rPr kumimoji="0" lang="en-US" sz="3200" b="0" i="0" u="none" strike="noStrike" kern="1200" cap="none" spc="0" normalizeH="0" noProof="0">
+                          <a:ln>
+                            <a:noFill/>
+                          </a:ln>
+                          <a:solidFill>
+                            <a:srgbClr val="37322F"/>
+                          </a:solidFill>
+                          <a:effectLst/>
+                          <a:uLnTx/>
+                          <a:uFillTx/>
+                          <a:latin typeface="Gill Sans Nova" panose="020B0602020104020203" pitchFamily="34" charset="0"/>
+                          <a:ea typeface="+mn-ea"/>
+                          <a:cs typeface="+mn-cs"/>
+                        </a:rPr>
+                        <a:t>a test bed.</a:t>
                       </a:r>
                       <a:endParaRPr kumimoji="0" lang="en-US" sz="3200" b="0" i="0" u="none" strike="noStrike" kern="1200" cap="none" spc="0" normalizeH="0" baseline="0" noProof="0" dirty="0">
                         <a:ln>
@@ -5451,7 +5565,7 @@
                   </p:txBody>
                 </p:sp>
               </mc:Choice>
-              <mc:Fallback xmlns="">
+              <mc:Fallback>
                 <p:sp>
                   <p:nvSpPr>
                     <p:cNvPr id="31" name="Rectangle : coins arrondis 30">
@@ -6165,619 +6279,6 @@
       </p:grpSp>
       <p:grpSp>
         <p:nvGrpSpPr>
-          <p:cNvPr id="33" name="Groupe 32">
-            <a:extLst>
-              <a:ext uri="{FF2B5EF4-FFF2-40B4-BE49-F238E27FC236}">
-                <a16:creationId xmlns:a16="http://schemas.microsoft.com/office/drawing/2014/main" id="{8F24D38F-CDFC-7E8D-4949-BD64235E6CE8}"/>
-              </a:ext>
-            </a:extLst>
-          </p:cNvPr>
-          <p:cNvGrpSpPr/>
-          <p:nvPr/>
-        </p:nvGrpSpPr>
-        <p:grpSpPr>
-          <a:xfrm>
-            <a:off x="442451" y="39131752"/>
-            <a:ext cx="31514386" cy="3596939"/>
-            <a:chOff x="442451" y="36388295"/>
-            <a:chExt cx="31355071" cy="6340397"/>
-          </a:xfrm>
-        </p:grpSpPr>
-        <p:sp>
-          <p:nvSpPr>
-            <p:cNvPr id="30" name="Rectangle : coins arrondis 29">
-              <a:extLst>
-                <a:ext uri="{FF2B5EF4-FFF2-40B4-BE49-F238E27FC236}">
-                  <a16:creationId xmlns:a16="http://schemas.microsoft.com/office/drawing/2014/main" id="{77411863-3506-4DE1-3C72-54B665E02689}"/>
-                </a:ext>
-              </a:extLst>
-            </p:cNvPr>
-            <p:cNvSpPr>
-              <a:spLocks/>
-            </p:cNvSpPr>
-            <p:nvPr/>
-          </p:nvSpPr>
-          <p:spPr>
-            <a:xfrm>
-              <a:off x="442451" y="36388296"/>
-              <a:ext cx="15535281" cy="6340396"/>
-            </a:xfrm>
-            <a:prstGeom prst="roundRect">
-              <a:avLst>
-                <a:gd name="adj" fmla="val 17810"/>
-              </a:avLst>
-            </a:prstGeom>
-            <a:solidFill>
-              <a:srgbClr val="E7E1D5"/>
-            </a:solidFill>
-            <a:ln>
-              <a:noFill/>
-            </a:ln>
-          </p:spPr>
-          <p:style>
-            <a:lnRef idx="2">
-              <a:schemeClr val="accent1">
-                <a:shade val="15000"/>
-              </a:schemeClr>
-            </a:lnRef>
-            <a:fillRef idx="1">
-              <a:schemeClr val="accent1"/>
-            </a:fillRef>
-            <a:effectRef idx="0">
-              <a:schemeClr val="accent1"/>
-            </a:effectRef>
-            <a:fontRef idx="minor">
-              <a:schemeClr val="lt1"/>
-            </a:fontRef>
-          </p:style>
-          <p:txBody>
-            <a:bodyPr rtlCol="0" anchor="t"/>
-            <a:lstStyle/>
-            <a:p>
-              <a:pPr marL="0" marR="0" lvl="0" indent="0" algn="ctr" defTabSz="457200" rtl="0" eaLnBrk="1" fontAlgn="auto" latinLnBrk="0" hangingPunct="1">
-                <a:lnSpc>
-                  <a:spcPct val="100000"/>
-                </a:lnSpc>
-                <a:spcBef>
-                  <a:spcPts val="0"/>
-                </a:spcBef>
-                <a:spcAft>
-                  <a:spcPts val="0"/>
-                </a:spcAft>
-                <a:buClrTx/>
-                <a:buSzTx/>
-                <a:buFontTx/>
-                <a:buNone/>
-                <a:tabLst/>
-                <a:defRPr/>
-              </a:pPr>
-              <a:r>
-                <a:rPr lang="en-US" sz="4800" dirty="0">
-                  <a:solidFill>
-                    <a:srgbClr val="37322F"/>
-                  </a:solidFill>
-                  <a:latin typeface="Congenial SemiBold" panose="02000503040000020004" pitchFamily="2" charset="0"/>
-                  <a:cs typeface="Aharoni" panose="020F0502020204030204" pitchFamily="2" charset="-79"/>
-                </a:rPr>
-                <a:t>References 📜</a:t>
-              </a:r>
-              <a:endParaRPr kumimoji="0" lang="en-US" sz="2000" b="0" i="0" u="sng" strike="noStrike" kern="1200" cap="none" spc="0" normalizeH="0" baseline="0" noProof="0" dirty="0">
-                <a:ln>
-                  <a:noFill/>
-                </a:ln>
-                <a:solidFill>
-                  <a:srgbClr val="37322F"/>
-                </a:solidFill>
-                <a:effectLst/>
-                <a:uLnTx/>
-                <a:uFillTx/>
-                <a:latin typeface="Gill Sans Nova" panose="020B0602020104020203" pitchFamily="34" charset="0"/>
-                <a:ea typeface="+mn-ea"/>
-                <a:cs typeface="Aharoni" panose="020F0502020204030204" pitchFamily="2" charset="-79"/>
-              </a:endParaRPr>
-            </a:p>
-            <a:p>
-              <a:pPr marL="0" marR="0" lvl="0" indent="0" algn="l" defTabSz="457200" rtl="0" eaLnBrk="1" fontAlgn="auto" latinLnBrk="0" hangingPunct="1">
-                <a:lnSpc>
-                  <a:spcPct val="100000"/>
-                </a:lnSpc>
-                <a:spcBef>
-                  <a:spcPts val="0"/>
-                </a:spcBef>
-                <a:spcAft>
-                  <a:spcPts val="0"/>
-                </a:spcAft>
-                <a:buClrTx/>
-                <a:buSzTx/>
-                <a:buFontTx/>
-                <a:buNone/>
-                <a:tabLst/>
-                <a:defRPr/>
-              </a:pPr>
-              <a:r>
-                <a:rPr kumimoji="0" lang="en-US" sz="3200" b="0" i="0" u="none" strike="noStrike" kern="1200" cap="none" spc="0" normalizeH="0" baseline="0" noProof="0" dirty="0">
-                  <a:ln>
-                    <a:noFill/>
-                  </a:ln>
-                  <a:solidFill>
-                    <a:srgbClr val="37322F"/>
-                  </a:solidFill>
-                  <a:effectLst/>
-                  <a:uLnTx/>
-                  <a:uFillTx/>
-                  <a:latin typeface="Gill Sans Nova" panose="020B0602020104020203" pitchFamily="34" charset="0"/>
-                  <a:ea typeface="+mn-ea"/>
-                  <a:cs typeface="+mn-cs"/>
-                </a:rPr>
-                <a:t>Ref1</a:t>
-              </a:r>
-            </a:p>
-            <a:p>
-              <a:pPr marL="0" marR="0" lvl="0" indent="0" algn="l" defTabSz="457200" rtl="0" eaLnBrk="1" fontAlgn="auto" latinLnBrk="0" hangingPunct="1">
-                <a:lnSpc>
-                  <a:spcPct val="100000"/>
-                </a:lnSpc>
-                <a:spcBef>
-                  <a:spcPts val="0"/>
-                </a:spcBef>
-                <a:spcAft>
-                  <a:spcPts val="0"/>
-                </a:spcAft>
-                <a:buClrTx/>
-                <a:buSzTx/>
-                <a:buFontTx/>
-                <a:buNone/>
-                <a:tabLst/>
-                <a:defRPr/>
-              </a:pPr>
-              <a:r>
-                <a:rPr lang="en-US" sz="3200" dirty="0">
-                  <a:solidFill>
-                    <a:srgbClr val="37322F"/>
-                  </a:solidFill>
-                  <a:latin typeface="Gill Sans Nova" panose="020B0602020104020203" pitchFamily="34" charset="0"/>
-                </a:rPr>
-                <a:t>Ref2</a:t>
-              </a:r>
-            </a:p>
-            <a:p>
-              <a:pPr marL="0" marR="0" lvl="0" indent="0" algn="l" defTabSz="457200" rtl="0" eaLnBrk="1" fontAlgn="auto" latinLnBrk="0" hangingPunct="1">
-                <a:lnSpc>
-                  <a:spcPct val="100000"/>
-                </a:lnSpc>
-                <a:spcBef>
-                  <a:spcPts val="0"/>
-                </a:spcBef>
-                <a:spcAft>
-                  <a:spcPts val="0"/>
-                </a:spcAft>
-                <a:buClrTx/>
-                <a:buSzTx/>
-                <a:buFontTx/>
-                <a:buNone/>
-                <a:tabLst/>
-                <a:defRPr/>
-              </a:pPr>
-              <a:r>
-                <a:rPr lang="en-US" sz="3200" dirty="0">
-                  <a:solidFill>
-                    <a:srgbClr val="37322F"/>
-                  </a:solidFill>
-                  <a:latin typeface="Gill Sans Nova" panose="020B0602020104020203" pitchFamily="34" charset="0"/>
-                </a:rPr>
-                <a:t>Ref3</a:t>
-              </a:r>
-            </a:p>
-            <a:p>
-              <a:pPr marL="0" marR="0" lvl="0" indent="0" algn="l" defTabSz="457200" rtl="0" eaLnBrk="1" fontAlgn="auto" latinLnBrk="0" hangingPunct="1">
-                <a:lnSpc>
-                  <a:spcPct val="100000"/>
-                </a:lnSpc>
-                <a:spcBef>
-                  <a:spcPts val="0"/>
-                </a:spcBef>
-                <a:spcAft>
-                  <a:spcPts val="0"/>
-                </a:spcAft>
-                <a:buClrTx/>
-                <a:buSzTx/>
-                <a:buFontTx/>
-                <a:buNone/>
-                <a:tabLst/>
-                <a:defRPr/>
-              </a:pPr>
-              <a:r>
-                <a:rPr lang="en-US" sz="3200" dirty="0">
-                  <a:solidFill>
-                    <a:srgbClr val="37322F"/>
-                  </a:solidFill>
-                  <a:latin typeface="Gill Sans Nova" panose="020B0602020104020203" pitchFamily="34" charset="0"/>
-                </a:rPr>
-                <a:t>Ref4</a:t>
-              </a:r>
-            </a:p>
-            <a:p>
-              <a:pPr marL="0" marR="0" lvl="0" indent="0" algn="l" defTabSz="457200" rtl="0" eaLnBrk="1" fontAlgn="auto" latinLnBrk="0" hangingPunct="1">
-                <a:lnSpc>
-                  <a:spcPct val="100000"/>
-                </a:lnSpc>
-                <a:spcBef>
-                  <a:spcPts val="0"/>
-                </a:spcBef>
-                <a:spcAft>
-                  <a:spcPts val="0"/>
-                </a:spcAft>
-                <a:buClrTx/>
-                <a:buSzTx/>
-                <a:buFontTx/>
-                <a:buNone/>
-                <a:tabLst/>
-                <a:defRPr/>
-              </a:pPr>
-              <a:r>
-                <a:rPr lang="en-US" sz="3200" dirty="0">
-                  <a:solidFill>
-                    <a:srgbClr val="37322F"/>
-                  </a:solidFill>
-                  <a:latin typeface="Gill Sans Nova" panose="020B0602020104020203" pitchFamily="34" charset="0"/>
-                </a:rPr>
-                <a:t>Ref5</a:t>
-              </a:r>
-              <a:endParaRPr lang="en-US" dirty="0">
-                <a:solidFill>
-                  <a:srgbClr val="37322F"/>
-                </a:solidFill>
-              </a:endParaRPr>
-            </a:p>
-          </p:txBody>
-        </p:sp>
-        <p:sp>
-          <p:nvSpPr>
-            <p:cNvPr id="32" name="Rectangle : coins arrondis 31">
-              <a:extLst>
-                <a:ext uri="{FF2B5EF4-FFF2-40B4-BE49-F238E27FC236}">
-                  <a16:creationId xmlns:a16="http://schemas.microsoft.com/office/drawing/2014/main" id="{9C405201-1ED0-8A8B-AD7B-C7F7B5940E71}"/>
-                </a:ext>
-              </a:extLst>
-            </p:cNvPr>
-            <p:cNvSpPr>
-              <a:spLocks/>
-            </p:cNvSpPr>
-            <p:nvPr/>
-          </p:nvSpPr>
-          <p:spPr>
-            <a:xfrm>
-              <a:off x="16421557" y="36388295"/>
-              <a:ext cx="15375965" cy="6340395"/>
-            </a:xfrm>
-            <a:prstGeom prst="roundRect">
-              <a:avLst>
-                <a:gd name="adj" fmla="val 17852"/>
-              </a:avLst>
-            </a:prstGeom>
-            <a:solidFill>
-              <a:srgbClr val="E7E1D5"/>
-            </a:solidFill>
-            <a:ln>
-              <a:noFill/>
-            </a:ln>
-          </p:spPr>
-          <p:style>
-            <a:lnRef idx="2">
-              <a:schemeClr val="accent1">
-                <a:shade val="15000"/>
-              </a:schemeClr>
-            </a:lnRef>
-            <a:fillRef idx="1">
-              <a:schemeClr val="accent1"/>
-            </a:fillRef>
-            <a:effectRef idx="0">
-              <a:schemeClr val="accent1"/>
-            </a:effectRef>
-            <a:fontRef idx="minor">
-              <a:schemeClr val="lt1"/>
-            </a:fontRef>
-          </p:style>
-          <p:txBody>
-            <a:bodyPr rtlCol="0" anchor="t"/>
-            <a:lstStyle/>
-            <a:p>
-              <a:pPr marL="0" marR="0" lvl="0" indent="0" algn="ctr" defTabSz="457200" rtl="0" eaLnBrk="1" fontAlgn="auto" latinLnBrk="0" hangingPunct="1">
-                <a:lnSpc>
-                  <a:spcPct val="100000"/>
-                </a:lnSpc>
-                <a:spcBef>
-                  <a:spcPts val="0"/>
-                </a:spcBef>
-                <a:spcAft>
-                  <a:spcPts val="0"/>
-                </a:spcAft>
-                <a:buClrTx/>
-                <a:buSzTx/>
-                <a:buFontTx/>
-                <a:buNone/>
-                <a:tabLst/>
-                <a:defRPr/>
-              </a:pPr>
-              <a:r>
-                <a:rPr lang="en-US" sz="4800" dirty="0">
-                  <a:solidFill>
-                    <a:srgbClr val="37322F"/>
-                  </a:solidFill>
-                  <a:latin typeface="Congenial SemiBold" panose="02000503040000020004" pitchFamily="2" charset="0"/>
-                  <a:cs typeface="Aharoni" panose="020F0502020204030204" pitchFamily="2" charset="-79"/>
-                </a:rPr>
-                <a:t>Acknowledgment 🤝</a:t>
-              </a:r>
-              <a:r>
-                <a:rPr kumimoji="0" lang="en-US" sz="2000" b="0" i="0" u="sng" strike="noStrike" kern="1200" cap="none" spc="0" normalizeH="0" baseline="0" noProof="0" dirty="0">
-                  <a:ln>
-                    <a:noFill/>
-                  </a:ln>
-                  <a:solidFill>
-                    <a:srgbClr val="37322F"/>
-                  </a:solidFill>
-                  <a:effectLst/>
-                  <a:uLnTx/>
-                  <a:uFillTx/>
-                  <a:latin typeface="Gill Sans Nova" panose="020B0602020104020203" pitchFamily="34" charset="0"/>
-                  <a:ea typeface="+mn-ea"/>
-                  <a:cs typeface="Aharoni" panose="020F0502020204030204" pitchFamily="2" charset="-79"/>
-                </a:rPr>
-                <a:t> </a:t>
-              </a:r>
-            </a:p>
-            <a:p>
-              <a:pPr marR="0" lvl="0" algn="l" defTabSz="457200" rtl="0" eaLnBrk="1" fontAlgn="auto" latinLnBrk="0" hangingPunct="1">
-                <a:lnSpc>
-                  <a:spcPct val="100000"/>
-                </a:lnSpc>
-                <a:spcBef>
-                  <a:spcPts val="0"/>
-                </a:spcBef>
-                <a:spcAft>
-                  <a:spcPts val="0"/>
-                </a:spcAft>
-                <a:buClrTx/>
-                <a:buSzTx/>
-                <a:tabLst/>
-                <a:defRPr/>
-              </a:pPr>
-              <a:r>
-                <a:rPr kumimoji="0" lang="en-US" sz="3200" b="0" i="0" u="none" strike="noStrike" kern="1200" cap="none" spc="0" normalizeH="0" baseline="0" noProof="0" dirty="0">
-                  <a:ln>
-                    <a:noFill/>
-                  </a:ln>
-                  <a:solidFill>
-                    <a:srgbClr val="37322F"/>
-                  </a:solidFill>
-                  <a:effectLst/>
-                  <a:uLnTx/>
-                  <a:uFillTx/>
-                  <a:latin typeface="Gill Sans Nova" panose="020B0602020104020203" pitchFamily="34" charset="0"/>
-                  <a:ea typeface="+mn-ea"/>
-                  <a:cs typeface="+mn-cs"/>
-                </a:rPr>
-                <a:t>To acknowledge:</a:t>
-              </a:r>
-            </a:p>
-            <a:p>
-              <a:pPr marL="457200" marR="0" lvl="0" indent="-457200" algn="l" defTabSz="457200" rtl="0" eaLnBrk="1" fontAlgn="auto" latinLnBrk="0" hangingPunct="1">
-                <a:lnSpc>
-                  <a:spcPct val="100000"/>
-                </a:lnSpc>
-                <a:spcBef>
-                  <a:spcPts val="0"/>
-                </a:spcBef>
-                <a:spcAft>
-                  <a:spcPts val="0"/>
-                </a:spcAft>
-                <a:buClrTx/>
-                <a:buSzTx/>
-                <a:buFont typeface="Arial" panose="020B0604020202020204" pitchFamily="34" charset="0"/>
-                <a:buChar char="•"/>
-                <a:tabLst/>
-                <a:defRPr/>
-              </a:pPr>
-              <a:r>
-                <a:rPr kumimoji="0" lang="en-US" sz="3200" b="0" i="0" u="none" strike="noStrike" kern="1200" cap="none" spc="0" normalizeH="0" baseline="0" noProof="0" dirty="0">
-                  <a:ln>
-                    <a:noFill/>
-                  </a:ln>
-                  <a:solidFill>
-                    <a:srgbClr val="37322F"/>
-                  </a:solidFill>
-                  <a:effectLst/>
-                  <a:uLnTx/>
-                  <a:uFillTx/>
-                  <a:latin typeface="Gill Sans Nova" panose="020B0602020104020203" pitchFamily="34" charset="0"/>
-                  <a:ea typeface="+mn-ea"/>
-                  <a:cs typeface="+mn-cs"/>
-                </a:rPr>
-                <a:t>Project PHOTONICS</a:t>
-              </a:r>
-            </a:p>
-            <a:p>
-              <a:pPr marL="457200" marR="0" lvl="0" indent="-457200" algn="l" defTabSz="457200" rtl="0" eaLnBrk="1" fontAlgn="auto" latinLnBrk="0" hangingPunct="1">
-                <a:lnSpc>
-                  <a:spcPct val="100000"/>
-                </a:lnSpc>
-                <a:spcBef>
-                  <a:spcPts val="0"/>
-                </a:spcBef>
-                <a:spcAft>
-                  <a:spcPts val="0"/>
-                </a:spcAft>
-                <a:buClrTx/>
-                <a:buSzTx/>
-                <a:buFont typeface="Arial" panose="020B0604020202020204" pitchFamily="34" charset="0"/>
-                <a:buChar char="•"/>
-                <a:tabLst/>
-                <a:defRPr/>
-              </a:pPr>
-              <a:r>
-                <a:rPr lang="en-US" sz="3200" dirty="0">
-                  <a:solidFill>
-                    <a:srgbClr val="37322F"/>
-                  </a:solidFill>
-                  <a:latin typeface="Gill Sans Nova" panose="020B0602020104020203" pitchFamily="34" charset="0"/>
-                </a:rPr>
-                <a:t>Romain </a:t>
-              </a:r>
-              <a:r>
-                <a:rPr lang="en-US" sz="3200" dirty="0" err="1">
-                  <a:solidFill>
-                    <a:srgbClr val="37322F"/>
-                  </a:solidFill>
-                  <a:latin typeface="Gill Sans Nova" panose="020B0602020104020203" pitchFamily="34" charset="0"/>
-                </a:rPr>
-                <a:t>Laugier</a:t>
-              </a:r>
-              <a:r>
-                <a:rPr lang="en-US" sz="3200" dirty="0">
-                  <a:solidFill>
-                    <a:srgbClr val="37322F"/>
-                  </a:solidFill>
-                  <a:latin typeface="Gill Sans Nova" panose="020B0602020104020203" pitchFamily="34" charset="0"/>
-                </a:rPr>
-                <a:t> – Wise advices &amp; good intuitions to solve issues</a:t>
-              </a:r>
-            </a:p>
-            <a:p>
-              <a:pPr marL="457200" marR="0" lvl="0" indent="-457200" algn="l" defTabSz="457200" rtl="0" eaLnBrk="1" fontAlgn="auto" latinLnBrk="0" hangingPunct="1">
-                <a:lnSpc>
-                  <a:spcPct val="100000"/>
-                </a:lnSpc>
-                <a:spcBef>
-                  <a:spcPts val="0"/>
-                </a:spcBef>
-                <a:spcAft>
-                  <a:spcPts val="0"/>
-                </a:spcAft>
-                <a:buClrTx/>
-                <a:buSzTx/>
-                <a:buFont typeface="Arial" panose="020B0604020202020204" pitchFamily="34" charset="0"/>
-                <a:buChar char="•"/>
-                <a:tabLst/>
-                <a:defRPr/>
-              </a:pPr>
-              <a:r>
-                <a:rPr kumimoji="0" lang="en-US" sz="3200" b="0" i="0" u="none" strike="noStrike" kern="1200" cap="none" spc="0" normalizeH="0" baseline="0" noProof="0" dirty="0">
-                  <a:ln>
-                    <a:noFill/>
-                  </a:ln>
-                  <a:solidFill>
-                    <a:srgbClr val="37322F"/>
-                  </a:solidFill>
-                  <a:effectLst/>
-                  <a:uLnTx/>
-                  <a:uFillTx/>
-                  <a:latin typeface="Gill Sans Nova" panose="020B0602020104020203" pitchFamily="34" charset="0"/>
-                  <a:ea typeface="+mn-ea"/>
-                  <a:cs typeface="+mn-cs"/>
-                </a:rPr>
-                <a:t>Nick </a:t>
-              </a:r>
-              <a:r>
-                <a:rPr kumimoji="0" lang="en-US" sz="3200" b="0" i="0" u="none" strike="noStrike" kern="1200" cap="none" spc="0" normalizeH="0" baseline="0" noProof="0" dirty="0" err="1">
-                  <a:ln>
-                    <a:noFill/>
-                  </a:ln>
-                  <a:solidFill>
-                    <a:srgbClr val="37322F"/>
-                  </a:solidFill>
-                  <a:effectLst/>
-                  <a:uLnTx/>
-                  <a:uFillTx/>
-                  <a:latin typeface="Gill Sans Nova" panose="020B0602020104020203" pitchFamily="34" charset="0"/>
-                  <a:ea typeface="+mn-ea"/>
-                  <a:cs typeface="+mn-cs"/>
-                </a:rPr>
-                <a:t>Cvetojevic</a:t>
-              </a:r>
-              <a:r>
-                <a:rPr kumimoji="0" lang="en-US" sz="3200" b="0" i="0" u="none" strike="noStrike" kern="1200" cap="none" spc="0" normalizeH="0" baseline="0" noProof="0" dirty="0">
-                  <a:ln>
-                    <a:noFill/>
-                  </a:ln>
-                  <a:solidFill>
-                    <a:srgbClr val="37322F"/>
-                  </a:solidFill>
-                  <a:effectLst/>
-                  <a:uLnTx/>
-                  <a:uFillTx/>
-                  <a:latin typeface="Gill Sans Nova" panose="020B0602020104020203" pitchFamily="34" charset="0"/>
-                  <a:ea typeface="+mn-ea"/>
-                  <a:cs typeface="+mn-cs"/>
-                </a:rPr>
-                <a:t> – Explanations about kernel-nulling</a:t>
-              </a:r>
-            </a:p>
-            <a:p>
-              <a:pPr marL="457200" marR="0" lvl="0" indent="-457200" algn="l" defTabSz="457200" rtl="0" eaLnBrk="1" fontAlgn="auto" latinLnBrk="0" hangingPunct="1">
-                <a:lnSpc>
-                  <a:spcPct val="100000"/>
-                </a:lnSpc>
-                <a:spcBef>
-                  <a:spcPts val="0"/>
-                </a:spcBef>
-                <a:spcAft>
-                  <a:spcPts val="0"/>
-                </a:spcAft>
-                <a:buClrTx/>
-                <a:buSzTx/>
-                <a:buFont typeface="Arial" panose="020B0604020202020204" pitchFamily="34" charset="0"/>
-                <a:buChar char="•"/>
-                <a:tabLst/>
-                <a:defRPr/>
-              </a:pPr>
-              <a:r>
-                <a:rPr lang="en-US" sz="3200" dirty="0">
-                  <a:solidFill>
-                    <a:srgbClr val="37322F"/>
-                  </a:solidFill>
-                  <a:latin typeface="Gill Sans Nova" panose="020B0602020104020203" pitchFamily="34" charset="0"/>
-                </a:rPr>
-                <a:t>Margaux </a:t>
-              </a:r>
-              <a:r>
-                <a:rPr lang="en-US" sz="3200" dirty="0" err="1">
-                  <a:solidFill>
-                    <a:srgbClr val="37322F"/>
-                  </a:solidFill>
-                  <a:latin typeface="Gill Sans Nova" panose="020B0602020104020203" pitchFamily="34" charset="0"/>
-                </a:rPr>
-                <a:t>Abello</a:t>
-              </a:r>
-              <a:r>
-                <a:rPr lang="en-US" sz="3200" dirty="0">
-                  <a:solidFill>
-                    <a:srgbClr val="37322F"/>
-                  </a:solidFill>
-                  <a:latin typeface="Gill Sans Nova" panose="020B0602020104020203" pitchFamily="34" charset="0"/>
-                </a:rPr>
-                <a:t> – Help on presentation &amp; inspiration</a:t>
-              </a:r>
-              <a:endParaRPr kumimoji="0" lang="en-US" sz="1800" b="0" i="0" u="none" strike="noStrike" kern="1200" cap="none" spc="0" normalizeH="0" baseline="0" noProof="0" dirty="0">
-                <a:ln>
-                  <a:noFill/>
-                </a:ln>
-                <a:solidFill>
-                  <a:srgbClr val="37322F"/>
-                </a:solidFill>
-                <a:effectLst/>
-                <a:uLnTx/>
-                <a:uFillTx/>
-                <a:latin typeface="Aptos" panose="02110004020202020204"/>
-                <a:ea typeface="+mn-ea"/>
-                <a:cs typeface="+mn-cs"/>
-              </a:endParaRPr>
-            </a:p>
-          </p:txBody>
-        </p:sp>
-      </p:grpSp>
-      <p:grpSp>
-        <p:nvGrpSpPr>
           <p:cNvPr id="4" name="Groupe 3">
             <a:extLst>
               <a:ext uri="{FF2B5EF4-FFF2-40B4-BE49-F238E27FC236}">
@@ -6790,10 +6291,10 @@
         </p:nvGrpSpPr>
         <p:grpSpPr>
           <a:xfrm>
-            <a:off x="5287918" y="17058109"/>
-            <a:ext cx="5176261" cy="4291283"/>
-            <a:chOff x="1732708" y="29659842"/>
-            <a:chExt cx="8245803" cy="6836029"/>
+            <a:off x="5270021" y="16964961"/>
+            <a:ext cx="5046755" cy="5000980"/>
+            <a:chOff x="1704197" y="29511457"/>
+            <a:chExt cx="8039500" cy="7966579"/>
           </a:xfrm>
         </p:grpSpPr>
         <p:pic>
@@ -6824,8 +6325,8 @@
           </p:blipFill>
           <p:spPr>
             <a:xfrm>
-              <a:off x="2095023" y="29659842"/>
-              <a:ext cx="7713766" cy="5528080"/>
+              <a:off x="2029931" y="29511457"/>
+              <a:ext cx="7713765" cy="5528081"/>
             </a:xfrm>
             <a:prstGeom prst="rect">
               <a:avLst/>
@@ -6846,8 +6347,8 @@
           </p:nvSpPr>
           <p:spPr>
             <a:xfrm>
-              <a:off x="1732708" y="35172090"/>
-              <a:ext cx="8245803" cy="1323781"/>
+              <a:off x="1704197" y="34977562"/>
+              <a:ext cx="8039500" cy="2500474"/>
             </a:xfrm>
             <a:prstGeom prst="rect">
               <a:avLst/>
@@ -6871,7 +6372,7 @@
                   </a:solidFill>
                   <a:latin typeface="Gill Sans Nova" panose="020B0602020104020203" pitchFamily="34" charset="0"/>
                 </a:rPr>
-                <a:t>Figure 2: Concept of nulling interferometry</a:t>
+                <a:t>Figure 2: Concept of nulling. The signals are placed in phase opposition to destroy the on-axis source and let pass the light from nearby objects</a:t>
               </a:r>
             </a:p>
           </p:txBody>
@@ -7364,7 +6865,7 @@
             <a:p>
               <a:pPr algn="ctr"/>
               <a:r>
-                <a:rPr lang="fr-FR" sz="2400" dirty="0">
+                <a:rPr lang="en-US" sz="2400" dirty="0">
                   <a:solidFill>
                     <a:schemeClr val="tx1">
                       <a:lumMod val="50000"/>
@@ -7373,127 +6874,7 @@
                   </a:solidFill>
                   <a:latin typeface="Gill Sans Nova" panose="020B0602020104020203" pitchFamily="34" charset="0"/>
                 </a:rPr>
-                <a:t>Figure 6: phase and amplitude of the 4 input </a:t>
-              </a:r>
-              <a:r>
-                <a:rPr lang="fr-FR" sz="2400" dirty="0" err="1">
-                  <a:solidFill>
-                    <a:schemeClr val="tx1">
-                      <a:lumMod val="50000"/>
-                      <a:lumOff val="50000"/>
-                    </a:schemeClr>
-                  </a:solidFill>
-                  <a:latin typeface="Gill Sans Nova" panose="020B0602020104020203" pitchFamily="34" charset="0"/>
-                </a:rPr>
-                <a:t>signals</a:t>
-              </a:r>
-              <a:r>
-                <a:rPr lang="fr-FR" sz="2400" dirty="0">
-                  <a:solidFill>
-                    <a:schemeClr val="tx1">
-                      <a:lumMod val="50000"/>
-                      <a:lumOff val="50000"/>
-                    </a:schemeClr>
-                  </a:solidFill>
-                  <a:latin typeface="Gill Sans Nova" panose="020B0602020104020203" pitchFamily="34" charset="0"/>
-                </a:rPr>
-                <a:t> </a:t>
-              </a:r>
-              <a:r>
-                <a:rPr lang="fr-FR" sz="2400" dirty="0" err="1">
-                  <a:solidFill>
-                    <a:schemeClr val="tx1">
-                      <a:lumMod val="50000"/>
-                      <a:lumOff val="50000"/>
-                    </a:schemeClr>
-                  </a:solidFill>
-                  <a:latin typeface="Gill Sans Nova" panose="020B0602020104020203" pitchFamily="34" charset="0"/>
-                </a:rPr>
-                <a:t>oon</a:t>
-              </a:r>
-              <a:r>
-                <a:rPr lang="fr-FR" sz="2400" dirty="0">
-                  <a:solidFill>
-                    <a:schemeClr val="tx1">
-                      <a:lumMod val="50000"/>
-                      <a:lumOff val="50000"/>
-                    </a:schemeClr>
-                  </a:solidFill>
-                  <a:latin typeface="Gill Sans Nova" panose="020B0602020104020203" pitchFamily="34" charset="0"/>
-                </a:rPr>
-                <a:t> the 6 </a:t>
-              </a:r>
-              <a:r>
-                <a:rPr lang="fr-FR" sz="2400" dirty="0" err="1">
-                  <a:solidFill>
-                    <a:schemeClr val="tx1">
-                      <a:lumMod val="50000"/>
-                      <a:lumOff val="50000"/>
-                    </a:schemeClr>
-                  </a:solidFill>
-                  <a:latin typeface="Gill Sans Nova" panose="020B0602020104020203" pitchFamily="34" charset="0"/>
-                </a:rPr>
-                <a:t>dark</a:t>
-              </a:r>
-              <a:r>
-                <a:rPr lang="fr-FR" sz="2400" dirty="0">
-                  <a:solidFill>
-                    <a:schemeClr val="tx1">
-                      <a:lumMod val="50000"/>
-                      <a:lumOff val="50000"/>
-                    </a:schemeClr>
-                  </a:solidFill>
-                  <a:latin typeface="Gill Sans Nova" panose="020B0602020104020203" pitchFamily="34" charset="0"/>
-                </a:rPr>
-                <a:t> outputs </a:t>
-              </a:r>
-              <a:r>
-                <a:rPr lang="fr-FR" sz="2400" dirty="0" err="1">
-                  <a:solidFill>
-                    <a:schemeClr val="tx1">
-                      <a:lumMod val="50000"/>
-                      <a:lumOff val="50000"/>
-                    </a:schemeClr>
-                  </a:solidFill>
-                  <a:latin typeface="Gill Sans Nova" panose="020B0602020104020203" pitchFamily="34" charset="0"/>
-                </a:rPr>
-                <a:t>before</a:t>
-              </a:r>
-              <a:r>
-                <a:rPr lang="fr-FR" sz="2400" dirty="0">
-                  <a:solidFill>
-                    <a:schemeClr val="tx1">
-                      <a:lumMod val="50000"/>
-                      <a:lumOff val="50000"/>
-                    </a:schemeClr>
-                  </a:solidFill>
-                  <a:latin typeface="Gill Sans Nova" panose="020B0602020104020203" pitchFamily="34" charset="0"/>
-                </a:rPr>
-                <a:t> and </a:t>
-              </a:r>
-              <a:r>
-                <a:rPr lang="fr-FR" sz="2400" dirty="0" err="1">
-                  <a:solidFill>
-                    <a:schemeClr val="tx1">
-                      <a:lumMod val="50000"/>
-                      <a:lumOff val="50000"/>
-                    </a:schemeClr>
-                  </a:solidFill>
-                  <a:latin typeface="Gill Sans Nova" panose="020B0602020104020203" pitchFamily="34" charset="0"/>
-                </a:rPr>
-                <a:t>after</a:t>
-              </a:r>
-              <a:r>
-                <a:rPr lang="fr-FR" sz="2400" dirty="0">
-                  <a:solidFill>
-                    <a:schemeClr val="tx1">
-                      <a:lumMod val="50000"/>
-                      <a:lumOff val="50000"/>
-                    </a:schemeClr>
-                  </a:solidFill>
-                  <a:latin typeface="Gill Sans Nova" panose="020B0602020104020203" pitchFamily="34" charset="0"/>
-                </a:rPr>
-                <a:t> the calibration process</a:t>
+                <a:t>Figure 6: phase and amplitude of the 4 input signals on the 6 dark outputs before (top) and after (bottom) the calibration process</a:t>
               </a:r>
             </a:p>
           </p:txBody>
@@ -7581,8 +6962,37 @@
                 <a:latin typeface="Congenial SemiBold" panose="02000503040000020004" pitchFamily="2" charset="0"/>
                 <a:cs typeface="Aharoni" panose="020F0502020204030204" pitchFamily="2" charset="-79"/>
               </a:rPr>
-              <a:t>Image reconstruction 🖼️</a:t>
+              <a:t>On-sky contribution </a:t>
             </a:r>
+            <a:r>
+              <a:rPr kumimoji="0" lang="fr-FR" sz="4800" b="0" i="0" u="none" strike="noStrike" kern="1200" cap="none" spc="0" normalizeH="0" baseline="0" noProof="0" dirty="0">
+                <a:ln>
+                  <a:noFill/>
+                </a:ln>
+                <a:solidFill>
+                  <a:srgbClr val="37322F"/>
+                </a:solidFill>
+                <a:effectLst/>
+                <a:uLnTx/>
+                <a:uFillTx/>
+                <a:latin typeface="Congenial SemiBold" panose="02000503040000020004" pitchFamily="2" charset="0"/>
+                <a:cs typeface="Aharoni" panose="020F0502020204030204" pitchFamily="2" charset="-79"/>
+              </a:rPr>
+              <a:t>🌌</a:t>
+            </a:r>
+            <a:endParaRPr kumimoji="0" lang="en-US" sz="4800" b="0" i="0" u="none" strike="noStrike" kern="1200" cap="none" spc="0" normalizeH="0" baseline="0" noProof="0" dirty="0">
+              <a:ln>
+                <a:noFill/>
+              </a:ln>
+              <a:solidFill>
+                <a:srgbClr val="37322F"/>
+              </a:solidFill>
+              <a:effectLst/>
+              <a:uLnTx/>
+              <a:uFillTx/>
+              <a:latin typeface="Congenial SemiBold" panose="02000503040000020004" pitchFamily="2" charset="0"/>
+              <a:cs typeface="Aharoni" panose="020F0502020204030204" pitchFamily="2" charset="-79"/>
+            </a:endParaRPr>
           </a:p>
           <a:p>
             <a:pPr marR="0" lvl="0" algn="l" defTabSz="457200" rtl="0" eaLnBrk="1" fontAlgn="auto" latinLnBrk="0" hangingPunct="1">
@@ -7607,7 +7017,25 @@
                 </a:solidFill>
                 <a:latin typeface="Gill Sans Nova" panose="020B0602020104020203" pitchFamily="34" charset="0"/>
               </a:rPr>
-              <a:t>By weighting the kernel map by the output intensity and integrating it over the parallactic angle, we can retrieve which part of the sky has potentially contributed to this output. By cumulating the 3 probable intensity distribution, it is then possible to constrain precisely which part of the sky contributed the most, and then reveal the object!</a:t>
+              <a:t>By weighting the kernel transmission map by the output intensity and integrating it over the parallactic angle, we can dress a map of the source of input light. By cumulating the 3 maps, one can constrain precisely which part of the sky contributed the most to the data we have. Thus, this process reveal the approximative object location, </a:t>
+            </a:r>
+            <a:r>
+              <a:rPr lang="en-US" sz="3200" dirty="0" err="1">
+                <a:solidFill>
+                  <a:srgbClr val="37322F"/>
+                </a:solidFill>
+                <a:latin typeface="Gill Sans Nova" panose="020B0602020104020203" pitchFamily="34" charset="0"/>
+              </a:rPr>
+              <a:t>spreaded</a:t>
+            </a:r>
+            <a:r>
+              <a:rPr lang="en-US" sz="3200" dirty="0">
+                <a:solidFill>
+                  <a:srgbClr val="37322F"/>
+                </a:solidFill>
+                <a:latin typeface="Gill Sans Nova" panose="020B0602020104020203" pitchFamily="34" charset="0"/>
+              </a:rPr>
+              <a:t> by the input phase aberrations.</a:t>
             </a:r>
             <a:endParaRPr kumimoji="0" lang="en-US" sz="3200" b="0" i="0" u="none" strike="noStrike" kern="1200" cap="none" spc="0" normalizeH="0" baseline="0" noProof="0" dirty="0">
               <a:ln>
@@ -7648,10 +7076,10 @@
         </p:nvGrpSpPr>
         <p:grpSpPr>
           <a:xfrm>
-            <a:off x="742157" y="21975104"/>
-            <a:ext cx="9361426" cy="2861558"/>
-            <a:chOff x="742157" y="21975104"/>
-            <a:chExt cx="9361426" cy="2861558"/>
+            <a:off x="634118" y="21965941"/>
+            <a:ext cx="9724566" cy="2861558"/>
+            <a:chOff x="634118" y="21965941"/>
+            <a:chExt cx="9724566" cy="2861558"/>
           </a:xfrm>
         </p:grpSpPr>
         <p:sp>
@@ -7668,8 +7096,8 @@
           </p:nvSpPr>
           <p:spPr>
             <a:xfrm>
-              <a:off x="4252035" y="21990222"/>
-              <a:ext cx="5851548" cy="2677656"/>
+              <a:off x="4010663" y="22039970"/>
+              <a:ext cx="6348021" cy="2677656"/>
             </a:xfrm>
             <a:prstGeom prst="rect">
               <a:avLst/>
@@ -7692,7 +7120,31 @@
                   </a:solidFill>
                   <a:latin typeface="Gill Sans Nova" panose="020B0602020104020203" pitchFamily="34" charset="0"/>
                 </a:rPr>
-                <a:t>Figure 3: Transmission map of one of the Kernels obtained using the 4 telescopes of the VLTI. The transmission zones and blind bands are directly derived from the UT position. By rotating the baseline, we can get a modulated signal from which we can precisely constrain the planet position.</a:t>
+                <a:t>Figure 3: Transmission map of one of the Kernels obtained using the 4 telescopes of the </a:t>
+              </a:r>
+              <a:r>
+                <a:rPr lang="en-US" sz="2400" b="1" dirty="0">
+                  <a:solidFill>
+                    <a:schemeClr val="tx1">
+                      <a:lumMod val="50000"/>
+                      <a:lumOff val="50000"/>
+                    </a:schemeClr>
+                  </a:solidFill>
+                  <a:latin typeface="Gill Sans Nova" panose="020B0602020104020203" pitchFamily="34" charset="0"/>
+                </a:rPr>
+                <a:t>VLTI</a:t>
+              </a:r>
+              <a:r>
+                <a:rPr lang="en-US" sz="2400" dirty="0">
+                  <a:solidFill>
+                    <a:schemeClr val="tx1">
+                      <a:lumMod val="50000"/>
+                      <a:lumOff val="50000"/>
+                    </a:schemeClr>
+                  </a:solidFill>
+                  <a:latin typeface="Gill Sans Nova" panose="020B0602020104020203" pitchFamily="34" charset="0"/>
+                </a:rPr>
+                <a:t>. The transmission zones and blind bands are directly derived from the telescopes position. By rotating the baseline, we can get a modulated signal from which we can precisely constrain the planet position. (cf. “Parallactic diversity” block)</a:t>
               </a:r>
             </a:p>
           </p:txBody>
@@ -7719,7 +7171,7 @@
           </p:blipFill>
           <p:spPr>
             <a:xfrm>
-              <a:off x="742157" y="21975104"/>
+              <a:off x="634118" y="21965941"/>
               <a:ext cx="3334543" cy="2861558"/>
             </a:xfrm>
             <a:prstGeom prst="rect">
@@ -7927,7 +7379,31 @@
                   </a:solidFill>
                   <a:latin typeface="Gill Sans Nova" panose="020B0602020104020203" pitchFamily="34" charset="0"/>
                 </a:rPr>
-                <a:t>Figure 8: ROC test to estimate the confidence of detection regarding to the probability of false alarm.</a:t>
+                <a:t>Figure 8: </a:t>
+              </a:r>
+              <a:r>
+                <a:rPr lang="en-US" sz="2400" b="1" dirty="0">
+                  <a:solidFill>
+                    <a:schemeClr val="tx1">
+                      <a:lumMod val="50000"/>
+                      <a:lumOff val="50000"/>
+                    </a:schemeClr>
+                  </a:solidFill>
+                  <a:latin typeface="Gill Sans Nova" panose="020B0602020104020203" pitchFamily="34" charset="0"/>
+                </a:rPr>
+                <a:t>ROC</a:t>
+              </a:r>
+              <a:r>
+                <a:rPr lang="en-US" sz="2400" dirty="0">
+                  <a:solidFill>
+                    <a:schemeClr val="tx1">
+                      <a:lumMod val="50000"/>
+                      <a:lumOff val="50000"/>
+                    </a:schemeClr>
+                  </a:solidFill>
+                  <a:latin typeface="Gill Sans Nova" panose="020B0602020104020203" pitchFamily="34" charset="0"/>
+                </a:rPr>
+                <a:t> test to estimate the confidence of detection regarding to the probability of false alarm.</a:t>
               </a:r>
             </a:p>
           </p:txBody>
@@ -8022,29 +7498,8 @@
                   </a:solidFill>
                   <a:latin typeface="Gill Sans Nova" panose="020B0602020104020203" pitchFamily="34" charset="0"/>
                 </a:rPr>
-                <a:t>Figure 9: Kernel modulation &amp; </a:t>
+                <a:t>Figure 9: Kernel modulation &amp; fitting</a:t>
               </a:r>
-              <a:r>
-                <a:rPr lang="fr-FR" sz="2400" dirty="0" err="1">
-                  <a:solidFill>
-                    <a:schemeClr val="tx1">
-                      <a:lumMod val="50000"/>
-                      <a:lumOff val="50000"/>
-                    </a:schemeClr>
-                  </a:solidFill>
-                  <a:latin typeface="Gill Sans Nova" panose="020B0602020104020203" pitchFamily="34" charset="0"/>
-                </a:rPr>
-                <a:t>fiting</a:t>
-              </a:r>
-              <a:endParaRPr lang="fr-FR" sz="2400" dirty="0">
-                <a:solidFill>
-                  <a:schemeClr val="tx1">
-                    <a:lumMod val="50000"/>
-                    <a:lumOff val="50000"/>
-                  </a:schemeClr>
-                </a:solidFill>
-                <a:latin typeface="Gill Sans Nova" panose="020B0602020104020203" pitchFamily="34" charset="0"/>
-              </a:endParaRPr>
             </a:p>
           </p:txBody>
         </p:sp>
@@ -8138,7 +7593,7 @@
                   </a:solidFill>
                   <a:latin typeface="Gill Sans Nova" panose="020B0602020104020203" pitchFamily="34" charset="0"/>
                 </a:rPr>
-                <a:t>Figure 10: Repartition of probable contributions and cumulation of these maps to get a sort of reconstructed image.</a:t>
+                <a:t>Figure 10: Repartition of on-sky contributions and cumulation of these maps to reveal the object location.</a:t>
               </a:r>
             </a:p>
           </p:txBody>
@@ -8224,7 +7679,7 @@
             <a:p>
               <a:pPr algn="ctr"/>
               <a:r>
-                <a:rPr lang="fr-FR" sz="2400" dirty="0">
+                <a:rPr lang="en-US" sz="2400" dirty="0">
                   <a:solidFill>
                     <a:schemeClr val="tx1">
                       <a:lumMod val="50000"/>
@@ -8233,55 +7688,801 @@
                   </a:solidFill>
                   <a:latin typeface="Gill Sans Nova" panose="020B0602020104020203" pitchFamily="34" charset="0"/>
                 </a:rPr>
-                <a:t>Figure 11: Evolution of kernel distribution spread </a:t>
+                <a:t>Figure 11: Evolution of kernel distribution spread according to the input phase aberrations.</a:t>
+              </a:r>
+            </a:p>
+          </p:txBody>
+        </p:sp>
+      </p:grpSp>
+      <p:grpSp>
+        <p:nvGrpSpPr>
+          <p:cNvPr id="54" name="Group 53">
+            <a:extLst>
+              <a:ext uri="{FF2B5EF4-FFF2-40B4-BE49-F238E27FC236}">
+                <a16:creationId xmlns:a16="http://schemas.microsoft.com/office/drawing/2014/main" id="{ACDFF494-4CB7-E100-30B5-C9B5A441B70E}"/>
+              </a:ext>
+            </a:extLst>
+          </p:cNvPr>
+          <p:cNvGrpSpPr/>
+          <p:nvPr/>
+        </p:nvGrpSpPr>
+        <p:grpSpPr>
+          <a:xfrm>
+            <a:off x="442451" y="39131752"/>
+            <a:ext cx="31472020" cy="3596939"/>
+            <a:chOff x="442451" y="39131752"/>
+            <a:chExt cx="31472020" cy="3596939"/>
+          </a:xfrm>
+        </p:grpSpPr>
+        <p:grpSp>
+          <p:nvGrpSpPr>
+            <p:cNvPr id="33" name="Groupe 32">
+              <a:extLst>
+                <a:ext uri="{FF2B5EF4-FFF2-40B4-BE49-F238E27FC236}">
+                  <a16:creationId xmlns:a16="http://schemas.microsoft.com/office/drawing/2014/main" id="{8F24D38F-CDFC-7E8D-4949-BD64235E6CE8}"/>
+                </a:ext>
+              </a:extLst>
+            </p:cNvPr>
+            <p:cNvGrpSpPr/>
+            <p:nvPr/>
+          </p:nvGrpSpPr>
+          <p:grpSpPr>
+            <a:xfrm>
+              <a:off x="442451" y="39131753"/>
+              <a:ext cx="22989049" cy="3596938"/>
+              <a:chOff x="442451" y="36388297"/>
+              <a:chExt cx="22872832" cy="6340395"/>
+            </a:xfrm>
+          </p:grpSpPr>
+          <p:sp>
+            <p:nvSpPr>
+              <p:cNvPr id="30" name="Rectangle : coins arrondis 29">
+                <a:extLst>
+                  <a:ext uri="{FF2B5EF4-FFF2-40B4-BE49-F238E27FC236}">
+                    <a16:creationId xmlns:a16="http://schemas.microsoft.com/office/drawing/2014/main" id="{77411863-3506-4DE1-3C72-54B665E02689}"/>
+                  </a:ext>
+                </a:extLst>
+              </p:cNvPr>
+              <p:cNvSpPr>
+                <a:spLocks/>
+              </p:cNvSpPr>
+              <p:nvPr/>
+            </p:nvSpPr>
+            <p:spPr>
+              <a:xfrm>
+                <a:off x="442451" y="36388297"/>
+                <a:ext cx="13168540" cy="6340395"/>
+              </a:xfrm>
+              <a:prstGeom prst="roundRect">
+                <a:avLst>
+                  <a:gd name="adj" fmla="val 17810"/>
+                </a:avLst>
+              </a:prstGeom>
+              <a:solidFill>
+                <a:srgbClr val="E7E1D5"/>
+              </a:solidFill>
+              <a:ln>
+                <a:noFill/>
+              </a:ln>
+            </p:spPr>
+            <p:style>
+              <a:lnRef idx="2">
+                <a:schemeClr val="accent1">
+                  <a:shade val="15000"/>
+                </a:schemeClr>
+              </a:lnRef>
+              <a:fillRef idx="1">
+                <a:schemeClr val="accent1"/>
+              </a:fillRef>
+              <a:effectRef idx="0">
+                <a:schemeClr val="accent1"/>
+              </a:effectRef>
+              <a:fontRef idx="minor">
+                <a:schemeClr val="lt1"/>
+              </a:fontRef>
+            </p:style>
+            <p:txBody>
+              <a:bodyPr rtlCol="0" anchor="t"/>
+              <a:lstStyle/>
+              <a:p>
+                <a:pPr marL="0" marR="0" lvl="0" indent="0" algn="ctr" defTabSz="457200" rtl="0" eaLnBrk="1" fontAlgn="auto" latinLnBrk="0" hangingPunct="1">
+                  <a:lnSpc>
+                    <a:spcPct val="100000"/>
+                  </a:lnSpc>
+                  <a:spcBef>
+                    <a:spcPts val="0"/>
+                  </a:spcBef>
+                  <a:spcAft>
+                    <a:spcPts val="0"/>
+                  </a:spcAft>
+                  <a:buClrTx/>
+                  <a:buSzTx/>
+                  <a:buFontTx/>
+                  <a:buNone/>
+                  <a:tabLst/>
+                  <a:defRPr/>
+                </a:pPr>
+                <a:r>
+                  <a:rPr lang="en-US" sz="4800" dirty="0">
+                    <a:solidFill>
+                      <a:srgbClr val="37322F"/>
+                    </a:solidFill>
+                    <a:latin typeface="Congenial SemiBold" panose="02000503040000020004" pitchFamily="2" charset="0"/>
+                    <a:cs typeface="Aharoni" panose="020F0502020204030204" pitchFamily="2" charset="-79"/>
+                  </a:rPr>
+                  <a:t>References 📜</a:t>
+                </a:r>
+                <a:endParaRPr kumimoji="0" lang="en-US" sz="2000" b="0" i="0" u="sng" strike="noStrike" kern="1200" cap="none" spc="0" normalizeH="0" baseline="0" noProof="0" dirty="0">
+                  <a:ln>
+                    <a:noFill/>
+                  </a:ln>
+                  <a:solidFill>
+                    <a:srgbClr val="37322F"/>
+                  </a:solidFill>
+                  <a:effectLst/>
+                  <a:uLnTx/>
+                  <a:uFillTx/>
+                  <a:latin typeface="Gill Sans Nova" panose="020B0602020104020203" pitchFamily="34" charset="0"/>
+                  <a:ea typeface="+mn-ea"/>
+                  <a:cs typeface="Aharoni" panose="020F0502020204030204" pitchFamily="2" charset="-79"/>
+                </a:endParaRPr>
+              </a:p>
+              <a:p>
+                <a:pPr marL="514350" indent="-514350">
+                  <a:buFont typeface="+mj-lt"/>
+                  <a:buAutoNum type="arabicPeriod"/>
+                  <a:defRPr/>
+                </a:pPr>
+                <a:r>
+                  <a:rPr kumimoji="0" lang="en-US" sz="3200" b="0" i="0" u="none" strike="noStrike" kern="1200" cap="none" spc="0" normalizeH="0" baseline="0" noProof="0" dirty="0" err="1">
+                    <a:ln>
+                      <a:noFill/>
+                    </a:ln>
+                    <a:solidFill>
+                      <a:srgbClr val="37322F"/>
+                    </a:solidFill>
+                    <a:effectLst/>
+                    <a:uLnTx/>
+                    <a:uFillTx/>
+                    <a:latin typeface="Gill Sans Nova" panose="020B0602020104020203" pitchFamily="34" charset="0"/>
+                    <a:ea typeface="+mn-ea"/>
+                    <a:cs typeface="+mn-cs"/>
+                  </a:rPr>
+                  <a:t>Cvetojevic</a:t>
+                </a:r>
+                <a:r>
+                  <a:rPr kumimoji="0" lang="en-US" sz="3200" b="0" i="0" u="none" strike="noStrike" kern="1200" cap="none" spc="0" normalizeH="0" baseline="0" noProof="0" dirty="0">
+                    <a:ln>
+                      <a:noFill/>
+                    </a:ln>
+                    <a:solidFill>
+                      <a:srgbClr val="37322F"/>
+                    </a:solidFill>
+                    <a:effectLst/>
+                    <a:uLnTx/>
+                    <a:uFillTx/>
+                    <a:latin typeface="Gill Sans Nova" panose="020B0602020104020203" pitchFamily="34" charset="0"/>
+                    <a:ea typeface="+mn-ea"/>
+                    <a:cs typeface="+mn-cs"/>
+                  </a:rPr>
+                  <a:t>, N. et al. </a:t>
+                </a:r>
+                <a:r>
+                  <a:rPr kumimoji="0" lang="en-US" sz="3200" b="0" i="1" u="none" strike="noStrike" kern="1200" cap="none" spc="0" normalizeH="0" baseline="0" noProof="0" dirty="0">
+                    <a:ln>
+                      <a:noFill/>
+                    </a:ln>
+                    <a:solidFill>
+                      <a:srgbClr val="37322F"/>
+                    </a:solidFill>
+                    <a:effectLst/>
+                    <a:uLnTx/>
+                    <a:uFillTx/>
+                    <a:latin typeface="Gill Sans Nova" panose="020B0602020104020203" pitchFamily="34" charset="0"/>
+                    <a:ea typeface="+mn-ea"/>
+                    <a:cs typeface="+mn-cs"/>
+                  </a:rPr>
+                  <a:t>“3-beam self-calibrated Kernel nulling photonic interferometer” </a:t>
+                </a:r>
+                <a:r>
+                  <a:rPr kumimoji="0" lang="en-US" sz="3200" b="0" i="0" u="none" strike="noStrike" kern="1200" cap="none" spc="0" normalizeH="0" baseline="0" noProof="0" dirty="0">
+                    <a:ln>
+                      <a:noFill/>
+                    </a:ln>
+                    <a:solidFill>
+                      <a:srgbClr val="37322F"/>
+                    </a:solidFill>
+                    <a:effectLst/>
+                    <a:uLnTx/>
+                    <a:uFillTx/>
+                    <a:latin typeface="Gill Sans Nova" panose="020B0602020104020203" pitchFamily="34" charset="0"/>
+                    <a:ea typeface="+mn-ea"/>
+                    <a:cs typeface="+mn-cs"/>
+                  </a:rPr>
+                  <a:t>(2022). Preprint at http://arxiv.org/abs/2206.04977.</a:t>
+                </a:r>
+              </a:p>
+              <a:p>
+                <a:pPr marL="514350" marR="0" lvl="0" indent="-514350" algn="l" defTabSz="457200" rtl="0" eaLnBrk="1" fontAlgn="auto" latinLnBrk="0" hangingPunct="1">
+                  <a:lnSpc>
+                    <a:spcPct val="100000"/>
+                  </a:lnSpc>
+                  <a:spcBef>
+                    <a:spcPts val="0"/>
+                  </a:spcBef>
+                  <a:spcAft>
+                    <a:spcPts val="0"/>
+                  </a:spcAft>
+                  <a:buClrTx/>
+                  <a:buSzTx/>
+                  <a:buFont typeface="+mj-lt"/>
+                  <a:buAutoNum type="arabicPeriod"/>
+                  <a:tabLst/>
+                  <a:defRPr/>
+                </a:pPr>
+                <a:r>
+                  <a:rPr kumimoji="0" lang="en-US" sz="3200" b="0" i="0" u="none" strike="noStrike" kern="1200" cap="none" spc="0" normalizeH="0" baseline="0" noProof="0" dirty="0">
+                    <a:ln>
+                      <a:noFill/>
+                    </a:ln>
+                    <a:solidFill>
+                      <a:srgbClr val="37322F"/>
+                    </a:solidFill>
+                    <a:effectLst/>
+                    <a:uLnTx/>
+                    <a:uFillTx/>
+                    <a:latin typeface="Gill Sans Nova" panose="020B0602020104020203" pitchFamily="34" charset="0"/>
+                    <a:ea typeface="+mn-ea"/>
+                    <a:cs typeface="+mn-cs"/>
+                  </a:rPr>
+                  <a:t>Martinache, Frantz, et Michael J. Ireland. </a:t>
+                </a:r>
+                <a:r>
+                  <a:rPr kumimoji="0" lang="en-US" sz="3200" b="0" i="1" u="none" strike="noStrike" kern="1200" cap="none" spc="0" normalizeH="0" baseline="0" noProof="0" dirty="0">
+                    <a:ln>
+                      <a:noFill/>
+                    </a:ln>
+                    <a:solidFill>
+                      <a:srgbClr val="37322F"/>
+                    </a:solidFill>
+                    <a:effectLst/>
+                    <a:uLnTx/>
+                    <a:uFillTx/>
+                    <a:latin typeface="Gill Sans Nova" panose="020B0602020104020203" pitchFamily="34" charset="0"/>
+                    <a:ea typeface="+mn-ea"/>
+                    <a:cs typeface="+mn-cs"/>
+                  </a:rPr>
+                  <a:t>”Kernel-Nulling for a Robust Direct Interferometric Detection of Extrasolar Planets”. </a:t>
+                </a:r>
+                <a:r>
+                  <a:rPr kumimoji="0" lang="en-US" sz="3200" b="0" i="0" u="none" strike="noStrike" kern="1200" cap="none" spc="0" normalizeH="0" baseline="0" noProof="0" dirty="0">
+                    <a:ln>
+                      <a:noFill/>
+                    </a:ln>
+                    <a:solidFill>
+                      <a:srgbClr val="37322F"/>
+                    </a:solidFill>
+                    <a:effectLst/>
+                    <a:uLnTx/>
+                    <a:uFillTx/>
+                    <a:latin typeface="Gill Sans Nova" panose="020B0602020104020203" pitchFamily="34" charset="0"/>
+                    <a:ea typeface="+mn-ea"/>
+                    <a:cs typeface="+mn-cs"/>
+                  </a:rPr>
+                  <a:t>Astronomy &amp; Astrophysics 619 (2018): A87. https://doi.org/10.1051/0004-6361/201832847.</a:t>
+                </a:r>
+              </a:p>
+            </p:txBody>
+          </p:sp>
+          <p:sp>
+            <p:nvSpPr>
+              <p:cNvPr id="32" name="Rectangle : coins arrondis 31">
+                <a:extLst>
+                  <a:ext uri="{FF2B5EF4-FFF2-40B4-BE49-F238E27FC236}">
+                    <a16:creationId xmlns:a16="http://schemas.microsoft.com/office/drawing/2014/main" id="{9C405201-1ED0-8A8B-AD7B-C7F7B5940E71}"/>
+                  </a:ext>
+                </a:extLst>
+              </p:cNvPr>
+              <p:cNvSpPr>
+                <a:spLocks/>
+              </p:cNvSpPr>
+              <p:nvPr/>
+            </p:nvSpPr>
+            <p:spPr>
+              <a:xfrm>
+                <a:off x="14083449" y="36388297"/>
+                <a:ext cx="9231834" cy="6340395"/>
+              </a:xfrm>
+              <a:prstGeom prst="roundRect">
+                <a:avLst>
+                  <a:gd name="adj" fmla="val 17852"/>
+                </a:avLst>
+              </a:prstGeom>
+              <a:solidFill>
+                <a:srgbClr val="E7E1D5"/>
+              </a:solidFill>
+              <a:ln>
+                <a:noFill/>
+              </a:ln>
+            </p:spPr>
+            <p:style>
+              <a:lnRef idx="2">
+                <a:schemeClr val="accent1">
+                  <a:shade val="15000"/>
+                </a:schemeClr>
+              </a:lnRef>
+              <a:fillRef idx="1">
+                <a:schemeClr val="accent1"/>
+              </a:fillRef>
+              <a:effectRef idx="0">
+                <a:schemeClr val="accent1"/>
+              </a:effectRef>
+              <a:fontRef idx="minor">
+                <a:schemeClr val="lt1"/>
+              </a:fontRef>
+            </p:style>
+            <p:txBody>
+              <a:bodyPr rtlCol="0" anchor="t"/>
+              <a:lstStyle/>
+              <a:p>
+                <a:pPr marL="0" marR="0" lvl="0" indent="0" algn="ctr" defTabSz="457200" rtl="0" eaLnBrk="1" fontAlgn="auto" latinLnBrk="0" hangingPunct="1">
+                  <a:lnSpc>
+                    <a:spcPct val="100000"/>
+                  </a:lnSpc>
+                  <a:spcBef>
+                    <a:spcPts val="0"/>
+                  </a:spcBef>
+                  <a:spcAft>
+                    <a:spcPts val="0"/>
+                  </a:spcAft>
+                  <a:buClrTx/>
+                  <a:buSzTx/>
+                  <a:buFontTx/>
+                  <a:buNone/>
+                  <a:tabLst/>
+                  <a:defRPr/>
+                </a:pPr>
+                <a:r>
+                  <a:rPr lang="en-US" sz="4800" dirty="0">
+                    <a:solidFill>
+                      <a:srgbClr val="37322F"/>
+                    </a:solidFill>
+                    <a:latin typeface="Congenial SemiBold" panose="02000503040000020004" pitchFamily="2" charset="0"/>
+                    <a:cs typeface="Aharoni" panose="020F0502020204030204" pitchFamily="2" charset="-79"/>
+                  </a:rPr>
+                  <a:t>Acknowledgment 🤝</a:t>
+                </a:r>
+                <a:r>
+                  <a:rPr kumimoji="0" lang="en-US" sz="2000" b="0" i="0" u="sng" strike="noStrike" kern="1200" cap="none" spc="0" normalizeH="0" baseline="0" noProof="0" dirty="0">
+                    <a:ln>
+                      <a:noFill/>
+                    </a:ln>
+                    <a:solidFill>
+                      <a:srgbClr val="37322F"/>
+                    </a:solidFill>
+                    <a:effectLst/>
+                    <a:uLnTx/>
+                    <a:uFillTx/>
+                    <a:latin typeface="Gill Sans Nova" panose="020B0602020104020203" pitchFamily="34" charset="0"/>
+                    <a:ea typeface="+mn-ea"/>
+                    <a:cs typeface="Aharoni" panose="020F0502020204030204" pitchFamily="2" charset="-79"/>
+                  </a:rPr>
+                  <a:t> </a:t>
+                </a:r>
+              </a:p>
+              <a:p>
+                <a:pPr marR="0" lvl="0" algn="l" defTabSz="457200" rtl="0" eaLnBrk="1" fontAlgn="auto" latinLnBrk="0" hangingPunct="1">
+                  <a:lnSpc>
+                    <a:spcPct val="100000"/>
+                  </a:lnSpc>
+                  <a:spcBef>
+                    <a:spcPts val="0"/>
+                  </a:spcBef>
+                  <a:spcAft>
+                    <a:spcPts val="0"/>
+                  </a:spcAft>
+                  <a:buClrTx/>
+                  <a:buSzTx/>
+                  <a:tabLst/>
+                  <a:defRPr/>
+                </a:pPr>
+                <a:r>
+                  <a:rPr lang="en-US" sz="3200" dirty="0">
+                    <a:solidFill>
+                      <a:srgbClr val="37322F"/>
+                    </a:solidFill>
+                    <a:latin typeface="Gill Sans Nova" panose="020B0602020104020203" pitchFamily="34" charset="0"/>
+                  </a:rPr>
+                  <a:t>T</a:t>
+                </a:r>
+                <a:r>
+                  <a:rPr kumimoji="0" lang="en-US" sz="3200" b="0" i="0" u="none" strike="noStrike" kern="1200" cap="none" spc="0" normalizeH="0" baseline="0" noProof="0" dirty="0">
+                    <a:ln>
+                      <a:noFill/>
+                    </a:ln>
+                    <a:solidFill>
+                      <a:srgbClr val="37322F"/>
+                    </a:solidFill>
+                    <a:effectLst/>
+                    <a:uLnTx/>
+                    <a:uFillTx/>
+                    <a:latin typeface="Gill Sans Nova" panose="020B0602020104020203" pitchFamily="34" charset="0"/>
+                    <a:ea typeface="+mn-ea"/>
+                    <a:cs typeface="+mn-cs"/>
+                  </a:rPr>
+                  <a:t>hanks to Romain </a:t>
+                </a:r>
+                <a:r>
+                  <a:rPr kumimoji="0" lang="en-US" sz="3200" b="0" i="0" u="none" strike="noStrike" kern="1200" cap="none" spc="0" normalizeH="0" baseline="0" noProof="0" dirty="0" err="1">
+                    <a:ln>
+                      <a:noFill/>
+                    </a:ln>
+                    <a:solidFill>
+                      <a:srgbClr val="37322F"/>
+                    </a:solidFill>
+                    <a:effectLst/>
+                    <a:uLnTx/>
+                    <a:uFillTx/>
+                    <a:latin typeface="Gill Sans Nova" panose="020B0602020104020203" pitchFamily="34" charset="0"/>
+                    <a:ea typeface="+mn-ea"/>
+                    <a:cs typeface="+mn-cs"/>
+                  </a:rPr>
+                  <a:t>Laugier</a:t>
+                </a:r>
+                <a:r>
+                  <a:rPr lang="en-US" sz="3200" dirty="0">
+                    <a:solidFill>
+                      <a:srgbClr val="37322F"/>
+                    </a:solidFill>
+                    <a:latin typeface="Gill Sans Nova" panose="020B0602020104020203" pitchFamily="34" charset="0"/>
+                  </a:rPr>
+                  <a:t> for his many wise advices, to </a:t>
+                </a:r>
+                <a:r>
+                  <a:rPr kumimoji="0" lang="en-US" sz="3200" b="0" i="0" u="none" strike="noStrike" kern="1200" cap="none" spc="0" normalizeH="0" baseline="0" noProof="0" dirty="0">
+                    <a:ln>
+                      <a:noFill/>
+                    </a:ln>
+                    <a:solidFill>
+                      <a:srgbClr val="37322F"/>
+                    </a:solidFill>
+                    <a:effectLst/>
+                    <a:uLnTx/>
+                    <a:uFillTx/>
+                    <a:latin typeface="Gill Sans Nova" panose="020B0602020104020203" pitchFamily="34" charset="0"/>
+                    <a:ea typeface="+mn-ea"/>
+                    <a:cs typeface="+mn-cs"/>
+                  </a:rPr>
+                  <a:t>Nick </a:t>
+                </a:r>
+                <a:r>
+                  <a:rPr kumimoji="0" lang="en-US" sz="3200" b="0" i="0" u="none" strike="noStrike" kern="1200" cap="none" spc="0" normalizeH="0" baseline="0" noProof="0" dirty="0" err="1">
+                    <a:ln>
+                      <a:noFill/>
+                    </a:ln>
+                    <a:solidFill>
+                      <a:srgbClr val="37322F"/>
+                    </a:solidFill>
+                    <a:effectLst/>
+                    <a:uLnTx/>
+                    <a:uFillTx/>
+                    <a:latin typeface="Gill Sans Nova" panose="020B0602020104020203" pitchFamily="34" charset="0"/>
+                    <a:ea typeface="+mn-ea"/>
+                    <a:cs typeface="+mn-cs"/>
+                  </a:rPr>
+                  <a:t>Cvetojevic</a:t>
+                </a:r>
+                <a:r>
+                  <a:rPr kumimoji="0" lang="en-US" sz="3200" b="0" i="0" u="none" strike="noStrike" kern="1200" cap="none" spc="0" normalizeH="0" baseline="0" noProof="0" dirty="0">
+                    <a:ln>
+                      <a:noFill/>
+                    </a:ln>
+                    <a:solidFill>
+                      <a:srgbClr val="37322F"/>
+                    </a:solidFill>
+                    <a:effectLst/>
+                    <a:uLnTx/>
+                    <a:uFillTx/>
+                    <a:latin typeface="Gill Sans Nova" panose="020B0602020104020203" pitchFamily="34" charset="0"/>
+                    <a:ea typeface="+mn-ea"/>
+                    <a:cs typeface="+mn-cs"/>
+                  </a:rPr>
+                  <a:t> </a:t>
+                </a:r>
+                <a:r>
+                  <a:rPr lang="en-US" sz="3200" dirty="0">
+                    <a:solidFill>
+                      <a:srgbClr val="37322F"/>
+                    </a:solidFill>
+                    <a:latin typeface="Gill Sans Nova" panose="020B0602020104020203" pitchFamily="34" charset="0"/>
+                  </a:rPr>
+                  <a:t>for his help to introduce me to the subject and to Margaux </a:t>
+                </a:r>
+                <a:r>
+                  <a:rPr lang="en-US" sz="3200" dirty="0" err="1">
+                    <a:solidFill>
+                      <a:srgbClr val="37322F"/>
+                    </a:solidFill>
+                    <a:latin typeface="Gill Sans Nova" panose="020B0602020104020203" pitchFamily="34" charset="0"/>
+                  </a:rPr>
+                  <a:t>Abello</a:t>
+                </a:r>
+                <a:r>
+                  <a:rPr lang="en-US" sz="3200" dirty="0">
+                    <a:solidFill>
+                      <a:srgbClr val="37322F"/>
+                    </a:solidFill>
+                    <a:latin typeface="Gill Sans Nova" panose="020B0602020104020203" pitchFamily="34" charset="0"/>
+                  </a:rPr>
+                  <a:t> for her help on the presentations. This thesis is made possible by the PHOTONICS project of the PEPR ORIGINS</a:t>
+                </a:r>
+                <a:endParaRPr lang="en-US" sz="3200" dirty="0">
+                  <a:solidFill>
+                    <a:srgbClr val="37322F"/>
+                  </a:solidFill>
+                  <a:latin typeface="Aptos" panose="02110004020202020204"/>
+                </a:endParaRPr>
+              </a:p>
+            </p:txBody>
+          </p:sp>
+        </p:grpSp>
+        <p:sp>
+          <p:nvSpPr>
+            <p:cNvPr id="36" name="Rectangle : coins arrondis 31">
+              <a:extLst>
+                <a:ext uri="{FF2B5EF4-FFF2-40B4-BE49-F238E27FC236}">
+                  <a16:creationId xmlns:a16="http://schemas.microsoft.com/office/drawing/2014/main" id="{796087E6-C842-52F9-1285-7BB5EF0F26D1}"/>
+                </a:ext>
+              </a:extLst>
+            </p:cNvPr>
+            <p:cNvSpPr>
+              <a:spLocks/>
+            </p:cNvSpPr>
+            <p:nvPr/>
+          </p:nvSpPr>
+          <p:spPr>
+            <a:xfrm>
+              <a:off x="23906359" y="39131752"/>
+              <a:ext cx="8008112" cy="3596938"/>
+            </a:xfrm>
+            <a:prstGeom prst="roundRect">
+              <a:avLst>
+                <a:gd name="adj" fmla="val 17852"/>
+              </a:avLst>
+            </a:prstGeom>
+            <a:solidFill>
+              <a:srgbClr val="E7E1D5"/>
+            </a:solidFill>
+            <a:ln>
+              <a:noFill/>
+            </a:ln>
+          </p:spPr>
+          <p:style>
+            <a:lnRef idx="2">
+              <a:schemeClr val="accent1">
+                <a:shade val="15000"/>
+              </a:schemeClr>
+            </a:lnRef>
+            <a:fillRef idx="1">
+              <a:schemeClr val="accent1"/>
+            </a:fillRef>
+            <a:effectRef idx="0">
+              <a:schemeClr val="accent1"/>
+            </a:effectRef>
+            <a:fontRef idx="minor">
+              <a:schemeClr val="lt1"/>
+            </a:fontRef>
+          </p:style>
+          <p:txBody>
+            <a:bodyPr rtlCol="0" anchor="t"/>
+            <a:lstStyle/>
+            <a:p>
+              <a:pPr marL="0" marR="0" lvl="0" indent="0" algn="ctr" defTabSz="457200" rtl="0" eaLnBrk="1" fontAlgn="auto" latinLnBrk="0" hangingPunct="1">
+                <a:lnSpc>
+                  <a:spcPct val="100000"/>
+                </a:lnSpc>
+                <a:spcBef>
+                  <a:spcPts val="0"/>
+                </a:spcBef>
+                <a:spcAft>
+                  <a:spcPts val="0"/>
+                </a:spcAft>
+                <a:buClrTx/>
+                <a:buSzTx/>
+                <a:buFontTx/>
+                <a:buNone/>
+                <a:tabLst/>
+                <a:defRPr/>
+              </a:pPr>
+              <a:r>
+                <a:rPr kumimoji="0" lang="en-US" sz="4800" b="0" i="0" strike="noStrike" kern="1200" cap="none" spc="0" normalizeH="0" baseline="0" noProof="0" dirty="0">
+                  <a:ln>
+                    <a:noFill/>
+                  </a:ln>
+                  <a:solidFill>
+                    <a:srgbClr val="37322F"/>
+                  </a:solidFill>
+                  <a:effectLst/>
+                  <a:uLnTx/>
+                  <a:uFillTx/>
+                  <a:latin typeface="Congenial SemiBold" panose="02000503040000020004" pitchFamily="2" charset="0"/>
+                  <a:ea typeface="+mn-ea"/>
+                  <a:cs typeface="Aharoni" panose="020F0502020204030204" pitchFamily="2" charset="-79"/>
+                </a:rPr>
+                <a:t>Glossary </a:t>
               </a:r>
               <a:r>
-                <a:rPr lang="fr-FR" sz="2400" dirty="0" err="1">
+                <a:rPr kumimoji="0" lang="fr-FR" sz="4800" b="0" i="0" strike="noStrike" kern="1200" cap="none" spc="0" normalizeH="0" baseline="0" noProof="0" dirty="0">
+                  <a:ln>
+                    <a:noFill/>
+                  </a:ln>
                   <a:solidFill>
-                    <a:schemeClr val="tx1">
-                      <a:lumMod val="50000"/>
-                      <a:lumOff val="50000"/>
-                    </a:schemeClr>
+                    <a:srgbClr val="37322F"/>
+                  </a:solidFill>
+                  <a:effectLst/>
+                  <a:uLnTx/>
+                  <a:uFillTx/>
+                  <a:latin typeface="Congenial SemiBold" panose="02000503040000020004" pitchFamily="2" charset="0"/>
+                  <a:ea typeface="+mn-ea"/>
+                  <a:cs typeface="Aharoni" panose="020F0502020204030204" pitchFamily="2" charset="-79"/>
+                </a:rPr>
+                <a:t>📖</a:t>
+              </a:r>
+              <a:endParaRPr kumimoji="0" lang="en-US" sz="2000" b="0" i="0" strike="noStrike" kern="1200" cap="none" spc="0" normalizeH="0" baseline="0" noProof="0" dirty="0">
+                <a:ln>
+                  <a:noFill/>
+                </a:ln>
+                <a:solidFill>
+                  <a:srgbClr val="37322F"/>
+                </a:solidFill>
+                <a:effectLst/>
+                <a:uLnTx/>
+                <a:uFillTx/>
+                <a:latin typeface="Gill Sans Nova" panose="020B0602020104020203" pitchFamily="34" charset="0"/>
+                <a:ea typeface="+mn-ea"/>
+                <a:cs typeface="Aharoni" panose="020F0502020204030204" pitchFamily="2" charset="-79"/>
+              </a:endParaRPr>
+            </a:p>
+            <a:p>
+              <a:pPr>
+                <a:defRPr/>
+              </a:pPr>
+              <a:r>
+                <a:rPr lang="en-US" sz="3200" b="1" dirty="0">
+                  <a:solidFill>
+                    <a:srgbClr val="37322F"/>
                   </a:solidFill>
                   <a:latin typeface="Gill Sans Nova" panose="020B0602020104020203" pitchFamily="34" charset="0"/>
                 </a:rPr>
-                <a:t>according</a:t>
+                <a:t>AO</a:t>
               </a:r>
               <a:r>
-                <a:rPr lang="fr-FR" sz="2400" dirty="0">
+                <a:rPr lang="en-US" sz="3200" dirty="0">
                   <a:solidFill>
-                    <a:schemeClr val="tx1">
-                      <a:lumMod val="50000"/>
-                      <a:lumOff val="50000"/>
-                    </a:schemeClr>
+                    <a:srgbClr val="37322F"/>
                   </a:solidFill>
                   <a:latin typeface="Gill Sans Nova" panose="020B0602020104020203" pitchFamily="34" charset="0"/>
                 </a:rPr>
-                <a:t> to the input phase </a:t>
+                <a:t>: Adaptative Optics</a:t>
               </a:r>
+            </a:p>
+            <a:p>
+              <a:pPr marR="0" lvl="0" algn="l" defTabSz="457200" rtl="0" eaLnBrk="1" fontAlgn="auto" latinLnBrk="0" hangingPunct="1">
+                <a:lnSpc>
+                  <a:spcPct val="100000"/>
+                </a:lnSpc>
+                <a:spcBef>
+                  <a:spcPts val="0"/>
+                </a:spcBef>
+                <a:spcAft>
+                  <a:spcPts val="0"/>
+                </a:spcAft>
+                <a:buClrTx/>
+                <a:buSzTx/>
+                <a:tabLst/>
+                <a:defRPr/>
+              </a:pPr>
               <a:r>
-                <a:rPr lang="fr-FR" sz="2400" dirty="0" err="1">
+                <a:rPr lang="en-US" sz="3200" b="1" dirty="0">
                   <a:solidFill>
-                    <a:schemeClr val="tx1">
-                      <a:lumMod val="50000"/>
-                      <a:lumOff val="50000"/>
-                    </a:schemeClr>
+                    <a:srgbClr val="37322F"/>
                   </a:solidFill>
                   <a:latin typeface="Gill Sans Nova" panose="020B0602020104020203" pitchFamily="34" charset="0"/>
                 </a:rPr>
-                <a:t>aberations</a:t>
+                <a:t>OPD</a:t>
               </a:r>
               <a:r>
-                <a:rPr lang="fr-FR" sz="2400" dirty="0">
+                <a:rPr lang="en-US" sz="3200" dirty="0">
                   <a:solidFill>
-                    <a:schemeClr val="tx1">
-                      <a:lumMod val="50000"/>
-                      <a:lumOff val="50000"/>
-                    </a:schemeClr>
+                    <a:srgbClr val="37322F"/>
                   </a:solidFill>
                   <a:latin typeface="Gill Sans Nova" panose="020B0602020104020203" pitchFamily="34" charset="0"/>
                 </a:rPr>
-                <a:t>.</a:t>
+                <a:t>: Optical Path Difference</a:t>
+              </a:r>
+            </a:p>
+            <a:p>
+              <a:pPr>
+                <a:defRPr/>
+              </a:pPr>
+              <a:r>
+                <a:rPr lang="en-US" sz="3200" b="1" dirty="0">
+                  <a:solidFill>
+                    <a:srgbClr val="37322F"/>
+                  </a:solidFill>
+                  <a:latin typeface="Gill Sans Nova" panose="020B0602020104020203" pitchFamily="34" charset="0"/>
+                </a:rPr>
+                <a:t>RMS</a:t>
+              </a:r>
+              <a:r>
+                <a:rPr lang="en-US" sz="3200" dirty="0">
+                  <a:solidFill>
+                    <a:srgbClr val="37322F"/>
+                  </a:solidFill>
+                  <a:latin typeface="Gill Sans Nova" panose="020B0602020104020203" pitchFamily="34" charset="0"/>
+                </a:rPr>
+                <a:t>: Root Mean Square</a:t>
+              </a:r>
+              <a:br>
+                <a:rPr lang="en-US" sz="3200" b="1" dirty="0">
+                  <a:solidFill>
+                    <a:srgbClr val="37322F"/>
+                  </a:solidFill>
+                  <a:latin typeface="Gill Sans Nova" panose="020B0602020104020203" pitchFamily="34" charset="0"/>
+                </a:rPr>
+              </a:br>
+              <a:r>
+                <a:rPr lang="en-US" sz="3200" b="1" dirty="0">
+                  <a:solidFill>
+                    <a:srgbClr val="37322F"/>
+                  </a:solidFill>
+                  <a:latin typeface="Gill Sans Nova" panose="020B0602020104020203" pitchFamily="34" charset="0"/>
+                </a:rPr>
+                <a:t>ROC</a:t>
+              </a:r>
+              <a:r>
+                <a:rPr lang="en-US" sz="3200" dirty="0">
+                  <a:solidFill>
+                    <a:srgbClr val="37322F"/>
+                  </a:solidFill>
+                  <a:latin typeface="Gill Sans Nova" panose="020B0602020104020203" pitchFamily="34" charset="0"/>
+                </a:rPr>
+                <a:t>: Receiver operating characteristic</a:t>
+              </a:r>
+            </a:p>
+            <a:p>
+              <a:pPr marR="0" lvl="0" algn="l" defTabSz="457200" rtl="0" eaLnBrk="1" fontAlgn="auto" latinLnBrk="0" hangingPunct="1">
+                <a:lnSpc>
+                  <a:spcPct val="100000"/>
+                </a:lnSpc>
+                <a:spcBef>
+                  <a:spcPts val="0"/>
+                </a:spcBef>
+                <a:spcAft>
+                  <a:spcPts val="0"/>
+                </a:spcAft>
+                <a:buClrTx/>
+                <a:buSzTx/>
+                <a:tabLst/>
+                <a:defRPr/>
+              </a:pPr>
+              <a:r>
+                <a:rPr lang="en-US" sz="3200" b="1" dirty="0">
+                  <a:solidFill>
+                    <a:srgbClr val="37322F"/>
+                  </a:solidFill>
+                  <a:latin typeface="Gill Sans Nova" panose="020B0602020104020203" pitchFamily="34" charset="0"/>
+                </a:rPr>
+                <a:t>VLTI</a:t>
+              </a:r>
+              <a:r>
+                <a:rPr lang="en-US" sz="3200" dirty="0">
+                  <a:solidFill>
+                    <a:srgbClr val="37322F"/>
+                  </a:solidFill>
+                  <a:latin typeface="Gill Sans Nova" panose="020B0602020104020203" pitchFamily="34" charset="0"/>
+                </a:rPr>
+                <a:t>: Very Large Telescope Interferometer</a:t>
               </a:r>
             </a:p>
           </p:txBody>

--- a/docs/Poster/Poster.pptx
+++ b/docs/Poster/Poster.pptx
@@ -243,7 +243,7 @@
           <a:p>
             <a:fld id="{70533FD3-F370-458C-BCE8-160857C0EEE2}" type="datetimeFigureOut">
               <a:rPr lang="fr-FR" smtClean="0"/>
-              <a:t>15/05/2024</a:t>
+              <a:t>16/05/2024</a:t>
             </a:fld>
             <a:endParaRPr lang="fr-FR"/>
           </a:p>
@@ -413,7 +413,7 @@
           <a:p>
             <a:fld id="{70533FD3-F370-458C-BCE8-160857C0EEE2}" type="datetimeFigureOut">
               <a:rPr lang="fr-FR" smtClean="0"/>
-              <a:t>15/05/2024</a:t>
+              <a:t>16/05/2024</a:t>
             </a:fld>
             <a:endParaRPr lang="fr-FR"/>
           </a:p>
@@ -593,7 +593,7 @@
           <a:p>
             <a:fld id="{70533FD3-F370-458C-BCE8-160857C0EEE2}" type="datetimeFigureOut">
               <a:rPr lang="fr-FR" smtClean="0"/>
-              <a:t>15/05/2024</a:t>
+              <a:t>16/05/2024</a:t>
             </a:fld>
             <a:endParaRPr lang="fr-FR"/>
           </a:p>
@@ -763,7 +763,7 @@
           <a:p>
             <a:fld id="{70533FD3-F370-458C-BCE8-160857C0EEE2}" type="datetimeFigureOut">
               <a:rPr lang="fr-FR" smtClean="0"/>
-              <a:t>15/05/2024</a:t>
+              <a:t>16/05/2024</a:t>
             </a:fld>
             <a:endParaRPr lang="fr-FR"/>
           </a:p>
@@ -1009,7 +1009,7 @@
           <a:p>
             <a:fld id="{70533FD3-F370-458C-BCE8-160857C0EEE2}" type="datetimeFigureOut">
               <a:rPr lang="fr-FR" smtClean="0"/>
-              <a:t>15/05/2024</a:t>
+              <a:t>16/05/2024</a:t>
             </a:fld>
             <a:endParaRPr lang="fr-FR"/>
           </a:p>
@@ -1241,7 +1241,7 @@
           <a:p>
             <a:fld id="{70533FD3-F370-458C-BCE8-160857C0EEE2}" type="datetimeFigureOut">
               <a:rPr lang="fr-FR" smtClean="0"/>
-              <a:t>15/05/2024</a:t>
+              <a:t>16/05/2024</a:t>
             </a:fld>
             <a:endParaRPr lang="fr-FR"/>
           </a:p>
@@ -1608,7 +1608,7 @@
           <a:p>
             <a:fld id="{70533FD3-F370-458C-BCE8-160857C0EEE2}" type="datetimeFigureOut">
               <a:rPr lang="fr-FR" smtClean="0"/>
-              <a:t>15/05/2024</a:t>
+              <a:t>16/05/2024</a:t>
             </a:fld>
             <a:endParaRPr lang="fr-FR"/>
           </a:p>
@@ -1726,7 +1726,7 @@
           <a:p>
             <a:fld id="{70533FD3-F370-458C-BCE8-160857C0EEE2}" type="datetimeFigureOut">
               <a:rPr lang="fr-FR" smtClean="0"/>
-              <a:t>15/05/2024</a:t>
+              <a:t>16/05/2024</a:t>
             </a:fld>
             <a:endParaRPr lang="fr-FR"/>
           </a:p>
@@ -1821,7 +1821,7 @@
           <a:p>
             <a:fld id="{70533FD3-F370-458C-BCE8-160857C0EEE2}" type="datetimeFigureOut">
               <a:rPr lang="fr-FR" smtClean="0"/>
-              <a:t>15/05/2024</a:t>
+              <a:t>16/05/2024</a:t>
             </a:fld>
             <a:endParaRPr lang="fr-FR"/>
           </a:p>
@@ -2098,7 +2098,7 @@
           <a:p>
             <a:fld id="{70533FD3-F370-458C-BCE8-160857C0EEE2}" type="datetimeFigureOut">
               <a:rPr lang="fr-FR" smtClean="0"/>
-              <a:t>15/05/2024</a:t>
+              <a:t>16/05/2024</a:t>
             </a:fld>
             <a:endParaRPr lang="fr-FR"/>
           </a:p>
@@ -2355,7 +2355,7 @@
           <a:p>
             <a:fld id="{70533FD3-F370-458C-BCE8-160857C0EEE2}" type="datetimeFigureOut">
               <a:rPr lang="fr-FR" smtClean="0"/>
-              <a:t>15/05/2024</a:t>
+              <a:t>16/05/2024</a:t>
             </a:fld>
             <a:endParaRPr lang="fr-FR"/>
           </a:p>
@@ -2568,7 +2568,7 @@
           <a:p>
             <a:fld id="{70533FD3-F370-458C-BCE8-160857C0EEE2}" type="datetimeFigureOut">
               <a:rPr lang="fr-FR" smtClean="0"/>
-              <a:t>15/05/2024</a:t>
+              <a:t>16/05/2024</a:t>
             </a:fld>
             <a:endParaRPr lang="fr-FR"/>
           </a:p>
@@ -2997,8 +2997,8 @@
         </p:nvSpPr>
         <p:spPr>
           <a:xfrm>
-            <a:off x="10901392" y="23676362"/>
-            <a:ext cx="10425140" cy="15009336"/>
+            <a:off x="10901392" y="23118360"/>
+            <a:ext cx="10425140" cy="15567338"/>
           </a:xfrm>
           <a:prstGeom prst="roundRect">
             <a:avLst>
@@ -3100,7 +3100,7 @@
                 </a:solidFill>
                 <a:latin typeface="Gill Sans Nova" panose="020B0602020104020203" pitchFamily="34" charset="0"/>
               </a:rPr>
-              <a:t>By introducing input phase aberrations, the system is not able to perfectly cancel the star light. By multiplying the observation, we obtain such distribution:</a:t>
+              <a:t>In presence of unavoidable input phase aberrations, the system is not able to perfectly cancel the star light. By performing many observations, we obtain such distribution intensity distribution at the kernels output:</a:t>
             </a:r>
           </a:p>
           <a:p>
@@ -3363,8 +3363,8 @@
             <a:chExt cx="31514388" cy="29425808"/>
           </a:xfrm>
         </p:grpSpPr>
-        <mc:AlternateContent xmlns:mc="http://schemas.openxmlformats.org/markup-compatibility/2006">
-          <mc:Choice xmlns:a14="http://schemas.microsoft.com/office/drawing/2010/main" Requires="a14">
+        <mc:AlternateContent xmlns:mc="http://schemas.openxmlformats.org/markup-compatibility/2006" xmlns:a14="http://schemas.microsoft.com/office/drawing/2010/main">
+          <mc:Choice Requires="a14">
             <p:sp>
               <p:nvSpPr>
                 <p:cNvPr id="5" name="Rectangle : coins arrondis 4">
@@ -3658,7 +3658,7 @@
               </p:txBody>
             </p:sp>
           </mc:Choice>
-          <mc:Fallback>
+          <mc:Fallback xmlns="">
             <p:sp>
               <p:nvSpPr>
                 <p:cNvPr id="5" name="Rectangle : coins arrondis 4">
@@ -3783,9 +3783,9 @@
                 <p:grpSpPr>
                   <a:xfrm>
                     <a:off x="522108" y="7597170"/>
-                    <a:ext cx="31472021" cy="14035858"/>
+                    <a:ext cx="31472021" cy="13475239"/>
                     <a:chOff x="244827" y="7313550"/>
-                    <a:chExt cx="28530054" cy="3454842"/>
+                    <a:chExt cx="28530054" cy="3316849"/>
                   </a:xfrm>
                 </p:grpSpPr>
                 <p:sp>
@@ -3805,7 +3805,7 @@
                   <p:spPr>
                     <a:xfrm>
                       <a:off x="244827" y="7313550"/>
-                      <a:ext cx="15521137" cy="1068764"/>
+                      <a:ext cx="18107376" cy="895324"/>
                     </a:xfrm>
                     <a:prstGeom prst="roundRect">
                       <a:avLst>
@@ -3887,7 +3887,7 @@
                           <a:latin typeface="Gill Sans Nova" panose="020B0602020104020203" pitchFamily="34" charset="0"/>
                           <a:cs typeface="Aharoni" panose="020F0502020204030204" pitchFamily="2" charset="-79"/>
                         </a:rPr>
-                        <a:t>. By integrating 14 active phase shifters, we aim to mitigate phase aberrations caused by manufacturing defects. An algorithm is developed to optimize device performance, validated through simulations and lab experiments. A second phase consist in analyzing intensity distributions produced by Kernel-</a:t>
+                        <a:t>. By integrating 14 active phase shifters, we aim to mitigate phase aberrations caused by manufacturing defects. An algorithm is developed to optimize device performance, validated through simulations and lab experiments. A second step consists in analyzing intensity distributions produced by Kernel-</a:t>
                       </a:r>
                       <a:r>
                         <a:rPr lang="en-US" sz="3200" dirty="0" err="1">
@@ -3907,7 +3907,7 @@
                           <a:latin typeface="Gill Sans Nova" panose="020B0602020104020203" pitchFamily="34" charset="0"/>
                           <a:cs typeface="Aharoni" panose="020F0502020204030204" pitchFamily="2" charset="-79"/>
                         </a:rPr>
-                        <a:t> and applying statistical tests and machine learning to extract science information. This poster present the preliminary results.</a:t>
+                        <a:t> and applying statistical tests and machine learning to extract valuable information. This poster present the preliminary results.</a:t>
                       </a:r>
                     </a:p>
                   </p:txBody>
@@ -3930,8 +3930,8 @@
                       </p:nvSpPr>
                       <p:spPr>
                         <a:xfrm>
-                          <a:off x="9811596" y="8492621"/>
-                          <a:ext cx="9363479" cy="2275771"/>
+                          <a:off x="9811596" y="8319182"/>
+                          <a:ext cx="9363479" cy="2311217"/>
                         </a:xfrm>
                         <a:prstGeom prst="roundRect">
                           <a:avLst>
@@ -4005,7 +4005,7 @@
                               </a:solidFill>
                               <a:latin typeface="Gill Sans Nova" panose="020B0602020104020203" pitchFamily="34" charset="0"/>
                             </a:rPr>
-                            <a:t>To find the best phase shifts to introduce, I proposed an algorithm inspired from dichotomy and gradient descent that accept or reject steps in the parameter space according to the bright </a:t>
+                            <a:t>To find the best phase shifts to introduce, I proposed an algorithm inspired from dichotomy and gradient descent that accepts or rejects steps in the parameter space according to the bright </a:t>
                           </a:r>
                           <a14:m>
                             <m:oMath xmlns:m="http://schemas.openxmlformats.org/officeDocument/2006/math">
@@ -4499,8 +4499,8 @@
                       </p:nvSpPr>
                       <p:spPr>
                         <a:xfrm>
-                          <a:off x="9811596" y="8492621"/>
-                          <a:ext cx="9363479" cy="2275771"/>
+                          <a:off x="9811596" y="8319182"/>
+                          <a:ext cx="9363479" cy="2311217"/>
                         </a:xfrm>
                         <a:prstGeom prst="roundRect">
                           <a:avLst>
@@ -4695,8 +4695,8 @@
                 </p:nvSpPr>
                 <p:spPr>
                   <a:xfrm>
-                    <a:off x="479741" y="12387341"/>
-                    <a:ext cx="10064094" cy="11017236"/>
+                    <a:off x="479741" y="11682712"/>
+                    <a:ext cx="10064094" cy="11721865"/>
                   </a:xfrm>
                   <a:prstGeom prst="roundRect">
                     <a:avLst>
@@ -5138,8 +5138,8 @@
                 </p:txBody>
               </p:sp>
             </p:grpSp>
-            <mc:AlternateContent xmlns:mc="http://schemas.openxmlformats.org/markup-compatibility/2006">
-              <mc:Choice xmlns:a14="http://schemas.microsoft.com/office/drawing/2010/main" Requires="a14">
+            <mc:AlternateContent xmlns:mc="http://schemas.openxmlformats.org/markup-compatibility/2006" xmlns:a14="http://schemas.microsoft.com/office/drawing/2010/main">
+              <mc:Choice Requires="a14">
                 <p:sp>
                   <p:nvSpPr>
                     <p:cNvPr id="31" name="Rectangle : coins arrondis 30">
@@ -5528,24 +5528,7 @@
                           <a:ea typeface="+mn-ea"/>
                           <a:cs typeface="+mn-cs"/>
                         </a:rPr>
-                        <a:t>wo of the main prospects will consist to make these simulations chromatic and confirm these results on </a:t>
-                      </a:r>
-                      <a:r>
-                        <a:rPr kumimoji="0" lang="en-US" sz="3200" b="0" i="0" u="none" strike="noStrike" kern="1200" cap="none" spc="0" normalizeH="0" noProof="0">
-                          <a:ln>
-                            <a:noFill/>
-                          </a:ln>
-                          <a:solidFill>
-                            <a:srgbClr val="37322F"/>
-                          </a:solidFill>
-                          <a:effectLst/>
-                          <a:uLnTx/>
-                          <a:uFillTx/>
-                          <a:latin typeface="Gill Sans Nova" panose="020B0602020104020203" pitchFamily="34" charset="0"/>
-                          <a:ea typeface="+mn-ea"/>
-                          <a:cs typeface="+mn-cs"/>
-                        </a:rPr>
-                        <a:t>a test bed.</a:t>
+                        <a:t>wo of the main prospects will consist to make these simulations chromatic and confirm these results on a test bed.</a:t>
                       </a:r>
                       <a:endParaRPr kumimoji="0" lang="en-US" sz="3200" b="0" i="0" u="none" strike="noStrike" kern="1200" cap="none" spc="0" normalizeH="0" baseline="0" noProof="0" dirty="0">
                         <a:ln>
@@ -5565,7 +5548,7 @@
                   </p:txBody>
                 </p:sp>
               </mc:Choice>
-              <mc:Fallback>
+              <mc:Fallback xmlns="">
                 <p:sp>
                   <p:nvSpPr>
                     <p:cNvPr id="31" name="Rectangle : coins arrondis 30">
@@ -6481,10 +6464,10 @@
       </p:grpSp>
       <p:grpSp>
         <p:nvGrpSpPr>
-          <p:cNvPr id="3" name="Groupe 2">
+          <p:cNvPr id="62" name="Group 61">
             <a:extLst>
               <a:ext uri="{FF2B5EF4-FFF2-40B4-BE49-F238E27FC236}">
-                <a16:creationId xmlns:a16="http://schemas.microsoft.com/office/drawing/2014/main" id="{09F33378-61A4-AD20-FDC4-1DE264916335}"/>
+                <a16:creationId xmlns:a16="http://schemas.microsoft.com/office/drawing/2014/main" id="{A24A9D70-61EC-5A49-566B-0CA889568037}"/>
               </a:ext>
             </a:extLst>
           </p:cNvPr>
@@ -6493,18 +6476,18 @@
         </p:nvGrpSpPr>
         <p:grpSpPr>
           <a:xfrm>
-            <a:off x="18189701" y="8879202"/>
-            <a:ext cx="13293196" cy="4873219"/>
-            <a:chOff x="10380480" y="9259889"/>
-            <a:chExt cx="11479014" cy="4355068"/>
+            <a:off x="20647905" y="8484566"/>
+            <a:ext cx="11308931" cy="5274352"/>
+            <a:chOff x="20647905" y="8484566"/>
+            <a:chExt cx="11308931" cy="5274352"/>
           </a:xfrm>
         </p:grpSpPr>
         <p:pic>
           <p:nvPicPr>
-            <p:cNvPr id="35" name="Image 34" descr="Une image contenant capture d’écran, texte&#10;&#10;Description générée automatiquement">
+            <p:cNvPr id="60" name="Picture 59">
               <a:extLst>
                 <a:ext uri="{FF2B5EF4-FFF2-40B4-BE49-F238E27FC236}">
-                  <a16:creationId xmlns:a16="http://schemas.microsoft.com/office/drawing/2014/main" id="{FB3F1B58-F4C2-8B25-46C5-060328F54D22}"/>
+                  <a16:creationId xmlns:a16="http://schemas.microsoft.com/office/drawing/2014/main" id="{643B1614-9548-AD22-9937-DCD84EEDBD81}"/>
                 </a:ext>
               </a:extLst>
             </p:cNvPr>
@@ -6514,21 +6497,15 @@
             <p:nvPr/>
           </p:nvPicPr>
           <p:blipFill>
-            <a:blip r:embed="rId11">
-              <a:extLst>
-                <a:ext uri="{28A0092B-C50C-407E-A947-70E740481C1C}">
-                  <a14:useLocalDpi xmlns:a14="http://schemas.microsoft.com/office/drawing/2010/main" val="0"/>
-                </a:ext>
-              </a:extLst>
-            </a:blip>
+            <a:blip r:embed="rId11"/>
             <a:stretch>
               <a:fillRect/>
             </a:stretch>
           </p:blipFill>
           <p:spPr>
             <a:xfrm>
-              <a:off x="10380480" y="9259889"/>
-              <a:ext cx="11479014" cy="4355068"/>
+              <a:off x="20647905" y="8484566"/>
+              <a:ext cx="11308931" cy="5274352"/>
             </a:xfrm>
             <a:prstGeom prst="rect">
               <a:avLst/>
@@ -6549,8 +6526,8 @@
           </p:nvSpPr>
           <p:spPr>
             <a:xfrm>
-              <a:off x="10380480" y="13005804"/>
-              <a:ext cx="6705351" cy="412578"/>
+              <a:off x="20948578" y="12837139"/>
+              <a:ext cx="4791745" cy="830997"/>
             </a:xfrm>
             <a:prstGeom prst="rect">
               <a:avLst/>
@@ -6574,7 +6551,30 @@
                   </a:solidFill>
                   <a:latin typeface="Gill Sans Nova" panose="020B0602020104020203" pitchFamily="34" charset="0"/>
                 </a:rPr>
-                <a:t>Figure 1: Scheme of our Kernel-Nulling architecture</a:t>
+                <a:t>Figure 1: Scheme of our</a:t>
+              </a:r>
+              <a:br>
+                <a:rPr lang="en-US" sz="2400" dirty="0">
+                  <a:solidFill>
+                    <a:schemeClr val="tx1">
+                      <a:lumMod val="50000"/>
+                      <a:lumOff val="50000"/>
+                    </a:schemeClr>
+                  </a:solidFill>
+                  <a:latin typeface="Gill Sans Nova" panose="020B0602020104020203" pitchFamily="34" charset="0"/>
+                </a:rPr>
+              </a:br>
+              <a:r>
+                <a:rPr lang="en-US" sz="2400" dirty="0">
+                  <a:solidFill>
+                    <a:schemeClr val="tx1">
+                      <a:lumMod val="50000"/>
+                      <a:lumOff val="50000"/>
+                    </a:schemeClr>
+                  </a:solidFill>
+                  <a:latin typeface="Gill Sans Nova" panose="020B0602020104020203" pitchFamily="34" charset="0"/>
+                </a:rPr>
+                <a:t>Kernel-Nulling architecture</a:t>
               </a:r>
             </a:p>
           </p:txBody>
@@ -6748,7 +6748,7 @@
         </p:nvGrpSpPr>
         <p:grpSpPr>
           <a:xfrm>
-            <a:off x="10953361" y="18007439"/>
+            <a:off x="10928266" y="17436252"/>
             <a:ext cx="10371392" cy="5114553"/>
             <a:chOff x="11020445" y="24520076"/>
             <a:chExt cx="10371392" cy="5114553"/>
@@ -7017,25 +7017,7 @@
                 </a:solidFill>
                 <a:latin typeface="Gill Sans Nova" panose="020B0602020104020203" pitchFamily="34" charset="0"/>
               </a:rPr>
-              <a:t>By weighting the kernel transmission map by the output intensity and integrating it over the parallactic angle, we can dress a map of the source of input light. By cumulating the 3 maps, one can constrain precisely which part of the sky contributed the most to the data we have. Thus, this process reveal the approximative object location, </a:t>
-            </a:r>
-            <a:r>
-              <a:rPr lang="en-US" sz="3200" dirty="0" err="1">
-                <a:solidFill>
-                  <a:srgbClr val="37322F"/>
-                </a:solidFill>
-                <a:latin typeface="Gill Sans Nova" panose="020B0602020104020203" pitchFamily="34" charset="0"/>
-              </a:rPr>
-              <a:t>spreaded</a:t>
-            </a:r>
-            <a:r>
-              <a:rPr lang="en-US" sz="3200" dirty="0">
-                <a:solidFill>
-                  <a:srgbClr val="37322F"/>
-                </a:solidFill>
-                <a:latin typeface="Gill Sans Nova" panose="020B0602020104020203" pitchFamily="34" charset="0"/>
-              </a:rPr>
-              <a:t> by the input phase aberrations.</a:t>
+              <a:t>By weighting the kernel transmission map by the output intensity and integrating it over the parallactic angle, we can dress a map of the source of input light. By cumulating the 3 maps, one can constrain precisely which part of the sky contributed the most to the data we have. Thus, this process reveal the approximative object location, spreaded by the input phase aberrations.</a:t>
             </a:r>
             <a:endParaRPr kumimoji="0" lang="en-US" sz="3200" b="0" i="0" u="none" strike="noStrike" kern="1200" cap="none" spc="0" normalizeH="0" baseline="0" noProof="0" dirty="0">
               <a:ln>
@@ -7064,124 +7046,6 @@
       </p:sp>
       <p:grpSp>
         <p:nvGrpSpPr>
-          <p:cNvPr id="64" name="Groupe 63">
-            <a:extLst>
-              <a:ext uri="{FF2B5EF4-FFF2-40B4-BE49-F238E27FC236}">
-                <a16:creationId xmlns:a16="http://schemas.microsoft.com/office/drawing/2014/main" id="{0692569B-1883-3389-B803-9AE95A03EADA}"/>
-              </a:ext>
-            </a:extLst>
-          </p:cNvPr>
-          <p:cNvGrpSpPr/>
-          <p:nvPr/>
-        </p:nvGrpSpPr>
-        <p:grpSpPr>
-          <a:xfrm>
-            <a:off x="634118" y="21965941"/>
-            <a:ext cx="9724566" cy="2861558"/>
-            <a:chOff x="634118" y="21965941"/>
-            <a:chExt cx="9724566" cy="2861558"/>
-          </a:xfrm>
-        </p:grpSpPr>
-        <p:sp>
-          <p:nvSpPr>
-            <p:cNvPr id="16" name="ZoneTexte 15">
-              <a:extLst>
-                <a:ext uri="{FF2B5EF4-FFF2-40B4-BE49-F238E27FC236}">
-                  <a16:creationId xmlns:a16="http://schemas.microsoft.com/office/drawing/2014/main" id="{177D92A3-40EA-A14A-B88C-91068631BB28}"/>
-                </a:ext>
-              </a:extLst>
-            </p:cNvPr>
-            <p:cNvSpPr txBox="1"/>
-            <p:nvPr/>
-          </p:nvSpPr>
-          <p:spPr>
-            <a:xfrm>
-              <a:off x="4010663" y="22039970"/>
-              <a:ext cx="6348021" cy="2677656"/>
-            </a:xfrm>
-            <a:prstGeom prst="rect">
-              <a:avLst/>
-            </a:prstGeom>
-            <a:noFill/>
-          </p:spPr>
-          <p:txBody>
-            <a:bodyPr wrap="square" rtlCol="0">
-              <a:spAutoFit/>
-            </a:bodyPr>
-            <a:lstStyle/>
-            <a:p>
-              <a:r>
-                <a:rPr lang="en-US" sz="2400" dirty="0">
-                  <a:solidFill>
-                    <a:schemeClr val="tx1">
-                      <a:lumMod val="50000"/>
-                      <a:lumOff val="50000"/>
-                    </a:schemeClr>
-                  </a:solidFill>
-                  <a:latin typeface="Gill Sans Nova" panose="020B0602020104020203" pitchFamily="34" charset="0"/>
-                </a:rPr>
-                <a:t>Figure 3: Transmission map of one of the Kernels obtained using the 4 telescopes of the </a:t>
-              </a:r>
-              <a:r>
-                <a:rPr lang="en-US" sz="2400" b="1" dirty="0">
-                  <a:solidFill>
-                    <a:schemeClr val="tx1">
-                      <a:lumMod val="50000"/>
-                      <a:lumOff val="50000"/>
-                    </a:schemeClr>
-                  </a:solidFill>
-                  <a:latin typeface="Gill Sans Nova" panose="020B0602020104020203" pitchFamily="34" charset="0"/>
-                </a:rPr>
-                <a:t>VLTI</a:t>
-              </a:r>
-              <a:r>
-                <a:rPr lang="en-US" sz="2400" dirty="0">
-                  <a:solidFill>
-                    <a:schemeClr val="tx1">
-                      <a:lumMod val="50000"/>
-                      <a:lumOff val="50000"/>
-                    </a:schemeClr>
-                  </a:solidFill>
-                  <a:latin typeface="Gill Sans Nova" panose="020B0602020104020203" pitchFamily="34" charset="0"/>
-                </a:rPr>
-                <a:t>. The transmission zones and blind bands are directly derived from the telescopes position. By rotating the baseline, we can get a modulated signal from which we can precisely constrain the planet position. (cf. “Parallactic diversity” block)</a:t>
-              </a:r>
-            </a:p>
-          </p:txBody>
-        </p:sp>
-        <p:pic>
-          <p:nvPicPr>
-            <p:cNvPr id="63" name="Image 62">
-              <a:extLst>
-                <a:ext uri="{FF2B5EF4-FFF2-40B4-BE49-F238E27FC236}">
-                  <a16:creationId xmlns:a16="http://schemas.microsoft.com/office/drawing/2014/main" id="{2FBBFA93-784C-8AEB-A417-867B167A7873}"/>
-                </a:ext>
-              </a:extLst>
-            </p:cNvPr>
-            <p:cNvPicPr>
-              <a:picLocks noChangeAspect="1"/>
-            </p:cNvPicPr>
-            <p:nvPr/>
-          </p:nvPicPr>
-          <p:blipFill>
-            <a:blip r:embed="rId16"/>
-            <a:stretch>
-              <a:fillRect/>
-            </a:stretch>
-          </p:blipFill>
-          <p:spPr>
-            <a:xfrm>
-              <a:off x="634118" y="21965941"/>
-              <a:ext cx="3334543" cy="2861558"/>
-            </a:xfrm>
-            <a:prstGeom prst="rect">
-              <a:avLst/>
-            </a:prstGeom>
-          </p:spPr>
-        </p:pic>
-      </p:grpSp>
-      <p:grpSp>
-        <p:nvGrpSpPr>
           <p:cNvPr id="18" name="Group 17">
             <a:extLst>
               <a:ext uri="{FF2B5EF4-FFF2-40B4-BE49-F238E27FC236}">
@@ -7194,7 +7058,7 @@
         </p:nvGrpSpPr>
         <p:grpSpPr>
           <a:xfrm>
-            <a:off x="10883149" y="26099322"/>
+            <a:off x="10953707" y="26144310"/>
             <a:ext cx="10320510" cy="4339261"/>
             <a:chOff x="10971665" y="27299794"/>
             <a:chExt cx="10320510" cy="4339261"/>
@@ -7215,7 +7079,7 @@
             <p:nvPr/>
           </p:nvPicPr>
           <p:blipFill>
-            <a:blip r:embed="rId17"/>
+            <a:blip r:embed="rId16"/>
             <a:stretch>
               <a:fillRect/>
             </a:stretch>
@@ -7304,10 +7168,10 @@
         </p:nvGrpSpPr>
         <p:grpSpPr>
           <a:xfrm>
-            <a:off x="10849848" y="33583032"/>
-            <a:ext cx="10387112" cy="4825537"/>
-            <a:chOff x="10931760" y="33685290"/>
-            <a:chExt cx="10273697" cy="4772848"/>
+            <a:off x="11015754" y="33466124"/>
+            <a:ext cx="10196415" cy="4552643"/>
+            <a:chOff x="11076049" y="34039102"/>
+            <a:chExt cx="10085084" cy="4502934"/>
           </a:xfrm>
         </p:grpSpPr>
         <p:pic>
@@ -7324,16 +7188,15 @@
             </p:cNvPicPr>
             <p:nvPr/>
           </p:nvPicPr>
-          <p:blipFill>
-            <a:blip r:embed="rId18"/>
-            <a:stretch>
-              <a:fillRect/>
-            </a:stretch>
+          <p:blipFill rotWithShape="1">
+            <a:blip r:embed="rId17"/>
+            <a:srcRect r="50887"/>
+            <a:stretch/>
           </p:blipFill>
           <p:spPr>
             <a:xfrm>
-              <a:off x="10931760" y="33685290"/>
-              <a:ext cx="10273697" cy="3916170"/>
+              <a:off x="11076049" y="34039102"/>
+              <a:ext cx="5801645" cy="4502934"/>
             </a:xfrm>
             <a:prstGeom prst="rect">
               <a:avLst/>
@@ -7354,8 +7217,8 @@
           </p:nvSpPr>
           <p:spPr>
             <a:xfrm>
-              <a:off x="12585175" y="37627141"/>
-              <a:ext cx="7227646" cy="830997"/>
+              <a:off x="16877694" y="34334680"/>
+              <a:ext cx="4283439" cy="1552521"/>
             </a:xfrm>
             <a:prstGeom prst="rect">
               <a:avLst/>
@@ -7368,7 +7231,6 @@
             </a:bodyPr>
             <a:lstStyle/>
             <a:p>
-              <a:pPr algn="ctr"/>
               <a:r>
                 <a:rPr lang="en-US" sz="2400" dirty="0">
                   <a:solidFill>
@@ -7403,7 +7265,7 @@
                   </a:solidFill>
                   <a:latin typeface="Gill Sans Nova" panose="020B0602020104020203" pitchFamily="34" charset="0"/>
                 </a:rPr>
-                <a:t> test to estimate the confidence of detection regarding to the probability of false alarm.</a:t>
+                <a:t> test to compare the detection performance of different estimators according to the probability of false alarm.</a:t>
               </a:r>
             </a:p>
           </p:txBody>
@@ -7444,7 +7306,7 @@
             <p:nvPr/>
           </p:nvPicPr>
           <p:blipFill>
-            <a:blip r:embed="rId19"/>
+            <a:blip r:embed="rId18"/>
             <a:stretch>
               <a:fillRect/>
             </a:stretch>
@@ -7539,7 +7401,7 @@
             <p:nvPr/>
           </p:nvPicPr>
           <p:blipFill>
-            <a:blip r:embed="rId20"/>
+            <a:blip r:embed="rId19"/>
             <a:stretch>
               <a:fillRect/>
             </a:stretch>
@@ -7634,7 +7496,7 @@
             <p:nvPr/>
           </p:nvPicPr>
           <p:blipFill>
-            <a:blip r:embed="rId21"/>
+            <a:blip r:embed="rId20"/>
             <a:stretch>
               <a:fillRect/>
             </a:stretch>
@@ -7708,10 +7570,10 @@
         </p:nvGrpSpPr>
         <p:grpSpPr>
           <a:xfrm>
-            <a:off x="442451" y="39131752"/>
-            <a:ext cx="31472020" cy="3596939"/>
-            <a:chOff x="442451" y="39131752"/>
-            <a:chExt cx="31472020" cy="3596939"/>
+            <a:off x="442451" y="39131753"/>
+            <a:ext cx="31434727" cy="3635730"/>
+            <a:chOff x="442451" y="39131753"/>
+            <a:chExt cx="31434727" cy="3635730"/>
           </a:xfrm>
         </p:grpSpPr>
         <p:grpSp>
@@ -7729,9 +7591,9 @@
           <p:grpSpPr>
             <a:xfrm>
               <a:off x="442451" y="39131753"/>
-              <a:ext cx="22989049" cy="3596938"/>
+              <a:ext cx="22703299" cy="3596938"/>
               <a:chOff x="442451" y="36388297"/>
-              <a:chExt cx="22872832" cy="6340395"/>
+              <a:chExt cx="22588526" cy="6340395"/>
             </a:xfrm>
           </p:grpSpPr>
           <p:sp>
@@ -7751,7 +7613,7 @@
             <p:spPr>
               <a:xfrm>
                 <a:off x="442451" y="36388297"/>
-                <a:ext cx="13168540" cy="6340395"/>
+                <a:ext cx="12391438" cy="6340395"/>
               </a:xfrm>
               <a:prstGeom prst="roundRect">
                 <a:avLst>
@@ -7834,7 +7696,7 @@
                   <a:defRPr/>
                 </a:pPr>
                 <a:r>
-                  <a:rPr kumimoji="0" lang="en-US" sz="3200" b="0" i="0" u="none" strike="noStrike" kern="1200" cap="none" spc="0" normalizeH="0" baseline="0" noProof="0" dirty="0" err="1">
+                  <a:rPr kumimoji="0" lang="en-US" sz="3000" b="0" i="0" u="none" strike="noStrike" kern="1200" cap="none" spc="0" normalizeH="0" baseline="0" noProof="0" dirty="0" err="1">
                     <a:ln>
                       <a:noFill/>
                     </a:ln>
@@ -7851,7 +7713,7 @@
                   <a:t>Cvetojevic</a:t>
                 </a:r>
                 <a:r>
-                  <a:rPr kumimoji="0" lang="en-US" sz="3200" b="0" i="0" u="none" strike="noStrike" kern="1200" cap="none" spc="0" normalizeH="0" baseline="0" noProof="0" dirty="0">
+                  <a:rPr kumimoji="0" lang="en-US" sz="3000" b="0" i="0" u="none" strike="noStrike" kern="1200" cap="none" spc="0" normalizeH="0" baseline="0" noProof="0" dirty="0">
                     <a:ln>
                       <a:noFill/>
                     </a:ln>
@@ -7868,7 +7730,7 @@
                   <a:t>, N. et al. </a:t>
                 </a:r>
                 <a:r>
-                  <a:rPr kumimoji="0" lang="en-US" sz="3200" b="0" i="1" u="none" strike="noStrike" kern="1200" cap="none" spc="0" normalizeH="0" baseline="0" noProof="0" dirty="0">
+                  <a:rPr kumimoji="0" lang="en-US" sz="3000" b="0" i="1" u="none" strike="noStrike" kern="1200" cap="none" spc="0" normalizeH="0" baseline="0" noProof="0" dirty="0">
                     <a:ln>
                       <a:noFill/>
                     </a:ln>
@@ -7885,7 +7747,7 @@
                   <a:t>“3-beam self-calibrated Kernel nulling photonic interferometer” </a:t>
                 </a:r>
                 <a:r>
-                  <a:rPr kumimoji="0" lang="en-US" sz="3200" b="0" i="0" u="none" strike="noStrike" kern="1200" cap="none" spc="0" normalizeH="0" baseline="0" noProof="0" dirty="0">
+                  <a:rPr kumimoji="0" lang="en-US" sz="3000" b="0" i="0" u="none" strike="noStrike" kern="1200" cap="none" spc="0" normalizeH="0" baseline="0" noProof="0" dirty="0">
                     <a:ln>
                       <a:noFill/>
                     </a:ln>
@@ -7921,7 +7783,7 @@
                   <a:defRPr/>
                 </a:pPr>
                 <a:r>
-                  <a:rPr kumimoji="0" lang="en-US" sz="3200" b="0" i="0" u="none" strike="noStrike" kern="1200" cap="none" spc="0" normalizeH="0" baseline="0" noProof="0" dirty="0">
+                  <a:rPr kumimoji="0" lang="en-US" sz="3000" b="0" i="0" u="none" strike="noStrike" kern="1200" cap="none" spc="0" normalizeH="0" baseline="0" noProof="0" dirty="0">
                     <a:ln>
                       <a:noFill/>
                     </a:ln>
@@ -7938,7 +7800,7 @@
                   <a:t>Martinache, Frantz, et Michael J. Ireland. </a:t>
                 </a:r>
                 <a:r>
-                  <a:rPr kumimoji="0" lang="en-US" sz="3200" b="0" i="1" u="none" strike="noStrike" kern="1200" cap="none" spc="0" normalizeH="0" baseline="0" noProof="0" dirty="0">
+                  <a:rPr kumimoji="0" lang="en-US" sz="3000" b="0" i="1" u="none" strike="noStrike" kern="1200" cap="none" spc="0" normalizeH="0" baseline="0" noProof="0" dirty="0">
                     <a:ln>
                       <a:noFill/>
                     </a:ln>
@@ -7955,7 +7817,7 @@
                   <a:t>”Kernel-Nulling for a Robust Direct Interferometric Detection of Extrasolar Planets”. </a:t>
                 </a:r>
                 <a:r>
-                  <a:rPr kumimoji="0" lang="en-US" sz="3200" b="0" i="0" u="none" strike="noStrike" kern="1200" cap="none" spc="0" normalizeH="0" baseline="0" noProof="0" dirty="0">
+                  <a:rPr kumimoji="0" lang="en-US" sz="3000" b="0" i="0" u="none" strike="noStrike" kern="1200" cap="none" spc="0" normalizeH="0" baseline="0" noProof="0" dirty="0">
                     <a:ln>
                       <a:noFill/>
                     </a:ln>
@@ -7990,8 +7852,8 @@
             </p:nvSpPr>
             <p:spPr>
               <a:xfrm>
-                <a:off x="14083449" y="36388297"/>
-                <a:ext cx="9231834" cy="6340395"/>
+                <a:off x="13251557" y="36388297"/>
+                <a:ext cx="9779420" cy="6340395"/>
               </a:xfrm>
               <a:prstGeom prst="roundRect">
                 <a:avLst>
@@ -8087,7 +7949,7 @@
                   <a:defRPr/>
                 </a:pPr>
                 <a:r>
-                  <a:rPr lang="en-US" sz="3200" dirty="0">
+                  <a:rPr lang="en-US" sz="3000" dirty="0">
                     <a:solidFill>
                       <a:srgbClr val="37322F"/>
                     </a:solidFill>
@@ -8096,7 +7958,7 @@
                   <a:t>T</a:t>
                 </a:r>
                 <a:r>
-                  <a:rPr kumimoji="0" lang="en-US" sz="3200" b="0" i="0" u="none" strike="noStrike" kern="1200" cap="none" spc="0" normalizeH="0" baseline="0" noProof="0" dirty="0">
+                  <a:rPr kumimoji="0" lang="en-US" sz="3000" b="0" i="0" u="none" strike="noStrike" kern="1200" cap="none" spc="0" normalizeH="0" baseline="0" noProof="0" dirty="0">
                     <a:ln>
                       <a:noFill/>
                     </a:ln>
@@ -8113,7 +7975,7 @@
                   <a:t>hanks to Romain </a:t>
                 </a:r>
                 <a:r>
-                  <a:rPr kumimoji="0" lang="en-US" sz="3200" b="0" i="0" u="none" strike="noStrike" kern="1200" cap="none" spc="0" normalizeH="0" baseline="0" noProof="0" dirty="0" err="1">
+                  <a:rPr kumimoji="0" lang="en-US" sz="3000" b="0" i="0" u="none" strike="noStrike" kern="1200" cap="none" spc="0" normalizeH="0" baseline="0" noProof="0" dirty="0" err="1">
                     <a:ln>
                       <a:noFill/>
                     </a:ln>
@@ -8130,7 +7992,7 @@
                   <a:t>Laugier</a:t>
                 </a:r>
                 <a:r>
-                  <a:rPr lang="en-US" sz="3200" dirty="0">
+                  <a:rPr lang="en-US" sz="3000" dirty="0">
                     <a:solidFill>
                       <a:srgbClr val="37322F"/>
                     </a:solidFill>
@@ -8139,7 +8001,7 @@
                   <a:t> for his many wise advices, to </a:t>
                 </a:r>
                 <a:r>
-                  <a:rPr kumimoji="0" lang="en-US" sz="3200" b="0" i="0" u="none" strike="noStrike" kern="1200" cap="none" spc="0" normalizeH="0" baseline="0" noProof="0" dirty="0">
+                  <a:rPr kumimoji="0" lang="en-US" sz="3000" b="0" i="0" u="none" strike="noStrike" kern="1200" cap="none" spc="0" normalizeH="0" baseline="0" noProof="0" dirty="0">
                     <a:ln>
                       <a:noFill/>
                     </a:ln>
@@ -8156,7 +8018,7 @@
                   <a:t>Nick </a:t>
                 </a:r>
                 <a:r>
-                  <a:rPr kumimoji="0" lang="en-US" sz="3200" b="0" i="0" u="none" strike="noStrike" kern="1200" cap="none" spc="0" normalizeH="0" baseline="0" noProof="0" dirty="0" err="1">
+                  <a:rPr kumimoji="0" lang="en-US" sz="3000" b="0" i="0" u="none" strike="noStrike" kern="1200" cap="none" spc="0" normalizeH="0" baseline="0" noProof="0" dirty="0" err="1">
                     <a:ln>
                       <a:noFill/>
                     </a:ln>
@@ -8173,7 +8035,7 @@
                   <a:t>Cvetojevic</a:t>
                 </a:r>
                 <a:r>
-                  <a:rPr kumimoji="0" lang="en-US" sz="3200" b="0" i="0" u="none" strike="noStrike" kern="1200" cap="none" spc="0" normalizeH="0" baseline="0" noProof="0" dirty="0">
+                  <a:rPr kumimoji="0" lang="en-US" sz="3000" b="0" i="0" u="none" strike="noStrike" kern="1200" cap="none" spc="0" normalizeH="0" baseline="0" noProof="0" dirty="0">
                     <a:ln>
                       <a:noFill/>
                     </a:ln>
@@ -8190,16 +8052,16 @@
                   <a:t> </a:t>
                 </a:r>
                 <a:r>
-                  <a:rPr lang="en-US" sz="3200" dirty="0">
+                  <a:rPr lang="en-US" sz="3000" dirty="0">
                     <a:solidFill>
                       <a:srgbClr val="37322F"/>
                     </a:solidFill>
                     <a:latin typeface="Gill Sans Nova" panose="020B0602020104020203" pitchFamily="34" charset="0"/>
                   </a:rPr>
-                  <a:t>for his help to introduce me to the subject and to Margaux </a:t>
+                  <a:t>for his help to introduce me to the subject and Margaux </a:t>
                 </a:r>
                 <a:r>
-                  <a:rPr lang="en-US" sz="3200" dirty="0" err="1">
+                  <a:rPr lang="en-US" sz="3000" dirty="0" err="1">
                     <a:solidFill>
                       <a:srgbClr val="37322F"/>
                     </a:solidFill>
@@ -8208,15 +8070,33 @@
                   <a:t>Abello</a:t>
                 </a:r>
                 <a:r>
-                  <a:rPr lang="en-US" sz="3200" dirty="0">
+                  <a:rPr lang="en-US" sz="3000" dirty="0">
                     <a:solidFill>
                       <a:srgbClr val="37322F"/>
                     </a:solidFill>
                     <a:latin typeface="Gill Sans Nova" panose="020B0602020104020203" pitchFamily="34" charset="0"/>
                   </a:rPr>
-                  <a:t> for her help on the presentations. This thesis is made possible by the PHOTONICS project of the PEPR ORIGINS</a:t>
+                  <a:t> for the help on the presentations. This thesis is made possible by the PHOTONICS project of the PEPR ORIGINS and Thales </a:t>
                 </a:r>
-                <a:endParaRPr lang="en-US" sz="3200" dirty="0">
+                <a:r>
+                  <a:rPr lang="en-US" sz="3000" dirty="0" err="1">
+                    <a:solidFill>
+                      <a:srgbClr val="37322F"/>
+                    </a:solidFill>
+                    <a:latin typeface="Gill Sans Nova" panose="020B0602020104020203" pitchFamily="34" charset="0"/>
+                  </a:rPr>
+                  <a:t>Alenia</a:t>
+                </a:r>
+                <a:r>
+                  <a:rPr lang="en-US" sz="3000" dirty="0">
+                    <a:solidFill>
+                      <a:srgbClr val="37322F"/>
+                    </a:solidFill>
+                    <a:latin typeface="Gill Sans Nova" panose="020B0602020104020203" pitchFamily="34" charset="0"/>
+                  </a:rPr>
+                  <a:t> Space</a:t>
+                </a:r>
+                <a:endParaRPr lang="en-US" sz="3000" dirty="0">
                   <a:solidFill>
                     <a:srgbClr val="37322F"/>
                   </a:solidFill>
@@ -8242,8 +8122,8 @@
           </p:nvSpPr>
           <p:spPr>
             <a:xfrm>
-              <a:off x="23906359" y="39131752"/>
-              <a:ext cx="8008112" cy="3596938"/>
+              <a:off x="23565539" y="39170545"/>
+              <a:ext cx="8311639" cy="3596938"/>
             </a:xfrm>
             <a:prstGeom prst="roundRect">
               <a:avLst>
@@ -8348,7 +8228,7 @@
                 <a:defRPr/>
               </a:pPr>
               <a:r>
-                <a:rPr lang="en-US" sz="3200" b="1" dirty="0">
+                <a:rPr lang="en-US" sz="3000" b="1" dirty="0">
                   <a:solidFill>
                     <a:srgbClr val="37322F"/>
                   </a:solidFill>
@@ -8357,7 +8237,7 @@
                 <a:t>AO</a:t>
               </a:r>
               <a:r>
-                <a:rPr lang="en-US" sz="3200" dirty="0">
+                <a:rPr lang="en-US" sz="3000" dirty="0">
                   <a:solidFill>
                     <a:srgbClr val="37322F"/>
                   </a:solidFill>
@@ -8383,7 +8263,7 @@
                 <a:defRPr/>
               </a:pPr>
               <a:r>
-                <a:rPr lang="en-US" sz="3200" b="1" dirty="0">
+                <a:rPr lang="en-US" sz="3000" b="1" dirty="0">
                   <a:solidFill>
                     <a:srgbClr val="37322F"/>
                   </a:solidFill>
@@ -8392,7 +8272,7 @@
                 <a:t>OPD</a:t>
               </a:r>
               <a:r>
-                <a:rPr lang="en-US" sz="3200" dirty="0">
+                <a:rPr lang="en-US" sz="3000" dirty="0">
                   <a:solidFill>
                     <a:srgbClr val="37322F"/>
                   </a:solidFill>
@@ -8406,7 +8286,7 @@
                 <a:defRPr/>
               </a:pPr>
               <a:r>
-                <a:rPr lang="en-US" sz="3200" b="1" dirty="0">
+                <a:rPr lang="en-US" sz="3000" b="1" dirty="0">
                   <a:solidFill>
                     <a:srgbClr val="37322F"/>
                   </a:solidFill>
@@ -8415,7 +8295,7 @@
                 <a:t>RMS</a:t>
               </a:r>
               <a:r>
-                <a:rPr lang="en-US" sz="3200" dirty="0">
+                <a:rPr lang="en-US" sz="3000" dirty="0">
                   <a:solidFill>
                     <a:srgbClr val="37322F"/>
                   </a:solidFill>
@@ -8424,7 +8304,7 @@
                 <a:t>: Root Mean Square</a:t>
               </a:r>
               <a:br>
-                <a:rPr lang="en-US" sz="3200" b="1" dirty="0">
+                <a:rPr lang="en-US" sz="3000" b="1" dirty="0">
                   <a:solidFill>
                     <a:srgbClr val="37322F"/>
                   </a:solidFill>
@@ -8432,7 +8312,7 @@
                 </a:rPr>
               </a:br>
               <a:r>
-                <a:rPr lang="en-US" sz="3200" b="1" dirty="0">
+                <a:rPr lang="en-US" sz="3000" b="1" dirty="0">
                   <a:solidFill>
                     <a:srgbClr val="37322F"/>
                   </a:solidFill>
@@ -8441,7 +8321,7 @@
                 <a:t>ROC</a:t>
               </a:r>
               <a:r>
-                <a:rPr lang="en-US" sz="3200" dirty="0">
+                <a:rPr lang="en-US" sz="3000" dirty="0">
                   <a:solidFill>
                     <a:srgbClr val="37322F"/>
                   </a:solidFill>
@@ -8467,7 +8347,7 @@
                 <a:defRPr/>
               </a:pPr>
               <a:r>
-                <a:rPr lang="en-US" sz="3200" b="1" dirty="0">
+                <a:rPr lang="en-US" sz="3000" b="1" dirty="0">
                   <a:solidFill>
                     <a:srgbClr val="37322F"/>
                   </a:solidFill>
@@ -8476,7 +8356,7 @@
                 <a:t>VLTI</a:t>
               </a:r>
               <a:r>
-                <a:rPr lang="en-US" sz="3200" dirty="0">
+                <a:rPr lang="en-US" sz="3000" dirty="0">
                   <a:solidFill>
                     <a:srgbClr val="37322F"/>
                   </a:solidFill>
@@ -8487,6 +8367,124 @@
             </a:p>
           </p:txBody>
         </p:sp>
+      </p:grpSp>
+      <p:grpSp>
+        <p:nvGrpSpPr>
+          <p:cNvPr id="58" name="Group 57">
+            <a:extLst>
+              <a:ext uri="{FF2B5EF4-FFF2-40B4-BE49-F238E27FC236}">
+                <a16:creationId xmlns:a16="http://schemas.microsoft.com/office/drawing/2014/main" id="{9FA464FC-D303-07D1-089C-D90855672DE3}"/>
+              </a:ext>
+            </a:extLst>
+          </p:cNvPr>
+          <p:cNvGrpSpPr/>
+          <p:nvPr/>
+        </p:nvGrpSpPr>
+        <p:grpSpPr>
+          <a:xfrm>
+            <a:off x="536682" y="21965941"/>
+            <a:ext cx="9822002" cy="2963550"/>
+            <a:chOff x="536682" y="21965941"/>
+            <a:chExt cx="9822002" cy="2963550"/>
+          </a:xfrm>
+        </p:grpSpPr>
+        <p:sp>
+          <p:nvSpPr>
+            <p:cNvPr id="16" name="ZoneTexte 15">
+              <a:extLst>
+                <a:ext uri="{FF2B5EF4-FFF2-40B4-BE49-F238E27FC236}">
+                  <a16:creationId xmlns:a16="http://schemas.microsoft.com/office/drawing/2014/main" id="{177D92A3-40EA-A14A-B88C-91068631BB28}"/>
+                </a:ext>
+              </a:extLst>
+            </p:cNvPr>
+            <p:cNvSpPr txBox="1"/>
+            <p:nvPr/>
+          </p:nvSpPr>
+          <p:spPr>
+            <a:xfrm>
+              <a:off x="4010663" y="22039970"/>
+              <a:ext cx="6348021" cy="2677656"/>
+            </a:xfrm>
+            <a:prstGeom prst="rect">
+              <a:avLst/>
+            </a:prstGeom>
+            <a:noFill/>
+          </p:spPr>
+          <p:txBody>
+            <a:bodyPr wrap="square" rtlCol="0">
+              <a:spAutoFit/>
+            </a:bodyPr>
+            <a:lstStyle/>
+            <a:p>
+              <a:r>
+                <a:rPr lang="en-US" sz="2400" dirty="0">
+                  <a:solidFill>
+                    <a:schemeClr val="tx1">
+                      <a:lumMod val="50000"/>
+                      <a:lumOff val="50000"/>
+                    </a:schemeClr>
+                  </a:solidFill>
+                  <a:latin typeface="Gill Sans Nova" panose="020B0602020104020203" pitchFamily="34" charset="0"/>
+                </a:rPr>
+                <a:t>Figure 3: Transmission map of one of the Kernels obtained using the 4 telescopes of the </a:t>
+              </a:r>
+              <a:r>
+                <a:rPr lang="en-US" sz="2400" b="1" dirty="0">
+                  <a:solidFill>
+                    <a:schemeClr val="tx1">
+                      <a:lumMod val="50000"/>
+                      <a:lumOff val="50000"/>
+                    </a:schemeClr>
+                  </a:solidFill>
+                  <a:latin typeface="Gill Sans Nova" panose="020B0602020104020203" pitchFamily="34" charset="0"/>
+                </a:rPr>
+                <a:t>VLTI</a:t>
+              </a:r>
+              <a:r>
+                <a:rPr lang="en-US" sz="2400" dirty="0">
+                  <a:solidFill>
+                    <a:schemeClr val="tx1">
+                      <a:lumMod val="50000"/>
+                      <a:lumOff val="50000"/>
+                    </a:schemeClr>
+                  </a:solidFill>
+                  <a:latin typeface="Gill Sans Nova" panose="020B0602020104020203" pitchFamily="34" charset="0"/>
+                </a:rPr>
+                <a:t>. The transmission zones and blind bands are directly derived from the telescopes position. By rotating the baseline, we can get a modulated signal from which we can precisely constrain the planet position. (cf. “Parallactic diversity” block)</a:t>
+              </a:r>
+            </a:p>
+          </p:txBody>
+        </p:sp>
+        <p:pic>
+          <p:nvPicPr>
+            <p:cNvPr id="56" name="Picture 55">
+              <a:extLst>
+                <a:ext uri="{FF2B5EF4-FFF2-40B4-BE49-F238E27FC236}">
+                  <a16:creationId xmlns:a16="http://schemas.microsoft.com/office/drawing/2014/main" id="{3D5419A0-B253-6404-F65C-36D8623715B1}"/>
+                </a:ext>
+              </a:extLst>
+            </p:cNvPr>
+            <p:cNvPicPr>
+              <a:picLocks noChangeAspect="1"/>
+            </p:cNvPicPr>
+            <p:nvPr/>
+          </p:nvPicPr>
+          <p:blipFill>
+            <a:blip r:embed="rId21"/>
+            <a:stretch>
+              <a:fillRect/>
+            </a:stretch>
+          </p:blipFill>
+          <p:spPr>
+            <a:xfrm>
+              <a:off x="536682" y="21965941"/>
+              <a:ext cx="3473981" cy="2963550"/>
+            </a:xfrm>
+            <a:prstGeom prst="rect">
+              <a:avLst/>
+            </a:prstGeom>
+          </p:spPr>
+        </p:pic>
       </p:grpSp>
     </p:spTree>
     <p:extLst>

--- a/docs/Poster/Poster.pptx
+++ b/docs/Poster/Poster.pptx
@@ -243,7 +243,7 @@
           <a:p>
             <a:fld id="{70533FD3-F370-458C-BCE8-160857C0EEE2}" type="datetimeFigureOut">
               <a:rPr lang="fr-FR" smtClean="0"/>
-              <a:t>16/05/2024</a:t>
+              <a:t>21/05/2024</a:t>
             </a:fld>
             <a:endParaRPr lang="fr-FR"/>
           </a:p>
@@ -413,7 +413,7 @@
           <a:p>
             <a:fld id="{70533FD3-F370-458C-BCE8-160857C0EEE2}" type="datetimeFigureOut">
               <a:rPr lang="fr-FR" smtClean="0"/>
-              <a:t>16/05/2024</a:t>
+              <a:t>21/05/2024</a:t>
             </a:fld>
             <a:endParaRPr lang="fr-FR"/>
           </a:p>
@@ -593,7 +593,7 @@
           <a:p>
             <a:fld id="{70533FD3-F370-458C-BCE8-160857C0EEE2}" type="datetimeFigureOut">
               <a:rPr lang="fr-FR" smtClean="0"/>
-              <a:t>16/05/2024</a:t>
+              <a:t>21/05/2024</a:t>
             </a:fld>
             <a:endParaRPr lang="fr-FR"/>
           </a:p>
@@ -763,7 +763,7 @@
           <a:p>
             <a:fld id="{70533FD3-F370-458C-BCE8-160857C0EEE2}" type="datetimeFigureOut">
               <a:rPr lang="fr-FR" smtClean="0"/>
-              <a:t>16/05/2024</a:t>
+              <a:t>21/05/2024</a:t>
             </a:fld>
             <a:endParaRPr lang="fr-FR"/>
           </a:p>
@@ -1009,7 +1009,7 @@
           <a:p>
             <a:fld id="{70533FD3-F370-458C-BCE8-160857C0EEE2}" type="datetimeFigureOut">
               <a:rPr lang="fr-FR" smtClean="0"/>
-              <a:t>16/05/2024</a:t>
+              <a:t>21/05/2024</a:t>
             </a:fld>
             <a:endParaRPr lang="fr-FR"/>
           </a:p>
@@ -1241,7 +1241,7 @@
           <a:p>
             <a:fld id="{70533FD3-F370-458C-BCE8-160857C0EEE2}" type="datetimeFigureOut">
               <a:rPr lang="fr-FR" smtClean="0"/>
-              <a:t>16/05/2024</a:t>
+              <a:t>21/05/2024</a:t>
             </a:fld>
             <a:endParaRPr lang="fr-FR"/>
           </a:p>
@@ -1608,7 +1608,7 @@
           <a:p>
             <a:fld id="{70533FD3-F370-458C-BCE8-160857C0EEE2}" type="datetimeFigureOut">
               <a:rPr lang="fr-FR" smtClean="0"/>
-              <a:t>16/05/2024</a:t>
+              <a:t>21/05/2024</a:t>
             </a:fld>
             <a:endParaRPr lang="fr-FR"/>
           </a:p>
@@ -1726,7 +1726,7 @@
           <a:p>
             <a:fld id="{70533FD3-F370-458C-BCE8-160857C0EEE2}" type="datetimeFigureOut">
               <a:rPr lang="fr-FR" smtClean="0"/>
-              <a:t>16/05/2024</a:t>
+              <a:t>21/05/2024</a:t>
             </a:fld>
             <a:endParaRPr lang="fr-FR"/>
           </a:p>
@@ -1821,7 +1821,7 @@
           <a:p>
             <a:fld id="{70533FD3-F370-458C-BCE8-160857C0EEE2}" type="datetimeFigureOut">
               <a:rPr lang="fr-FR" smtClean="0"/>
-              <a:t>16/05/2024</a:t>
+              <a:t>21/05/2024</a:t>
             </a:fld>
             <a:endParaRPr lang="fr-FR"/>
           </a:p>
@@ -2098,7 +2098,7 @@
           <a:p>
             <a:fld id="{70533FD3-F370-458C-BCE8-160857C0EEE2}" type="datetimeFigureOut">
               <a:rPr lang="fr-FR" smtClean="0"/>
-              <a:t>16/05/2024</a:t>
+              <a:t>21/05/2024</a:t>
             </a:fld>
             <a:endParaRPr lang="fr-FR"/>
           </a:p>
@@ -2355,7 +2355,7 @@
           <a:p>
             <a:fld id="{70533FD3-F370-458C-BCE8-160857C0EEE2}" type="datetimeFigureOut">
               <a:rPr lang="fr-FR" smtClean="0"/>
-              <a:t>16/05/2024</a:t>
+              <a:t>21/05/2024</a:t>
             </a:fld>
             <a:endParaRPr lang="fr-FR"/>
           </a:p>
@@ -2568,7 +2568,7 @@
           <a:p>
             <a:fld id="{70533FD3-F370-458C-BCE8-160857C0EEE2}" type="datetimeFigureOut">
               <a:rPr lang="fr-FR" smtClean="0"/>
-              <a:t>16/05/2024</a:t>
+              <a:t>21/05/2024</a:t>
             </a:fld>
             <a:endParaRPr lang="fr-FR"/>
           </a:p>
@@ -3782,10 +3782,10 @@
                 </p:nvGrpSpPr>
                 <p:grpSpPr>
                   <a:xfrm>
-                    <a:off x="522108" y="7597170"/>
-                    <a:ext cx="31472021" cy="13475239"/>
-                    <a:chOff x="244827" y="7313550"/>
-                    <a:chExt cx="28530054" cy="3316849"/>
+                    <a:off x="522107" y="7597170"/>
+                    <a:ext cx="31472022" cy="13475239"/>
+                    <a:chOff x="244826" y="7313550"/>
+                    <a:chExt cx="28530055" cy="3316849"/>
                   </a:xfrm>
                 </p:grpSpPr>
                 <p:sp>
@@ -3804,8 +3804,8 @@
                   </p:nvSpPr>
                   <p:spPr>
                     <a:xfrm>
-                      <a:off x="244827" y="7313550"/>
-                      <a:ext cx="18107376" cy="895324"/>
+                      <a:off x="244826" y="7313550"/>
+                      <a:ext cx="18390245" cy="895324"/>
                     </a:xfrm>
                     <a:prstGeom prst="roundRect">
                       <a:avLst>
@@ -3867,7 +3867,7 @@
                           <a:latin typeface="Gill Sans Nova" panose="020B0602020104020203" pitchFamily="34" charset="0"/>
                           <a:cs typeface="Aharoni" panose="020F0502020204030204" pitchFamily="2" charset="-79"/>
                         </a:rPr>
-                        <a:t>This thesis aim to enhance nulling interferometry for exoplanet detection using a four-telescope architecture named Kernel-</a:t>
+                        <a:t>This poster present a thesis that aim to enhance nulling interferometry for exoplanet detection using a four-telescope architecture named Kernel-</a:t>
                       </a:r>
                       <a:r>
                         <a:rPr lang="en-US" sz="3200" dirty="0" err="1">
@@ -3912,8 +3912,8 @@
                     </a:p>
                   </p:txBody>
                 </p:sp>
-                <mc:AlternateContent xmlns:mc="http://schemas.openxmlformats.org/markup-compatibility/2006">
-                  <mc:Choice xmlns:a14="http://schemas.microsoft.com/office/drawing/2010/main" Requires="a14">
+                <mc:AlternateContent xmlns:mc="http://schemas.openxmlformats.org/markup-compatibility/2006" xmlns:a14="http://schemas.microsoft.com/office/drawing/2010/main">
+                  <mc:Choice Requires="a14">
                     <p:sp>
                       <p:nvSpPr>
                         <p:cNvPr id="10" name="Rectangle : coins arrondis 9">
@@ -4482,7 +4482,7 @@
                       </p:txBody>
                     </p:sp>
                   </mc:Choice>
-                  <mc:Fallback>
+                  <mc:Fallback xmlns="">
                     <p:sp>
                       <p:nvSpPr>
                         <p:cNvPr id="10" name="Rectangle : coins arrondis 9">
@@ -6274,7 +6274,7 @@
         </p:nvGrpSpPr>
         <p:grpSpPr>
           <a:xfrm>
-            <a:off x="5270021" y="16964961"/>
+            <a:off x="5311929" y="16357856"/>
             <a:ext cx="5046755" cy="5000980"/>
             <a:chOff x="1704197" y="29511457"/>
             <a:chExt cx="8039500" cy="7966579"/>
@@ -6476,7 +6476,7 @@
         </p:nvGrpSpPr>
         <p:grpSpPr>
           <a:xfrm>
-            <a:off x="20647905" y="8484566"/>
+            <a:off x="20796527" y="8476288"/>
             <a:ext cx="11308931" cy="5274352"/>
             <a:chOff x="20647905" y="8484566"/>
             <a:chExt cx="11308931" cy="5274352"/>
@@ -8382,7 +8382,7 @@
         </p:nvGrpSpPr>
         <p:grpSpPr>
           <a:xfrm>
-            <a:off x="536682" y="21965941"/>
+            <a:off x="553765" y="21841803"/>
             <a:ext cx="9822002" cy="2963550"/>
             <a:chOff x="536682" y="21965941"/>
             <a:chExt cx="9822002" cy="2963550"/>

--- a/docs/Poster/Poster.pptx
+++ b/docs/Poster/Poster.pptx
@@ -2997,8 +2997,8 @@
         </p:nvSpPr>
         <p:spPr>
           <a:xfrm>
-            <a:off x="10901392" y="23118360"/>
-            <a:ext cx="10425140" cy="15567338"/>
+            <a:off x="10989802" y="23540896"/>
+            <a:ext cx="10336729" cy="15144801"/>
           </a:xfrm>
           <a:prstGeom prst="roundRect">
             <a:avLst>
@@ -3094,13 +3094,13 @@
               <a:defRPr/>
             </a:pPr>
             <a:r>
-              <a:rPr lang="en-US" sz="3200" dirty="0">
+              <a:rPr lang="en-US" sz="3000" dirty="0">
                 <a:solidFill>
                   <a:srgbClr val="37322F"/>
                 </a:solidFill>
                 <a:latin typeface="Gill Sans Nova" panose="020B0602020104020203" pitchFamily="34" charset="0"/>
               </a:rPr>
-              <a:t>In presence of unavoidable input phase aberrations, the system is not able to perfectly cancel the star light. By performing many observations, we obtain such distribution intensity distribution at the kernels output:</a:t>
+              <a:t>In presence of unavoidable input phase aberrations, the system is not able to perfectly cancel the star light. By performing many observations, we obtain some intensity distribution intensity at the kernels output.</a:t>
             </a:r>
           </a:p>
           <a:p>
@@ -3327,15 +3327,15 @@
               <a:defRPr/>
             </a:pPr>
             <a:r>
-              <a:rPr lang="en-US" sz="3200" dirty="0">
+              <a:rPr lang="en-US" sz="3000" dirty="0">
                 <a:solidFill>
                   <a:srgbClr val="37322F"/>
                 </a:solidFill>
                 <a:latin typeface="Gill Sans Nova" panose="020B0602020104020203" pitchFamily="34" charset="0"/>
               </a:rPr>
-              <a:t>The presence of an exoplanet in the field of view result in a shift of the distribution. The more the planet will be bright, the more the shift will be pronounced. In practice, both distribution are almost indistinguishable. We then test several estimators to retrieve the true value of the signal and then estimate the probability of detection.</a:t>
+              <a:t>The presence of an exoplanet in the field of view result in a shift of the distribution. The brighter the planet, the more pronounced the shift will be. When one increase the contrast, both distributions quickly become hard to distinguish. One then study different statistical (Fig. 11) tests to determine the one offering the best detection reliability.</a:t>
             </a:r>
-            <a:endParaRPr lang="en-US" dirty="0">
+            <a:endParaRPr lang="en-US" sz="3000" dirty="0">
               <a:solidFill>
                 <a:srgbClr val="37322F"/>
               </a:solidFill>
@@ -3357,10 +3357,10 @@
         </p:nvGrpSpPr>
         <p:grpSpPr>
           <a:xfrm>
-            <a:off x="400085" y="9259890"/>
-            <a:ext cx="31514388" cy="29425808"/>
-            <a:chOff x="400085" y="9259890"/>
-            <a:chExt cx="31514388" cy="29425808"/>
+            <a:off x="400085" y="9259891"/>
+            <a:ext cx="31514388" cy="29425807"/>
+            <a:chOff x="400085" y="9259891"/>
+            <a:chExt cx="31514388" cy="29425807"/>
           </a:xfrm>
         </p:grpSpPr>
         <mc:AlternateContent xmlns:mc="http://schemas.openxmlformats.org/markup-compatibility/2006" xmlns:a14="http://schemas.microsoft.com/office/drawing/2010/main">
@@ -3481,7 +3481,7 @@
                     <a:defRPr/>
                   </a:pPr>
                   <a:r>
-                    <a:rPr lang="en-US" sz="3200" dirty="0">
+                    <a:rPr lang="en-US" sz="3000" dirty="0">
                       <a:solidFill>
                         <a:srgbClr val="37322F"/>
                       </a:solidFill>
@@ -3490,7 +3490,7 @@
                     <a:t>Coming from telecom technologies, the thermo-optic phase shifters consist in heating a fiber core using an electrode to increase the optical index and then induce an artificial </a:t>
                   </a:r>
                   <a:r>
-                    <a:rPr lang="en-US" sz="3200" b="1" dirty="0">
+                    <a:rPr lang="en-US" sz="3000" b="1" dirty="0">
                       <a:solidFill>
                         <a:srgbClr val="37322F"/>
                       </a:solidFill>
@@ -3499,7 +3499,7 @@
                     <a:t>OPD</a:t>
                   </a:r>
                   <a:r>
-                    <a:rPr lang="en-US" sz="3200" dirty="0">
+                    <a:rPr lang="en-US" sz="3000" dirty="0">
                       <a:solidFill>
                         <a:srgbClr val="37322F"/>
                       </a:solidFill>
@@ -3510,7 +3510,7 @@
                   <a14:m>
                     <m:oMath xmlns:m="http://schemas.openxmlformats.org/officeDocument/2006/math">
                       <m:r>
-                        <a:rPr lang="en-US" sz="3200" b="0" i="1" smtClean="0">
+                        <a:rPr lang="en-US" sz="3000" b="0" i="1" smtClean="0">
                           <a:solidFill>
                             <a:srgbClr val="37322F"/>
                           </a:solidFill>
@@ -3519,7 +3519,7 @@
                         <m:t>1</m:t>
                       </m:r>
                       <m:r>
-                        <a:rPr lang="en-US" sz="3200" b="0" i="1" smtClean="0">
+                        <a:rPr lang="en-US" sz="3000" b="0" i="1" smtClean="0">
                           <a:solidFill>
                             <a:srgbClr val="37322F"/>
                           </a:solidFill>
@@ -3528,7 +3528,7 @@
                         <m:t> </m:t>
                       </m:r>
                       <m:r>
-                        <a:rPr lang="en-US" sz="3200" b="0" i="1" smtClean="0">
+                        <a:rPr lang="en-US" sz="3000" b="0" i="1" smtClean="0">
                           <a:solidFill>
                             <a:srgbClr val="37322F"/>
                           </a:solidFill>
@@ -3539,7 +3539,7 @@
                     </m:oMath>
                   </a14:m>
                   <a:r>
-                    <a:rPr lang="en-US" sz="3200" dirty="0">
+                    <a:rPr lang="en-US" sz="3000" dirty="0">
                       <a:solidFill>
                         <a:srgbClr val="37322F"/>
                       </a:solidFill>
@@ -3550,7 +3550,7 @@
                   <a14:m>
                     <m:oMath xmlns:m="http://schemas.openxmlformats.org/officeDocument/2006/math">
                       <m:r>
-                        <a:rPr lang="en-US" sz="3200" b="0" i="1" smtClean="0">
+                        <a:rPr lang="en-US" sz="3000" b="0" i="1" smtClean="0">
                           <a:solidFill>
                             <a:srgbClr val="37322F"/>
                           </a:solidFill>
@@ -3559,7 +3559,7 @@
                         <m:t>𝜆</m:t>
                       </m:r>
                       <m:r>
-                        <a:rPr lang="en-US" sz="3200" b="0" i="1" smtClean="0">
+                        <a:rPr lang="en-US" sz="3000" b="0" i="1" smtClean="0">
                           <a:solidFill>
                             <a:srgbClr val="37322F"/>
                           </a:solidFill>
@@ -3568,7 +3568,7 @@
                         <m:t>=</m:t>
                       </m:r>
                       <m:r>
-                        <a:rPr lang="en-US" sz="3200" b="0" i="1" smtClean="0">
+                        <a:rPr lang="en-US" sz="3000" b="0" i="1" smtClean="0">
                           <a:solidFill>
                             <a:srgbClr val="37322F"/>
                           </a:solidFill>
@@ -3577,7 +3577,7 @@
                         <m:t>1</m:t>
                       </m:r>
                       <m:r>
-                        <a:rPr lang="en-US" sz="3200" b="0" i="1" smtClean="0">
+                        <a:rPr lang="en-US" sz="3000" b="0" i="1" smtClean="0">
                           <a:solidFill>
                             <a:srgbClr val="37322F"/>
                           </a:solidFill>
@@ -3586,7 +3586,7 @@
                         <m:t>.</m:t>
                       </m:r>
                       <m:r>
-                        <a:rPr lang="en-US" sz="3200" b="0" i="1" smtClean="0">
+                        <a:rPr lang="en-US" sz="3000" b="0" i="1" smtClean="0">
                           <a:solidFill>
                             <a:srgbClr val="37322F"/>
                           </a:solidFill>
@@ -3595,7 +3595,7 @@
                         <m:t>65</m:t>
                       </m:r>
                       <m:r>
-                        <a:rPr lang="en-US" sz="3200" b="0" i="1" smtClean="0">
+                        <a:rPr lang="en-US" sz="3000" b="0" i="1" smtClean="0">
                           <a:solidFill>
                             <a:srgbClr val="37322F"/>
                           </a:solidFill>
@@ -3604,7 +3604,7 @@
                         <m:t> </m:t>
                       </m:r>
                       <m:r>
-                        <a:rPr lang="en-US" sz="3200" b="0" i="1" smtClean="0">
+                        <a:rPr lang="en-US" sz="3000" b="0" i="1" smtClean="0">
                           <a:solidFill>
                             <a:srgbClr val="37322F"/>
                           </a:solidFill>
@@ -3613,7 +3613,7 @@
                         <m:t>𝜇</m:t>
                       </m:r>
                       <m:r>
-                        <a:rPr lang="en-US" sz="3200" b="0" i="1" smtClean="0">
+                        <a:rPr lang="en-US" sz="3000" b="0" i="1" smtClean="0">
                           <a:solidFill>
                             <a:srgbClr val="37322F"/>
                           </a:solidFill>
@@ -3623,7 +3623,7 @@
                       </m:r>
                     </m:oMath>
                   </a14:m>
-                  <a:endParaRPr lang="en-US" sz="3200" dirty="0">
+                  <a:endParaRPr lang="en-US" sz="3000" dirty="0">
                     <a:solidFill>
                       <a:srgbClr val="37322F"/>
                     </a:solidFill>
@@ -3722,10 +3722,10 @@
           </p:nvGrpSpPr>
           <p:grpSpPr>
             <a:xfrm>
-              <a:off x="400085" y="9259890"/>
-              <a:ext cx="31514388" cy="29425808"/>
-              <a:chOff x="400085" y="9259890"/>
-              <a:chExt cx="31514388" cy="29425808"/>
+              <a:off x="400085" y="9259891"/>
+              <a:ext cx="31514388" cy="29425807"/>
+              <a:chOff x="400085" y="9259891"/>
+              <a:chExt cx="31514388" cy="29425807"/>
             </a:xfrm>
           </p:grpSpPr>
           <p:grpSp>
@@ -3742,10 +3742,10 @@
             </p:nvGrpSpPr>
             <p:grpSpPr>
               <a:xfrm>
-                <a:off x="400085" y="9259890"/>
-                <a:ext cx="31514388" cy="29425808"/>
-                <a:chOff x="400085" y="9259890"/>
-                <a:chExt cx="31514388" cy="29425808"/>
+                <a:off x="400085" y="9259891"/>
+                <a:ext cx="31514388" cy="29425807"/>
+                <a:chOff x="400085" y="9259891"/>
+                <a:chExt cx="31514388" cy="29425807"/>
               </a:xfrm>
             </p:grpSpPr>
             <p:grpSp>
@@ -3762,10 +3762,10 @@
               </p:nvGrpSpPr>
               <p:grpSpPr>
                 <a:xfrm>
-                  <a:off x="400085" y="9259890"/>
-                  <a:ext cx="31514388" cy="15733711"/>
-                  <a:chOff x="479741" y="7597170"/>
-                  <a:chExt cx="31514388" cy="15807407"/>
+                  <a:off x="400085" y="9259891"/>
+                  <a:ext cx="31514388" cy="15733710"/>
+                  <a:chOff x="479741" y="7597171"/>
+                  <a:chExt cx="31514388" cy="15807406"/>
                 </a:xfrm>
               </p:grpSpPr>
               <p:grpSp>
@@ -3782,10 +3782,10 @@
                 </p:nvGrpSpPr>
                 <p:grpSpPr>
                   <a:xfrm>
-                    <a:off x="522107" y="7597170"/>
-                    <a:ext cx="31472022" cy="13475239"/>
+                    <a:off x="522107" y="7597171"/>
+                    <a:ext cx="31472022" cy="13916018"/>
                     <a:chOff x="244826" y="7313550"/>
-                    <a:chExt cx="28530055" cy="3316849"/>
+                    <a:chExt cx="28530055" cy="3425344"/>
                   </a:xfrm>
                 </p:grpSpPr>
                 <p:sp>
@@ -3805,7 +3805,7 @@
                   <p:spPr>
                     <a:xfrm>
                       <a:off x="244826" y="7313550"/>
-                      <a:ext cx="18390245" cy="895324"/>
+                      <a:ext cx="17701517" cy="895324"/>
                     </a:xfrm>
                     <a:prstGeom prst="roundRect">
                       <a:avLst>
@@ -3860,7 +3860,7 @@
                     </a:p>
                     <a:p>
                       <a:r>
-                        <a:rPr lang="en-US" sz="3200" dirty="0">
+                        <a:rPr lang="en-US" sz="3000" dirty="0">
                           <a:solidFill>
                             <a:srgbClr val="37322F"/>
                           </a:solidFill>
@@ -3870,7 +3870,7 @@
                         <a:t>This poster present a thesis that aim to enhance nulling interferometry for exoplanet detection using a four-telescope architecture named Kernel-</a:t>
                       </a:r>
                       <a:r>
-                        <a:rPr lang="en-US" sz="3200" dirty="0" err="1">
+                        <a:rPr lang="en-US" sz="3000" dirty="0" err="1">
                           <a:solidFill>
                             <a:srgbClr val="37322F"/>
                           </a:solidFill>
@@ -3880,40 +3880,20 @@
                         <a:t>Nuller</a:t>
                       </a:r>
                       <a:r>
-                        <a:rPr lang="en-US" sz="3200" dirty="0">
+                        <a:rPr lang="en-US" sz="3000" dirty="0">
                           <a:solidFill>
                             <a:srgbClr val="37322F"/>
                           </a:solidFill>
                           <a:latin typeface="Gill Sans Nova" panose="020B0602020104020203" pitchFamily="34" charset="0"/>
                           <a:cs typeface="Aharoni" panose="020F0502020204030204" pitchFamily="2" charset="-79"/>
                         </a:rPr>
-                        <a:t>. By integrating 14 active phase shifters, we aim to mitigate phase aberrations caused by manufacturing defects. An algorithm is developed to optimize device performance, validated through simulations and lab experiments. A second step consists in analyzing intensity distributions produced by Kernel-</a:t>
-                      </a:r>
-                      <a:r>
-                        <a:rPr lang="en-US" sz="3200" dirty="0" err="1">
-                          <a:solidFill>
-                            <a:srgbClr val="37322F"/>
-                          </a:solidFill>
-                          <a:latin typeface="Gill Sans Nova" panose="020B0602020104020203" pitchFamily="34" charset="0"/>
-                          <a:cs typeface="Aharoni" panose="020F0502020204030204" pitchFamily="2" charset="-79"/>
-                        </a:rPr>
-                        <a:t>Nuller</a:t>
-                      </a:r>
-                      <a:r>
-                        <a:rPr lang="en-US" sz="3200" dirty="0">
-                          <a:solidFill>
-                            <a:srgbClr val="37322F"/>
-                          </a:solidFill>
-                          <a:latin typeface="Gill Sans Nova" panose="020B0602020104020203" pitchFamily="34" charset="0"/>
-                          <a:cs typeface="Aharoni" panose="020F0502020204030204" pitchFamily="2" charset="-79"/>
-                        </a:rPr>
-                        <a:t> and applying statistical tests and machine learning to extract valuable information. This poster present the preliminary results.</a:t>
+                        <a:t>. By integrating 14 active phase shifters, we aim to mitigate phase aberrations caused by manufacturing defects.  A first objective is to develop a technique that allow to find the good shifts to inject to optimize the component performances. A second step consists in analyzing intensity distributions produced and applying statistical tests and machine learning to extract valuable information. This poster present the preliminary results.</a:t>
                       </a:r>
                     </a:p>
                   </p:txBody>
                 </p:sp>
-                <mc:AlternateContent xmlns:mc="http://schemas.openxmlformats.org/markup-compatibility/2006" xmlns:a14="http://schemas.microsoft.com/office/drawing/2010/main">
-                  <mc:Choice Requires="a14">
+                <mc:AlternateContent xmlns:mc="http://schemas.openxmlformats.org/markup-compatibility/2006">
+                  <mc:Choice xmlns:a14="http://schemas.microsoft.com/office/drawing/2010/main" Requires="a14">
                     <p:sp>
                       <p:nvSpPr>
                         <p:cNvPr id="10" name="Rectangle : coins arrondis 9">
@@ -3931,7 +3911,7 @@
                       <p:spPr>
                         <a:xfrm>
                           <a:off x="9811596" y="8319182"/>
-                          <a:ext cx="9363479" cy="2311217"/>
+                          <a:ext cx="9363479" cy="2419712"/>
                         </a:xfrm>
                         <a:prstGeom prst="roundRect">
                           <a:avLst>
@@ -3999,7 +3979,7 @@
                         </a:p>
                         <a:p>
                           <a:r>
-                            <a:rPr lang="en-US" sz="3200" dirty="0">
+                            <a:rPr lang="en-US" sz="3000" dirty="0">
                               <a:solidFill>
                                 <a:srgbClr val="37322F"/>
                               </a:solidFill>
@@ -4012,7 +3992,7 @@
                               <m:sSub>
                                 <m:sSubPr>
                                   <m:ctrlPr>
-                                    <a:rPr lang="en-US" sz="3200" i="1">
+                                    <a:rPr lang="fr-FR" sz="3000" b="0" i="1" smtClean="0">
                                       <a:solidFill>
                                         <a:srgbClr val="37322F"/>
                                       </a:solidFill>
@@ -4022,7 +4002,7 @@
                                 </m:sSubPr>
                                 <m:e>
                                   <m:r>
-                                    <a:rPr lang="en-US" sz="3200" i="1">
+                                    <a:rPr lang="fr-FR" sz="3000" b="0" i="1" smtClean="0">
                                       <a:solidFill>
                                         <a:srgbClr val="37322F"/>
                                       </a:solidFill>
@@ -4033,7 +4013,7 @@
                                 </m:e>
                                 <m:sub>
                                   <m:r>
-                                    <a:rPr lang="en-US" sz="3200" i="1">
+                                    <a:rPr lang="fr-FR" sz="3000" b="0" i="1" smtClean="0">
                                       <a:solidFill>
                                         <a:srgbClr val="37322F"/>
                                       </a:solidFill>
@@ -4043,28 +4023,10 @@
                                   </m:r>
                                 </m:sub>
                               </m:sSub>
-                              <m:r>
-                                <a:rPr lang="en-US" sz="3200" i="1">
-                                  <a:solidFill>
-                                    <a:srgbClr val="37322F"/>
-                                  </a:solidFill>
-                                  <a:latin typeface="Cambria Math" panose="02040503050406030204" pitchFamily="18" charset="0"/>
-                                </a:rPr>
-                                <m:t>=</m:t>
-                              </m:r>
-                              <m:r>
-                                <a:rPr lang="en-US" sz="3200" i="1">
-                                  <a:solidFill>
-                                    <a:srgbClr val="37322F"/>
-                                  </a:solidFill>
-                                  <a:latin typeface="Cambria Math" panose="02040503050406030204" pitchFamily="18" charset="0"/>
-                                </a:rPr>
-                                <m:t>𝐵</m:t>
-                              </m:r>
                             </m:oMath>
                           </a14:m>
                           <a:r>
-                            <a:rPr lang="en-US" sz="3200" dirty="0">
+                            <a:rPr lang="en-US" sz="3000" dirty="0">
                               <a:solidFill>
                                 <a:srgbClr val="37322F"/>
                               </a:solidFill>
@@ -4077,7 +4039,7 @@
                               <m:sSub>
                                 <m:sSubPr>
                                   <m:ctrlPr>
-                                    <a:rPr lang="en-US" sz="3200" b="0" i="1" smtClean="0">
+                                    <a:rPr lang="en-US" sz="3000" b="0" i="1" smtClean="0">
                                       <a:solidFill>
                                         <a:srgbClr val="37322F"/>
                                       </a:solidFill>
@@ -4087,7 +4049,7 @@
                                 </m:sSubPr>
                                 <m:e>
                                   <m:r>
-                                    <a:rPr lang="en-US" sz="3200" b="0" i="1" smtClean="0">
+                                    <a:rPr lang="en-US" sz="3000" b="0" i="1" smtClean="0">
                                       <a:solidFill>
                                         <a:srgbClr val="37322F"/>
                                       </a:solidFill>
@@ -4098,7 +4060,7 @@
                                 </m:e>
                                 <m:sub>
                                   <m:r>
-                                    <a:rPr lang="en-US" sz="3200" b="0" i="1" smtClean="0">
+                                    <a:rPr lang="en-US" sz="3000" b="0" i="1" smtClean="0">
                                       <a:solidFill>
                                         <a:srgbClr val="37322F"/>
                                       </a:solidFill>
@@ -4108,336 +4070,21 @@
                                   </m:r>
                                 </m:sub>
                               </m:sSub>
-                              <m:r>
-                                <a:rPr lang="en-US" sz="3200" b="0" i="1" smtClean="0">
-                                  <a:solidFill>
-                                    <a:srgbClr val="37322F"/>
-                                  </a:solidFill>
-                                  <a:latin typeface="Cambria Math" panose="02040503050406030204" pitchFamily="18" charset="0"/>
-                                </a:rPr>
-                                <m:t>=</m:t>
-                              </m:r>
-                              <m:d>
-                                <m:dPr>
-                                  <m:begChr m:val="|"/>
-                                  <m:endChr m:val="|"/>
-                                  <m:ctrlPr>
-                                    <a:rPr lang="en-US" sz="3200" b="0" i="1" smtClean="0">
-                                      <a:solidFill>
-                                        <a:srgbClr val="37322F"/>
-                                      </a:solidFill>
-                                      <a:latin typeface="Cambria Math" panose="02040503050406030204" pitchFamily="18" charset="0"/>
-                                    </a:rPr>
-                                  </m:ctrlPr>
-                                </m:dPr>
-                                <m:e>
-                                  <m:sSub>
-                                    <m:sSubPr>
-                                      <m:ctrlPr>
-                                        <a:rPr lang="en-US" sz="3200" b="0" i="1" smtClean="0">
-                                          <a:solidFill>
-                                            <a:srgbClr val="37322F"/>
-                                          </a:solidFill>
-                                          <a:latin typeface="Cambria Math" panose="02040503050406030204" pitchFamily="18" charset="0"/>
-                                        </a:rPr>
-                                      </m:ctrlPr>
-                                    </m:sSubPr>
-                                    <m:e>
-                                      <m:r>
-                                        <a:rPr lang="en-US" sz="3200" b="0" i="1" smtClean="0">
-                                          <a:solidFill>
-                                            <a:srgbClr val="37322F"/>
-                                          </a:solidFill>
-                                          <a:latin typeface="Cambria Math" panose="02040503050406030204" pitchFamily="18" charset="0"/>
-                                        </a:rPr>
-                                        <m:t>𝐷</m:t>
-                                      </m:r>
-                                    </m:e>
-                                    <m:sub>
-                                      <m:r>
-                                        <a:rPr lang="en-US" sz="3200" b="0" i="1" smtClean="0">
-                                          <a:solidFill>
-                                            <a:srgbClr val="37322F"/>
-                                          </a:solidFill>
-                                          <a:latin typeface="Cambria Math" panose="02040503050406030204" pitchFamily="18" charset="0"/>
-                                        </a:rPr>
-                                        <m:t>1</m:t>
-                                      </m:r>
-                                    </m:sub>
-                                  </m:sSub>
-                                  <m:r>
-                                    <a:rPr lang="en-US" sz="3200" b="0" i="1" smtClean="0">
-                                      <a:solidFill>
-                                        <a:srgbClr val="37322F"/>
-                                      </a:solidFill>
-                                      <a:latin typeface="Cambria Math" panose="02040503050406030204" pitchFamily="18" charset="0"/>
-                                    </a:rPr>
-                                    <m:t>−</m:t>
-                                  </m:r>
-                                  <m:sSub>
-                                    <m:sSubPr>
-                                      <m:ctrlPr>
-                                        <a:rPr lang="en-US" sz="3200" b="0" i="1" smtClean="0">
-                                          <a:solidFill>
-                                            <a:srgbClr val="37322F"/>
-                                          </a:solidFill>
-                                          <a:latin typeface="Cambria Math" panose="02040503050406030204" pitchFamily="18" charset="0"/>
-                                        </a:rPr>
-                                      </m:ctrlPr>
-                                    </m:sSubPr>
-                                    <m:e>
-                                      <m:r>
-                                        <a:rPr lang="en-US" sz="3200" b="0" i="1" smtClean="0">
-                                          <a:solidFill>
-                                            <a:srgbClr val="37322F"/>
-                                          </a:solidFill>
-                                          <a:latin typeface="Cambria Math" panose="02040503050406030204" pitchFamily="18" charset="0"/>
-                                        </a:rPr>
-                                        <m:t>𝐷</m:t>
-                                      </m:r>
-                                    </m:e>
-                                    <m:sub>
-                                      <m:r>
-                                        <a:rPr lang="en-US" sz="3200" b="0" i="1" smtClean="0">
-                                          <a:solidFill>
-                                            <a:srgbClr val="37322F"/>
-                                          </a:solidFill>
-                                          <a:latin typeface="Cambria Math" panose="02040503050406030204" pitchFamily="18" charset="0"/>
-                                        </a:rPr>
-                                        <m:t>2</m:t>
-                                      </m:r>
-                                    </m:sub>
-                                  </m:sSub>
-                                </m:e>
-                              </m:d>
-                              <m:r>
-                                <a:rPr lang="en-US" sz="3200" b="0" i="1" smtClean="0">
-                                  <a:solidFill>
-                                    <a:srgbClr val="37322F"/>
-                                  </a:solidFill>
-                                  <a:latin typeface="Cambria Math" panose="02040503050406030204" pitchFamily="18" charset="0"/>
-                                </a:rPr>
-                                <m:t>+</m:t>
-                              </m:r>
-                              <m:d>
-                                <m:dPr>
-                                  <m:begChr m:val="|"/>
-                                  <m:endChr m:val="|"/>
-                                  <m:ctrlPr>
-                                    <a:rPr lang="en-US" sz="3200" b="0" i="1" smtClean="0">
-                                      <a:solidFill>
-                                        <a:srgbClr val="37322F"/>
-                                      </a:solidFill>
-                                      <a:latin typeface="Cambria Math" panose="02040503050406030204" pitchFamily="18" charset="0"/>
-                                    </a:rPr>
-                                  </m:ctrlPr>
-                                </m:dPr>
-                                <m:e>
-                                  <m:sSub>
-                                    <m:sSubPr>
-                                      <m:ctrlPr>
-                                        <a:rPr lang="en-US" sz="3200" b="0" i="1" smtClean="0">
-                                          <a:solidFill>
-                                            <a:srgbClr val="37322F"/>
-                                          </a:solidFill>
-                                          <a:latin typeface="Cambria Math" panose="02040503050406030204" pitchFamily="18" charset="0"/>
-                                        </a:rPr>
-                                      </m:ctrlPr>
-                                    </m:sSubPr>
-                                    <m:e>
-                                      <m:r>
-                                        <a:rPr lang="en-US" sz="3200" b="0" i="1" smtClean="0">
-                                          <a:solidFill>
-                                            <a:srgbClr val="37322F"/>
-                                          </a:solidFill>
-                                          <a:latin typeface="Cambria Math" panose="02040503050406030204" pitchFamily="18" charset="0"/>
-                                        </a:rPr>
-                                        <m:t>𝐷</m:t>
-                                      </m:r>
-                                    </m:e>
-                                    <m:sub>
-                                      <m:r>
-                                        <a:rPr lang="en-US" sz="3200" b="0" i="1" smtClean="0">
-                                          <a:solidFill>
-                                            <a:srgbClr val="37322F"/>
-                                          </a:solidFill>
-                                          <a:latin typeface="Cambria Math" panose="02040503050406030204" pitchFamily="18" charset="0"/>
-                                        </a:rPr>
-                                        <m:t>3</m:t>
-                                      </m:r>
-                                    </m:sub>
-                                  </m:sSub>
-                                  <m:r>
-                                    <a:rPr lang="en-US" sz="3200" b="0" i="1" smtClean="0">
-                                      <a:solidFill>
-                                        <a:srgbClr val="37322F"/>
-                                      </a:solidFill>
-                                      <a:latin typeface="Cambria Math" panose="02040503050406030204" pitchFamily="18" charset="0"/>
-                                    </a:rPr>
-                                    <m:t>−</m:t>
-                                  </m:r>
-                                  <m:sSub>
-                                    <m:sSubPr>
-                                      <m:ctrlPr>
-                                        <a:rPr lang="en-US" sz="3200" b="0" i="1" smtClean="0">
-                                          <a:solidFill>
-                                            <a:srgbClr val="37322F"/>
-                                          </a:solidFill>
-                                          <a:latin typeface="Cambria Math" panose="02040503050406030204" pitchFamily="18" charset="0"/>
-                                        </a:rPr>
-                                      </m:ctrlPr>
-                                    </m:sSubPr>
-                                    <m:e>
-                                      <m:r>
-                                        <a:rPr lang="en-US" sz="3200" b="0" i="1" smtClean="0">
-                                          <a:solidFill>
-                                            <a:srgbClr val="37322F"/>
-                                          </a:solidFill>
-                                          <a:latin typeface="Cambria Math" panose="02040503050406030204" pitchFamily="18" charset="0"/>
-                                        </a:rPr>
-                                        <m:t>𝐷</m:t>
-                                      </m:r>
-                                    </m:e>
-                                    <m:sub>
-                                      <m:r>
-                                        <a:rPr lang="en-US" sz="3200" b="0" i="1" smtClean="0">
-                                          <a:solidFill>
-                                            <a:srgbClr val="37322F"/>
-                                          </a:solidFill>
-                                          <a:latin typeface="Cambria Math" panose="02040503050406030204" pitchFamily="18" charset="0"/>
-                                        </a:rPr>
-                                        <m:t>4</m:t>
-                                      </m:r>
-                                    </m:sub>
-                                  </m:sSub>
-                                </m:e>
-                              </m:d>
-                              <m:r>
-                                <a:rPr lang="en-US" sz="3200" b="0" i="1" smtClean="0">
-                                  <a:solidFill>
-                                    <a:srgbClr val="37322F"/>
-                                  </a:solidFill>
-                                  <a:latin typeface="Cambria Math" panose="02040503050406030204" pitchFamily="18" charset="0"/>
-                                </a:rPr>
-                                <m:t>+</m:t>
-                              </m:r>
-                              <m:d>
-                                <m:dPr>
-                                  <m:begChr m:val="|"/>
-                                  <m:endChr m:val="|"/>
-                                  <m:ctrlPr>
-                                    <a:rPr lang="en-US" sz="3200" b="0" i="1" smtClean="0">
-                                      <a:solidFill>
-                                        <a:srgbClr val="37322F"/>
-                                      </a:solidFill>
-                                      <a:latin typeface="Cambria Math" panose="02040503050406030204" pitchFamily="18" charset="0"/>
-                                    </a:rPr>
-                                  </m:ctrlPr>
-                                </m:dPr>
-                                <m:e>
-                                  <m:sSub>
-                                    <m:sSubPr>
-                                      <m:ctrlPr>
-                                        <a:rPr lang="en-US" sz="3200" b="0" i="1" smtClean="0">
-                                          <a:solidFill>
-                                            <a:srgbClr val="37322F"/>
-                                          </a:solidFill>
-                                          <a:latin typeface="Cambria Math" panose="02040503050406030204" pitchFamily="18" charset="0"/>
-                                        </a:rPr>
-                                      </m:ctrlPr>
-                                    </m:sSubPr>
-                                    <m:e>
-                                      <m:r>
-                                        <a:rPr lang="en-US" sz="3200" b="0" i="1" smtClean="0">
-                                          <a:solidFill>
-                                            <a:srgbClr val="37322F"/>
-                                          </a:solidFill>
-                                          <a:latin typeface="Cambria Math" panose="02040503050406030204" pitchFamily="18" charset="0"/>
-                                        </a:rPr>
-                                        <m:t>𝐷</m:t>
-                                      </m:r>
-                                    </m:e>
-                                    <m:sub>
-                                      <m:r>
-                                        <a:rPr lang="en-US" sz="3200" b="0" i="1" smtClean="0">
-                                          <a:solidFill>
-                                            <a:srgbClr val="37322F"/>
-                                          </a:solidFill>
-                                          <a:latin typeface="Cambria Math" panose="02040503050406030204" pitchFamily="18" charset="0"/>
-                                        </a:rPr>
-                                        <m:t>5</m:t>
-                                      </m:r>
-                                    </m:sub>
-                                  </m:sSub>
-                                  <m:r>
-                                    <a:rPr lang="en-US" sz="3200" b="0" i="1" smtClean="0">
-                                      <a:solidFill>
-                                        <a:srgbClr val="37322F"/>
-                                      </a:solidFill>
-                                      <a:latin typeface="Cambria Math" panose="02040503050406030204" pitchFamily="18" charset="0"/>
-                                    </a:rPr>
-                                    <m:t>−</m:t>
-                                  </m:r>
-                                  <m:sSub>
-                                    <m:sSubPr>
-                                      <m:ctrlPr>
-                                        <a:rPr lang="en-US" sz="3200" b="0" i="1" smtClean="0">
-                                          <a:solidFill>
-                                            <a:srgbClr val="37322F"/>
-                                          </a:solidFill>
-                                          <a:latin typeface="Cambria Math" panose="02040503050406030204" pitchFamily="18" charset="0"/>
-                                        </a:rPr>
-                                      </m:ctrlPr>
-                                    </m:sSubPr>
-                                    <m:e>
-                                      <m:r>
-                                        <a:rPr lang="en-US" sz="3200" b="0" i="1" smtClean="0">
-                                          <a:solidFill>
-                                            <a:srgbClr val="37322F"/>
-                                          </a:solidFill>
-                                          <a:latin typeface="Cambria Math" panose="02040503050406030204" pitchFamily="18" charset="0"/>
-                                        </a:rPr>
-                                        <m:t>𝐷</m:t>
-                                      </m:r>
-                                    </m:e>
-                                    <m:sub>
-                                      <m:r>
-                                        <a:rPr lang="en-US" sz="3200" b="0" i="1" smtClean="0">
-                                          <a:solidFill>
-                                            <a:srgbClr val="37322F"/>
-                                          </a:solidFill>
-                                          <a:latin typeface="Cambria Math" panose="02040503050406030204" pitchFamily="18" charset="0"/>
-                                        </a:rPr>
-                                        <m:t>6</m:t>
-                                      </m:r>
-                                    </m:sub>
-                                  </m:sSub>
-                                </m:e>
-                              </m:d>
-                              <m:r>
-                                <a:rPr lang="en-US" sz="3200" b="0" i="1" smtClean="0">
-                                  <a:solidFill>
-                                    <a:srgbClr val="37322F"/>
-                                  </a:solidFill>
-                                  <a:latin typeface="Cambria Math" panose="02040503050406030204" pitchFamily="18" charset="0"/>
-                                </a:rPr>
-                                <m:t> </m:t>
-                              </m:r>
                             </m:oMath>
                           </a14:m>
                           <a:r>
-                            <a:rPr lang="en-US" sz="3200" dirty="0">
+                            <a:rPr lang="en-US" sz="3000" dirty="0">
                               <a:solidFill>
                                 <a:srgbClr val="37322F"/>
                               </a:solidFill>
                               <a:latin typeface="Gill Sans Nova" panose="020B0602020104020203" pitchFamily="34" charset="0"/>
                             </a:rPr>
-                            <a:t>metrics. </a:t>
+                            <a:t> metrics. </a:t>
                           </a:r>
                           <a14:m>
                             <m:oMath xmlns:m="http://schemas.openxmlformats.org/officeDocument/2006/math">
                               <m:r>
-                                <a:rPr lang="en-US" sz="3200" b="0" i="1" smtClean="0">
+                                <a:rPr lang="en-US" sz="3000" b="0" i="1" smtClean="0">
                                   <a:solidFill>
                                     <a:srgbClr val="37322F"/>
                                   </a:solidFill>
@@ -4448,7 +4095,7 @@
                             </m:oMath>
                           </a14:m>
                           <a:r>
-                            <a:rPr lang="en-US" sz="3200" dirty="0">
+                            <a:rPr lang="en-US" sz="3000" dirty="0">
                               <a:solidFill>
                                 <a:srgbClr val="37322F"/>
                               </a:solidFill>
@@ -4459,7 +4106,7 @@
                           <a14:m>
                             <m:oMath xmlns:m="http://schemas.openxmlformats.org/officeDocument/2006/math">
                               <m:r>
-                                <a:rPr lang="en-US" sz="3200" b="0" i="1" smtClean="0">
+                                <a:rPr lang="en-US" sz="3000" b="0" i="1" smtClean="0">
                                   <a:solidFill>
                                     <a:srgbClr val="37322F"/>
                                   </a:solidFill>
@@ -4470,19 +4117,453 @@
                             </m:oMath>
                           </a14:m>
                           <a:r>
-                            <a:rPr lang="en-US" sz="3200" dirty="0">
+                            <a:rPr lang="en-US" sz="3000" dirty="0">
                               <a:solidFill>
                                 <a:srgbClr val="37322F"/>
                               </a:solidFill>
                               <a:latin typeface="Gill Sans Nova" panose="020B0602020104020203" pitchFamily="34" charset="0"/>
                             </a:rPr>
-                            <a:t> are respectively the bright and darks output intensities.</a:t>
+                            <a:t> are respectively the bright and darks output intensities (Fig. 1).</a:t>
                           </a:r>
+                          <a:endParaRPr lang="en-US" sz="3000" i="1" dirty="0">
+                            <a:solidFill>
+                              <a:srgbClr val="37322F"/>
+                            </a:solidFill>
+                            <a:latin typeface="Cambria Math" panose="02040503050406030204" pitchFamily="18" charset="0"/>
+                          </a:endParaRPr>
+                        </a:p>
+                        <a:p>
+                          <a:pPr/>
+                          <a14:m>
+                            <m:oMathPara xmlns:m="http://schemas.openxmlformats.org/officeDocument/2006/math">
+                              <m:oMathParaPr>
+                                <m:jc m:val="centerGroup"/>
+                              </m:oMathParaPr>
+                              <m:oMath xmlns:m="http://schemas.openxmlformats.org/officeDocument/2006/math">
+                                <m:sSub>
+                                  <m:sSubPr>
+                                    <m:ctrlPr>
+                                      <a:rPr lang="en-US" sz="3000" i="1" smtClean="0">
+                                        <a:solidFill>
+                                          <a:srgbClr val="37322F"/>
+                                        </a:solidFill>
+                                        <a:latin typeface="Cambria Math" panose="02040503050406030204" pitchFamily="18" charset="0"/>
+                                      </a:rPr>
+                                    </m:ctrlPr>
+                                  </m:sSubPr>
+                                  <m:e>
+                                    <m:r>
+                                      <a:rPr lang="en-US" sz="3000" i="1">
+                                        <a:solidFill>
+                                          <a:srgbClr val="37322F"/>
+                                        </a:solidFill>
+                                        <a:latin typeface="Cambria Math" panose="02040503050406030204" pitchFamily="18" charset="0"/>
+                                      </a:rPr>
+                                      <m:t>𝑀</m:t>
+                                    </m:r>
+                                  </m:e>
+                                  <m:sub>
+                                    <m:r>
+                                      <a:rPr lang="en-US" sz="3000" i="1">
+                                        <a:solidFill>
+                                          <a:srgbClr val="37322F"/>
+                                        </a:solidFill>
+                                        <a:latin typeface="Cambria Math" panose="02040503050406030204" pitchFamily="18" charset="0"/>
+                                      </a:rPr>
+                                      <m:t>1</m:t>
+                                    </m:r>
+                                  </m:sub>
+                                </m:sSub>
+                                <m:r>
+                                  <a:rPr lang="en-US" sz="3000" i="1">
+                                    <a:solidFill>
+                                      <a:srgbClr val="37322F"/>
+                                    </a:solidFill>
+                                    <a:latin typeface="Cambria Math" panose="02040503050406030204" pitchFamily="18" charset="0"/>
+                                  </a:rPr>
+                                  <m:t>=</m:t>
+                                </m:r>
+                                <m:r>
+                                  <a:rPr lang="en-US" sz="3000" i="1">
+                                    <a:solidFill>
+                                      <a:srgbClr val="37322F"/>
+                                    </a:solidFill>
+                                    <a:latin typeface="Cambria Math" panose="02040503050406030204" pitchFamily="18" charset="0"/>
+                                  </a:rPr>
+                                  <m:t>𝐵</m:t>
+                                </m:r>
+                              </m:oMath>
+                            </m:oMathPara>
+                          </a14:m>
+                          <a:endParaRPr lang="en-US" sz="3000" dirty="0">
+                            <a:solidFill>
+                              <a:srgbClr val="37322F"/>
+                            </a:solidFill>
+                            <a:latin typeface="Gill Sans Nova" panose="020B0602020104020203" pitchFamily="34" charset="0"/>
+                          </a:endParaRPr>
+                        </a:p>
+                        <a:p>
+                          <a:pPr/>
+                          <a14:m>
+                            <m:oMathPara xmlns:m="http://schemas.openxmlformats.org/officeDocument/2006/math">
+                              <m:oMathParaPr>
+                                <m:jc m:val="centerGroup"/>
+                              </m:oMathParaPr>
+                              <m:oMath xmlns:m="http://schemas.openxmlformats.org/officeDocument/2006/math">
+                                <m:sSub>
+                                  <m:sSubPr>
+                                    <m:ctrlPr>
+                                      <a:rPr lang="en-US" sz="3000" b="0" i="1" smtClean="0">
+                                        <a:solidFill>
+                                          <a:srgbClr val="37322F"/>
+                                        </a:solidFill>
+                                        <a:latin typeface="Cambria Math" panose="02040503050406030204" pitchFamily="18" charset="0"/>
+                                      </a:rPr>
+                                    </m:ctrlPr>
+                                  </m:sSubPr>
+                                  <m:e>
+                                    <m:r>
+                                      <a:rPr lang="en-US" sz="3000" b="0" i="1" smtClean="0">
+                                        <a:solidFill>
+                                          <a:srgbClr val="37322F"/>
+                                        </a:solidFill>
+                                        <a:latin typeface="Cambria Math" panose="02040503050406030204" pitchFamily="18" charset="0"/>
+                                      </a:rPr>
+                                      <m:t>𝑀</m:t>
+                                    </m:r>
+                                  </m:e>
+                                  <m:sub>
+                                    <m:r>
+                                      <a:rPr lang="en-US" sz="3000" b="0" i="1" smtClean="0">
+                                        <a:solidFill>
+                                          <a:srgbClr val="37322F"/>
+                                        </a:solidFill>
+                                        <a:latin typeface="Cambria Math" panose="02040503050406030204" pitchFamily="18" charset="0"/>
+                                      </a:rPr>
+                                      <m:t>2</m:t>
+                                    </m:r>
+                                  </m:sub>
+                                </m:sSub>
+                                <m:r>
+                                  <a:rPr lang="en-US" sz="3000" b="0" i="1" smtClean="0">
+                                    <a:solidFill>
+                                      <a:srgbClr val="37322F"/>
+                                    </a:solidFill>
+                                    <a:latin typeface="Cambria Math" panose="02040503050406030204" pitchFamily="18" charset="0"/>
+                                  </a:rPr>
+                                  <m:t>=</m:t>
+                                </m:r>
+                                <m:d>
+                                  <m:dPr>
+                                    <m:begChr m:val="|"/>
+                                    <m:endChr m:val="|"/>
+                                    <m:ctrlPr>
+                                      <a:rPr lang="en-US" sz="3000" b="0" i="1" smtClean="0">
+                                        <a:solidFill>
+                                          <a:srgbClr val="37322F"/>
+                                        </a:solidFill>
+                                        <a:latin typeface="Cambria Math" panose="02040503050406030204" pitchFamily="18" charset="0"/>
+                                      </a:rPr>
+                                    </m:ctrlPr>
+                                  </m:dPr>
+                                  <m:e>
+                                    <m:sSub>
+                                      <m:sSubPr>
+                                        <m:ctrlPr>
+                                          <a:rPr lang="en-US" sz="3000" b="0" i="1" smtClean="0">
+                                            <a:solidFill>
+                                              <a:srgbClr val="37322F"/>
+                                            </a:solidFill>
+                                            <a:latin typeface="Cambria Math" panose="02040503050406030204" pitchFamily="18" charset="0"/>
+                                          </a:rPr>
+                                        </m:ctrlPr>
+                                      </m:sSubPr>
+                                      <m:e>
+                                        <m:r>
+                                          <a:rPr lang="en-US" sz="3000" b="0" i="1" smtClean="0">
+                                            <a:solidFill>
+                                              <a:srgbClr val="37322F"/>
+                                            </a:solidFill>
+                                            <a:latin typeface="Cambria Math" panose="02040503050406030204" pitchFamily="18" charset="0"/>
+                                          </a:rPr>
+                                          <m:t>𝐷</m:t>
+                                        </m:r>
+                                      </m:e>
+                                      <m:sub>
+                                        <m:r>
+                                          <a:rPr lang="en-US" sz="3000" b="0" i="1" smtClean="0">
+                                            <a:solidFill>
+                                              <a:srgbClr val="37322F"/>
+                                            </a:solidFill>
+                                            <a:latin typeface="Cambria Math" panose="02040503050406030204" pitchFamily="18" charset="0"/>
+                                          </a:rPr>
+                                          <m:t>1</m:t>
+                                        </m:r>
+                                      </m:sub>
+                                    </m:sSub>
+                                    <m:r>
+                                      <a:rPr lang="en-US" sz="3000" b="0" i="1" smtClean="0">
+                                        <a:solidFill>
+                                          <a:srgbClr val="37322F"/>
+                                        </a:solidFill>
+                                        <a:latin typeface="Cambria Math" panose="02040503050406030204" pitchFamily="18" charset="0"/>
+                                      </a:rPr>
+                                      <m:t>−</m:t>
+                                    </m:r>
+                                    <m:sSub>
+                                      <m:sSubPr>
+                                        <m:ctrlPr>
+                                          <a:rPr lang="en-US" sz="3000" b="0" i="1" smtClean="0">
+                                            <a:solidFill>
+                                              <a:srgbClr val="37322F"/>
+                                            </a:solidFill>
+                                            <a:latin typeface="Cambria Math" panose="02040503050406030204" pitchFamily="18" charset="0"/>
+                                          </a:rPr>
+                                        </m:ctrlPr>
+                                      </m:sSubPr>
+                                      <m:e>
+                                        <m:r>
+                                          <a:rPr lang="en-US" sz="3000" b="0" i="1" smtClean="0">
+                                            <a:solidFill>
+                                              <a:srgbClr val="37322F"/>
+                                            </a:solidFill>
+                                            <a:latin typeface="Cambria Math" panose="02040503050406030204" pitchFamily="18" charset="0"/>
+                                          </a:rPr>
+                                          <m:t>𝐷</m:t>
+                                        </m:r>
+                                      </m:e>
+                                      <m:sub>
+                                        <m:r>
+                                          <a:rPr lang="en-US" sz="3000" b="0" i="1" smtClean="0">
+                                            <a:solidFill>
+                                              <a:srgbClr val="37322F"/>
+                                            </a:solidFill>
+                                            <a:latin typeface="Cambria Math" panose="02040503050406030204" pitchFamily="18" charset="0"/>
+                                          </a:rPr>
+                                          <m:t>2</m:t>
+                                        </m:r>
+                                      </m:sub>
+                                    </m:sSub>
+                                  </m:e>
+                                </m:d>
+                                <m:r>
+                                  <a:rPr lang="en-US" sz="3000" b="0" i="1" smtClean="0">
+                                    <a:solidFill>
+                                      <a:srgbClr val="37322F"/>
+                                    </a:solidFill>
+                                    <a:latin typeface="Cambria Math" panose="02040503050406030204" pitchFamily="18" charset="0"/>
+                                  </a:rPr>
+                                  <m:t>+</m:t>
+                                </m:r>
+                                <m:d>
+                                  <m:dPr>
+                                    <m:begChr m:val="|"/>
+                                    <m:endChr m:val="|"/>
+                                    <m:ctrlPr>
+                                      <a:rPr lang="en-US" sz="3000" b="0" i="1" smtClean="0">
+                                        <a:solidFill>
+                                          <a:srgbClr val="37322F"/>
+                                        </a:solidFill>
+                                        <a:latin typeface="Cambria Math" panose="02040503050406030204" pitchFamily="18" charset="0"/>
+                                      </a:rPr>
+                                    </m:ctrlPr>
+                                  </m:dPr>
+                                  <m:e>
+                                    <m:sSub>
+                                      <m:sSubPr>
+                                        <m:ctrlPr>
+                                          <a:rPr lang="en-US" sz="3000" b="0" i="1" smtClean="0">
+                                            <a:solidFill>
+                                              <a:srgbClr val="37322F"/>
+                                            </a:solidFill>
+                                            <a:latin typeface="Cambria Math" panose="02040503050406030204" pitchFamily="18" charset="0"/>
+                                          </a:rPr>
+                                        </m:ctrlPr>
+                                      </m:sSubPr>
+                                      <m:e>
+                                        <m:r>
+                                          <a:rPr lang="en-US" sz="3000" b="0" i="1" smtClean="0">
+                                            <a:solidFill>
+                                              <a:srgbClr val="37322F"/>
+                                            </a:solidFill>
+                                            <a:latin typeface="Cambria Math" panose="02040503050406030204" pitchFamily="18" charset="0"/>
+                                          </a:rPr>
+                                          <m:t>𝐷</m:t>
+                                        </m:r>
+                                      </m:e>
+                                      <m:sub>
+                                        <m:r>
+                                          <a:rPr lang="en-US" sz="3000" b="0" i="1" smtClean="0">
+                                            <a:solidFill>
+                                              <a:srgbClr val="37322F"/>
+                                            </a:solidFill>
+                                            <a:latin typeface="Cambria Math" panose="02040503050406030204" pitchFamily="18" charset="0"/>
+                                          </a:rPr>
+                                          <m:t>3</m:t>
+                                        </m:r>
+                                      </m:sub>
+                                    </m:sSub>
+                                    <m:r>
+                                      <a:rPr lang="en-US" sz="3000" b="0" i="1" smtClean="0">
+                                        <a:solidFill>
+                                          <a:srgbClr val="37322F"/>
+                                        </a:solidFill>
+                                        <a:latin typeface="Cambria Math" panose="02040503050406030204" pitchFamily="18" charset="0"/>
+                                      </a:rPr>
+                                      <m:t>−</m:t>
+                                    </m:r>
+                                    <m:sSub>
+                                      <m:sSubPr>
+                                        <m:ctrlPr>
+                                          <a:rPr lang="en-US" sz="3000" b="0" i="1" smtClean="0">
+                                            <a:solidFill>
+                                              <a:srgbClr val="37322F"/>
+                                            </a:solidFill>
+                                            <a:latin typeface="Cambria Math" panose="02040503050406030204" pitchFamily="18" charset="0"/>
+                                          </a:rPr>
+                                        </m:ctrlPr>
+                                      </m:sSubPr>
+                                      <m:e>
+                                        <m:r>
+                                          <a:rPr lang="en-US" sz="3000" b="0" i="1" smtClean="0">
+                                            <a:solidFill>
+                                              <a:srgbClr val="37322F"/>
+                                            </a:solidFill>
+                                            <a:latin typeface="Cambria Math" panose="02040503050406030204" pitchFamily="18" charset="0"/>
+                                          </a:rPr>
+                                          <m:t>𝐷</m:t>
+                                        </m:r>
+                                      </m:e>
+                                      <m:sub>
+                                        <m:r>
+                                          <a:rPr lang="en-US" sz="3000" b="0" i="1" smtClean="0">
+                                            <a:solidFill>
+                                              <a:srgbClr val="37322F"/>
+                                            </a:solidFill>
+                                            <a:latin typeface="Cambria Math" panose="02040503050406030204" pitchFamily="18" charset="0"/>
+                                          </a:rPr>
+                                          <m:t>4</m:t>
+                                        </m:r>
+                                      </m:sub>
+                                    </m:sSub>
+                                  </m:e>
+                                </m:d>
+                                <m:r>
+                                  <a:rPr lang="en-US" sz="3000" b="0" i="1" smtClean="0">
+                                    <a:solidFill>
+                                      <a:srgbClr val="37322F"/>
+                                    </a:solidFill>
+                                    <a:latin typeface="Cambria Math" panose="02040503050406030204" pitchFamily="18" charset="0"/>
+                                  </a:rPr>
+                                  <m:t>+</m:t>
+                                </m:r>
+                                <m:d>
+                                  <m:dPr>
+                                    <m:begChr m:val="|"/>
+                                    <m:endChr m:val="|"/>
+                                    <m:ctrlPr>
+                                      <a:rPr lang="en-US" sz="3000" b="0" i="1" smtClean="0">
+                                        <a:solidFill>
+                                          <a:srgbClr val="37322F"/>
+                                        </a:solidFill>
+                                        <a:latin typeface="Cambria Math" panose="02040503050406030204" pitchFamily="18" charset="0"/>
+                                      </a:rPr>
+                                    </m:ctrlPr>
+                                  </m:dPr>
+                                  <m:e>
+                                    <m:sSub>
+                                      <m:sSubPr>
+                                        <m:ctrlPr>
+                                          <a:rPr lang="en-US" sz="3000" b="0" i="1" smtClean="0">
+                                            <a:solidFill>
+                                              <a:srgbClr val="37322F"/>
+                                            </a:solidFill>
+                                            <a:latin typeface="Cambria Math" panose="02040503050406030204" pitchFamily="18" charset="0"/>
+                                          </a:rPr>
+                                        </m:ctrlPr>
+                                      </m:sSubPr>
+                                      <m:e>
+                                        <m:r>
+                                          <a:rPr lang="en-US" sz="3000" b="0" i="1" smtClean="0">
+                                            <a:solidFill>
+                                              <a:srgbClr val="37322F"/>
+                                            </a:solidFill>
+                                            <a:latin typeface="Cambria Math" panose="02040503050406030204" pitchFamily="18" charset="0"/>
+                                          </a:rPr>
+                                          <m:t>𝐷</m:t>
+                                        </m:r>
+                                      </m:e>
+                                      <m:sub>
+                                        <m:r>
+                                          <a:rPr lang="en-US" sz="3000" b="0" i="1" smtClean="0">
+                                            <a:solidFill>
+                                              <a:srgbClr val="37322F"/>
+                                            </a:solidFill>
+                                            <a:latin typeface="Cambria Math" panose="02040503050406030204" pitchFamily="18" charset="0"/>
+                                          </a:rPr>
+                                          <m:t>5</m:t>
+                                        </m:r>
+                                      </m:sub>
+                                    </m:sSub>
+                                    <m:r>
+                                      <a:rPr lang="en-US" sz="3000" b="0" i="1" smtClean="0">
+                                        <a:solidFill>
+                                          <a:srgbClr val="37322F"/>
+                                        </a:solidFill>
+                                        <a:latin typeface="Cambria Math" panose="02040503050406030204" pitchFamily="18" charset="0"/>
+                                      </a:rPr>
+                                      <m:t>−</m:t>
+                                    </m:r>
+                                    <m:sSub>
+                                      <m:sSubPr>
+                                        <m:ctrlPr>
+                                          <a:rPr lang="en-US" sz="3000" b="0" i="1" smtClean="0">
+                                            <a:solidFill>
+                                              <a:srgbClr val="37322F"/>
+                                            </a:solidFill>
+                                            <a:latin typeface="Cambria Math" panose="02040503050406030204" pitchFamily="18" charset="0"/>
+                                          </a:rPr>
+                                        </m:ctrlPr>
+                                      </m:sSubPr>
+                                      <m:e>
+                                        <m:r>
+                                          <a:rPr lang="en-US" sz="3000" b="0" i="1" smtClean="0">
+                                            <a:solidFill>
+                                              <a:srgbClr val="37322F"/>
+                                            </a:solidFill>
+                                            <a:latin typeface="Cambria Math" panose="02040503050406030204" pitchFamily="18" charset="0"/>
+                                          </a:rPr>
+                                          <m:t>𝐷</m:t>
+                                        </m:r>
+                                      </m:e>
+                                      <m:sub>
+                                        <m:r>
+                                          <a:rPr lang="en-US" sz="3000" b="0" i="1" smtClean="0">
+                                            <a:solidFill>
+                                              <a:srgbClr val="37322F"/>
+                                            </a:solidFill>
+                                            <a:latin typeface="Cambria Math" panose="02040503050406030204" pitchFamily="18" charset="0"/>
+                                          </a:rPr>
+                                          <m:t>6</m:t>
+                                        </m:r>
+                                      </m:sub>
+                                    </m:sSub>
+                                  </m:e>
+                                </m:d>
+                              </m:oMath>
+                            </m:oMathPara>
+                          </a14:m>
+                          <a:endParaRPr lang="en-US" sz="3000" dirty="0">
+                            <a:solidFill>
+                              <a:srgbClr val="37322F"/>
+                            </a:solidFill>
+                            <a:latin typeface="Gill Sans Nova" panose="020B0602020104020203" pitchFamily="34" charset="0"/>
+                          </a:endParaRPr>
                         </a:p>
                       </p:txBody>
                     </p:sp>
                   </mc:Choice>
-                  <mc:Fallback xmlns="">
+                  <mc:Fallback>
                     <p:sp>
                       <p:nvSpPr>
                         <p:cNvPr id="10" name="Rectangle : coins arrondis 9">
@@ -4500,7 +4581,7 @@
                       <p:spPr>
                         <a:xfrm>
                           <a:off x="9811596" y="8319182"/>
-                          <a:ext cx="9363479" cy="2311217"/>
+                          <a:ext cx="9363479" cy="2419712"/>
                         </a:xfrm>
                         <a:prstGeom prst="roundRect">
                           <a:avLst>
@@ -4645,7 +4726,7 @@
                         <a:defRPr/>
                       </a:pPr>
                       <a:r>
-                        <a:rPr kumimoji="0" lang="en-US" sz="3200" b="0" i="0" u="none" strike="noStrike" kern="1200" cap="none" spc="0" normalizeH="0" baseline="0" noProof="0" dirty="0">
+                        <a:rPr kumimoji="0" lang="en-US" sz="3000" b="0" i="0" u="none" strike="noStrike" kern="1200" cap="none" spc="0" normalizeH="0" baseline="0" noProof="0" dirty="0">
                           <a:ln>
                             <a:noFill/>
                           </a:ln>
@@ -4662,7 +4743,7 @@
                         <a:t>Taking advantage of the earth rotation</a:t>
                       </a:r>
                       <a:r>
-                        <a:rPr lang="en-US" sz="3200" dirty="0">
+                        <a:rPr lang="en-US" sz="3000" dirty="0">
                           <a:solidFill>
                             <a:srgbClr val="37322F"/>
                           </a:solidFill>
@@ -4670,7 +4751,7 @@
                         </a:rPr>
                         <a:t>, the kernel distribution will shift according to a known modulation. For each kernel output, one fit this modulation to the data points, giving the position and contrast of the potential object. By averaging all these parameter and computing a global fit, we can then see if this last one is well correlated to each kernel modulation.</a:t>
                       </a:r>
-                      <a:endParaRPr lang="en-US" dirty="0">
+                      <a:endParaRPr lang="en-US" sz="3000" dirty="0">
                         <a:solidFill>
                           <a:srgbClr val="37322F"/>
                         </a:solidFill>
@@ -4844,13 +4925,13 @@
                       <a:defRPr/>
                     </a:pPr>
                     <a:r>
-                      <a:rPr lang="en-US" sz="3200" dirty="0">
+                      <a:rPr lang="en-US" sz="3000" dirty="0">
                         <a:solidFill>
                           <a:srgbClr val="37322F"/>
                         </a:solidFill>
                         <a:latin typeface="Gill Sans Nova" panose="020B0602020104020203" pitchFamily="34" charset="0"/>
                       </a:rPr>
-                      <a:t>This technique consist in taking advantage of the angular separation and the coherence properties of the light to destroy the star light and combine the planet light in the same process. Our approach</a:t>
+                      <a:t>This technique consist in taking advantage of the angular separation and the coherence properties of the light to destroy the star light without destroying the one coming from the planet. Our approach</a:t>
                     </a:r>
                   </a:p>
                   <a:p>
@@ -4870,7 +4951,7 @@
                       <a:defRPr/>
                     </a:pPr>
                     <a:r>
-                      <a:rPr lang="en-US" sz="3200" dirty="0">
+                      <a:rPr lang="en-US" sz="3000" dirty="0">
                         <a:solidFill>
                           <a:srgbClr val="37322F"/>
                         </a:solidFill>
@@ -4896,7 +4977,7 @@
                       <a:defRPr/>
                     </a:pPr>
                     <a:r>
-                      <a:rPr lang="en-US" sz="3200" dirty="0">
+                      <a:rPr lang="en-US" sz="3000" dirty="0">
                         <a:solidFill>
                           <a:srgbClr val="37322F"/>
                         </a:solidFill>
@@ -4922,7 +5003,7 @@
                       <a:defRPr/>
                     </a:pPr>
                     <a:r>
-                      <a:rPr lang="en-US" sz="3200" dirty="0">
+                      <a:rPr lang="en-US" sz="3000" dirty="0">
                         <a:solidFill>
                           <a:srgbClr val="37322F"/>
                         </a:solidFill>
@@ -4948,7 +5029,7 @@
                       <a:defRPr/>
                     </a:pPr>
                     <a:r>
-                      <a:rPr lang="en-US" sz="3200" dirty="0">
+                      <a:rPr lang="en-US" sz="3000" dirty="0">
                         <a:solidFill>
                           <a:srgbClr val="37322F"/>
                         </a:solidFill>
@@ -4957,7 +5038,7 @@
                       <a:t>from 3 telescopes</a:t>
                     </a:r>
                     <a:r>
-                      <a:rPr lang="en-US" sz="3200" baseline="30000" dirty="0">
+                      <a:rPr lang="en-US" sz="3000" baseline="30000" dirty="0">
                         <a:solidFill>
                           <a:srgbClr val="37322F"/>
                         </a:solidFill>
@@ -4966,7 +5047,7 @@
                       <a:t> </a:t>
                     </a:r>
                     <a:r>
-                      <a:rPr lang="en-US" sz="3200" b="1" baseline="30000" dirty="0">
+                      <a:rPr lang="en-US" sz="3000" b="1" baseline="30000" dirty="0">
                         <a:solidFill>
                           <a:srgbClr val="37322F"/>
                         </a:solidFill>
@@ -4975,7 +5056,7 @@
                       <a:t>[1]</a:t>
                     </a:r>
                     <a:r>
-                      <a:rPr lang="en-US" sz="3200" dirty="0">
+                      <a:rPr lang="en-US" sz="3000" dirty="0">
                         <a:solidFill>
                           <a:srgbClr val="37322F"/>
                         </a:solidFill>
@@ -5001,7 +5082,7 @@
                       <a:defRPr/>
                     </a:pPr>
                     <a:r>
-                      <a:rPr lang="en-US" sz="3200" dirty="0">
+                      <a:rPr lang="en-US" sz="3000" dirty="0">
                         <a:solidFill>
                           <a:srgbClr val="37322F"/>
                         </a:solidFill>
@@ -5027,7 +5108,7 @@
                       <a:defRPr/>
                     </a:pPr>
                     <a:r>
-                      <a:rPr lang="en-US" sz="3200" dirty="0">
+                      <a:rPr lang="en-US" sz="3000" dirty="0">
                         <a:solidFill>
                           <a:srgbClr val="37322F"/>
                         </a:solidFill>
@@ -5053,7 +5134,7 @@
                       <a:defRPr/>
                     </a:pPr>
                     <a:r>
-                      <a:rPr lang="en-US" sz="3200" dirty="0">
+                      <a:rPr lang="en-US" sz="3000" dirty="0">
                         <a:solidFill>
                           <a:srgbClr val="37322F"/>
                         </a:solidFill>
@@ -5062,7 +5143,7 @@
                       <a:t>and asymmetries</a:t>
                     </a:r>
                     <a:r>
-                      <a:rPr lang="en-US" sz="3200" baseline="30000" dirty="0">
+                      <a:rPr lang="en-US" sz="3000" baseline="30000" dirty="0">
                         <a:solidFill>
                           <a:srgbClr val="37322F"/>
                         </a:solidFill>
@@ -5071,7 +5152,7 @@
                       <a:t> </a:t>
                     </a:r>
                     <a:r>
-                      <a:rPr lang="en-US" sz="3200" b="1" baseline="30000" dirty="0">
+                      <a:rPr lang="en-US" sz="3000" b="1" baseline="30000" dirty="0">
                         <a:solidFill>
                           <a:srgbClr val="37322F"/>
                         </a:solidFill>
@@ -5080,7 +5161,7 @@
                       <a:t>[2]</a:t>
                     </a:r>
                     <a:r>
-                      <a:rPr lang="en-US" sz="3200" dirty="0">
+                      <a:rPr lang="en-US" sz="3000" dirty="0">
                         <a:solidFill>
                           <a:srgbClr val="37322F"/>
                         </a:solidFill>
@@ -5089,7 +5170,7 @@
                       <a:t> the</a:t>
                     </a:r>
                     <a:br>
-                      <a:rPr lang="en-US" sz="3200" dirty="0">
+                      <a:rPr lang="en-US" sz="3000" dirty="0">
                         <a:solidFill>
                           <a:srgbClr val="37322F"/>
                         </a:solidFill>
@@ -5097,7 +5178,7 @@
                       </a:rPr>
                     </a:br>
                     <a:r>
-                      <a:rPr lang="en-US" sz="3200" dirty="0">
+                      <a:rPr lang="en-US" sz="3000" dirty="0">
                         <a:solidFill>
                           <a:srgbClr val="37322F"/>
                         </a:solidFill>
@@ -5106,7 +5187,7 @@
                       <a:t>output to better constrain</a:t>
                     </a:r>
                     <a:br>
-                      <a:rPr lang="en-US" sz="3200" dirty="0">
+                      <a:rPr lang="en-US" sz="3000" dirty="0">
                         <a:solidFill>
                           <a:srgbClr val="37322F"/>
                         </a:solidFill>
@@ -5114,13 +5195,22 @@
                       </a:rPr>
                     </a:br>
                     <a:r>
+                      <a:rPr lang="en-US" sz="3000" dirty="0">
+                        <a:solidFill>
+                          <a:srgbClr val="37322F"/>
+                        </a:solidFill>
+                        <a:latin typeface="Gill Sans Nova" panose="020B0602020104020203" pitchFamily="34" charset="0"/>
+                      </a:rPr>
+                      <a:t>the planet position</a:t>
+                    </a:r>
+                    <a:r>
                       <a:rPr lang="en-US" sz="3200" dirty="0">
                         <a:solidFill>
                           <a:srgbClr val="37322F"/>
                         </a:solidFill>
                         <a:latin typeface="Gill Sans Nova" panose="020B0602020104020203" pitchFamily="34" charset="0"/>
                       </a:rPr>
-                      <a:t>the planet position.</a:t>
+                      <a:t>.</a:t>
                     </a:r>
                     <a:endParaRPr kumimoji="0" lang="en-US" sz="3200" b="0" i="0" u="none" strike="noStrike" kern="1200" cap="none" spc="0" normalizeH="0" baseline="0" noProof="0" dirty="0">
                       <a:ln>
@@ -5266,7 +5356,7 @@
                         <a:defRPr/>
                       </a:pPr>
                       <a:r>
-                        <a:rPr kumimoji="0" lang="en-US" sz="3200" b="0" i="0" u="none" strike="noStrike" kern="1200" cap="none" spc="0" normalizeH="0" baseline="0" noProof="0" dirty="0">
+                        <a:rPr kumimoji="0" lang="en-US" sz="3000" b="0" i="0" u="none" strike="noStrike" kern="1200" cap="none" spc="0" normalizeH="0" baseline="0" noProof="0" dirty="0">
                           <a:ln>
                             <a:noFill/>
                           </a:ln>
@@ -5277,13 +5367,11 @@
                           <a:uLnTx/>
                           <a:uFillTx/>
                           <a:latin typeface="Gill Sans Nova" panose="020B0602020104020203" pitchFamily="34" charset="0"/>
-                          <a:ea typeface="+mn-ea"/>
-                          <a:cs typeface="+mn-cs"/>
                         </a:rPr>
                         <a:t>These pro</a:t>
                       </a:r>
                       <a:r>
-                        <a:rPr lang="en-US" sz="3200" noProof="0" dirty="0">
+                        <a:rPr lang="en-US" sz="3000" noProof="0" dirty="0">
                           <a:solidFill>
                             <a:srgbClr val="37322F"/>
                           </a:solidFill>
@@ -5292,7 +5380,7 @@
                         <a:t>mising</a:t>
                       </a:r>
                       <a:r>
-                        <a:rPr lang="en-US" sz="3200" dirty="0">
+                        <a:rPr lang="en-US" sz="3000" dirty="0">
                           <a:solidFill>
                             <a:srgbClr val="37322F"/>
                           </a:solidFill>
@@ -5305,7 +5393,7 @@
                           <m:sSup>
                             <m:sSupPr>
                               <m:ctrlPr>
-                                <a:rPr lang="en-US" sz="3200" b="0" i="1" smtClean="0">
+                                <a:rPr lang="en-US" sz="3000" b="0" i="1" smtClean="0">
                                   <a:solidFill>
                                     <a:srgbClr val="37322F"/>
                                   </a:solidFill>
@@ -5315,7 +5403,7 @@
                             </m:sSupPr>
                             <m:e>
                               <m:r>
-                                <a:rPr lang="en-US" sz="3200" b="0" i="1" smtClean="0">
+                                <a:rPr lang="en-US" sz="3000" b="0" i="1" smtClean="0">
                                   <a:solidFill>
                                     <a:srgbClr val="37322F"/>
                                   </a:solidFill>
@@ -5326,7 +5414,7 @@
                             </m:e>
                             <m:sup>
                               <m:r>
-                                <a:rPr lang="en-US" sz="3200" b="0" i="1" smtClean="0">
+                                <a:rPr lang="en-US" sz="3000" b="0" i="1" smtClean="0">
                                   <a:solidFill>
                                     <a:srgbClr val="37322F"/>
                                   </a:solidFill>
@@ -5335,7 +5423,7 @@
                                 <m:t>−</m:t>
                               </m:r>
                               <m:r>
-                                <a:rPr lang="en-US" sz="3200" b="0" i="1" smtClean="0">
+                                <a:rPr lang="en-US" sz="3000" b="0" i="1" smtClean="0">
                                   <a:solidFill>
                                     <a:srgbClr val="37322F"/>
                                   </a:solidFill>
@@ -5348,7 +5436,7 @@
                         </m:oMath>
                       </a14:m>
                       <a:r>
-                        <a:rPr kumimoji="0" lang="en-US" sz="3200" b="0" i="0" u="none" strike="noStrike" kern="1200" cap="none" spc="0" normalizeH="0" baseline="0" noProof="0" dirty="0">
+                        <a:rPr kumimoji="0" lang="en-US" sz="3000" b="0" i="0" u="none" strike="noStrike" kern="1200" cap="none" spc="0" normalizeH="0" baseline="0" noProof="0" dirty="0">
                           <a:ln>
                             <a:noFill/>
                           </a:ln>
@@ -5359,13 +5447,11 @@
                           <a:uLnTx/>
                           <a:uFillTx/>
                           <a:latin typeface="Gill Sans Nova" panose="020B0602020104020203" pitchFamily="34" charset="0"/>
-                          <a:ea typeface="+mn-ea"/>
-                          <a:cs typeface="+mn-cs"/>
                         </a:rPr>
                         <a:t> require an </a:t>
                       </a:r>
                       <a:r>
-                        <a:rPr kumimoji="0" lang="en-US" sz="3200" b="1" i="0" u="none" strike="noStrike" kern="1200" cap="none" spc="0" normalizeH="0" baseline="0" noProof="0" dirty="0">
+                        <a:rPr kumimoji="0" lang="en-US" sz="3000" b="1" i="0" u="none" strike="noStrike" kern="1200" cap="none" spc="0" normalizeH="0" baseline="0" noProof="0" dirty="0">
                           <a:ln>
                             <a:noFill/>
                           </a:ln>
@@ -5376,13 +5462,11 @@
                           <a:uLnTx/>
                           <a:uFillTx/>
                           <a:latin typeface="Gill Sans Nova" panose="020B0602020104020203" pitchFamily="34" charset="0"/>
-                          <a:ea typeface="+mn-ea"/>
-                          <a:cs typeface="+mn-cs"/>
                         </a:rPr>
                         <a:t>AO</a:t>
                       </a:r>
                       <a:r>
-                        <a:rPr kumimoji="0" lang="en-US" sz="3200" b="0" i="0" u="none" strike="noStrike" kern="1200" cap="none" spc="0" normalizeH="0" noProof="0" dirty="0">
+                        <a:rPr kumimoji="0" lang="en-US" sz="3000" b="0" i="0" u="none" strike="noStrike" kern="1200" cap="none" spc="0" normalizeH="0" noProof="0" dirty="0">
                           <a:ln>
                             <a:noFill/>
                           </a:ln>
@@ -5393,15 +5477,13 @@
                           <a:uLnTx/>
                           <a:uFillTx/>
                           <a:latin typeface="Gill Sans Nova" panose="020B0602020104020203" pitchFamily="34" charset="0"/>
-                          <a:ea typeface="+mn-ea"/>
-                          <a:cs typeface="+mn-cs"/>
                         </a:rPr>
                         <a:t> correction that bring phase aberrations below </a:t>
                       </a:r>
                       <a14:m>
                         <m:oMath xmlns:m="http://schemas.openxmlformats.org/officeDocument/2006/math">
                           <m:r>
-                            <a:rPr kumimoji="0" lang="en-US" sz="3200" b="0" i="1" u="none" strike="noStrike" kern="1200" cap="none" spc="0" normalizeH="0" noProof="0" smtClean="0">
+                            <a:rPr kumimoji="0" lang="en-US" sz="3000" b="0" i="1" u="none" strike="noStrike" kern="1200" cap="none" spc="0" normalizeH="0" noProof="0" smtClean="0">
                               <a:ln>
                                 <a:noFill/>
                               </a:ln>
@@ -5412,13 +5494,11 @@
                               <a:uLnTx/>
                               <a:uFillTx/>
                               <a:latin typeface="Cambria Math" panose="02040503050406030204" pitchFamily="18" charset="0"/>
-                              <a:ea typeface="+mn-ea"/>
-                              <a:cs typeface="+mn-cs"/>
                             </a:rPr>
                             <m:t>𝜆</m:t>
                           </m:r>
                           <m:r>
-                            <a:rPr kumimoji="0" lang="en-US" sz="3200" b="0" i="1" u="none" strike="noStrike" kern="1200" cap="none" spc="0" normalizeH="0" noProof="0" smtClean="0">
+                            <a:rPr kumimoji="0" lang="en-US" sz="3000" b="0" i="1" u="none" strike="noStrike" kern="1200" cap="none" spc="0" normalizeH="0" noProof="0" smtClean="0">
                               <a:ln>
                                 <a:noFill/>
                               </a:ln>
@@ -5429,13 +5509,11 @@
                               <a:uLnTx/>
                               <a:uFillTx/>
                               <a:latin typeface="Cambria Math" panose="02040503050406030204" pitchFamily="18" charset="0"/>
-                              <a:ea typeface="+mn-ea"/>
-                              <a:cs typeface="+mn-cs"/>
                             </a:rPr>
                             <m:t>/</m:t>
                           </m:r>
                           <m:r>
-                            <a:rPr kumimoji="0" lang="en-US" sz="3200" b="0" i="1" u="none" strike="noStrike" kern="1200" cap="none" spc="0" normalizeH="0" noProof="0" smtClean="0">
+                            <a:rPr kumimoji="0" lang="en-US" sz="3000" b="0" i="1" u="none" strike="noStrike" kern="1200" cap="none" spc="0" normalizeH="0" noProof="0" smtClean="0">
                               <a:ln>
                                 <a:noFill/>
                               </a:ln>
@@ -5446,15 +5524,13 @@
                               <a:uLnTx/>
                               <a:uFillTx/>
                               <a:latin typeface="Cambria Math" panose="02040503050406030204" pitchFamily="18" charset="0"/>
-                              <a:ea typeface="+mn-ea"/>
-                              <a:cs typeface="+mn-cs"/>
                             </a:rPr>
                             <m:t>100</m:t>
                           </m:r>
                         </m:oMath>
                       </a14:m>
                       <a:r>
-                        <a:rPr kumimoji="0" lang="en-US" sz="3200" b="0" i="0" u="none" strike="noStrike" kern="1200" cap="none" spc="0" normalizeH="0" baseline="0" noProof="0" dirty="0">
+                        <a:rPr kumimoji="0" lang="en-US" sz="3000" b="0" i="0" u="none" strike="noStrike" kern="1200" cap="none" spc="0" normalizeH="0" baseline="0" noProof="0" dirty="0">
                           <a:ln>
                             <a:noFill/>
                           </a:ln>
@@ -5465,13 +5541,11 @@
                           <a:uLnTx/>
                           <a:uFillTx/>
                           <a:latin typeface="Gill Sans Nova" panose="020B0602020104020203" pitchFamily="34" charset="0"/>
-                          <a:ea typeface="+mn-ea"/>
-                          <a:cs typeface="+mn-cs"/>
                         </a:rPr>
                         <a:t> </a:t>
                       </a:r>
                       <a:r>
-                        <a:rPr kumimoji="0" lang="en-US" sz="3200" b="1" i="0" u="none" strike="noStrike" kern="1200" cap="none" spc="0" normalizeH="0" baseline="0" noProof="0" dirty="0">
+                        <a:rPr kumimoji="0" lang="en-US" sz="3000" b="1" i="0" u="none" strike="noStrike" kern="1200" cap="none" spc="0" normalizeH="0" baseline="0" noProof="0" dirty="0">
                           <a:ln>
                             <a:noFill/>
                           </a:ln>
@@ -5482,13 +5556,11 @@
                           <a:uLnTx/>
                           <a:uFillTx/>
                           <a:latin typeface="Gill Sans Nova" panose="020B0602020104020203" pitchFamily="34" charset="0"/>
-                          <a:ea typeface="+mn-ea"/>
-                          <a:cs typeface="+mn-cs"/>
                         </a:rPr>
                         <a:t>RMS</a:t>
                       </a:r>
                       <a:r>
-                        <a:rPr kumimoji="0" lang="en-US" sz="3200" b="0" i="0" u="none" strike="noStrike" kern="1200" cap="none" spc="0" normalizeH="0" baseline="0" noProof="0" dirty="0">
+                        <a:rPr kumimoji="0" lang="en-US" sz="3000" b="0" i="0" u="none" strike="noStrike" kern="1200" cap="none" spc="0" normalizeH="0" baseline="0" noProof="0" dirty="0">
                           <a:ln>
                             <a:noFill/>
                           </a:ln>
@@ -5499,22 +5571,20 @@
                           <a:uLnTx/>
                           <a:uFillTx/>
                           <a:latin typeface="Gill Sans Nova" panose="020B0602020104020203" pitchFamily="34" charset="0"/>
-                          <a:ea typeface="+mn-ea"/>
-                          <a:cs typeface="+mn-cs"/>
                         </a:rPr>
                         <a:t>. </a:t>
                       </a:r>
                       <a:r>
-                        <a:rPr lang="en-US" sz="3200" dirty="0">
+                        <a:rPr lang="en-US" sz="3000" dirty="0">
                           <a:solidFill>
                             <a:srgbClr val="37322F"/>
                           </a:solidFill>
                           <a:latin typeface="Gill Sans Nova" panose="020B0602020104020203" pitchFamily="34" charset="0"/>
                         </a:rPr>
-                        <a:t>Also, t</a:t>
+                        <a:t>Also, three</a:t>
                       </a:r>
                       <a:r>
-                        <a:rPr kumimoji="0" lang="en-US" sz="3200" b="0" i="0" u="none" strike="noStrike" kern="1200" cap="none" spc="0" normalizeH="0" noProof="0" dirty="0">
+                        <a:rPr kumimoji="0" lang="en-US" sz="3000" b="0" i="0" u="none" strike="noStrike" kern="1200" cap="none" spc="0" normalizeH="0" noProof="0" dirty="0">
                           <a:ln>
                             <a:noFill/>
                           </a:ln>
@@ -5525,12 +5595,34 @@
                           <a:uLnTx/>
                           <a:uFillTx/>
                           <a:latin typeface="Gill Sans Nova" panose="020B0602020104020203" pitchFamily="34" charset="0"/>
-                          <a:ea typeface="+mn-ea"/>
-                          <a:cs typeface="+mn-cs"/>
                         </a:rPr>
-                        <a:t>wo of the main prospects will consist to make these simulations chromatic and confirm these results on a test bed.</a:t>
+                        <a:t> of the main prospects will consist to </a:t>
                       </a:r>
-                      <a:endParaRPr kumimoji="0" lang="en-US" sz="3200" b="0" i="0" u="none" strike="noStrike" kern="1200" cap="none" spc="0" normalizeH="0" baseline="0" noProof="0" dirty="0">
+                      <a:r>
+                        <a:rPr lang="en-US" sz="3000" dirty="0">
+                          <a:solidFill>
+                            <a:srgbClr val="37322F"/>
+                          </a:solidFill>
+                          <a:latin typeface="Gill Sans Nova" panose="020B0602020104020203" pitchFamily="34" charset="0"/>
+                        </a:rPr>
+                        <a:t>deeply investigate which is the best estimator, </a:t>
+                      </a:r>
+                      <a:r>
+                        <a:rPr kumimoji="0" lang="en-US" sz="3000" b="0" i="0" u="none" strike="noStrike" kern="1200" cap="none" spc="0" normalizeH="0" noProof="0" dirty="0">
+                          <a:ln>
+                            <a:noFill/>
+                          </a:ln>
+                          <a:solidFill>
+                            <a:srgbClr val="37322F"/>
+                          </a:solidFill>
+                          <a:effectLst/>
+                          <a:uLnTx/>
+                          <a:uFillTx/>
+                          <a:latin typeface="Gill Sans Nova" panose="020B0602020104020203" pitchFamily="34" charset="0"/>
+                        </a:rPr>
+                        <a:t>make these simulations chromatic and confirm these results on a test bed.</a:t>
+                      </a:r>
+                      <a:endParaRPr kumimoji="0" lang="en-US" sz="3000" b="0" i="0" u="none" strike="noStrike" kern="1200" cap="none" spc="0" normalizeH="0" baseline="0" noProof="0" dirty="0">
                         <a:ln>
                           <a:noFill/>
                         </a:ln>
@@ -5541,8 +5633,6 @@
                         <a:uLnTx/>
                         <a:uFillTx/>
                         <a:latin typeface="Gill Sans Nova" panose="020B0602020104020203" pitchFamily="34" charset="0"/>
-                        <a:ea typeface="+mn-ea"/>
-                        <a:cs typeface="+mn-cs"/>
                       </a:endParaRPr>
                     </a:p>
                   </p:txBody>
@@ -5671,7 +5761,7 @@
               </a:p>
               <a:p>
                 <a:r>
-                  <a:rPr lang="en-US" sz="3200" dirty="0">
+                  <a:rPr lang="en-US" sz="3000" dirty="0">
                     <a:solidFill>
                       <a:srgbClr val="37322F"/>
                     </a:solidFill>
@@ -5782,8 +5872,8 @@
           </p:nvSpPr>
           <p:spPr>
             <a:xfrm>
-              <a:off x="10901391" y="471947"/>
-              <a:ext cx="20581506" cy="6341808"/>
+              <a:off x="11144250" y="471947"/>
+              <a:ext cx="20338647" cy="6341808"/>
             </a:xfrm>
             <a:noFill/>
             <a:ln cap="rnd">
@@ -6464,10 +6554,10 @@
       </p:grpSp>
       <p:grpSp>
         <p:nvGrpSpPr>
-          <p:cNvPr id="62" name="Group 61">
+          <p:cNvPr id="55" name="Group 54">
             <a:extLst>
               <a:ext uri="{FF2B5EF4-FFF2-40B4-BE49-F238E27FC236}">
-                <a16:creationId xmlns:a16="http://schemas.microsoft.com/office/drawing/2014/main" id="{A24A9D70-61EC-5A49-566B-0CA889568037}"/>
+                <a16:creationId xmlns:a16="http://schemas.microsoft.com/office/drawing/2014/main" id="{70995022-5682-B320-4004-1CCC83A7B6C7}"/>
               </a:ext>
             </a:extLst>
           </p:cNvPr>
@@ -6476,18 +6566,18 @@
         </p:nvGrpSpPr>
         <p:grpSpPr>
           <a:xfrm>
-            <a:off x="20796527" y="8476288"/>
-            <a:ext cx="11308931" cy="5274352"/>
-            <a:chOff x="20647905" y="8484566"/>
-            <a:chExt cx="11308931" cy="5274352"/>
+            <a:off x="20538872" y="8600247"/>
+            <a:ext cx="11582136" cy="5216883"/>
+            <a:chOff x="20323661" y="8600246"/>
+            <a:chExt cx="11797347" cy="5313819"/>
           </a:xfrm>
         </p:grpSpPr>
         <p:pic>
           <p:nvPicPr>
-            <p:cNvPr id="60" name="Picture 59">
+            <p:cNvPr id="35" name="Picture 34">
               <a:extLst>
                 <a:ext uri="{FF2B5EF4-FFF2-40B4-BE49-F238E27FC236}">
-                  <a16:creationId xmlns:a16="http://schemas.microsoft.com/office/drawing/2014/main" id="{643B1614-9548-AD22-9937-DCD84EEDBD81}"/>
+                  <a16:creationId xmlns:a16="http://schemas.microsoft.com/office/drawing/2014/main" id="{4E8BAA79-663D-1180-56C5-077DED5AAB08}"/>
                 </a:ext>
               </a:extLst>
             </p:cNvPr>
@@ -6504,8 +6594,8 @@
           </p:blipFill>
           <p:spPr>
             <a:xfrm>
-              <a:off x="20647905" y="8484566"/>
-              <a:ext cx="11308931" cy="5274352"/>
+              <a:off x="20323661" y="8600246"/>
+              <a:ext cx="11797347" cy="5313819"/>
             </a:xfrm>
             <a:prstGeom prst="rect">
               <a:avLst/>
@@ -6526,7 +6616,7 @@
           </p:nvSpPr>
           <p:spPr>
             <a:xfrm>
-              <a:off x="20948578" y="12837139"/>
+              <a:off x="20583106" y="12976352"/>
               <a:ext cx="4791745" cy="830997"/>
             </a:xfrm>
             <a:prstGeom prst="rect">
@@ -6608,7 +6698,7 @@
         </p:blipFill>
         <p:spPr>
           <a:xfrm>
-            <a:off x="1323722" y="479073"/>
+            <a:off x="1504335" y="479073"/>
             <a:ext cx="9316803" cy="5823002"/>
           </a:xfrm>
           <a:prstGeom prst="rect">
@@ -6630,10 +6720,10 @@
         </p:nvGrpSpPr>
         <p:grpSpPr>
           <a:xfrm>
-            <a:off x="760681" y="36042873"/>
-            <a:ext cx="8799820" cy="2347261"/>
-            <a:chOff x="11409070" y="17790873"/>
-            <a:chExt cx="8799820" cy="2347261"/>
+            <a:off x="788938" y="36042873"/>
+            <a:ext cx="8771563" cy="2347261"/>
+            <a:chOff x="11437327" y="17790873"/>
+            <a:chExt cx="8771563" cy="2347261"/>
           </a:xfrm>
         </p:grpSpPr>
         <p:pic>
@@ -6680,7 +6770,7 @@
           </p:nvSpPr>
           <p:spPr>
             <a:xfrm>
-              <a:off x="11409070" y="18415891"/>
+              <a:off x="11437327" y="18207201"/>
               <a:ext cx="5640120" cy="1569660"/>
             </a:xfrm>
             <a:prstGeom prst="rect">
@@ -6748,7 +6838,7 @@
         </p:nvGrpSpPr>
         <p:grpSpPr>
           <a:xfrm>
-            <a:off x="10928266" y="17436252"/>
+            <a:off x="10965308" y="17766296"/>
             <a:ext cx="10371392" cy="5114553"/>
             <a:chOff x="11020445" y="24520076"/>
             <a:chExt cx="10371392" cy="5114553"/>
@@ -7011,7 +7101,7 @@
               <a:defRPr/>
             </a:pPr>
             <a:r>
-              <a:rPr lang="en-US" sz="3200" dirty="0">
+              <a:rPr lang="en-US" sz="3000" dirty="0">
                 <a:solidFill>
                   <a:srgbClr val="37322F"/>
                 </a:solidFill>
@@ -7019,7 +7109,7 @@
               </a:rPr>
               <a:t>By weighting the kernel transmission map by the output intensity and integrating it over the parallactic angle, we can dress a map of the source of input light. By cumulating the 3 maps, one can constrain precisely which part of the sky contributed the most to the data we have. Thus, this process reveal the approximative object location, spreaded by the input phase aberrations.</a:t>
             </a:r>
-            <a:endParaRPr kumimoji="0" lang="en-US" sz="3200" b="0" i="0" u="none" strike="noStrike" kern="1200" cap="none" spc="0" normalizeH="0" baseline="0" noProof="0" dirty="0">
+            <a:endParaRPr kumimoji="0" lang="en-US" sz="3000" b="0" i="0" u="none" strike="noStrike" kern="1200" cap="none" spc="0" normalizeH="0" baseline="0" noProof="0" dirty="0">
               <a:ln>
                 <a:noFill/>
               </a:ln>
@@ -7058,10 +7148,10 @@
         </p:nvGrpSpPr>
         <p:grpSpPr>
           <a:xfrm>
-            <a:off x="10953707" y="26144310"/>
-            <a:ext cx="10320510" cy="4339261"/>
+            <a:off x="11004243" y="33666172"/>
+            <a:ext cx="10320510" cy="4789414"/>
             <a:chOff x="10971665" y="27299794"/>
-            <a:chExt cx="10320510" cy="4339261"/>
+            <a:chExt cx="10320510" cy="4789414"/>
           </a:xfrm>
         </p:grpSpPr>
         <p:pic>
@@ -7094,65 +7184,236 @@
             </a:prstGeom>
           </p:spPr>
         </p:pic>
-        <p:sp>
-          <p:nvSpPr>
-            <p:cNvPr id="71" name="ZoneTexte 70">
-              <a:extLst>
-                <a:ext uri="{FF2B5EF4-FFF2-40B4-BE49-F238E27FC236}">
-                  <a16:creationId xmlns:a16="http://schemas.microsoft.com/office/drawing/2014/main" id="{C3A503C0-CB22-25C3-21F6-0D113AF458E0}"/>
-                </a:ext>
-              </a:extLst>
-            </p:cNvPr>
-            <p:cNvSpPr txBox="1"/>
-            <p:nvPr/>
-          </p:nvSpPr>
-          <p:spPr>
-            <a:xfrm>
-              <a:off x="11657932" y="30808058"/>
-              <a:ext cx="9089091" cy="830997"/>
-            </a:xfrm>
-            <a:prstGeom prst="rect">
-              <a:avLst/>
-            </a:prstGeom>
-            <a:noFill/>
-          </p:spPr>
-          <p:txBody>
-            <a:bodyPr wrap="square" rtlCol="0">
-              <a:spAutoFit/>
-            </a:bodyPr>
-            <a:lstStyle/>
-            <a:p>
-              <a:pPr algn="ctr"/>
-              <a:r>
-                <a:rPr lang="en-US" sz="2400" dirty="0">
-                  <a:solidFill>
-                    <a:schemeClr val="tx1">
-                      <a:lumMod val="50000"/>
-                      <a:lumOff val="50000"/>
-                    </a:schemeClr>
-                  </a:solidFill>
-                  <a:latin typeface="Gill Sans Nova" panose="020B0602020104020203" pitchFamily="34" charset="0"/>
-                </a:rPr>
-                <a:t>Figure 7: Intensity distribution obtained on a kernel output</a:t>
-              </a:r>
-            </a:p>
-            <a:p>
-              <a:pPr algn="ctr"/>
-              <a:r>
-                <a:rPr lang="en-US" sz="2400" dirty="0">
-                  <a:solidFill>
-                    <a:schemeClr val="tx1">
-                      <a:lumMod val="50000"/>
-                      <a:lumOff val="50000"/>
-                    </a:schemeClr>
-                  </a:solidFill>
-                  <a:latin typeface="Gill Sans Nova" panose="020B0602020104020203" pitchFamily="34" charset="0"/>
-                </a:rPr>
-                <a:t>(with an extremely bright planet to clearly show the distribution shift)</a:t>
-              </a:r>
-            </a:p>
-          </p:txBody>
-        </p:sp>
+        <mc:AlternateContent xmlns:mc="http://schemas.openxmlformats.org/markup-compatibility/2006">
+          <mc:Choice xmlns:a14="http://schemas.microsoft.com/office/drawing/2010/main" Requires="a14">
+            <p:sp>
+              <p:nvSpPr>
+                <p:cNvPr id="71" name="ZoneTexte 70">
+                  <a:extLst>
+                    <a:ext uri="{FF2B5EF4-FFF2-40B4-BE49-F238E27FC236}">
+                      <a16:creationId xmlns:a16="http://schemas.microsoft.com/office/drawing/2014/main" id="{C3A503C0-CB22-25C3-21F6-0D113AF458E0}"/>
+                    </a:ext>
+                  </a:extLst>
+                </p:cNvPr>
+                <p:cNvSpPr txBox="1"/>
+                <p:nvPr/>
+              </p:nvSpPr>
+              <p:spPr>
+                <a:xfrm>
+                  <a:off x="11669341" y="30888879"/>
+                  <a:ext cx="8915887" cy="1200329"/>
+                </a:xfrm>
+                <a:prstGeom prst="rect">
+                  <a:avLst/>
+                </a:prstGeom>
+                <a:noFill/>
+              </p:spPr>
+              <p:txBody>
+                <a:bodyPr wrap="square" rtlCol="0">
+                  <a:spAutoFit/>
+                </a:bodyPr>
+                <a:lstStyle/>
+                <a:p>
+                  <a:pPr algn="ctr"/>
+                  <a:r>
+                    <a:rPr lang="en-US" sz="2400" dirty="0">
+                      <a:solidFill>
+                        <a:schemeClr val="tx1">
+                          <a:lumMod val="50000"/>
+                          <a:lumOff val="50000"/>
+                        </a:schemeClr>
+                      </a:solidFill>
+                      <a:latin typeface="Gill Sans Nova" panose="020B0602020104020203" pitchFamily="34" charset="0"/>
+                    </a:rPr>
+                    <a:t>Figure 8: Intensity distribution obtained on a kernel output</a:t>
+                  </a:r>
+                </a:p>
+                <a:p>
+                  <a:pPr algn="ctr"/>
+                  <a:r>
+                    <a:rPr lang="en-US" sz="2400" dirty="0">
+                      <a:solidFill>
+                        <a:schemeClr val="tx1">
+                          <a:lumMod val="50000"/>
+                          <a:lumOff val="50000"/>
+                        </a:schemeClr>
+                      </a:solidFill>
+                      <a:latin typeface="Gill Sans Nova" panose="020B0602020104020203" pitchFamily="34" charset="0"/>
+                    </a:rPr>
+                    <a:t>(with a contrast of </a:t>
+                  </a:r>
+                  <a14:m>
+                    <m:oMath xmlns:m="http://schemas.openxmlformats.org/officeDocument/2006/math">
+                      <m:sSup>
+                        <m:sSupPr>
+                          <m:ctrlPr>
+                            <a:rPr lang="fr-FR" sz="2400" b="0" i="1" smtClean="0">
+                              <a:solidFill>
+                                <a:schemeClr val="tx1">
+                                  <a:lumMod val="50000"/>
+                                  <a:lumOff val="50000"/>
+                                </a:schemeClr>
+                              </a:solidFill>
+                              <a:latin typeface="Cambria Math" panose="02040503050406030204" pitchFamily="18" charset="0"/>
+                            </a:rPr>
+                          </m:ctrlPr>
+                        </m:sSupPr>
+                        <m:e>
+                          <m:r>
+                            <a:rPr lang="fr-FR" sz="2400" b="0" i="1" smtClean="0">
+                              <a:solidFill>
+                                <a:schemeClr val="tx1">
+                                  <a:lumMod val="50000"/>
+                                  <a:lumOff val="50000"/>
+                                </a:schemeClr>
+                              </a:solidFill>
+                              <a:latin typeface="Cambria Math" panose="02040503050406030204" pitchFamily="18" charset="0"/>
+                            </a:rPr>
+                            <m:t>10</m:t>
+                          </m:r>
+                        </m:e>
+                        <m:sup>
+                          <m:r>
+                            <a:rPr lang="fr-FR" sz="2400" b="0" i="1" smtClean="0">
+                              <a:solidFill>
+                                <a:schemeClr val="tx1">
+                                  <a:lumMod val="50000"/>
+                                  <a:lumOff val="50000"/>
+                                </a:schemeClr>
+                              </a:solidFill>
+                              <a:latin typeface="Cambria Math" panose="02040503050406030204" pitchFamily="18" charset="0"/>
+                            </a:rPr>
+                            <m:t>−</m:t>
+                          </m:r>
+                          <m:r>
+                            <a:rPr lang="fr-FR" sz="2400" b="0" i="1" smtClean="0">
+                              <a:solidFill>
+                                <a:schemeClr val="tx1">
+                                  <a:lumMod val="50000"/>
+                                  <a:lumOff val="50000"/>
+                                </a:schemeClr>
+                              </a:solidFill>
+                              <a:latin typeface="Cambria Math" panose="02040503050406030204" pitchFamily="18" charset="0"/>
+                            </a:rPr>
+                            <m:t>3</m:t>
+                          </m:r>
+                        </m:sup>
+                      </m:sSup>
+                    </m:oMath>
+                  </a14:m>
+                  <a:r>
+                    <a:rPr lang="en-US" sz="2400" dirty="0">
+                      <a:solidFill>
+                        <a:schemeClr val="tx1">
+                          <a:lumMod val="50000"/>
+                          <a:lumOff val="50000"/>
+                        </a:schemeClr>
+                      </a:solidFill>
+                      <a:latin typeface="Gill Sans Nova" panose="020B0602020104020203" pitchFamily="34" charset="0"/>
+                    </a:rPr>
+                    <a:t>  and phase perturbations RMS around </a:t>
+                  </a:r>
+                  <a14:m>
+                    <m:oMath xmlns:m="http://schemas.openxmlformats.org/officeDocument/2006/math">
+                      <m:r>
+                        <a:rPr lang="fr-FR" sz="2400" b="0" i="1" smtClean="0">
+                          <a:solidFill>
+                            <a:schemeClr val="tx1">
+                              <a:lumMod val="50000"/>
+                              <a:lumOff val="50000"/>
+                            </a:schemeClr>
+                          </a:solidFill>
+                          <a:latin typeface="Cambria Math" panose="02040503050406030204" pitchFamily="18" charset="0"/>
+                        </a:rPr>
+                        <m:t>𝜆</m:t>
+                      </m:r>
+                      <m:r>
+                        <a:rPr lang="fr-FR" sz="2400" b="0" i="1" smtClean="0">
+                          <a:solidFill>
+                            <a:schemeClr val="tx1">
+                              <a:lumMod val="50000"/>
+                              <a:lumOff val="50000"/>
+                            </a:schemeClr>
+                          </a:solidFill>
+                          <a:latin typeface="Cambria Math" panose="02040503050406030204" pitchFamily="18" charset="0"/>
+                        </a:rPr>
+                        <m:t>/</m:t>
+                      </m:r>
+                      <m:r>
+                        <a:rPr lang="fr-FR" sz="2400" b="0" i="1" smtClean="0">
+                          <a:solidFill>
+                            <a:schemeClr val="tx1">
+                              <a:lumMod val="50000"/>
+                              <a:lumOff val="50000"/>
+                            </a:schemeClr>
+                          </a:solidFill>
+                          <a:latin typeface="Cambria Math" panose="02040503050406030204" pitchFamily="18" charset="0"/>
+                        </a:rPr>
+                        <m:t>100</m:t>
+                      </m:r>
+                    </m:oMath>
+                  </a14:m>
+                  <a:r>
+                    <a:rPr lang="en-US" sz="2400" dirty="0">
+                      <a:solidFill>
+                        <a:schemeClr val="tx1">
+                          <a:lumMod val="50000"/>
+                          <a:lumOff val="50000"/>
+                        </a:schemeClr>
+                      </a:solidFill>
+                      <a:latin typeface="Gill Sans Nova" panose="020B0602020104020203" pitchFamily="34" charset="0"/>
+                    </a:rPr>
+                    <a:t> to clearly show the distribution shift)</a:t>
+                  </a:r>
+                </a:p>
+              </p:txBody>
+            </p:sp>
+          </mc:Choice>
+          <mc:Fallback>
+            <p:sp>
+              <p:nvSpPr>
+                <p:cNvPr id="71" name="ZoneTexte 70">
+                  <a:extLst>
+                    <a:ext uri="{FF2B5EF4-FFF2-40B4-BE49-F238E27FC236}">
+                      <a16:creationId xmlns:a16="http://schemas.microsoft.com/office/drawing/2014/main" id="{C3A503C0-CB22-25C3-21F6-0D113AF458E0}"/>
+                    </a:ext>
+                  </a:extLst>
+                </p:cNvPr>
+                <p:cNvSpPr txBox="1">
+                  <a:spLocks noRot="1" noChangeAspect="1" noMove="1" noResize="1" noEditPoints="1" noAdjustHandles="1" noChangeArrowheads="1" noChangeShapeType="1" noTextEdit="1"/>
+                </p:cNvSpPr>
+                <p:nvPr/>
+              </p:nvSpPr>
+              <p:spPr>
+                <a:xfrm>
+                  <a:off x="11669341" y="30888879"/>
+                  <a:ext cx="8915887" cy="1200329"/>
+                </a:xfrm>
+                <a:prstGeom prst="rect">
+                  <a:avLst/>
+                </a:prstGeom>
+                <a:blipFill>
+                  <a:blip r:embed="rId17"/>
+                  <a:stretch>
+                    <a:fillRect l="-958" t="-4061" r="-1915" b="-10660"/>
+                  </a:stretch>
+                </a:blipFill>
+              </p:spPr>
+              <p:txBody>
+                <a:bodyPr/>
+                <a:lstStyle/>
+                <a:p>
+                  <a:r>
+                    <a:rPr lang="en-US">
+                      <a:noFill/>
+                    </a:rPr>
+                    <a:t> </a:t>
+                  </a:r>
+                </a:p>
+              </p:txBody>
+            </p:sp>
+          </mc:Fallback>
+        </mc:AlternateContent>
       </p:grpSp>
       <p:grpSp>
         <p:nvGrpSpPr>
@@ -7168,10 +7429,10 @@
         </p:nvGrpSpPr>
         <p:grpSpPr>
           <a:xfrm>
-            <a:off x="11015754" y="33466124"/>
-            <a:ext cx="10196415" cy="4552643"/>
-            <a:chOff x="11076049" y="34039102"/>
-            <a:chExt cx="10085084" cy="4502934"/>
+            <a:off x="21989602" y="34730074"/>
+            <a:ext cx="9810722" cy="3866479"/>
+            <a:chOff x="11076049" y="34505907"/>
+            <a:chExt cx="10241187" cy="4036128"/>
           </a:xfrm>
         </p:grpSpPr>
         <p:pic>
@@ -7189,14 +7450,14 @@
             <p:nvPr/>
           </p:nvPicPr>
           <p:blipFill rotWithShape="1">
-            <a:blip r:embed="rId17"/>
+            <a:blip r:embed="rId18"/>
             <a:srcRect r="50887"/>
             <a:stretch/>
           </p:blipFill>
           <p:spPr>
             <a:xfrm>
-              <a:off x="11076049" y="34039102"/>
-              <a:ext cx="5801645" cy="4502934"/>
+              <a:off x="11076049" y="34505907"/>
+              <a:ext cx="5200204" cy="4036128"/>
             </a:xfrm>
             <a:prstGeom prst="rect">
               <a:avLst/>
@@ -7217,8 +7478,8 @@
           </p:nvSpPr>
           <p:spPr>
             <a:xfrm>
-              <a:off x="16877694" y="34334680"/>
-              <a:ext cx="4283439" cy="1552521"/>
+              <a:off x="16421587" y="34620397"/>
+              <a:ext cx="4895649" cy="1638532"/>
             </a:xfrm>
             <a:prstGeom prst="rect">
               <a:avLst/>
@@ -7241,7 +7502,7 @@
                   </a:solidFill>
                   <a:latin typeface="Gill Sans Nova" panose="020B0602020104020203" pitchFamily="34" charset="0"/>
                 </a:rPr>
-                <a:t>Figure 8: </a:t>
+                <a:t>Figure 11: </a:t>
               </a:r>
               <a:r>
                 <a:rPr lang="en-US" sz="2400" b="1" dirty="0">
@@ -7285,7 +7546,7 @@
         </p:nvGrpSpPr>
         <p:grpSpPr>
           <a:xfrm>
-            <a:off x="21861024" y="18414025"/>
+            <a:off x="21912640" y="18230476"/>
             <a:ext cx="9939301" cy="3782749"/>
             <a:chOff x="21861024" y="18414025"/>
             <a:chExt cx="9939301" cy="3782749"/>
@@ -7306,7 +7567,7 @@
             <p:nvPr/>
           </p:nvPicPr>
           <p:blipFill>
-            <a:blip r:embed="rId18"/>
+            <a:blip r:embed="rId19"/>
             <a:stretch>
               <a:fillRect/>
             </a:stretch>
@@ -7380,7 +7641,7 @@
         </p:nvGrpSpPr>
         <p:grpSpPr>
           <a:xfrm>
-            <a:off x="21989602" y="26985729"/>
+            <a:off x="21989602" y="26906386"/>
             <a:ext cx="9810723" cy="2927869"/>
             <a:chOff x="21989602" y="26985729"/>
             <a:chExt cx="9810723" cy="2927869"/>
@@ -7401,7 +7662,7 @@
             <p:nvPr/>
           </p:nvPicPr>
           <p:blipFill>
-            <a:blip r:embed="rId19"/>
+            <a:blip r:embed="rId20"/>
             <a:stretch>
               <a:fillRect/>
             </a:stretch>
@@ -7475,7 +7736,7 @@
         </p:nvGrpSpPr>
         <p:grpSpPr>
           <a:xfrm>
-            <a:off x="22280506" y="34420520"/>
+            <a:off x="11551344" y="26492490"/>
             <a:ext cx="9213643" cy="4210810"/>
             <a:chOff x="22280506" y="34420520"/>
             <a:chExt cx="9213643" cy="4210810"/>
@@ -7496,7 +7757,7 @@
             <p:nvPr/>
           </p:nvPicPr>
           <p:blipFill>
-            <a:blip r:embed="rId20"/>
+            <a:blip r:embed="rId21"/>
             <a:stretch>
               <a:fillRect/>
             </a:stretch>
@@ -7550,7 +7811,7 @@
                   </a:solidFill>
                   <a:latin typeface="Gill Sans Nova" panose="020B0602020104020203" pitchFamily="34" charset="0"/>
                 </a:rPr>
-                <a:t>Figure 11: Evolution of kernel distribution spread according to the input phase aberrations.</a:t>
+                <a:t>Figure 7: Evolution of kernel distribution spread according to the input phase aberrations.</a:t>
               </a:r>
             </a:p>
           </p:txBody>
@@ -8382,10 +8643,10 @@
         </p:nvGrpSpPr>
         <p:grpSpPr>
           <a:xfrm>
-            <a:off x="553765" y="21841803"/>
-            <a:ext cx="9822002" cy="2963550"/>
-            <a:chOff x="536682" y="21965941"/>
-            <a:chExt cx="9822002" cy="2963550"/>
+            <a:off x="547347" y="21341077"/>
+            <a:ext cx="9929379" cy="3343632"/>
+            <a:chOff x="409873" y="21585859"/>
+            <a:chExt cx="10289401" cy="3343632"/>
           </a:xfrm>
         </p:grpSpPr>
         <p:sp>
@@ -8402,7 +8663,7 @@
           </p:nvSpPr>
           <p:spPr>
             <a:xfrm>
-              <a:off x="4010663" y="22039970"/>
+              <a:off x="4351253" y="21747975"/>
               <a:ext cx="6348021" cy="2677656"/>
             </a:xfrm>
             <a:prstGeom prst="rect">
@@ -8470,15 +8731,15 @@
             <p:nvPr/>
           </p:nvPicPr>
           <p:blipFill>
-            <a:blip r:embed="rId21"/>
+            <a:blip r:embed="rId22"/>
             <a:stretch>
               <a:fillRect/>
             </a:stretch>
           </p:blipFill>
           <p:spPr>
             <a:xfrm>
-              <a:off x="536682" y="21965941"/>
-              <a:ext cx="3473981" cy="2963550"/>
+              <a:off x="409873" y="21585859"/>
+              <a:ext cx="3919527" cy="3343632"/>
             </a:xfrm>
             <a:prstGeom prst="rect">
               <a:avLst/>

--- a/docs/Poster/Poster.pptx
+++ b/docs/Poster/Poster.pptx
@@ -4,6 +4,9 @@
   <p:sldMasterIdLst>
     <p:sldMasterId id="2147483660" r:id="rId1"/>
   </p:sldMasterIdLst>
+  <p:notesMasterIdLst>
+    <p:notesMasterId r:id="rId3"/>
+  </p:notesMasterIdLst>
   <p:sldIdLst>
     <p:sldId id="256" r:id="rId2"/>
   </p:sldIdLst>
@@ -112,6 +115,439 @@
 </p:presentation>
 </file>
 
+<file path=ppt/notesMasters/notesMaster1.xml><?xml version="1.0" encoding="utf-8"?>
+<p:notesMaster xmlns:a="http://schemas.openxmlformats.org/drawingml/2006/main" xmlns:r="http://schemas.openxmlformats.org/officeDocument/2006/relationships" xmlns:p="http://schemas.openxmlformats.org/presentationml/2006/main">
+  <p:cSld>
+    <p:bg>
+      <p:bgRef idx="1001">
+        <a:schemeClr val="bg1"/>
+      </p:bgRef>
+    </p:bg>
+    <p:spTree>
+      <p:nvGrpSpPr>
+        <p:cNvPr id="1" name=""/>
+        <p:cNvGrpSpPr/>
+        <p:nvPr/>
+      </p:nvGrpSpPr>
+      <p:grpSpPr>
+        <a:xfrm>
+          <a:off x="0" y="0"/>
+          <a:ext cx="0" cy="0"/>
+          <a:chOff x="0" y="0"/>
+          <a:chExt cx="0" cy="0"/>
+        </a:xfrm>
+      </p:grpSpPr>
+      <p:sp>
+        <p:nvSpPr>
+          <p:cNvPr id="2" name="Header Placeholder 1"/>
+          <p:cNvSpPr>
+            <a:spLocks noGrp="1"/>
+          </p:cNvSpPr>
+          <p:nvPr>
+            <p:ph type="hdr" sz="quarter"/>
+          </p:nvPr>
+        </p:nvSpPr>
+        <p:spPr>
+          <a:xfrm>
+            <a:off x="0" y="0"/>
+            <a:ext cx="2971800" cy="458788"/>
+          </a:xfrm>
+          <a:prstGeom prst="rect">
+            <a:avLst/>
+          </a:prstGeom>
+        </p:spPr>
+        <p:txBody>
+          <a:bodyPr vert="horz" lIns="91440" tIns="45720" rIns="91440" bIns="45720" rtlCol="0"/>
+          <a:lstStyle>
+            <a:lvl1pPr algn="l">
+              <a:defRPr sz="1200"/>
+            </a:lvl1pPr>
+          </a:lstStyle>
+          <a:p>
+            <a:endParaRPr lang="en-US"/>
+          </a:p>
+        </p:txBody>
+      </p:sp>
+      <p:sp>
+        <p:nvSpPr>
+          <p:cNvPr id="3" name="Date Placeholder 2"/>
+          <p:cNvSpPr>
+            <a:spLocks noGrp="1"/>
+          </p:cNvSpPr>
+          <p:nvPr>
+            <p:ph type="dt" idx="1"/>
+          </p:nvPr>
+        </p:nvSpPr>
+        <p:spPr>
+          <a:xfrm>
+            <a:off x="3884613" y="0"/>
+            <a:ext cx="2971800" cy="458788"/>
+          </a:xfrm>
+          <a:prstGeom prst="rect">
+            <a:avLst/>
+          </a:prstGeom>
+        </p:spPr>
+        <p:txBody>
+          <a:bodyPr vert="horz" lIns="91440" tIns="45720" rIns="91440" bIns="45720" rtlCol="0"/>
+          <a:lstStyle>
+            <a:lvl1pPr algn="r">
+              <a:defRPr sz="1200"/>
+            </a:lvl1pPr>
+          </a:lstStyle>
+          <a:p>
+            <a:fld id="{D3783812-3155-4067-99AC-A792419B44FD}" type="datetimeFigureOut">
+              <a:rPr lang="en-US" smtClean="0"/>
+              <a:t>5/23/2024</a:t>
+            </a:fld>
+            <a:endParaRPr lang="en-US"/>
+          </a:p>
+        </p:txBody>
+      </p:sp>
+      <p:sp>
+        <p:nvSpPr>
+          <p:cNvPr id="4" name="Slide Image Placeholder 3"/>
+          <p:cNvSpPr>
+            <a:spLocks noGrp="1" noRot="1" noChangeAspect="1"/>
+          </p:cNvSpPr>
+          <p:nvPr>
+            <p:ph type="sldImg" idx="2"/>
+          </p:nvPr>
+        </p:nvSpPr>
+        <p:spPr>
+          <a:xfrm>
+            <a:off x="2271713" y="1143000"/>
+            <a:ext cx="2314575" cy="3086100"/>
+          </a:xfrm>
+          <a:prstGeom prst="rect">
+            <a:avLst/>
+          </a:prstGeom>
+          <a:noFill/>
+          <a:ln w="12700">
+            <a:solidFill>
+              <a:prstClr val="black"/>
+            </a:solidFill>
+          </a:ln>
+        </p:spPr>
+        <p:txBody>
+          <a:bodyPr vert="horz" lIns="91440" tIns="45720" rIns="91440" bIns="45720" rtlCol="0" anchor="ctr"/>
+          <a:lstStyle/>
+          <a:p>
+            <a:endParaRPr lang="en-US"/>
+          </a:p>
+        </p:txBody>
+      </p:sp>
+      <p:sp>
+        <p:nvSpPr>
+          <p:cNvPr id="5" name="Notes Placeholder 4"/>
+          <p:cNvSpPr>
+            <a:spLocks noGrp="1"/>
+          </p:cNvSpPr>
+          <p:nvPr>
+            <p:ph type="body" sz="quarter" idx="3"/>
+          </p:nvPr>
+        </p:nvSpPr>
+        <p:spPr>
+          <a:xfrm>
+            <a:off x="685800" y="4400550"/>
+            <a:ext cx="5486400" cy="3600450"/>
+          </a:xfrm>
+          <a:prstGeom prst="rect">
+            <a:avLst/>
+          </a:prstGeom>
+        </p:spPr>
+        <p:txBody>
+          <a:bodyPr vert="horz" lIns="91440" tIns="45720" rIns="91440" bIns="45720" rtlCol="0"/>
+          <a:lstStyle/>
+          <a:p>
+            <a:pPr lvl="0"/>
+            <a:r>
+              <a:rPr lang="en-US"/>
+              <a:t>Click to edit Master text styles</a:t>
+            </a:r>
+          </a:p>
+          <a:p>
+            <a:pPr lvl="1"/>
+            <a:r>
+              <a:rPr lang="en-US"/>
+              <a:t>Second level</a:t>
+            </a:r>
+          </a:p>
+          <a:p>
+            <a:pPr lvl="2"/>
+            <a:r>
+              <a:rPr lang="en-US"/>
+              <a:t>Third level</a:t>
+            </a:r>
+          </a:p>
+          <a:p>
+            <a:pPr lvl="3"/>
+            <a:r>
+              <a:rPr lang="en-US"/>
+              <a:t>Fourth level</a:t>
+            </a:r>
+          </a:p>
+          <a:p>
+            <a:pPr lvl="4"/>
+            <a:r>
+              <a:rPr lang="en-US"/>
+              <a:t>Fifth level</a:t>
+            </a:r>
+          </a:p>
+        </p:txBody>
+      </p:sp>
+      <p:sp>
+        <p:nvSpPr>
+          <p:cNvPr id="6" name="Footer Placeholder 5"/>
+          <p:cNvSpPr>
+            <a:spLocks noGrp="1"/>
+          </p:cNvSpPr>
+          <p:nvPr>
+            <p:ph type="ftr" sz="quarter" idx="4"/>
+          </p:nvPr>
+        </p:nvSpPr>
+        <p:spPr>
+          <a:xfrm>
+            <a:off x="0" y="8685213"/>
+            <a:ext cx="2971800" cy="458787"/>
+          </a:xfrm>
+          <a:prstGeom prst="rect">
+            <a:avLst/>
+          </a:prstGeom>
+        </p:spPr>
+        <p:txBody>
+          <a:bodyPr vert="horz" lIns="91440" tIns="45720" rIns="91440" bIns="45720" rtlCol="0" anchor="b"/>
+          <a:lstStyle>
+            <a:lvl1pPr algn="l">
+              <a:defRPr sz="1200"/>
+            </a:lvl1pPr>
+          </a:lstStyle>
+          <a:p>
+            <a:endParaRPr lang="en-US"/>
+          </a:p>
+        </p:txBody>
+      </p:sp>
+      <p:sp>
+        <p:nvSpPr>
+          <p:cNvPr id="7" name="Slide Number Placeholder 6"/>
+          <p:cNvSpPr>
+            <a:spLocks noGrp="1"/>
+          </p:cNvSpPr>
+          <p:nvPr>
+            <p:ph type="sldNum" sz="quarter" idx="5"/>
+          </p:nvPr>
+        </p:nvSpPr>
+        <p:spPr>
+          <a:xfrm>
+            <a:off x="3884613" y="8685213"/>
+            <a:ext cx="2971800" cy="458787"/>
+          </a:xfrm>
+          <a:prstGeom prst="rect">
+            <a:avLst/>
+          </a:prstGeom>
+        </p:spPr>
+        <p:txBody>
+          <a:bodyPr vert="horz" lIns="91440" tIns="45720" rIns="91440" bIns="45720" rtlCol="0" anchor="b"/>
+          <a:lstStyle>
+            <a:lvl1pPr algn="r">
+              <a:defRPr sz="1200"/>
+            </a:lvl1pPr>
+          </a:lstStyle>
+          <a:p>
+            <a:fld id="{70D89FED-1D52-48ED-BA2E-CB3809146CDF}" type="slidenum">
+              <a:rPr lang="en-US" smtClean="0"/>
+              <a:t>‹#›</a:t>
+            </a:fld>
+            <a:endParaRPr lang="en-US"/>
+          </a:p>
+        </p:txBody>
+      </p:sp>
+    </p:spTree>
+    <p:extLst>
+      <p:ext uri="{BB962C8B-B14F-4D97-AF65-F5344CB8AC3E}">
+        <p14:creationId xmlns:p14="http://schemas.microsoft.com/office/powerpoint/2010/main" val="2620338663"/>
+      </p:ext>
+    </p:extLst>
+  </p:cSld>
+  <p:clrMap bg1="lt1" tx1="dk1" bg2="lt2" tx2="dk2" accent1="accent1" accent2="accent2" accent3="accent3" accent4="accent4" accent5="accent5" accent6="accent6" hlink="hlink" folHlink="folHlink"/>
+  <p:notesStyle>
+    <a:lvl1pPr marL="0" algn="l" defTabSz="914400" rtl="0" eaLnBrk="1" latinLnBrk="0" hangingPunct="1">
+      <a:defRPr sz="1200" kern="1200">
+        <a:solidFill>
+          <a:schemeClr val="tx1"/>
+        </a:solidFill>
+        <a:latin typeface="+mn-lt"/>
+        <a:ea typeface="+mn-ea"/>
+        <a:cs typeface="+mn-cs"/>
+      </a:defRPr>
+    </a:lvl1pPr>
+    <a:lvl2pPr marL="457200" algn="l" defTabSz="914400" rtl="0" eaLnBrk="1" latinLnBrk="0" hangingPunct="1">
+      <a:defRPr sz="1200" kern="1200">
+        <a:solidFill>
+          <a:schemeClr val="tx1"/>
+        </a:solidFill>
+        <a:latin typeface="+mn-lt"/>
+        <a:ea typeface="+mn-ea"/>
+        <a:cs typeface="+mn-cs"/>
+      </a:defRPr>
+    </a:lvl2pPr>
+    <a:lvl3pPr marL="914400" algn="l" defTabSz="914400" rtl="0" eaLnBrk="1" latinLnBrk="0" hangingPunct="1">
+      <a:defRPr sz="1200" kern="1200">
+        <a:solidFill>
+          <a:schemeClr val="tx1"/>
+        </a:solidFill>
+        <a:latin typeface="+mn-lt"/>
+        <a:ea typeface="+mn-ea"/>
+        <a:cs typeface="+mn-cs"/>
+      </a:defRPr>
+    </a:lvl3pPr>
+    <a:lvl4pPr marL="1371600" algn="l" defTabSz="914400" rtl="0" eaLnBrk="1" latinLnBrk="0" hangingPunct="1">
+      <a:defRPr sz="1200" kern="1200">
+        <a:solidFill>
+          <a:schemeClr val="tx1"/>
+        </a:solidFill>
+        <a:latin typeface="+mn-lt"/>
+        <a:ea typeface="+mn-ea"/>
+        <a:cs typeface="+mn-cs"/>
+      </a:defRPr>
+    </a:lvl4pPr>
+    <a:lvl5pPr marL="1828800" algn="l" defTabSz="914400" rtl="0" eaLnBrk="1" latinLnBrk="0" hangingPunct="1">
+      <a:defRPr sz="1200" kern="1200">
+        <a:solidFill>
+          <a:schemeClr val="tx1"/>
+        </a:solidFill>
+        <a:latin typeface="+mn-lt"/>
+        <a:ea typeface="+mn-ea"/>
+        <a:cs typeface="+mn-cs"/>
+      </a:defRPr>
+    </a:lvl5pPr>
+    <a:lvl6pPr marL="2286000" algn="l" defTabSz="914400" rtl="0" eaLnBrk="1" latinLnBrk="0" hangingPunct="1">
+      <a:defRPr sz="1200" kern="1200">
+        <a:solidFill>
+          <a:schemeClr val="tx1"/>
+        </a:solidFill>
+        <a:latin typeface="+mn-lt"/>
+        <a:ea typeface="+mn-ea"/>
+        <a:cs typeface="+mn-cs"/>
+      </a:defRPr>
+    </a:lvl6pPr>
+    <a:lvl7pPr marL="2743200" algn="l" defTabSz="914400" rtl="0" eaLnBrk="1" latinLnBrk="0" hangingPunct="1">
+      <a:defRPr sz="1200" kern="1200">
+        <a:solidFill>
+          <a:schemeClr val="tx1"/>
+        </a:solidFill>
+        <a:latin typeface="+mn-lt"/>
+        <a:ea typeface="+mn-ea"/>
+        <a:cs typeface="+mn-cs"/>
+      </a:defRPr>
+    </a:lvl7pPr>
+    <a:lvl8pPr marL="3200400" algn="l" defTabSz="914400" rtl="0" eaLnBrk="1" latinLnBrk="0" hangingPunct="1">
+      <a:defRPr sz="1200" kern="1200">
+        <a:solidFill>
+          <a:schemeClr val="tx1"/>
+        </a:solidFill>
+        <a:latin typeface="+mn-lt"/>
+        <a:ea typeface="+mn-ea"/>
+        <a:cs typeface="+mn-cs"/>
+      </a:defRPr>
+    </a:lvl8pPr>
+    <a:lvl9pPr marL="3657600" algn="l" defTabSz="914400" rtl="0" eaLnBrk="1" latinLnBrk="0" hangingPunct="1">
+      <a:defRPr sz="1200" kern="1200">
+        <a:solidFill>
+          <a:schemeClr val="tx1"/>
+        </a:solidFill>
+        <a:latin typeface="+mn-lt"/>
+        <a:ea typeface="+mn-ea"/>
+        <a:cs typeface="+mn-cs"/>
+      </a:defRPr>
+    </a:lvl9pPr>
+  </p:notesStyle>
+</p:notesMaster>
+</file>
+
+<file path=ppt/notesSlides/notesSlide1.xml><?xml version="1.0" encoding="utf-8"?>
+<p:notes xmlns:a="http://schemas.openxmlformats.org/drawingml/2006/main" xmlns:r="http://schemas.openxmlformats.org/officeDocument/2006/relationships" xmlns:p="http://schemas.openxmlformats.org/presentationml/2006/main">
+  <p:cSld>
+    <p:spTree>
+      <p:nvGrpSpPr>
+        <p:cNvPr id="1" name=""/>
+        <p:cNvGrpSpPr/>
+        <p:nvPr/>
+      </p:nvGrpSpPr>
+      <p:grpSpPr>
+        <a:xfrm>
+          <a:off x="0" y="0"/>
+          <a:ext cx="0" cy="0"/>
+          <a:chOff x="0" y="0"/>
+          <a:chExt cx="0" cy="0"/>
+        </a:xfrm>
+      </p:grpSpPr>
+      <p:sp>
+        <p:nvSpPr>
+          <p:cNvPr id="2" name="Slide Image Placeholder 1"/>
+          <p:cNvSpPr>
+            <a:spLocks noGrp="1" noRot="1" noChangeAspect="1"/>
+          </p:cNvSpPr>
+          <p:nvPr>
+            <p:ph type="sldImg"/>
+          </p:nvPr>
+        </p:nvSpPr>
+        <p:spPr/>
+      </p:sp>
+      <p:sp>
+        <p:nvSpPr>
+          <p:cNvPr id="3" name="Notes Placeholder 2"/>
+          <p:cNvSpPr>
+            <a:spLocks noGrp="1"/>
+          </p:cNvSpPr>
+          <p:nvPr>
+            <p:ph type="body" idx="1"/>
+          </p:nvPr>
+        </p:nvSpPr>
+        <p:spPr/>
+        <p:txBody>
+          <a:bodyPr/>
+          <a:lstStyle/>
+          <a:p>
+            <a:endParaRPr lang="en-US" dirty="0"/>
+          </a:p>
+        </p:txBody>
+      </p:sp>
+      <p:sp>
+        <p:nvSpPr>
+          <p:cNvPr id="4" name="Slide Number Placeholder 3"/>
+          <p:cNvSpPr>
+            <a:spLocks noGrp="1"/>
+          </p:cNvSpPr>
+          <p:nvPr>
+            <p:ph type="sldNum" sz="quarter" idx="5"/>
+          </p:nvPr>
+        </p:nvSpPr>
+        <p:spPr/>
+        <p:txBody>
+          <a:bodyPr/>
+          <a:lstStyle/>
+          <a:p>
+            <a:fld id="{70D89FED-1D52-48ED-BA2E-CB3809146CDF}" type="slidenum">
+              <a:rPr lang="en-US" smtClean="0"/>
+              <a:t>1</a:t>
+            </a:fld>
+            <a:endParaRPr lang="en-US"/>
+          </a:p>
+        </p:txBody>
+      </p:sp>
+    </p:spTree>
+    <p:extLst>
+      <p:ext uri="{BB962C8B-B14F-4D97-AF65-F5344CB8AC3E}">
+        <p14:creationId xmlns:p14="http://schemas.microsoft.com/office/powerpoint/2010/main" val="2578986965"/>
+      </p:ext>
+    </p:extLst>
+  </p:cSld>
+  <p:clrMapOvr>
+    <a:masterClrMapping/>
+  </p:clrMapOvr>
+</p:notes>
+</file>
+
 <file path=ppt/slideLayouts/slideLayout1.xml><?xml version="1.0" encoding="utf-8"?>
 <p:sldLayout xmlns:a="http://schemas.openxmlformats.org/drawingml/2006/main" xmlns:r="http://schemas.openxmlformats.org/officeDocument/2006/relationships" xmlns:p="http://schemas.openxmlformats.org/presentationml/2006/main" type="title" preserve="1">
   <p:cSld name="Diapositive de titre">
@@ -243,7 +679,7 @@
           <a:p>
             <a:fld id="{70533FD3-F370-458C-BCE8-160857C0EEE2}" type="datetimeFigureOut">
               <a:rPr lang="fr-FR" smtClean="0"/>
-              <a:t>21/05/2024</a:t>
+              <a:t>23/05/2024</a:t>
             </a:fld>
             <a:endParaRPr lang="fr-FR"/>
           </a:p>
@@ -413,7 +849,7 @@
           <a:p>
             <a:fld id="{70533FD3-F370-458C-BCE8-160857C0EEE2}" type="datetimeFigureOut">
               <a:rPr lang="fr-FR" smtClean="0"/>
-              <a:t>21/05/2024</a:t>
+              <a:t>23/05/2024</a:t>
             </a:fld>
             <a:endParaRPr lang="fr-FR"/>
           </a:p>
@@ -593,7 +1029,7 @@
           <a:p>
             <a:fld id="{70533FD3-F370-458C-BCE8-160857C0EEE2}" type="datetimeFigureOut">
               <a:rPr lang="fr-FR" smtClean="0"/>
-              <a:t>21/05/2024</a:t>
+              <a:t>23/05/2024</a:t>
             </a:fld>
             <a:endParaRPr lang="fr-FR"/>
           </a:p>
@@ -763,7 +1199,7 @@
           <a:p>
             <a:fld id="{70533FD3-F370-458C-BCE8-160857C0EEE2}" type="datetimeFigureOut">
               <a:rPr lang="fr-FR" smtClean="0"/>
-              <a:t>21/05/2024</a:t>
+              <a:t>23/05/2024</a:t>
             </a:fld>
             <a:endParaRPr lang="fr-FR"/>
           </a:p>
@@ -1009,7 +1445,7 @@
           <a:p>
             <a:fld id="{70533FD3-F370-458C-BCE8-160857C0EEE2}" type="datetimeFigureOut">
               <a:rPr lang="fr-FR" smtClean="0"/>
-              <a:t>21/05/2024</a:t>
+              <a:t>23/05/2024</a:t>
             </a:fld>
             <a:endParaRPr lang="fr-FR"/>
           </a:p>
@@ -1241,7 +1677,7 @@
           <a:p>
             <a:fld id="{70533FD3-F370-458C-BCE8-160857C0EEE2}" type="datetimeFigureOut">
               <a:rPr lang="fr-FR" smtClean="0"/>
-              <a:t>21/05/2024</a:t>
+              <a:t>23/05/2024</a:t>
             </a:fld>
             <a:endParaRPr lang="fr-FR"/>
           </a:p>
@@ -1608,7 +2044,7 @@
           <a:p>
             <a:fld id="{70533FD3-F370-458C-BCE8-160857C0EEE2}" type="datetimeFigureOut">
               <a:rPr lang="fr-FR" smtClean="0"/>
-              <a:t>21/05/2024</a:t>
+              <a:t>23/05/2024</a:t>
             </a:fld>
             <a:endParaRPr lang="fr-FR"/>
           </a:p>
@@ -1726,7 +2162,7 @@
           <a:p>
             <a:fld id="{70533FD3-F370-458C-BCE8-160857C0EEE2}" type="datetimeFigureOut">
               <a:rPr lang="fr-FR" smtClean="0"/>
-              <a:t>21/05/2024</a:t>
+              <a:t>23/05/2024</a:t>
             </a:fld>
             <a:endParaRPr lang="fr-FR"/>
           </a:p>
@@ -1821,7 +2257,7 @@
           <a:p>
             <a:fld id="{70533FD3-F370-458C-BCE8-160857C0EEE2}" type="datetimeFigureOut">
               <a:rPr lang="fr-FR" smtClean="0"/>
-              <a:t>21/05/2024</a:t>
+              <a:t>23/05/2024</a:t>
             </a:fld>
             <a:endParaRPr lang="fr-FR"/>
           </a:p>
@@ -2098,7 +2534,7 @@
           <a:p>
             <a:fld id="{70533FD3-F370-458C-BCE8-160857C0EEE2}" type="datetimeFigureOut">
               <a:rPr lang="fr-FR" smtClean="0"/>
-              <a:t>21/05/2024</a:t>
+              <a:t>23/05/2024</a:t>
             </a:fld>
             <a:endParaRPr lang="fr-FR"/>
           </a:p>
@@ -2355,7 +2791,7 @@
           <a:p>
             <a:fld id="{70533FD3-F370-458C-BCE8-160857C0EEE2}" type="datetimeFigureOut">
               <a:rPr lang="fr-FR" smtClean="0"/>
-              <a:t>21/05/2024</a:t>
+              <a:t>23/05/2024</a:t>
             </a:fld>
             <a:endParaRPr lang="fr-FR"/>
           </a:p>
@@ -2568,7 +3004,7 @@
           <a:p>
             <a:fld id="{70533FD3-F370-458C-BCE8-160857C0EEE2}" type="datetimeFigureOut">
               <a:rPr lang="fr-FR" smtClean="0"/>
-              <a:t>21/05/2024</a:t>
+              <a:t>23/05/2024</a:t>
             </a:fld>
             <a:endParaRPr lang="fr-FR"/>
           </a:p>
@@ -3100,7 +3536,7 @@
                 </a:solidFill>
                 <a:latin typeface="Gill Sans Nova" panose="020B0602020104020203" pitchFamily="34" charset="0"/>
               </a:rPr>
-              <a:t>In presence of unavoidable input phase aberrations, the system is not able to perfectly cancel the star light. By performing many observations, we obtain some intensity distribution intensity at the kernels output.</a:t>
+              <a:t>In the presence of unavoidable input phase aberrations, the system is not able to perfectly cancel the star light. By performing many observations, we obtain some intensity distribution intensity at the kernels’ output.</a:t>
             </a:r>
           </a:p>
           <a:p>
@@ -3333,7 +3769,7 @@
                 </a:solidFill>
                 <a:latin typeface="Gill Sans Nova" panose="020B0602020104020203" pitchFamily="34" charset="0"/>
               </a:rPr>
-              <a:t>The presence of an exoplanet in the field of view result in a shift of the distribution. The brighter the planet, the more pronounced the shift will be. When one increase the contrast, both distributions quickly become hard to distinguish. One then study different statistical (Fig. 11) tests to determine the one offering the best detection reliability.</a:t>
+              <a:t>The presence of an exoplanet in the field of view results in a shift of the distribution. The brighter the planet, the more pronounced the shift will be. When one increases the contrast, both distributions quickly become hard to distinguish. We then study different statistical (Fig. 11) tests to determine the one offering the best detection reliability.</a:t>
             </a:r>
             <a:endParaRPr lang="en-US" sz="3000" dirty="0">
               <a:solidFill>
@@ -3363,8 +3799,8 @@
             <a:chExt cx="31514388" cy="29425807"/>
           </a:xfrm>
         </p:grpSpPr>
-        <mc:AlternateContent xmlns:mc="http://schemas.openxmlformats.org/markup-compatibility/2006" xmlns:a14="http://schemas.microsoft.com/office/drawing/2010/main">
-          <mc:Choice Requires="a14">
+        <mc:AlternateContent xmlns:mc="http://schemas.openxmlformats.org/markup-compatibility/2006">
+          <mc:Choice xmlns:a14="http://schemas.microsoft.com/office/drawing/2010/main" Requires="a14">
             <p:sp>
               <p:nvSpPr>
                 <p:cNvPr id="5" name="Rectangle : coins arrondis 4">
@@ -3381,8 +3817,8 @@
               </p:nvSpPr>
               <p:spPr>
                 <a:xfrm>
-                  <a:off x="442451" y="25439655"/>
-                  <a:ext cx="10064094" cy="7047091"/>
+                  <a:off x="442451" y="25439656"/>
+                  <a:ext cx="10064094" cy="6386544"/>
                 </a:xfrm>
                 <a:prstGeom prst="roundRect">
                   <a:avLst>
@@ -3487,7 +3923,7 @@
                       </a:solidFill>
                       <a:latin typeface="Gill Sans Nova" panose="020B0602020104020203" pitchFamily="34" charset="0"/>
                     </a:rPr>
-                    <a:t>Coming from telecom technologies, the thermo-optic phase shifters consist in heating a fiber core using an electrode to increase the optical index and then induce an artificial </a:t>
+                    <a:t>Coming from telecom technologies, the thermo-optic phase shifters consist of heating a fiber core using an electrode to increase the optical index and thus induce an artificial </a:t>
                   </a:r>
                   <a:r>
                     <a:rPr lang="en-US" sz="3000" b="1" dirty="0">
@@ -3658,7 +4094,7 @@
               </p:txBody>
             </p:sp>
           </mc:Choice>
-          <mc:Fallback xmlns="">
+          <mc:Fallback>
             <p:sp>
               <p:nvSpPr>
                 <p:cNvPr id="5" name="Rectangle : coins arrondis 4">
@@ -3675,8 +4111,8 @@
               </p:nvSpPr>
               <p:spPr>
                 <a:xfrm>
-                  <a:off x="442451" y="25439655"/>
-                  <a:ext cx="10064094" cy="7047091"/>
+                  <a:off x="442451" y="25439656"/>
+                  <a:ext cx="10064094" cy="6386544"/>
                 </a:xfrm>
                 <a:prstGeom prst="roundRect">
                   <a:avLst>
@@ -3684,7 +4120,7 @@
                   </a:avLst>
                 </a:prstGeom>
                 <a:blipFill>
-                  <a:blip r:embed="rId2"/>
+                  <a:blip r:embed="rId3"/>
                   <a:stretch>
                     <a:fillRect/>
                   </a:stretch>
@@ -3867,7 +4303,7 @@
                           <a:latin typeface="Gill Sans Nova" panose="020B0602020104020203" pitchFamily="34" charset="0"/>
                           <a:cs typeface="Aharoni" panose="020F0502020204030204" pitchFamily="2" charset="-79"/>
                         </a:rPr>
-                        <a:t>This poster present a thesis that aim to enhance nulling interferometry for exoplanet detection using a four-telescope architecture named Kernel-</a:t>
+                        <a:t>This poster presents a thesis that aims to enhance nulling interferometry for exoplanet detection using a four-telescope architecture named Kernel-</a:t>
                       </a:r>
                       <a:r>
                         <a:rPr lang="en-US" sz="3000" dirty="0" err="1">
@@ -3887,7 +4323,7 @@
                           <a:latin typeface="Gill Sans Nova" panose="020B0602020104020203" pitchFamily="34" charset="0"/>
                           <a:cs typeface="Aharoni" panose="020F0502020204030204" pitchFamily="2" charset="-79"/>
                         </a:rPr>
-                        <a:t>. By integrating 14 active phase shifters, we aim to mitigate phase aberrations caused by manufacturing defects.  A first objective is to develop a technique that allow to find the good shifts to inject to optimize the component performances. A second step consists in analyzing intensity distributions produced and applying statistical tests and machine learning to extract valuable information. This poster present the preliminary results.</a:t>
+                        <a:t>. By integrating 14 active phase shifters, we aim to mitigate phase aberrations caused by manufacturing defects.  A first objective is to develop a technique that allows to find the best shifts to inject to optimize the component performance. A second step consists of analyzing intensity distributions produced and applying statistical tests and machine learning to extract valuable information. This poster presents the preliminary results.</a:t>
                       </a:r>
                     </a:p>
                   </p:txBody>
@@ -3985,7 +4421,7 @@
                               </a:solidFill>
                               <a:latin typeface="Gill Sans Nova" panose="020B0602020104020203" pitchFamily="34" charset="0"/>
                             </a:rPr>
-                            <a:t>To find the best phase shifts to introduce, I proposed an algorithm inspired from dichotomy and gradient descent that accepts or rejects steps in the parameter space according to the bright </a:t>
+                            <a:t>To find the best phase shifts to introduce, I proposed an algorithm inspired by dichotomy and gradient descent that accepts or rejects steps in the parameter space according to the bright </a:t>
                           </a:r>
                           <a14:m>
                             <m:oMath xmlns:m="http://schemas.openxmlformats.org/officeDocument/2006/math">
@@ -4589,7 +5025,7 @@
                           </a:avLst>
                         </a:prstGeom>
                         <a:blipFill>
-                          <a:blip r:embed="rId3"/>
+                          <a:blip r:embed="rId4"/>
                           <a:stretch>
                             <a:fillRect/>
                           </a:stretch>
@@ -4740,7 +5176,7 @@
                           <a:ea typeface="+mn-ea"/>
                           <a:cs typeface="+mn-cs"/>
                         </a:rPr>
-                        <a:t>Taking advantage of the earth rotation</a:t>
+                        <a:t>Taking advantage of the Earth’s rotation</a:t>
                       </a:r>
                       <a:r>
                         <a:rPr lang="en-US" sz="3000" dirty="0">
@@ -4749,7 +5185,7 @@
                           </a:solidFill>
                           <a:latin typeface="Gill Sans Nova" panose="020B0602020104020203" pitchFamily="34" charset="0"/>
                         </a:rPr>
-                        <a:t>, the kernel distribution will shift according to a known modulation. For each kernel output, one fit this modulation to the data points, giving the position and contrast of the potential object. By averaging all these parameter and computing a global fit, we can then see if this last one is well correlated to each kernel modulation.</a:t>
+                        <a:t>, the kernel distribution will shift according to a known modulation (Fig. 3). For each kernel output, one fits this modulation to the data points, giving the position and contrast of the potential object. By averaging all these parameters and computing a global fit, we can then see if this latter is well correlated with each kernel modulation.</a:t>
                       </a:r>
                       <a:endParaRPr lang="en-US" sz="3000" dirty="0">
                         <a:solidFill>
@@ -4931,7 +5367,7 @@
                         </a:solidFill>
                         <a:latin typeface="Gill Sans Nova" panose="020B0602020104020203" pitchFamily="34" charset="0"/>
                       </a:rPr>
-                      <a:t>This technique consist in taking advantage of the angular separation and the coherence properties of the light to destroy the star light without destroying the one coming from the planet. Our approach</a:t>
+                      <a:t>This technique consists in taking advantage of the angular separation and the coherence properties of the light to destroy the star light without destroying the one coming from the planet. Our approach</a:t>
                     </a:r>
                   </a:p>
                   <a:p>
@@ -4957,7 +5393,7 @@
                         </a:solidFill>
                         <a:latin typeface="Gill Sans Nova" panose="020B0602020104020203" pitchFamily="34" charset="0"/>
                       </a:rPr>
-                      <a:t>enhance this principle by</a:t>
+                      <a:t>enhances this principle by</a:t>
                     </a:r>
                   </a:p>
                   <a:p>
@@ -5228,8 +5664,8 @@
                 </p:txBody>
               </p:sp>
             </p:grpSp>
-            <mc:AlternateContent xmlns:mc="http://schemas.openxmlformats.org/markup-compatibility/2006" xmlns:a14="http://schemas.microsoft.com/office/drawing/2010/main">
-              <mc:Choice Requires="a14">
+            <mc:AlternateContent xmlns:mc="http://schemas.openxmlformats.org/markup-compatibility/2006">
+              <mc:Choice xmlns:a14="http://schemas.microsoft.com/office/drawing/2010/main" Requires="a14">
                 <p:sp>
                   <p:nvSpPr>
                     <p:cNvPr id="31" name="Rectangle : coins arrondis 30">
@@ -5386,7 +5822,7 @@
                           </a:solidFill>
                           <a:latin typeface="Gill Sans Nova" panose="020B0602020104020203" pitchFamily="34" charset="0"/>
                         </a:rPr>
-                        <a:t> results are mitigated by the persistent sensibility to high order phase aberration. A contrast of </a:t>
+                        <a:t> results are mitigated by the persistent sensitivity to high order phase aberration. A contrast of </a:t>
                       </a:r>
                       <a14:m>
                         <m:oMath xmlns:m="http://schemas.openxmlformats.org/officeDocument/2006/math">
@@ -5448,7 +5884,7 @@
                           <a:uFillTx/>
                           <a:latin typeface="Gill Sans Nova" panose="020B0602020104020203" pitchFamily="34" charset="0"/>
                         </a:rPr>
-                        <a:t> require an </a:t>
+                        <a:t> requires an </a:t>
                       </a:r>
                       <a:r>
                         <a:rPr kumimoji="0" lang="en-US" sz="3000" b="1" i="0" u="none" strike="noStrike" kern="1200" cap="none" spc="0" normalizeH="0" baseline="0" noProof="0" dirty="0">
@@ -5478,7 +5914,7 @@
                           <a:uFillTx/>
                           <a:latin typeface="Gill Sans Nova" panose="020B0602020104020203" pitchFamily="34" charset="0"/>
                         </a:rPr>
-                        <a:t> correction that bring phase aberrations below </a:t>
+                        <a:t> correction that brings phase aberrations below </a:t>
                       </a:r>
                       <a14:m>
                         <m:oMath xmlns:m="http://schemas.openxmlformats.org/officeDocument/2006/math">
@@ -5581,7 +6017,7 @@
                           </a:solidFill>
                           <a:latin typeface="Gill Sans Nova" panose="020B0602020104020203" pitchFamily="34" charset="0"/>
                         </a:rPr>
-                        <a:t>Also, three</a:t>
+                        <a:t>Also, the </a:t>
                       </a:r>
                       <a:r>
                         <a:rPr kumimoji="0" lang="en-US" sz="3000" b="0" i="0" u="none" strike="noStrike" kern="1200" cap="none" spc="0" normalizeH="0" noProof="0" dirty="0">
@@ -5596,7 +6032,7 @@
                           <a:uFillTx/>
                           <a:latin typeface="Gill Sans Nova" panose="020B0602020104020203" pitchFamily="34" charset="0"/>
                         </a:rPr>
-                        <a:t> of the main prospects will consist to </a:t>
+                        <a:t>prospects will consist of </a:t>
                       </a:r>
                       <a:r>
                         <a:rPr lang="en-US" sz="3000" dirty="0">
@@ -5605,7 +6041,7 @@
                           </a:solidFill>
                           <a:latin typeface="Gill Sans Nova" panose="020B0602020104020203" pitchFamily="34" charset="0"/>
                         </a:rPr>
-                        <a:t>deeply investigate which is the best estimator, </a:t>
+                        <a:t>deeply investigating which is the best test statistic (and consider new ones), </a:t>
                       </a:r>
                       <a:r>
                         <a:rPr kumimoji="0" lang="en-US" sz="3000" b="0" i="0" u="none" strike="noStrike" kern="1200" cap="none" spc="0" normalizeH="0" noProof="0" dirty="0">
@@ -5620,7 +6056,7 @@
                           <a:uFillTx/>
                           <a:latin typeface="Gill Sans Nova" panose="020B0602020104020203" pitchFamily="34" charset="0"/>
                         </a:rPr>
-                        <a:t>make these simulations chromatic and confirm these results on a test bed.</a:t>
+                        <a:t>making these simulations chromatic and confirming these results on a test bed.</a:t>
                       </a:r>
                       <a:endParaRPr kumimoji="0" lang="en-US" sz="3000" b="0" i="0" u="none" strike="noStrike" kern="1200" cap="none" spc="0" normalizeH="0" baseline="0" noProof="0" dirty="0">
                         <a:ln>
@@ -5638,7 +6074,7 @@
                   </p:txBody>
                 </p:sp>
               </mc:Choice>
-              <mc:Fallback xmlns="">
+              <mc:Fallback>
                 <p:sp>
                   <p:nvSpPr>
                     <p:cNvPr id="31" name="Rectangle : coins arrondis 30">
@@ -5664,7 +6100,7 @@
                       </a:avLst>
                     </a:prstGeom>
                     <a:blipFill>
-                      <a:blip r:embed="rId4"/>
+                      <a:blip r:embed="rId5"/>
                       <a:stretch>
                         <a:fillRect/>
                       </a:stretch>
@@ -5705,8 +6141,8 @@
             </p:nvSpPr>
             <p:spPr>
               <a:xfrm>
-                <a:off x="400085" y="32932800"/>
-                <a:ext cx="10064094" cy="5752898"/>
+                <a:off x="400085" y="32272256"/>
+                <a:ext cx="10064094" cy="6413442"/>
               </a:xfrm>
               <a:prstGeom prst="roundRect">
                 <a:avLst>
@@ -5767,7 +6203,7 @@
                     </a:solidFill>
                     <a:latin typeface="Gill Sans Nova" panose="020B0602020104020203" pitchFamily="34" charset="0"/>
                   </a:rPr>
-                  <a:t>The idea of our architecture is to combine the nulling interferometry with the phase shifter technologies to make an active optical component that can be calibrated to compensate the phase aberration induced by the manufacturing defects.</a:t>
+                  <a:t>The idea of our architecture is to combine the nulling interferometry with the phase shifter technology to make an active optical component that can be calibrated to compensate the phase aberration induced by manufacturing defects.</a:t>
                 </a:r>
               </a:p>
             </p:txBody>
@@ -6199,7 +6635,7 @@
         </p:nvGrpSpPr>
         <p:grpSpPr>
           <a:xfrm>
-            <a:off x="1504335" y="6309202"/>
+            <a:off x="1504335" y="6411621"/>
             <a:ext cx="29231304" cy="2633337"/>
             <a:chOff x="1916576" y="5806722"/>
             <a:chExt cx="26383063" cy="2376750"/>
@@ -6220,7 +6656,7 @@
             <p:nvPr/>
           </p:nvPicPr>
           <p:blipFill>
-            <a:blip r:embed="rId5">
+            <a:blip r:embed="rId6">
               <a:extLst>
                 <a:ext uri="{28A0092B-C50C-407E-A947-70E740481C1C}">
                   <a14:useLocalDpi xmlns:a14="http://schemas.microsoft.com/office/drawing/2010/main" val="0"/>
@@ -6256,7 +6692,7 @@
             <p:nvPr/>
           </p:nvPicPr>
           <p:blipFill>
-            <a:blip r:embed="rId6">
+            <a:blip r:embed="rId7">
               <a:extLst>
                 <a:ext uri="{28A0092B-C50C-407E-A947-70E740481C1C}">
                   <a14:useLocalDpi xmlns:a14="http://schemas.microsoft.com/office/drawing/2010/main" val="0"/>
@@ -6292,7 +6728,7 @@
             <p:nvPr/>
           </p:nvPicPr>
           <p:blipFill>
-            <a:blip r:embed="rId7">
+            <a:blip r:embed="rId8">
               <a:extLst>
                 <a:ext uri="{28A0092B-C50C-407E-A947-70E740481C1C}">
                   <a14:useLocalDpi xmlns:a14="http://schemas.microsoft.com/office/drawing/2010/main" val="0"/>
@@ -6328,7 +6764,7 @@
             <p:nvPr/>
           </p:nvPicPr>
           <p:blipFill>
-            <a:blip r:embed="rId8">
+            <a:blip r:embed="rId9">
               <a:extLst>
                 <a:ext uri="{28A0092B-C50C-407E-A947-70E740481C1C}">
                   <a14:useLocalDpi xmlns:a14="http://schemas.microsoft.com/office/drawing/2010/main" val="0"/>
@@ -6385,7 +6821,7 @@
             <p:nvPr/>
           </p:nvPicPr>
           <p:blipFill>
-            <a:blip r:embed="rId9">
+            <a:blip r:embed="rId10">
               <a:extLst>
                 <a:ext uri="{28A0092B-C50C-407E-A947-70E740481C1C}">
                   <a14:useLocalDpi xmlns:a14="http://schemas.microsoft.com/office/drawing/2010/main" val="0"/>
@@ -6445,7 +6881,7 @@
                   </a:solidFill>
                   <a:latin typeface="Gill Sans Nova" panose="020B0602020104020203" pitchFamily="34" charset="0"/>
                 </a:rPr>
-                <a:t>Figure 2: Concept of nulling. The signals are placed in phase opposition to destroy the on-axis source and let pass the light from nearby objects</a:t>
+                <a:t>Figure 2: Concept of nulling. The signals are placed in phase opposition to destroy the on-axis source and let the light from nearby objects</a:t>
               </a:r>
             </a:p>
           </p:txBody>
@@ -6465,7 +6901,7 @@
         </p:nvGrpSpPr>
         <p:grpSpPr>
           <a:xfrm>
-            <a:off x="1323722" y="30004298"/>
+            <a:off x="1366088" y="29238923"/>
             <a:ext cx="8216820" cy="2260271"/>
             <a:chOff x="22824491" y="33574643"/>
             <a:chExt cx="8216820" cy="2260271"/>
@@ -6486,7 +6922,7 @@
             <p:nvPr/>
           </p:nvPicPr>
           <p:blipFill>
-            <a:blip r:embed="rId10">
+            <a:blip r:embed="rId11">
               <a:extLst>
                 <a:ext uri="{28A0092B-C50C-407E-A947-70E740481C1C}">
                   <a14:useLocalDpi xmlns:a14="http://schemas.microsoft.com/office/drawing/2010/main" val="0"/>
@@ -6587,7 +7023,7 @@
             <p:nvPr/>
           </p:nvPicPr>
           <p:blipFill>
-            <a:blip r:embed="rId11"/>
+            <a:blip r:embed="rId12"/>
             <a:stretch>
               <a:fillRect/>
             </a:stretch>
@@ -6685,7 +7121,7 @@
           <p:nvPr/>
         </p:nvPicPr>
         <p:blipFill>
-          <a:blip r:embed="rId12">
+          <a:blip r:embed="rId13">
             <a:extLst>
               <a:ext uri="{28A0092B-C50C-407E-A947-70E740481C1C}">
                 <a14:useLocalDpi xmlns:a14="http://schemas.microsoft.com/office/drawing/2010/main" val="0"/>
@@ -6720,10 +7156,10 @@
         </p:nvGrpSpPr>
         <p:grpSpPr>
           <a:xfrm>
-            <a:off x="788938" y="36042873"/>
-            <a:ext cx="8771563" cy="2347261"/>
-            <a:chOff x="11437327" y="17790873"/>
-            <a:chExt cx="8771563" cy="2347261"/>
+            <a:off x="773712" y="35347334"/>
+            <a:ext cx="8786790" cy="3100283"/>
+            <a:chOff x="11422101" y="17095334"/>
+            <a:chExt cx="8786790" cy="3100283"/>
           </a:xfrm>
         </p:grpSpPr>
         <p:pic>
@@ -6741,15 +7177,15 @@
             <p:nvPr/>
           </p:nvPicPr>
           <p:blipFill>
-            <a:blip r:embed="rId13"/>
+            <a:blip r:embed="rId14"/>
             <a:stretch>
               <a:fillRect/>
             </a:stretch>
           </p:blipFill>
           <p:spPr>
             <a:xfrm>
-              <a:off x="17147059" y="17790873"/>
-              <a:ext cx="3061831" cy="2347261"/>
+              <a:off x="16164797" y="17095334"/>
+              <a:ext cx="4044094" cy="3100283"/>
             </a:xfrm>
             <a:prstGeom prst="rect">
               <a:avLst/>
@@ -6770,8 +7206,8 @@
           </p:nvSpPr>
           <p:spPr>
             <a:xfrm>
-              <a:off x="11437327" y="18207201"/>
-              <a:ext cx="5640120" cy="1569660"/>
+              <a:off x="11422101" y="17756125"/>
+              <a:ext cx="4522991" cy="1938992"/>
             </a:xfrm>
             <a:prstGeom prst="rect">
               <a:avLst/>
@@ -6794,7 +7230,7 @@
                   </a:solidFill>
                   <a:latin typeface="Gill Sans Nova" panose="020B0602020104020203" pitchFamily="34" charset="0"/>
                 </a:rPr>
-                <a:t>Figure 5: Picture of the waffle that contain several prototype architectures of Kernel-</a:t>
+                <a:t>Figure 5: Picture of the wafer that contains several prototype architectures of Kernel-</a:t>
               </a:r>
               <a:r>
                 <a:rPr lang="en-US" sz="2400" dirty="0" err="1">
@@ -6879,7 +7315,7 @@
               <p:nvPr/>
             </p:nvPicPr>
             <p:blipFill>
-              <a:blip r:embed="rId14"/>
+              <a:blip r:embed="rId15"/>
               <a:stretch>
                 <a:fillRect/>
               </a:stretch>
@@ -6909,7 +7345,7 @@
               <p:nvPr/>
             </p:nvPicPr>
             <p:blipFill>
-              <a:blip r:embed="rId15"/>
+              <a:blip r:embed="rId16"/>
               <a:stretch>
                 <a:fillRect/>
               </a:stretch>
@@ -6964,7 +7400,7 @@
                   </a:solidFill>
                   <a:latin typeface="Gill Sans Nova" panose="020B0602020104020203" pitchFamily="34" charset="0"/>
                 </a:rPr>
-                <a:t>Figure 6: phase and amplitude of the 4 input signals on the 6 dark outputs before (top) and after (bottom) the calibration process</a:t>
+                <a:t>Figure 6: Phase and amplitude of the 4 input signals on the 6 dark outputs before (top) and after (bottom) the calibration process</a:t>
               </a:r>
             </a:p>
           </p:txBody>
@@ -7107,7 +7543,7 @@
                 </a:solidFill>
                 <a:latin typeface="Gill Sans Nova" panose="020B0602020104020203" pitchFamily="34" charset="0"/>
               </a:rPr>
-              <a:t>By weighting the kernel transmission map by the output intensity and integrating it over the parallactic angle, we can dress a map of the source of input light. By cumulating the 3 maps, one can constrain precisely which part of the sky contributed the most to the data we have. Thus, this process reveal the approximative object location, spreaded by the input phase aberrations.</a:t>
+              <a:t>By weighting the kernel transmission map by the output intensity and integrating it over the parallactic angle, we can create a map of the source of input light. By combining the 3 maps, one can constrain precisely which part of the sky contributed the most to the data we have. Thus, this process reveals the approximative object location, spread by the input phase aberrations.</a:t>
             </a:r>
             <a:endParaRPr kumimoji="0" lang="en-US" sz="3000" b="0" i="0" u="none" strike="noStrike" kern="1200" cap="none" spc="0" normalizeH="0" baseline="0" noProof="0" dirty="0">
               <a:ln>
@@ -7169,7 +7605,7 @@
             <p:nvPr/>
           </p:nvPicPr>
           <p:blipFill>
-            <a:blip r:embed="rId16"/>
+            <a:blip r:embed="rId17"/>
             <a:stretch>
               <a:fillRect/>
             </a:stretch>
@@ -7184,8 +7620,8 @@
             </a:prstGeom>
           </p:spPr>
         </p:pic>
-        <mc:AlternateContent xmlns:mc="http://schemas.openxmlformats.org/markup-compatibility/2006">
-          <mc:Choice xmlns:a14="http://schemas.microsoft.com/office/drawing/2010/main" Requires="a14">
+        <mc:AlternateContent xmlns:mc="http://schemas.openxmlformats.org/markup-compatibility/2006" xmlns:a14="http://schemas.microsoft.com/office/drawing/2010/main">
+          <mc:Choice Requires="a14">
             <p:sp>
               <p:nvSpPr>
                 <p:cNvPr id="71" name="ZoneTexte 70">
@@ -7369,7 +7805,7 @@
               </p:txBody>
             </p:sp>
           </mc:Choice>
-          <mc:Fallback>
+          <mc:Fallback xmlns="">
             <p:sp>
               <p:nvSpPr>
                 <p:cNvPr id="71" name="ZoneTexte 70">
@@ -7393,7 +7829,7 @@
                   <a:avLst/>
                 </a:prstGeom>
                 <a:blipFill>
-                  <a:blip r:embed="rId17"/>
+                  <a:blip r:embed="rId18"/>
                   <a:stretch>
                     <a:fillRect l="-958" t="-4061" r="-1915" b="-10660"/>
                   </a:stretch>
@@ -7450,7 +7886,7 @@
             <p:nvPr/>
           </p:nvPicPr>
           <p:blipFill rotWithShape="1">
-            <a:blip r:embed="rId18"/>
+            <a:blip r:embed="rId19"/>
             <a:srcRect r="50887"/>
             <a:stretch/>
           </p:blipFill>
@@ -7479,7 +7915,7 @@
           <p:spPr>
             <a:xfrm>
               <a:off x="16421587" y="34620397"/>
-              <a:ext cx="4895649" cy="1638532"/>
+              <a:ext cx="4895649" cy="2024069"/>
             </a:xfrm>
             <a:prstGeom prst="rect">
               <a:avLst/>
@@ -7526,7 +7962,7 @@
                   </a:solidFill>
                   <a:latin typeface="Gill Sans Nova" panose="020B0602020104020203" pitchFamily="34" charset="0"/>
                 </a:rPr>
-                <a:t> test to compare the detection performance of different estimators according to the probability of false alarm.</a:t>
+                <a:t> test to compare the detection performance of different test statistics according to the probability of false alarm of these tests.</a:t>
               </a:r>
             </a:p>
           </p:txBody>
@@ -7567,7 +8003,7 @@
             <p:nvPr/>
           </p:nvPicPr>
           <p:blipFill>
-            <a:blip r:embed="rId19"/>
+            <a:blip r:embed="rId20"/>
             <a:stretch>
               <a:fillRect/>
             </a:stretch>
@@ -7662,7 +8098,7 @@
             <p:nvPr/>
           </p:nvPicPr>
           <p:blipFill>
-            <a:blip r:embed="rId20"/>
+            <a:blip r:embed="rId21"/>
             <a:stretch>
               <a:fillRect/>
             </a:stretch>
@@ -7757,7 +8193,7 @@
             <p:nvPr/>
           </p:nvPicPr>
           <p:blipFill>
-            <a:blip r:embed="rId21"/>
+            <a:blip r:embed="rId22"/>
             <a:stretch>
               <a:fillRect/>
             </a:stretch>
@@ -7811,7 +8247,7 @@
                   </a:solidFill>
                   <a:latin typeface="Gill Sans Nova" panose="020B0602020104020203" pitchFamily="34" charset="0"/>
                 </a:rPr>
-                <a:t>Figure 7: Evolution of kernel distribution spread according to the input phase aberrations.</a:t>
+                <a:t>Figure 7: Evolution of kernel distribution spread in relation to the input phase aberrations.</a:t>
               </a:r>
             </a:p>
           </p:txBody>
@@ -8337,7 +8773,7 @@
                     </a:solidFill>
                     <a:latin typeface="Gill Sans Nova" panose="020B0602020104020203" pitchFamily="34" charset="0"/>
                   </a:rPr>
-                  <a:t> for the help on the presentations. This thesis is made possible by the PHOTONICS project of the PEPR ORIGINS and Thales </a:t>
+                  <a:t> for the help with the presentations. This thesis is made possible by the PHOTONICS project of the PEPR ORIGINS and Thales </a:t>
                 </a:r>
                 <a:r>
                   <a:rPr lang="en-US" sz="3000" dirty="0" err="1">
@@ -8664,7 +9100,7 @@
           <p:spPr>
             <a:xfrm>
               <a:off x="4351253" y="21747975"/>
-              <a:ext cx="6348021" cy="2677656"/>
+              <a:ext cx="6348021" cy="3046988"/>
             </a:xfrm>
             <a:prstGeom prst="rect">
               <a:avLst/>
@@ -8711,7 +9147,7 @@
                   </a:solidFill>
                   <a:latin typeface="Gill Sans Nova" panose="020B0602020104020203" pitchFamily="34" charset="0"/>
                 </a:rPr>
-                <a:t>. The transmission zones and blind bands are directly derived from the telescopes position. By rotating the baseline, we can get a modulated signal from which we can precisely constrain the planet position. (cf. “Parallactic diversity” block)</a:t>
+                <a:t>. The transmission zones and blind bands are directly derived from the telescopes’ positions. By rotating the baseline, we can get a modulated signal from which we can precisely constrain the planet position. (cf. “Parallactic diversity” block)</a:t>
               </a:r>
             </a:p>
           </p:txBody>
@@ -8731,7 +9167,7 @@
             <p:nvPr/>
           </p:nvPicPr>
           <p:blipFill>
-            <a:blip r:embed="rId22"/>
+            <a:blip r:embed="rId23"/>
             <a:stretch>
               <a:fillRect/>
             </a:stretch>
@@ -9073,4 +9509,319 @@
     </a:ext>
   </a:extLst>
 </a:theme>
+</file>
+
+<file path=ppt/theme/theme2.xml><?xml version="1.0" encoding="utf-8"?>
+<a:theme xmlns:a="http://schemas.openxmlformats.org/drawingml/2006/main" name="Office Theme">
+  <a:themeElements>
+    <a:clrScheme name="Office">
+      <a:dk1>
+        <a:sysClr val="windowText" lastClr="000000"/>
+      </a:dk1>
+      <a:lt1>
+        <a:sysClr val="window" lastClr="FFFFFF"/>
+      </a:lt1>
+      <a:dk2>
+        <a:srgbClr val="0E2841"/>
+      </a:dk2>
+      <a:lt2>
+        <a:srgbClr val="E8E8E8"/>
+      </a:lt2>
+      <a:accent1>
+        <a:srgbClr val="156082"/>
+      </a:accent1>
+      <a:accent2>
+        <a:srgbClr val="E97132"/>
+      </a:accent2>
+      <a:accent3>
+        <a:srgbClr val="196B24"/>
+      </a:accent3>
+      <a:accent4>
+        <a:srgbClr val="0F9ED5"/>
+      </a:accent4>
+      <a:accent5>
+        <a:srgbClr val="A02B93"/>
+      </a:accent5>
+      <a:accent6>
+        <a:srgbClr val="4EA72E"/>
+      </a:accent6>
+      <a:hlink>
+        <a:srgbClr val="467886"/>
+      </a:hlink>
+      <a:folHlink>
+        <a:srgbClr val="96607D"/>
+      </a:folHlink>
+    </a:clrScheme>
+    <a:fontScheme name="Office">
+      <a:majorFont>
+        <a:latin typeface="Aptos Display" panose="02110004020202020204"/>
+        <a:ea typeface=""/>
+        <a:cs typeface=""/>
+        <a:font script="Jpan" typeface="游ゴシック Light"/>
+        <a:font script="Hang" typeface="맑은 고딕"/>
+        <a:font script="Hans" typeface="等线 Light"/>
+        <a:font script="Hant" typeface="新細明體"/>
+        <a:font script="Arab" typeface="Times New Roman"/>
+        <a:font script="Hebr" typeface="Times New Roman"/>
+        <a:font script="Thai" typeface="Angsana New"/>
+        <a:font script="Ethi" typeface="Nyala"/>
+        <a:font script="Beng" typeface="Vrinda"/>
+        <a:font script="Gujr" typeface="Shruti"/>
+        <a:font script="Khmr" typeface="MoolBoran"/>
+        <a:font script="Knda" typeface="Tunga"/>
+        <a:font script="Guru" typeface="Raavi"/>
+        <a:font script="Cans" typeface="Euphemia"/>
+        <a:font script="Cher" typeface="Plantagenet Cherokee"/>
+        <a:font script="Yiii" typeface="Microsoft Yi Baiti"/>
+        <a:font script="Tibt" typeface="Microsoft Himalaya"/>
+        <a:font script="Thaa" typeface="MV Boli"/>
+        <a:font script="Deva" typeface="Mangal"/>
+        <a:font script="Telu" typeface="Gautami"/>
+        <a:font script="Taml" typeface="Latha"/>
+        <a:font script="Syrc" typeface="Estrangelo Edessa"/>
+        <a:font script="Orya" typeface="Kalinga"/>
+        <a:font script="Mlym" typeface="Kartika"/>
+        <a:font script="Laoo" typeface="DokChampa"/>
+        <a:font script="Sinh" typeface="Iskoola Pota"/>
+        <a:font script="Mong" typeface="Mongolian Baiti"/>
+        <a:font script="Viet" typeface="Times New Roman"/>
+        <a:font script="Uigh" typeface="Microsoft Uighur"/>
+        <a:font script="Geor" typeface="Sylfaen"/>
+        <a:font script="Armn" typeface="Arial"/>
+        <a:font script="Bugi" typeface="Leelawadee UI"/>
+        <a:font script="Bopo" typeface="Microsoft JhengHei"/>
+        <a:font script="Java" typeface="Javanese Text"/>
+        <a:font script="Lisu" typeface="Segoe UI"/>
+        <a:font script="Mymr" typeface="Myanmar Text"/>
+        <a:font script="Nkoo" typeface="Ebrima"/>
+        <a:font script="Olck" typeface="Nirmala UI"/>
+        <a:font script="Osma" typeface="Ebrima"/>
+        <a:font script="Phag" typeface="Phagspa"/>
+        <a:font script="Syrn" typeface="Estrangelo Edessa"/>
+        <a:font script="Syrj" typeface="Estrangelo Edessa"/>
+        <a:font script="Syre" typeface="Estrangelo Edessa"/>
+        <a:font script="Sora" typeface="Nirmala UI"/>
+        <a:font script="Tale" typeface="Microsoft Tai Le"/>
+        <a:font script="Talu" typeface="Microsoft New Tai Lue"/>
+        <a:font script="Tfng" typeface="Ebrima"/>
+      </a:majorFont>
+      <a:minorFont>
+        <a:latin typeface="Aptos" panose="02110004020202020204"/>
+        <a:ea typeface=""/>
+        <a:cs typeface=""/>
+        <a:font script="Jpan" typeface="游ゴシック"/>
+        <a:font script="Hang" typeface="맑은 고딕"/>
+        <a:font script="Hans" typeface="等线"/>
+        <a:font script="Hant" typeface="新細明體"/>
+        <a:font script="Arab" typeface="Arial"/>
+        <a:font script="Hebr" typeface="Arial"/>
+        <a:font script="Thai" typeface="Cordia New"/>
+        <a:font script="Ethi" typeface="Nyala"/>
+        <a:font script="Beng" typeface="Vrinda"/>
+        <a:font script="Gujr" typeface="Shruti"/>
+        <a:font script="Khmr" typeface="DaunPenh"/>
+        <a:font script="Knda" typeface="Tunga"/>
+        <a:font script="Guru" typeface="Raavi"/>
+        <a:font script="Cans" typeface="Euphemia"/>
+        <a:font script="Cher" typeface="Plantagenet Cherokee"/>
+        <a:font script="Yiii" typeface="Microsoft Yi Baiti"/>
+        <a:font script="Tibt" typeface="Microsoft Himalaya"/>
+        <a:font script="Thaa" typeface="MV Boli"/>
+        <a:font script="Deva" typeface="Mangal"/>
+        <a:font script="Telu" typeface="Gautami"/>
+        <a:font script="Taml" typeface="Latha"/>
+        <a:font script="Syrc" typeface="Estrangelo Edessa"/>
+        <a:font script="Orya" typeface="Kalinga"/>
+        <a:font script="Mlym" typeface="Kartika"/>
+        <a:font script="Laoo" typeface="DokChampa"/>
+        <a:font script="Sinh" typeface="Iskoola Pota"/>
+        <a:font script="Mong" typeface="Mongolian Baiti"/>
+        <a:font script="Viet" typeface="Arial"/>
+        <a:font script="Uigh" typeface="Microsoft Uighur"/>
+        <a:font script="Geor" typeface="Sylfaen"/>
+        <a:font script="Armn" typeface="Arial"/>
+        <a:font script="Bugi" typeface="Leelawadee UI"/>
+        <a:font script="Bopo" typeface="Microsoft JhengHei"/>
+        <a:font script="Java" typeface="Javanese Text"/>
+        <a:font script="Lisu" typeface="Segoe UI"/>
+        <a:font script="Mymr" typeface="Myanmar Text"/>
+        <a:font script="Nkoo" typeface="Ebrima"/>
+        <a:font script="Olck" typeface="Nirmala UI"/>
+        <a:font script="Osma" typeface="Ebrima"/>
+        <a:font script="Phag" typeface="Phagspa"/>
+        <a:font script="Syrn" typeface="Estrangelo Edessa"/>
+        <a:font script="Syrj" typeface="Estrangelo Edessa"/>
+        <a:font script="Syre" typeface="Estrangelo Edessa"/>
+        <a:font script="Sora" typeface="Nirmala UI"/>
+        <a:font script="Tale" typeface="Microsoft Tai Le"/>
+        <a:font script="Talu" typeface="Microsoft New Tai Lue"/>
+        <a:font script="Tfng" typeface="Ebrima"/>
+      </a:minorFont>
+    </a:fontScheme>
+    <a:fmtScheme name="Office">
+      <a:fillStyleLst>
+        <a:solidFill>
+          <a:schemeClr val="phClr"/>
+        </a:solidFill>
+        <a:gradFill rotWithShape="1">
+          <a:gsLst>
+            <a:gs pos="0">
+              <a:schemeClr val="phClr">
+                <a:lumMod val="110000"/>
+                <a:satMod val="105000"/>
+                <a:tint val="67000"/>
+              </a:schemeClr>
+            </a:gs>
+            <a:gs pos="50000">
+              <a:schemeClr val="phClr">
+                <a:lumMod val="105000"/>
+                <a:satMod val="103000"/>
+                <a:tint val="73000"/>
+              </a:schemeClr>
+            </a:gs>
+            <a:gs pos="100000">
+              <a:schemeClr val="phClr">
+                <a:lumMod val="105000"/>
+                <a:satMod val="109000"/>
+                <a:tint val="81000"/>
+              </a:schemeClr>
+            </a:gs>
+          </a:gsLst>
+          <a:lin ang="5400000" scaled="0"/>
+        </a:gradFill>
+        <a:gradFill rotWithShape="1">
+          <a:gsLst>
+            <a:gs pos="0">
+              <a:schemeClr val="phClr">
+                <a:satMod val="103000"/>
+                <a:lumMod val="102000"/>
+                <a:tint val="94000"/>
+              </a:schemeClr>
+            </a:gs>
+            <a:gs pos="50000">
+              <a:schemeClr val="phClr">
+                <a:satMod val="110000"/>
+                <a:lumMod val="100000"/>
+                <a:shade val="100000"/>
+              </a:schemeClr>
+            </a:gs>
+            <a:gs pos="100000">
+              <a:schemeClr val="phClr">
+                <a:lumMod val="99000"/>
+                <a:satMod val="120000"/>
+                <a:shade val="78000"/>
+              </a:schemeClr>
+            </a:gs>
+          </a:gsLst>
+          <a:lin ang="5400000" scaled="0"/>
+        </a:gradFill>
+      </a:fillStyleLst>
+      <a:lnStyleLst>
+        <a:ln w="12700" cap="flat" cmpd="sng" algn="ctr">
+          <a:solidFill>
+            <a:schemeClr val="phClr"/>
+          </a:solidFill>
+          <a:prstDash val="solid"/>
+          <a:miter lim="800000"/>
+        </a:ln>
+        <a:ln w="19050" cap="flat" cmpd="sng" algn="ctr">
+          <a:solidFill>
+            <a:schemeClr val="phClr"/>
+          </a:solidFill>
+          <a:prstDash val="solid"/>
+          <a:miter lim="800000"/>
+        </a:ln>
+        <a:ln w="25400" cap="flat" cmpd="sng" algn="ctr">
+          <a:solidFill>
+            <a:schemeClr val="phClr"/>
+          </a:solidFill>
+          <a:prstDash val="solid"/>
+          <a:miter lim="800000"/>
+        </a:ln>
+      </a:lnStyleLst>
+      <a:effectStyleLst>
+        <a:effectStyle>
+          <a:effectLst/>
+        </a:effectStyle>
+        <a:effectStyle>
+          <a:effectLst/>
+        </a:effectStyle>
+        <a:effectStyle>
+          <a:effectLst>
+            <a:outerShdw blurRad="57150" dist="19050" dir="5400000" algn="ctr" rotWithShape="0">
+              <a:srgbClr val="000000">
+                <a:alpha val="63000"/>
+              </a:srgbClr>
+            </a:outerShdw>
+          </a:effectLst>
+        </a:effectStyle>
+      </a:effectStyleLst>
+      <a:bgFillStyleLst>
+        <a:solidFill>
+          <a:schemeClr val="phClr"/>
+        </a:solidFill>
+        <a:solidFill>
+          <a:schemeClr val="phClr">
+            <a:tint val="95000"/>
+            <a:satMod val="170000"/>
+          </a:schemeClr>
+        </a:solidFill>
+        <a:gradFill rotWithShape="1">
+          <a:gsLst>
+            <a:gs pos="0">
+              <a:schemeClr val="phClr">
+                <a:tint val="93000"/>
+                <a:satMod val="150000"/>
+                <a:shade val="98000"/>
+                <a:lumMod val="102000"/>
+              </a:schemeClr>
+            </a:gs>
+            <a:gs pos="50000">
+              <a:schemeClr val="phClr">
+                <a:tint val="98000"/>
+                <a:satMod val="130000"/>
+                <a:shade val="90000"/>
+                <a:lumMod val="103000"/>
+              </a:schemeClr>
+            </a:gs>
+            <a:gs pos="100000">
+              <a:schemeClr val="phClr">
+                <a:shade val="63000"/>
+                <a:satMod val="120000"/>
+              </a:schemeClr>
+            </a:gs>
+          </a:gsLst>
+          <a:lin ang="5400000" scaled="0"/>
+        </a:gradFill>
+      </a:bgFillStyleLst>
+    </a:fmtScheme>
+  </a:themeElements>
+  <a:objectDefaults>
+    <a:lnDef>
+      <a:spPr/>
+      <a:bodyPr/>
+      <a:lstStyle/>
+      <a:style>
+        <a:lnRef idx="2">
+          <a:schemeClr val="accent1"/>
+        </a:lnRef>
+        <a:fillRef idx="0">
+          <a:schemeClr val="accent1"/>
+        </a:fillRef>
+        <a:effectRef idx="1">
+          <a:schemeClr val="accent1"/>
+        </a:effectRef>
+        <a:fontRef idx="minor">
+          <a:schemeClr val="tx1"/>
+        </a:fontRef>
+      </a:style>
+    </a:lnDef>
+  </a:objectDefaults>
+  <a:extraClrSchemeLst/>
+  <a:extLst>
+    <a:ext uri="{05A4C25C-085E-4340-85A3-A5531E510DB2}">
+      <thm15:themeFamily xmlns:thm15="http://schemas.microsoft.com/office/thememl/2012/main" name="Office Theme" id="{2E142A2C-CD16-42D6-873A-C26D2A0506FA}" vid="{1BDDFF52-6CD6-40A5-AB3C-68EB2F1E4D0A}"/>
+    </a:ext>
+  </a:extLst>
+</a:theme>
 </file>
--- a/docs/Poster/Poster.pptx
+++ b/docs/Poster/Poster.pptx
@@ -197,7 +197,7 @@
           <a:p>
             <a:fld id="{D3783812-3155-4067-99AC-A792419B44FD}" type="datetimeFigureOut">
               <a:rPr lang="en-US" smtClean="0"/>
-              <a:t>5/23/2024</a:t>
+              <a:t>5/30/2024</a:t>
             </a:fld>
             <a:endParaRPr lang="en-US"/>
           </a:p>
@@ -355,7 +355,7 @@
           <a:p>
             <a:fld id="{70D89FED-1D52-48ED-BA2E-CB3809146CDF}" type="slidenum">
               <a:rPr lang="en-US" smtClean="0"/>
-              <a:t>‹#›</a:t>
+              <a:t>‹N°›</a:t>
             </a:fld>
             <a:endParaRPr lang="en-US"/>
           </a:p>
@@ -679,7 +679,7 @@
           <a:p>
             <a:fld id="{70533FD3-F370-458C-BCE8-160857C0EEE2}" type="datetimeFigureOut">
               <a:rPr lang="fr-FR" smtClean="0"/>
-              <a:t>23/05/2024</a:t>
+              <a:t>30/05/2024</a:t>
             </a:fld>
             <a:endParaRPr lang="fr-FR"/>
           </a:p>
@@ -721,7 +721,7 @@
           <a:p>
             <a:fld id="{30D7D844-E7F4-4E2F-A407-23458DD25894}" type="slidenum">
               <a:rPr lang="fr-FR" smtClean="0"/>
-              <a:t>‹#›</a:t>
+              <a:t>‹N°›</a:t>
             </a:fld>
             <a:endParaRPr lang="fr-FR"/>
           </a:p>
@@ -849,7 +849,7 @@
           <a:p>
             <a:fld id="{70533FD3-F370-458C-BCE8-160857C0EEE2}" type="datetimeFigureOut">
               <a:rPr lang="fr-FR" smtClean="0"/>
-              <a:t>23/05/2024</a:t>
+              <a:t>30/05/2024</a:t>
             </a:fld>
             <a:endParaRPr lang="fr-FR"/>
           </a:p>
@@ -891,7 +891,7 @@
           <a:p>
             <a:fld id="{30D7D844-E7F4-4E2F-A407-23458DD25894}" type="slidenum">
               <a:rPr lang="fr-FR" smtClean="0"/>
-              <a:t>‹#›</a:t>
+              <a:t>‹N°›</a:t>
             </a:fld>
             <a:endParaRPr lang="fr-FR"/>
           </a:p>
@@ -1029,7 +1029,7 @@
           <a:p>
             <a:fld id="{70533FD3-F370-458C-BCE8-160857C0EEE2}" type="datetimeFigureOut">
               <a:rPr lang="fr-FR" smtClean="0"/>
-              <a:t>23/05/2024</a:t>
+              <a:t>30/05/2024</a:t>
             </a:fld>
             <a:endParaRPr lang="fr-FR"/>
           </a:p>
@@ -1071,7 +1071,7 @@
           <a:p>
             <a:fld id="{30D7D844-E7F4-4E2F-A407-23458DD25894}" type="slidenum">
               <a:rPr lang="fr-FR" smtClean="0"/>
-              <a:t>‹#›</a:t>
+              <a:t>‹N°›</a:t>
             </a:fld>
             <a:endParaRPr lang="fr-FR"/>
           </a:p>
@@ -1199,7 +1199,7 @@
           <a:p>
             <a:fld id="{70533FD3-F370-458C-BCE8-160857C0EEE2}" type="datetimeFigureOut">
               <a:rPr lang="fr-FR" smtClean="0"/>
-              <a:t>23/05/2024</a:t>
+              <a:t>30/05/2024</a:t>
             </a:fld>
             <a:endParaRPr lang="fr-FR"/>
           </a:p>
@@ -1241,7 +1241,7 @@
           <a:p>
             <a:fld id="{30D7D844-E7F4-4E2F-A407-23458DD25894}" type="slidenum">
               <a:rPr lang="fr-FR" smtClean="0"/>
-              <a:t>‹#›</a:t>
+              <a:t>‹N°›</a:t>
             </a:fld>
             <a:endParaRPr lang="fr-FR"/>
           </a:p>
@@ -1445,7 +1445,7 @@
           <a:p>
             <a:fld id="{70533FD3-F370-458C-BCE8-160857C0EEE2}" type="datetimeFigureOut">
               <a:rPr lang="fr-FR" smtClean="0"/>
-              <a:t>23/05/2024</a:t>
+              <a:t>30/05/2024</a:t>
             </a:fld>
             <a:endParaRPr lang="fr-FR"/>
           </a:p>
@@ -1487,7 +1487,7 @@
           <a:p>
             <a:fld id="{30D7D844-E7F4-4E2F-A407-23458DD25894}" type="slidenum">
               <a:rPr lang="fr-FR" smtClean="0"/>
-              <a:t>‹#›</a:t>
+              <a:t>‹N°›</a:t>
             </a:fld>
             <a:endParaRPr lang="fr-FR"/>
           </a:p>
@@ -1677,7 +1677,7 @@
           <a:p>
             <a:fld id="{70533FD3-F370-458C-BCE8-160857C0EEE2}" type="datetimeFigureOut">
               <a:rPr lang="fr-FR" smtClean="0"/>
-              <a:t>23/05/2024</a:t>
+              <a:t>30/05/2024</a:t>
             </a:fld>
             <a:endParaRPr lang="fr-FR"/>
           </a:p>
@@ -1719,7 +1719,7 @@
           <a:p>
             <a:fld id="{30D7D844-E7F4-4E2F-A407-23458DD25894}" type="slidenum">
               <a:rPr lang="fr-FR" smtClean="0"/>
-              <a:t>‹#›</a:t>
+              <a:t>‹N°›</a:t>
             </a:fld>
             <a:endParaRPr lang="fr-FR"/>
           </a:p>
@@ -2044,7 +2044,7 @@
           <a:p>
             <a:fld id="{70533FD3-F370-458C-BCE8-160857C0EEE2}" type="datetimeFigureOut">
               <a:rPr lang="fr-FR" smtClean="0"/>
-              <a:t>23/05/2024</a:t>
+              <a:t>30/05/2024</a:t>
             </a:fld>
             <a:endParaRPr lang="fr-FR"/>
           </a:p>
@@ -2086,7 +2086,7 @@
           <a:p>
             <a:fld id="{30D7D844-E7F4-4E2F-A407-23458DD25894}" type="slidenum">
               <a:rPr lang="fr-FR" smtClean="0"/>
-              <a:t>‹#›</a:t>
+              <a:t>‹N°›</a:t>
             </a:fld>
             <a:endParaRPr lang="fr-FR"/>
           </a:p>
@@ -2162,7 +2162,7 @@
           <a:p>
             <a:fld id="{70533FD3-F370-458C-BCE8-160857C0EEE2}" type="datetimeFigureOut">
               <a:rPr lang="fr-FR" smtClean="0"/>
-              <a:t>23/05/2024</a:t>
+              <a:t>30/05/2024</a:t>
             </a:fld>
             <a:endParaRPr lang="fr-FR"/>
           </a:p>
@@ -2204,7 +2204,7 @@
           <a:p>
             <a:fld id="{30D7D844-E7F4-4E2F-A407-23458DD25894}" type="slidenum">
               <a:rPr lang="fr-FR" smtClean="0"/>
-              <a:t>‹#›</a:t>
+              <a:t>‹N°›</a:t>
             </a:fld>
             <a:endParaRPr lang="fr-FR"/>
           </a:p>
@@ -2257,7 +2257,7 @@
           <a:p>
             <a:fld id="{70533FD3-F370-458C-BCE8-160857C0EEE2}" type="datetimeFigureOut">
               <a:rPr lang="fr-FR" smtClean="0"/>
-              <a:t>23/05/2024</a:t>
+              <a:t>30/05/2024</a:t>
             </a:fld>
             <a:endParaRPr lang="fr-FR"/>
           </a:p>
@@ -2299,7 +2299,7 @@
           <a:p>
             <a:fld id="{30D7D844-E7F4-4E2F-A407-23458DD25894}" type="slidenum">
               <a:rPr lang="fr-FR" smtClean="0"/>
-              <a:t>‹#›</a:t>
+              <a:t>‹N°›</a:t>
             </a:fld>
             <a:endParaRPr lang="fr-FR"/>
           </a:p>
@@ -2534,7 +2534,7 @@
           <a:p>
             <a:fld id="{70533FD3-F370-458C-BCE8-160857C0EEE2}" type="datetimeFigureOut">
               <a:rPr lang="fr-FR" smtClean="0"/>
-              <a:t>23/05/2024</a:t>
+              <a:t>30/05/2024</a:t>
             </a:fld>
             <a:endParaRPr lang="fr-FR"/>
           </a:p>
@@ -2576,7 +2576,7 @@
           <a:p>
             <a:fld id="{30D7D844-E7F4-4E2F-A407-23458DD25894}" type="slidenum">
               <a:rPr lang="fr-FR" smtClean="0"/>
-              <a:t>‹#›</a:t>
+              <a:t>‹N°›</a:t>
             </a:fld>
             <a:endParaRPr lang="fr-FR"/>
           </a:p>
@@ -2791,7 +2791,7 @@
           <a:p>
             <a:fld id="{70533FD3-F370-458C-BCE8-160857C0EEE2}" type="datetimeFigureOut">
               <a:rPr lang="fr-FR" smtClean="0"/>
-              <a:t>23/05/2024</a:t>
+              <a:t>30/05/2024</a:t>
             </a:fld>
             <a:endParaRPr lang="fr-FR"/>
           </a:p>
@@ -2833,7 +2833,7 @@
           <a:p>
             <a:fld id="{30D7D844-E7F4-4E2F-A407-23458DD25894}" type="slidenum">
               <a:rPr lang="fr-FR" smtClean="0"/>
-              <a:t>‹#›</a:t>
+              <a:t>‹N°›</a:t>
             </a:fld>
             <a:endParaRPr lang="fr-FR"/>
           </a:p>
@@ -3004,7 +3004,7 @@
           <a:p>
             <a:fld id="{70533FD3-F370-458C-BCE8-160857C0EEE2}" type="datetimeFigureOut">
               <a:rPr lang="fr-FR" smtClean="0"/>
-              <a:t>23/05/2024</a:t>
+              <a:t>30/05/2024</a:t>
             </a:fld>
             <a:endParaRPr lang="fr-FR"/>
           </a:p>
@@ -3082,7 +3082,7 @@
           <a:p>
             <a:fld id="{30D7D844-E7F4-4E2F-A407-23458DD25894}" type="slidenum">
               <a:rPr lang="fr-FR" smtClean="0"/>
-              <a:t>‹#›</a:t>
+              <a:t>‹N°›</a:t>
             </a:fld>
             <a:endParaRPr lang="fr-FR"/>
           </a:p>
@@ -3799,8 +3799,8 @@
             <a:chExt cx="31514388" cy="29425807"/>
           </a:xfrm>
         </p:grpSpPr>
-        <mc:AlternateContent xmlns:mc="http://schemas.openxmlformats.org/markup-compatibility/2006">
-          <mc:Choice xmlns:a14="http://schemas.microsoft.com/office/drawing/2010/main" Requires="a14">
+        <mc:AlternateContent xmlns:mc="http://schemas.openxmlformats.org/markup-compatibility/2006" xmlns:a14="http://schemas.microsoft.com/office/drawing/2010/main">
+          <mc:Choice Requires="a14">
             <p:sp>
               <p:nvSpPr>
                 <p:cNvPr id="5" name="Rectangle : coins arrondis 4">
@@ -4094,7 +4094,7 @@
               </p:txBody>
             </p:sp>
           </mc:Choice>
-          <mc:Fallback>
+          <mc:Fallback xmlns="">
             <p:sp>
               <p:nvSpPr>
                 <p:cNvPr id="5" name="Rectangle : coins arrondis 4">
@@ -4328,8 +4328,8 @@
                     </a:p>
                   </p:txBody>
                 </p:sp>
-                <mc:AlternateContent xmlns:mc="http://schemas.openxmlformats.org/markup-compatibility/2006">
-                  <mc:Choice xmlns:a14="http://schemas.microsoft.com/office/drawing/2010/main" Requires="a14">
+                <mc:AlternateContent xmlns:mc="http://schemas.openxmlformats.org/markup-compatibility/2006" xmlns:a14="http://schemas.microsoft.com/office/drawing/2010/main">
+                  <mc:Choice Requires="a14">
                     <p:sp>
                       <p:nvSpPr>
                         <p:cNvPr id="10" name="Rectangle : coins arrondis 9">
@@ -4999,7 +4999,7 @@
                       </p:txBody>
                     </p:sp>
                   </mc:Choice>
-                  <mc:Fallback>
+                  <mc:Fallback xmlns="">
                     <p:sp>
                       <p:nvSpPr>
                         <p:cNvPr id="10" name="Rectangle : coins arrondis 9">
@@ -5664,8 +5664,8 @@
                 </p:txBody>
               </p:sp>
             </p:grpSp>
-            <mc:AlternateContent xmlns:mc="http://schemas.openxmlformats.org/markup-compatibility/2006">
-              <mc:Choice xmlns:a14="http://schemas.microsoft.com/office/drawing/2010/main" Requires="a14">
+            <mc:AlternateContent xmlns:mc="http://schemas.openxmlformats.org/markup-compatibility/2006" xmlns:a14="http://schemas.microsoft.com/office/drawing/2010/main">
+              <mc:Choice Requires="a14">
                 <p:sp>
                   <p:nvSpPr>
                     <p:cNvPr id="31" name="Rectangle : coins arrondis 30">
@@ -6074,7 +6074,7 @@
                   </p:txBody>
                 </p:sp>
               </mc:Choice>
-              <mc:Fallback>
+              <mc:Fallback xmlns="">
                 <p:sp>
                   <p:nvSpPr>
                     <p:cNvPr id="31" name="Rectangle : coins arrondis 30">
@@ -6623,171 +6623,6 @@
       </p:grpSp>
       <p:grpSp>
         <p:nvGrpSpPr>
-          <p:cNvPr id="28" name="Groupe 27">
-            <a:extLst>
-              <a:ext uri="{FF2B5EF4-FFF2-40B4-BE49-F238E27FC236}">
-                <a16:creationId xmlns:a16="http://schemas.microsoft.com/office/drawing/2014/main" id="{215936A5-DEAF-5A8C-A47D-DBA9D79E3EF7}"/>
-              </a:ext>
-            </a:extLst>
-          </p:cNvPr>
-          <p:cNvGrpSpPr/>
-          <p:nvPr/>
-        </p:nvGrpSpPr>
-        <p:grpSpPr>
-          <a:xfrm>
-            <a:off x="1504335" y="6411621"/>
-            <a:ext cx="29231304" cy="2633337"/>
-            <a:chOff x="1916576" y="5806722"/>
-            <a:chExt cx="26383063" cy="2376750"/>
-          </a:xfrm>
-        </p:grpSpPr>
-        <p:pic>
-          <p:nvPicPr>
-            <p:cNvPr id="21" name="Image 20" descr="Une image contenant Police, Graphique, texte, typographie&#10;&#10;Description générée automatiquement">
-              <a:extLst>
-                <a:ext uri="{FF2B5EF4-FFF2-40B4-BE49-F238E27FC236}">
-                  <a16:creationId xmlns:a16="http://schemas.microsoft.com/office/drawing/2014/main" id="{4021855E-ABEA-A736-8737-21BBA1329145}"/>
-                </a:ext>
-              </a:extLst>
-            </p:cNvPr>
-            <p:cNvPicPr>
-              <a:picLocks noChangeAspect="1"/>
-            </p:cNvPicPr>
-            <p:nvPr/>
-          </p:nvPicPr>
-          <p:blipFill>
-            <a:blip r:embed="rId6">
-              <a:extLst>
-                <a:ext uri="{28A0092B-C50C-407E-A947-70E740481C1C}">
-                  <a14:useLocalDpi xmlns:a14="http://schemas.microsoft.com/office/drawing/2010/main" val="0"/>
-                </a:ext>
-              </a:extLst>
-            </a:blip>
-            <a:stretch>
-              <a:fillRect/>
-            </a:stretch>
-          </p:blipFill>
-          <p:spPr>
-            <a:xfrm>
-              <a:off x="10381537" y="6260837"/>
-              <a:ext cx="6919119" cy="1389230"/>
-            </a:xfrm>
-            <a:prstGeom prst="rect">
-              <a:avLst/>
-            </a:prstGeom>
-          </p:spPr>
-        </p:pic>
-        <p:pic>
-          <p:nvPicPr>
-            <p:cNvPr id="23" name="Image 22" descr="Une image contenant Police, Graphique, capture d’écran, graphisme&#10;&#10;Description générée automatiquement">
-              <a:extLst>
-                <a:ext uri="{FF2B5EF4-FFF2-40B4-BE49-F238E27FC236}">
-                  <a16:creationId xmlns:a16="http://schemas.microsoft.com/office/drawing/2014/main" id="{542E6A56-3B03-10CF-55AB-55464C8B7B25}"/>
-                </a:ext>
-              </a:extLst>
-            </p:cNvPr>
-            <p:cNvPicPr>
-              <a:picLocks noChangeAspect="1"/>
-            </p:cNvPicPr>
-            <p:nvPr/>
-          </p:nvPicPr>
-          <p:blipFill>
-            <a:blip r:embed="rId7">
-              <a:extLst>
-                <a:ext uri="{28A0092B-C50C-407E-A947-70E740481C1C}">
-                  <a14:useLocalDpi xmlns:a14="http://schemas.microsoft.com/office/drawing/2010/main" val="0"/>
-                </a:ext>
-              </a:extLst>
-            </a:blip>
-            <a:stretch>
-              <a:fillRect/>
-            </a:stretch>
-          </p:blipFill>
-          <p:spPr>
-            <a:xfrm>
-              <a:off x="1916576" y="6260837"/>
-              <a:ext cx="5759698" cy="1468520"/>
-            </a:xfrm>
-            <a:prstGeom prst="rect">
-              <a:avLst/>
-            </a:prstGeom>
-          </p:spPr>
-        </p:pic>
-        <p:pic>
-          <p:nvPicPr>
-            <p:cNvPr id="25" name="Image 24" descr="Une image contenant cercle, capture d’écran, vortex, spirale&#10;&#10;Description générée automatiquement">
-              <a:extLst>
-                <a:ext uri="{FF2B5EF4-FFF2-40B4-BE49-F238E27FC236}">
-                  <a16:creationId xmlns:a16="http://schemas.microsoft.com/office/drawing/2014/main" id="{8BD5CB84-B365-873C-5746-D9AB869B3AA5}"/>
-                </a:ext>
-              </a:extLst>
-            </p:cNvPr>
-            <p:cNvPicPr>
-              <a:picLocks noChangeAspect="1"/>
-            </p:cNvPicPr>
-            <p:nvPr/>
-          </p:nvPicPr>
-          <p:blipFill>
-            <a:blip r:embed="rId8">
-              <a:extLst>
-                <a:ext uri="{28A0092B-C50C-407E-A947-70E740481C1C}">
-                  <a14:useLocalDpi xmlns:a14="http://schemas.microsoft.com/office/drawing/2010/main" val="0"/>
-                </a:ext>
-              </a:extLst>
-            </a:blip>
-            <a:stretch>
-              <a:fillRect/>
-            </a:stretch>
-          </p:blipFill>
-          <p:spPr>
-            <a:xfrm>
-              <a:off x="24549342" y="5806722"/>
-              <a:ext cx="3750297" cy="2376750"/>
-            </a:xfrm>
-            <a:prstGeom prst="rect">
-              <a:avLst/>
-            </a:prstGeom>
-          </p:spPr>
-        </p:pic>
-        <p:pic>
-          <p:nvPicPr>
-            <p:cNvPr id="27" name="Image 26" descr="Une image contenant Police, Graphique, logo, cercle&#10;&#10;Description générée automatiquement">
-              <a:extLst>
-                <a:ext uri="{FF2B5EF4-FFF2-40B4-BE49-F238E27FC236}">
-                  <a16:creationId xmlns:a16="http://schemas.microsoft.com/office/drawing/2014/main" id="{25248BAE-3CC6-9A14-0882-72632CDE564E}"/>
-                </a:ext>
-              </a:extLst>
-            </p:cNvPr>
-            <p:cNvPicPr>
-              <a:picLocks noChangeAspect="1"/>
-            </p:cNvPicPr>
-            <p:nvPr/>
-          </p:nvPicPr>
-          <p:blipFill>
-            <a:blip r:embed="rId9">
-              <a:extLst>
-                <a:ext uri="{28A0092B-C50C-407E-A947-70E740481C1C}">
-                  <a14:useLocalDpi xmlns:a14="http://schemas.microsoft.com/office/drawing/2010/main" val="0"/>
-                </a:ext>
-              </a:extLst>
-            </a:blip>
-            <a:stretch>
-              <a:fillRect/>
-            </a:stretch>
-          </p:blipFill>
-          <p:spPr>
-            <a:xfrm>
-              <a:off x="20005919" y="6036372"/>
-              <a:ext cx="1838159" cy="1838160"/>
-            </a:xfrm>
-            <a:prstGeom prst="rect">
-              <a:avLst/>
-            </a:prstGeom>
-          </p:spPr>
-        </p:pic>
-      </p:grpSp>
-      <p:grpSp>
-        <p:nvGrpSpPr>
           <p:cNvPr id="4" name="Groupe 3">
             <a:extLst>
               <a:ext uri="{FF2B5EF4-FFF2-40B4-BE49-F238E27FC236}">
@@ -6821,7 +6656,7 @@
             <p:nvPr/>
           </p:nvPicPr>
           <p:blipFill>
-            <a:blip r:embed="rId10">
+            <a:blip r:embed="rId6">
               <a:extLst>
                 <a:ext uri="{28A0092B-C50C-407E-A947-70E740481C1C}">
                   <a14:useLocalDpi xmlns:a14="http://schemas.microsoft.com/office/drawing/2010/main" val="0"/>
@@ -6922,7 +6757,7 @@
             <p:nvPr/>
           </p:nvPicPr>
           <p:blipFill>
-            <a:blip r:embed="rId11">
+            <a:blip r:embed="rId7">
               <a:extLst>
                 <a:ext uri="{28A0092B-C50C-407E-A947-70E740481C1C}">
                   <a14:useLocalDpi xmlns:a14="http://schemas.microsoft.com/office/drawing/2010/main" val="0"/>
@@ -6990,10 +6825,10 @@
       </p:grpSp>
       <p:grpSp>
         <p:nvGrpSpPr>
-          <p:cNvPr id="55" name="Group 54">
+          <p:cNvPr id="67" name="Groupe 66">
             <a:extLst>
               <a:ext uri="{FF2B5EF4-FFF2-40B4-BE49-F238E27FC236}">
-                <a16:creationId xmlns:a16="http://schemas.microsoft.com/office/drawing/2014/main" id="{70995022-5682-B320-4004-1CCC83A7B6C7}"/>
+                <a16:creationId xmlns:a16="http://schemas.microsoft.com/office/drawing/2014/main" id="{B4D4F6DF-716E-FEB6-F793-F851771100EB}"/>
               </a:ext>
             </a:extLst>
           </p:cNvPr>
@@ -7002,18 +6837,18 @@
         </p:nvGrpSpPr>
         <p:grpSpPr>
           <a:xfrm>
-            <a:off x="20538872" y="8600247"/>
-            <a:ext cx="11582136" cy="5216883"/>
-            <a:chOff x="20323661" y="8600246"/>
-            <a:chExt cx="11797347" cy="5313819"/>
+            <a:off x="20491502" y="8561797"/>
+            <a:ext cx="11658705" cy="5204309"/>
+            <a:chOff x="20491502" y="8561797"/>
+            <a:chExt cx="11658705" cy="5204309"/>
           </a:xfrm>
         </p:grpSpPr>
         <p:pic>
           <p:nvPicPr>
-            <p:cNvPr id="35" name="Picture 34">
+            <p:cNvPr id="66" name="Image 65" descr="Une image contenant texte, capture d’écran, diagramme&#10;&#10;Description générée automatiquement">
               <a:extLst>
                 <a:ext uri="{FF2B5EF4-FFF2-40B4-BE49-F238E27FC236}">
-                  <a16:creationId xmlns:a16="http://schemas.microsoft.com/office/drawing/2014/main" id="{4E8BAA79-663D-1180-56C5-077DED5AAB08}"/>
+                  <a16:creationId xmlns:a16="http://schemas.microsoft.com/office/drawing/2014/main" id="{8E461CDC-EC82-A9EB-0FB7-73AC4B415D83}"/>
                 </a:ext>
               </a:extLst>
             </p:cNvPr>
@@ -7023,15 +6858,21 @@
             <p:nvPr/>
           </p:nvPicPr>
           <p:blipFill>
-            <a:blip r:embed="rId12"/>
+            <a:blip r:embed="rId8">
+              <a:extLst>
+                <a:ext uri="{28A0092B-C50C-407E-A947-70E740481C1C}">
+                  <a14:useLocalDpi xmlns:a14="http://schemas.microsoft.com/office/drawing/2010/main" val="0"/>
+                </a:ext>
+              </a:extLst>
+            </a:blip>
             <a:stretch>
               <a:fillRect/>
             </a:stretch>
           </p:blipFill>
           <p:spPr>
             <a:xfrm>
-              <a:off x="20323661" y="8600246"/>
-              <a:ext cx="11797347" cy="5313819"/>
+              <a:off x="20491502" y="8561797"/>
+              <a:ext cx="11658705" cy="5204309"/>
             </a:xfrm>
             <a:prstGeom prst="rect">
               <a:avLst/>
@@ -7052,8 +6893,8 @@
           </p:nvSpPr>
           <p:spPr>
             <a:xfrm>
-              <a:off x="20583106" y="12976352"/>
-              <a:ext cx="4791745" cy="830997"/>
+              <a:off x="20793584" y="12896523"/>
+              <a:ext cx="4704332" cy="815838"/>
             </a:xfrm>
             <a:prstGeom prst="rect">
               <a:avLst/>
@@ -7121,7 +6962,7 @@
           <p:nvPr/>
         </p:nvPicPr>
         <p:blipFill>
-          <a:blip r:embed="rId13">
+          <a:blip r:embed="rId9">
             <a:extLst>
               <a:ext uri="{28A0092B-C50C-407E-A947-70E740481C1C}">
                 <a14:useLocalDpi xmlns:a14="http://schemas.microsoft.com/office/drawing/2010/main" val="0"/>
@@ -7177,7 +7018,7 @@
             <p:nvPr/>
           </p:nvPicPr>
           <p:blipFill>
-            <a:blip r:embed="rId14"/>
+            <a:blip r:embed="rId10"/>
             <a:stretch>
               <a:fillRect/>
             </a:stretch>
@@ -7315,7 +7156,7 @@
               <p:nvPr/>
             </p:nvPicPr>
             <p:blipFill>
-              <a:blip r:embed="rId15"/>
+              <a:blip r:embed="rId11"/>
               <a:stretch>
                 <a:fillRect/>
               </a:stretch>
@@ -7345,7 +7186,7 @@
               <p:nvPr/>
             </p:nvPicPr>
             <p:blipFill>
-              <a:blip r:embed="rId16"/>
+              <a:blip r:embed="rId12"/>
               <a:stretch>
                 <a:fillRect/>
               </a:stretch>
@@ -7605,7 +7446,7 @@
             <p:nvPr/>
           </p:nvPicPr>
           <p:blipFill>
-            <a:blip r:embed="rId17"/>
+            <a:blip r:embed="rId13"/>
             <a:stretch>
               <a:fillRect/>
             </a:stretch>
@@ -7865,10 +7706,10 @@
         </p:nvGrpSpPr>
         <p:grpSpPr>
           <a:xfrm>
-            <a:off x="21989602" y="34730074"/>
-            <a:ext cx="9810722" cy="3866479"/>
+            <a:off x="21989602" y="34730073"/>
+            <a:ext cx="9810722" cy="3895330"/>
             <a:chOff x="11076049" y="34505907"/>
-            <a:chExt cx="10241187" cy="4036128"/>
+            <a:chExt cx="10241187" cy="4066245"/>
           </a:xfrm>
         </p:grpSpPr>
         <p:pic>
@@ -7915,7 +7756,7 @@
           <p:spPr>
             <a:xfrm>
               <a:off x="16421587" y="34620397"/>
-              <a:ext cx="4895649" cy="2024069"/>
+              <a:ext cx="4895649" cy="3951755"/>
             </a:xfrm>
             <a:prstGeom prst="rect">
               <a:avLst/>
@@ -7962,7 +7803,7 @@
                   </a:solidFill>
                   <a:latin typeface="Gill Sans Nova" panose="020B0602020104020203" pitchFamily="34" charset="0"/>
                 </a:rPr>
-                <a:t> test to compare the detection performance of different test statistics according to the probability of false alarm of these tests.</a:t>
+                <a:t> test to compare the detection performance of different test statistics according to the probability of false alarm of these tests. Among the tests performed here, considering the median of the distributions appear to be the most efficient way to reject the null hypothesis (star without planet).</a:t>
               </a:r>
             </a:p>
           </p:txBody>
@@ -8288,9 +8129,9 @@
           <p:grpSpPr>
             <a:xfrm>
               <a:off x="442451" y="39131753"/>
-              <a:ext cx="22703299" cy="3596938"/>
+              <a:ext cx="23488703" cy="3596938"/>
               <a:chOff x="442451" y="36388297"/>
-              <a:chExt cx="22588526" cy="6340395"/>
+              <a:chExt cx="23369959" cy="6340395"/>
             </a:xfrm>
           </p:grpSpPr>
           <p:sp>
@@ -8310,7 +8151,7 @@
             <p:spPr>
               <a:xfrm>
                 <a:off x="442451" y="36388297"/>
-                <a:ext cx="12391438" cy="6340395"/>
+                <a:ext cx="12391439" cy="6340395"/>
               </a:xfrm>
               <a:prstGeom prst="roundRect">
                 <a:avLst>
@@ -8549,8 +8390,8 @@
             </p:nvSpPr>
             <p:spPr>
               <a:xfrm>
-                <a:off x="13251557" y="36388297"/>
-                <a:ext cx="9779420" cy="6340395"/>
+                <a:off x="13323977" y="36388297"/>
+                <a:ext cx="10488433" cy="6340395"/>
               </a:xfrm>
               <a:prstGeom prst="roundRect">
                 <a:avLst>
@@ -8652,39 +8493,14 @@
                     </a:solidFill>
                     <a:latin typeface="Gill Sans Nova" panose="020B0602020104020203" pitchFamily="34" charset="0"/>
                   </a:rPr>
-                  <a:t>T</a:t>
+                  <a:t>Thanks to Romain </a:t>
                 </a:r>
                 <a:r>
-                  <a:rPr kumimoji="0" lang="en-US" sz="3000" b="0" i="0" u="none" strike="noStrike" kern="1200" cap="none" spc="0" normalizeH="0" baseline="0" noProof="0" dirty="0">
-                    <a:ln>
-                      <a:noFill/>
-                    </a:ln>
+                  <a:rPr lang="en-US" sz="3000" dirty="0" err="1">
                     <a:solidFill>
                       <a:srgbClr val="37322F"/>
                     </a:solidFill>
-                    <a:effectLst/>
-                    <a:uLnTx/>
-                    <a:uFillTx/>
                     <a:latin typeface="Gill Sans Nova" panose="020B0602020104020203" pitchFamily="34" charset="0"/>
-                    <a:ea typeface="+mn-ea"/>
-                    <a:cs typeface="+mn-cs"/>
-                  </a:rPr>
-                  <a:t>hanks to Romain </a:t>
-                </a:r>
-                <a:r>
-                  <a:rPr kumimoji="0" lang="en-US" sz="3000" b="0" i="0" u="none" strike="noStrike" kern="1200" cap="none" spc="0" normalizeH="0" baseline="0" noProof="0" dirty="0" err="1">
-                    <a:ln>
-                      <a:noFill/>
-                    </a:ln>
-                    <a:solidFill>
-                      <a:srgbClr val="37322F"/>
-                    </a:solidFill>
-                    <a:effectLst/>
-                    <a:uLnTx/>
-                    <a:uFillTx/>
-                    <a:latin typeface="Gill Sans Nova" panose="020B0602020104020203" pitchFamily="34" charset="0"/>
-                    <a:ea typeface="+mn-ea"/>
-                    <a:cs typeface="+mn-cs"/>
                   </a:rPr>
                   <a:t>Laugier</a:t>
                 </a:r>
@@ -8695,58 +8511,16 @@
                     </a:solidFill>
                     <a:latin typeface="Gill Sans Nova" panose="020B0602020104020203" pitchFamily="34" charset="0"/>
                   </a:rPr>
-                  <a:t> for his many wise advices, to </a:t>
+                  <a:t> for his wise advice, to Nick </a:t>
                 </a:r>
                 <a:r>
-                  <a:rPr kumimoji="0" lang="en-US" sz="3000" b="0" i="0" u="none" strike="noStrike" kern="1200" cap="none" spc="0" normalizeH="0" baseline="0" noProof="0" dirty="0">
-                    <a:ln>
-                      <a:noFill/>
-                    </a:ln>
+                  <a:rPr lang="en-US" sz="3000" dirty="0" err="1">
                     <a:solidFill>
                       <a:srgbClr val="37322F"/>
                     </a:solidFill>
-                    <a:effectLst/>
-                    <a:uLnTx/>
-                    <a:uFillTx/>
                     <a:latin typeface="Gill Sans Nova" panose="020B0602020104020203" pitchFamily="34" charset="0"/>
-                    <a:ea typeface="+mn-ea"/>
-                    <a:cs typeface="+mn-cs"/>
-                  </a:rPr>
-                  <a:t>Nick </a:t>
-                </a:r>
-                <a:r>
-                  <a:rPr kumimoji="0" lang="en-US" sz="3000" b="0" i="0" u="none" strike="noStrike" kern="1200" cap="none" spc="0" normalizeH="0" baseline="0" noProof="0" dirty="0" err="1">
-                    <a:ln>
-                      <a:noFill/>
-                    </a:ln>
-                    <a:solidFill>
-                      <a:srgbClr val="37322F"/>
-                    </a:solidFill>
-                    <a:effectLst/>
-                    <a:uLnTx/>
-                    <a:uFillTx/>
-                    <a:latin typeface="Gill Sans Nova" panose="020B0602020104020203" pitchFamily="34" charset="0"/>
-                    <a:ea typeface="+mn-ea"/>
-                    <a:cs typeface="+mn-cs"/>
                   </a:rPr>
                   <a:t>Cvetojevic</a:t>
-                </a:r>
-                <a:r>
-                  <a:rPr kumimoji="0" lang="en-US" sz="3000" b="0" i="0" u="none" strike="noStrike" kern="1200" cap="none" spc="0" normalizeH="0" baseline="0" noProof="0" dirty="0">
-                    <a:ln>
-                      <a:noFill/>
-                    </a:ln>
-                    <a:solidFill>
-                      <a:srgbClr val="37322F"/>
-                    </a:solidFill>
-                    <a:effectLst/>
-                    <a:uLnTx/>
-                    <a:uFillTx/>
-                    <a:latin typeface="Gill Sans Nova" panose="020B0602020104020203" pitchFamily="34" charset="0"/>
-                    <a:ea typeface="+mn-ea"/>
-                    <a:cs typeface="+mn-cs"/>
-                  </a:rPr>
-                  <a:t> </a:t>
                 </a:r>
                 <a:r>
                   <a:rPr lang="en-US" sz="3000" dirty="0">
@@ -8755,7 +8529,7 @@
                     </a:solidFill>
                     <a:latin typeface="Gill Sans Nova" panose="020B0602020104020203" pitchFamily="34" charset="0"/>
                   </a:rPr>
-                  <a:t>for his help to introduce me to the subject and Margaux </a:t>
+                  <a:t> for his introduction to the topic of photonics and to Margaux </a:t>
                 </a:r>
                 <a:r>
                   <a:rPr lang="en-US" sz="3000" dirty="0" err="1">
@@ -8773,7 +8547,7 @@
                     </a:solidFill>
                     <a:latin typeface="Gill Sans Nova" panose="020B0602020104020203" pitchFamily="34" charset="0"/>
                   </a:rPr>
-                  <a:t> for the help with the presentations. This thesis is made possible by the PHOTONICS project of the PEPR ORIGINS and Thales </a:t>
+                  <a:t> for her presentation recommendations. This thesis is made possible by the PHOTONICS project of the PEPR ORIGINS and Thales </a:t>
                 </a:r>
                 <a:r>
                   <a:rPr lang="en-US" sz="3000" dirty="0" err="1">
@@ -8819,8 +8593,8 @@
           </p:nvSpPr>
           <p:spPr>
             <a:xfrm>
-              <a:off x="23565539" y="39170545"/>
-              <a:ext cx="8311639" cy="3596938"/>
+              <a:off x="24431223" y="39170545"/>
+              <a:ext cx="7445955" cy="3596938"/>
             </a:xfrm>
             <a:prstGeom prst="roundRect">
               <a:avLst>
@@ -9176,6 +8950,288 @@
             <a:xfrm>
               <a:off x="409873" y="21585859"/>
               <a:ext cx="3919527" cy="3343632"/>
+            </a:xfrm>
+            <a:prstGeom prst="rect">
+              <a:avLst/>
+            </a:prstGeom>
+          </p:spPr>
+        </p:pic>
+      </p:grpSp>
+      <p:grpSp>
+        <p:nvGrpSpPr>
+          <p:cNvPr id="64" name="Groupe 63">
+            <a:extLst>
+              <a:ext uri="{FF2B5EF4-FFF2-40B4-BE49-F238E27FC236}">
+                <a16:creationId xmlns:a16="http://schemas.microsoft.com/office/drawing/2014/main" id="{CBA14276-26F7-F787-565B-87DCF81D42C5}"/>
+              </a:ext>
+            </a:extLst>
+          </p:cNvPr>
+          <p:cNvGrpSpPr/>
+          <p:nvPr/>
+        </p:nvGrpSpPr>
+        <p:grpSpPr>
+          <a:xfrm>
+            <a:off x="609249" y="6466066"/>
+            <a:ext cx="31267929" cy="2633337"/>
+            <a:chOff x="609249" y="6466066"/>
+            <a:chExt cx="31267929" cy="2633337"/>
+          </a:xfrm>
+        </p:grpSpPr>
+        <p:grpSp>
+          <p:nvGrpSpPr>
+            <p:cNvPr id="60" name="Groupe 59">
+              <a:extLst>
+                <a:ext uri="{FF2B5EF4-FFF2-40B4-BE49-F238E27FC236}">
+                  <a16:creationId xmlns:a16="http://schemas.microsoft.com/office/drawing/2014/main" id="{A22A5E1C-897D-0792-D01B-784845CC2A61}"/>
+                </a:ext>
+              </a:extLst>
+            </p:cNvPr>
+            <p:cNvGrpSpPr/>
+            <p:nvPr/>
+          </p:nvGrpSpPr>
+          <p:grpSpPr>
+            <a:xfrm>
+              <a:off x="609249" y="6466066"/>
+              <a:ext cx="31267929" cy="2633337"/>
+              <a:chOff x="609249" y="6453787"/>
+              <a:chExt cx="31267929" cy="2633337"/>
+            </a:xfrm>
+          </p:grpSpPr>
+          <p:grpSp>
+            <p:nvGrpSpPr>
+              <p:cNvPr id="28" name="Groupe 27">
+                <a:extLst>
+                  <a:ext uri="{FF2B5EF4-FFF2-40B4-BE49-F238E27FC236}">
+                    <a16:creationId xmlns:a16="http://schemas.microsoft.com/office/drawing/2014/main" id="{215936A5-DEAF-5A8C-A47D-DBA9D79E3EF7}"/>
+                  </a:ext>
+                </a:extLst>
+              </p:cNvPr>
+              <p:cNvGrpSpPr/>
+              <p:nvPr/>
+            </p:nvGrpSpPr>
+            <p:grpSpPr>
+              <a:xfrm>
+                <a:off x="609249" y="6453787"/>
+                <a:ext cx="22319363" cy="2633337"/>
+                <a:chOff x="1108706" y="5844780"/>
+                <a:chExt cx="20144607" cy="2376750"/>
+              </a:xfrm>
+            </p:grpSpPr>
+            <p:pic>
+              <p:nvPicPr>
+                <p:cNvPr id="21" name="Image 20" descr="Une image contenant Police, Graphique, texte, typographie&#10;&#10;Description générée automatiquement">
+                  <a:extLst>
+                    <a:ext uri="{FF2B5EF4-FFF2-40B4-BE49-F238E27FC236}">
+                      <a16:creationId xmlns:a16="http://schemas.microsoft.com/office/drawing/2014/main" id="{4021855E-ABEA-A736-8737-21BBA1329145}"/>
+                    </a:ext>
+                  </a:extLst>
+                </p:cNvPr>
+                <p:cNvPicPr>
+                  <a:picLocks noChangeAspect="1"/>
+                </p:cNvPicPr>
+                <p:nvPr/>
+              </p:nvPicPr>
+              <p:blipFill>
+                <a:blip r:embed="rId24">
+                  <a:extLst>
+                    <a:ext uri="{28A0092B-C50C-407E-A947-70E740481C1C}">
+                      <a14:useLocalDpi xmlns:a14="http://schemas.microsoft.com/office/drawing/2010/main" val="0"/>
+                    </a:ext>
+                  </a:extLst>
+                </a:blip>
+                <a:stretch>
+                  <a:fillRect/>
+                </a:stretch>
+              </p:blipFill>
+              <p:spPr>
+                <a:xfrm>
+                  <a:off x="7424337" y="6284041"/>
+                  <a:ext cx="6919119" cy="1389230"/>
+                </a:xfrm>
+                <a:prstGeom prst="rect">
+                  <a:avLst/>
+                </a:prstGeom>
+              </p:spPr>
+            </p:pic>
+            <p:pic>
+              <p:nvPicPr>
+                <p:cNvPr id="23" name="Image 22" descr="Une image contenant Police, Graphique, capture d’écran, graphisme&#10;&#10;Description générée automatiquement">
+                  <a:extLst>
+                    <a:ext uri="{FF2B5EF4-FFF2-40B4-BE49-F238E27FC236}">
+                      <a16:creationId xmlns:a16="http://schemas.microsoft.com/office/drawing/2014/main" id="{542E6A56-3B03-10CF-55AB-55464C8B7B25}"/>
+                    </a:ext>
+                  </a:extLst>
+                </p:cNvPr>
+                <p:cNvPicPr>
+                  <a:picLocks noChangeAspect="1"/>
+                </p:cNvPicPr>
+                <p:nvPr/>
+              </p:nvPicPr>
+              <p:blipFill>
+                <a:blip r:embed="rId25">
+                  <a:extLst>
+                    <a:ext uri="{28A0092B-C50C-407E-A947-70E740481C1C}">
+                      <a14:useLocalDpi xmlns:a14="http://schemas.microsoft.com/office/drawing/2010/main" val="0"/>
+                    </a:ext>
+                  </a:extLst>
+                </a:blip>
+                <a:stretch>
+                  <a:fillRect/>
+                </a:stretch>
+              </p:blipFill>
+              <p:spPr>
+                <a:xfrm>
+                  <a:off x="1108706" y="6231245"/>
+                  <a:ext cx="5759698" cy="1468520"/>
+                </a:xfrm>
+                <a:prstGeom prst="rect">
+                  <a:avLst/>
+                </a:prstGeom>
+              </p:spPr>
+            </p:pic>
+            <p:pic>
+              <p:nvPicPr>
+                <p:cNvPr id="25" name="Image 24" descr="Une image contenant cercle, capture d’écran, vortex, spirale&#10;&#10;Description générée automatiquement">
+                  <a:extLst>
+                    <a:ext uri="{FF2B5EF4-FFF2-40B4-BE49-F238E27FC236}">
+                      <a16:creationId xmlns:a16="http://schemas.microsoft.com/office/drawing/2014/main" id="{8BD5CB84-B365-873C-5746-D9AB869B3AA5}"/>
+                    </a:ext>
+                  </a:extLst>
+                </p:cNvPr>
+                <p:cNvPicPr>
+                  <a:picLocks noChangeAspect="1"/>
+                </p:cNvPicPr>
+                <p:nvPr/>
+              </p:nvPicPr>
+              <p:blipFill>
+                <a:blip r:embed="rId26">
+                  <a:extLst>
+                    <a:ext uri="{28A0092B-C50C-407E-A947-70E740481C1C}">
+                      <a14:useLocalDpi xmlns:a14="http://schemas.microsoft.com/office/drawing/2010/main" val="0"/>
+                    </a:ext>
+                  </a:extLst>
+                </a:blip>
+                <a:stretch>
+                  <a:fillRect/>
+                </a:stretch>
+              </p:blipFill>
+              <p:spPr>
+                <a:xfrm>
+                  <a:off x="17503016" y="5844780"/>
+                  <a:ext cx="3750297" cy="2376750"/>
+                </a:xfrm>
+                <a:prstGeom prst="rect">
+                  <a:avLst/>
+                </a:prstGeom>
+              </p:spPr>
+            </p:pic>
+            <p:pic>
+              <p:nvPicPr>
+                <p:cNvPr id="27" name="Image 26" descr="Une image contenant Police, Graphique, logo, cercle&#10;&#10;Description générée automatiquement">
+                  <a:extLst>
+                    <a:ext uri="{FF2B5EF4-FFF2-40B4-BE49-F238E27FC236}">
+                      <a16:creationId xmlns:a16="http://schemas.microsoft.com/office/drawing/2014/main" id="{25248BAE-3CC6-9A14-0882-72632CDE564E}"/>
+                    </a:ext>
+                  </a:extLst>
+                </p:cNvPr>
+                <p:cNvPicPr>
+                  <a:picLocks noChangeAspect="1"/>
+                </p:cNvPicPr>
+                <p:nvPr/>
+              </p:nvPicPr>
+              <p:blipFill>
+                <a:blip r:embed="rId27">
+                  <a:extLst>
+                    <a:ext uri="{28A0092B-C50C-407E-A947-70E740481C1C}">
+                      <a14:useLocalDpi xmlns:a14="http://schemas.microsoft.com/office/drawing/2010/main" val="0"/>
+                    </a:ext>
+                  </a:extLst>
+                </a:blip>
+                <a:stretch>
+                  <a:fillRect/>
+                </a:stretch>
+              </p:blipFill>
+              <p:spPr>
+                <a:xfrm>
+                  <a:off x="15150797" y="6091180"/>
+                  <a:ext cx="1838159" cy="1838160"/>
+                </a:xfrm>
+                <a:prstGeom prst="rect">
+                  <a:avLst/>
+                </a:prstGeom>
+              </p:spPr>
+            </p:pic>
+          </p:grpSp>
+          <p:pic>
+            <p:nvPicPr>
+              <p:cNvPr id="59" name="Image 58" descr="Une image contenant Graphique, cercle, Police, graphisme&#10;&#10;Description générée automatiquement">
+                <a:extLst>
+                  <a:ext uri="{FF2B5EF4-FFF2-40B4-BE49-F238E27FC236}">
+                    <a16:creationId xmlns:a16="http://schemas.microsoft.com/office/drawing/2014/main" id="{ED0BF02E-581C-473D-ABCB-BCFC3FA07266}"/>
+                  </a:ext>
+                </a:extLst>
+              </p:cNvPr>
+              <p:cNvPicPr>
+                <a:picLocks noChangeAspect="1"/>
+              </p:cNvPicPr>
+              <p:nvPr/>
+            </p:nvPicPr>
+            <p:blipFill>
+              <a:blip r:embed="rId28">
+                <a:extLst>
+                  <a:ext uri="{28A0092B-C50C-407E-A947-70E740481C1C}">
+                    <a14:useLocalDpi xmlns:a14="http://schemas.microsoft.com/office/drawing/2010/main" val="0"/>
+                  </a:ext>
+                </a:extLst>
+              </a:blip>
+              <a:stretch>
+                <a:fillRect/>
+              </a:stretch>
+            </p:blipFill>
+            <p:spPr>
+              <a:xfrm>
+                <a:off x="29797155" y="6645432"/>
+                <a:ext cx="2080023" cy="2036689"/>
+              </a:xfrm>
+              <a:prstGeom prst="rect">
+                <a:avLst/>
+              </a:prstGeom>
+            </p:spPr>
+          </p:pic>
+        </p:grpSp>
+        <p:pic>
+          <p:nvPicPr>
+            <p:cNvPr id="63" name="Graphique 62">
+              <a:extLst>
+                <a:ext uri="{FF2B5EF4-FFF2-40B4-BE49-F238E27FC236}">
+                  <a16:creationId xmlns:a16="http://schemas.microsoft.com/office/drawing/2014/main" id="{56813996-C95C-691F-0009-DFD40A1B9AA3}"/>
+                </a:ext>
+              </a:extLst>
+            </p:cNvPr>
+            <p:cNvPicPr>
+              <a:picLocks noChangeAspect="1"/>
+            </p:cNvPicPr>
+            <p:nvPr/>
+          </p:nvPicPr>
+          <p:blipFill>
+            <a:blip r:embed="rId29">
+              <a:extLst>
+                <a:ext uri="{28A0092B-C50C-407E-A947-70E740481C1C}">
+                  <a14:useLocalDpi xmlns:a14="http://schemas.microsoft.com/office/drawing/2010/main" val="0"/>
+                </a:ext>
+                <a:ext uri="{96DAC541-7B7A-43D3-8B79-37D633B846F1}">
+                  <asvg:svgBlip xmlns:asvg="http://schemas.microsoft.com/office/drawing/2016/SVG/main" r:embed="rId30"/>
+                </a:ext>
+              </a:extLst>
+            </a:blip>
+            <a:stretch>
+              <a:fillRect/>
+            </a:stretch>
+          </p:blipFill>
+          <p:spPr>
+            <a:xfrm>
+              <a:off x="23498168" y="6556320"/>
+              <a:ext cx="5285532" cy="2138080"/>
             </a:xfrm>
             <a:prstGeom prst="rect">
               <a:avLst/>
